--- a/DesignDeAltoNivel.pptx
+++ b/DesignDeAltoNivel.pptx
@@ -7,6 +7,7 @@
   <p:sldIdLst>
     <p:sldId id="257" r:id="rId2"/>
     <p:sldId id="258" r:id="rId3"/>
+    <p:sldId id="259" r:id="rId4"/>
   </p:sldIdLst>
   <p:sldSz cx="12192000" cy="6858000"/>
   <p:notesSz cx="6858000" cy="9144000"/>
@@ -105,6 +106,11 @@
       </a:defRPr>
     </a:lvl9pPr>
   </p:defaultTextStyle>
+  <p:extLst>
+    <p:ext uri="{EFAFB233-063F-42B5-8137-9DF3F51BA10A}">
+      <p15:sldGuideLst xmlns:p15="http://schemas.microsoft.com/office/powerpoint/2012/main"/>
+    </p:ext>
+  </p:extLst>
 </p:presentation>
 </file>
 
@@ -255,7 +261,7 @@
           <a:p>
             <a:fld id="{4ED91E11-6E8C-46BE-9183-7EBA352FEBBF}" type="datetimeFigureOut">
               <a:rPr lang="pt-PT" smtClean="0"/>
-              <a:t>27/06/2022</a:t>
+              <a:t>28/06/2022</a:t>
             </a:fld>
             <a:endParaRPr lang="pt-PT" dirty="0"/>
           </a:p>
@@ -309,7 +315,7 @@
           <a:p>
             <a:fld id="{F079EAC3-D70F-48B7-ACC5-C0391A2F8C09}" type="slidenum">
               <a:rPr lang="pt-PT" smtClean="0"/>
-              <a:t>‹nº›</a:t>
+              <a:t>‹#›</a:t>
             </a:fld>
             <a:endParaRPr lang="pt-PT" dirty="0"/>
           </a:p>
@@ -453,7 +459,7 @@
           <a:p>
             <a:fld id="{4ED91E11-6E8C-46BE-9183-7EBA352FEBBF}" type="datetimeFigureOut">
               <a:rPr lang="pt-PT" smtClean="0"/>
-              <a:t>27/06/2022</a:t>
+              <a:t>28/06/2022</a:t>
             </a:fld>
             <a:endParaRPr lang="pt-PT" dirty="0"/>
           </a:p>
@@ -507,7 +513,7 @@
           <a:p>
             <a:fld id="{F079EAC3-D70F-48B7-ACC5-C0391A2F8C09}" type="slidenum">
               <a:rPr lang="pt-PT" smtClean="0"/>
-              <a:t>‹nº›</a:t>
+              <a:t>‹#›</a:t>
             </a:fld>
             <a:endParaRPr lang="pt-PT" dirty="0"/>
           </a:p>
@@ -661,7 +667,7 @@
           <a:p>
             <a:fld id="{4ED91E11-6E8C-46BE-9183-7EBA352FEBBF}" type="datetimeFigureOut">
               <a:rPr lang="pt-PT" smtClean="0"/>
-              <a:t>27/06/2022</a:t>
+              <a:t>28/06/2022</a:t>
             </a:fld>
             <a:endParaRPr lang="pt-PT" dirty="0"/>
           </a:p>
@@ -715,7 +721,7 @@
           <a:p>
             <a:fld id="{F079EAC3-D70F-48B7-ACC5-C0391A2F8C09}" type="slidenum">
               <a:rPr lang="pt-PT" smtClean="0"/>
-              <a:t>‹nº›</a:t>
+              <a:t>‹#›</a:t>
             </a:fld>
             <a:endParaRPr lang="pt-PT" dirty="0"/>
           </a:p>
@@ -859,7 +865,7 @@
           <a:p>
             <a:fld id="{4ED91E11-6E8C-46BE-9183-7EBA352FEBBF}" type="datetimeFigureOut">
               <a:rPr lang="pt-PT" smtClean="0"/>
-              <a:t>27/06/2022</a:t>
+              <a:t>28/06/2022</a:t>
             </a:fld>
             <a:endParaRPr lang="pt-PT" dirty="0"/>
           </a:p>
@@ -913,7 +919,7 @@
           <a:p>
             <a:fld id="{F079EAC3-D70F-48B7-ACC5-C0391A2F8C09}" type="slidenum">
               <a:rPr lang="pt-PT" smtClean="0"/>
-              <a:t>‹nº›</a:t>
+              <a:t>‹#›</a:t>
             </a:fld>
             <a:endParaRPr lang="pt-PT" dirty="0"/>
           </a:p>
@@ -1134,7 +1140,7 @@
           <a:p>
             <a:fld id="{4ED91E11-6E8C-46BE-9183-7EBA352FEBBF}" type="datetimeFigureOut">
               <a:rPr lang="pt-PT" smtClean="0"/>
-              <a:t>27/06/2022</a:t>
+              <a:t>28/06/2022</a:t>
             </a:fld>
             <a:endParaRPr lang="pt-PT" dirty="0"/>
           </a:p>
@@ -1188,7 +1194,7 @@
           <a:p>
             <a:fld id="{F079EAC3-D70F-48B7-ACC5-C0391A2F8C09}" type="slidenum">
               <a:rPr lang="pt-PT" smtClean="0"/>
-              <a:t>‹nº›</a:t>
+              <a:t>‹#›</a:t>
             </a:fld>
             <a:endParaRPr lang="pt-PT" dirty="0"/>
           </a:p>
@@ -1399,7 +1405,7 @@
           <a:p>
             <a:fld id="{4ED91E11-6E8C-46BE-9183-7EBA352FEBBF}" type="datetimeFigureOut">
               <a:rPr lang="pt-PT" smtClean="0"/>
-              <a:t>27/06/2022</a:t>
+              <a:t>28/06/2022</a:t>
             </a:fld>
             <a:endParaRPr lang="pt-PT" dirty="0"/>
           </a:p>
@@ -1453,7 +1459,7 @@
           <a:p>
             <a:fld id="{F079EAC3-D70F-48B7-ACC5-C0391A2F8C09}" type="slidenum">
               <a:rPr lang="pt-PT" smtClean="0"/>
-              <a:t>‹nº›</a:t>
+              <a:t>‹#›</a:t>
             </a:fld>
             <a:endParaRPr lang="pt-PT" dirty="0"/>
           </a:p>
@@ -1811,7 +1817,7 @@
           <a:p>
             <a:fld id="{4ED91E11-6E8C-46BE-9183-7EBA352FEBBF}" type="datetimeFigureOut">
               <a:rPr lang="pt-PT" smtClean="0"/>
-              <a:t>27/06/2022</a:t>
+              <a:t>28/06/2022</a:t>
             </a:fld>
             <a:endParaRPr lang="pt-PT" dirty="0"/>
           </a:p>
@@ -1865,7 +1871,7 @@
           <a:p>
             <a:fld id="{F079EAC3-D70F-48B7-ACC5-C0391A2F8C09}" type="slidenum">
               <a:rPr lang="pt-PT" smtClean="0"/>
-              <a:t>‹nº›</a:t>
+              <a:t>‹#›</a:t>
             </a:fld>
             <a:endParaRPr lang="pt-PT" dirty="0"/>
           </a:p>
@@ -1952,7 +1958,7 @@
           <a:p>
             <a:fld id="{4ED91E11-6E8C-46BE-9183-7EBA352FEBBF}" type="datetimeFigureOut">
               <a:rPr lang="pt-PT" smtClean="0"/>
-              <a:t>27/06/2022</a:t>
+              <a:t>28/06/2022</a:t>
             </a:fld>
             <a:endParaRPr lang="pt-PT" dirty="0"/>
           </a:p>
@@ -2006,7 +2012,7 @@
           <a:p>
             <a:fld id="{F079EAC3-D70F-48B7-ACC5-C0391A2F8C09}" type="slidenum">
               <a:rPr lang="pt-PT" smtClean="0"/>
-              <a:t>‹nº›</a:t>
+              <a:t>‹#›</a:t>
             </a:fld>
             <a:endParaRPr lang="pt-PT" dirty="0"/>
           </a:p>
@@ -2065,7 +2071,7 @@
           <a:p>
             <a:fld id="{4ED91E11-6E8C-46BE-9183-7EBA352FEBBF}" type="datetimeFigureOut">
               <a:rPr lang="pt-PT" smtClean="0"/>
-              <a:t>27/06/2022</a:t>
+              <a:t>28/06/2022</a:t>
             </a:fld>
             <a:endParaRPr lang="pt-PT" dirty="0"/>
           </a:p>
@@ -2119,7 +2125,7 @@
           <a:p>
             <a:fld id="{F079EAC3-D70F-48B7-ACC5-C0391A2F8C09}" type="slidenum">
               <a:rPr lang="pt-PT" smtClean="0"/>
-              <a:t>‹nº›</a:t>
+              <a:t>‹#›</a:t>
             </a:fld>
             <a:endParaRPr lang="pt-PT" dirty="0"/>
           </a:p>
@@ -2376,7 +2382,7 @@
           <a:p>
             <a:fld id="{4ED91E11-6E8C-46BE-9183-7EBA352FEBBF}" type="datetimeFigureOut">
               <a:rPr lang="pt-PT" smtClean="0"/>
-              <a:t>27/06/2022</a:t>
+              <a:t>28/06/2022</a:t>
             </a:fld>
             <a:endParaRPr lang="pt-PT" dirty="0"/>
           </a:p>
@@ -2430,7 +2436,7 @@
           <a:p>
             <a:fld id="{F079EAC3-D70F-48B7-ACC5-C0391A2F8C09}" type="slidenum">
               <a:rPr lang="pt-PT" smtClean="0"/>
-              <a:t>‹nº›</a:t>
+              <a:t>‹#›</a:t>
             </a:fld>
             <a:endParaRPr lang="pt-PT" dirty="0"/>
           </a:p>
@@ -2664,7 +2670,7 @@
           <a:p>
             <a:fld id="{4ED91E11-6E8C-46BE-9183-7EBA352FEBBF}" type="datetimeFigureOut">
               <a:rPr lang="pt-PT" smtClean="0"/>
-              <a:t>27/06/2022</a:t>
+              <a:t>28/06/2022</a:t>
             </a:fld>
             <a:endParaRPr lang="pt-PT" dirty="0"/>
           </a:p>
@@ -2718,7 +2724,7 @@
           <a:p>
             <a:fld id="{F079EAC3-D70F-48B7-ACC5-C0391A2F8C09}" type="slidenum">
               <a:rPr lang="pt-PT" smtClean="0"/>
-              <a:t>‹nº›</a:t>
+              <a:t>‹#›</a:t>
             </a:fld>
             <a:endParaRPr lang="pt-PT" dirty="0"/>
           </a:p>
@@ -2905,7 +2911,7 @@
           <a:p>
             <a:fld id="{4ED91E11-6E8C-46BE-9183-7EBA352FEBBF}" type="datetimeFigureOut">
               <a:rPr lang="pt-PT" smtClean="0"/>
-              <a:t>27/06/2022</a:t>
+              <a:t>28/06/2022</a:t>
             </a:fld>
             <a:endParaRPr lang="pt-PT" dirty="0"/>
           </a:p>
@@ -2995,7 +3001,7 @@
           <a:p>
             <a:fld id="{F079EAC3-D70F-48B7-ACC5-C0391A2F8C09}" type="slidenum">
               <a:rPr lang="pt-PT" smtClean="0"/>
-              <a:t>‹nº›</a:t>
+              <a:t>‹#›</a:t>
             </a:fld>
             <a:endParaRPr lang="pt-PT" dirty="0"/>
           </a:p>
@@ -3336,7 +3342,7 @@
         </p:nvGrpSpPr>
         <p:grpSpPr>
           <a:xfrm>
-            <a:off x="2124236" y="803945"/>
+            <a:off x="2157188" y="820421"/>
             <a:ext cx="6737856" cy="5358158"/>
             <a:chOff x="2124236" y="803945"/>
             <a:chExt cx="6737856" cy="5358158"/>
@@ -5727,7 +5733,7 @@
               <a:pPr algn="ctr"/>
               <a:r>
                 <a:rPr lang="pt-PT" sz="1200" dirty="0"/>
-                <a:t>Bagage</a:t>
+                <a:t>Baggage</a:t>
               </a:r>
             </a:p>
           </p:txBody>
@@ -6528,7 +6534,7 @@
               </a:r>
               <a:r>
                 <a:rPr lang="pt-PT" sz="800" dirty="0"/>
-                <a:t>Electric Motor</a:t>
+                <a:t>Electric Rotor</a:t>
               </a:r>
             </a:p>
           </p:txBody>
@@ -8876,6 +8882,2107 @@
 </p:sld>
 </file>
 
+<file path=ppt/slides/slide3.xml><?xml version="1.0" encoding="utf-8"?>
+<p:sld xmlns:a="http://schemas.openxmlformats.org/drawingml/2006/main" xmlns:r="http://schemas.openxmlformats.org/officeDocument/2006/relationships" xmlns:p="http://schemas.openxmlformats.org/presentationml/2006/main">
+  <p:cSld>
+    <p:spTree>
+      <p:nvGrpSpPr>
+        <p:cNvPr id="1" name=""/>
+        <p:cNvGrpSpPr/>
+        <p:nvPr/>
+      </p:nvGrpSpPr>
+      <p:grpSpPr>
+        <a:xfrm>
+          <a:off x="0" y="0"/>
+          <a:ext cx="0" cy="0"/>
+          <a:chOff x="0" y="0"/>
+          <a:chExt cx="0" cy="0"/>
+        </a:xfrm>
+      </p:grpSpPr>
+      <p:grpSp>
+        <p:nvGrpSpPr>
+          <p:cNvPr id="112" name="Agrupar 111">
+            <a:extLst>
+              <a:ext uri="{FF2B5EF4-FFF2-40B4-BE49-F238E27FC236}">
+                <a16:creationId xmlns:a16="http://schemas.microsoft.com/office/drawing/2014/main" id="{CB3BEEB5-D039-7BAA-4AE4-476AA991CF53}"/>
+              </a:ext>
+            </a:extLst>
+          </p:cNvPr>
+          <p:cNvGrpSpPr/>
+          <p:nvPr/>
+        </p:nvGrpSpPr>
+        <p:grpSpPr>
+          <a:xfrm>
+            <a:off x="2237954" y="820421"/>
+            <a:ext cx="6657090" cy="4723095"/>
+            <a:chOff x="2205002" y="803945"/>
+            <a:chExt cx="6657090" cy="4723095"/>
+          </a:xfrm>
+        </p:grpSpPr>
+        <p:grpSp>
+          <p:nvGrpSpPr>
+            <p:cNvPr id="13" name="Agrupar 12">
+              <a:extLst>
+                <a:ext uri="{FF2B5EF4-FFF2-40B4-BE49-F238E27FC236}">
+                  <a16:creationId xmlns:a16="http://schemas.microsoft.com/office/drawing/2014/main" id="{7D681D2C-1226-68D3-E858-81DF708ADBF9}"/>
+                </a:ext>
+              </a:extLst>
+            </p:cNvPr>
+            <p:cNvGrpSpPr/>
+            <p:nvPr/>
+          </p:nvGrpSpPr>
+          <p:grpSpPr>
+            <a:xfrm flipH="1">
+              <a:off x="3089239" y="1848232"/>
+              <a:ext cx="5538906" cy="3678808"/>
+              <a:chOff x="3203563" y="990982"/>
+              <a:chExt cx="5538906" cy="3678808"/>
+            </a:xfrm>
+          </p:grpSpPr>
+          <p:sp>
+            <p:nvSpPr>
+              <p:cNvPr id="8" name="Retângulo 7">
+                <a:extLst>
+                  <a:ext uri="{FF2B5EF4-FFF2-40B4-BE49-F238E27FC236}">
+                    <a16:creationId xmlns:a16="http://schemas.microsoft.com/office/drawing/2014/main" id="{9E6BDAEE-2DF3-B4FD-6729-0E9FE57D7A76}"/>
+                  </a:ext>
+                </a:extLst>
+              </p:cNvPr>
+              <p:cNvSpPr/>
+              <p:nvPr/>
+            </p:nvSpPr>
+            <p:spPr>
+              <a:xfrm>
+                <a:off x="3510280" y="990982"/>
+                <a:ext cx="1226820" cy="3337178"/>
+              </a:xfrm>
+              <a:prstGeom prst="rect">
+                <a:avLst/>
+              </a:prstGeom>
+              <a:solidFill>
+                <a:schemeClr val="bg2">
+                  <a:lumMod val="90000"/>
+                </a:schemeClr>
+              </a:solidFill>
+              <a:ln>
+                <a:solidFill>
+                  <a:schemeClr val="bg2">
+                    <a:lumMod val="50000"/>
+                  </a:schemeClr>
+                </a:solidFill>
+              </a:ln>
+            </p:spPr>
+            <p:style>
+              <a:lnRef idx="2">
+                <a:schemeClr val="accent1">
+                  <a:shade val="50000"/>
+                </a:schemeClr>
+              </a:lnRef>
+              <a:fillRef idx="1">
+                <a:schemeClr val="accent1"/>
+              </a:fillRef>
+              <a:effectRef idx="0">
+                <a:schemeClr val="accent1"/>
+              </a:effectRef>
+              <a:fontRef idx="minor">
+                <a:schemeClr val="lt1"/>
+              </a:fontRef>
+            </p:style>
+            <p:txBody>
+              <a:bodyPr rtlCol="0" anchor="ctr"/>
+              <a:lstStyle/>
+              <a:p>
+                <a:pPr algn="ctr"/>
+                <a:endParaRPr lang="pt-PT" dirty="0"/>
+              </a:p>
+            </p:txBody>
+          </p:sp>
+          <p:sp>
+            <p:nvSpPr>
+              <p:cNvPr id="9" name="Retângulo 8">
+                <a:extLst>
+                  <a:ext uri="{FF2B5EF4-FFF2-40B4-BE49-F238E27FC236}">
+                    <a16:creationId xmlns:a16="http://schemas.microsoft.com/office/drawing/2014/main" id="{064401E6-1760-7B57-FA17-A25A90420738}"/>
+                  </a:ext>
+                </a:extLst>
+              </p:cNvPr>
+              <p:cNvSpPr/>
+              <p:nvPr/>
+            </p:nvSpPr>
+            <p:spPr>
+              <a:xfrm>
+                <a:off x="6173966" y="990982"/>
+                <a:ext cx="1226820" cy="3337178"/>
+              </a:xfrm>
+              <a:prstGeom prst="rect">
+                <a:avLst/>
+              </a:prstGeom>
+              <a:solidFill>
+                <a:schemeClr val="bg2">
+                  <a:lumMod val="90000"/>
+                </a:schemeClr>
+              </a:solidFill>
+              <a:ln>
+                <a:solidFill>
+                  <a:schemeClr val="bg2">
+                    <a:lumMod val="50000"/>
+                  </a:schemeClr>
+                </a:solidFill>
+              </a:ln>
+            </p:spPr>
+            <p:style>
+              <a:lnRef idx="2">
+                <a:schemeClr val="accent1">
+                  <a:shade val="50000"/>
+                </a:schemeClr>
+              </a:lnRef>
+              <a:fillRef idx="1">
+                <a:schemeClr val="accent1"/>
+              </a:fillRef>
+              <a:effectRef idx="0">
+                <a:schemeClr val="accent1"/>
+              </a:effectRef>
+              <a:fontRef idx="minor">
+                <a:schemeClr val="lt1"/>
+              </a:fontRef>
+            </p:style>
+            <p:txBody>
+              <a:bodyPr rtlCol="0" anchor="ctr"/>
+              <a:lstStyle/>
+              <a:p>
+                <a:pPr algn="ctr"/>
+                <a:endParaRPr lang="pt-PT" dirty="0"/>
+              </a:p>
+            </p:txBody>
+          </p:sp>
+          <p:sp>
+            <p:nvSpPr>
+              <p:cNvPr id="6" name="Retângulo 5">
+                <a:extLst>
+                  <a:ext uri="{FF2B5EF4-FFF2-40B4-BE49-F238E27FC236}">
+                    <a16:creationId xmlns:a16="http://schemas.microsoft.com/office/drawing/2014/main" id="{A8A3E4C9-41B0-CAE7-7F23-19CECA504009}"/>
+                  </a:ext>
+                </a:extLst>
+              </p:cNvPr>
+              <p:cNvSpPr/>
+              <p:nvPr/>
+            </p:nvSpPr>
+            <p:spPr>
+              <a:xfrm>
+                <a:off x="4119217" y="3269974"/>
+                <a:ext cx="3988905" cy="1393466"/>
+              </a:xfrm>
+              <a:prstGeom prst="rect">
+                <a:avLst/>
+              </a:prstGeom>
+              <a:solidFill>
+                <a:schemeClr val="bg2">
+                  <a:lumMod val="90000"/>
+                </a:schemeClr>
+              </a:solidFill>
+              <a:ln>
+                <a:solidFill>
+                  <a:schemeClr val="bg2">
+                    <a:lumMod val="50000"/>
+                  </a:schemeClr>
+                </a:solidFill>
+              </a:ln>
+            </p:spPr>
+            <p:style>
+              <a:lnRef idx="2">
+                <a:schemeClr val="accent1">
+                  <a:shade val="50000"/>
+                </a:schemeClr>
+              </a:lnRef>
+              <a:fillRef idx="1">
+                <a:schemeClr val="accent1"/>
+              </a:fillRef>
+              <a:effectRef idx="0">
+                <a:schemeClr val="accent1"/>
+              </a:effectRef>
+              <a:fontRef idx="minor">
+                <a:schemeClr val="lt1"/>
+              </a:fontRef>
+            </p:style>
+            <p:txBody>
+              <a:bodyPr rtlCol="0" anchor="ctr"/>
+              <a:lstStyle/>
+              <a:p>
+                <a:pPr algn="ctr"/>
+                <a:endParaRPr lang="pt-PT" dirty="0"/>
+              </a:p>
+            </p:txBody>
+          </p:sp>
+          <p:sp>
+            <p:nvSpPr>
+              <p:cNvPr id="7" name="Fluxograma: Atraso 6">
+                <a:extLst>
+                  <a:ext uri="{FF2B5EF4-FFF2-40B4-BE49-F238E27FC236}">
+                    <a16:creationId xmlns:a16="http://schemas.microsoft.com/office/drawing/2014/main" id="{A6DF496E-F81E-8138-F775-0BB5981FBC7C}"/>
+                  </a:ext>
+                </a:extLst>
+              </p:cNvPr>
+              <p:cNvSpPr/>
+              <p:nvPr/>
+            </p:nvSpPr>
+            <p:spPr>
+              <a:xfrm flipH="1">
+                <a:off x="3203563" y="3269974"/>
+                <a:ext cx="915654" cy="1393466"/>
+              </a:xfrm>
+              <a:custGeom>
+                <a:avLst/>
+                <a:gdLst>
+                  <a:gd name="connsiteX0" fmla="*/ 0 w 915642"/>
+                  <a:gd name="connsiteY0" fmla="*/ 0 h 1393466"/>
+                  <a:gd name="connsiteX1" fmla="*/ 457821 w 915642"/>
+                  <a:gd name="connsiteY1" fmla="*/ 0 h 1393466"/>
+                  <a:gd name="connsiteX2" fmla="*/ 915642 w 915642"/>
+                  <a:gd name="connsiteY2" fmla="*/ 696733 h 1393466"/>
+                  <a:gd name="connsiteX3" fmla="*/ 457821 w 915642"/>
+                  <a:gd name="connsiteY3" fmla="*/ 1393466 h 1393466"/>
+                  <a:gd name="connsiteX4" fmla="*/ 0 w 915642"/>
+                  <a:gd name="connsiteY4" fmla="*/ 1393466 h 1393466"/>
+                  <a:gd name="connsiteX5" fmla="*/ 0 w 915642"/>
+                  <a:gd name="connsiteY5" fmla="*/ 0 h 1393466"/>
+                  <a:gd name="connsiteX0" fmla="*/ 0 w 921802"/>
+                  <a:gd name="connsiteY0" fmla="*/ 0 h 1393466"/>
+                  <a:gd name="connsiteX1" fmla="*/ 162546 w 921802"/>
+                  <a:gd name="connsiteY1" fmla="*/ 9525 h 1393466"/>
+                  <a:gd name="connsiteX2" fmla="*/ 915642 w 921802"/>
+                  <a:gd name="connsiteY2" fmla="*/ 696733 h 1393466"/>
+                  <a:gd name="connsiteX3" fmla="*/ 457821 w 921802"/>
+                  <a:gd name="connsiteY3" fmla="*/ 1393466 h 1393466"/>
+                  <a:gd name="connsiteX4" fmla="*/ 0 w 921802"/>
+                  <a:gd name="connsiteY4" fmla="*/ 1393466 h 1393466"/>
+                  <a:gd name="connsiteX5" fmla="*/ 0 w 921802"/>
+                  <a:gd name="connsiteY5" fmla="*/ 0 h 1393466"/>
+                  <a:gd name="connsiteX0" fmla="*/ 0 w 917247"/>
+                  <a:gd name="connsiteY0" fmla="*/ 0 h 1393466"/>
+                  <a:gd name="connsiteX1" fmla="*/ 319709 w 917247"/>
+                  <a:gd name="connsiteY1" fmla="*/ 4762 h 1393466"/>
+                  <a:gd name="connsiteX2" fmla="*/ 915642 w 917247"/>
+                  <a:gd name="connsiteY2" fmla="*/ 696733 h 1393466"/>
+                  <a:gd name="connsiteX3" fmla="*/ 457821 w 917247"/>
+                  <a:gd name="connsiteY3" fmla="*/ 1393466 h 1393466"/>
+                  <a:gd name="connsiteX4" fmla="*/ 0 w 917247"/>
+                  <a:gd name="connsiteY4" fmla="*/ 1393466 h 1393466"/>
+                  <a:gd name="connsiteX5" fmla="*/ 0 w 917247"/>
+                  <a:gd name="connsiteY5" fmla="*/ 0 h 1393466"/>
+                  <a:gd name="connsiteX0" fmla="*/ 0 w 917247"/>
+                  <a:gd name="connsiteY0" fmla="*/ 0 h 1395582"/>
+                  <a:gd name="connsiteX1" fmla="*/ 319709 w 917247"/>
+                  <a:gd name="connsiteY1" fmla="*/ 4762 h 1395582"/>
+                  <a:gd name="connsiteX2" fmla="*/ 915642 w 917247"/>
+                  <a:gd name="connsiteY2" fmla="*/ 696733 h 1395582"/>
+                  <a:gd name="connsiteX3" fmla="*/ 457821 w 917247"/>
+                  <a:gd name="connsiteY3" fmla="*/ 1393466 h 1395582"/>
+                  <a:gd name="connsiteX4" fmla="*/ 0 w 917247"/>
+                  <a:gd name="connsiteY4" fmla="*/ 1393466 h 1395582"/>
+                  <a:gd name="connsiteX5" fmla="*/ 0 w 917247"/>
+                  <a:gd name="connsiteY5" fmla="*/ 0 h 1395582"/>
+                  <a:gd name="connsiteX0" fmla="*/ 0 w 916004"/>
+                  <a:gd name="connsiteY0" fmla="*/ 0 h 1395582"/>
+                  <a:gd name="connsiteX1" fmla="*/ 319709 w 916004"/>
+                  <a:gd name="connsiteY1" fmla="*/ 4762 h 1395582"/>
+                  <a:gd name="connsiteX2" fmla="*/ 915642 w 916004"/>
+                  <a:gd name="connsiteY2" fmla="*/ 696733 h 1395582"/>
+                  <a:gd name="connsiteX3" fmla="*/ 391146 w 916004"/>
+                  <a:gd name="connsiteY3" fmla="*/ 1393466 h 1395582"/>
+                  <a:gd name="connsiteX4" fmla="*/ 0 w 916004"/>
+                  <a:gd name="connsiteY4" fmla="*/ 1393466 h 1395582"/>
+                  <a:gd name="connsiteX5" fmla="*/ 0 w 916004"/>
+                  <a:gd name="connsiteY5" fmla="*/ 0 h 1395582"/>
+                  <a:gd name="connsiteX0" fmla="*/ 0 w 915678"/>
+                  <a:gd name="connsiteY0" fmla="*/ 0 h 1399561"/>
+                  <a:gd name="connsiteX1" fmla="*/ 319709 w 915678"/>
+                  <a:gd name="connsiteY1" fmla="*/ 4762 h 1399561"/>
+                  <a:gd name="connsiteX2" fmla="*/ 915642 w 915678"/>
+                  <a:gd name="connsiteY2" fmla="*/ 696733 h 1399561"/>
+                  <a:gd name="connsiteX3" fmla="*/ 343521 w 915678"/>
+                  <a:gd name="connsiteY3" fmla="*/ 1398228 h 1399561"/>
+                  <a:gd name="connsiteX4" fmla="*/ 0 w 915678"/>
+                  <a:gd name="connsiteY4" fmla="*/ 1393466 h 1399561"/>
+                  <a:gd name="connsiteX5" fmla="*/ 0 w 915678"/>
+                  <a:gd name="connsiteY5" fmla="*/ 0 h 1399561"/>
+                  <a:gd name="connsiteX0" fmla="*/ 0 w 915654"/>
+                  <a:gd name="connsiteY0" fmla="*/ 0 h 1393466"/>
+                  <a:gd name="connsiteX1" fmla="*/ 319709 w 915654"/>
+                  <a:gd name="connsiteY1" fmla="*/ 4762 h 1393466"/>
+                  <a:gd name="connsiteX2" fmla="*/ 915642 w 915654"/>
+                  <a:gd name="connsiteY2" fmla="*/ 696733 h 1393466"/>
+                  <a:gd name="connsiteX3" fmla="*/ 333996 w 915654"/>
+                  <a:gd name="connsiteY3" fmla="*/ 1391878 h 1393466"/>
+                  <a:gd name="connsiteX4" fmla="*/ 0 w 915654"/>
+                  <a:gd name="connsiteY4" fmla="*/ 1393466 h 1393466"/>
+                  <a:gd name="connsiteX5" fmla="*/ 0 w 915654"/>
+                  <a:gd name="connsiteY5" fmla="*/ 0 h 1393466"/>
+                </a:gdLst>
+                <a:ahLst/>
+                <a:cxnLst>
+                  <a:cxn ang="0">
+                    <a:pos x="connsiteX0" y="connsiteY0"/>
+                  </a:cxn>
+                  <a:cxn ang="0">
+                    <a:pos x="connsiteX1" y="connsiteY1"/>
+                  </a:cxn>
+                  <a:cxn ang="0">
+                    <a:pos x="connsiteX2" y="connsiteY2"/>
+                  </a:cxn>
+                  <a:cxn ang="0">
+                    <a:pos x="connsiteX3" y="connsiteY3"/>
+                  </a:cxn>
+                  <a:cxn ang="0">
+                    <a:pos x="connsiteX4" y="connsiteY4"/>
+                  </a:cxn>
+                  <a:cxn ang="0">
+                    <a:pos x="connsiteX5" y="connsiteY5"/>
+                  </a:cxn>
+                </a:cxnLst>
+                <a:rect l="l" t="t" r="r" b="b"/>
+                <a:pathLst>
+                  <a:path w="915654" h="1393466">
+                    <a:moveTo>
+                      <a:pt x="0" y="0"/>
+                    </a:moveTo>
+                    <a:cubicBezTo>
+                      <a:pt x="152607" y="0"/>
+                      <a:pt x="167102" y="4762"/>
+                      <a:pt x="319709" y="4762"/>
+                    </a:cubicBezTo>
+                    <a:cubicBezTo>
+                      <a:pt x="572557" y="4762"/>
+                      <a:pt x="913261" y="465547"/>
+                      <a:pt x="915642" y="696733"/>
+                    </a:cubicBezTo>
+                    <a:cubicBezTo>
+                      <a:pt x="918023" y="927919"/>
+                      <a:pt x="586844" y="1391878"/>
+                      <a:pt x="333996" y="1391878"/>
+                    </a:cubicBezTo>
+                    <a:lnTo>
+                      <a:pt x="0" y="1393466"/>
+                    </a:lnTo>
+                    <a:lnTo>
+                      <a:pt x="0" y="0"/>
+                    </a:lnTo>
+                    <a:close/>
+                  </a:path>
+                </a:pathLst>
+              </a:custGeom>
+              <a:solidFill>
+                <a:schemeClr val="bg2">
+                  <a:lumMod val="90000"/>
+                </a:schemeClr>
+              </a:solidFill>
+              <a:ln>
+                <a:solidFill>
+                  <a:schemeClr val="bg2">
+                    <a:lumMod val="50000"/>
+                  </a:schemeClr>
+                </a:solidFill>
+              </a:ln>
+            </p:spPr>
+            <p:style>
+              <a:lnRef idx="2">
+                <a:schemeClr val="accent1">
+                  <a:shade val="50000"/>
+                </a:schemeClr>
+              </a:lnRef>
+              <a:fillRef idx="1">
+                <a:schemeClr val="accent1"/>
+              </a:fillRef>
+              <a:effectRef idx="0">
+                <a:schemeClr val="accent1"/>
+              </a:effectRef>
+              <a:fontRef idx="minor">
+                <a:schemeClr val="lt1"/>
+              </a:fontRef>
+            </p:style>
+            <p:txBody>
+              <a:bodyPr rtlCol="0" anchor="ctr"/>
+              <a:lstStyle/>
+              <a:p>
+                <a:pPr algn="ctr"/>
+                <a:endParaRPr lang="pt-PT" dirty="0"/>
+              </a:p>
+            </p:txBody>
+          </p:sp>
+          <p:sp>
+            <p:nvSpPr>
+              <p:cNvPr id="10" name="Fluxograma: Atraso 9">
+                <a:extLst>
+                  <a:ext uri="{FF2B5EF4-FFF2-40B4-BE49-F238E27FC236}">
+                    <a16:creationId xmlns:a16="http://schemas.microsoft.com/office/drawing/2014/main" id="{A0E66709-B77D-F6EA-3038-FEA15EC45FDC}"/>
+                  </a:ext>
+                </a:extLst>
+              </p:cNvPr>
+              <p:cNvSpPr/>
+              <p:nvPr/>
+            </p:nvSpPr>
+            <p:spPr>
+              <a:xfrm>
+                <a:off x="8108124" y="3263624"/>
+                <a:ext cx="634345" cy="1406166"/>
+              </a:xfrm>
+              <a:custGeom>
+                <a:avLst/>
+                <a:gdLst>
+                  <a:gd name="connsiteX0" fmla="*/ 0 w 608937"/>
+                  <a:gd name="connsiteY0" fmla="*/ 0 h 1393466"/>
+                  <a:gd name="connsiteX1" fmla="*/ 304469 w 608937"/>
+                  <a:gd name="connsiteY1" fmla="*/ 0 h 1393466"/>
+                  <a:gd name="connsiteX2" fmla="*/ 608938 w 608937"/>
+                  <a:gd name="connsiteY2" fmla="*/ 696733 h 1393466"/>
+                  <a:gd name="connsiteX3" fmla="*/ 304469 w 608937"/>
+                  <a:gd name="connsiteY3" fmla="*/ 1393466 h 1393466"/>
+                  <a:gd name="connsiteX4" fmla="*/ 0 w 608937"/>
+                  <a:gd name="connsiteY4" fmla="*/ 1393466 h 1393466"/>
+                  <a:gd name="connsiteX5" fmla="*/ 0 w 608937"/>
+                  <a:gd name="connsiteY5" fmla="*/ 0 h 1393466"/>
+                  <a:gd name="connsiteX0" fmla="*/ 0 w 634338"/>
+                  <a:gd name="connsiteY0" fmla="*/ 0 h 1393466"/>
+                  <a:gd name="connsiteX1" fmla="*/ 304469 w 634338"/>
+                  <a:gd name="connsiteY1" fmla="*/ 0 h 1393466"/>
+                  <a:gd name="connsiteX2" fmla="*/ 634338 w 634338"/>
+                  <a:gd name="connsiteY2" fmla="*/ 696733 h 1393466"/>
+                  <a:gd name="connsiteX3" fmla="*/ 304469 w 634338"/>
+                  <a:gd name="connsiteY3" fmla="*/ 1393466 h 1393466"/>
+                  <a:gd name="connsiteX4" fmla="*/ 0 w 634338"/>
+                  <a:gd name="connsiteY4" fmla="*/ 1393466 h 1393466"/>
+                  <a:gd name="connsiteX5" fmla="*/ 0 w 634338"/>
+                  <a:gd name="connsiteY5" fmla="*/ 0 h 1393466"/>
+                  <a:gd name="connsiteX0" fmla="*/ 0 w 635654"/>
+                  <a:gd name="connsiteY0" fmla="*/ 0 h 1399816"/>
+                  <a:gd name="connsiteX1" fmla="*/ 304469 w 635654"/>
+                  <a:gd name="connsiteY1" fmla="*/ 0 h 1399816"/>
+                  <a:gd name="connsiteX2" fmla="*/ 634338 w 635654"/>
+                  <a:gd name="connsiteY2" fmla="*/ 696733 h 1399816"/>
+                  <a:gd name="connsiteX3" fmla="*/ 193344 w 635654"/>
+                  <a:gd name="connsiteY3" fmla="*/ 1399816 h 1399816"/>
+                  <a:gd name="connsiteX4" fmla="*/ 0 w 635654"/>
+                  <a:gd name="connsiteY4" fmla="*/ 1393466 h 1399816"/>
+                  <a:gd name="connsiteX5" fmla="*/ 0 w 635654"/>
+                  <a:gd name="connsiteY5" fmla="*/ 0 h 1399816"/>
+                  <a:gd name="connsiteX0" fmla="*/ 0 w 636413"/>
+                  <a:gd name="connsiteY0" fmla="*/ 0 h 1402991"/>
+                  <a:gd name="connsiteX1" fmla="*/ 304469 w 636413"/>
+                  <a:gd name="connsiteY1" fmla="*/ 0 h 1402991"/>
+                  <a:gd name="connsiteX2" fmla="*/ 634338 w 636413"/>
+                  <a:gd name="connsiteY2" fmla="*/ 696733 h 1402991"/>
+                  <a:gd name="connsiteX3" fmla="*/ 161594 w 636413"/>
+                  <a:gd name="connsiteY3" fmla="*/ 1402991 h 1402991"/>
+                  <a:gd name="connsiteX4" fmla="*/ 0 w 636413"/>
+                  <a:gd name="connsiteY4" fmla="*/ 1393466 h 1402991"/>
+                  <a:gd name="connsiteX5" fmla="*/ 0 w 636413"/>
+                  <a:gd name="connsiteY5" fmla="*/ 0 h 1402991"/>
+                  <a:gd name="connsiteX0" fmla="*/ 0 w 637888"/>
+                  <a:gd name="connsiteY0" fmla="*/ 0 h 1393466"/>
+                  <a:gd name="connsiteX1" fmla="*/ 304469 w 637888"/>
+                  <a:gd name="connsiteY1" fmla="*/ 0 h 1393466"/>
+                  <a:gd name="connsiteX2" fmla="*/ 634338 w 637888"/>
+                  <a:gd name="connsiteY2" fmla="*/ 696733 h 1393466"/>
+                  <a:gd name="connsiteX3" fmla="*/ 110794 w 637888"/>
+                  <a:gd name="connsiteY3" fmla="*/ 1390291 h 1393466"/>
+                  <a:gd name="connsiteX4" fmla="*/ 0 w 637888"/>
+                  <a:gd name="connsiteY4" fmla="*/ 1393466 h 1393466"/>
+                  <a:gd name="connsiteX5" fmla="*/ 0 w 637888"/>
+                  <a:gd name="connsiteY5" fmla="*/ 0 h 1393466"/>
+                  <a:gd name="connsiteX0" fmla="*/ 0 w 637888"/>
+                  <a:gd name="connsiteY0" fmla="*/ 0 h 1393466"/>
+                  <a:gd name="connsiteX1" fmla="*/ 304469 w 637888"/>
+                  <a:gd name="connsiteY1" fmla="*/ 0 h 1393466"/>
+                  <a:gd name="connsiteX2" fmla="*/ 634338 w 637888"/>
+                  <a:gd name="connsiteY2" fmla="*/ 696733 h 1393466"/>
+                  <a:gd name="connsiteX3" fmla="*/ 110794 w 637888"/>
+                  <a:gd name="connsiteY3" fmla="*/ 1390291 h 1393466"/>
+                  <a:gd name="connsiteX4" fmla="*/ 0 w 637888"/>
+                  <a:gd name="connsiteY4" fmla="*/ 1393466 h 1393466"/>
+                  <a:gd name="connsiteX5" fmla="*/ 0 w 637888"/>
+                  <a:gd name="connsiteY5" fmla="*/ 0 h 1393466"/>
+                  <a:gd name="connsiteX0" fmla="*/ 0 w 641730"/>
+                  <a:gd name="connsiteY0" fmla="*/ 0 h 1399816"/>
+                  <a:gd name="connsiteX1" fmla="*/ 304469 w 641730"/>
+                  <a:gd name="connsiteY1" fmla="*/ 0 h 1399816"/>
+                  <a:gd name="connsiteX2" fmla="*/ 634338 w 641730"/>
+                  <a:gd name="connsiteY2" fmla="*/ 696733 h 1399816"/>
+                  <a:gd name="connsiteX3" fmla="*/ 6019 w 641730"/>
+                  <a:gd name="connsiteY3" fmla="*/ 1399816 h 1399816"/>
+                  <a:gd name="connsiteX4" fmla="*/ 0 w 641730"/>
+                  <a:gd name="connsiteY4" fmla="*/ 1393466 h 1399816"/>
+                  <a:gd name="connsiteX5" fmla="*/ 0 w 641730"/>
+                  <a:gd name="connsiteY5" fmla="*/ 0 h 1399816"/>
+                  <a:gd name="connsiteX0" fmla="*/ 0 w 641730"/>
+                  <a:gd name="connsiteY0" fmla="*/ 0 h 1399816"/>
+                  <a:gd name="connsiteX1" fmla="*/ 304469 w 641730"/>
+                  <a:gd name="connsiteY1" fmla="*/ 0 h 1399816"/>
+                  <a:gd name="connsiteX2" fmla="*/ 634338 w 641730"/>
+                  <a:gd name="connsiteY2" fmla="*/ 696733 h 1399816"/>
+                  <a:gd name="connsiteX3" fmla="*/ 6019 w 641730"/>
+                  <a:gd name="connsiteY3" fmla="*/ 1399816 h 1399816"/>
+                  <a:gd name="connsiteX4" fmla="*/ 0 w 641730"/>
+                  <a:gd name="connsiteY4" fmla="*/ 1393466 h 1399816"/>
+                  <a:gd name="connsiteX5" fmla="*/ 0 w 641730"/>
+                  <a:gd name="connsiteY5" fmla="*/ 0 h 1399816"/>
+                  <a:gd name="connsiteX0" fmla="*/ 0 w 634338"/>
+                  <a:gd name="connsiteY0" fmla="*/ 0 h 1399816"/>
+                  <a:gd name="connsiteX1" fmla="*/ 9194 w 634338"/>
+                  <a:gd name="connsiteY1" fmla="*/ 12700 h 1399816"/>
+                  <a:gd name="connsiteX2" fmla="*/ 634338 w 634338"/>
+                  <a:gd name="connsiteY2" fmla="*/ 696733 h 1399816"/>
+                  <a:gd name="connsiteX3" fmla="*/ 6019 w 634338"/>
+                  <a:gd name="connsiteY3" fmla="*/ 1399816 h 1399816"/>
+                  <a:gd name="connsiteX4" fmla="*/ 0 w 634338"/>
+                  <a:gd name="connsiteY4" fmla="*/ 1393466 h 1399816"/>
+                  <a:gd name="connsiteX5" fmla="*/ 0 w 634338"/>
+                  <a:gd name="connsiteY5" fmla="*/ 0 h 1399816"/>
+                  <a:gd name="connsiteX0" fmla="*/ 0 w 634338"/>
+                  <a:gd name="connsiteY0" fmla="*/ 0 h 1399816"/>
+                  <a:gd name="connsiteX1" fmla="*/ 9194 w 634338"/>
+                  <a:gd name="connsiteY1" fmla="*/ 12700 h 1399816"/>
+                  <a:gd name="connsiteX2" fmla="*/ 634338 w 634338"/>
+                  <a:gd name="connsiteY2" fmla="*/ 696733 h 1399816"/>
+                  <a:gd name="connsiteX3" fmla="*/ 6019 w 634338"/>
+                  <a:gd name="connsiteY3" fmla="*/ 1399816 h 1399816"/>
+                  <a:gd name="connsiteX4" fmla="*/ 0 w 634338"/>
+                  <a:gd name="connsiteY4" fmla="*/ 1393466 h 1399816"/>
+                  <a:gd name="connsiteX5" fmla="*/ 0 w 634338"/>
+                  <a:gd name="connsiteY5" fmla="*/ 0 h 1399816"/>
+                  <a:gd name="connsiteX0" fmla="*/ 0 w 634338"/>
+                  <a:gd name="connsiteY0" fmla="*/ 0 h 1399816"/>
+                  <a:gd name="connsiteX1" fmla="*/ 9194 w 634338"/>
+                  <a:gd name="connsiteY1" fmla="*/ 12700 h 1399816"/>
+                  <a:gd name="connsiteX2" fmla="*/ 634338 w 634338"/>
+                  <a:gd name="connsiteY2" fmla="*/ 696733 h 1399816"/>
+                  <a:gd name="connsiteX3" fmla="*/ 6019 w 634338"/>
+                  <a:gd name="connsiteY3" fmla="*/ 1399816 h 1399816"/>
+                  <a:gd name="connsiteX4" fmla="*/ 0 w 634338"/>
+                  <a:gd name="connsiteY4" fmla="*/ 1393466 h 1399816"/>
+                  <a:gd name="connsiteX5" fmla="*/ 0 w 634338"/>
+                  <a:gd name="connsiteY5" fmla="*/ 0 h 1399816"/>
+                  <a:gd name="connsiteX0" fmla="*/ 0 w 634345"/>
+                  <a:gd name="connsiteY0" fmla="*/ 6350 h 1406166"/>
+                  <a:gd name="connsiteX1" fmla="*/ 15544 w 634345"/>
+                  <a:gd name="connsiteY1" fmla="*/ 0 h 1406166"/>
+                  <a:gd name="connsiteX2" fmla="*/ 634338 w 634345"/>
+                  <a:gd name="connsiteY2" fmla="*/ 703083 h 1406166"/>
+                  <a:gd name="connsiteX3" fmla="*/ 6019 w 634345"/>
+                  <a:gd name="connsiteY3" fmla="*/ 1406166 h 1406166"/>
+                  <a:gd name="connsiteX4" fmla="*/ 0 w 634345"/>
+                  <a:gd name="connsiteY4" fmla="*/ 1399816 h 1406166"/>
+                  <a:gd name="connsiteX5" fmla="*/ 0 w 634345"/>
+                  <a:gd name="connsiteY5" fmla="*/ 6350 h 1406166"/>
+                  <a:gd name="connsiteX0" fmla="*/ 0 w 634345"/>
+                  <a:gd name="connsiteY0" fmla="*/ 12700 h 1406166"/>
+                  <a:gd name="connsiteX1" fmla="*/ 15544 w 634345"/>
+                  <a:gd name="connsiteY1" fmla="*/ 0 h 1406166"/>
+                  <a:gd name="connsiteX2" fmla="*/ 634338 w 634345"/>
+                  <a:gd name="connsiteY2" fmla="*/ 703083 h 1406166"/>
+                  <a:gd name="connsiteX3" fmla="*/ 6019 w 634345"/>
+                  <a:gd name="connsiteY3" fmla="*/ 1406166 h 1406166"/>
+                  <a:gd name="connsiteX4" fmla="*/ 0 w 634345"/>
+                  <a:gd name="connsiteY4" fmla="*/ 1399816 h 1406166"/>
+                  <a:gd name="connsiteX5" fmla="*/ 0 w 634345"/>
+                  <a:gd name="connsiteY5" fmla="*/ 12700 h 1406166"/>
+                </a:gdLst>
+                <a:ahLst/>
+                <a:cxnLst>
+                  <a:cxn ang="0">
+                    <a:pos x="connsiteX0" y="connsiteY0"/>
+                  </a:cxn>
+                  <a:cxn ang="0">
+                    <a:pos x="connsiteX1" y="connsiteY1"/>
+                  </a:cxn>
+                  <a:cxn ang="0">
+                    <a:pos x="connsiteX2" y="connsiteY2"/>
+                  </a:cxn>
+                  <a:cxn ang="0">
+                    <a:pos x="connsiteX3" y="connsiteY3"/>
+                  </a:cxn>
+                  <a:cxn ang="0">
+                    <a:pos x="connsiteX4" y="connsiteY4"/>
+                  </a:cxn>
+                  <a:cxn ang="0">
+                    <a:pos x="connsiteX5" y="connsiteY5"/>
+                  </a:cxn>
+                </a:cxnLst>
+                <a:rect l="l" t="t" r="r" b="b"/>
+                <a:pathLst>
+                  <a:path w="634345" h="1406166">
+                    <a:moveTo>
+                      <a:pt x="0" y="12700"/>
+                    </a:moveTo>
+                    <a:lnTo>
+                      <a:pt x="15544" y="0"/>
+                    </a:lnTo>
+                    <a:cubicBezTo>
+                      <a:pt x="367848" y="203200"/>
+                      <a:pt x="635926" y="468722"/>
+                      <a:pt x="634338" y="703083"/>
+                    </a:cubicBezTo>
+                    <a:cubicBezTo>
+                      <a:pt x="632751" y="937444"/>
+                      <a:pt x="532948" y="1095016"/>
+                      <a:pt x="6019" y="1406166"/>
+                    </a:cubicBezTo>
+                    <a:lnTo>
+                      <a:pt x="0" y="1399816"/>
+                    </a:lnTo>
+                    <a:lnTo>
+                      <a:pt x="0" y="12700"/>
+                    </a:lnTo>
+                    <a:close/>
+                  </a:path>
+                </a:pathLst>
+              </a:custGeom>
+              <a:solidFill>
+                <a:schemeClr val="bg2">
+                  <a:lumMod val="90000"/>
+                </a:schemeClr>
+              </a:solidFill>
+              <a:ln>
+                <a:solidFill>
+                  <a:schemeClr val="bg2">
+                    <a:lumMod val="50000"/>
+                  </a:schemeClr>
+                </a:solidFill>
+              </a:ln>
+            </p:spPr>
+            <p:style>
+              <a:lnRef idx="2">
+                <a:schemeClr val="accent1">
+                  <a:shade val="50000"/>
+                </a:schemeClr>
+              </a:lnRef>
+              <a:fillRef idx="1">
+                <a:schemeClr val="accent1"/>
+              </a:fillRef>
+              <a:effectRef idx="0">
+                <a:schemeClr val="accent1"/>
+              </a:effectRef>
+              <a:fontRef idx="minor">
+                <a:schemeClr val="lt1"/>
+              </a:fontRef>
+            </p:style>
+            <p:txBody>
+              <a:bodyPr rtlCol="0" anchor="ctr"/>
+              <a:lstStyle/>
+              <a:p>
+                <a:pPr algn="ctr"/>
+                <a:endParaRPr lang="pt-PT" dirty="0"/>
+              </a:p>
+            </p:txBody>
+          </p:sp>
+        </p:grpSp>
+        <p:grpSp>
+          <p:nvGrpSpPr>
+            <p:cNvPr id="50" name="Agrupar 49">
+              <a:extLst>
+                <a:ext uri="{FF2B5EF4-FFF2-40B4-BE49-F238E27FC236}">
+                  <a16:creationId xmlns:a16="http://schemas.microsoft.com/office/drawing/2014/main" id="{6943E87C-8474-1CD7-B77F-275FCB6DD712}"/>
+                </a:ext>
+              </a:extLst>
+            </p:cNvPr>
+            <p:cNvGrpSpPr/>
+            <p:nvPr/>
+          </p:nvGrpSpPr>
+          <p:grpSpPr>
+            <a:xfrm>
+              <a:off x="3924251" y="4256426"/>
+              <a:ext cx="2117268" cy="288000"/>
+              <a:chOff x="3924251" y="4256426"/>
+              <a:chExt cx="2117268" cy="288000"/>
+            </a:xfrm>
+          </p:grpSpPr>
+          <p:sp>
+            <p:nvSpPr>
+              <p:cNvPr id="40" name="Retângulo 39">
+                <a:extLst>
+                  <a:ext uri="{FF2B5EF4-FFF2-40B4-BE49-F238E27FC236}">
+                    <a16:creationId xmlns:a16="http://schemas.microsoft.com/office/drawing/2014/main" id="{E940D367-2F15-6FDB-F707-AE2FE3392466}"/>
+                  </a:ext>
+                </a:extLst>
+              </p:cNvPr>
+              <p:cNvSpPr/>
+              <p:nvPr/>
+            </p:nvSpPr>
+            <p:spPr>
+              <a:xfrm>
+                <a:off x="3924251" y="4256426"/>
+                <a:ext cx="288000" cy="288000"/>
+              </a:xfrm>
+              <a:prstGeom prst="rect">
+                <a:avLst/>
+              </a:prstGeom>
+            </p:spPr>
+            <p:style>
+              <a:lnRef idx="2">
+                <a:schemeClr val="accent1">
+                  <a:shade val="50000"/>
+                </a:schemeClr>
+              </a:lnRef>
+              <a:fillRef idx="1">
+                <a:schemeClr val="accent1"/>
+              </a:fillRef>
+              <a:effectRef idx="0">
+                <a:schemeClr val="accent1"/>
+              </a:effectRef>
+              <a:fontRef idx="minor">
+                <a:schemeClr val="lt1"/>
+              </a:fontRef>
+            </p:style>
+            <p:txBody>
+              <a:bodyPr rtlCol="0" anchor="ctr"/>
+              <a:lstStyle/>
+              <a:p>
+                <a:pPr algn="ctr"/>
+                <a:endParaRPr lang="pt-PT" dirty="0"/>
+              </a:p>
+            </p:txBody>
+          </p:sp>
+          <p:sp>
+            <p:nvSpPr>
+              <p:cNvPr id="46" name="Retângulo 45">
+                <a:extLst>
+                  <a:ext uri="{FF2B5EF4-FFF2-40B4-BE49-F238E27FC236}">
+                    <a16:creationId xmlns:a16="http://schemas.microsoft.com/office/drawing/2014/main" id="{B5224A88-713B-CD1F-1529-67D389DFBD58}"/>
+                  </a:ext>
+                </a:extLst>
+              </p:cNvPr>
+              <p:cNvSpPr/>
+              <p:nvPr/>
+            </p:nvSpPr>
+            <p:spPr>
+              <a:xfrm>
+                <a:off x="4382181" y="4256426"/>
+                <a:ext cx="288000" cy="288000"/>
+              </a:xfrm>
+              <a:prstGeom prst="rect">
+                <a:avLst/>
+              </a:prstGeom>
+            </p:spPr>
+            <p:style>
+              <a:lnRef idx="2">
+                <a:schemeClr val="accent1">
+                  <a:shade val="50000"/>
+                </a:schemeClr>
+              </a:lnRef>
+              <a:fillRef idx="1">
+                <a:schemeClr val="accent1"/>
+              </a:fillRef>
+              <a:effectRef idx="0">
+                <a:schemeClr val="accent1"/>
+              </a:effectRef>
+              <a:fontRef idx="minor">
+                <a:schemeClr val="lt1"/>
+              </a:fontRef>
+            </p:style>
+            <p:txBody>
+              <a:bodyPr rtlCol="0" anchor="ctr"/>
+              <a:lstStyle/>
+              <a:p>
+                <a:pPr algn="ctr"/>
+                <a:endParaRPr lang="pt-PT" dirty="0"/>
+              </a:p>
+            </p:txBody>
+          </p:sp>
+          <p:sp>
+            <p:nvSpPr>
+              <p:cNvPr id="47" name="Retângulo 46">
+                <a:extLst>
+                  <a:ext uri="{FF2B5EF4-FFF2-40B4-BE49-F238E27FC236}">
+                    <a16:creationId xmlns:a16="http://schemas.microsoft.com/office/drawing/2014/main" id="{7EBC3461-4AE7-0B83-700D-B6F164B815B0}"/>
+                  </a:ext>
+                </a:extLst>
+              </p:cNvPr>
+              <p:cNvSpPr/>
+              <p:nvPr/>
+            </p:nvSpPr>
+            <p:spPr>
+              <a:xfrm>
+                <a:off x="4840111" y="4256426"/>
+                <a:ext cx="288000" cy="288000"/>
+              </a:xfrm>
+              <a:prstGeom prst="rect">
+                <a:avLst/>
+              </a:prstGeom>
+            </p:spPr>
+            <p:style>
+              <a:lnRef idx="2">
+                <a:schemeClr val="accent1">
+                  <a:shade val="50000"/>
+                </a:schemeClr>
+              </a:lnRef>
+              <a:fillRef idx="1">
+                <a:schemeClr val="accent1"/>
+              </a:fillRef>
+              <a:effectRef idx="0">
+                <a:schemeClr val="accent1"/>
+              </a:effectRef>
+              <a:fontRef idx="minor">
+                <a:schemeClr val="lt1"/>
+              </a:fontRef>
+            </p:style>
+            <p:txBody>
+              <a:bodyPr rtlCol="0" anchor="ctr"/>
+              <a:lstStyle/>
+              <a:p>
+                <a:pPr algn="ctr"/>
+                <a:endParaRPr lang="pt-PT" dirty="0"/>
+              </a:p>
+            </p:txBody>
+          </p:sp>
+          <p:sp>
+            <p:nvSpPr>
+              <p:cNvPr id="48" name="Retângulo 47">
+                <a:extLst>
+                  <a:ext uri="{FF2B5EF4-FFF2-40B4-BE49-F238E27FC236}">
+                    <a16:creationId xmlns:a16="http://schemas.microsoft.com/office/drawing/2014/main" id="{EBEBE159-84D9-B6A1-6C65-C87BE4A09315}"/>
+                  </a:ext>
+                </a:extLst>
+              </p:cNvPr>
+              <p:cNvSpPr/>
+              <p:nvPr/>
+            </p:nvSpPr>
+            <p:spPr>
+              <a:xfrm>
+                <a:off x="5295692" y="4256426"/>
+                <a:ext cx="288000" cy="288000"/>
+              </a:xfrm>
+              <a:prstGeom prst="rect">
+                <a:avLst/>
+              </a:prstGeom>
+            </p:spPr>
+            <p:style>
+              <a:lnRef idx="2">
+                <a:schemeClr val="accent1">
+                  <a:shade val="50000"/>
+                </a:schemeClr>
+              </a:lnRef>
+              <a:fillRef idx="1">
+                <a:schemeClr val="accent1"/>
+              </a:fillRef>
+              <a:effectRef idx="0">
+                <a:schemeClr val="accent1"/>
+              </a:effectRef>
+              <a:fontRef idx="minor">
+                <a:schemeClr val="lt1"/>
+              </a:fontRef>
+            </p:style>
+            <p:txBody>
+              <a:bodyPr rtlCol="0" anchor="ctr"/>
+              <a:lstStyle/>
+              <a:p>
+                <a:pPr algn="ctr"/>
+                <a:endParaRPr lang="pt-PT" dirty="0"/>
+              </a:p>
+            </p:txBody>
+          </p:sp>
+          <p:sp>
+            <p:nvSpPr>
+              <p:cNvPr id="49" name="Retângulo 48">
+                <a:extLst>
+                  <a:ext uri="{FF2B5EF4-FFF2-40B4-BE49-F238E27FC236}">
+                    <a16:creationId xmlns:a16="http://schemas.microsoft.com/office/drawing/2014/main" id="{D19FFEEF-D3C7-F18A-9562-395A4D44FE90}"/>
+                  </a:ext>
+                </a:extLst>
+              </p:cNvPr>
+              <p:cNvSpPr/>
+              <p:nvPr/>
+            </p:nvSpPr>
+            <p:spPr>
+              <a:xfrm>
+                <a:off x="5753519" y="4256426"/>
+                <a:ext cx="288000" cy="288000"/>
+              </a:xfrm>
+              <a:prstGeom prst="rect">
+                <a:avLst/>
+              </a:prstGeom>
+            </p:spPr>
+            <p:style>
+              <a:lnRef idx="2">
+                <a:schemeClr val="accent1">
+                  <a:shade val="50000"/>
+                </a:schemeClr>
+              </a:lnRef>
+              <a:fillRef idx="1">
+                <a:schemeClr val="accent1"/>
+              </a:fillRef>
+              <a:effectRef idx="0">
+                <a:schemeClr val="accent1"/>
+              </a:effectRef>
+              <a:fontRef idx="minor">
+                <a:schemeClr val="lt1"/>
+              </a:fontRef>
+            </p:style>
+            <p:txBody>
+              <a:bodyPr rtlCol="0" anchor="ctr"/>
+              <a:lstStyle/>
+              <a:p>
+                <a:pPr algn="ctr"/>
+                <a:endParaRPr lang="pt-PT" dirty="0"/>
+              </a:p>
+            </p:txBody>
+          </p:sp>
+        </p:grpSp>
+        <p:grpSp>
+          <p:nvGrpSpPr>
+            <p:cNvPr id="51" name="Agrupar 50">
+              <a:extLst>
+                <a:ext uri="{FF2B5EF4-FFF2-40B4-BE49-F238E27FC236}">
+                  <a16:creationId xmlns:a16="http://schemas.microsoft.com/office/drawing/2014/main" id="{3CA821DE-A524-5743-15A4-153C6786628A}"/>
+                </a:ext>
+              </a:extLst>
+            </p:cNvPr>
+            <p:cNvGrpSpPr/>
+            <p:nvPr/>
+          </p:nvGrpSpPr>
+          <p:grpSpPr>
+            <a:xfrm>
+              <a:off x="3931484" y="5113273"/>
+              <a:ext cx="2117268" cy="288000"/>
+              <a:chOff x="3924251" y="4256426"/>
+              <a:chExt cx="2117268" cy="288000"/>
+            </a:xfrm>
+          </p:grpSpPr>
+          <p:sp>
+            <p:nvSpPr>
+              <p:cNvPr id="52" name="Retângulo 51">
+                <a:extLst>
+                  <a:ext uri="{FF2B5EF4-FFF2-40B4-BE49-F238E27FC236}">
+                    <a16:creationId xmlns:a16="http://schemas.microsoft.com/office/drawing/2014/main" id="{31DE9993-1867-0EAB-4826-1FC9BCA933B0}"/>
+                  </a:ext>
+                </a:extLst>
+              </p:cNvPr>
+              <p:cNvSpPr/>
+              <p:nvPr/>
+            </p:nvSpPr>
+            <p:spPr>
+              <a:xfrm>
+                <a:off x="3924251" y="4256426"/>
+                <a:ext cx="288000" cy="288000"/>
+              </a:xfrm>
+              <a:prstGeom prst="rect">
+                <a:avLst/>
+              </a:prstGeom>
+            </p:spPr>
+            <p:style>
+              <a:lnRef idx="2">
+                <a:schemeClr val="accent1">
+                  <a:shade val="50000"/>
+                </a:schemeClr>
+              </a:lnRef>
+              <a:fillRef idx="1">
+                <a:schemeClr val="accent1"/>
+              </a:fillRef>
+              <a:effectRef idx="0">
+                <a:schemeClr val="accent1"/>
+              </a:effectRef>
+              <a:fontRef idx="minor">
+                <a:schemeClr val="lt1"/>
+              </a:fontRef>
+            </p:style>
+            <p:txBody>
+              <a:bodyPr rtlCol="0" anchor="ctr"/>
+              <a:lstStyle/>
+              <a:p>
+                <a:pPr algn="ctr"/>
+                <a:endParaRPr lang="pt-PT" dirty="0"/>
+              </a:p>
+            </p:txBody>
+          </p:sp>
+          <p:sp>
+            <p:nvSpPr>
+              <p:cNvPr id="53" name="Retângulo 52">
+                <a:extLst>
+                  <a:ext uri="{FF2B5EF4-FFF2-40B4-BE49-F238E27FC236}">
+                    <a16:creationId xmlns:a16="http://schemas.microsoft.com/office/drawing/2014/main" id="{841E6150-441D-FB38-A8A5-E97C17886390}"/>
+                  </a:ext>
+                </a:extLst>
+              </p:cNvPr>
+              <p:cNvSpPr/>
+              <p:nvPr/>
+            </p:nvSpPr>
+            <p:spPr>
+              <a:xfrm>
+                <a:off x="4382181" y="4256426"/>
+                <a:ext cx="288000" cy="288000"/>
+              </a:xfrm>
+              <a:prstGeom prst="rect">
+                <a:avLst/>
+              </a:prstGeom>
+            </p:spPr>
+            <p:style>
+              <a:lnRef idx="2">
+                <a:schemeClr val="accent1">
+                  <a:shade val="50000"/>
+                </a:schemeClr>
+              </a:lnRef>
+              <a:fillRef idx="1">
+                <a:schemeClr val="accent1"/>
+              </a:fillRef>
+              <a:effectRef idx="0">
+                <a:schemeClr val="accent1"/>
+              </a:effectRef>
+              <a:fontRef idx="minor">
+                <a:schemeClr val="lt1"/>
+              </a:fontRef>
+            </p:style>
+            <p:txBody>
+              <a:bodyPr rtlCol="0" anchor="ctr"/>
+              <a:lstStyle/>
+              <a:p>
+                <a:pPr algn="ctr"/>
+                <a:endParaRPr lang="pt-PT" dirty="0"/>
+              </a:p>
+            </p:txBody>
+          </p:sp>
+          <p:sp>
+            <p:nvSpPr>
+              <p:cNvPr id="54" name="Retângulo 53">
+                <a:extLst>
+                  <a:ext uri="{FF2B5EF4-FFF2-40B4-BE49-F238E27FC236}">
+                    <a16:creationId xmlns:a16="http://schemas.microsoft.com/office/drawing/2014/main" id="{88B94301-C8D6-3A7C-5E3E-1E5DB8DA4CBE}"/>
+                  </a:ext>
+                </a:extLst>
+              </p:cNvPr>
+              <p:cNvSpPr/>
+              <p:nvPr/>
+            </p:nvSpPr>
+            <p:spPr>
+              <a:xfrm>
+                <a:off x="4840111" y="4256426"/>
+                <a:ext cx="288000" cy="288000"/>
+              </a:xfrm>
+              <a:prstGeom prst="rect">
+                <a:avLst/>
+              </a:prstGeom>
+            </p:spPr>
+            <p:style>
+              <a:lnRef idx="2">
+                <a:schemeClr val="accent1">
+                  <a:shade val="50000"/>
+                </a:schemeClr>
+              </a:lnRef>
+              <a:fillRef idx="1">
+                <a:schemeClr val="accent1"/>
+              </a:fillRef>
+              <a:effectRef idx="0">
+                <a:schemeClr val="accent1"/>
+              </a:effectRef>
+              <a:fontRef idx="minor">
+                <a:schemeClr val="lt1"/>
+              </a:fontRef>
+            </p:style>
+            <p:txBody>
+              <a:bodyPr rtlCol="0" anchor="ctr"/>
+              <a:lstStyle/>
+              <a:p>
+                <a:pPr algn="ctr"/>
+                <a:endParaRPr lang="pt-PT" dirty="0"/>
+              </a:p>
+            </p:txBody>
+          </p:sp>
+          <p:sp>
+            <p:nvSpPr>
+              <p:cNvPr id="55" name="Retângulo 54">
+                <a:extLst>
+                  <a:ext uri="{FF2B5EF4-FFF2-40B4-BE49-F238E27FC236}">
+                    <a16:creationId xmlns:a16="http://schemas.microsoft.com/office/drawing/2014/main" id="{560F2F22-E6E7-4CAB-EDB8-45F44493033C}"/>
+                  </a:ext>
+                </a:extLst>
+              </p:cNvPr>
+              <p:cNvSpPr/>
+              <p:nvPr/>
+            </p:nvSpPr>
+            <p:spPr>
+              <a:xfrm>
+                <a:off x="5295692" y="4256426"/>
+                <a:ext cx="288000" cy="288000"/>
+              </a:xfrm>
+              <a:prstGeom prst="rect">
+                <a:avLst/>
+              </a:prstGeom>
+            </p:spPr>
+            <p:style>
+              <a:lnRef idx="2">
+                <a:schemeClr val="accent1">
+                  <a:shade val="50000"/>
+                </a:schemeClr>
+              </a:lnRef>
+              <a:fillRef idx="1">
+                <a:schemeClr val="accent1"/>
+              </a:fillRef>
+              <a:effectRef idx="0">
+                <a:schemeClr val="accent1"/>
+              </a:effectRef>
+              <a:fontRef idx="minor">
+                <a:schemeClr val="lt1"/>
+              </a:fontRef>
+            </p:style>
+            <p:txBody>
+              <a:bodyPr rtlCol="0" anchor="ctr"/>
+              <a:lstStyle/>
+              <a:p>
+                <a:pPr algn="ctr"/>
+                <a:endParaRPr lang="pt-PT" dirty="0"/>
+              </a:p>
+            </p:txBody>
+          </p:sp>
+          <p:sp>
+            <p:nvSpPr>
+              <p:cNvPr id="56" name="Retângulo 55">
+                <a:extLst>
+                  <a:ext uri="{FF2B5EF4-FFF2-40B4-BE49-F238E27FC236}">
+                    <a16:creationId xmlns:a16="http://schemas.microsoft.com/office/drawing/2014/main" id="{1F31C486-DC80-82B9-22AC-FE96B00C7C53}"/>
+                  </a:ext>
+                </a:extLst>
+              </p:cNvPr>
+              <p:cNvSpPr/>
+              <p:nvPr/>
+            </p:nvSpPr>
+            <p:spPr>
+              <a:xfrm>
+                <a:off x="5753519" y="4256426"/>
+                <a:ext cx="288000" cy="288000"/>
+              </a:xfrm>
+              <a:prstGeom prst="rect">
+                <a:avLst/>
+              </a:prstGeom>
+            </p:spPr>
+            <p:style>
+              <a:lnRef idx="2">
+                <a:schemeClr val="accent1">
+                  <a:shade val="50000"/>
+                </a:schemeClr>
+              </a:lnRef>
+              <a:fillRef idx="1">
+                <a:schemeClr val="accent1"/>
+              </a:fillRef>
+              <a:effectRef idx="0">
+                <a:schemeClr val="accent1"/>
+              </a:effectRef>
+              <a:fontRef idx="minor">
+                <a:schemeClr val="lt1"/>
+              </a:fontRef>
+            </p:style>
+            <p:txBody>
+              <a:bodyPr rtlCol="0" anchor="ctr"/>
+              <a:lstStyle/>
+              <a:p>
+                <a:pPr algn="ctr"/>
+                <a:endParaRPr lang="pt-PT" dirty="0"/>
+              </a:p>
+            </p:txBody>
+          </p:sp>
+        </p:grpSp>
+        <p:sp>
+          <p:nvSpPr>
+            <p:cNvPr id="57" name="Retângulo 56">
+              <a:extLst>
+                <a:ext uri="{FF2B5EF4-FFF2-40B4-BE49-F238E27FC236}">
+                  <a16:creationId xmlns:a16="http://schemas.microsoft.com/office/drawing/2014/main" id="{A27D8E75-4212-D5F7-B3F6-16E76DE1FDEB}"/>
+                </a:ext>
+              </a:extLst>
+            </p:cNvPr>
+            <p:cNvSpPr/>
+            <p:nvPr/>
+          </p:nvSpPr>
+          <p:spPr>
+            <a:xfrm>
+              <a:off x="7261774" y="4679956"/>
+              <a:ext cx="288000" cy="288000"/>
+            </a:xfrm>
+            <a:prstGeom prst="rect">
+              <a:avLst/>
+            </a:prstGeom>
+          </p:spPr>
+          <p:style>
+            <a:lnRef idx="2">
+              <a:schemeClr val="accent1">
+                <a:shade val="50000"/>
+              </a:schemeClr>
+            </a:lnRef>
+            <a:fillRef idx="1">
+              <a:schemeClr val="accent1"/>
+            </a:fillRef>
+            <a:effectRef idx="0">
+              <a:schemeClr val="accent1"/>
+            </a:effectRef>
+            <a:fontRef idx="minor">
+              <a:schemeClr val="lt1"/>
+            </a:fontRef>
+          </p:style>
+          <p:txBody>
+            <a:bodyPr rtlCol="0" anchor="ctr"/>
+            <a:lstStyle/>
+            <a:p>
+              <a:pPr algn="ctr"/>
+              <a:endParaRPr lang="pt-PT" dirty="0"/>
+            </a:p>
+          </p:txBody>
+        </p:sp>
+        <p:sp>
+          <p:nvSpPr>
+            <p:cNvPr id="81" name="Retângulo 80">
+              <a:extLst>
+                <a:ext uri="{FF2B5EF4-FFF2-40B4-BE49-F238E27FC236}">
+                  <a16:creationId xmlns:a16="http://schemas.microsoft.com/office/drawing/2014/main" id="{6173FC49-578A-48B0-C570-9CC79BBE4E0C}"/>
+                </a:ext>
+              </a:extLst>
+            </p:cNvPr>
+            <p:cNvSpPr/>
+            <p:nvPr/>
+          </p:nvSpPr>
+          <p:spPr>
+            <a:xfrm>
+              <a:off x="2273718" y="2700824"/>
+              <a:ext cx="180000" cy="180475"/>
+            </a:xfrm>
+            <a:prstGeom prst="rect">
+              <a:avLst/>
+            </a:prstGeom>
+          </p:spPr>
+          <p:style>
+            <a:lnRef idx="2">
+              <a:schemeClr val="accent1">
+                <a:shade val="50000"/>
+              </a:schemeClr>
+            </a:lnRef>
+            <a:fillRef idx="1">
+              <a:schemeClr val="accent1"/>
+            </a:fillRef>
+            <a:effectRef idx="0">
+              <a:schemeClr val="accent1"/>
+            </a:effectRef>
+            <a:fontRef idx="minor">
+              <a:schemeClr val="lt1"/>
+            </a:fontRef>
+          </p:style>
+          <p:txBody>
+            <a:bodyPr rtlCol="0" anchor="ctr"/>
+            <a:lstStyle/>
+            <a:p>
+              <a:pPr algn="ctr"/>
+              <a:endParaRPr lang="pt-PT" dirty="0"/>
+            </a:p>
+          </p:txBody>
+        </p:sp>
+        <p:sp>
+          <p:nvSpPr>
+            <p:cNvPr id="82" name="CaixaDeTexto 81">
+              <a:extLst>
+                <a:ext uri="{FF2B5EF4-FFF2-40B4-BE49-F238E27FC236}">
+                  <a16:creationId xmlns:a16="http://schemas.microsoft.com/office/drawing/2014/main" id="{15AEE124-2274-067B-5DF9-936A5B4C377D}"/>
+                </a:ext>
+              </a:extLst>
+            </p:cNvPr>
+            <p:cNvSpPr txBox="1"/>
+            <p:nvPr/>
+          </p:nvSpPr>
+          <p:spPr>
+            <a:xfrm>
+              <a:off x="2421606" y="2667950"/>
+              <a:ext cx="1501091" cy="246221"/>
+            </a:xfrm>
+            <a:prstGeom prst="rect">
+              <a:avLst/>
+            </a:prstGeom>
+            <a:noFill/>
+          </p:spPr>
+          <p:txBody>
+            <a:bodyPr wrap="square" rtlCol="0">
+              <a:spAutoFit/>
+            </a:bodyPr>
+            <a:lstStyle/>
+            <a:p>
+              <a:r>
+                <a:rPr lang="pt-PT" sz="1000" dirty="0"/>
+                <a:t>-</a:t>
+              </a:r>
+              <a:r>
+                <a:rPr lang="pt-PT" sz="800" dirty="0"/>
+                <a:t>Passengers</a:t>
+              </a:r>
+            </a:p>
+          </p:txBody>
+        </p:sp>
+        <p:grpSp>
+          <p:nvGrpSpPr>
+            <p:cNvPr id="92" name="Agrupar 91">
+              <a:extLst>
+                <a:ext uri="{FF2B5EF4-FFF2-40B4-BE49-F238E27FC236}">
+                  <a16:creationId xmlns:a16="http://schemas.microsoft.com/office/drawing/2014/main" id="{DBAFB52E-56C3-EFEC-602C-6CEA54655F8A}"/>
+                </a:ext>
+              </a:extLst>
+            </p:cNvPr>
+            <p:cNvGrpSpPr/>
+            <p:nvPr/>
+          </p:nvGrpSpPr>
+          <p:grpSpPr>
+            <a:xfrm>
+              <a:off x="3779698" y="803945"/>
+              <a:ext cx="1696900" cy="2223748"/>
+              <a:chOff x="3779698" y="803945"/>
+              <a:chExt cx="1696900" cy="2223748"/>
+            </a:xfrm>
+          </p:grpSpPr>
+          <p:sp>
+            <p:nvSpPr>
+              <p:cNvPr id="87" name="Retângulo 86">
+                <a:extLst>
+                  <a:ext uri="{FF2B5EF4-FFF2-40B4-BE49-F238E27FC236}">
+                    <a16:creationId xmlns:a16="http://schemas.microsoft.com/office/drawing/2014/main" id="{8666E87B-F3E3-CFC5-9938-B4946B652580}"/>
+                  </a:ext>
+                </a:extLst>
+              </p:cNvPr>
+              <p:cNvSpPr/>
+              <p:nvPr/>
+            </p:nvSpPr>
+            <p:spPr>
+              <a:xfrm rot="5400000">
+                <a:off x="4270566" y="1337952"/>
+                <a:ext cx="245863" cy="1227600"/>
+              </a:xfrm>
+              <a:prstGeom prst="rect">
+                <a:avLst/>
+              </a:prstGeom>
+              <a:solidFill>
+                <a:schemeClr val="bg2">
+                  <a:lumMod val="50000"/>
+                </a:schemeClr>
+              </a:solidFill>
+              <a:ln>
+                <a:solidFill>
+                  <a:schemeClr val="bg2">
+                    <a:lumMod val="50000"/>
+                  </a:schemeClr>
+                </a:solidFill>
+              </a:ln>
+            </p:spPr>
+            <p:style>
+              <a:lnRef idx="2">
+                <a:schemeClr val="accent1">
+                  <a:shade val="50000"/>
+                </a:schemeClr>
+              </a:lnRef>
+              <a:fillRef idx="1">
+                <a:schemeClr val="accent1"/>
+              </a:fillRef>
+              <a:effectRef idx="0">
+                <a:schemeClr val="accent1"/>
+              </a:effectRef>
+              <a:fontRef idx="minor">
+                <a:schemeClr val="lt1"/>
+              </a:fontRef>
+            </p:style>
+            <p:txBody>
+              <a:bodyPr rtlCol="0" anchor="ctr"/>
+              <a:lstStyle/>
+              <a:p>
+                <a:pPr algn="ctr"/>
+                <a:endParaRPr lang="pt-PT" dirty="0"/>
+              </a:p>
+            </p:txBody>
+          </p:sp>
+          <p:sp>
+            <p:nvSpPr>
+              <p:cNvPr id="90" name="Retângulo 89">
+                <a:extLst>
+                  <a:ext uri="{FF2B5EF4-FFF2-40B4-BE49-F238E27FC236}">
+                    <a16:creationId xmlns:a16="http://schemas.microsoft.com/office/drawing/2014/main" id="{BEEA3335-942E-39E0-5AD8-B1CC19B30438}"/>
+                  </a:ext>
+                </a:extLst>
+              </p:cNvPr>
+              <p:cNvSpPr/>
+              <p:nvPr/>
+            </p:nvSpPr>
+            <p:spPr>
+              <a:xfrm rot="8598820">
+                <a:off x="5230735" y="1800093"/>
+                <a:ext cx="245863" cy="1227600"/>
+              </a:xfrm>
+              <a:prstGeom prst="rect">
+                <a:avLst/>
+              </a:prstGeom>
+              <a:solidFill>
+                <a:schemeClr val="bg2">
+                  <a:lumMod val="50000"/>
+                </a:schemeClr>
+              </a:solidFill>
+              <a:ln>
+                <a:solidFill>
+                  <a:schemeClr val="bg2">
+                    <a:lumMod val="50000"/>
+                  </a:schemeClr>
+                </a:solidFill>
+              </a:ln>
+            </p:spPr>
+            <p:style>
+              <a:lnRef idx="2">
+                <a:schemeClr val="accent1">
+                  <a:shade val="50000"/>
+                </a:schemeClr>
+              </a:lnRef>
+              <a:fillRef idx="1">
+                <a:schemeClr val="accent1"/>
+              </a:fillRef>
+              <a:effectRef idx="0">
+                <a:schemeClr val="accent1"/>
+              </a:effectRef>
+              <a:fontRef idx="minor">
+                <a:schemeClr val="lt1"/>
+              </a:fontRef>
+            </p:style>
+            <p:txBody>
+              <a:bodyPr rtlCol="0" anchor="ctr"/>
+              <a:lstStyle/>
+              <a:p>
+                <a:pPr algn="ctr"/>
+                <a:endParaRPr lang="pt-PT" dirty="0"/>
+              </a:p>
+            </p:txBody>
+          </p:sp>
+          <p:sp>
+            <p:nvSpPr>
+              <p:cNvPr id="91" name="Retângulo 90">
+                <a:extLst>
+                  <a:ext uri="{FF2B5EF4-FFF2-40B4-BE49-F238E27FC236}">
+                    <a16:creationId xmlns:a16="http://schemas.microsoft.com/office/drawing/2014/main" id="{18A04A70-82D5-66BA-58E0-A705F426AA71}"/>
+                  </a:ext>
+                </a:extLst>
+              </p:cNvPr>
+              <p:cNvSpPr/>
+              <p:nvPr/>
+            </p:nvSpPr>
+            <p:spPr>
+              <a:xfrm rot="12648134">
+                <a:off x="5188055" y="803945"/>
+                <a:ext cx="245863" cy="1227600"/>
+              </a:xfrm>
+              <a:prstGeom prst="rect">
+                <a:avLst/>
+              </a:prstGeom>
+              <a:solidFill>
+                <a:schemeClr val="bg2">
+                  <a:lumMod val="50000"/>
+                </a:schemeClr>
+              </a:solidFill>
+              <a:ln>
+                <a:solidFill>
+                  <a:schemeClr val="bg2">
+                    <a:lumMod val="50000"/>
+                  </a:schemeClr>
+                </a:solidFill>
+              </a:ln>
+            </p:spPr>
+            <p:style>
+              <a:lnRef idx="2">
+                <a:schemeClr val="accent1">
+                  <a:shade val="50000"/>
+                </a:schemeClr>
+              </a:lnRef>
+              <a:fillRef idx="1">
+                <a:schemeClr val="accent1"/>
+              </a:fillRef>
+              <a:effectRef idx="0">
+                <a:schemeClr val="accent1"/>
+              </a:effectRef>
+              <a:fontRef idx="minor">
+                <a:schemeClr val="lt1"/>
+              </a:fontRef>
+            </p:style>
+            <p:txBody>
+              <a:bodyPr rtlCol="0" anchor="ctr"/>
+              <a:lstStyle/>
+              <a:p>
+                <a:pPr algn="ctr"/>
+                <a:endParaRPr lang="pt-PT" dirty="0"/>
+              </a:p>
+            </p:txBody>
+          </p:sp>
+        </p:grpSp>
+        <p:grpSp>
+          <p:nvGrpSpPr>
+            <p:cNvPr id="93" name="Agrupar 92">
+              <a:extLst>
+                <a:ext uri="{FF2B5EF4-FFF2-40B4-BE49-F238E27FC236}">
+                  <a16:creationId xmlns:a16="http://schemas.microsoft.com/office/drawing/2014/main" id="{75B9BAF1-0D45-BA1B-6233-25411B290E73}"/>
+                </a:ext>
+              </a:extLst>
+            </p:cNvPr>
+            <p:cNvGrpSpPr/>
+            <p:nvPr/>
+          </p:nvGrpSpPr>
+          <p:grpSpPr>
+            <a:xfrm rot="15411599">
+              <a:off x="6901768" y="1183760"/>
+              <a:ext cx="1696900" cy="2223748"/>
+              <a:chOff x="3779698" y="803945"/>
+              <a:chExt cx="1696900" cy="2223748"/>
+            </a:xfrm>
+          </p:grpSpPr>
+          <p:sp>
+            <p:nvSpPr>
+              <p:cNvPr id="94" name="Retângulo 93">
+                <a:extLst>
+                  <a:ext uri="{FF2B5EF4-FFF2-40B4-BE49-F238E27FC236}">
+                    <a16:creationId xmlns:a16="http://schemas.microsoft.com/office/drawing/2014/main" id="{63403F3E-0834-F52A-F29F-B4FC480C3002}"/>
+                  </a:ext>
+                </a:extLst>
+              </p:cNvPr>
+              <p:cNvSpPr/>
+              <p:nvPr/>
+            </p:nvSpPr>
+            <p:spPr>
+              <a:xfrm rot="5400000">
+                <a:off x="4270566" y="1337952"/>
+                <a:ext cx="245863" cy="1227600"/>
+              </a:xfrm>
+              <a:prstGeom prst="rect">
+                <a:avLst/>
+              </a:prstGeom>
+              <a:solidFill>
+                <a:schemeClr val="bg2">
+                  <a:lumMod val="50000"/>
+                </a:schemeClr>
+              </a:solidFill>
+              <a:ln>
+                <a:solidFill>
+                  <a:schemeClr val="bg2">
+                    <a:lumMod val="50000"/>
+                  </a:schemeClr>
+                </a:solidFill>
+              </a:ln>
+            </p:spPr>
+            <p:style>
+              <a:lnRef idx="2">
+                <a:schemeClr val="accent1">
+                  <a:shade val="50000"/>
+                </a:schemeClr>
+              </a:lnRef>
+              <a:fillRef idx="1">
+                <a:schemeClr val="accent1"/>
+              </a:fillRef>
+              <a:effectRef idx="0">
+                <a:schemeClr val="accent1"/>
+              </a:effectRef>
+              <a:fontRef idx="minor">
+                <a:schemeClr val="lt1"/>
+              </a:fontRef>
+            </p:style>
+            <p:txBody>
+              <a:bodyPr rtlCol="0" anchor="ctr"/>
+              <a:lstStyle/>
+              <a:p>
+                <a:pPr algn="ctr"/>
+                <a:endParaRPr lang="pt-PT" dirty="0"/>
+              </a:p>
+            </p:txBody>
+          </p:sp>
+          <p:sp>
+            <p:nvSpPr>
+              <p:cNvPr id="95" name="Retângulo 94">
+                <a:extLst>
+                  <a:ext uri="{FF2B5EF4-FFF2-40B4-BE49-F238E27FC236}">
+                    <a16:creationId xmlns:a16="http://schemas.microsoft.com/office/drawing/2014/main" id="{D6D89799-2E3B-81C0-DD3C-4EF02C389BEA}"/>
+                  </a:ext>
+                </a:extLst>
+              </p:cNvPr>
+              <p:cNvSpPr/>
+              <p:nvPr/>
+            </p:nvSpPr>
+            <p:spPr>
+              <a:xfrm rot="8598820">
+                <a:off x="5230735" y="1800093"/>
+                <a:ext cx="245863" cy="1227600"/>
+              </a:xfrm>
+              <a:prstGeom prst="rect">
+                <a:avLst/>
+              </a:prstGeom>
+              <a:solidFill>
+                <a:schemeClr val="bg2">
+                  <a:lumMod val="50000"/>
+                </a:schemeClr>
+              </a:solidFill>
+              <a:ln>
+                <a:solidFill>
+                  <a:schemeClr val="bg2">
+                    <a:lumMod val="50000"/>
+                  </a:schemeClr>
+                </a:solidFill>
+              </a:ln>
+            </p:spPr>
+            <p:style>
+              <a:lnRef idx="2">
+                <a:schemeClr val="accent1">
+                  <a:shade val="50000"/>
+                </a:schemeClr>
+              </a:lnRef>
+              <a:fillRef idx="1">
+                <a:schemeClr val="accent1"/>
+              </a:fillRef>
+              <a:effectRef idx="0">
+                <a:schemeClr val="accent1"/>
+              </a:effectRef>
+              <a:fontRef idx="minor">
+                <a:schemeClr val="lt1"/>
+              </a:fontRef>
+            </p:style>
+            <p:txBody>
+              <a:bodyPr rtlCol="0" anchor="ctr"/>
+              <a:lstStyle/>
+              <a:p>
+                <a:pPr algn="ctr"/>
+                <a:endParaRPr lang="pt-PT" dirty="0"/>
+              </a:p>
+            </p:txBody>
+          </p:sp>
+          <p:sp>
+            <p:nvSpPr>
+              <p:cNvPr id="96" name="Retângulo 95">
+                <a:extLst>
+                  <a:ext uri="{FF2B5EF4-FFF2-40B4-BE49-F238E27FC236}">
+                    <a16:creationId xmlns:a16="http://schemas.microsoft.com/office/drawing/2014/main" id="{91FE3F5C-0A4A-0605-A20E-E6C6AECA3E21}"/>
+                  </a:ext>
+                </a:extLst>
+              </p:cNvPr>
+              <p:cNvSpPr/>
+              <p:nvPr/>
+            </p:nvSpPr>
+            <p:spPr>
+              <a:xfrm rot="12648134">
+                <a:off x="5188055" y="803945"/>
+                <a:ext cx="245863" cy="1227600"/>
+              </a:xfrm>
+              <a:prstGeom prst="rect">
+                <a:avLst/>
+              </a:prstGeom>
+              <a:solidFill>
+                <a:schemeClr val="bg2">
+                  <a:lumMod val="50000"/>
+                </a:schemeClr>
+              </a:solidFill>
+              <a:ln>
+                <a:solidFill>
+                  <a:schemeClr val="bg2">
+                    <a:lumMod val="50000"/>
+                  </a:schemeClr>
+                </a:solidFill>
+              </a:ln>
+            </p:spPr>
+            <p:style>
+              <a:lnRef idx="2">
+                <a:schemeClr val="accent1">
+                  <a:shade val="50000"/>
+                </a:schemeClr>
+              </a:lnRef>
+              <a:fillRef idx="1">
+                <a:schemeClr val="accent1"/>
+              </a:fillRef>
+              <a:effectRef idx="0">
+                <a:schemeClr val="accent1"/>
+              </a:effectRef>
+              <a:fontRef idx="minor">
+                <a:schemeClr val="lt1"/>
+              </a:fontRef>
+            </p:style>
+            <p:txBody>
+              <a:bodyPr rtlCol="0" anchor="ctr"/>
+              <a:lstStyle/>
+              <a:p>
+                <a:pPr algn="ctr"/>
+                <a:endParaRPr lang="pt-PT" dirty="0"/>
+              </a:p>
+            </p:txBody>
+          </p:sp>
+        </p:grpSp>
+        <p:grpSp>
+          <p:nvGrpSpPr>
+            <p:cNvPr id="97" name="Agrupar 96">
+              <a:extLst>
+                <a:ext uri="{FF2B5EF4-FFF2-40B4-BE49-F238E27FC236}">
+                  <a16:creationId xmlns:a16="http://schemas.microsoft.com/office/drawing/2014/main" id="{4D7E3363-B30B-A71C-7F57-07773D3BA454}"/>
+                </a:ext>
+              </a:extLst>
+            </p:cNvPr>
+            <p:cNvGrpSpPr/>
+            <p:nvPr/>
+          </p:nvGrpSpPr>
+          <p:grpSpPr>
+            <a:xfrm>
+              <a:off x="2205002" y="3306746"/>
+              <a:ext cx="180000" cy="256000"/>
+              <a:chOff x="3779698" y="803945"/>
+              <a:chExt cx="1696900" cy="2223748"/>
+            </a:xfrm>
+          </p:grpSpPr>
+          <p:sp>
+            <p:nvSpPr>
+              <p:cNvPr id="98" name="Retângulo 97">
+                <a:extLst>
+                  <a:ext uri="{FF2B5EF4-FFF2-40B4-BE49-F238E27FC236}">
+                    <a16:creationId xmlns:a16="http://schemas.microsoft.com/office/drawing/2014/main" id="{55989BC5-2555-2873-F610-4CE124315995}"/>
+                  </a:ext>
+                </a:extLst>
+              </p:cNvPr>
+              <p:cNvSpPr/>
+              <p:nvPr/>
+            </p:nvSpPr>
+            <p:spPr>
+              <a:xfrm rot="5400000">
+                <a:off x="4270566" y="1337952"/>
+                <a:ext cx="245863" cy="1227600"/>
+              </a:xfrm>
+              <a:prstGeom prst="rect">
+                <a:avLst/>
+              </a:prstGeom>
+              <a:solidFill>
+                <a:schemeClr val="bg2">
+                  <a:lumMod val="50000"/>
+                </a:schemeClr>
+              </a:solidFill>
+              <a:ln>
+                <a:solidFill>
+                  <a:schemeClr val="bg2">
+                    <a:lumMod val="50000"/>
+                  </a:schemeClr>
+                </a:solidFill>
+              </a:ln>
+            </p:spPr>
+            <p:style>
+              <a:lnRef idx="2">
+                <a:schemeClr val="accent1">
+                  <a:shade val="50000"/>
+                </a:schemeClr>
+              </a:lnRef>
+              <a:fillRef idx="1">
+                <a:schemeClr val="accent1"/>
+              </a:fillRef>
+              <a:effectRef idx="0">
+                <a:schemeClr val="accent1"/>
+              </a:effectRef>
+              <a:fontRef idx="minor">
+                <a:schemeClr val="lt1"/>
+              </a:fontRef>
+            </p:style>
+            <p:txBody>
+              <a:bodyPr rtlCol="0" anchor="ctr"/>
+              <a:lstStyle/>
+              <a:p>
+                <a:pPr algn="ctr"/>
+                <a:endParaRPr lang="pt-PT" dirty="0"/>
+              </a:p>
+            </p:txBody>
+          </p:sp>
+          <p:sp>
+            <p:nvSpPr>
+              <p:cNvPr id="99" name="Retângulo 98">
+                <a:extLst>
+                  <a:ext uri="{FF2B5EF4-FFF2-40B4-BE49-F238E27FC236}">
+                    <a16:creationId xmlns:a16="http://schemas.microsoft.com/office/drawing/2014/main" id="{71D89E37-DDF4-15E0-D6D2-D2E97B5F1B2A}"/>
+                  </a:ext>
+                </a:extLst>
+              </p:cNvPr>
+              <p:cNvSpPr/>
+              <p:nvPr/>
+            </p:nvSpPr>
+            <p:spPr>
+              <a:xfrm rot="8598820">
+                <a:off x="5230735" y="1800093"/>
+                <a:ext cx="245863" cy="1227600"/>
+              </a:xfrm>
+              <a:prstGeom prst="rect">
+                <a:avLst/>
+              </a:prstGeom>
+              <a:solidFill>
+                <a:schemeClr val="bg2">
+                  <a:lumMod val="50000"/>
+                </a:schemeClr>
+              </a:solidFill>
+              <a:ln>
+                <a:solidFill>
+                  <a:schemeClr val="bg2">
+                    <a:lumMod val="50000"/>
+                  </a:schemeClr>
+                </a:solidFill>
+              </a:ln>
+            </p:spPr>
+            <p:style>
+              <a:lnRef idx="2">
+                <a:schemeClr val="accent1">
+                  <a:shade val="50000"/>
+                </a:schemeClr>
+              </a:lnRef>
+              <a:fillRef idx="1">
+                <a:schemeClr val="accent1"/>
+              </a:fillRef>
+              <a:effectRef idx="0">
+                <a:schemeClr val="accent1"/>
+              </a:effectRef>
+              <a:fontRef idx="minor">
+                <a:schemeClr val="lt1"/>
+              </a:fontRef>
+            </p:style>
+            <p:txBody>
+              <a:bodyPr rtlCol="0" anchor="ctr"/>
+              <a:lstStyle/>
+              <a:p>
+                <a:pPr algn="ctr"/>
+                <a:endParaRPr lang="pt-PT" dirty="0"/>
+              </a:p>
+            </p:txBody>
+          </p:sp>
+          <p:sp>
+            <p:nvSpPr>
+              <p:cNvPr id="100" name="Retângulo 99">
+                <a:extLst>
+                  <a:ext uri="{FF2B5EF4-FFF2-40B4-BE49-F238E27FC236}">
+                    <a16:creationId xmlns:a16="http://schemas.microsoft.com/office/drawing/2014/main" id="{021985E4-A1D4-971A-B599-8B6D998D8230}"/>
+                  </a:ext>
+                </a:extLst>
+              </p:cNvPr>
+              <p:cNvSpPr/>
+              <p:nvPr/>
+            </p:nvSpPr>
+            <p:spPr>
+              <a:xfrm rot="12648134">
+                <a:off x="5188059" y="803945"/>
+                <a:ext cx="245862" cy="1227596"/>
+              </a:xfrm>
+              <a:prstGeom prst="rect">
+                <a:avLst/>
+              </a:prstGeom>
+              <a:solidFill>
+                <a:schemeClr val="bg2">
+                  <a:lumMod val="50000"/>
+                </a:schemeClr>
+              </a:solidFill>
+              <a:ln>
+                <a:solidFill>
+                  <a:schemeClr val="bg2">
+                    <a:lumMod val="50000"/>
+                  </a:schemeClr>
+                </a:solidFill>
+              </a:ln>
+            </p:spPr>
+            <p:style>
+              <a:lnRef idx="2">
+                <a:schemeClr val="accent1">
+                  <a:shade val="50000"/>
+                </a:schemeClr>
+              </a:lnRef>
+              <a:fillRef idx="1">
+                <a:schemeClr val="accent1"/>
+              </a:fillRef>
+              <a:effectRef idx="0">
+                <a:schemeClr val="accent1"/>
+              </a:effectRef>
+              <a:fontRef idx="minor">
+                <a:schemeClr val="lt1"/>
+              </a:fontRef>
+            </p:style>
+            <p:txBody>
+              <a:bodyPr rtlCol="0" anchor="ctr"/>
+              <a:lstStyle/>
+              <a:p>
+                <a:pPr algn="ctr"/>
+                <a:endParaRPr lang="pt-PT" dirty="0"/>
+              </a:p>
+            </p:txBody>
+          </p:sp>
+        </p:grpSp>
+        <p:sp>
+          <p:nvSpPr>
+            <p:cNvPr id="105" name="CaixaDeTexto 104">
+              <a:extLst>
+                <a:ext uri="{FF2B5EF4-FFF2-40B4-BE49-F238E27FC236}">
+                  <a16:creationId xmlns:a16="http://schemas.microsoft.com/office/drawing/2014/main" id="{B3AF3909-C915-C07B-1D65-8308A8D5707F}"/>
+                </a:ext>
+              </a:extLst>
+            </p:cNvPr>
+            <p:cNvSpPr txBox="1"/>
+            <p:nvPr/>
+          </p:nvSpPr>
+          <p:spPr>
+            <a:xfrm>
+              <a:off x="2406097" y="3301030"/>
+              <a:ext cx="1783469" cy="246221"/>
+            </a:xfrm>
+            <a:prstGeom prst="rect">
+              <a:avLst/>
+            </a:prstGeom>
+            <a:noFill/>
+          </p:spPr>
+          <p:txBody>
+            <a:bodyPr wrap="square" rtlCol="0">
+              <a:spAutoFit/>
+            </a:bodyPr>
+            <a:lstStyle/>
+            <a:p>
+              <a:r>
+                <a:rPr lang="pt-PT" sz="1000" dirty="0"/>
+                <a:t>-</a:t>
+              </a:r>
+              <a:r>
+                <a:rPr lang="pt-PT" sz="800" dirty="0"/>
+                <a:t>Electric Rotor</a:t>
+              </a:r>
+            </a:p>
+          </p:txBody>
+        </p:sp>
+      </p:grpSp>
+      <p:sp>
+        <p:nvSpPr>
+          <p:cNvPr id="2" name="Arrow: Right 1">
+            <a:extLst>
+              <a:ext uri="{FF2B5EF4-FFF2-40B4-BE49-F238E27FC236}">
+                <a16:creationId xmlns:a16="http://schemas.microsoft.com/office/drawing/2014/main" id="{5C823BAD-FE97-4FD1-8815-5BA34DC4F792}"/>
+              </a:ext>
+            </a:extLst>
+          </p:cNvPr>
+          <p:cNvSpPr/>
+          <p:nvPr/>
+        </p:nvSpPr>
+        <p:spPr>
+          <a:xfrm>
+            <a:off x="4103532" y="4814222"/>
+            <a:ext cx="2254840" cy="51081"/>
+          </a:xfrm>
+          <a:prstGeom prst="rightArrow">
+            <a:avLst/>
+          </a:prstGeom>
+        </p:spPr>
+        <p:style>
+          <a:lnRef idx="2">
+            <a:schemeClr val="accent1">
+              <a:shade val="50000"/>
+            </a:schemeClr>
+          </a:lnRef>
+          <a:fillRef idx="1">
+            <a:schemeClr val="accent1"/>
+          </a:fillRef>
+          <a:effectRef idx="0">
+            <a:schemeClr val="accent1"/>
+          </a:effectRef>
+          <a:fontRef idx="minor">
+            <a:schemeClr val="lt1"/>
+          </a:fontRef>
+        </p:style>
+        <p:txBody>
+          <a:bodyPr rtlCol="0" anchor="ctr"/>
+          <a:lstStyle/>
+          <a:p>
+            <a:pPr algn="ctr"/>
+            <a:endParaRPr lang="en-US"/>
+          </a:p>
+        </p:txBody>
+      </p:sp>
+      <p:sp>
+        <p:nvSpPr>
+          <p:cNvPr id="4" name="Arrow: Up 3">
+            <a:extLst>
+              <a:ext uri="{FF2B5EF4-FFF2-40B4-BE49-F238E27FC236}">
+                <a16:creationId xmlns:a16="http://schemas.microsoft.com/office/drawing/2014/main" id="{16C16668-3A65-41EC-A588-85C0B48AEF43}"/>
+              </a:ext>
+            </a:extLst>
+          </p:cNvPr>
+          <p:cNvSpPr/>
+          <p:nvPr/>
+        </p:nvSpPr>
+        <p:spPr>
+          <a:xfrm>
+            <a:off x="6684595" y="3929449"/>
+            <a:ext cx="45719" cy="763223"/>
+          </a:xfrm>
+          <a:prstGeom prst="upArrow">
+            <a:avLst/>
+          </a:prstGeom>
+        </p:spPr>
+        <p:style>
+          <a:lnRef idx="2">
+            <a:schemeClr val="accent1">
+              <a:shade val="50000"/>
+            </a:schemeClr>
+          </a:lnRef>
+          <a:fillRef idx="1">
+            <a:schemeClr val="accent1"/>
+          </a:fillRef>
+          <a:effectRef idx="0">
+            <a:schemeClr val="accent1"/>
+          </a:effectRef>
+          <a:fontRef idx="minor">
+            <a:schemeClr val="lt1"/>
+          </a:fontRef>
+        </p:style>
+        <p:txBody>
+          <a:bodyPr rtlCol="0" anchor="ctr"/>
+          <a:lstStyle/>
+          <a:p>
+            <a:pPr algn="ctr"/>
+            <a:endParaRPr lang="en-US"/>
+          </a:p>
+        </p:txBody>
+      </p:sp>
+      <p:sp>
+        <p:nvSpPr>
+          <p:cNvPr id="76" name="Arrow: Up 75">
+            <a:extLst>
+              <a:ext uri="{FF2B5EF4-FFF2-40B4-BE49-F238E27FC236}">
+                <a16:creationId xmlns:a16="http://schemas.microsoft.com/office/drawing/2014/main" id="{F7E56AA2-57EE-444F-85E0-50F0927FFF3F}"/>
+              </a:ext>
+            </a:extLst>
+          </p:cNvPr>
+          <p:cNvSpPr/>
+          <p:nvPr/>
+        </p:nvSpPr>
+        <p:spPr>
+          <a:xfrm flipV="1">
+            <a:off x="6690568" y="4988194"/>
+            <a:ext cx="45719" cy="763223"/>
+          </a:xfrm>
+          <a:prstGeom prst="upArrow">
+            <a:avLst/>
+          </a:prstGeom>
+        </p:spPr>
+        <p:style>
+          <a:lnRef idx="2">
+            <a:schemeClr val="accent1">
+              <a:shade val="50000"/>
+            </a:schemeClr>
+          </a:lnRef>
+          <a:fillRef idx="1">
+            <a:schemeClr val="accent1"/>
+          </a:fillRef>
+          <a:effectRef idx="0">
+            <a:schemeClr val="accent1"/>
+          </a:effectRef>
+          <a:fontRef idx="minor">
+            <a:schemeClr val="lt1"/>
+          </a:fontRef>
+        </p:style>
+        <p:txBody>
+          <a:bodyPr rtlCol="0" anchor="ctr"/>
+          <a:lstStyle/>
+          <a:p>
+            <a:pPr algn="ctr"/>
+            <a:endParaRPr lang="en-US"/>
+          </a:p>
+        </p:txBody>
+      </p:sp>
+    </p:spTree>
+    <p:extLst>
+      <p:ext uri="{BB962C8B-B14F-4D97-AF65-F5344CB8AC3E}">
+        <p14:creationId xmlns:p14="http://schemas.microsoft.com/office/powerpoint/2010/main" val="3667165424"/>
+      </p:ext>
+    </p:extLst>
+  </p:cSld>
+  <p:clrMapOvr>
+    <a:masterClrMapping/>
+  </p:clrMapOvr>
+</p:sld>
+</file>
+
 <file path=ppt/theme/theme1.xml><?xml version="1.0" encoding="utf-8"?>
 <a:theme xmlns:a="http://schemas.openxmlformats.org/drawingml/2006/main" name="Tema do Office">
   <a:themeElements>

--- a/DesignDeAltoNivel.pptx
+++ b/DesignDeAltoNivel.pptx
@@ -6,8 +6,10 @@
   </p:sldMasterIdLst>
   <p:sldIdLst>
     <p:sldId id="257" r:id="rId2"/>
-    <p:sldId id="258" r:id="rId3"/>
-    <p:sldId id="259" r:id="rId4"/>
+    <p:sldId id="260" r:id="rId3"/>
+    <p:sldId id="261" r:id="rId4"/>
+    <p:sldId id="258" r:id="rId5"/>
+    <p:sldId id="259" r:id="rId6"/>
   </p:sldIdLst>
   <p:sldSz cx="12192000" cy="6858000"/>
   <p:notesSz cx="6858000" cy="9144000"/>
@@ -6635,14 +6637,6 @@
 <file path=ppt/slides/slide2.xml><?xml version="1.0" encoding="utf-8"?>
 <p:sld xmlns:a="http://schemas.openxmlformats.org/drawingml/2006/main" xmlns:r="http://schemas.openxmlformats.org/officeDocument/2006/relationships" xmlns:p="http://schemas.openxmlformats.org/presentationml/2006/main">
   <p:cSld>
-    <p:bg>
-      <p:bgPr>
-        <a:solidFill>
-          <a:schemeClr val="bg1"/>
-        </a:solidFill>
-        <a:effectLst/>
-      </p:bgPr>
-    </p:bg>
     <p:spTree>
       <p:nvGrpSpPr>
         <p:cNvPr id="1" name=""/>
@@ -6657,161 +6651,3328 @@
           <a:chExt cx="0" cy="0"/>
         </a:xfrm>
       </p:grpSpPr>
-      <p:sp>
-        <p:nvSpPr>
-          <p:cNvPr id="25" name="Rectangle 7">
+      <p:grpSp>
+        <p:nvGrpSpPr>
+          <p:cNvPr id="112" name="Agrupar 111">
             <a:extLst>
               <a:ext uri="{FF2B5EF4-FFF2-40B4-BE49-F238E27FC236}">
-                <a16:creationId xmlns:a16="http://schemas.microsoft.com/office/drawing/2014/main" id="{42A4FC2C-047E-45A5-965D-8E1E3BF09BC6}"/>
-              </a:ext>
-              <a:ext uri="{C183D7F6-B498-43B3-948B-1728B52AA6E4}">
-                <adec:decorative xmlns:adec="http://schemas.microsoft.com/office/drawing/2017/decorative" val="1"/>
+                <a16:creationId xmlns:a16="http://schemas.microsoft.com/office/drawing/2014/main" id="{CB3BEEB5-D039-7BAA-4AE4-476AA991CF53}"/>
               </a:ext>
             </a:extLst>
           </p:cNvPr>
-          <p:cNvSpPr>
-            <a:spLocks noGrp="1" noRot="1" noChangeAspect="1" noMove="1" noResize="1" noEditPoints="1" noAdjustHandles="1" noChangeArrowheads="1" noChangeShapeType="1" noTextEdit="1"/>
-          </p:cNvSpPr>
-          <p:nvPr>
-            <p:extLst>
-              <p:ext uri="{386F3935-93C4-4BCD-93E2-E3B085C9AB24}">
-                <p16:designElem xmlns:p16="http://schemas.microsoft.com/office/powerpoint/2015/main" val="1"/>
-              </p:ext>
-            </p:extLst>
-          </p:nvPr>
-        </p:nvSpPr>
-        <p:spPr bwMode="white">
+          <p:cNvGrpSpPr/>
+          <p:nvPr/>
+        </p:nvGrpSpPr>
+        <p:grpSpPr>
           <a:xfrm>
-            <a:off x="1524" y="0"/>
-            <a:ext cx="12188952" cy="6858000"/>
+            <a:off x="2157188" y="820421"/>
+            <a:ext cx="6737856" cy="5358158"/>
+            <a:chOff x="2124236" y="803945"/>
+            <a:chExt cx="6737856" cy="5358158"/>
           </a:xfrm>
-          <a:prstGeom prst="rect">
-            <a:avLst/>
-          </a:prstGeom>
-          <a:noFill/>
-          <a:ln>
+        </p:grpSpPr>
+        <p:grpSp>
+          <p:nvGrpSpPr>
+            <p:cNvPr id="45" name="Agrupar 44">
+              <a:extLst>
+                <a:ext uri="{FF2B5EF4-FFF2-40B4-BE49-F238E27FC236}">
+                  <a16:creationId xmlns:a16="http://schemas.microsoft.com/office/drawing/2014/main" id="{55802BBD-1F89-388F-C1AC-ADCAA0B69B40}"/>
+                </a:ext>
+              </a:extLst>
+            </p:cNvPr>
+            <p:cNvGrpSpPr/>
+            <p:nvPr/>
+          </p:nvGrpSpPr>
+          <p:grpSpPr>
+            <a:xfrm>
+              <a:off x="2124236" y="1290692"/>
+              <a:ext cx="6503909" cy="4871411"/>
+              <a:chOff x="2124236" y="1290692"/>
+              <a:chExt cx="6503909" cy="4871411"/>
+            </a:xfrm>
+          </p:grpSpPr>
+          <p:grpSp>
+            <p:nvGrpSpPr>
+              <p:cNvPr id="13" name="Agrupar 12">
+                <a:extLst>
+                  <a:ext uri="{FF2B5EF4-FFF2-40B4-BE49-F238E27FC236}">
+                    <a16:creationId xmlns:a16="http://schemas.microsoft.com/office/drawing/2014/main" id="{7D681D2C-1226-68D3-E858-81DF708ADBF9}"/>
+                  </a:ext>
+                </a:extLst>
+              </p:cNvPr>
+              <p:cNvGrpSpPr/>
+              <p:nvPr/>
+            </p:nvGrpSpPr>
+            <p:grpSpPr>
+              <a:xfrm flipH="1">
+                <a:off x="3089239" y="1848232"/>
+                <a:ext cx="5538906" cy="3678808"/>
+                <a:chOff x="3203563" y="990982"/>
+                <a:chExt cx="5538906" cy="3678808"/>
+              </a:xfrm>
+            </p:grpSpPr>
+            <p:sp>
+              <p:nvSpPr>
+                <p:cNvPr id="8" name="Retângulo 7">
+                  <a:extLst>
+                    <a:ext uri="{FF2B5EF4-FFF2-40B4-BE49-F238E27FC236}">
+                      <a16:creationId xmlns:a16="http://schemas.microsoft.com/office/drawing/2014/main" id="{9E6BDAEE-2DF3-B4FD-6729-0E9FE57D7A76}"/>
+                    </a:ext>
+                  </a:extLst>
+                </p:cNvPr>
+                <p:cNvSpPr/>
+                <p:nvPr/>
+              </p:nvSpPr>
+              <p:spPr>
+                <a:xfrm>
+                  <a:off x="3510280" y="990982"/>
+                  <a:ext cx="1226820" cy="3337178"/>
+                </a:xfrm>
+                <a:prstGeom prst="rect">
+                  <a:avLst/>
+                </a:prstGeom>
+                <a:solidFill>
+                  <a:schemeClr val="bg2">
+                    <a:lumMod val="90000"/>
+                  </a:schemeClr>
+                </a:solidFill>
+                <a:ln>
+                  <a:solidFill>
+                    <a:schemeClr val="bg2">
+                      <a:lumMod val="50000"/>
+                    </a:schemeClr>
+                  </a:solidFill>
+                </a:ln>
+              </p:spPr>
+              <p:style>
+                <a:lnRef idx="2">
+                  <a:schemeClr val="accent1">
+                    <a:shade val="50000"/>
+                  </a:schemeClr>
+                </a:lnRef>
+                <a:fillRef idx="1">
+                  <a:schemeClr val="accent1"/>
+                </a:fillRef>
+                <a:effectRef idx="0">
+                  <a:schemeClr val="accent1"/>
+                </a:effectRef>
+                <a:fontRef idx="minor">
+                  <a:schemeClr val="lt1"/>
+                </a:fontRef>
+              </p:style>
+              <p:txBody>
+                <a:bodyPr rtlCol="0" anchor="ctr"/>
+                <a:lstStyle/>
+                <a:p>
+                  <a:pPr algn="ctr"/>
+                  <a:endParaRPr lang="pt-PT" dirty="0"/>
+                </a:p>
+              </p:txBody>
+            </p:sp>
+            <p:sp>
+              <p:nvSpPr>
+                <p:cNvPr id="9" name="Retângulo 8">
+                  <a:extLst>
+                    <a:ext uri="{FF2B5EF4-FFF2-40B4-BE49-F238E27FC236}">
+                      <a16:creationId xmlns:a16="http://schemas.microsoft.com/office/drawing/2014/main" id="{064401E6-1760-7B57-FA17-A25A90420738}"/>
+                    </a:ext>
+                  </a:extLst>
+                </p:cNvPr>
+                <p:cNvSpPr/>
+                <p:nvPr/>
+              </p:nvSpPr>
+              <p:spPr>
+                <a:xfrm>
+                  <a:off x="6173966" y="990982"/>
+                  <a:ext cx="1226820" cy="3337178"/>
+                </a:xfrm>
+                <a:prstGeom prst="rect">
+                  <a:avLst/>
+                </a:prstGeom>
+                <a:solidFill>
+                  <a:schemeClr val="bg2">
+                    <a:lumMod val="90000"/>
+                  </a:schemeClr>
+                </a:solidFill>
+                <a:ln>
+                  <a:solidFill>
+                    <a:schemeClr val="bg2">
+                      <a:lumMod val="50000"/>
+                    </a:schemeClr>
+                  </a:solidFill>
+                </a:ln>
+              </p:spPr>
+              <p:style>
+                <a:lnRef idx="2">
+                  <a:schemeClr val="accent1">
+                    <a:shade val="50000"/>
+                  </a:schemeClr>
+                </a:lnRef>
+                <a:fillRef idx="1">
+                  <a:schemeClr val="accent1"/>
+                </a:fillRef>
+                <a:effectRef idx="0">
+                  <a:schemeClr val="accent1"/>
+                </a:effectRef>
+                <a:fontRef idx="minor">
+                  <a:schemeClr val="lt1"/>
+                </a:fontRef>
+              </p:style>
+              <p:txBody>
+                <a:bodyPr rtlCol="0" anchor="ctr"/>
+                <a:lstStyle/>
+                <a:p>
+                  <a:pPr algn="ctr"/>
+                  <a:endParaRPr lang="pt-PT" dirty="0"/>
+                </a:p>
+              </p:txBody>
+            </p:sp>
+            <p:sp>
+              <p:nvSpPr>
+                <p:cNvPr id="6" name="Retângulo 5">
+                  <a:extLst>
+                    <a:ext uri="{FF2B5EF4-FFF2-40B4-BE49-F238E27FC236}">
+                      <a16:creationId xmlns:a16="http://schemas.microsoft.com/office/drawing/2014/main" id="{A8A3E4C9-41B0-CAE7-7F23-19CECA504009}"/>
+                    </a:ext>
+                  </a:extLst>
+                </p:cNvPr>
+                <p:cNvSpPr/>
+                <p:nvPr/>
+              </p:nvSpPr>
+              <p:spPr>
+                <a:xfrm>
+                  <a:off x="4119217" y="3269974"/>
+                  <a:ext cx="3988905" cy="1393466"/>
+                </a:xfrm>
+                <a:prstGeom prst="rect">
+                  <a:avLst/>
+                </a:prstGeom>
+                <a:solidFill>
+                  <a:schemeClr val="bg2">
+                    <a:lumMod val="90000"/>
+                  </a:schemeClr>
+                </a:solidFill>
+                <a:ln>
+                  <a:solidFill>
+                    <a:schemeClr val="bg2">
+                      <a:lumMod val="50000"/>
+                    </a:schemeClr>
+                  </a:solidFill>
+                </a:ln>
+              </p:spPr>
+              <p:style>
+                <a:lnRef idx="2">
+                  <a:schemeClr val="accent1">
+                    <a:shade val="50000"/>
+                  </a:schemeClr>
+                </a:lnRef>
+                <a:fillRef idx="1">
+                  <a:schemeClr val="accent1"/>
+                </a:fillRef>
+                <a:effectRef idx="0">
+                  <a:schemeClr val="accent1"/>
+                </a:effectRef>
+                <a:fontRef idx="minor">
+                  <a:schemeClr val="lt1"/>
+                </a:fontRef>
+              </p:style>
+              <p:txBody>
+                <a:bodyPr rtlCol="0" anchor="ctr"/>
+                <a:lstStyle/>
+                <a:p>
+                  <a:pPr algn="ctr"/>
+                  <a:endParaRPr lang="pt-PT" dirty="0"/>
+                </a:p>
+              </p:txBody>
+            </p:sp>
+            <p:sp>
+              <p:nvSpPr>
+                <p:cNvPr id="7" name="Fluxograma: Atraso 6">
+                  <a:extLst>
+                    <a:ext uri="{FF2B5EF4-FFF2-40B4-BE49-F238E27FC236}">
+                      <a16:creationId xmlns:a16="http://schemas.microsoft.com/office/drawing/2014/main" id="{A6DF496E-F81E-8138-F775-0BB5981FBC7C}"/>
+                    </a:ext>
+                  </a:extLst>
+                </p:cNvPr>
+                <p:cNvSpPr/>
+                <p:nvPr/>
+              </p:nvSpPr>
+              <p:spPr>
+                <a:xfrm flipH="1">
+                  <a:off x="3203563" y="3269974"/>
+                  <a:ext cx="915654" cy="1393466"/>
+                </a:xfrm>
+                <a:custGeom>
+                  <a:avLst/>
+                  <a:gdLst>
+                    <a:gd name="connsiteX0" fmla="*/ 0 w 915642"/>
+                    <a:gd name="connsiteY0" fmla="*/ 0 h 1393466"/>
+                    <a:gd name="connsiteX1" fmla="*/ 457821 w 915642"/>
+                    <a:gd name="connsiteY1" fmla="*/ 0 h 1393466"/>
+                    <a:gd name="connsiteX2" fmla="*/ 915642 w 915642"/>
+                    <a:gd name="connsiteY2" fmla="*/ 696733 h 1393466"/>
+                    <a:gd name="connsiteX3" fmla="*/ 457821 w 915642"/>
+                    <a:gd name="connsiteY3" fmla="*/ 1393466 h 1393466"/>
+                    <a:gd name="connsiteX4" fmla="*/ 0 w 915642"/>
+                    <a:gd name="connsiteY4" fmla="*/ 1393466 h 1393466"/>
+                    <a:gd name="connsiteX5" fmla="*/ 0 w 915642"/>
+                    <a:gd name="connsiteY5" fmla="*/ 0 h 1393466"/>
+                    <a:gd name="connsiteX0" fmla="*/ 0 w 921802"/>
+                    <a:gd name="connsiteY0" fmla="*/ 0 h 1393466"/>
+                    <a:gd name="connsiteX1" fmla="*/ 162546 w 921802"/>
+                    <a:gd name="connsiteY1" fmla="*/ 9525 h 1393466"/>
+                    <a:gd name="connsiteX2" fmla="*/ 915642 w 921802"/>
+                    <a:gd name="connsiteY2" fmla="*/ 696733 h 1393466"/>
+                    <a:gd name="connsiteX3" fmla="*/ 457821 w 921802"/>
+                    <a:gd name="connsiteY3" fmla="*/ 1393466 h 1393466"/>
+                    <a:gd name="connsiteX4" fmla="*/ 0 w 921802"/>
+                    <a:gd name="connsiteY4" fmla="*/ 1393466 h 1393466"/>
+                    <a:gd name="connsiteX5" fmla="*/ 0 w 921802"/>
+                    <a:gd name="connsiteY5" fmla="*/ 0 h 1393466"/>
+                    <a:gd name="connsiteX0" fmla="*/ 0 w 917247"/>
+                    <a:gd name="connsiteY0" fmla="*/ 0 h 1393466"/>
+                    <a:gd name="connsiteX1" fmla="*/ 319709 w 917247"/>
+                    <a:gd name="connsiteY1" fmla="*/ 4762 h 1393466"/>
+                    <a:gd name="connsiteX2" fmla="*/ 915642 w 917247"/>
+                    <a:gd name="connsiteY2" fmla="*/ 696733 h 1393466"/>
+                    <a:gd name="connsiteX3" fmla="*/ 457821 w 917247"/>
+                    <a:gd name="connsiteY3" fmla="*/ 1393466 h 1393466"/>
+                    <a:gd name="connsiteX4" fmla="*/ 0 w 917247"/>
+                    <a:gd name="connsiteY4" fmla="*/ 1393466 h 1393466"/>
+                    <a:gd name="connsiteX5" fmla="*/ 0 w 917247"/>
+                    <a:gd name="connsiteY5" fmla="*/ 0 h 1393466"/>
+                    <a:gd name="connsiteX0" fmla="*/ 0 w 917247"/>
+                    <a:gd name="connsiteY0" fmla="*/ 0 h 1395582"/>
+                    <a:gd name="connsiteX1" fmla="*/ 319709 w 917247"/>
+                    <a:gd name="connsiteY1" fmla="*/ 4762 h 1395582"/>
+                    <a:gd name="connsiteX2" fmla="*/ 915642 w 917247"/>
+                    <a:gd name="connsiteY2" fmla="*/ 696733 h 1395582"/>
+                    <a:gd name="connsiteX3" fmla="*/ 457821 w 917247"/>
+                    <a:gd name="connsiteY3" fmla="*/ 1393466 h 1395582"/>
+                    <a:gd name="connsiteX4" fmla="*/ 0 w 917247"/>
+                    <a:gd name="connsiteY4" fmla="*/ 1393466 h 1395582"/>
+                    <a:gd name="connsiteX5" fmla="*/ 0 w 917247"/>
+                    <a:gd name="connsiteY5" fmla="*/ 0 h 1395582"/>
+                    <a:gd name="connsiteX0" fmla="*/ 0 w 916004"/>
+                    <a:gd name="connsiteY0" fmla="*/ 0 h 1395582"/>
+                    <a:gd name="connsiteX1" fmla="*/ 319709 w 916004"/>
+                    <a:gd name="connsiteY1" fmla="*/ 4762 h 1395582"/>
+                    <a:gd name="connsiteX2" fmla="*/ 915642 w 916004"/>
+                    <a:gd name="connsiteY2" fmla="*/ 696733 h 1395582"/>
+                    <a:gd name="connsiteX3" fmla="*/ 391146 w 916004"/>
+                    <a:gd name="connsiteY3" fmla="*/ 1393466 h 1395582"/>
+                    <a:gd name="connsiteX4" fmla="*/ 0 w 916004"/>
+                    <a:gd name="connsiteY4" fmla="*/ 1393466 h 1395582"/>
+                    <a:gd name="connsiteX5" fmla="*/ 0 w 916004"/>
+                    <a:gd name="connsiteY5" fmla="*/ 0 h 1395582"/>
+                    <a:gd name="connsiteX0" fmla="*/ 0 w 915678"/>
+                    <a:gd name="connsiteY0" fmla="*/ 0 h 1399561"/>
+                    <a:gd name="connsiteX1" fmla="*/ 319709 w 915678"/>
+                    <a:gd name="connsiteY1" fmla="*/ 4762 h 1399561"/>
+                    <a:gd name="connsiteX2" fmla="*/ 915642 w 915678"/>
+                    <a:gd name="connsiteY2" fmla="*/ 696733 h 1399561"/>
+                    <a:gd name="connsiteX3" fmla="*/ 343521 w 915678"/>
+                    <a:gd name="connsiteY3" fmla="*/ 1398228 h 1399561"/>
+                    <a:gd name="connsiteX4" fmla="*/ 0 w 915678"/>
+                    <a:gd name="connsiteY4" fmla="*/ 1393466 h 1399561"/>
+                    <a:gd name="connsiteX5" fmla="*/ 0 w 915678"/>
+                    <a:gd name="connsiteY5" fmla="*/ 0 h 1399561"/>
+                    <a:gd name="connsiteX0" fmla="*/ 0 w 915654"/>
+                    <a:gd name="connsiteY0" fmla="*/ 0 h 1393466"/>
+                    <a:gd name="connsiteX1" fmla="*/ 319709 w 915654"/>
+                    <a:gd name="connsiteY1" fmla="*/ 4762 h 1393466"/>
+                    <a:gd name="connsiteX2" fmla="*/ 915642 w 915654"/>
+                    <a:gd name="connsiteY2" fmla="*/ 696733 h 1393466"/>
+                    <a:gd name="connsiteX3" fmla="*/ 333996 w 915654"/>
+                    <a:gd name="connsiteY3" fmla="*/ 1391878 h 1393466"/>
+                    <a:gd name="connsiteX4" fmla="*/ 0 w 915654"/>
+                    <a:gd name="connsiteY4" fmla="*/ 1393466 h 1393466"/>
+                    <a:gd name="connsiteX5" fmla="*/ 0 w 915654"/>
+                    <a:gd name="connsiteY5" fmla="*/ 0 h 1393466"/>
+                  </a:gdLst>
+                  <a:ahLst/>
+                  <a:cxnLst>
+                    <a:cxn ang="0">
+                      <a:pos x="connsiteX0" y="connsiteY0"/>
+                    </a:cxn>
+                    <a:cxn ang="0">
+                      <a:pos x="connsiteX1" y="connsiteY1"/>
+                    </a:cxn>
+                    <a:cxn ang="0">
+                      <a:pos x="connsiteX2" y="connsiteY2"/>
+                    </a:cxn>
+                    <a:cxn ang="0">
+                      <a:pos x="connsiteX3" y="connsiteY3"/>
+                    </a:cxn>
+                    <a:cxn ang="0">
+                      <a:pos x="connsiteX4" y="connsiteY4"/>
+                    </a:cxn>
+                    <a:cxn ang="0">
+                      <a:pos x="connsiteX5" y="connsiteY5"/>
+                    </a:cxn>
+                  </a:cxnLst>
+                  <a:rect l="l" t="t" r="r" b="b"/>
+                  <a:pathLst>
+                    <a:path w="915654" h="1393466">
+                      <a:moveTo>
+                        <a:pt x="0" y="0"/>
+                      </a:moveTo>
+                      <a:cubicBezTo>
+                        <a:pt x="152607" y="0"/>
+                        <a:pt x="167102" y="4762"/>
+                        <a:pt x="319709" y="4762"/>
+                      </a:cubicBezTo>
+                      <a:cubicBezTo>
+                        <a:pt x="572557" y="4762"/>
+                        <a:pt x="913261" y="465547"/>
+                        <a:pt x="915642" y="696733"/>
+                      </a:cubicBezTo>
+                      <a:cubicBezTo>
+                        <a:pt x="918023" y="927919"/>
+                        <a:pt x="586844" y="1391878"/>
+                        <a:pt x="333996" y="1391878"/>
+                      </a:cubicBezTo>
+                      <a:lnTo>
+                        <a:pt x="0" y="1393466"/>
+                      </a:lnTo>
+                      <a:lnTo>
+                        <a:pt x="0" y="0"/>
+                      </a:lnTo>
+                      <a:close/>
+                    </a:path>
+                  </a:pathLst>
+                </a:custGeom>
+                <a:solidFill>
+                  <a:schemeClr val="bg2">
+                    <a:lumMod val="90000"/>
+                  </a:schemeClr>
+                </a:solidFill>
+                <a:ln>
+                  <a:solidFill>
+                    <a:schemeClr val="bg2">
+                      <a:lumMod val="50000"/>
+                    </a:schemeClr>
+                  </a:solidFill>
+                </a:ln>
+              </p:spPr>
+              <p:style>
+                <a:lnRef idx="2">
+                  <a:schemeClr val="accent1">
+                    <a:shade val="50000"/>
+                  </a:schemeClr>
+                </a:lnRef>
+                <a:fillRef idx="1">
+                  <a:schemeClr val="accent1"/>
+                </a:fillRef>
+                <a:effectRef idx="0">
+                  <a:schemeClr val="accent1"/>
+                </a:effectRef>
+                <a:fontRef idx="minor">
+                  <a:schemeClr val="lt1"/>
+                </a:fontRef>
+              </p:style>
+              <p:txBody>
+                <a:bodyPr rtlCol="0" anchor="ctr"/>
+                <a:lstStyle/>
+                <a:p>
+                  <a:pPr algn="ctr"/>
+                  <a:endParaRPr lang="pt-PT" dirty="0"/>
+                </a:p>
+              </p:txBody>
+            </p:sp>
+            <p:sp>
+              <p:nvSpPr>
+                <p:cNvPr id="10" name="Fluxograma: Atraso 9">
+                  <a:extLst>
+                    <a:ext uri="{FF2B5EF4-FFF2-40B4-BE49-F238E27FC236}">
+                      <a16:creationId xmlns:a16="http://schemas.microsoft.com/office/drawing/2014/main" id="{A0E66709-B77D-F6EA-3038-FEA15EC45FDC}"/>
+                    </a:ext>
+                  </a:extLst>
+                </p:cNvPr>
+                <p:cNvSpPr/>
+                <p:nvPr/>
+              </p:nvSpPr>
+              <p:spPr>
+                <a:xfrm>
+                  <a:off x="8108124" y="3263624"/>
+                  <a:ext cx="634345" cy="1406166"/>
+                </a:xfrm>
+                <a:custGeom>
+                  <a:avLst/>
+                  <a:gdLst>
+                    <a:gd name="connsiteX0" fmla="*/ 0 w 608937"/>
+                    <a:gd name="connsiteY0" fmla="*/ 0 h 1393466"/>
+                    <a:gd name="connsiteX1" fmla="*/ 304469 w 608937"/>
+                    <a:gd name="connsiteY1" fmla="*/ 0 h 1393466"/>
+                    <a:gd name="connsiteX2" fmla="*/ 608938 w 608937"/>
+                    <a:gd name="connsiteY2" fmla="*/ 696733 h 1393466"/>
+                    <a:gd name="connsiteX3" fmla="*/ 304469 w 608937"/>
+                    <a:gd name="connsiteY3" fmla="*/ 1393466 h 1393466"/>
+                    <a:gd name="connsiteX4" fmla="*/ 0 w 608937"/>
+                    <a:gd name="connsiteY4" fmla="*/ 1393466 h 1393466"/>
+                    <a:gd name="connsiteX5" fmla="*/ 0 w 608937"/>
+                    <a:gd name="connsiteY5" fmla="*/ 0 h 1393466"/>
+                    <a:gd name="connsiteX0" fmla="*/ 0 w 634338"/>
+                    <a:gd name="connsiteY0" fmla="*/ 0 h 1393466"/>
+                    <a:gd name="connsiteX1" fmla="*/ 304469 w 634338"/>
+                    <a:gd name="connsiteY1" fmla="*/ 0 h 1393466"/>
+                    <a:gd name="connsiteX2" fmla="*/ 634338 w 634338"/>
+                    <a:gd name="connsiteY2" fmla="*/ 696733 h 1393466"/>
+                    <a:gd name="connsiteX3" fmla="*/ 304469 w 634338"/>
+                    <a:gd name="connsiteY3" fmla="*/ 1393466 h 1393466"/>
+                    <a:gd name="connsiteX4" fmla="*/ 0 w 634338"/>
+                    <a:gd name="connsiteY4" fmla="*/ 1393466 h 1393466"/>
+                    <a:gd name="connsiteX5" fmla="*/ 0 w 634338"/>
+                    <a:gd name="connsiteY5" fmla="*/ 0 h 1393466"/>
+                    <a:gd name="connsiteX0" fmla="*/ 0 w 635654"/>
+                    <a:gd name="connsiteY0" fmla="*/ 0 h 1399816"/>
+                    <a:gd name="connsiteX1" fmla="*/ 304469 w 635654"/>
+                    <a:gd name="connsiteY1" fmla="*/ 0 h 1399816"/>
+                    <a:gd name="connsiteX2" fmla="*/ 634338 w 635654"/>
+                    <a:gd name="connsiteY2" fmla="*/ 696733 h 1399816"/>
+                    <a:gd name="connsiteX3" fmla="*/ 193344 w 635654"/>
+                    <a:gd name="connsiteY3" fmla="*/ 1399816 h 1399816"/>
+                    <a:gd name="connsiteX4" fmla="*/ 0 w 635654"/>
+                    <a:gd name="connsiteY4" fmla="*/ 1393466 h 1399816"/>
+                    <a:gd name="connsiteX5" fmla="*/ 0 w 635654"/>
+                    <a:gd name="connsiteY5" fmla="*/ 0 h 1399816"/>
+                    <a:gd name="connsiteX0" fmla="*/ 0 w 636413"/>
+                    <a:gd name="connsiteY0" fmla="*/ 0 h 1402991"/>
+                    <a:gd name="connsiteX1" fmla="*/ 304469 w 636413"/>
+                    <a:gd name="connsiteY1" fmla="*/ 0 h 1402991"/>
+                    <a:gd name="connsiteX2" fmla="*/ 634338 w 636413"/>
+                    <a:gd name="connsiteY2" fmla="*/ 696733 h 1402991"/>
+                    <a:gd name="connsiteX3" fmla="*/ 161594 w 636413"/>
+                    <a:gd name="connsiteY3" fmla="*/ 1402991 h 1402991"/>
+                    <a:gd name="connsiteX4" fmla="*/ 0 w 636413"/>
+                    <a:gd name="connsiteY4" fmla="*/ 1393466 h 1402991"/>
+                    <a:gd name="connsiteX5" fmla="*/ 0 w 636413"/>
+                    <a:gd name="connsiteY5" fmla="*/ 0 h 1402991"/>
+                    <a:gd name="connsiteX0" fmla="*/ 0 w 637888"/>
+                    <a:gd name="connsiteY0" fmla="*/ 0 h 1393466"/>
+                    <a:gd name="connsiteX1" fmla="*/ 304469 w 637888"/>
+                    <a:gd name="connsiteY1" fmla="*/ 0 h 1393466"/>
+                    <a:gd name="connsiteX2" fmla="*/ 634338 w 637888"/>
+                    <a:gd name="connsiteY2" fmla="*/ 696733 h 1393466"/>
+                    <a:gd name="connsiteX3" fmla="*/ 110794 w 637888"/>
+                    <a:gd name="connsiteY3" fmla="*/ 1390291 h 1393466"/>
+                    <a:gd name="connsiteX4" fmla="*/ 0 w 637888"/>
+                    <a:gd name="connsiteY4" fmla="*/ 1393466 h 1393466"/>
+                    <a:gd name="connsiteX5" fmla="*/ 0 w 637888"/>
+                    <a:gd name="connsiteY5" fmla="*/ 0 h 1393466"/>
+                    <a:gd name="connsiteX0" fmla="*/ 0 w 637888"/>
+                    <a:gd name="connsiteY0" fmla="*/ 0 h 1393466"/>
+                    <a:gd name="connsiteX1" fmla="*/ 304469 w 637888"/>
+                    <a:gd name="connsiteY1" fmla="*/ 0 h 1393466"/>
+                    <a:gd name="connsiteX2" fmla="*/ 634338 w 637888"/>
+                    <a:gd name="connsiteY2" fmla="*/ 696733 h 1393466"/>
+                    <a:gd name="connsiteX3" fmla="*/ 110794 w 637888"/>
+                    <a:gd name="connsiteY3" fmla="*/ 1390291 h 1393466"/>
+                    <a:gd name="connsiteX4" fmla="*/ 0 w 637888"/>
+                    <a:gd name="connsiteY4" fmla="*/ 1393466 h 1393466"/>
+                    <a:gd name="connsiteX5" fmla="*/ 0 w 637888"/>
+                    <a:gd name="connsiteY5" fmla="*/ 0 h 1393466"/>
+                    <a:gd name="connsiteX0" fmla="*/ 0 w 641730"/>
+                    <a:gd name="connsiteY0" fmla="*/ 0 h 1399816"/>
+                    <a:gd name="connsiteX1" fmla="*/ 304469 w 641730"/>
+                    <a:gd name="connsiteY1" fmla="*/ 0 h 1399816"/>
+                    <a:gd name="connsiteX2" fmla="*/ 634338 w 641730"/>
+                    <a:gd name="connsiteY2" fmla="*/ 696733 h 1399816"/>
+                    <a:gd name="connsiteX3" fmla="*/ 6019 w 641730"/>
+                    <a:gd name="connsiteY3" fmla="*/ 1399816 h 1399816"/>
+                    <a:gd name="connsiteX4" fmla="*/ 0 w 641730"/>
+                    <a:gd name="connsiteY4" fmla="*/ 1393466 h 1399816"/>
+                    <a:gd name="connsiteX5" fmla="*/ 0 w 641730"/>
+                    <a:gd name="connsiteY5" fmla="*/ 0 h 1399816"/>
+                    <a:gd name="connsiteX0" fmla="*/ 0 w 641730"/>
+                    <a:gd name="connsiteY0" fmla="*/ 0 h 1399816"/>
+                    <a:gd name="connsiteX1" fmla="*/ 304469 w 641730"/>
+                    <a:gd name="connsiteY1" fmla="*/ 0 h 1399816"/>
+                    <a:gd name="connsiteX2" fmla="*/ 634338 w 641730"/>
+                    <a:gd name="connsiteY2" fmla="*/ 696733 h 1399816"/>
+                    <a:gd name="connsiteX3" fmla="*/ 6019 w 641730"/>
+                    <a:gd name="connsiteY3" fmla="*/ 1399816 h 1399816"/>
+                    <a:gd name="connsiteX4" fmla="*/ 0 w 641730"/>
+                    <a:gd name="connsiteY4" fmla="*/ 1393466 h 1399816"/>
+                    <a:gd name="connsiteX5" fmla="*/ 0 w 641730"/>
+                    <a:gd name="connsiteY5" fmla="*/ 0 h 1399816"/>
+                    <a:gd name="connsiteX0" fmla="*/ 0 w 634338"/>
+                    <a:gd name="connsiteY0" fmla="*/ 0 h 1399816"/>
+                    <a:gd name="connsiteX1" fmla="*/ 9194 w 634338"/>
+                    <a:gd name="connsiteY1" fmla="*/ 12700 h 1399816"/>
+                    <a:gd name="connsiteX2" fmla="*/ 634338 w 634338"/>
+                    <a:gd name="connsiteY2" fmla="*/ 696733 h 1399816"/>
+                    <a:gd name="connsiteX3" fmla="*/ 6019 w 634338"/>
+                    <a:gd name="connsiteY3" fmla="*/ 1399816 h 1399816"/>
+                    <a:gd name="connsiteX4" fmla="*/ 0 w 634338"/>
+                    <a:gd name="connsiteY4" fmla="*/ 1393466 h 1399816"/>
+                    <a:gd name="connsiteX5" fmla="*/ 0 w 634338"/>
+                    <a:gd name="connsiteY5" fmla="*/ 0 h 1399816"/>
+                    <a:gd name="connsiteX0" fmla="*/ 0 w 634338"/>
+                    <a:gd name="connsiteY0" fmla="*/ 0 h 1399816"/>
+                    <a:gd name="connsiteX1" fmla="*/ 9194 w 634338"/>
+                    <a:gd name="connsiteY1" fmla="*/ 12700 h 1399816"/>
+                    <a:gd name="connsiteX2" fmla="*/ 634338 w 634338"/>
+                    <a:gd name="connsiteY2" fmla="*/ 696733 h 1399816"/>
+                    <a:gd name="connsiteX3" fmla="*/ 6019 w 634338"/>
+                    <a:gd name="connsiteY3" fmla="*/ 1399816 h 1399816"/>
+                    <a:gd name="connsiteX4" fmla="*/ 0 w 634338"/>
+                    <a:gd name="connsiteY4" fmla="*/ 1393466 h 1399816"/>
+                    <a:gd name="connsiteX5" fmla="*/ 0 w 634338"/>
+                    <a:gd name="connsiteY5" fmla="*/ 0 h 1399816"/>
+                    <a:gd name="connsiteX0" fmla="*/ 0 w 634338"/>
+                    <a:gd name="connsiteY0" fmla="*/ 0 h 1399816"/>
+                    <a:gd name="connsiteX1" fmla="*/ 9194 w 634338"/>
+                    <a:gd name="connsiteY1" fmla="*/ 12700 h 1399816"/>
+                    <a:gd name="connsiteX2" fmla="*/ 634338 w 634338"/>
+                    <a:gd name="connsiteY2" fmla="*/ 696733 h 1399816"/>
+                    <a:gd name="connsiteX3" fmla="*/ 6019 w 634338"/>
+                    <a:gd name="connsiteY3" fmla="*/ 1399816 h 1399816"/>
+                    <a:gd name="connsiteX4" fmla="*/ 0 w 634338"/>
+                    <a:gd name="connsiteY4" fmla="*/ 1393466 h 1399816"/>
+                    <a:gd name="connsiteX5" fmla="*/ 0 w 634338"/>
+                    <a:gd name="connsiteY5" fmla="*/ 0 h 1399816"/>
+                    <a:gd name="connsiteX0" fmla="*/ 0 w 634345"/>
+                    <a:gd name="connsiteY0" fmla="*/ 6350 h 1406166"/>
+                    <a:gd name="connsiteX1" fmla="*/ 15544 w 634345"/>
+                    <a:gd name="connsiteY1" fmla="*/ 0 h 1406166"/>
+                    <a:gd name="connsiteX2" fmla="*/ 634338 w 634345"/>
+                    <a:gd name="connsiteY2" fmla="*/ 703083 h 1406166"/>
+                    <a:gd name="connsiteX3" fmla="*/ 6019 w 634345"/>
+                    <a:gd name="connsiteY3" fmla="*/ 1406166 h 1406166"/>
+                    <a:gd name="connsiteX4" fmla="*/ 0 w 634345"/>
+                    <a:gd name="connsiteY4" fmla="*/ 1399816 h 1406166"/>
+                    <a:gd name="connsiteX5" fmla="*/ 0 w 634345"/>
+                    <a:gd name="connsiteY5" fmla="*/ 6350 h 1406166"/>
+                    <a:gd name="connsiteX0" fmla="*/ 0 w 634345"/>
+                    <a:gd name="connsiteY0" fmla="*/ 12700 h 1406166"/>
+                    <a:gd name="connsiteX1" fmla="*/ 15544 w 634345"/>
+                    <a:gd name="connsiteY1" fmla="*/ 0 h 1406166"/>
+                    <a:gd name="connsiteX2" fmla="*/ 634338 w 634345"/>
+                    <a:gd name="connsiteY2" fmla="*/ 703083 h 1406166"/>
+                    <a:gd name="connsiteX3" fmla="*/ 6019 w 634345"/>
+                    <a:gd name="connsiteY3" fmla="*/ 1406166 h 1406166"/>
+                    <a:gd name="connsiteX4" fmla="*/ 0 w 634345"/>
+                    <a:gd name="connsiteY4" fmla="*/ 1399816 h 1406166"/>
+                    <a:gd name="connsiteX5" fmla="*/ 0 w 634345"/>
+                    <a:gd name="connsiteY5" fmla="*/ 12700 h 1406166"/>
+                  </a:gdLst>
+                  <a:ahLst/>
+                  <a:cxnLst>
+                    <a:cxn ang="0">
+                      <a:pos x="connsiteX0" y="connsiteY0"/>
+                    </a:cxn>
+                    <a:cxn ang="0">
+                      <a:pos x="connsiteX1" y="connsiteY1"/>
+                    </a:cxn>
+                    <a:cxn ang="0">
+                      <a:pos x="connsiteX2" y="connsiteY2"/>
+                    </a:cxn>
+                    <a:cxn ang="0">
+                      <a:pos x="connsiteX3" y="connsiteY3"/>
+                    </a:cxn>
+                    <a:cxn ang="0">
+                      <a:pos x="connsiteX4" y="connsiteY4"/>
+                    </a:cxn>
+                    <a:cxn ang="0">
+                      <a:pos x="connsiteX5" y="connsiteY5"/>
+                    </a:cxn>
+                  </a:cxnLst>
+                  <a:rect l="l" t="t" r="r" b="b"/>
+                  <a:pathLst>
+                    <a:path w="634345" h="1406166">
+                      <a:moveTo>
+                        <a:pt x="0" y="12700"/>
+                      </a:moveTo>
+                      <a:lnTo>
+                        <a:pt x="15544" y="0"/>
+                      </a:lnTo>
+                      <a:cubicBezTo>
+                        <a:pt x="367848" y="203200"/>
+                        <a:pt x="635926" y="468722"/>
+                        <a:pt x="634338" y="703083"/>
+                      </a:cubicBezTo>
+                      <a:cubicBezTo>
+                        <a:pt x="632751" y="937444"/>
+                        <a:pt x="532948" y="1095016"/>
+                        <a:pt x="6019" y="1406166"/>
+                      </a:cubicBezTo>
+                      <a:lnTo>
+                        <a:pt x="0" y="1399816"/>
+                      </a:lnTo>
+                      <a:lnTo>
+                        <a:pt x="0" y="12700"/>
+                      </a:lnTo>
+                      <a:close/>
+                    </a:path>
+                  </a:pathLst>
+                </a:custGeom>
+                <a:solidFill>
+                  <a:schemeClr val="bg2">
+                    <a:lumMod val="90000"/>
+                  </a:schemeClr>
+                </a:solidFill>
+                <a:ln>
+                  <a:solidFill>
+                    <a:schemeClr val="bg2">
+                      <a:lumMod val="50000"/>
+                    </a:schemeClr>
+                  </a:solidFill>
+                </a:ln>
+              </p:spPr>
+              <p:style>
+                <a:lnRef idx="2">
+                  <a:schemeClr val="accent1">
+                    <a:shade val="50000"/>
+                  </a:schemeClr>
+                </a:lnRef>
+                <a:fillRef idx="1">
+                  <a:schemeClr val="accent1"/>
+                </a:fillRef>
+                <a:effectRef idx="0">
+                  <a:schemeClr val="accent1"/>
+                </a:effectRef>
+                <a:fontRef idx="minor">
+                  <a:schemeClr val="lt1"/>
+                </a:fontRef>
+              </p:style>
+              <p:txBody>
+                <a:bodyPr rtlCol="0" anchor="ctr"/>
+                <a:lstStyle/>
+                <a:p>
+                  <a:pPr algn="ctr"/>
+                  <a:endParaRPr lang="pt-PT" dirty="0"/>
+                </a:p>
+              </p:txBody>
+            </p:sp>
+          </p:grpSp>
+          <p:cxnSp>
+            <p:nvCxnSpPr>
+              <p:cNvPr id="15" name="Conexão reta unidirecional 14">
+                <a:extLst>
+                  <a:ext uri="{FF2B5EF4-FFF2-40B4-BE49-F238E27FC236}">
+                    <a16:creationId xmlns:a16="http://schemas.microsoft.com/office/drawing/2014/main" id="{F90A9094-5456-DBD3-62EA-2C5F8D8D8A35}"/>
+                  </a:ext>
+                </a:extLst>
+              </p:cNvPr>
+              <p:cNvCxnSpPr>
+                <a:cxnSpLocks/>
+              </p:cNvCxnSpPr>
+              <p:nvPr/>
+            </p:nvCxnSpPr>
+            <p:spPr>
+              <a:xfrm>
+                <a:off x="3089239" y="5903457"/>
+                <a:ext cx="634340" cy="0"/>
+              </a:xfrm>
+              <a:prstGeom prst="straightConnector1">
+                <a:avLst/>
+              </a:prstGeom>
+              <a:ln>
+                <a:headEnd type="triangle"/>
+                <a:tailEnd type="triangle"/>
+              </a:ln>
+            </p:spPr>
+            <p:style>
+              <a:lnRef idx="1">
+                <a:schemeClr val="dk1"/>
+              </a:lnRef>
+              <a:fillRef idx="0">
+                <a:schemeClr val="dk1"/>
+              </a:fillRef>
+              <a:effectRef idx="0">
+                <a:schemeClr val="dk1"/>
+              </a:effectRef>
+              <a:fontRef idx="minor">
+                <a:schemeClr val="tx1"/>
+              </a:fontRef>
+            </p:style>
+          </p:cxnSp>
+          <p:cxnSp>
+            <p:nvCxnSpPr>
+              <p:cNvPr id="17" name="Conexão reta unidirecional 16">
+                <a:extLst>
+                  <a:ext uri="{FF2B5EF4-FFF2-40B4-BE49-F238E27FC236}">
+                    <a16:creationId xmlns:a16="http://schemas.microsoft.com/office/drawing/2014/main" id="{78C63AE2-344E-EEFA-93FD-CFB3A713B590}"/>
+                  </a:ext>
+                </a:extLst>
+              </p:cNvPr>
+              <p:cNvCxnSpPr>
+                <a:cxnSpLocks/>
+              </p:cNvCxnSpPr>
+              <p:nvPr/>
+            </p:nvCxnSpPr>
+            <p:spPr>
+              <a:xfrm>
+                <a:off x="3723579" y="5903457"/>
+                <a:ext cx="3988912" cy="0"/>
+              </a:xfrm>
+              <a:prstGeom prst="straightConnector1">
+                <a:avLst/>
+              </a:prstGeom>
+              <a:ln>
+                <a:headEnd type="triangle"/>
+                <a:tailEnd type="triangle"/>
+              </a:ln>
+            </p:spPr>
+            <p:style>
+              <a:lnRef idx="1">
+                <a:schemeClr val="dk1"/>
+              </a:lnRef>
+              <a:fillRef idx="0">
+                <a:schemeClr val="dk1"/>
+              </a:fillRef>
+              <a:effectRef idx="0">
+                <a:schemeClr val="dk1"/>
+              </a:effectRef>
+              <a:fontRef idx="minor">
+                <a:schemeClr val="tx1"/>
+              </a:fontRef>
+            </p:style>
+          </p:cxnSp>
+          <p:cxnSp>
+            <p:nvCxnSpPr>
+              <p:cNvPr id="19" name="Conexão reta unidirecional 18">
+                <a:extLst>
+                  <a:ext uri="{FF2B5EF4-FFF2-40B4-BE49-F238E27FC236}">
+                    <a16:creationId xmlns:a16="http://schemas.microsoft.com/office/drawing/2014/main" id="{3BE345FA-D6BF-D8CB-C93E-9F22C6E5266D}"/>
+                  </a:ext>
+                </a:extLst>
+              </p:cNvPr>
+              <p:cNvCxnSpPr>
+                <a:cxnSpLocks/>
+              </p:cNvCxnSpPr>
+              <p:nvPr/>
+            </p:nvCxnSpPr>
+            <p:spPr>
+              <a:xfrm>
+                <a:off x="7708018" y="5903457"/>
+                <a:ext cx="920127" cy="0"/>
+              </a:xfrm>
+              <a:prstGeom prst="straightConnector1">
+                <a:avLst/>
+              </a:prstGeom>
+              <a:ln>
+                <a:headEnd type="triangle"/>
+                <a:tailEnd type="triangle"/>
+              </a:ln>
+            </p:spPr>
+            <p:style>
+              <a:lnRef idx="1">
+                <a:schemeClr val="dk1"/>
+              </a:lnRef>
+              <a:fillRef idx="0">
+                <a:schemeClr val="dk1"/>
+              </a:fillRef>
+              <a:effectRef idx="0">
+                <a:schemeClr val="dk1"/>
+              </a:effectRef>
+              <a:fontRef idx="minor">
+                <a:schemeClr val="tx1"/>
+              </a:fontRef>
+            </p:style>
+          </p:cxnSp>
+          <p:sp>
+            <p:nvSpPr>
+              <p:cNvPr id="21" name="CaixaDeTexto 20">
+                <a:extLst>
+                  <a:ext uri="{FF2B5EF4-FFF2-40B4-BE49-F238E27FC236}">
+                    <a16:creationId xmlns:a16="http://schemas.microsoft.com/office/drawing/2014/main" id="{89A6EBA8-79F0-3504-F755-FA72871098E5}"/>
+                  </a:ext>
+                </a:extLst>
+              </p:cNvPr>
+              <p:cNvSpPr txBox="1"/>
+              <p:nvPr/>
+            </p:nvSpPr>
+            <p:spPr>
+              <a:xfrm>
+                <a:off x="3211147" y="5903457"/>
+                <a:ext cx="390525" cy="246221"/>
+              </a:xfrm>
+              <a:prstGeom prst="rect">
+                <a:avLst/>
+              </a:prstGeom>
+              <a:noFill/>
+            </p:spPr>
+            <p:txBody>
+              <a:bodyPr wrap="square" rtlCol="0">
+                <a:spAutoFit/>
+              </a:bodyPr>
+              <a:lstStyle/>
+              <a:p>
+                <a:r>
+                  <a:rPr lang="pt-PT" sz="1000" dirty="0">
+                    <a:latin typeface="Abadi" panose="020B0604020104020204" pitchFamily="34" charset="0"/>
+                  </a:rPr>
+                  <a:t>1m</a:t>
+                </a:r>
+              </a:p>
+            </p:txBody>
+          </p:sp>
+          <p:sp>
+            <p:nvSpPr>
+              <p:cNvPr id="22" name="CaixaDeTexto 21">
+                <a:extLst>
+                  <a:ext uri="{FF2B5EF4-FFF2-40B4-BE49-F238E27FC236}">
+                    <a16:creationId xmlns:a16="http://schemas.microsoft.com/office/drawing/2014/main" id="{7A107752-3E17-449A-B6FC-D9A926B7B91F}"/>
+                  </a:ext>
+                </a:extLst>
+              </p:cNvPr>
+              <p:cNvSpPr txBox="1"/>
+              <p:nvPr/>
+            </p:nvSpPr>
+            <p:spPr>
+              <a:xfrm>
+                <a:off x="5468759" y="5903457"/>
+                <a:ext cx="494078" cy="246221"/>
+              </a:xfrm>
+              <a:prstGeom prst="rect">
+                <a:avLst/>
+              </a:prstGeom>
+              <a:noFill/>
+            </p:spPr>
+            <p:txBody>
+              <a:bodyPr wrap="square" rtlCol="0">
+                <a:spAutoFit/>
+              </a:bodyPr>
+              <a:lstStyle/>
+              <a:p>
+                <a:r>
+                  <a:rPr lang="pt-PT" sz="1000" dirty="0">
+                    <a:latin typeface="Abadi" panose="020B0604020104020204" pitchFamily="34" charset="0"/>
+                  </a:rPr>
+                  <a:t>6,5m</a:t>
+                </a:r>
+              </a:p>
+            </p:txBody>
+          </p:sp>
+          <p:sp>
+            <p:nvSpPr>
+              <p:cNvPr id="23" name="CaixaDeTexto 22">
+                <a:extLst>
+                  <a:ext uri="{FF2B5EF4-FFF2-40B4-BE49-F238E27FC236}">
+                    <a16:creationId xmlns:a16="http://schemas.microsoft.com/office/drawing/2014/main" id="{A283D22E-680B-0FA9-6C47-D1D6A41F743F}"/>
+                  </a:ext>
+                </a:extLst>
+              </p:cNvPr>
+              <p:cNvSpPr txBox="1"/>
+              <p:nvPr/>
+            </p:nvSpPr>
+            <p:spPr>
+              <a:xfrm>
+                <a:off x="7921042" y="5915882"/>
+                <a:ext cx="494078" cy="246221"/>
+              </a:xfrm>
+              <a:prstGeom prst="rect">
+                <a:avLst/>
+              </a:prstGeom>
+              <a:noFill/>
+            </p:spPr>
+            <p:txBody>
+              <a:bodyPr wrap="square" rtlCol="0">
+                <a:spAutoFit/>
+              </a:bodyPr>
+              <a:lstStyle/>
+              <a:p>
+                <a:r>
+                  <a:rPr lang="pt-PT" sz="1000" dirty="0">
+                    <a:latin typeface="Abadi" panose="020B0604020104020204" pitchFamily="34" charset="0"/>
+                  </a:rPr>
+                  <a:t>1,5m</a:t>
+                </a:r>
+              </a:p>
+            </p:txBody>
+          </p:sp>
+          <p:sp>
+            <p:nvSpPr>
+              <p:cNvPr id="24" name="CaixaDeTexto 23">
+                <a:extLst>
+                  <a:ext uri="{FF2B5EF4-FFF2-40B4-BE49-F238E27FC236}">
+                    <a16:creationId xmlns:a16="http://schemas.microsoft.com/office/drawing/2014/main" id="{D16B3F30-6887-0963-1EB6-4EA146B684FD}"/>
+                  </a:ext>
+                </a:extLst>
+              </p:cNvPr>
+              <p:cNvSpPr txBox="1"/>
+              <p:nvPr/>
+            </p:nvSpPr>
+            <p:spPr>
+              <a:xfrm>
+                <a:off x="2124236" y="4700846"/>
+                <a:ext cx="571975" cy="246221"/>
+              </a:xfrm>
+              <a:prstGeom prst="rect">
+                <a:avLst/>
+              </a:prstGeom>
+              <a:noFill/>
+            </p:spPr>
+            <p:txBody>
+              <a:bodyPr wrap="square" rtlCol="0">
+                <a:spAutoFit/>
+              </a:bodyPr>
+              <a:lstStyle/>
+              <a:p>
+                <a:r>
+                  <a:rPr lang="pt-PT" sz="1000" dirty="0">
+                    <a:latin typeface="Abadi" panose="020B0604020104020204" pitchFamily="34" charset="0"/>
+                  </a:rPr>
+                  <a:t>2,25m</a:t>
+                </a:r>
+              </a:p>
+            </p:txBody>
+          </p:sp>
+          <p:cxnSp>
+            <p:nvCxnSpPr>
+              <p:cNvPr id="25" name="Conexão reta unidirecional 24">
+                <a:extLst>
+                  <a:ext uri="{FF2B5EF4-FFF2-40B4-BE49-F238E27FC236}">
+                    <a16:creationId xmlns:a16="http://schemas.microsoft.com/office/drawing/2014/main" id="{0F063953-BAC6-B0A8-18F9-4A12259FD02A}"/>
+                  </a:ext>
+                </a:extLst>
+              </p:cNvPr>
+              <p:cNvCxnSpPr>
+                <a:cxnSpLocks/>
+              </p:cNvCxnSpPr>
+              <p:nvPr/>
+            </p:nvCxnSpPr>
+            <p:spPr>
+              <a:xfrm flipH="1">
+                <a:off x="2688062" y="4127224"/>
+                <a:ext cx="8150" cy="1399816"/>
+              </a:xfrm>
+              <a:prstGeom prst="straightConnector1">
+                <a:avLst/>
+              </a:prstGeom>
+              <a:ln>
+                <a:headEnd type="triangle"/>
+                <a:tailEnd type="triangle"/>
+              </a:ln>
+            </p:spPr>
+            <p:style>
+              <a:lnRef idx="1">
+                <a:schemeClr val="dk1"/>
+              </a:lnRef>
+              <a:fillRef idx="0">
+                <a:schemeClr val="dk1"/>
+              </a:fillRef>
+              <a:effectRef idx="0">
+                <a:schemeClr val="dk1"/>
+              </a:effectRef>
+              <a:fontRef idx="minor">
+                <a:schemeClr val="tx1"/>
+              </a:fontRef>
+            </p:style>
+          </p:cxnSp>
+          <p:cxnSp>
+            <p:nvCxnSpPr>
+              <p:cNvPr id="28" name="Conexão reta unidirecional 27">
+                <a:extLst>
+                  <a:ext uri="{FF2B5EF4-FFF2-40B4-BE49-F238E27FC236}">
+                    <a16:creationId xmlns:a16="http://schemas.microsoft.com/office/drawing/2014/main" id="{20B6322D-93E5-44CA-5D09-08F6EFF96019}"/>
+                  </a:ext>
+                </a:extLst>
+              </p:cNvPr>
+              <p:cNvCxnSpPr>
+                <a:cxnSpLocks/>
+              </p:cNvCxnSpPr>
+              <p:nvPr/>
+            </p:nvCxnSpPr>
+            <p:spPr>
+              <a:xfrm>
+                <a:off x="3762193" y="1477839"/>
+                <a:ext cx="1226820" cy="0"/>
+              </a:xfrm>
+              <a:prstGeom prst="straightConnector1">
+                <a:avLst/>
+              </a:prstGeom>
+              <a:ln>
+                <a:headEnd type="triangle"/>
+                <a:tailEnd type="triangle"/>
+              </a:ln>
+            </p:spPr>
+            <p:style>
+              <a:lnRef idx="1">
+                <a:schemeClr val="dk1"/>
+              </a:lnRef>
+              <a:fillRef idx="0">
+                <a:schemeClr val="dk1"/>
+              </a:fillRef>
+              <a:effectRef idx="0">
+                <a:schemeClr val="dk1"/>
+              </a:effectRef>
+              <a:fontRef idx="minor">
+                <a:schemeClr val="tx1"/>
+              </a:fontRef>
+            </p:style>
+          </p:cxnSp>
+          <p:sp>
+            <p:nvSpPr>
+              <p:cNvPr id="29" name="CaixaDeTexto 28">
+                <a:extLst>
+                  <a:ext uri="{FF2B5EF4-FFF2-40B4-BE49-F238E27FC236}">
+                    <a16:creationId xmlns:a16="http://schemas.microsoft.com/office/drawing/2014/main" id="{5B893C3E-898F-5D6B-C3EB-05A0936510AD}"/>
+                  </a:ext>
+                </a:extLst>
+              </p:cNvPr>
+              <p:cNvSpPr txBox="1"/>
+              <p:nvPr/>
+            </p:nvSpPr>
+            <p:spPr>
+              <a:xfrm>
+                <a:off x="4194151" y="1290692"/>
+                <a:ext cx="390525" cy="246221"/>
+              </a:xfrm>
+              <a:prstGeom prst="rect">
+                <a:avLst/>
+              </a:prstGeom>
+              <a:noFill/>
+            </p:spPr>
+            <p:txBody>
+              <a:bodyPr wrap="square" rtlCol="0">
+                <a:spAutoFit/>
+              </a:bodyPr>
+              <a:lstStyle/>
+              <a:p>
+                <a:r>
+                  <a:rPr lang="pt-PT" sz="1000" dirty="0">
+                    <a:latin typeface="Abadi" panose="020B0604020104020204" pitchFamily="34" charset="0"/>
+                  </a:rPr>
+                  <a:t>2m</a:t>
+                </a:r>
+              </a:p>
+            </p:txBody>
+          </p:sp>
+          <p:cxnSp>
+            <p:nvCxnSpPr>
+              <p:cNvPr id="31" name="Conexão reta unidirecional 30">
+                <a:extLst>
+                  <a:ext uri="{FF2B5EF4-FFF2-40B4-BE49-F238E27FC236}">
+                    <a16:creationId xmlns:a16="http://schemas.microsoft.com/office/drawing/2014/main" id="{7E01C044-6A50-6821-2625-B580110A429E}"/>
+                  </a:ext>
+                </a:extLst>
+              </p:cNvPr>
+              <p:cNvCxnSpPr>
+                <a:cxnSpLocks/>
+              </p:cNvCxnSpPr>
+              <p:nvPr/>
+            </p:nvCxnSpPr>
+            <p:spPr>
+              <a:xfrm>
+                <a:off x="5649199" y="3407496"/>
+                <a:ext cx="1436866" cy="0"/>
+              </a:xfrm>
+              <a:prstGeom prst="straightConnector1">
+                <a:avLst/>
+              </a:prstGeom>
+              <a:ln>
+                <a:headEnd type="triangle"/>
+                <a:tailEnd type="triangle"/>
+              </a:ln>
+            </p:spPr>
+            <p:style>
+              <a:lnRef idx="1">
+                <a:schemeClr val="dk1"/>
+              </a:lnRef>
+              <a:fillRef idx="0">
+                <a:schemeClr val="dk1"/>
+              </a:fillRef>
+              <a:effectRef idx="0">
+                <a:schemeClr val="dk1"/>
+              </a:effectRef>
+              <a:fontRef idx="minor">
+                <a:schemeClr val="tx1"/>
+              </a:fontRef>
+            </p:style>
+          </p:cxnSp>
+          <p:sp>
+            <p:nvSpPr>
+              <p:cNvPr id="32" name="CaixaDeTexto 31">
+                <a:extLst>
+                  <a:ext uri="{FF2B5EF4-FFF2-40B4-BE49-F238E27FC236}">
+                    <a16:creationId xmlns:a16="http://schemas.microsoft.com/office/drawing/2014/main" id="{AF32BD15-E608-B88B-E493-57BAEC41FD88}"/>
+                  </a:ext>
+                </a:extLst>
+              </p:cNvPr>
+              <p:cNvSpPr txBox="1"/>
+              <p:nvPr/>
+            </p:nvSpPr>
+            <p:spPr>
+              <a:xfrm>
+                <a:off x="6142382" y="3161275"/>
+                <a:ext cx="495548" cy="246221"/>
+              </a:xfrm>
+              <a:prstGeom prst="rect">
+                <a:avLst/>
+              </a:prstGeom>
+              <a:noFill/>
+            </p:spPr>
+            <p:txBody>
+              <a:bodyPr wrap="square" rtlCol="0">
+                <a:spAutoFit/>
+              </a:bodyPr>
+              <a:lstStyle/>
+              <a:p>
+                <a:r>
+                  <a:rPr lang="pt-PT" sz="1000" dirty="0">
+                    <a:latin typeface="Abadi" panose="020B0604020104020204" pitchFamily="34" charset="0"/>
+                  </a:rPr>
+                  <a:t>2,4m</a:t>
+                </a:r>
+              </a:p>
+            </p:txBody>
+          </p:sp>
+          <p:cxnSp>
+            <p:nvCxnSpPr>
+              <p:cNvPr id="33" name="Conexão reta unidirecional 32">
+                <a:extLst>
+                  <a:ext uri="{FF2B5EF4-FFF2-40B4-BE49-F238E27FC236}">
+                    <a16:creationId xmlns:a16="http://schemas.microsoft.com/office/drawing/2014/main" id="{05DF97F4-7FDC-A8C8-0B23-5D046F202A91}"/>
+                  </a:ext>
+                </a:extLst>
+              </p:cNvPr>
+              <p:cNvCxnSpPr>
+                <a:cxnSpLocks/>
+              </p:cNvCxnSpPr>
+              <p:nvPr/>
+            </p:nvCxnSpPr>
+            <p:spPr>
+              <a:xfrm>
+                <a:off x="7094608" y="3816251"/>
+                <a:ext cx="1226820" cy="0"/>
+              </a:xfrm>
+              <a:prstGeom prst="straightConnector1">
+                <a:avLst/>
+              </a:prstGeom>
+              <a:ln>
+                <a:headEnd type="triangle"/>
+                <a:tailEnd type="triangle"/>
+              </a:ln>
+            </p:spPr>
+            <p:style>
+              <a:lnRef idx="1">
+                <a:schemeClr val="dk1"/>
+              </a:lnRef>
+              <a:fillRef idx="0">
+                <a:schemeClr val="dk1"/>
+              </a:fillRef>
+              <a:effectRef idx="0">
+                <a:schemeClr val="dk1"/>
+              </a:effectRef>
+              <a:fontRef idx="minor">
+                <a:schemeClr val="tx1"/>
+              </a:fontRef>
+            </p:style>
+          </p:cxnSp>
+          <p:sp>
+            <p:nvSpPr>
+              <p:cNvPr id="34" name="CaixaDeTexto 33">
+                <a:extLst>
+                  <a:ext uri="{FF2B5EF4-FFF2-40B4-BE49-F238E27FC236}">
+                    <a16:creationId xmlns:a16="http://schemas.microsoft.com/office/drawing/2014/main" id="{E24BB762-6DA3-AC75-4E51-F9B51ECCE308}"/>
+                  </a:ext>
+                </a:extLst>
+              </p:cNvPr>
+              <p:cNvSpPr txBox="1"/>
+              <p:nvPr/>
+            </p:nvSpPr>
+            <p:spPr>
+              <a:xfrm>
+                <a:off x="7512755" y="3621346"/>
+                <a:ext cx="390525" cy="246221"/>
+              </a:xfrm>
+              <a:prstGeom prst="rect">
+                <a:avLst/>
+              </a:prstGeom>
+              <a:noFill/>
+            </p:spPr>
+            <p:txBody>
+              <a:bodyPr wrap="square" rtlCol="0">
+                <a:spAutoFit/>
+              </a:bodyPr>
+              <a:lstStyle/>
+              <a:p>
+                <a:r>
+                  <a:rPr lang="pt-PT" sz="1000" dirty="0">
+                    <a:latin typeface="Abadi" panose="020B0604020104020204" pitchFamily="34" charset="0"/>
+                  </a:rPr>
+                  <a:t>2m</a:t>
+                </a:r>
+              </a:p>
+            </p:txBody>
+          </p:sp>
+        </p:grpSp>
+        <p:grpSp>
+          <p:nvGrpSpPr>
+            <p:cNvPr id="50" name="Agrupar 49">
+              <a:extLst>
+                <a:ext uri="{FF2B5EF4-FFF2-40B4-BE49-F238E27FC236}">
+                  <a16:creationId xmlns:a16="http://schemas.microsoft.com/office/drawing/2014/main" id="{6943E87C-8474-1CD7-B77F-275FCB6DD712}"/>
+                </a:ext>
+              </a:extLst>
+            </p:cNvPr>
+            <p:cNvGrpSpPr/>
+            <p:nvPr/>
+          </p:nvGrpSpPr>
+          <p:grpSpPr>
+            <a:xfrm>
+              <a:off x="3924251" y="4256426"/>
+              <a:ext cx="2117268" cy="288000"/>
+              <a:chOff x="3924251" y="4256426"/>
+              <a:chExt cx="2117268" cy="288000"/>
+            </a:xfrm>
+          </p:grpSpPr>
+          <p:sp>
+            <p:nvSpPr>
+              <p:cNvPr id="40" name="Retângulo 39">
+                <a:extLst>
+                  <a:ext uri="{FF2B5EF4-FFF2-40B4-BE49-F238E27FC236}">
+                    <a16:creationId xmlns:a16="http://schemas.microsoft.com/office/drawing/2014/main" id="{E940D367-2F15-6FDB-F707-AE2FE3392466}"/>
+                  </a:ext>
+                </a:extLst>
+              </p:cNvPr>
+              <p:cNvSpPr/>
+              <p:nvPr/>
+            </p:nvSpPr>
+            <p:spPr>
+              <a:xfrm>
+                <a:off x="3924251" y="4256426"/>
+                <a:ext cx="288000" cy="288000"/>
+              </a:xfrm>
+              <a:prstGeom prst="rect">
+                <a:avLst/>
+              </a:prstGeom>
+            </p:spPr>
+            <p:style>
+              <a:lnRef idx="2">
+                <a:schemeClr val="accent1">
+                  <a:shade val="50000"/>
+                </a:schemeClr>
+              </a:lnRef>
+              <a:fillRef idx="1">
+                <a:schemeClr val="accent1"/>
+              </a:fillRef>
+              <a:effectRef idx="0">
+                <a:schemeClr val="accent1"/>
+              </a:effectRef>
+              <a:fontRef idx="minor">
+                <a:schemeClr val="lt1"/>
+              </a:fontRef>
+            </p:style>
+            <p:txBody>
+              <a:bodyPr rtlCol="0" anchor="ctr"/>
+              <a:lstStyle/>
+              <a:p>
+                <a:pPr algn="ctr"/>
+                <a:endParaRPr lang="pt-PT" dirty="0"/>
+              </a:p>
+            </p:txBody>
+          </p:sp>
+          <p:sp>
+            <p:nvSpPr>
+              <p:cNvPr id="46" name="Retângulo 45">
+                <a:extLst>
+                  <a:ext uri="{FF2B5EF4-FFF2-40B4-BE49-F238E27FC236}">
+                    <a16:creationId xmlns:a16="http://schemas.microsoft.com/office/drawing/2014/main" id="{B5224A88-713B-CD1F-1529-67D389DFBD58}"/>
+                  </a:ext>
+                </a:extLst>
+              </p:cNvPr>
+              <p:cNvSpPr/>
+              <p:nvPr/>
+            </p:nvSpPr>
+            <p:spPr>
+              <a:xfrm>
+                <a:off x="4382181" y="4256426"/>
+                <a:ext cx="288000" cy="288000"/>
+              </a:xfrm>
+              <a:prstGeom prst="rect">
+                <a:avLst/>
+              </a:prstGeom>
+            </p:spPr>
+            <p:style>
+              <a:lnRef idx="2">
+                <a:schemeClr val="accent1">
+                  <a:shade val="50000"/>
+                </a:schemeClr>
+              </a:lnRef>
+              <a:fillRef idx="1">
+                <a:schemeClr val="accent1"/>
+              </a:fillRef>
+              <a:effectRef idx="0">
+                <a:schemeClr val="accent1"/>
+              </a:effectRef>
+              <a:fontRef idx="minor">
+                <a:schemeClr val="lt1"/>
+              </a:fontRef>
+            </p:style>
+            <p:txBody>
+              <a:bodyPr rtlCol="0" anchor="ctr"/>
+              <a:lstStyle/>
+              <a:p>
+                <a:pPr algn="ctr"/>
+                <a:endParaRPr lang="pt-PT" dirty="0"/>
+              </a:p>
+            </p:txBody>
+          </p:sp>
+          <p:sp>
+            <p:nvSpPr>
+              <p:cNvPr id="47" name="Retângulo 46">
+                <a:extLst>
+                  <a:ext uri="{FF2B5EF4-FFF2-40B4-BE49-F238E27FC236}">
+                    <a16:creationId xmlns:a16="http://schemas.microsoft.com/office/drawing/2014/main" id="{7EBC3461-4AE7-0B83-700D-B6F164B815B0}"/>
+                  </a:ext>
+                </a:extLst>
+              </p:cNvPr>
+              <p:cNvSpPr/>
+              <p:nvPr/>
+            </p:nvSpPr>
+            <p:spPr>
+              <a:xfrm>
+                <a:off x="4840111" y="4256426"/>
+                <a:ext cx="288000" cy="288000"/>
+              </a:xfrm>
+              <a:prstGeom prst="rect">
+                <a:avLst/>
+              </a:prstGeom>
+            </p:spPr>
+            <p:style>
+              <a:lnRef idx="2">
+                <a:schemeClr val="accent1">
+                  <a:shade val="50000"/>
+                </a:schemeClr>
+              </a:lnRef>
+              <a:fillRef idx="1">
+                <a:schemeClr val="accent1"/>
+              </a:fillRef>
+              <a:effectRef idx="0">
+                <a:schemeClr val="accent1"/>
+              </a:effectRef>
+              <a:fontRef idx="minor">
+                <a:schemeClr val="lt1"/>
+              </a:fontRef>
+            </p:style>
+            <p:txBody>
+              <a:bodyPr rtlCol="0" anchor="ctr"/>
+              <a:lstStyle/>
+              <a:p>
+                <a:pPr algn="ctr"/>
+                <a:endParaRPr lang="pt-PT" dirty="0"/>
+              </a:p>
+            </p:txBody>
+          </p:sp>
+          <p:sp>
+            <p:nvSpPr>
+              <p:cNvPr id="48" name="Retângulo 47">
+                <a:extLst>
+                  <a:ext uri="{FF2B5EF4-FFF2-40B4-BE49-F238E27FC236}">
+                    <a16:creationId xmlns:a16="http://schemas.microsoft.com/office/drawing/2014/main" id="{EBEBE159-84D9-B6A1-6C65-C87BE4A09315}"/>
+                  </a:ext>
+                </a:extLst>
+              </p:cNvPr>
+              <p:cNvSpPr/>
+              <p:nvPr/>
+            </p:nvSpPr>
+            <p:spPr>
+              <a:xfrm>
+                <a:off x="5295692" y="4256426"/>
+                <a:ext cx="288000" cy="288000"/>
+              </a:xfrm>
+              <a:prstGeom prst="rect">
+                <a:avLst/>
+              </a:prstGeom>
+            </p:spPr>
+            <p:style>
+              <a:lnRef idx="2">
+                <a:schemeClr val="accent1">
+                  <a:shade val="50000"/>
+                </a:schemeClr>
+              </a:lnRef>
+              <a:fillRef idx="1">
+                <a:schemeClr val="accent1"/>
+              </a:fillRef>
+              <a:effectRef idx="0">
+                <a:schemeClr val="accent1"/>
+              </a:effectRef>
+              <a:fontRef idx="minor">
+                <a:schemeClr val="lt1"/>
+              </a:fontRef>
+            </p:style>
+            <p:txBody>
+              <a:bodyPr rtlCol="0" anchor="ctr"/>
+              <a:lstStyle/>
+              <a:p>
+                <a:pPr algn="ctr"/>
+                <a:endParaRPr lang="pt-PT" dirty="0"/>
+              </a:p>
+            </p:txBody>
+          </p:sp>
+          <p:sp>
+            <p:nvSpPr>
+              <p:cNvPr id="49" name="Retângulo 48">
+                <a:extLst>
+                  <a:ext uri="{FF2B5EF4-FFF2-40B4-BE49-F238E27FC236}">
+                    <a16:creationId xmlns:a16="http://schemas.microsoft.com/office/drawing/2014/main" id="{D19FFEEF-D3C7-F18A-9562-395A4D44FE90}"/>
+                  </a:ext>
+                </a:extLst>
+              </p:cNvPr>
+              <p:cNvSpPr/>
+              <p:nvPr/>
+            </p:nvSpPr>
+            <p:spPr>
+              <a:xfrm>
+                <a:off x="5753519" y="4256426"/>
+                <a:ext cx="288000" cy="288000"/>
+              </a:xfrm>
+              <a:prstGeom prst="rect">
+                <a:avLst/>
+              </a:prstGeom>
+            </p:spPr>
+            <p:style>
+              <a:lnRef idx="2">
+                <a:schemeClr val="accent1">
+                  <a:shade val="50000"/>
+                </a:schemeClr>
+              </a:lnRef>
+              <a:fillRef idx="1">
+                <a:schemeClr val="accent1"/>
+              </a:fillRef>
+              <a:effectRef idx="0">
+                <a:schemeClr val="accent1"/>
+              </a:effectRef>
+              <a:fontRef idx="minor">
+                <a:schemeClr val="lt1"/>
+              </a:fontRef>
+            </p:style>
+            <p:txBody>
+              <a:bodyPr rtlCol="0" anchor="ctr"/>
+              <a:lstStyle/>
+              <a:p>
+                <a:pPr algn="ctr"/>
+                <a:endParaRPr lang="pt-PT" dirty="0"/>
+              </a:p>
+            </p:txBody>
+          </p:sp>
+        </p:grpSp>
+        <p:grpSp>
+          <p:nvGrpSpPr>
+            <p:cNvPr id="51" name="Agrupar 50">
+              <a:extLst>
+                <a:ext uri="{FF2B5EF4-FFF2-40B4-BE49-F238E27FC236}">
+                  <a16:creationId xmlns:a16="http://schemas.microsoft.com/office/drawing/2014/main" id="{3CA821DE-A524-5743-15A4-153C6786628A}"/>
+                </a:ext>
+              </a:extLst>
+            </p:cNvPr>
+            <p:cNvGrpSpPr/>
+            <p:nvPr/>
+          </p:nvGrpSpPr>
+          <p:grpSpPr>
+            <a:xfrm>
+              <a:off x="3931484" y="5113273"/>
+              <a:ext cx="2117268" cy="288000"/>
+              <a:chOff x="3924251" y="4256426"/>
+              <a:chExt cx="2117268" cy="288000"/>
+            </a:xfrm>
+          </p:grpSpPr>
+          <p:sp>
+            <p:nvSpPr>
+              <p:cNvPr id="52" name="Retângulo 51">
+                <a:extLst>
+                  <a:ext uri="{FF2B5EF4-FFF2-40B4-BE49-F238E27FC236}">
+                    <a16:creationId xmlns:a16="http://schemas.microsoft.com/office/drawing/2014/main" id="{31DE9993-1867-0EAB-4826-1FC9BCA933B0}"/>
+                  </a:ext>
+                </a:extLst>
+              </p:cNvPr>
+              <p:cNvSpPr/>
+              <p:nvPr/>
+            </p:nvSpPr>
+            <p:spPr>
+              <a:xfrm>
+                <a:off x="3924251" y="4256426"/>
+                <a:ext cx="288000" cy="288000"/>
+              </a:xfrm>
+              <a:prstGeom prst="rect">
+                <a:avLst/>
+              </a:prstGeom>
+            </p:spPr>
+            <p:style>
+              <a:lnRef idx="2">
+                <a:schemeClr val="accent1">
+                  <a:shade val="50000"/>
+                </a:schemeClr>
+              </a:lnRef>
+              <a:fillRef idx="1">
+                <a:schemeClr val="accent1"/>
+              </a:fillRef>
+              <a:effectRef idx="0">
+                <a:schemeClr val="accent1"/>
+              </a:effectRef>
+              <a:fontRef idx="minor">
+                <a:schemeClr val="lt1"/>
+              </a:fontRef>
+            </p:style>
+            <p:txBody>
+              <a:bodyPr rtlCol="0" anchor="ctr"/>
+              <a:lstStyle/>
+              <a:p>
+                <a:pPr algn="ctr"/>
+                <a:endParaRPr lang="pt-PT" dirty="0"/>
+              </a:p>
+            </p:txBody>
+          </p:sp>
+          <p:sp>
+            <p:nvSpPr>
+              <p:cNvPr id="53" name="Retângulo 52">
+                <a:extLst>
+                  <a:ext uri="{FF2B5EF4-FFF2-40B4-BE49-F238E27FC236}">
+                    <a16:creationId xmlns:a16="http://schemas.microsoft.com/office/drawing/2014/main" id="{841E6150-441D-FB38-A8A5-E97C17886390}"/>
+                  </a:ext>
+                </a:extLst>
+              </p:cNvPr>
+              <p:cNvSpPr/>
+              <p:nvPr/>
+            </p:nvSpPr>
+            <p:spPr>
+              <a:xfrm>
+                <a:off x="4382181" y="4256426"/>
+                <a:ext cx="288000" cy="288000"/>
+              </a:xfrm>
+              <a:prstGeom prst="rect">
+                <a:avLst/>
+              </a:prstGeom>
+            </p:spPr>
+            <p:style>
+              <a:lnRef idx="2">
+                <a:schemeClr val="accent1">
+                  <a:shade val="50000"/>
+                </a:schemeClr>
+              </a:lnRef>
+              <a:fillRef idx="1">
+                <a:schemeClr val="accent1"/>
+              </a:fillRef>
+              <a:effectRef idx="0">
+                <a:schemeClr val="accent1"/>
+              </a:effectRef>
+              <a:fontRef idx="minor">
+                <a:schemeClr val="lt1"/>
+              </a:fontRef>
+            </p:style>
+            <p:txBody>
+              <a:bodyPr rtlCol="0" anchor="ctr"/>
+              <a:lstStyle/>
+              <a:p>
+                <a:pPr algn="ctr"/>
+                <a:endParaRPr lang="pt-PT" dirty="0"/>
+              </a:p>
+            </p:txBody>
+          </p:sp>
+          <p:sp>
+            <p:nvSpPr>
+              <p:cNvPr id="54" name="Retângulo 53">
+                <a:extLst>
+                  <a:ext uri="{FF2B5EF4-FFF2-40B4-BE49-F238E27FC236}">
+                    <a16:creationId xmlns:a16="http://schemas.microsoft.com/office/drawing/2014/main" id="{88B94301-C8D6-3A7C-5E3E-1E5DB8DA4CBE}"/>
+                  </a:ext>
+                </a:extLst>
+              </p:cNvPr>
+              <p:cNvSpPr/>
+              <p:nvPr/>
+            </p:nvSpPr>
+            <p:spPr>
+              <a:xfrm>
+                <a:off x="4840111" y="4256426"/>
+                <a:ext cx="288000" cy="288000"/>
+              </a:xfrm>
+              <a:prstGeom prst="rect">
+                <a:avLst/>
+              </a:prstGeom>
+            </p:spPr>
+            <p:style>
+              <a:lnRef idx="2">
+                <a:schemeClr val="accent1">
+                  <a:shade val="50000"/>
+                </a:schemeClr>
+              </a:lnRef>
+              <a:fillRef idx="1">
+                <a:schemeClr val="accent1"/>
+              </a:fillRef>
+              <a:effectRef idx="0">
+                <a:schemeClr val="accent1"/>
+              </a:effectRef>
+              <a:fontRef idx="minor">
+                <a:schemeClr val="lt1"/>
+              </a:fontRef>
+            </p:style>
+            <p:txBody>
+              <a:bodyPr rtlCol="0" anchor="ctr"/>
+              <a:lstStyle/>
+              <a:p>
+                <a:pPr algn="ctr"/>
+                <a:endParaRPr lang="pt-PT" dirty="0"/>
+              </a:p>
+            </p:txBody>
+          </p:sp>
+          <p:sp>
+            <p:nvSpPr>
+              <p:cNvPr id="55" name="Retângulo 54">
+                <a:extLst>
+                  <a:ext uri="{FF2B5EF4-FFF2-40B4-BE49-F238E27FC236}">
+                    <a16:creationId xmlns:a16="http://schemas.microsoft.com/office/drawing/2014/main" id="{560F2F22-E6E7-4CAB-EDB8-45F44493033C}"/>
+                  </a:ext>
+                </a:extLst>
+              </p:cNvPr>
+              <p:cNvSpPr/>
+              <p:nvPr/>
+            </p:nvSpPr>
+            <p:spPr>
+              <a:xfrm>
+                <a:off x="5295692" y="4256426"/>
+                <a:ext cx="288000" cy="288000"/>
+              </a:xfrm>
+              <a:prstGeom prst="rect">
+                <a:avLst/>
+              </a:prstGeom>
+            </p:spPr>
+            <p:style>
+              <a:lnRef idx="2">
+                <a:schemeClr val="accent1">
+                  <a:shade val="50000"/>
+                </a:schemeClr>
+              </a:lnRef>
+              <a:fillRef idx="1">
+                <a:schemeClr val="accent1"/>
+              </a:fillRef>
+              <a:effectRef idx="0">
+                <a:schemeClr val="accent1"/>
+              </a:effectRef>
+              <a:fontRef idx="minor">
+                <a:schemeClr val="lt1"/>
+              </a:fontRef>
+            </p:style>
+            <p:txBody>
+              <a:bodyPr rtlCol="0" anchor="ctr"/>
+              <a:lstStyle/>
+              <a:p>
+                <a:pPr algn="ctr"/>
+                <a:endParaRPr lang="pt-PT" dirty="0"/>
+              </a:p>
+            </p:txBody>
+          </p:sp>
+          <p:sp>
+            <p:nvSpPr>
+              <p:cNvPr id="56" name="Retângulo 55">
+                <a:extLst>
+                  <a:ext uri="{FF2B5EF4-FFF2-40B4-BE49-F238E27FC236}">
+                    <a16:creationId xmlns:a16="http://schemas.microsoft.com/office/drawing/2014/main" id="{1F31C486-DC80-82B9-22AC-FE96B00C7C53}"/>
+                  </a:ext>
+                </a:extLst>
+              </p:cNvPr>
+              <p:cNvSpPr/>
+              <p:nvPr/>
+            </p:nvSpPr>
+            <p:spPr>
+              <a:xfrm>
+                <a:off x="5753519" y="4256426"/>
+                <a:ext cx="288000" cy="288000"/>
+              </a:xfrm>
+              <a:prstGeom prst="rect">
+                <a:avLst/>
+              </a:prstGeom>
+            </p:spPr>
+            <p:style>
+              <a:lnRef idx="2">
+                <a:schemeClr val="accent1">
+                  <a:shade val="50000"/>
+                </a:schemeClr>
+              </a:lnRef>
+              <a:fillRef idx="1">
+                <a:schemeClr val="accent1"/>
+              </a:fillRef>
+              <a:effectRef idx="0">
+                <a:schemeClr val="accent1"/>
+              </a:effectRef>
+              <a:fontRef idx="minor">
+                <a:schemeClr val="lt1"/>
+              </a:fontRef>
+            </p:style>
+            <p:txBody>
+              <a:bodyPr rtlCol="0" anchor="ctr"/>
+              <a:lstStyle/>
+              <a:p>
+                <a:pPr algn="ctr"/>
+                <a:endParaRPr lang="pt-PT" dirty="0"/>
+              </a:p>
+            </p:txBody>
+          </p:sp>
+        </p:grpSp>
+        <p:sp>
+          <p:nvSpPr>
+            <p:cNvPr id="57" name="Retângulo 56">
+              <a:extLst>
+                <a:ext uri="{FF2B5EF4-FFF2-40B4-BE49-F238E27FC236}">
+                  <a16:creationId xmlns:a16="http://schemas.microsoft.com/office/drawing/2014/main" id="{A27D8E75-4212-D5F7-B3F6-16E76DE1FDEB}"/>
+                </a:ext>
+              </a:extLst>
+            </p:cNvPr>
+            <p:cNvSpPr/>
+            <p:nvPr/>
+          </p:nvSpPr>
+          <p:spPr>
+            <a:xfrm>
+              <a:off x="7261774" y="4679956"/>
+              <a:ext cx="288000" cy="288000"/>
+            </a:xfrm>
+            <a:prstGeom prst="rect">
+              <a:avLst/>
+            </a:prstGeom>
+          </p:spPr>
+          <p:style>
+            <a:lnRef idx="2">
+              <a:schemeClr val="accent1">
+                <a:shade val="50000"/>
+              </a:schemeClr>
+            </a:lnRef>
+            <a:fillRef idx="1">
+              <a:schemeClr val="accent1"/>
+            </a:fillRef>
+            <a:effectRef idx="0">
+              <a:schemeClr val="accent1"/>
+            </a:effectRef>
+            <a:fontRef idx="minor">
+              <a:schemeClr val="lt1"/>
+            </a:fontRef>
+          </p:style>
+          <p:txBody>
+            <a:bodyPr rtlCol="0" anchor="ctr"/>
+            <a:lstStyle/>
+            <a:p>
+              <a:pPr algn="ctr"/>
+              <a:endParaRPr lang="pt-PT" dirty="0"/>
+            </a:p>
+          </p:txBody>
+        </p:sp>
+        <p:grpSp>
+          <p:nvGrpSpPr>
+            <p:cNvPr id="61" name="Agrupar 60">
+              <a:extLst>
+                <a:ext uri="{FF2B5EF4-FFF2-40B4-BE49-F238E27FC236}">
+                  <a16:creationId xmlns:a16="http://schemas.microsoft.com/office/drawing/2014/main" id="{8D67063C-48C5-FF04-A8C5-C34AC364D713}"/>
+                </a:ext>
+              </a:extLst>
+            </p:cNvPr>
+            <p:cNvGrpSpPr/>
+            <p:nvPr/>
+          </p:nvGrpSpPr>
+          <p:grpSpPr>
+            <a:xfrm>
+              <a:off x="3449626" y="4679956"/>
+              <a:ext cx="236878" cy="301108"/>
+              <a:chOff x="3376808" y="4679956"/>
+              <a:chExt cx="236878" cy="301108"/>
+            </a:xfrm>
+          </p:grpSpPr>
+          <p:sp>
+            <p:nvSpPr>
+              <p:cNvPr id="58" name="Retângulo: Cantos Arredondados 57">
+                <a:extLst>
+                  <a:ext uri="{FF2B5EF4-FFF2-40B4-BE49-F238E27FC236}">
+                    <a16:creationId xmlns:a16="http://schemas.microsoft.com/office/drawing/2014/main" id="{7A34D659-AC35-F4A8-EF6A-7C1FC82B0A01}"/>
+                  </a:ext>
+                </a:extLst>
+              </p:cNvPr>
+              <p:cNvSpPr/>
+              <p:nvPr/>
+            </p:nvSpPr>
+            <p:spPr>
+              <a:xfrm>
+                <a:off x="3376808" y="4679956"/>
+                <a:ext cx="236878" cy="150554"/>
+              </a:xfrm>
+              <a:prstGeom prst="roundRect">
+                <a:avLst/>
+              </a:prstGeom>
+              <a:ln>
+                <a:solidFill>
+                  <a:schemeClr val="bg2">
+                    <a:lumMod val="50000"/>
+                  </a:schemeClr>
+                </a:solidFill>
+              </a:ln>
+            </p:spPr>
+            <p:style>
+              <a:lnRef idx="2">
+                <a:schemeClr val="dk1">
+                  <a:shade val="50000"/>
+                </a:schemeClr>
+              </a:lnRef>
+              <a:fillRef idx="1">
+                <a:schemeClr val="dk1"/>
+              </a:fillRef>
+              <a:effectRef idx="0">
+                <a:schemeClr val="dk1"/>
+              </a:effectRef>
+              <a:fontRef idx="minor">
+                <a:schemeClr val="lt1"/>
+              </a:fontRef>
+            </p:style>
+            <p:txBody>
+              <a:bodyPr rtlCol="0" anchor="ctr"/>
+              <a:lstStyle/>
+              <a:p>
+                <a:pPr algn="ctr"/>
+                <a:endParaRPr lang="pt-PT" dirty="0"/>
+              </a:p>
+            </p:txBody>
+          </p:sp>
+          <p:sp>
+            <p:nvSpPr>
+              <p:cNvPr id="60" name="Retângulo: Cantos Arredondados 59">
+                <a:extLst>
+                  <a:ext uri="{FF2B5EF4-FFF2-40B4-BE49-F238E27FC236}">
+                    <a16:creationId xmlns:a16="http://schemas.microsoft.com/office/drawing/2014/main" id="{6C71B25D-2C6A-7E4D-94C0-BE22893BEBD4}"/>
+                  </a:ext>
+                </a:extLst>
+              </p:cNvPr>
+              <p:cNvSpPr/>
+              <p:nvPr/>
+            </p:nvSpPr>
+            <p:spPr>
+              <a:xfrm>
+                <a:off x="3376808" y="4830510"/>
+                <a:ext cx="236878" cy="150554"/>
+              </a:xfrm>
+              <a:prstGeom prst="roundRect">
+                <a:avLst/>
+              </a:prstGeom>
+              <a:ln>
+                <a:solidFill>
+                  <a:schemeClr val="bg2">
+                    <a:lumMod val="50000"/>
+                  </a:schemeClr>
+                </a:solidFill>
+              </a:ln>
+            </p:spPr>
+            <p:style>
+              <a:lnRef idx="2">
+                <a:schemeClr val="dk1">
+                  <a:shade val="50000"/>
+                </a:schemeClr>
+              </a:lnRef>
+              <a:fillRef idx="1">
+                <a:schemeClr val="dk1"/>
+              </a:fillRef>
+              <a:effectRef idx="0">
+                <a:schemeClr val="dk1"/>
+              </a:effectRef>
+              <a:fontRef idx="minor">
+                <a:schemeClr val="lt1"/>
+              </a:fontRef>
+            </p:style>
+            <p:txBody>
+              <a:bodyPr rtlCol="0" anchor="ctr"/>
+              <a:lstStyle/>
+              <a:p>
+                <a:pPr algn="ctr"/>
+                <a:endParaRPr lang="pt-PT" dirty="0"/>
+              </a:p>
+            </p:txBody>
+          </p:sp>
+        </p:grpSp>
+        <p:sp>
+          <p:nvSpPr>
+            <p:cNvPr id="62" name="CaixaDeTexto 61">
+              <a:extLst>
+                <a:ext uri="{FF2B5EF4-FFF2-40B4-BE49-F238E27FC236}">
+                  <a16:creationId xmlns:a16="http://schemas.microsoft.com/office/drawing/2014/main" id="{199F49F5-B4AD-8C2E-E67C-8ED715583132}"/>
+                </a:ext>
+              </a:extLst>
+            </p:cNvPr>
+            <p:cNvSpPr txBox="1"/>
+            <p:nvPr/>
+          </p:nvSpPr>
+          <p:spPr>
+            <a:xfrm rot="16200000">
+              <a:off x="2881744" y="4586854"/>
+              <a:ext cx="953854" cy="276999"/>
+            </a:xfrm>
+            <a:prstGeom prst="rect">
+              <a:avLst/>
+            </a:prstGeom>
             <a:noFill/>
-          </a:ln>
-        </p:spPr>
-        <p:style>
-          <a:lnRef idx="2">
-            <a:schemeClr val="accent1">
-              <a:shade val="50000"/>
-            </a:schemeClr>
-          </a:lnRef>
-          <a:fillRef idx="1">
-            <a:schemeClr val="accent1"/>
-          </a:fillRef>
-          <a:effectRef idx="0">
-            <a:schemeClr val="accent1"/>
-          </a:effectRef>
-          <a:fontRef idx="minor">
-            <a:schemeClr val="lt1"/>
-          </a:fontRef>
-        </p:style>
-        <p:txBody>
-          <a:bodyPr rtlCol="0" anchor="ctr"/>
-          <a:lstStyle>
-            <a:defPPr>
-              <a:defRPr lang="en-US"/>
-            </a:defPPr>
-            <a:lvl1pPr marL="0" algn="l" defTabSz="914400" rtl="0" eaLnBrk="1" latinLnBrk="0" hangingPunct="1">
-              <a:defRPr sz="1800" kern="1200">
+          </p:spPr>
+          <p:txBody>
+            <a:bodyPr wrap="square" rtlCol="0">
+              <a:spAutoFit/>
+            </a:bodyPr>
+            <a:lstStyle/>
+            <a:p>
+              <a:r>
+                <a:rPr lang="pt-PT" sz="1200" dirty="0">
+                  <a:latin typeface="Abadi" panose="020B0604020104020204" pitchFamily="34" charset="0"/>
+                </a:rPr>
+                <a:t>Baterias</a:t>
+              </a:r>
+            </a:p>
+          </p:txBody>
+        </p:sp>
+        <p:grpSp>
+          <p:nvGrpSpPr>
+            <p:cNvPr id="63" name="Agrupar 62">
+              <a:extLst>
+                <a:ext uri="{FF2B5EF4-FFF2-40B4-BE49-F238E27FC236}">
+                  <a16:creationId xmlns:a16="http://schemas.microsoft.com/office/drawing/2014/main" id="{091CE335-E499-CC18-515B-3C2F7EA68F5C}"/>
+                </a:ext>
+              </a:extLst>
+            </p:cNvPr>
+            <p:cNvGrpSpPr/>
+            <p:nvPr/>
+          </p:nvGrpSpPr>
+          <p:grpSpPr>
+            <a:xfrm>
+              <a:off x="7238571" y="4228264"/>
+              <a:ext cx="342500" cy="369276"/>
+              <a:chOff x="3376808" y="4679956"/>
+              <a:chExt cx="236878" cy="301108"/>
+            </a:xfrm>
+          </p:grpSpPr>
+          <p:sp>
+            <p:nvSpPr>
+              <p:cNvPr id="64" name="Retângulo: Cantos Arredondados 63">
+                <a:extLst>
+                  <a:ext uri="{FF2B5EF4-FFF2-40B4-BE49-F238E27FC236}">
+                    <a16:creationId xmlns:a16="http://schemas.microsoft.com/office/drawing/2014/main" id="{34711423-849C-6D63-74A3-04C569B30CC1}"/>
+                  </a:ext>
+                </a:extLst>
+              </p:cNvPr>
+              <p:cNvSpPr/>
+              <p:nvPr/>
+            </p:nvSpPr>
+            <p:spPr>
+              <a:xfrm>
+                <a:off x="3376808" y="4679956"/>
+                <a:ext cx="236878" cy="150554"/>
+              </a:xfrm>
+              <a:prstGeom prst="roundRect">
+                <a:avLst/>
+              </a:prstGeom>
+              <a:ln>
                 <a:solidFill>
-                  <a:schemeClr val="lt1"/>
+                  <a:schemeClr val="bg2">
+                    <a:lumMod val="50000"/>
+                  </a:schemeClr>
                 </a:solidFill>
-                <a:latin typeface="+mn-lt"/>
-                <a:ea typeface="+mn-ea"/>
-                <a:cs typeface="+mn-cs"/>
-              </a:defRPr>
-            </a:lvl1pPr>
-            <a:lvl2pPr marL="457200" algn="l" defTabSz="914400" rtl="0" eaLnBrk="1" latinLnBrk="0" hangingPunct="1">
-              <a:defRPr sz="1800" kern="1200">
+              </a:ln>
+            </p:spPr>
+            <p:style>
+              <a:lnRef idx="2">
+                <a:schemeClr val="dk1">
+                  <a:shade val="50000"/>
+                </a:schemeClr>
+              </a:lnRef>
+              <a:fillRef idx="1">
+                <a:schemeClr val="dk1"/>
+              </a:fillRef>
+              <a:effectRef idx="0">
+                <a:schemeClr val="dk1"/>
+              </a:effectRef>
+              <a:fontRef idx="minor">
+                <a:schemeClr val="lt1"/>
+              </a:fontRef>
+            </p:style>
+            <p:txBody>
+              <a:bodyPr rtlCol="0" anchor="ctr"/>
+              <a:lstStyle/>
+              <a:p>
+                <a:pPr algn="ctr"/>
+                <a:endParaRPr lang="pt-PT" dirty="0"/>
+              </a:p>
+            </p:txBody>
+          </p:sp>
+          <p:sp>
+            <p:nvSpPr>
+              <p:cNvPr id="65" name="Retângulo: Cantos Arredondados 64">
+                <a:extLst>
+                  <a:ext uri="{FF2B5EF4-FFF2-40B4-BE49-F238E27FC236}">
+                    <a16:creationId xmlns:a16="http://schemas.microsoft.com/office/drawing/2014/main" id="{18DE8F5A-070C-FDC2-EF85-422C710908D9}"/>
+                  </a:ext>
+                </a:extLst>
+              </p:cNvPr>
+              <p:cNvSpPr/>
+              <p:nvPr/>
+            </p:nvSpPr>
+            <p:spPr>
+              <a:xfrm>
+                <a:off x="3376808" y="4830510"/>
+                <a:ext cx="236878" cy="150554"/>
+              </a:xfrm>
+              <a:prstGeom prst="roundRect">
+                <a:avLst/>
+              </a:prstGeom>
+              <a:ln>
                 <a:solidFill>
-                  <a:schemeClr val="lt1"/>
+                  <a:schemeClr val="bg2">
+                    <a:lumMod val="50000"/>
+                  </a:schemeClr>
                 </a:solidFill>
-                <a:latin typeface="+mn-lt"/>
-                <a:ea typeface="+mn-ea"/>
-                <a:cs typeface="+mn-cs"/>
-              </a:defRPr>
-            </a:lvl2pPr>
-            <a:lvl3pPr marL="914400" algn="l" defTabSz="914400" rtl="0" eaLnBrk="1" latinLnBrk="0" hangingPunct="1">
-              <a:defRPr sz="1800" kern="1200">
+              </a:ln>
+            </p:spPr>
+            <p:style>
+              <a:lnRef idx="2">
+                <a:schemeClr val="dk1">
+                  <a:shade val="50000"/>
+                </a:schemeClr>
+              </a:lnRef>
+              <a:fillRef idx="1">
+                <a:schemeClr val="dk1"/>
+              </a:fillRef>
+              <a:effectRef idx="0">
+                <a:schemeClr val="dk1"/>
+              </a:effectRef>
+              <a:fontRef idx="minor">
+                <a:schemeClr val="lt1"/>
+              </a:fontRef>
+            </p:style>
+            <p:txBody>
+              <a:bodyPr rtlCol="0" anchor="ctr"/>
+              <a:lstStyle/>
+              <a:p>
+                <a:pPr algn="ctr"/>
+                <a:endParaRPr lang="pt-PT" dirty="0"/>
+              </a:p>
+            </p:txBody>
+          </p:sp>
+        </p:grpSp>
+        <p:grpSp>
+          <p:nvGrpSpPr>
+            <p:cNvPr id="66" name="Agrupar 65">
+              <a:extLst>
+                <a:ext uri="{FF2B5EF4-FFF2-40B4-BE49-F238E27FC236}">
+                  <a16:creationId xmlns:a16="http://schemas.microsoft.com/office/drawing/2014/main" id="{C3CBAF37-AD37-6869-3113-B96E948C069F}"/>
+                </a:ext>
+              </a:extLst>
+            </p:cNvPr>
+            <p:cNvGrpSpPr/>
+            <p:nvPr/>
+          </p:nvGrpSpPr>
+          <p:grpSpPr>
+            <a:xfrm>
+              <a:off x="7238571" y="5059095"/>
+              <a:ext cx="342500" cy="369276"/>
+              <a:chOff x="3376808" y="4679956"/>
+              <a:chExt cx="236878" cy="301108"/>
+            </a:xfrm>
+          </p:grpSpPr>
+          <p:sp>
+            <p:nvSpPr>
+              <p:cNvPr id="67" name="Retângulo: Cantos Arredondados 66">
+                <a:extLst>
+                  <a:ext uri="{FF2B5EF4-FFF2-40B4-BE49-F238E27FC236}">
+                    <a16:creationId xmlns:a16="http://schemas.microsoft.com/office/drawing/2014/main" id="{9C767899-B452-1E55-98F2-CE91CCB6AF93}"/>
+                  </a:ext>
+                </a:extLst>
+              </p:cNvPr>
+              <p:cNvSpPr/>
+              <p:nvPr/>
+            </p:nvSpPr>
+            <p:spPr>
+              <a:xfrm>
+                <a:off x="3376808" y="4679956"/>
+                <a:ext cx="236878" cy="150554"/>
+              </a:xfrm>
+              <a:prstGeom prst="roundRect">
+                <a:avLst/>
+              </a:prstGeom>
+              <a:ln>
                 <a:solidFill>
-                  <a:schemeClr val="lt1"/>
+                  <a:schemeClr val="bg2">
+                    <a:lumMod val="50000"/>
+                  </a:schemeClr>
                 </a:solidFill>
-                <a:latin typeface="+mn-lt"/>
-                <a:ea typeface="+mn-ea"/>
-                <a:cs typeface="+mn-cs"/>
-              </a:defRPr>
-            </a:lvl3pPr>
-            <a:lvl4pPr marL="1371600" algn="l" defTabSz="914400" rtl="0" eaLnBrk="1" latinLnBrk="0" hangingPunct="1">
-              <a:defRPr sz="1800" kern="1200">
+              </a:ln>
+            </p:spPr>
+            <p:style>
+              <a:lnRef idx="2">
+                <a:schemeClr val="dk1">
+                  <a:shade val="50000"/>
+                </a:schemeClr>
+              </a:lnRef>
+              <a:fillRef idx="1">
+                <a:schemeClr val="dk1"/>
+              </a:fillRef>
+              <a:effectRef idx="0">
+                <a:schemeClr val="dk1"/>
+              </a:effectRef>
+              <a:fontRef idx="minor">
+                <a:schemeClr val="lt1"/>
+              </a:fontRef>
+            </p:style>
+            <p:txBody>
+              <a:bodyPr rtlCol="0" anchor="ctr"/>
+              <a:lstStyle/>
+              <a:p>
+                <a:pPr algn="ctr"/>
+                <a:endParaRPr lang="pt-PT" dirty="0"/>
+              </a:p>
+            </p:txBody>
+          </p:sp>
+          <p:sp>
+            <p:nvSpPr>
+              <p:cNvPr id="68" name="Retângulo: Cantos Arredondados 67">
+                <a:extLst>
+                  <a:ext uri="{FF2B5EF4-FFF2-40B4-BE49-F238E27FC236}">
+                    <a16:creationId xmlns:a16="http://schemas.microsoft.com/office/drawing/2014/main" id="{7BBC8475-6298-57C6-0D4A-D58F07F3A7EA}"/>
+                  </a:ext>
+                </a:extLst>
+              </p:cNvPr>
+              <p:cNvSpPr/>
+              <p:nvPr/>
+            </p:nvSpPr>
+            <p:spPr>
+              <a:xfrm>
+                <a:off x="3376808" y="4830510"/>
+                <a:ext cx="236878" cy="150554"/>
+              </a:xfrm>
+              <a:prstGeom prst="roundRect">
+                <a:avLst/>
+              </a:prstGeom>
+              <a:ln>
                 <a:solidFill>
-                  <a:schemeClr val="lt1"/>
+                  <a:schemeClr val="bg2">
+                    <a:lumMod val="50000"/>
+                  </a:schemeClr>
                 </a:solidFill>
-                <a:latin typeface="+mn-lt"/>
-                <a:ea typeface="+mn-ea"/>
-                <a:cs typeface="+mn-cs"/>
-              </a:defRPr>
-            </a:lvl4pPr>
-            <a:lvl5pPr marL="1828800" algn="l" defTabSz="914400" rtl="0" eaLnBrk="1" latinLnBrk="0" hangingPunct="1">
-              <a:defRPr sz="1800" kern="1200">
+              </a:ln>
+            </p:spPr>
+            <p:style>
+              <a:lnRef idx="2">
+                <a:schemeClr val="dk1">
+                  <a:shade val="50000"/>
+                </a:schemeClr>
+              </a:lnRef>
+              <a:fillRef idx="1">
+                <a:schemeClr val="dk1"/>
+              </a:fillRef>
+              <a:effectRef idx="0">
+                <a:schemeClr val="dk1"/>
+              </a:effectRef>
+              <a:fontRef idx="minor">
+                <a:schemeClr val="lt1"/>
+              </a:fontRef>
+            </p:style>
+            <p:txBody>
+              <a:bodyPr rtlCol="0" anchor="ctr"/>
+              <a:lstStyle/>
+              <a:p>
+                <a:pPr algn="ctr"/>
+                <a:endParaRPr lang="pt-PT" dirty="0"/>
+              </a:p>
+            </p:txBody>
+          </p:sp>
+        </p:grpSp>
+        <p:cxnSp>
+          <p:nvCxnSpPr>
+            <p:cNvPr id="69" name="Conexão reta unidirecional 68">
+              <a:extLst>
+                <a:ext uri="{FF2B5EF4-FFF2-40B4-BE49-F238E27FC236}">
+                  <a16:creationId xmlns:a16="http://schemas.microsoft.com/office/drawing/2014/main" id="{C0CD8DA2-2982-F35C-C8D0-2FC06A7D3959}"/>
+                </a:ext>
+              </a:extLst>
+            </p:cNvPr>
+            <p:cNvCxnSpPr>
+              <a:cxnSpLocks/>
+            </p:cNvCxnSpPr>
+            <p:nvPr/>
+          </p:nvCxnSpPr>
+          <p:spPr>
+            <a:xfrm>
+              <a:off x="3780758" y="3387978"/>
+              <a:ext cx="634340" cy="0"/>
+            </a:xfrm>
+            <a:prstGeom prst="straightConnector1">
+              <a:avLst/>
+            </a:prstGeom>
+            <a:ln>
+              <a:headEnd type="triangle"/>
+              <a:tailEnd type="triangle"/>
+            </a:ln>
+          </p:spPr>
+          <p:style>
+            <a:lnRef idx="1">
+              <a:schemeClr val="dk1"/>
+            </a:lnRef>
+            <a:fillRef idx="0">
+              <a:schemeClr val="dk1"/>
+            </a:fillRef>
+            <a:effectRef idx="0">
+              <a:schemeClr val="dk1"/>
+            </a:effectRef>
+            <a:fontRef idx="minor">
+              <a:schemeClr val="tx1"/>
+            </a:fontRef>
+          </p:style>
+        </p:cxnSp>
+        <p:sp>
+          <p:nvSpPr>
+            <p:cNvPr id="70" name="CaixaDeTexto 69">
+              <a:extLst>
+                <a:ext uri="{FF2B5EF4-FFF2-40B4-BE49-F238E27FC236}">
+                  <a16:creationId xmlns:a16="http://schemas.microsoft.com/office/drawing/2014/main" id="{A012F2EC-65F9-6F00-3849-0AE0DF0D3099}"/>
+                </a:ext>
+              </a:extLst>
+            </p:cNvPr>
+            <p:cNvSpPr txBox="1"/>
+            <p:nvPr/>
+          </p:nvSpPr>
+          <p:spPr>
+            <a:xfrm>
+              <a:off x="3861861" y="3161275"/>
+              <a:ext cx="486897" cy="246221"/>
+            </a:xfrm>
+            <a:prstGeom prst="rect">
+              <a:avLst/>
+            </a:prstGeom>
+            <a:noFill/>
+          </p:spPr>
+          <p:txBody>
+            <a:bodyPr wrap="square" rtlCol="0">
+              <a:spAutoFit/>
+            </a:bodyPr>
+            <a:lstStyle/>
+            <a:p>
+              <a:r>
+                <a:rPr lang="pt-PT" sz="1000" dirty="0">
+                  <a:latin typeface="Abadi" panose="020B0604020104020204" pitchFamily="34" charset="0"/>
+                </a:rPr>
+                <a:t>1,1m</a:t>
+              </a:r>
+            </a:p>
+          </p:txBody>
+        </p:sp>
+        <p:sp>
+          <p:nvSpPr>
+            <p:cNvPr id="77" name="CaixaDeTexto 76">
+              <a:extLst>
+                <a:ext uri="{FF2B5EF4-FFF2-40B4-BE49-F238E27FC236}">
+                  <a16:creationId xmlns:a16="http://schemas.microsoft.com/office/drawing/2014/main" id="{D115892A-B73D-6B29-3A85-DC91C25F1B6D}"/>
+                </a:ext>
+              </a:extLst>
+            </p:cNvPr>
+            <p:cNvSpPr txBox="1"/>
+            <p:nvPr/>
+          </p:nvSpPr>
+          <p:spPr>
+            <a:xfrm rot="16200000">
+              <a:off x="7414919" y="4671887"/>
+              <a:ext cx="1235967" cy="276999"/>
+            </a:xfrm>
+            <a:prstGeom prst="rect">
+              <a:avLst/>
+            </a:prstGeom>
+            <a:noFill/>
+          </p:spPr>
+          <p:txBody>
+            <a:bodyPr wrap="square" rtlCol="0">
+              <a:spAutoFit/>
+            </a:bodyPr>
+            <a:lstStyle/>
+            <a:p>
+              <a:pPr algn="ctr"/>
+              <a:r>
+                <a:rPr lang="pt-PT" sz="1200" dirty="0">
+                  <a:latin typeface="Abadi" panose="020B0604020104020204" pitchFamily="34" charset="0"/>
+                </a:rPr>
+                <a:t>Turbogerador </a:t>
+              </a:r>
+            </a:p>
+          </p:txBody>
+        </p:sp>
+        <p:sp>
+          <p:nvSpPr>
+            <p:cNvPr id="78" name="CaixaDeTexto 77">
+              <a:extLst>
+                <a:ext uri="{FF2B5EF4-FFF2-40B4-BE49-F238E27FC236}">
+                  <a16:creationId xmlns:a16="http://schemas.microsoft.com/office/drawing/2014/main" id="{0A024374-90A6-1128-7105-931D55AF3249}"/>
+                </a:ext>
+              </a:extLst>
+            </p:cNvPr>
+            <p:cNvSpPr txBox="1"/>
+            <p:nvPr/>
+          </p:nvSpPr>
+          <p:spPr>
+            <a:xfrm rot="16200000">
+              <a:off x="2762304" y="4594853"/>
+              <a:ext cx="953854" cy="276999"/>
+            </a:xfrm>
+            <a:prstGeom prst="rect">
+              <a:avLst/>
+            </a:prstGeom>
+            <a:noFill/>
+          </p:spPr>
+          <p:txBody>
+            <a:bodyPr wrap="square" rtlCol="0">
+              <a:spAutoFit/>
+            </a:bodyPr>
+            <a:lstStyle/>
+            <a:p>
+              <a:r>
+                <a:rPr lang="pt-PT" sz="1200" dirty="0">
+                  <a:latin typeface="Abadi" panose="020B0604020104020204" pitchFamily="34" charset="0"/>
+                </a:rPr>
+                <a:t>Aviónica</a:t>
+              </a:r>
+            </a:p>
+          </p:txBody>
+        </p:sp>
+        <p:sp>
+          <p:nvSpPr>
+            <p:cNvPr id="80" name="CaixaDeTexto 79">
+              <a:extLst>
+                <a:ext uri="{FF2B5EF4-FFF2-40B4-BE49-F238E27FC236}">
+                  <a16:creationId xmlns:a16="http://schemas.microsoft.com/office/drawing/2014/main" id="{859A29A1-95F6-DCD5-DA4C-F37A6E94490E}"/>
+                </a:ext>
+              </a:extLst>
+            </p:cNvPr>
+            <p:cNvSpPr txBox="1"/>
+            <p:nvPr/>
+          </p:nvSpPr>
+          <p:spPr>
+            <a:xfrm>
+              <a:off x="3931484" y="4676196"/>
+              <a:ext cx="1155477" cy="276999"/>
+            </a:xfrm>
+            <a:prstGeom prst="rect">
+              <a:avLst/>
+            </a:prstGeom>
+            <a:noFill/>
+            <a:ln>
+              <a:solidFill>
+                <a:schemeClr val="tx1"/>
+              </a:solidFill>
+              <a:prstDash val="dash"/>
+            </a:ln>
+          </p:spPr>
+          <p:txBody>
+            <a:bodyPr wrap="square" rtlCol="0">
+              <a:spAutoFit/>
+            </a:bodyPr>
+            <a:lstStyle/>
+            <a:p>
+              <a:pPr algn="ctr"/>
+              <a:r>
+                <a:rPr lang="pt-PT" sz="1200" dirty="0"/>
+                <a:t>Bagagem</a:t>
+              </a:r>
+            </a:p>
+          </p:txBody>
+        </p:sp>
+        <p:sp>
+          <p:nvSpPr>
+            <p:cNvPr id="81" name="Retângulo 80">
+              <a:extLst>
+                <a:ext uri="{FF2B5EF4-FFF2-40B4-BE49-F238E27FC236}">
+                  <a16:creationId xmlns:a16="http://schemas.microsoft.com/office/drawing/2014/main" id="{6173FC49-578A-48B0-C570-9CC79BBE4E0C}"/>
+                </a:ext>
+              </a:extLst>
+            </p:cNvPr>
+            <p:cNvSpPr/>
+            <p:nvPr/>
+          </p:nvSpPr>
+          <p:spPr>
+            <a:xfrm>
+              <a:off x="2273718" y="2700824"/>
+              <a:ext cx="180000" cy="180475"/>
+            </a:xfrm>
+            <a:prstGeom prst="rect">
+              <a:avLst/>
+            </a:prstGeom>
+          </p:spPr>
+          <p:style>
+            <a:lnRef idx="2">
+              <a:schemeClr val="accent1">
+                <a:shade val="50000"/>
+              </a:schemeClr>
+            </a:lnRef>
+            <a:fillRef idx="1">
+              <a:schemeClr val="accent1"/>
+            </a:fillRef>
+            <a:effectRef idx="0">
+              <a:schemeClr val="accent1"/>
+            </a:effectRef>
+            <a:fontRef idx="minor">
+              <a:schemeClr val="lt1"/>
+            </a:fontRef>
+          </p:style>
+          <p:txBody>
+            <a:bodyPr rtlCol="0" anchor="ctr"/>
+            <a:lstStyle/>
+            <a:p>
+              <a:pPr algn="ctr"/>
+              <a:endParaRPr lang="pt-PT" dirty="0"/>
+            </a:p>
+          </p:txBody>
+        </p:sp>
+        <p:sp>
+          <p:nvSpPr>
+            <p:cNvPr id="82" name="CaixaDeTexto 81">
+              <a:extLst>
+                <a:ext uri="{FF2B5EF4-FFF2-40B4-BE49-F238E27FC236}">
+                  <a16:creationId xmlns:a16="http://schemas.microsoft.com/office/drawing/2014/main" id="{15AEE124-2274-067B-5DF9-936A5B4C377D}"/>
+                </a:ext>
+              </a:extLst>
+            </p:cNvPr>
+            <p:cNvSpPr txBox="1"/>
+            <p:nvPr/>
+          </p:nvSpPr>
+          <p:spPr>
+            <a:xfrm>
+              <a:off x="2421606" y="2667950"/>
+              <a:ext cx="1501091" cy="246221"/>
+            </a:xfrm>
+            <a:prstGeom prst="rect">
+              <a:avLst/>
+            </a:prstGeom>
+            <a:noFill/>
+          </p:spPr>
+          <p:txBody>
+            <a:bodyPr wrap="square" rtlCol="0">
+              <a:spAutoFit/>
+            </a:bodyPr>
+            <a:lstStyle/>
+            <a:p>
+              <a:r>
+                <a:rPr lang="pt-PT" sz="1000" dirty="0"/>
+                <a:t>-</a:t>
+              </a:r>
+              <a:r>
+                <a:rPr lang="pt-PT" sz="800" dirty="0"/>
+                <a:t>Passageiros</a:t>
+              </a:r>
+            </a:p>
+          </p:txBody>
+        </p:sp>
+        <p:sp>
+          <p:nvSpPr>
+            <p:cNvPr id="84" name="Retângulo: Cantos Arredondados 83">
+              <a:extLst>
+                <a:ext uri="{FF2B5EF4-FFF2-40B4-BE49-F238E27FC236}">
+                  <a16:creationId xmlns:a16="http://schemas.microsoft.com/office/drawing/2014/main" id="{31932070-B777-20C3-09DB-6CC393E7580D}"/>
+                </a:ext>
+              </a:extLst>
+            </p:cNvPr>
+            <p:cNvSpPr/>
+            <p:nvPr/>
+          </p:nvSpPr>
+          <p:spPr>
+            <a:xfrm rot="16200000">
+              <a:off x="2251840" y="3020470"/>
+              <a:ext cx="236878" cy="150554"/>
+            </a:xfrm>
+            <a:prstGeom prst="roundRect">
+              <a:avLst/>
+            </a:prstGeom>
+            <a:ln>
+              <a:solidFill>
+                <a:schemeClr val="bg2">
+                  <a:lumMod val="50000"/>
+                </a:schemeClr>
+              </a:solidFill>
+            </a:ln>
+          </p:spPr>
+          <p:style>
+            <a:lnRef idx="2">
+              <a:schemeClr val="dk1">
+                <a:shade val="50000"/>
+              </a:schemeClr>
+            </a:lnRef>
+            <a:fillRef idx="1">
+              <a:schemeClr val="dk1"/>
+            </a:fillRef>
+            <a:effectRef idx="0">
+              <a:schemeClr val="dk1"/>
+            </a:effectRef>
+            <a:fontRef idx="minor">
+              <a:schemeClr val="lt1"/>
+            </a:fontRef>
+          </p:style>
+          <p:txBody>
+            <a:bodyPr rtlCol="0" anchor="ctr"/>
+            <a:lstStyle/>
+            <a:p>
+              <a:pPr algn="ctr"/>
+              <a:endParaRPr lang="pt-PT" dirty="0"/>
+            </a:p>
+          </p:txBody>
+        </p:sp>
+        <p:sp>
+          <p:nvSpPr>
+            <p:cNvPr id="86" name="CaixaDeTexto 85">
+              <a:extLst>
+                <a:ext uri="{FF2B5EF4-FFF2-40B4-BE49-F238E27FC236}">
+                  <a16:creationId xmlns:a16="http://schemas.microsoft.com/office/drawing/2014/main" id="{57D39D6E-4172-D045-765D-1BA27F269DAF}"/>
+                </a:ext>
+              </a:extLst>
+            </p:cNvPr>
+            <p:cNvSpPr txBox="1"/>
+            <p:nvPr/>
+          </p:nvSpPr>
+          <p:spPr>
+            <a:xfrm>
+              <a:off x="2406097" y="2957857"/>
+              <a:ext cx="1783469" cy="246221"/>
+            </a:xfrm>
+            <a:prstGeom prst="rect">
+              <a:avLst/>
+            </a:prstGeom>
+            <a:noFill/>
+          </p:spPr>
+          <p:txBody>
+            <a:bodyPr wrap="square" rtlCol="0">
+              <a:spAutoFit/>
+            </a:bodyPr>
+            <a:lstStyle/>
+            <a:p>
+              <a:r>
+                <a:rPr lang="pt-PT" sz="1000" dirty="0"/>
+                <a:t>-</a:t>
+              </a:r>
+              <a:r>
+                <a:rPr lang="pt-PT" sz="800" dirty="0"/>
+                <a:t>Roda: Trem de Aterragem</a:t>
+              </a:r>
+            </a:p>
+          </p:txBody>
+        </p:sp>
+        <p:grpSp>
+          <p:nvGrpSpPr>
+            <p:cNvPr id="92" name="Agrupar 91">
+              <a:extLst>
+                <a:ext uri="{FF2B5EF4-FFF2-40B4-BE49-F238E27FC236}">
+                  <a16:creationId xmlns:a16="http://schemas.microsoft.com/office/drawing/2014/main" id="{DBAFB52E-56C3-EFEC-602C-6CEA54655F8A}"/>
+                </a:ext>
+              </a:extLst>
+            </p:cNvPr>
+            <p:cNvGrpSpPr/>
+            <p:nvPr/>
+          </p:nvGrpSpPr>
+          <p:grpSpPr>
+            <a:xfrm>
+              <a:off x="3779698" y="803945"/>
+              <a:ext cx="1696900" cy="2223748"/>
+              <a:chOff x="3779698" y="803945"/>
+              <a:chExt cx="1696900" cy="2223748"/>
+            </a:xfrm>
+          </p:grpSpPr>
+          <p:sp>
+            <p:nvSpPr>
+              <p:cNvPr id="87" name="Retângulo 86">
+                <a:extLst>
+                  <a:ext uri="{FF2B5EF4-FFF2-40B4-BE49-F238E27FC236}">
+                    <a16:creationId xmlns:a16="http://schemas.microsoft.com/office/drawing/2014/main" id="{8666E87B-F3E3-CFC5-9938-B4946B652580}"/>
+                  </a:ext>
+                </a:extLst>
+              </p:cNvPr>
+              <p:cNvSpPr/>
+              <p:nvPr/>
+            </p:nvSpPr>
+            <p:spPr>
+              <a:xfrm rot="5400000">
+                <a:off x="4270566" y="1337952"/>
+                <a:ext cx="245863" cy="1227600"/>
+              </a:xfrm>
+              <a:prstGeom prst="rect">
+                <a:avLst/>
+              </a:prstGeom>
+              <a:solidFill>
+                <a:schemeClr val="bg2">
+                  <a:lumMod val="50000"/>
+                </a:schemeClr>
+              </a:solidFill>
+              <a:ln>
                 <a:solidFill>
-                  <a:schemeClr val="lt1"/>
+                  <a:schemeClr val="bg2">
+                    <a:lumMod val="50000"/>
+                  </a:schemeClr>
                 </a:solidFill>
-                <a:latin typeface="+mn-lt"/>
-                <a:ea typeface="+mn-ea"/>
-                <a:cs typeface="+mn-cs"/>
-              </a:defRPr>
-            </a:lvl5pPr>
-            <a:lvl6pPr marL="2286000" algn="l" defTabSz="914400" rtl="0" eaLnBrk="1" latinLnBrk="0" hangingPunct="1">
-              <a:defRPr sz="1800" kern="1200">
+              </a:ln>
+            </p:spPr>
+            <p:style>
+              <a:lnRef idx="2">
+                <a:schemeClr val="accent1">
+                  <a:shade val="50000"/>
+                </a:schemeClr>
+              </a:lnRef>
+              <a:fillRef idx="1">
+                <a:schemeClr val="accent1"/>
+              </a:fillRef>
+              <a:effectRef idx="0">
+                <a:schemeClr val="accent1"/>
+              </a:effectRef>
+              <a:fontRef idx="minor">
+                <a:schemeClr val="lt1"/>
+              </a:fontRef>
+            </p:style>
+            <p:txBody>
+              <a:bodyPr rtlCol="0" anchor="ctr"/>
+              <a:lstStyle/>
+              <a:p>
+                <a:pPr algn="ctr"/>
+                <a:endParaRPr lang="pt-PT" dirty="0"/>
+              </a:p>
+            </p:txBody>
+          </p:sp>
+          <p:sp>
+            <p:nvSpPr>
+              <p:cNvPr id="90" name="Retângulo 89">
+                <a:extLst>
+                  <a:ext uri="{FF2B5EF4-FFF2-40B4-BE49-F238E27FC236}">
+                    <a16:creationId xmlns:a16="http://schemas.microsoft.com/office/drawing/2014/main" id="{BEEA3335-942E-39E0-5AD8-B1CC19B30438}"/>
+                  </a:ext>
+                </a:extLst>
+              </p:cNvPr>
+              <p:cNvSpPr/>
+              <p:nvPr/>
+            </p:nvSpPr>
+            <p:spPr>
+              <a:xfrm rot="8598820">
+                <a:off x="5230735" y="1800093"/>
+                <a:ext cx="245863" cy="1227600"/>
+              </a:xfrm>
+              <a:prstGeom prst="rect">
+                <a:avLst/>
+              </a:prstGeom>
+              <a:solidFill>
+                <a:schemeClr val="bg2">
+                  <a:lumMod val="50000"/>
+                </a:schemeClr>
+              </a:solidFill>
+              <a:ln>
                 <a:solidFill>
-                  <a:schemeClr val="lt1"/>
+                  <a:schemeClr val="bg2">
+                    <a:lumMod val="50000"/>
+                  </a:schemeClr>
                 </a:solidFill>
-                <a:latin typeface="+mn-lt"/>
-                <a:ea typeface="+mn-ea"/>
-                <a:cs typeface="+mn-cs"/>
-              </a:defRPr>
-            </a:lvl6pPr>
-            <a:lvl7pPr marL="2743200" algn="l" defTabSz="914400" rtl="0" eaLnBrk="1" latinLnBrk="0" hangingPunct="1">
-              <a:defRPr sz="1800" kern="1200">
+              </a:ln>
+            </p:spPr>
+            <p:style>
+              <a:lnRef idx="2">
+                <a:schemeClr val="accent1">
+                  <a:shade val="50000"/>
+                </a:schemeClr>
+              </a:lnRef>
+              <a:fillRef idx="1">
+                <a:schemeClr val="accent1"/>
+              </a:fillRef>
+              <a:effectRef idx="0">
+                <a:schemeClr val="accent1"/>
+              </a:effectRef>
+              <a:fontRef idx="minor">
+                <a:schemeClr val="lt1"/>
+              </a:fontRef>
+            </p:style>
+            <p:txBody>
+              <a:bodyPr rtlCol="0" anchor="ctr"/>
+              <a:lstStyle/>
+              <a:p>
+                <a:pPr algn="ctr"/>
+                <a:endParaRPr lang="pt-PT" dirty="0"/>
+              </a:p>
+            </p:txBody>
+          </p:sp>
+          <p:sp>
+            <p:nvSpPr>
+              <p:cNvPr id="91" name="Retângulo 90">
+                <a:extLst>
+                  <a:ext uri="{FF2B5EF4-FFF2-40B4-BE49-F238E27FC236}">
+                    <a16:creationId xmlns:a16="http://schemas.microsoft.com/office/drawing/2014/main" id="{18A04A70-82D5-66BA-58E0-A705F426AA71}"/>
+                  </a:ext>
+                </a:extLst>
+              </p:cNvPr>
+              <p:cNvSpPr/>
+              <p:nvPr/>
+            </p:nvSpPr>
+            <p:spPr>
+              <a:xfrm rot="12648134">
+                <a:off x="5188055" y="803945"/>
+                <a:ext cx="245863" cy="1227600"/>
+              </a:xfrm>
+              <a:prstGeom prst="rect">
+                <a:avLst/>
+              </a:prstGeom>
+              <a:solidFill>
+                <a:schemeClr val="bg2">
+                  <a:lumMod val="50000"/>
+                </a:schemeClr>
+              </a:solidFill>
+              <a:ln>
                 <a:solidFill>
-                  <a:schemeClr val="lt1"/>
+                  <a:schemeClr val="bg2">
+                    <a:lumMod val="50000"/>
+                  </a:schemeClr>
                 </a:solidFill>
-                <a:latin typeface="+mn-lt"/>
-                <a:ea typeface="+mn-ea"/>
-                <a:cs typeface="+mn-cs"/>
-              </a:defRPr>
-            </a:lvl7pPr>
-            <a:lvl8pPr marL="3200400" algn="l" defTabSz="914400" rtl="0" eaLnBrk="1" latinLnBrk="0" hangingPunct="1">
-              <a:defRPr sz="1800" kern="1200">
+              </a:ln>
+            </p:spPr>
+            <p:style>
+              <a:lnRef idx="2">
+                <a:schemeClr val="accent1">
+                  <a:shade val="50000"/>
+                </a:schemeClr>
+              </a:lnRef>
+              <a:fillRef idx="1">
+                <a:schemeClr val="accent1"/>
+              </a:fillRef>
+              <a:effectRef idx="0">
+                <a:schemeClr val="accent1"/>
+              </a:effectRef>
+              <a:fontRef idx="minor">
+                <a:schemeClr val="lt1"/>
+              </a:fontRef>
+            </p:style>
+            <p:txBody>
+              <a:bodyPr rtlCol="0" anchor="ctr"/>
+              <a:lstStyle/>
+              <a:p>
+                <a:pPr algn="ctr"/>
+                <a:endParaRPr lang="pt-PT" dirty="0"/>
+              </a:p>
+            </p:txBody>
+          </p:sp>
+        </p:grpSp>
+        <p:grpSp>
+          <p:nvGrpSpPr>
+            <p:cNvPr id="93" name="Agrupar 92">
+              <a:extLst>
+                <a:ext uri="{FF2B5EF4-FFF2-40B4-BE49-F238E27FC236}">
+                  <a16:creationId xmlns:a16="http://schemas.microsoft.com/office/drawing/2014/main" id="{75B9BAF1-0D45-BA1B-6233-25411B290E73}"/>
+                </a:ext>
+              </a:extLst>
+            </p:cNvPr>
+            <p:cNvGrpSpPr/>
+            <p:nvPr/>
+          </p:nvGrpSpPr>
+          <p:grpSpPr>
+            <a:xfrm rot="15411599">
+              <a:off x="6901768" y="1183760"/>
+              <a:ext cx="1696900" cy="2223748"/>
+              <a:chOff x="3779698" y="803945"/>
+              <a:chExt cx="1696900" cy="2223748"/>
+            </a:xfrm>
+          </p:grpSpPr>
+          <p:sp>
+            <p:nvSpPr>
+              <p:cNvPr id="94" name="Retângulo 93">
+                <a:extLst>
+                  <a:ext uri="{FF2B5EF4-FFF2-40B4-BE49-F238E27FC236}">
+                    <a16:creationId xmlns:a16="http://schemas.microsoft.com/office/drawing/2014/main" id="{63403F3E-0834-F52A-F29F-B4FC480C3002}"/>
+                  </a:ext>
+                </a:extLst>
+              </p:cNvPr>
+              <p:cNvSpPr/>
+              <p:nvPr/>
+            </p:nvSpPr>
+            <p:spPr>
+              <a:xfrm rot="5400000">
+                <a:off x="4270566" y="1337952"/>
+                <a:ext cx="245863" cy="1227600"/>
+              </a:xfrm>
+              <a:prstGeom prst="rect">
+                <a:avLst/>
+              </a:prstGeom>
+              <a:solidFill>
+                <a:schemeClr val="bg2">
+                  <a:lumMod val="50000"/>
+                </a:schemeClr>
+              </a:solidFill>
+              <a:ln>
                 <a:solidFill>
-                  <a:schemeClr val="lt1"/>
+                  <a:schemeClr val="bg2">
+                    <a:lumMod val="50000"/>
+                  </a:schemeClr>
                 </a:solidFill>
-                <a:latin typeface="+mn-lt"/>
-                <a:ea typeface="+mn-ea"/>
-                <a:cs typeface="+mn-cs"/>
-              </a:defRPr>
-            </a:lvl8pPr>
-            <a:lvl9pPr marL="3657600" algn="l" defTabSz="914400" rtl="0" eaLnBrk="1" latinLnBrk="0" hangingPunct="1">
-              <a:defRPr sz="1800" kern="1200">
+              </a:ln>
+            </p:spPr>
+            <p:style>
+              <a:lnRef idx="2">
+                <a:schemeClr val="accent1">
+                  <a:shade val="50000"/>
+                </a:schemeClr>
+              </a:lnRef>
+              <a:fillRef idx="1">
+                <a:schemeClr val="accent1"/>
+              </a:fillRef>
+              <a:effectRef idx="0">
+                <a:schemeClr val="accent1"/>
+              </a:effectRef>
+              <a:fontRef idx="minor">
+                <a:schemeClr val="lt1"/>
+              </a:fontRef>
+            </p:style>
+            <p:txBody>
+              <a:bodyPr rtlCol="0" anchor="ctr"/>
+              <a:lstStyle/>
+              <a:p>
+                <a:pPr algn="ctr"/>
+                <a:endParaRPr lang="pt-PT" dirty="0"/>
+              </a:p>
+            </p:txBody>
+          </p:sp>
+          <p:sp>
+            <p:nvSpPr>
+              <p:cNvPr id="95" name="Retângulo 94">
+                <a:extLst>
+                  <a:ext uri="{FF2B5EF4-FFF2-40B4-BE49-F238E27FC236}">
+                    <a16:creationId xmlns:a16="http://schemas.microsoft.com/office/drawing/2014/main" id="{D6D89799-2E3B-81C0-DD3C-4EF02C389BEA}"/>
+                  </a:ext>
+                </a:extLst>
+              </p:cNvPr>
+              <p:cNvSpPr/>
+              <p:nvPr/>
+            </p:nvSpPr>
+            <p:spPr>
+              <a:xfrm rot="8598820">
+                <a:off x="5230735" y="1800093"/>
+                <a:ext cx="245863" cy="1227600"/>
+              </a:xfrm>
+              <a:prstGeom prst="rect">
+                <a:avLst/>
+              </a:prstGeom>
+              <a:solidFill>
+                <a:schemeClr val="bg2">
+                  <a:lumMod val="50000"/>
+                </a:schemeClr>
+              </a:solidFill>
+              <a:ln>
                 <a:solidFill>
-                  <a:schemeClr val="lt1"/>
+                  <a:schemeClr val="bg2">
+                    <a:lumMod val="50000"/>
+                  </a:schemeClr>
                 </a:solidFill>
-                <a:latin typeface="+mn-lt"/>
-                <a:ea typeface="+mn-ea"/>
-                <a:cs typeface="+mn-cs"/>
-              </a:defRPr>
-            </a:lvl9pPr>
-          </a:lstStyle>
-          <a:p>
-            <a:pPr algn="ctr"/>
-            <a:endParaRPr lang="en-US" dirty="0"/>
-          </a:p>
-        </p:txBody>
-      </p:sp>
+              </a:ln>
+            </p:spPr>
+            <p:style>
+              <a:lnRef idx="2">
+                <a:schemeClr val="accent1">
+                  <a:shade val="50000"/>
+                </a:schemeClr>
+              </a:lnRef>
+              <a:fillRef idx="1">
+                <a:schemeClr val="accent1"/>
+              </a:fillRef>
+              <a:effectRef idx="0">
+                <a:schemeClr val="accent1"/>
+              </a:effectRef>
+              <a:fontRef idx="minor">
+                <a:schemeClr val="lt1"/>
+              </a:fontRef>
+            </p:style>
+            <p:txBody>
+              <a:bodyPr rtlCol="0" anchor="ctr"/>
+              <a:lstStyle/>
+              <a:p>
+                <a:pPr algn="ctr"/>
+                <a:endParaRPr lang="pt-PT" dirty="0"/>
+              </a:p>
+            </p:txBody>
+          </p:sp>
+          <p:sp>
+            <p:nvSpPr>
+              <p:cNvPr id="96" name="Retângulo 95">
+                <a:extLst>
+                  <a:ext uri="{FF2B5EF4-FFF2-40B4-BE49-F238E27FC236}">
+                    <a16:creationId xmlns:a16="http://schemas.microsoft.com/office/drawing/2014/main" id="{91FE3F5C-0A4A-0605-A20E-E6C6AECA3E21}"/>
+                  </a:ext>
+                </a:extLst>
+              </p:cNvPr>
+              <p:cNvSpPr/>
+              <p:nvPr/>
+            </p:nvSpPr>
+            <p:spPr>
+              <a:xfrm rot="12648134">
+                <a:off x="5188055" y="803945"/>
+                <a:ext cx="245863" cy="1227600"/>
+              </a:xfrm>
+              <a:prstGeom prst="rect">
+                <a:avLst/>
+              </a:prstGeom>
+              <a:solidFill>
+                <a:schemeClr val="bg2">
+                  <a:lumMod val="50000"/>
+                </a:schemeClr>
+              </a:solidFill>
+              <a:ln>
+                <a:solidFill>
+                  <a:schemeClr val="bg2">
+                    <a:lumMod val="50000"/>
+                  </a:schemeClr>
+                </a:solidFill>
+              </a:ln>
+            </p:spPr>
+            <p:style>
+              <a:lnRef idx="2">
+                <a:schemeClr val="accent1">
+                  <a:shade val="50000"/>
+                </a:schemeClr>
+              </a:lnRef>
+              <a:fillRef idx="1">
+                <a:schemeClr val="accent1"/>
+              </a:fillRef>
+              <a:effectRef idx="0">
+                <a:schemeClr val="accent1"/>
+              </a:effectRef>
+              <a:fontRef idx="minor">
+                <a:schemeClr val="lt1"/>
+              </a:fontRef>
+            </p:style>
+            <p:txBody>
+              <a:bodyPr rtlCol="0" anchor="ctr"/>
+              <a:lstStyle/>
+              <a:p>
+                <a:pPr algn="ctr"/>
+                <a:endParaRPr lang="pt-PT" dirty="0"/>
+              </a:p>
+            </p:txBody>
+          </p:sp>
+        </p:grpSp>
+        <p:grpSp>
+          <p:nvGrpSpPr>
+            <p:cNvPr id="97" name="Agrupar 96">
+              <a:extLst>
+                <a:ext uri="{FF2B5EF4-FFF2-40B4-BE49-F238E27FC236}">
+                  <a16:creationId xmlns:a16="http://schemas.microsoft.com/office/drawing/2014/main" id="{4D7E3363-B30B-A71C-7F57-07773D3BA454}"/>
+                </a:ext>
+              </a:extLst>
+            </p:cNvPr>
+            <p:cNvGrpSpPr/>
+            <p:nvPr/>
+          </p:nvGrpSpPr>
+          <p:grpSpPr>
+            <a:xfrm>
+              <a:off x="2205002" y="3306746"/>
+              <a:ext cx="180000" cy="256000"/>
+              <a:chOff x="3779698" y="803945"/>
+              <a:chExt cx="1696900" cy="2223748"/>
+            </a:xfrm>
+          </p:grpSpPr>
+          <p:sp>
+            <p:nvSpPr>
+              <p:cNvPr id="98" name="Retângulo 97">
+                <a:extLst>
+                  <a:ext uri="{FF2B5EF4-FFF2-40B4-BE49-F238E27FC236}">
+                    <a16:creationId xmlns:a16="http://schemas.microsoft.com/office/drawing/2014/main" id="{55989BC5-2555-2873-F610-4CE124315995}"/>
+                  </a:ext>
+                </a:extLst>
+              </p:cNvPr>
+              <p:cNvSpPr/>
+              <p:nvPr/>
+            </p:nvSpPr>
+            <p:spPr>
+              <a:xfrm rot="5400000">
+                <a:off x="4270566" y="1337952"/>
+                <a:ext cx="245863" cy="1227600"/>
+              </a:xfrm>
+              <a:prstGeom prst="rect">
+                <a:avLst/>
+              </a:prstGeom>
+              <a:solidFill>
+                <a:schemeClr val="bg2">
+                  <a:lumMod val="50000"/>
+                </a:schemeClr>
+              </a:solidFill>
+              <a:ln>
+                <a:solidFill>
+                  <a:schemeClr val="bg2">
+                    <a:lumMod val="50000"/>
+                  </a:schemeClr>
+                </a:solidFill>
+              </a:ln>
+            </p:spPr>
+            <p:style>
+              <a:lnRef idx="2">
+                <a:schemeClr val="accent1">
+                  <a:shade val="50000"/>
+                </a:schemeClr>
+              </a:lnRef>
+              <a:fillRef idx="1">
+                <a:schemeClr val="accent1"/>
+              </a:fillRef>
+              <a:effectRef idx="0">
+                <a:schemeClr val="accent1"/>
+              </a:effectRef>
+              <a:fontRef idx="minor">
+                <a:schemeClr val="lt1"/>
+              </a:fontRef>
+            </p:style>
+            <p:txBody>
+              <a:bodyPr rtlCol="0" anchor="ctr"/>
+              <a:lstStyle/>
+              <a:p>
+                <a:pPr algn="ctr"/>
+                <a:endParaRPr lang="pt-PT" dirty="0"/>
+              </a:p>
+            </p:txBody>
+          </p:sp>
+          <p:sp>
+            <p:nvSpPr>
+              <p:cNvPr id="99" name="Retângulo 98">
+                <a:extLst>
+                  <a:ext uri="{FF2B5EF4-FFF2-40B4-BE49-F238E27FC236}">
+                    <a16:creationId xmlns:a16="http://schemas.microsoft.com/office/drawing/2014/main" id="{71D89E37-DDF4-15E0-D6D2-D2E97B5F1B2A}"/>
+                  </a:ext>
+                </a:extLst>
+              </p:cNvPr>
+              <p:cNvSpPr/>
+              <p:nvPr/>
+            </p:nvSpPr>
+            <p:spPr>
+              <a:xfrm rot="8598820">
+                <a:off x="5230735" y="1800093"/>
+                <a:ext cx="245863" cy="1227600"/>
+              </a:xfrm>
+              <a:prstGeom prst="rect">
+                <a:avLst/>
+              </a:prstGeom>
+              <a:solidFill>
+                <a:schemeClr val="bg2">
+                  <a:lumMod val="50000"/>
+                </a:schemeClr>
+              </a:solidFill>
+              <a:ln>
+                <a:solidFill>
+                  <a:schemeClr val="bg2">
+                    <a:lumMod val="50000"/>
+                  </a:schemeClr>
+                </a:solidFill>
+              </a:ln>
+            </p:spPr>
+            <p:style>
+              <a:lnRef idx="2">
+                <a:schemeClr val="accent1">
+                  <a:shade val="50000"/>
+                </a:schemeClr>
+              </a:lnRef>
+              <a:fillRef idx="1">
+                <a:schemeClr val="accent1"/>
+              </a:fillRef>
+              <a:effectRef idx="0">
+                <a:schemeClr val="accent1"/>
+              </a:effectRef>
+              <a:fontRef idx="minor">
+                <a:schemeClr val="lt1"/>
+              </a:fontRef>
+            </p:style>
+            <p:txBody>
+              <a:bodyPr rtlCol="0" anchor="ctr"/>
+              <a:lstStyle/>
+              <a:p>
+                <a:pPr algn="ctr"/>
+                <a:endParaRPr lang="pt-PT" dirty="0"/>
+              </a:p>
+            </p:txBody>
+          </p:sp>
+          <p:sp>
+            <p:nvSpPr>
+              <p:cNvPr id="100" name="Retângulo 99">
+                <a:extLst>
+                  <a:ext uri="{FF2B5EF4-FFF2-40B4-BE49-F238E27FC236}">
+                    <a16:creationId xmlns:a16="http://schemas.microsoft.com/office/drawing/2014/main" id="{021985E4-A1D4-971A-B599-8B6D998D8230}"/>
+                  </a:ext>
+                </a:extLst>
+              </p:cNvPr>
+              <p:cNvSpPr/>
+              <p:nvPr/>
+            </p:nvSpPr>
+            <p:spPr>
+              <a:xfrm rot="12648134">
+                <a:off x="5188055" y="803945"/>
+                <a:ext cx="245863" cy="1227600"/>
+              </a:xfrm>
+              <a:prstGeom prst="rect">
+                <a:avLst/>
+              </a:prstGeom>
+              <a:solidFill>
+                <a:schemeClr val="bg2">
+                  <a:lumMod val="50000"/>
+                </a:schemeClr>
+              </a:solidFill>
+              <a:ln>
+                <a:solidFill>
+                  <a:schemeClr val="bg2">
+                    <a:lumMod val="50000"/>
+                  </a:schemeClr>
+                </a:solidFill>
+              </a:ln>
+            </p:spPr>
+            <p:style>
+              <a:lnRef idx="2">
+                <a:schemeClr val="accent1">
+                  <a:shade val="50000"/>
+                </a:schemeClr>
+              </a:lnRef>
+              <a:fillRef idx="1">
+                <a:schemeClr val="accent1"/>
+              </a:fillRef>
+              <a:effectRef idx="0">
+                <a:schemeClr val="accent1"/>
+              </a:effectRef>
+              <a:fontRef idx="minor">
+                <a:schemeClr val="lt1"/>
+              </a:fontRef>
+            </p:style>
+            <p:txBody>
+              <a:bodyPr rtlCol="0" anchor="ctr"/>
+              <a:lstStyle/>
+              <a:p>
+                <a:pPr algn="ctr"/>
+                <a:endParaRPr lang="pt-PT" dirty="0"/>
+              </a:p>
+            </p:txBody>
+          </p:sp>
+        </p:grpSp>
+        <p:sp>
+          <p:nvSpPr>
+            <p:cNvPr id="105" name="CaixaDeTexto 104">
+              <a:extLst>
+                <a:ext uri="{FF2B5EF4-FFF2-40B4-BE49-F238E27FC236}">
+                  <a16:creationId xmlns:a16="http://schemas.microsoft.com/office/drawing/2014/main" id="{B3AF3909-C915-C07B-1D65-8308A8D5707F}"/>
+                </a:ext>
+              </a:extLst>
+            </p:cNvPr>
+            <p:cNvSpPr txBox="1"/>
+            <p:nvPr/>
+          </p:nvSpPr>
+          <p:spPr>
+            <a:xfrm>
+              <a:off x="2406097" y="3301030"/>
+              <a:ext cx="1783469" cy="246221"/>
+            </a:xfrm>
+            <a:prstGeom prst="rect">
+              <a:avLst/>
+            </a:prstGeom>
+            <a:noFill/>
+          </p:spPr>
+          <p:txBody>
+            <a:bodyPr wrap="square" rtlCol="0">
+              <a:spAutoFit/>
+            </a:bodyPr>
+            <a:lstStyle/>
+            <a:p>
+              <a:r>
+                <a:rPr lang="pt-PT" sz="1000" dirty="0"/>
+                <a:t>-</a:t>
+              </a:r>
+              <a:r>
+                <a:rPr lang="pt-PT" sz="800" dirty="0"/>
+                <a:t>Rotor Elétrico</a:t>
+              </a:r>
+            </a:p>
+          </p:txBody>
+        </p:sp>
+        <p:cxnSp>
+          <p:nvCxnSpPr>
+            <p:cNvPr id="107" name="Conexão reta unidirecional 106">
+              <a:extLst>
+                <a:ext uri="{FF2B5EF4-FFF2-40B4-BE49-F238E27FC236}">
+                  <a16:creationId xmlns:a16="http://schemas.microsoft.com/office/drawing/2014/main" id="{0752D018-314E-3152-9DC2-935E210CB0F0}"/>
+                </a:ext>
+              </a:extLst>
+            </p:cNvPr>
+            <p:cNvCxnSpPr>
+              <a:cxnSpLocks/>
+            </p:cNvCxnSpPr>
+            <p:nvPr/>
+          </p:nvCxnSpPr>
+          <p:spPr>
+            <a:xfrm>
+              <a:off x="4418206" y="3801422"/>
+              <a:ext cx="1226820" cy="0"/>
+            </a:xfrm>
+            <a:prstGeom prst="straightConnector1">
+              <a:avLst/>
+            </a:prstGeom>
+            <a:ln>
+              <a:headEnd type="triangle"/>
+              <a:tailEnd type="triangle"/>
+            </a:ln>
+          </p:spPr>
+          <p:style>
+            <a:lnRef idx="1">
+              <a:schemeClr val="dk1"/>
+            </a:lnRef>
+            <a:fillRef idx="0">
+              <a:schemeClr val="dk1"/>
+            </a:fillRef>
+            <a:effectRef idx="0">
+              <a:schemeClr val="dk1"/>
+            </a:effectRef>
+            <a:fontRef idx="minor">
+              <a:schemeClr val="tx1"/>
+            </a:fontRef>
+          </p:style>
+        </p:cxnSp>
+        <p:sp>
+          <p:nvSpPr>
+            <p:cNvPr id="108" name="CaixaDeTexto 107">
+              <a:extLst>
+                <a:ext uri="{FF2B5EF4-FFF2-40B4-BE49-F238E27FC236}">
+                  <a16:creationId xmlns:a16="http://schemas.microsoft.com/office/drawing/2014/main" id="{F02393CF-2709-8D4F-FBFE-D83C59D6B5F0}"/>
+                </a:ext>
+              </a:extLst>
+            </p:cNvPr>
+            <p:cNvSpPr txBox="1"/>
+            <p:nvPr/>
+          </p:nvSpPr>
+          <p:spPr>
+            <a:xfrm>
+              <a:off x="4836353" y="3606517"/>
+              <a:ext cx="390525" cy="246221"/>
+            </a:xfrm>
+            <a:prstGeom prst="rect">
+              <a:avLst/>
+            </a:prstGeom>
+            <a:noFill/>
+          </p:spPr>
+          <p:txBody>
+            <a:bodyPr wrap="square" rtlCol="0">
+              <a:spAutoFit/>
+            </a:bodyPr>
+            <a:lstStyle/>
+            <a:p>
+              <a:r>
+                <a:rPr lang="pt-PT" sz="1000" dirty="0">
+                  <a:latin typeface="Abadi" panose="020B0604020104020204" pitchFamily="34" charset="0"/>
+                </a:rPr>
+                <a:t>2m</a:t>
+              </a:r>
+            </a:p>
+          </p:txBody>
+        </p:sp>
+      </p:grpSp>
+    </p:spTree>
+    <p:extLst>
+      <p:ext uri="{BB962C8B-B14F-4D97-AF65-F5344CB8AC3E}">
+        <p14:creationId xmlns:p14="http://schemas.microsoft.com/office/powerpoint/2010/main" val="507983269"/>
+      </p:ext>
+    </p:extLst>
+  </p:cSld>
+  <p:clrMapOvr>
+    <a:masterClrMapping/>
+  </p:clrMapOvr>
+</p:sld>
+</file>
+
+<file path=ppt/slides/slide3.xml><?xml version="1.0" encoding="utf-8"?>
+<p:sld xmlns:a="http://schemas.openxmlformats.org/drawingml/2006/main" xmlns:r="http://schemas.openxmlformats.org/officeDocument/2006/relationships" xmlns:p="http://schemas.openxmlformats.org/presentationml/2006/main">
+  <p:cSld>
+    <p:spTree>
+      <p:nvGrpSpPr>
+        <p:cNvPr id="1" name=""/>
+        <p:cNvGrpSpPr/>
+        <p:nvPr/>
+      </p:nvGrpSpPr>
+      <p:grpSpPr>
+        <a:xfrm>
+          <a:off x="0" y="0"/>
+          <a:ext cx="0" cy="0"/>
+          <a:chOff x="0" y="0"/>
+          <a:chExt cx="0" cy="0"/>
+        </a:xfrm>
+      </p:grpSpPr>
       <p:grpSp>
         <p:nvGrpSpPr>
           <p:cNvPr id="147" name="Agrupar 146">
@@ -6826,10 +9987,10 @@
         </p:nvGrpSpPr>
         <p:grpSpPr>
           <a:xfrm>
-            <a:off x="1538880" y="1861440"/>
-            <a:ext cx="5891358" cy="2234719"/>
-            <a:chOff x="1538880" y="1785240"/>
-            <a:chExt cx="5891358" cy="2234719"/>
+            <a:off x="1538880" y="1852275"/>
+            <a:ext cx="5891358" cy="2243884"/>
+            <a:chOff x="1538880" y="1776075"/>
+            <a:chExt cx="5891358" cy="2243884"/>
           </a:xfrm>
         </p:grpSpPr>
         <p:sp>
@@ -8292,7 +11453,7 @@
               <a:pPr algn="ctr"/>
               <a:r>
                 <a:rPr lang="pt-PT" sz="1000" dirty="0"/>
-                <a:t>Bagage</a:t>
+                <a:t>Baggage</a:t>
               </a:r>
             </a:p>
           </p:txBody>
@@ -8843,8 +12004,8 @@
           </p:nvSpPr>
           <p:spPr>
             <a:xfrm>
-              <a:off x="2614602" y="1785240"/>
-              <a:ext cx="1937564" cy="246221"/>
+              <a:off x="2614601" y="1776075"/>
+              <a:ext cx="2006825" cy="369332"/>
             </a:xfrm>
             <a:prstGeom prst="rect">
               <a:avLst/>
@@ -8863,7 +12024,2257 @@
               </a:r>
               <a:r>
                 <a:rPr lang="pt-PT" sz="800" dirty="0"/>
-                <a:t>Wing (rotors are not displayed)</a:t>
+                <a:t>Wings and vertical stabilizer (electric rotors are not displayed)</a:t>
+              </a:r>
+            </a:p>
+          </p:txBody>
+        </p:sp>
+      </p:grpSp>
+    </p:spTree>
+    <p:extLst>
+      <p:ext uri="{BB962C8B-B14F-4D97-AF65-F5344CB8AC3E}">
+        <p14:creationId xmlns:p14="http://schemas.microsoft.com/office/powerpoint/2010/main" val="2367707610"/>
+      </p:ext>
+    </p:extLst>
+  </p:cSld>
+  <p:clrMapOvr>
+    <a:masterClrMapping/>
+  </p:clrMapOvr>
+</p:sld>
+</file>
+
+<file path=ppt/slides/slide4.xml><?xml version="1.0" encoding="utf-8"?>
+<p:sld xmlns:a="http://schemas.openxmlformats.org/drawingml/2006/main" xmlns:r="http://schemas.openxmlformats.org/officeDocument/2006/relationships" xmlns:p="http://schemas.openxmlformats.org/presentationml/2006/main">
+  <p:cSld>
+    <p:bg>
+      <p:bgPr>
+        <a:solidFill>
+          <a:schemeClr val="bg1"/>
+        </a:solidFill>
+        <a:effectLst/>
+      </p:bgPr>
+    </p:bg>
+    <p:spTree>
+      <p:nvGrpSpPr>
+        <p:cNvPr id="1" name=""/>
+        <p:cNvGrpSpPr/>
+        <p:nvPr/>
+      </p:nvGrpSpPr>
+      <p:grpSpPr>
+        <a:xfrm>
+          <a:off x="0" y="0"/>
+          <a:ext cx="0" cy="0"/>
+          <a:chOff x="0" y="0"/>
+          <a:chExt cx="0" cy="0"/>
+        </a:xfrm>
+      </p:grpSpPr>
+      <p:sp>
+        <p:nvSpPr>
+          <p:cNvPr id="25" name="Rectangle 7">
+            <a:extLst>
+              <a:ext uri="{FF2B5EF4-FFF2-40B4-BE49-F238E27FC236}">
+                <a16:creationId xmlns:a16="http://schemas.microsoft.com/office/drawing/2014/main" id="{42A4FC2C-047E-45A5-965D-8E1E3BF09BC6}"/>
+              </a:ext>
+              <a:ext uri="{C183D7F6-B498-43B3-948B-1728B52AA6E4}">
+                <adec:decorative xmlns:adec="http://schemas.microsoft.com/office/drawing/2017/decorative" val="1"/>
+              </a:ext>
+            </a:extLst>
+          </p:cNvPr>
+          <p:cNvSpPr>
+            <a:spLocks noGrp="1" noRot="1" noChangeAspect="1" noMove="1" noResize="1" noEditPoints="1" noAdjustHandles="1" noChangeArrowheads="1" noChangeShapeType="1" noTextEdit="1"/>
+          </p:cNvSpPr>
+          <p:nvPr>
+            <p:extLst>
+              <p:ext uri="{386F3935-93C4-4BCD-93E2-E3B085C9AB24}">
+                <p16:designElem xmlns:p16="http://schemas.microsoft.com/office/powerpoint/2015/main" val="1"/>
+              </p:ext>
+            </p:extLst>
+          </p:nvPr>
+        </p:nvSpPr>
+        <p:spPr bwMode="white">
+          <a:xfrm>
+            <a:off x="1524" y="0"/>
+            <a:ext cx="12188952" cy="6858000"/>
+          </a:xfrm>
+          <a:prstGeom prst="rect">
+            <a:avLst/>
+          </a:prstGeom>
+          <a:noFill/>
+          <a:ln>
+            <a:noFill/>
+          </a:ln>
+        </p:spPr>
+        <p:style>
+          <a:lnRef idx="2">
+            <a:schemeClr val="accent1">
+              <a:shade val="50000"/>
+            </a:schemeClr>
+          </a:lnRef>
+          <a:fillRef idx="1">
+            <a:schemeClr val="accent1"/>
+          </a:fillRef>
+          <a:effectRef idx="0">
+            <a:schemeClr val="accent1"/>
+          </a:effectRef>
+          <a:fontRef idx="minor">
+            <a:schemeClr val="lt1"/>
+          </a:fontRef>
+        </p:style>
+        <p:txBody>
+          <a:bodyPr rtlCol="0" anchor="ctr"/>
+          <a:lstStyle>
+            <a:defPPr>
+              <a:defRPr lang="en-US"/>
+            </a:defPPr>
+            <a:lvl1pPr marL="0" algn="l" defTabSz="914400" rtl="0" eaLnBrk="1" latinLnBrk="0" hangingPunct="1">
+              <a:defRPr sz="1800" kern="1200">
+                <a:solidFill>
+                  <a:schemeClr val="lt1"/>
+                </a:solidFill>
+                <a:latin typeface="+mn-lt"/>
+                <a:ea typeface="+mn-ea"/>
+                <a:cs typeface="+mn-cs"/>
+              </a:defRPr>
+            </a:lvl1pPr>
+            <a:lvl2pPr marL="457200" algn="l" defTabSz="914400" rtl="0" eaLnBrk="1" latinLnBrk="0" hangingPunct="1">
+              <a:defRPr sz="1800" kern="1200">
+                <a:solidFill>
+                  <a:schemeClr val="lt1"/>
+                </a:solidFill>
+                <a:latin typeface="+mn-lt"/>
+                <a:ea typeface="+mn-ea"/>
+                <a:cs typeface="+mn-cs"/>
+              </a:defRPr>
+            </a:lvl2pPr>
+            <a:lvl3pPr marL="914400" algn="l" defTabSz="914400" rtl="0" eaLnBrk="1" latinLnBrk="0" hangingPunct="1">
+              <a:defRPr sz="1800" kern="1200">
+                <a:solidFill>
+                  <a:schemeClr val="lt1"/>
+                </a:solidFill>
+                <a:latin typeface="+mn-lt"/>
+                <a:ea typeface="+mn-ea"/>
+                <a:cs typeface="+mn-cs"/>
+              </a:defRPr>
+            </a:lvl3pPr>
+            <a:lvl4pPr marL="1371600" algn="l" defTabSz="914400" rtl="0" eaLnBrk="1" latinLnBrk="0" hangingPunct="1">
+              <a:defRPr sz="1800" kern="1200">
+                <a:solidFill>
+                  <a:schemeClr val="lt1"/>
+                </a:solidFill>
+                <a:latin typeface="+mn-lt"/>
+                <a:ea typeface="+mn-ea"/>
+                <a:cs typeface="+mn-cs"/>
+              </a:defRPr>
+            </a:lvl4pPr>
+            <a:lvl5pPr marL="1828800" algn="l" defTabSz="914400" rtl="0" eaLnBrk="1" latinLnBrk="0" hangingPunct="1">
+              <a:defRPr sz="1800" kern="1200">
+                <a:solidFill>
+                  <a:schemeClr val="lt1"/>
+                </a:solidFill>
+                <a:latin typeface="+mn-lt"/>
+                <a:ea typeface="+mn-ea"/>
+                <a:cs typeface="+mn-cs"/>
+              </a:defRPr>
+            </a:lvl5pPr>
+            <a:lvl6pPr marL="2286000" algn="l" defTabSz="914400" rtl="0" eaLnBrk="1" latinLnBrk="0" hangingPunct="1">
+              <a:defRPr sz="1800" kern="1200">
+                <a:solidFill>
+                  <a:schemeClr val="lt1"/>
+                </a:solidFill>
+                <a:latin typeface="+mn-lt"/>
+                <a:ea typeface="+mn-ea"/>
+                <a:cs typeface="+mn-cs"/>
+              </a:defRPr>
+            </a:lvl6pPr>
+            <a:lvl7pPr marL="2743200" algn="l" defTabSz="914400" rtl="0" eaLnBrk="1" latinLnBrk="0" hangingPunct="1">
+              <a:defRPr sz="1800" kern="1200">
+                <a:solidFill>
+                  <a:schemeClr val="lt1"/>
+                </a:solidFill>
+                <a:latin typeface="+mn-lt"/>
+                <a:ea typeface="+mn-ea"/>
+                <a:cs typeface="+mn-cs"/>
+              </a:defRPr>
+            </a:lvl7pPr>
+            <a:lvl8pPr marL="3200400" algn="l" defTabSz="914400" rtl="0" eaLnBrk="1" latinLnBrk="0" hangingPunct="1">
+              <a:defRPr sz="1800" kern="1200">
+                <a:solidFill>
+                  <a:schemeClr val="lt1"/>
+                </a:solidFill>
+                <a:latin typeface="+mn-lt"/>
+                <a:ea typeface="+mn-ea"/>
+                <a:cs typeface="+mn-cs"/>
+              </a:defRPr>
+            </a:lvl8pPr>
+            <a:lvl9pPr marL="3657600" algn="l" defTabSz="914400" rtl="0" eaLnBrk="1" latinLnBrk="0" hangingPunct="1">
+              <a:defRPr sz="1800" kern="1200">
+                <a:solidFill>
+                  <a:schemeClr val="lt1"/>
+                </a:solidFill>
+                <a:latin typeface="+mn-lt"/>
+                <a:ea typeface="+mn-ea"/>
+                <a:cs typeface="+mn-cs"/>
+              </a:defRPr>
+            </a:lvl9pPr>
+          </a:lstStyle>
+          <a:p>
+            <a:pPr algn="ctr"/>
+            <a:endParaRPr lang="en-US" dirty="0"/>
+          </a:p>
+        </p:txBody>
+      </p:sp>
+      <p:grpSp>
+        <p:nvGrpSpPr>
+          <p:cNvPr id="147" name="Agrupar 146">
+            <a:extLst>
+              <a:ext uri="{FF2B5EF4-FFF2-40B4-BE49-F238E27FC236}">
+                <a16:creationId xmlns:a16="http://schemas.microsoft.com/office/drawing/2014/main" id="{B39119E9-A70A-9D4C-E7DF-E841157C64A3}"/>
+              </a:ext>
+            </a:extLst>
+          </p:cNvPr>
+          <p:cNvGrpSpPr/>
+          <p:nvPr/>
+        </p:nvGrpSpPr>
+        <p:grpSpPr>
+          <a:xfrm>
+            <a:off x="1538880" y="1852275"/>
+            <a:ext cx="5891358" cy="2243884"/>
+            <a:chOff x="1538880" y="1776075"/>
+            <a:chExt cx="5891358" cy="2243884"/>
+          </a:xfrm>
+        </p:grpSpPr>
+        <p:sp>
+          <p:nvSpPr>
+            <p:cNvPr id="38" name="Trapézio 37">
+              <a:extLst>
+                <a:ext uri="{FF2B5EF4-FFF2-40B4-BE49-F238E27FC236}">
+                  <a16:creationId xmlns:a16="http://schemas.microsoft.com/office/drawing/2014/main" id="{9A77BF0A-5B53-7C67-DC94-474B496D61E7}"/>
+                </a:ext>
+              </a:extLst>
+            </p:cNvPr>
+            <p:cNvSpPr/>
+            <p:nvPr/>
+          </p:nvSpPr>
+          <p:spPr>
+            <a:xfrm>
+              <a:off x="6809690" y="1868228"/>
+              <a:ext cx="561211" cy="898525"/>
+            </a:xfrm>
+            <a:custGeom>
+              <a:avLst/>
+              <a:gdLst>
+                <a:gd name="connsiteX0" fmla="*/ 0 w 838200"/>
+                <a:gd name="connsiteY0" fmla="*/ 895350 h 895350"/>
+                <a:gd name="connsiteX1" fmla="*/ 238124 w 838200"/>
+                <a:gd name="connsiteY1" fmla="*/ 0 h 895350"/>
+                <a:gd name="connsiteX2" fmla="*/ 600076 w 838200"/>
+                <a:gd name="connsiteY2" fmla="*/ 0 h 895350"/>
+                <a:gd name="connsiteX3" fmla="*/ 838200 w 838200"/>
+                <a:gd name="connsiteY3" fmla="*/ 895350 h 895350"/>
+                <a:gd name="connsiteX4" fmla="*/ 0 w 838200"/>
+                <a:gd name="connsiteY4" fmla="*/ 895350 h 895350"/>
+                <a:gd name="connsiteX0" fmla="*/ 0 w 838200"/>
+                <a:gd name="connsiteY0" fmla="*/ 914400 h 914400"/>
+                <a:gd name="connsiteX1" fmla="*/ 238124 w 838200"/>
+                <a:gd name="connsiteY1" fmla="*/ 19050 h 914400"/>
+                <a:gd name="connsiteX2" fmla="*/ 819151 w 838200"/>
+                <a:gd name="connsiteY2" fmla="*/ 0 h 914400"/>
+                <a:gd name="connsiteX3" fmla="*/ 838200 w 838200"/>
+                <a:gd name="connsiteY3" fmla="*/ 914400 h 914400"/>
+                <a:gd name="connsiteX4" fmla="*/ 0 w 838200"/>
+                <a:gd name="connsiteY4" fmla="*/ 914400 h 914400"/>
+                <a:gd name="connsiteX0" fmla="*/ 0 w 838200"/>
+                <a:gd name="connsiteY0" fmla="*/ 895350 h 895350"/>
+                <a:gd name="connsiteX1" fmla="*/ 238124 w 838200"/>
+                <a:gd name="connsiteY1" fmla="*/ 0 h 895350"/>
+                <a:gd name="connsiteX2" fmla="*/ 822326 w 838200"/>
+                <a:gd name="connsiteY2" fmla="*/ 6350 h 895350"/>
+                <a:gd name="connsiteX3" fmla="*/ 838200 w 838200"/>
+                <a:gd name="connsiteY3" fmla="*/ 895350 h 895350"/>
+                <a:gd name="connsiteX4" fmla="*/ 0 w 838200"/>
+                <a:gd name="connsiteY4" fmla="*/ 895350 h 895350"/>
+                <a:gd name="connsiteX0" fmla="*/ 0 w 838200"/>
+                <a:gd name="connsiteY0" fmla="*/ 898525 h 898525"/>
+                <a:gd name="connsiteX1" fmla="*/ 238124 w 838200"/>
+                <a:gd name="connsiteY1" fmla="*/ 3175 h 898525"/>
+                <a:gd name="connsiteX2" fmla="*/ 822326 w 838200"/>
+                <a:gd name="connsiteY2" fmla="*/ 0 h 898525"/>
+                <a:gd name="connsiteX3" fmla="*/ 838200 w 838200"/>
+                <a:gd name="connsiteY3" fmla="*/ 898525 h 898525"/>
+                <a:gd name="connsiteX4" fmla="*/ 0 w 838200"/>
+                <a:gd name="connsiteY4" fmla="*/ 898525 h 898525"/>
+              </a:gdLst>
+              <a:ahLst/>
+              <a:cxnLst>
+                <a:cxn ang="0">
+                  <a:pos x="connsiteX0" y="connsiteY0"/>
+                </a:cxn>
+                <a:cxn ang="0">
+                  <a:pos x="connsiteX1" y="connsiteY1"/>
+                </a:cxn>
+                <a:cxn ang="0">
+                  <a:pos x="connsiteX2" y="connsiteY2"/>
+                </a:cxn>
+                <a:cxn ang="0">
+                  <a:pos x="connsiteX3" y="connsiteY3"/>
+                </a:cxn>
+                <a:cxn ang="0">
+                  <a:pos x="connsiteX4" y="connsiteY4"/>
+                </a:cxn>
+              </a:cxnLst>
+              <a:rect l="l" t="t" r="r" b="b"/>
+              <a:pathLst>
+                <a:path w="838200" h="898525">
+                  <a:moveTo>
+                    <a:pt x="0" y="898525"/>
+                  </a:moveTo>
+                  <a:lnTo>
+                    <a:pt x="238124" y="3175"/>
+                  </a:lnTo>
+                  <a:lnTo>
+                    <a:pt x="822326" y="0"/>
+                  </a:lnTo>
+                  <a:lnTo>
+                    <a:pt x="838200" y="898525"/>
+                  </a:lnTo>
+                  <a:lnTo>
+                    <a:pt x="0" y="898525"/>
+                  </a:lnTo>
+                  <a:close/>
+                </a:path>
+              </a:pathLst>
+            </a:custGeom>
+          </p:spPr>
+          <p:style>
+            <a:lnRef idx="2">
+              <a:schemeClr val="accent2">
+                <a:shade val="50000"/>
+              </a:schemeClr>
+            </a:lnRef>
+            <a:fillRef idx="1">
+              <a:schemeClr val="accent2"/>
+            </a:fillRef>
+            <a:effectRef idx="0">
+              <a:schemeClr val="accent2"/>
+            </a:effectRef>
+            <a:fontRef idx="minor">
+              <a:schemeClr val="lt1"/>
+            </a:fontRef>
+          </p:style>
+          <p:txBody>
+            <a:bodyPr rtlCol="0" anchor="ctr"/>
+            <a:lstStyle/>
+            <a:p>
+              <a:pPr algn="ctr"/>
+              <a:endParaRPr lang="pt-PT" dirty="0"/>
+            </a:p>
+          </p:txBody>
+        </p:sp>
+        <p:grpSp>
+          <p:nvGrpSpPr>
+            <p:cNvPr id="37" name="Agrupar 36">
+              <a:extLst>
+                <a:ext uri="{FF2B5EF4-FFF2-40B4-BE49-F238E27FC236}">
+                  <a16:creationId xmlns:a16="http://schemas.microsoft.com/office/drawing/2014/main" id="{DE14E72F-D78D-472B-87FE-D6FFBE33F361}"/>
+                </a:ext>
+              </a:extLst>
+            </p:cNvPr>
+            <p:cNvGrpSpPr/>
+            <p:nvPr/>
+          </p:nvGrpSpPr>
+          <p:grpSpPr>
+            <a:xfrm flipH="1">
+              <a:off x="2440126" y="2733418"/>
+              <a:ext cx="4990112" cy="1279782"/>
+              <a:chOff x="2435451" y="2733418"/>
+              <a:chExt cx="4990112" cy="1279782"/>
+            </a:xfrm>
+          </p:grpSpPr>
+          <p:sp>
+            <p:nvSpPr>
+              <p:cNvPr id="4" name="Retângulo 3">
+                <a:extLst>
+                  <a:ext uri="{FF2B5EF4-FFF2-40B4-BE49-F238E27FC236}">
+                    <a16:creationId xmlns:a16="http://schemas.microsoft.com/office/drawing/2014/main" id="{4B7A4D3C-186D-D202-8BC6-8A1BAD55E647}"/>
+                  </a:ext>
+                </a:extLst>
+              </p:cNvPr>
+              <p:cNvSpPr/>
+              <p:nvPr/>
+            </p:nvSpPr>
+            <p:spPr>
+              <a:xfrm>
+                <a:off x="3232150" y="2736850"/>
+                <a:ext cx="3625850" cy="1276350"/>
+              </a:xfrm>
+              <a:prstGeom prst="rect">
+                <a:avLst/>
+              </a:prstGeom>
+              <a:solidFill>
+                <a:schemeClr val="bg2">
+                  <a:lumMod val="90000"/>
+                </a:schemeClr>
+              </a:solidFill>
+              <a:ln>
+                <a:solidFill>
+                  <a:schemeClr val="bg2">
+                    <a:lumMod val="50000"/>
+                  </a:schemeClr>
+                </a:solidFill>
+              </a:ln>
+            </p:spPr>
+            <p:style>
+              <a:lnRef idx="2">
+                <a:schemeClr val="accent1">
+                  <a:shade val="50000"/>
+                </a:schemeClr>
+              </a:lnRef>
+              <a:fillRef idx="1">
+                <a:schemeClr val="accent1"/>
+              </a:fillRef>
+              <a:effectRef idx="0">
+                <a:schemeClr val="accent1"/>
+              </a:effectRef>
+              <a:fontRef idx="minor">
+                <a:schemeClr val="lt1"/>
+              </a:fontRef>
+            </p:style>
+            <p:txBody>
+              <a:bodyPr rtlCol="0" anchor="ctr"/>
+              <a:lstStyle/>
+              <a:p>
+                <a:pPr algn="ctr"/>
+                <a:endParaRPr lang="pt-PT" dirty="0"/>
+              </a:p>
+            </p:txBody>
+          </p:sp>
+          <p:cxnSp>
+            <p:nvCxnSpPr>
+              <p:cNvPr id="27" name="Conexão reta 26">
+                <a:extLst>
+                  <a:ext uri="{FF2B5EF4-FFF2-40B4-BE49-F238E27FC236}">
+                    <a16:creationId xmlns:a16="http://schemas.microsoft.com/office/drawing/2014/main" id="{8851262D-2AD2-20C7-B3CB-F6A484D3F782}"/>
+                  </a:ext>
+                </a:extLst>
+              </p:cNvPr>
+              <p:cNvCxnSpPr>
+                <a:cxnSpLocks/>
+              </p:cNvCxnSpPr>
+              <p:nvPr/>
+            </p:nvCxnSpPr>
+            <p:spPr>
+              <a:xfrm>
+                <a:off x="3796538" y="3752850"/>
+                <a:ext cx="3099562" cy="0"/>
+              </a:xfrm>
+              <a:prstGeom prst="line">
+                <a:avLst/>
+              </a:prstGeom>
+            </p:spPr>
+            <p:style>
+              <a:lnRef idx="1">
+                <a:schemeClr val="dk1"/>
+              </a:lnRef>
+              <a:fillRef idx="0">
+                <a:schemeClr val="dk1"/>
+              </a:fillRef>
+              <a:effectRef idx="0">
+                <a:schemeClr val="dk1"/>
+              </a:effectRef>
+              <a:fontRef idx="minor">
+                <a:schemeClr val="tx1"/>
+              </a:fontRef>
+            </p:style>
+          </p:cxnSp>
+          <p:cxnSp>
+            <p:nvCxnSpPr>
+              <p:cNvPr id="83" name="Conexão reta 82">
+                <a:extLst>
+                  <a:ext uri="{FF2B5EF4-FFF2-40B4-BE49-F238E27FC236}">
+                    <a16:creationId xmlns:a16="http://schemas.microsoft.com/office/drawing/2014/main" id="{F41E869D-2910-6FCE-3B95-35BB32057549}"/>
+                  </a:ext>
+                </a:extLst>
+              </p:cNvPr>
+              <p:cNvCxnSpPr>
+                <a:cxnSpLocks/>
+              </p:cNvCxnSpPr>
+              <p:nvPr/>
+            </p:nvCxnSpPr>
+            <p:spPr>
+              <a:xfrm>
+                <a:off x="3232150" y="2895600"/>
+                <a:ext cx="3625850" cy="0"/>
+              </a:xfrm>
+              <a:prstGeom prst="line">
+                <a:avLst/>
+              </a:prstGeom>
+            </p:spPr>
+            <p:style>
+              <a:lnRef idx="1">
+                <a:schemeClr val="dk1"/>
+              </a:lnRef>
+              <a:fillRef idx="0">
+                <a:schemeClr val="dk1"/>
+              </a:fillRef>
+              <a:effectRef idx="0">
+                <a:schemeClr val="dk1"/>
+              </a:effectRef>
+              <a:fontRef idx="minor">
+                <a:schemeClr val="tx1"/>
+              </a:fontRef>
+            </p:style>
+          </p:cxnSp>
+          <p:sp>
+            <p:nvSpPr>
+              <p:cNvPr id="88" name="Fluxograma: Ecrã 87">
+                <a:extLst>
+                  <a:ext uri="{FF2B5EF4-FFF2-40B4-BE49-F238E27FC236}">
+                    <a16:creationId xmlns:a16="http://schemas.microsoft.com/office/drawing/2014/main" id="{2124BC6F-F1BE-6481-8E8E-2F7BCB28313D}"/>
+                  </a:ext>
+                </a:extLst>
+              </p:cNvPr>
+              <p:cNvSpPr/>
+              <p:nvPr/>
+            </p:nvSpPr>
+            <p:spPr>
+              <a:xfrm>
+                <a:off x="5080794" y="2735176"/>
+                <a:ext cx="1149350" cy="150726"/>
+              </a:xfrm>
+              <a:prstGeom prst="flowChartDisplay">
+                <a:avLst/>
+              </a:prstGeom>
+            </p:spPr>
+            <p:style>
+              <a:lnRef idx="2">
+                <a:schemeClr val="accent2">
+                  <a:shade val="50000"/>
+                </a:schemeClr>
+              </a:lnRef>
+              <a:fillRef idx="1">
+                <a:schemeClr val="accent2"/>
+              </a:fillRef>
+              <a:effectRef idx="0">
+                <a:schemeClr val="accent2"/>
+              </a:effectRef>
+              <a:fontRef idx="minor">
+                <a:schemeClr val="lt1"/>
+              </a:fontRef>
+            </p:style>
+            <p:txBody>
+              <a:bodyPr rtlCol="0" anchor="ctr"/>
+              <a:lstStyle/>
+              <a:p>
+                <a:pPr algn="ctr"/>
+                <a:endParaRPr lang="pt-PT" dirty="0"/>
+              </a:p>
+            </p:txBody>
+          </p:sp>
+          <p:sp>
+            <p:nvSpPr>
+              <p:cNvPr id="36" name="Fluxograma: Atraso 35">
+                <a:extLst>
+                  <a:ext uri="{FF2B5EF4-FFF2-40B4-BE49-F238E27FC236}">
+                    <a16:creationId xmlns:a16="http://schemas.microsoft.com/office/drawing/2014/main" id="{061C2C21-ED65-C0FC-4E6F-DFD457FAF0D1}"/>
+                  </a:ext>
+                </a:extLst>
+              </p:cNvPr>
+              <p:cNvSpPr/>
+              <p:nvPr/>
+            </p:nvSpPr>
+            <p:spPr>
+              <a:xfrm flipH="1">
+                <a:off x="2435451" y="2733418"/>
+                <a:ext cx="790347" cy="1279781"/>
+              </a:xfrm>
+              <a:custGeom>
+                <a:avLst/>
+                <a:gdLst>
+                  <a:gd name="connsiteX0" fmla="*/ 0 w 850138"/>
+                  <a:gd name="connsiteY0" fmla="*/ 0 h 1276350"/>
+                  <a:gd name="connsiteX1" fmla="*/ 425069 w 850138"/>
+                  <a:gd name="connsiteY1" fmla="*/ 0 h 1276350"/>
+                  <a:gd name="connsiteX2" fmla="*/ 850138 w 850138"/>
+                  <a:gd name="connsiteY2" fmla="*/ 638175 h 1276350"/>
+                  <a:gd name="connsiteX3" fmla="*/ 425069 w 850138"/>
+                  <a:gd name="connsiteY3" fmla="*/ 1276350 h 1276350"/>
+                  <a:gd name="connsiteX4" fmla="*/ 0 w 850138"/>
+                  <a:gd name="connsiteY4" fmla="*/ 1276350 h 1276350"/>
+                  <a:gd name="connsiteX5" fmla="*/ 0 w 850138"/>
+                  <a:gd name="connsiteY5" fmla="*/ 0 h 1276350"/>
+                  <a:gd name="connsiteX0" fmla="*/ 0 w 850395"/>
+                  <a:gd name="connsiteY0" fmla="*/ 0 h 1276350"/>
+                  <a:gd name="connsiteX1" fmla="*/ 425069 w 850395"/>
+                  <a:gd name="connsiteY1" fmla="*/ 0 h 1276350"/>
+                  <a:gd name="connsiteX2" fmla="*/ 850138 w 850395"/>
+                  <a:gd name="connsiteY2" fmla="*/ 638175 h 1276350"/>
+                  <a:gd name="connsiteX3" fmla="*/ 469519 w 850395"/>
+                  <a:gd name="connsiteY3" fmla="*/ 1063625 h 1276350"/>
+                  <a:gd name="connsiteX4" fmla="*/ 0 w 850395"/>
+                  <a:gd name="connsiteY4" fmla="*/ 1276350 h 1276350"/>
+                  <a:gd name="connsiteX5" fmla="*/ 0 w 850395"/>
+                  <a:gd name="connsiteY5" fmla="*/ 0 h 1276350"/>
+                  <a:gd name="connsiteX0" fmla="*/ 0 w 850416"/>
+                  <a:gd name="connsiteY0" fmla="*/ 0 h 1276350"/>
+                  <a:gd name="connsiteX1" fmla="*/ 425069 w 850416"/>
+                  <a:gd name="connsiteY1" fmla="*/ 0 h 1276350"/>
+                  <a:gd name="connsiteX2" fmla="*/ 850138 w 850416"/>
+                  <a:gd name="connsiteY2" fmla="*/ 638175 h 1276350"/>
+                  <a:gd name="connsiteX3" fmla="*/ 469519 w 850416"/>
+                  <a:gd name="connsiteY3" fmla="*/ 1063625 h 1276350"/>
+                  <a:gd name="connsiteX4" fmla="*/ 0 w 850416"/>
+                  <a:gd name="connsiteY4" fmla="*/ 1276350 h 1276350"/>
+                  <a:gd name="connsiteX5" fmla="*/ 0 w 850416"/>
+                  <a:gd name="connsiteY5" fmla="*/ 0 h 1276350"/>
+                  <a:gd name="connsiteX0" fmla="*/ 0 w 828240"/>
+                  <a:gd name="connsiteY0" fmla="*/ 0 h 1276350"/>
+                  <a:gd name="connsiteX1" fmla="*/ 425069 w 828240"/>
+                  <a:gd name="connsiteY1" fmla="*/ 0 h 1276350"/>
+                  <a:gd name="connsiteX2" fmla="*/ 827913 w 828240"/>
+                  <a:gd name="connsiteY2" fmla="*/ 460375 h 1276350"/>
+                  <a:gd name="connsiteX3" fmla="*/ 469519 w 828240"/>
+                  <a:gd name="connsiteY3" fmla="*/ 1063625 h 1276350"/>
+                  <a:gd name="connsiteX4" fmla="*/ 0 w 828240"/>
+                  <a:gd name="connsiteY4" fmla="*/ 1276350 h 1276350"/>
+                  <a:gd name="connsiteX5" fmla="*/ 0 w 828240"/>
+                  <a:gd name="connsiteY5" fmla="*/ 0 h 1276350"/>
+                  <a:gd name="connsiteX0" fmla="*/ 0 w 830411"/>
+                  <a:gd name="connsiteY0" fmla="*/ 3175 h 1279525"/>
+                  <a:gd name="connsiteX1" fmla="*/ 332994 w 830411"/>
+                  <a:gd name="connsiteY1" fmla="*/ 0 h 1279525"/>
+                  <a:gd name="connsiteX2" fmla="*/ 827913 w 830411"/>
+                  <a:gd name="connsiteY2" fmla="*/ 463550 h 1279525"/>
+                  <a:gd name="connsiteX3" fmla="*/ 469519 w 830411"/>
+                  <a:gd name="connsiteY3" fmla="*/ 1066800 h 1279525"/>
+                  <a:gd name="connsiteX4" fmla="*/ 0 w 830411"/>
+                  <a:gd name="connsiteY4" fmla="*/ 1279525 h 1279525"/>
+                  <a:gd name="connsiteX5" fmla="*/ 0 w 830411"/>
+                  <a:gd name="connsiteY5" fmla="*/ 3175 h 1279525"/>
+                  <a:gd name="connsiteX0" fmla="*/ 0 w 780718"/>
+                  <a:gd name="connsiteY0" fmla="*/ 3175 h 1279525"/>
+                  <a:gd name="connsiteX1" fmla="*/ 332994 w 780718"/>
+                  <a:gd name="connsiteY1" fmla="*/ 0 h 1279525"/>
+                  <a:gd name="connsiteX2" fmla="*/ 777113 w 780718"/>
+                  <a:gd name="connsiteY2" fmla="*/ 374650 h 1279525"/>
+                  <a:gd name="connsiteX3" fmla="*/ 469519 w 780718"/>
+                  <a:gd name="connsiteY3" fmla="*/ 1066800 h 1279525"/>
+                  <a:gd name="connsiteX4" fmla="*/ 0 w 780718"/>
+                  <a:gd name="connsiteY4" fmla="*/ 1279525 h 1279525"/>
+                  <a:gd name="connsiteX5" fmla="*/ 0 w 780718"/>
+                  <a:gd name="connsiteY5" fmla="*/ 3175 h 1279525"/>
+                  <a:gd name="connsiteX0" fmla="*/ 0 w 781735"/>
+                  <a:gd name="connsiteY0" fmla="*/ 3175 h 1279525"/>
+                  <a:gd name="connsiteX1" fmla="*/ 332994 w 781735"/>
+                  <a:gd name="connsiteY1" fmla="*/ 0 h 1279525"/>
+                  <a:gd name="connsiteX2" fmla="*/ 777113 w 781735"/>
+                  <a:gd name="connsiteY2" fmla="*/ 374650 h 1279525"/>
+                  <a:gd name="connsiteX3" fmla="*/ 482219 w 781735"/>
+                  <a:gd name="connsiteY3" fmla="*/ 898525 h 1279525"/>
+                  <a:gd name="connsiteX4" fmla="*/ 0 w 781735"/>
+                  <a:gd name="connsiteY4" fmla="*/ 1279525 h 1279525"/>
+                  <a:gd name="connsiteX5" fmla="*/ 0 w 781735"/>
+                  <a:gd name="connsiteY5" fmla="*/ 3175 h 1279525"/>
+                  <a:gd name="connsiteX0" fmla="*/ 0 w 786308"/>
+                  <a:gd name="connsiteY0" fmla="*/ 5162 h 1281512"/>
+                  <a:gd name="connsiteX1" fmla="*/ 332994 w 786308"/>
+                  <a:gd name="connsiteY1" fmla="*/ 1987 h 1281512"/>
+                  <a:gd name="connsiteX2" fmla="*/ 781875 w 786308"/>
+                  <a:gd name="connsiteY2" fmla="*/ 124225 h 1281512"/>
+                  <a:gd name="connsiteX3" fmla="*/ 482219 w 786308"/>
+                  <a:gd name="connsiteY3" fmla="*/ 900512 h 1281512"/>
+                  <a:gd name="connsiteX4" fmla="*/ 0 w 786308"/>
+                  <a:gd name="connsiteY4" fmla="*/ 1281512 h 1281512"/>
+                  <a:gd name="connsiteX5" fmla="*/ 0 w 786308"/>
+                  <a:gd name="connsiteY5" fmla="*/ 5162 h 1281512"/>
+                  <a:gd name="connsiteX0" fmla="*/ 0 w 796544"/>
+                  <a:gd name="connsiteY0" fmla="*/ 3431 h 1279781"/>
+                  <a:gd name="connsiteX1" fmla="*/ 332994 w 796544"/>
+                  <a:gd name="connsiteY1" fmla="*/ 256 h 1279781"/>
+                  <a:gd name="connsiteX2" fmla="*/ 781875 w 796544"/>
+                  <a:gd name="connsiteY2" fmla="*/ 122494 h 1279781"/>
+                  <a:gd name="connsiteX3" fmla="*/ 553657 w 796544"/>
+                  <a:gd name="connsiteY3" fmla="*/ 803531 h 1279781"/>
+                  <a:gd name="connsiteX4" fmla="*/ 0 w 796544"/>
+                  <a:gd name="connsiteY4" fmla="*/ 1279781 h 1279781"/>
+                  <a:gd name="connsiteX5" fmla="*/ 0 w 796544"/>
+                  <a:gd name="connsiteY5" fmla="*/ 3431 h 1279781"/>
+                  <a:gd name="connsiteX0" fmla="*/ 0 w 790347"/>
+                  <a:gd name="connsiteY0" fmla="*/ 3431 h 1279781"/>
+                  <a:gd name="connsiteX1" fmla="*/ 332994 w 790347"/>
+                  <a:gd name="connsiteY1" fmla="*/ 256 h 1279781"/>
+                  <a:gd name="connsiteX2" fmla="*/ 781875 w 790347"/>
+                  <a:gd name="connsiteY2" fmla="*/ 122494 h 1279781"/>
+                  <a:gd name="connsiteX3" fmla="*/ 553657 w 790347"/>
+                  <a:gd name="connsiteY3" fmla="*/ 803531 h 1279781"/>
+                  <a:gd name="connsiteX4" fmla="*/ 0 w 790347"/>
+                  <a:gd name="connsiteY4" fmla="*/ 1279781 h 1279781"/>
+                  <a:gd name="connsiteX5" fmla="*/ 0 w 790347"/>
+                  <a:gd name="connsiteY5" fmla="*/ 3431 h 1279781"/>
+                </a:gdLst>
+                <a:ahLst/>
+                <a:cxnLst>
+                  <a:cxn ang="0">
+                    <a:pos x="connsiteX0" y="connsiteY0"/>
+                  </a:cxn>
+                  <a:cxn ang="0">
+                    <a:pos x="connsiteX1" y="connsiteY1"/>
+                  </a:cxn>
+                  <a:cxn ang="0">
+                    <a:pos x="connsiteX2" y="connsiteY2"/>
+                  </a:cxn>
+                  <a:cxn ang="0">
+                    <a:pos x="connsiteX3" y="connsiteY3"/>
+                  </a:cxn>
+                  <a:cxn ang="0">
+                    <a:pos x="connsiteX4" y="connsiteY4"/>
+                  </a:cxn>
+                  <a:cxn ang="0">
+                    <a:pos x="connsiteX5" y="connsiteY5"/>
+                  </a:cxn>
+                </a:cxnLst>
+                <a:rect l="l" t="t" r="r" b="b"/>
+                <a:pathLst>
+                  <a:path w="790347" h="1279781">
+                    <a:moveTo>
+                      <a:pt x="0" y="3431"/>
+                    </a:moveTo>
+                    <a:lnTo>
+                      <a:pt x="332994" y="256"/>
+                    </a:lnTo>
+                    <a:cubicBezTo>
+                      <a:pt x="567753" y="256"/>
+                      <a:pt x="745098" y="-11385"/>
+                      <a:pt x="781875" y="122494"/>
+                    </a:cubicBezTo>
+                    <a:cubicBezTo>
+                      <a:pt x="818652" y="256373"/>
+                      <a:pt x="734441" y="551119"/>
+                      <a:pt x="553657" y="803531"/>
+                    </a:cubicBezTo>
+                    <a:lnTo>
+                      <a:pt x="0" y="1279781"/>
+                    </a:lnTo>
+                    <a:lnTo>
+                      <a:pt x="0" y="3431"/>
+                    </a:lnTo>
+                    <a:close/>
+                  </a:path>
+                </a:pathLst>
+              </a:custGeom>
+              <a:solidFill>
+                <a:schemeClr val="bg2">
+                  <a:lumMod val="90000"/>
+                </a:schemeClr>
+              </a:solidFill>
+              <a:ln>
+                <a:solidFill>
+                  <a:schemeClr val="bg2">
+                    <a:lumMod val="50000"/>
+                  </a:schemeClr>
+                </a:solidFill>
+              </a:ln>
+            </p:spPr>
+            <p:style>
+              <a:lnRef idx="2">
+                <a:schemeClr val="accent1">
+                  <a:shade val="50000"/>
+                </a:schemeClr>
+              </a:lnRef>
+              <a:fillRef idx="1">
+                <a:schemeClr val="accent1"/>
+              </a:fillRef>
+              <a:effectRef idx="0">
+                <a:schemeClr val="accent1"/>
+              </a:effectRef>
+              <a:fontRef idx="minor">
+                <a:schemeClr val="lt1"/>
+              </a:fontRef>
+            </p:style>
+            <p:txBody>
+              <a:bodyPr rtlCol="0" anchor="ctr"/>
+              <a:lstStyle/>
+              <a:p>
+                <a:pPr algn="ctr"/>
+                <a:endParaRPr lang="pt-PT" dirty="0"/>
+              </a:p>
+            </p:txBody>
+          </p:sp>
+          <p:sp>
+            <p:nvSpPr>
+              <p:cNvPr id="89" name="Fluxograma: Atraso 9">
+                <a:extLst>
+                  <a:ext uri="{FF2B5EF4-FFF2-40B4-BE49-F238E27FC236}">
+                    <a16:creationId xmlns:a16="http://schemas.microsoft.com/office/drawing/2014/main" id="{8FA63F05-4D01-D5B3-747A-70A4E777B00D}"/>
+                  </a:ext>
+                </a:extLst>
+              </p:cNvPr>
+              <p:cNvSpPr/>
+              <p:nvPr/>
+            </p:nvSpPr>
+            <p:spPr>
+              <a:xfrm>
+                <a:off x="6864352" y="2733674"/>
+                <a:ext cx="561211" cy="1279525"/>
+              </a:xfrm>
+              <a:custGeom>
+                <a:avLst/>
+                <a:gdLst>
+                  <a:gd name="connsiteX0" fmla="*/ 0 w 608937"/>
+                  <a:gd name="connsiteY0" fmla="*/ 0 h 1393466"/>
+                  <a:gd name="connsiteX1" fmla="*/ 304469 w 608937"/>
+                  <a:gd name="connsiteY1" fmla="*/ 0 h 1393466"/>
+                  <a:gd name="connsiteX2" fmla="*/ 608938 w 608937"/>
+                  <a:gd name="connsiteY2" fmla="*/ 696733 h 1393466"/>
+                  <a:gd name="connsiteX3" fmla="*/ 304469 w 608937"/>
+                  <a:gd name="connsiteY3" fmla="*/ 1393466 h 1393466"/>
+                  <a:gd name="connsiteX4" fmla="*/ 0 w 608937"/>
+                  <a:gd name="connsiteY4" fmla="*/ 1393466 h 1393466"/>
+                  <a:gd name="connsiteX5" fmla="*/ 0 w 608937"/>
+                  <a:gd name="connsiteY5" fmla="*/ 0 h 1393466"/>
+                  <a:gd name="connsiteX0" fmla="*/ 0 w 634338"/>
+                  <a:gd name="connsiteY0" fmla="*/ 0 h 1393466"/>
+                  <a:gd name="connsiteX1" fmla="*/ 304469 w 634338"/>
+                  <a:gd name="connsiteY1" fmla="*/ 0 h 1393466"/>
+                  <a:gd name="connsiteX2" fmla="*/ 634338 w 634338"/>
+                  <a:gd name="connsiteY2" fmla="*/ 696733 h 1393466"/>
+                  <a:gd name="connsiteX3" fmla="*/ 304469 w 634338"/>
+                  <a:gd name="connsiteY3" fmla="*/ 1393466 h 1393466"/>
+                  <a:gd name="connsiteX4" fmla="*/ 0 w 634338"/>
+                  <a:gd name="connsiteY4" fmla="*/ 1393466 h 1393466"/>
+                  <a:gd name="connsiteX5" fmla="*/ 0 w 634338"/>
+                  <a:gd name="connsiteY5" fmla="*/ 0 h 1393466"/>
+                  <a:gd name="connsiteX0" fmla="*/ 0 w 635654"/>
+                  <a:gd name="connsiteY0" fmla="*/ 0 h 1399816"/>
+                  <a:gd name="connsiteX1" fmla="*/ 304469 w 635654"/>
+                  <a:gd name="connsiteY1" fmla="*/ 0 h 1399816"/>
+                  <a:gd name="connsiteX2" fmla="*/ 634338 w 635654"/>
+                  <a:gd name="connsiteY2" fmla="*/ 696733 h 1399816"/>
+                  <a:gd name="connsiteX3" fmla="*/ 193344 w 635654"/>
+                  <a:gd name="connsiteY3" fmla="*/ 1399816 h 1399816"/>
+                  <a:gd name="connsiteX4" fmla="*/ 0 w 635654"/>
+                  <a:gd name="connsiteY4" fmla="*/ 1393466 h 1399816"/>
+                  <a:gd name="connsiteX5" fmla="*/ 0 w 635654"/>
+                  <a:gd name="connsiteY5" fmla="*/ 0 h 1399816"/>
+                  <a:gd name="connsiteX0" fmla="*/ 0 w 636413"/>
+                  <a:gd name="connsiteY0" fmla="*/ 0 h 1402991"/>
+                  <a:gd name="connsiteX1" fmla="*/ 304469 w 636413"/>
+                  <a:gd name="connsiteY1" fmla="*/ 0 h 1402991"/>
+                  <a:gd name="connsiteX2" fmla="*/ 634338 w 636413"/>
+                  <a:gd name="connsiteY2" fmla="*/ 696733 h 1402991"/>
+                  <a:gd name="connsiteX3" fmla="*/ 161594 w 636413"/>
+                  <a:gd name="connsiteY3" fmla="*/ 1402991 h 1402991"/>
+                  <a:gd name="connsiteX4" fmla="*/ 0 w 636413"/>
+                  <a:gd name="connsiteY4" fmla="*/ 1393466 h 1402991"/>
+                  <a:gd name="connsiteX5" fmla="*/ 0 w 636413"/>
+                  <a:gd name="connsiteY5" fmla="*/ 0 h 1402991"/>
+                  <a:gd name="connsiteX0" fmla="*/ 0 w 637888"/>
+                  <a:gd name="connsiteY0" fmla="*/ 0 h 1393466"/>
+                  <a:gd name="connsiteX1" fmla="*/ 304469 w 637888"/>
+                  <a:gd name="connsiteY1" fmla="*/ 0 h 1393466"/>
+                  <a:gd name="connsiteX2" fmla="*/ 634338 w 637888"/>
+                  <a:gd name="connsiteY2" fmla="*/ 696733 h 1393466"/>
+                  <a:gd name="connsiteX3" fmla="*/ 110794 w 637888"/>
+                  <a:gd name="connsiteY3" fmla="*/ 1390291 h 1393466"/>
+                  <a:gd name="connsiteX4" fmla="*/ 0 w 637888"/>
+                  <a:gd name="connsiteY4" fmla="*/ 1393466 h 1393466"/>
+                  <a:gd name="connsiteX5" fmla="*/ 0 w 637888"/>
+                  <a:gd name="connsiteY5" fmla="*/ 0 h 1393466"/>
+                  <a:gd name="connsiteX0" fmla="*/ 0 w 637888"/>
+                  <a:gd name="connsiteY0" fmla="*/ 0 h 1393466"/>
+                  <a:gd name="connsiteX1" fmla="*/ 304469 w 637888"/>
+                  <a:gd name="connsiteY1" fmla="*/ 0 h 1393466"/>
+                  <a:gd name="connsiteX2" fmla="*/ 634338 w 637888"/>
+                  <a:gd name="connsiteY2" fmla="*/ 696733 h 1393466"/>
+                  <a:gd name="connsiteX3" fmla="*/ 110794 w 637888"/>
+                  <a:gd name="connsiteY3" fmla="*/ 1390291 h 1393466"/>
+                  <a:gd name="connsiteX4" fmla="*/ 0 w 637888"/>
+                  <a:gd name="connsiteY4" fmla="*/ 1393466 h 1393466"/>
+                  <a:gd name="connsiteX5" fmla="*/ 0 w 637888"/>
+                  <a:gd name="connsiteY5" fmla="*/ 0 h 1393466"/>
+                  <a:gd name="connsiteX0" fmla="*/ 0 w 641730"/>
+                  <a:gd name="connsiteY0" fmla="*/ 0 h 1399816"/>
+                  <a:gd name="connsiteX1" fmla="*/ 304469 w 641730"/>
+                  <a:gd name="connsiteY1" fmla="*/ 0 h 1399816"/>
+                  <a:gd name="connsiteX2" fmla="*/ 634338 w 641730"/>
+                  <a:gd name="connsiteY2" fmla="*/ 696733 h 1399816"/>
+                  <a:gd name="connsiteX3" fmla="*/ 6019 w 641730"/>
+                  <a:gd name="connsiteY3" fmla="*/ 1399816 h 1399816"/>
+                  <a:gd name="connsiteX4" fmla="*/ 0 w 641730"/>
+                  <a:gd name="connsiteY4" fmla="*/ 1393466 h 1399816"/>
+                  <a:gd name="connsiteX5" fmla="*/ 0 w 641730"/>
+                  <a:gd name="connsiteY5" fmla="*/ 0 h 1399816"/>
+                  <a:gd name="connsiteX0" fmla="*/ 0 w 641730"/>
+                  <a:gd name="connsiteY0" fmla="*/ 0 h 1399816"/>
+                  <a:gd name="connsiteX1" fmla="*/ 304469 w 641730"/>
+                  <a:gd name="connsiteY1" fmla="*/ 0 h 1399816"/>
+                  <a:gd name="connsiteX2" fmla="*/ 634338 w 641730"/>
+                  <a:gd name="connsiteY2" fmla="*/ 696733 h 1399816"/>
+                  <a:gd name="connsiteX3" fmla="*/ 6019 w 641730"/>
+                  <a:gd name="connsiteY3" fmla="*/ 1399816 h 1399816"/>
+                  <a:gd name="connsiteX4" fmla="*/ 0 w 641730"/>
+                  <a:gd name="connsiteY4" fmla="*/ 1393466 h 1399816"/>
+                  <a:gd name="connsiteX5" fmla="*/ 0 w 641730"/>
+                  <a:gd name="connsiteY5" fmla="*/ 0 h 1399816"/>
+                  <a:gd name="connsiteX0" fmla="*/ 0 w 634338"/>
+                  <a:gd name="connsiteY0" fmla="*/ 0 h 1399816"/>
+                  <a:gd name="connsiteX1" fmla="*/ 9194 w 634338"/>
+                  <a:gd name="connsiteY1" fmla="*/ 12700 h 1399816"/>
+                  <a:gd name="connsiteX2" fmla="*/ 634338 w 634338"/>
+                  <a:gd name="connsiteY2" fmla="*/ 696733 h 1399816"/>
+                  <a:gd name="connsiteX3" fmla="*/ 6019 w 634338"/>
+                  <a:gd name="connsiteY3" fmla="*/ 1399816 h 1399816"/>
+                  <a:gd name="connsiteX4" fmla="*/ 0 w 634338"/>
+                  <a:gd name="connsiteY4" fmla="*/ 1393466 h 1399816"/>
+                  <a:gd name="connsiteX5" fmla="*/ 0 w 634338"/>
+                  <a:gd name="connsiteY5" fmla="*/ 0 h 1399816"/>
+                  <a:gd name="connsiteX0" fmla="*/ 0 w 634338"/>
+                  <a:gd name="connsiteY0" fmla="*/ 0 h 1399816"/>
+                  <a:gd name="connsiteX1" fmla="*/ 9194 w 634338"/>
+                  <a:gd name="connsiteY1" fmla="*/ 12700 h 1399816"/>
+                  <a:gd name="connsiteX2" fmla="*/ 634338 w 634338"/>
+                  <a:gd name="connsiteY2" fmla="*/ 696733 h 1399816"/>
+                  <a:gd name="connsiteX3" fmla="*/ 6019 w 634338"/>
+                  <a:gd name="connsiteY3" fmla="*/ 1399816 h 1399816"/>
+                  <a:gd name="connsiteX4" fmla="*/ 0 w 634338"/>
+                  <a:gd name="connsiteY4" fmla="*/ 1393466 h 1399816"/>
+                  <a:gd name="connsiteX5" fmla="*/ 0 w 634338"/>
+                  <a:gd name="connsiteY5" fmla="*/ 0 h 1399816"/>
+                  <a:gd name="connsiteX0" fmla="*/ 0 w 634338"/>
+                  <a:gd name="connsiteY0" fmla="*/ 0 h 1399816"/>
+                  <a:gd name="connsiteX1" fmla="*/ 9194 w 634338"/>
+                  <a:gd name="connsiteY1" fmla="*/ 12700 h 1399816"/>
+                  <a:gd name="connsiteX2" fmla="*/ 634338 w 634338"/>
+                  <a:gd name="connsiteY2" fmla="*/ 696733 h 1399816"/>
+                  <a:gd name="connsiteX3" fmla="*/ 6019 w 634338"/>
+                  <a:gd name="connsiteY3" fmla="*/ 1399816 h 1399816"/>
+                  <a:gd name="connsiteX4" fmla="*/ 0 w 634338"/>
+                  <a:gd name="connsiteY4" fmla="*/ 1393466 h 1399816"/>
+                  <a:gd name="connsiteX5" fmla="*/ 0 w 634338"/>
+                  <a:gd name="connsiteY5" fmla="*/ 0 h 1399816"/>
+                  <a:gd name="connsiteX0" fmla="*/ 0 w 634345"/>
+                  <a:gd name="connsiteY0" fmla="*/ 6350 h 1406166"/>
+                  <a:gd name="connsiteX1" fmla="*/ 15544 w 634345"/>
+                  <a:gd name="connsiteY1" fmla="*/ 0 h 1406166"/>
+                  <a:gd name="connsiteX2" fmla="*/ 634338 w 634345"/>
+                  <a:gd name="connsiteY2" fmla="*/ 703083 h 1406166"/>
+                  <a:gd name="connsiteX3" fmla="*/ 6019 w 634345"/>
+                  <a:gd name="connsiteY3" fmla="*/ 1406166 h 1406166"/>
+                  <a:gd name="connsiteX4" fmla="*/ 0 w 634345"/>
+                  <a:gd name="connsiteY4" fmla="*/ 1399816 h 1406166"/>
+                  <a:gd name="connsiteX5" fmla="*/ 0 w 634345"/>
+                  <a:gd name="connsiteY5" fmla="*/ 6350 h 1406166"/>
+                  <a:gd name="connsiteX0" fmla="*/ 0 w 634345"/>
+                  <a:gd name="connsiteY0" fmla="*/ 12700 h 1406166"/>
+                  <a:gd name="connsiteX1" fmla="*/ 15544 w 634345"/>
+                  <a:gd name="connsiteY1" fmla="*/ 0 h 1406166"/>
+                  <a:gd name="connsiteX2" fmla="*/ 634338 w 634345"/>
+                  <a:gd name="connsiteY2" fmla="*/ 703083 h 1406166"/>
+                  <a:gd name="connsiteX3" fmla="*/ 6019 w 634345"/>
+                  <a:gd name="connsiteY3" fmla="*/ 1406166 h 1406166"/>
+                  <a:gd name="connsiteX4" fmla="*/ 0 w 634345"/>
+                  <a:gd name="connsiteY4" fmla="*/ 1399816 h 1406166"/>
+                  <a:gd name="connsiteX5" fmla="*/ 0 w 634345"/>
+                  <a:gd name="connsiteY5" fmla="*/ 12700 h 1406166"/>
+                </a:gdLst>
+                <a:ahLst/>
+                <a:cxnLst>
+                  <a:cxn ang="0">
+                    <a:pos x="connsiteX0" y="connsiteY0"/>
+                  </a:cxn>
+                  <a:cxn ang="0">
+                    <a:pos x="connsiteX1" y="connsiteY1"/>
+                  </a:cxn>
+                  <a:cxn ang="0">
+                    <a:pos x="connsiteX2" y="connsiteY2"/>
+                  </a:cxn>
+                  <a:cxn ang="0">
+                    <a:pos x="connsiteX3" y="connsiteY3"/>
+                  </a:cxn>
+                  <a:cxn ang="0">
+                    <a:pos x="connsiteX4" y="connsiteY4"/>
+                  </a:cxn>
+                  <a:cxn ang="0">
+                    <a:pos x="connsiteX5" y="connsiteY5"/>
+                  </a:cxn>
+                </a:cxnLst>
+                <a:rect l="l" t="t" r="r" b="b"/>
+                <a:pathLst>
+                  <a:path w="634345" h="1406166">
+                    <a:moveTo>
+                      <a:pt x="0" y="12700"/>
+                    </a:moveTo>
+                    <a:lnTo>
+                      <a:pt x="15544" y="0"/>
+                    </a:lnTo>
+                    <a:cubicBezTo>
+                      <a:pt x="367848" y="203200"/>
+                      <a:pt x="635926" y="468722"/>
+                      <a:pt x="634338" y="703083"/>
+                    </a:cubicBezTo>
+                    <a:cubicBezTo>
+                      <a:pt x="632751" y="937444"/>
+                      <a:pt x="532948" y="1095016"/>
+                      <a:pt x="6019" y="1406166"/>
+                    </a:cubicBezTo>
+                    <a:lnTo>
+                      <a:pt x="0" y="1399816"/>
+                    </a:lnTo>
+                    <a:lnTo>
+                      <a:pt x="0" y="12700"/>
+                    </a:lnTo>
+                    <a:close/>
+                  </a:path>
+                </a:pathLst>
+              </a:custGeom>
+              <a:solidFill>
+                <a:schemeClr val="bg2">
+                  <a:lumMod val="90000"/>
+                </a:schemeClr>
+              </a:solidFill>
+              <a:ln>
+                <a:solidFill>
+                  <a:schemeClr val="bg2">
+                    <a:lumMod val="50000"/>
+                  </a:schemeClr>
+                </a:solidFill>
+              </a:ln>
+            </p:spPr>
+            <p:style>
+              <a:lnRef idx="2">
+                <a:schemeClr val="accent1">
+                  <a:shade val="50000"/>
+                </a:schemeClr>
+              </a:lnRef>
+              <a:fillRef idx="1">
+                <a:schemeClr val="accent1"/>
+              </a:fillRef>
+              <a:effectRef idx="0">
+                <a:schemeClr val="accent1"/>
+              </a:effectRef>
+              <a:fontRef idx="minor">
+                <a:schemeClr val="lt1"/>
+              </a:fontRef>
+            </p:style>
+            <p:txBody>
+              <a:bodyPr rtlCol="0" anchor="ctr"/>
+              <a:lstStyle/>
+              <a:p>
+                <a:pPr algn="ctr"/>
+                <a:endParaRPr lang="pt-PT" dirty="0"/>
+              </a:p>
+            </p:txBody>
+          </p:sp>
+          <p:sp>
+            <p:nvSpPr>
+              <p:cNvPr id="35" name="Fluxograma: Ecrã 34">
+                <a:extLst>
+                  <a:ext uri="{FF2B5EF4-FFF2-40B4-BE49-F238E27FC236}">
+                    <a16:creationId xmlns:a16="http://schemas.microsoft.com/office/drawing/2014/main" id="{559256A6-AE64-E008-03EE-3953C26423ED}"/>
+                  </a:ext>
+                </a:extLst>
+              </p:cNvPr>
+              <p:cNvSpPr/>
+              <p:nvPr/>
+            </p:nvSpPr>
+            <p:spPr>
+              <a:xfrm>
+                <a:off x="2647188" y="2735176"/>
+                <a:ext cx="1149350" cy="150726"/>
+              </a:xfrm>
+              <a:prstGeom prst="flowChartDisplay">
+                <a:avLst/>
+              </a:prstGeom>
+            </p:spPr>
+            <p:style>
+              <a:lnRef idx="2">
+                <a:schemeClr val="accent2">
+                  <a:shade val="50000"/>
+                </a:schemeClr>
+              </a:lnRef>
+              <a:fillRef idx="1">
+                <a:schemeClr val="accent2"/>
+              </a:fillRef>
+              <a:effectRef idx="0">
+                <a:schemeClr val="accent2"/>
+              </a:effectRef>
+              <a:fontRef idx="minor">
+                <a:schemeClr val="lt1"/>
+              </a:fontRef>
+            </p:style>
+            <p:txBody>
+              <a:bodyPr rtlCol="0" anchor="ctr"/>
+              <a:lstStyle/>
+              <a:p>
+                <a:pPr algn="ctr"/>
+                <a:endParaRPr lang="pt-PT" dirty="0"/>
+              </a:p>
+            </p:txBody>
+          </p:sp>
+          <p:sp>
+            <p:nvSpPr>
+              <p:cNvPr id="101" name="Retângulo 100">
+                <a:extLst>
+                  <a:ext uri="{FF2B5EF4-FFF2-40B4-BE49-F238E27FC236}">
+                    <a16:creationId xmlns:a16="http://schemas.microsoft.com/office/drawing/2014/main" id="{F3C038EF-6012-1328-4C35-C82ED798886B}"/>
+                  </a:ext>
+                </a:extLst>
+              </p:cNvPr>
+              <p:cNvSpPr/>
+              <p:nvPr/>
+            </p:nvSpPr>
+            <p:spPr>
+              <a:xfrm>
+                <a:off x="4622864" y="3464850"/>
+                <a:ext cx="288000" cy="288000"/>
+              </a:xfrm>
+              <a:prstGeom prst="rect">
+                <a:avLst/>
+              </a:prstGeom>
+            </p:spPr>
+            <p:style>
+              <a:lnRef idx="2">
+                <a:schemeClr val="accent1">
+                  <a:shade val="50000"/>
+                </a:schemeClr>
+              </a:lnRef>
+              <a:fillRef idx="1">
+                <a:schemeClr val="accent1"/>
+              </a:fillRef>
+              <a:effectRef idx="0">
+                <a:schemeClr val="accent1"/>
+              </a:effectRef>
+              <a:fontRef idx="minor">
+                <a:schemeClr val="lt1"/>
+              </a:fontRef>
+            </p:style>
+            <p:txBody>
+              <a:bodyPr rtlCol="0" anchor="ctr"/>
+              <a:lstStyle/>
+              <a:p>
+                <a:pPr algn="ctr"/>
+                <a:endParaRPr lang="pt-PT" dirty="0"/>
+              </a:p>
+            </p:txBody>
+          </p:sp>
+          <p:sp>
+            <p:nvSpPr>
+              <p:cNvPr id="102" name="Retângulo 101">
+                <a:extLst>
+                  <a:ext uri="{FF2B5EF4-FFF2-40B4-BE49-F238E27FC236}">
+                    <a16:creationId xmlns:a16="http://schemas.microsoft.com/office/drawing/2014/main" id="{B9696C1B-9D3A-5D23-F203-95BDCB98900F}"/>
+                  </a:ext>
+                </a:extLst>
+              </p:cNvPr>
+              <p:cNvSpPr/>
+              <p:nvPr/>
+            </p:nvSpPr>
+            <p:spPr>
+              <a:xfrm>
+                <a:off x="5080794" y="3464850"/>
+                <a:ext cx="288000" cy="288000"/>
+              </a:xfrm>
+              <a:prstGeom prst="rect">
+                <a:avLst/>
+              </a:prstGeom>
+            </p:spPr>
+            <p:style>
+              <a:lnRef idx="2">
+                <a:schemeClr val="accent1">
+                  <a:shade val="50000"/>
+                </a:schemeClr>
+              </a:lnRef>
+              <a:fillRef idx="1">
+                <a:schemeClr val="accent1"/>
+              </a:fillRef>
+              <a:effectRef idx="0">
+                <a:schemeClr val="accent1"/>
+              </a:effectRef>
+              <a:fontRef idx="minor">
+                <a:schemeClr val="lt1"/>
+              </a:fontRef>
+            </p:style>
+            <p:txBody>
+              <a:bodyPr rtlCol="0" anchor="ctr"/>
+              <a:lstStyle/>
+              <a:p>
+                <a:pPr algn="ctr"/>
+                <a:endParaRPr lang="pt-PT" dirty="0"/>
+              </a:p>
+            </p:txBody>
+          </p:sp>
+          <p:sp>
+            <p:nvSpPr>
+              <p:cNvPr id="103" name="Retângulo 102">
+                <a:extLst>
+                  <a:ext uri="{FF2B5EF4-FFF2-40B4-BE49-F238E27FC236}">
+                    <a16:creationId xmlns:a16="http://schemas.microsoft.com/office/drawing/2014/main" id="{D91F8119-5FB5-5265-2E9B-A337B33A5BEA}"/>
+                  </a:ext>
+                </a:extLst>
+              </p:cNvPr>
+              <p:cNvSpPr/>
+              <p:nvPr/>
+            </p:nvSpPr>
+            <p:spPr>
+              <a:xfrm>
+                <a:off x="5538724" y="3464850"/>
+                <a:ext cx="288000" cy="288000"/>
+              </a:xfrm>
+              <a:prstGeom prst="rect">
+                <a:avLst/>
+              </a:prstGeom>
+            </p:spPr>
+            <p:style>
+              <a:lnRef idx="2">
+                <a:schemeClr val="accent1">
+                  <a:shade val="50000"/>
+                </a:schemeClr>
+              </a:lnRef>
+              <a:fillRef idx="1">
+                <a:schemeClr val="accent1"/>
+              </a:fillRef>
+              <a:effectRef idx="0">
+                <a:schemeClr val="accent1"/>
+              </a:effectRef>
+              <a:fontRef idx="minor">
+                <a:schemeClr val="lt1"/>
+              </a:fontRef>
+            </p:style>
+            <p:txBody>
+              <a:bodyPr rtlCol="0" anchor="ctr"/>
+              <a:lstStyle/>
+              <a:p>
+                <a:pPr algn="ctr"/>
+                <a:endParaRPr lang="pt-PT" dirty="0"/>
+              </a:p>
+            </p:txBody>
+          </p:sp>
+          <p:sp>
+            <p:nvSpPr>
+              <p:cNvPr id="104" name="Retângulo 103">
+                <a:extLst>
+                  <a:ext uri="{FF2B5EF4-FFF2-40B4-BE49-F238E27FC236}">
+                    <a16:creationId xmlns:a16="http://schemas.microsoft.com/office/drawing/2014/main" id="{F1602CA3-F91E-D7F9-DD31-456121555C28}"/>
+                  </a:ext>
+                </a:extLst>
+              </p:cNvPr>
+              <p:cNvSpPr/>
+              <p:nvPr/>
+            </p:nvSpPr>
+            <p:spPr>
+              <a:xfrm>
+                <a:off x="5994305" y="3464850"/>
+                <a:ext cx="288000" cy="288000"/>
+              </a:xfrm>
+              <a:prstGeom prst="rect">
+                <a:avLst/>
+              </a:prstGeom>
+            </p:spPr>
+            <p:style>
+              <a:lnRef idx="2">
+                <a:schemeClr val="accent1">
+                  <a:shade val="50000"/>
+                </a:schemeClr>
+              </a:lnRef>
+              <a:fillRef idx="1">
+                <a:schemeClr val="accent1"/>
+              </a:fillRef>
+              <a:effectRef idx="0">
+                <a:schemeClr val="accent1"/>
+              </a:effectRef>
+              <a:fontRef idx="minor">
+                <a:schemeClr val="lt1"/>
+              </a:fontRef>
+            </p:style>
+            <p:txBody>
+              <a:bodyPr rtlCol="0" anchor="ctr"/>
+              <a:lstStyle/>
+              <a:p>
+                <a:pPr algn="ctr"/>
+                <a:endParaRPr lang="pt-PT" dirty="0"/>
+              </a:p>
+            </p:txBody>
+          </p:sp>
+          <p:sp>
+            <p:nvSpPr>
+              <p:cNvPr id="106" name="Retângulo 105">
+                <a:extLst>
+                  <a:ext uri="{FF2B5EF4-FFF2-40B4-BE49-F238E27FC236}">
+                    <a16:creationId xmlns:a16="http://schemas.microsoft.com/office/drawing/2014/main" id="{80502155-EEDF-970D-98A0-A890A065D574}"/>
+                  </a:ext>
+                </a:extLst>
+              </p:cNvPr>
+              <p:cNvSpPr/>
+              <p:nvPr/>
+            </p:nvSpPr>
+            <p:spPr>
+              <a:xfrm>
+                <a:off x="6452132" y="3464850"/>
+                <a:ext cx="288000" cy="288000"/>
+              </a:xfrm>
+              <a:prstGeom prst="rect">
+                <a:avLst/>
+              </a:prstGeom>
+            </p:spPr>
+            <p:style>
+              <a:lnRef idx="2">
+                <a:schemeClr val="accent1">
+                  <a:shade val="50000"/>
+                </a:schemeClr>
+              </a:lnRef>
+              <a:fillRef idx="1">
+                <a:schemeClr val="accent1"/>
+              </a:fillRef>
+              <a:effectRef idx="0">
+                <a:schemeClr val="accent1"/>
+              </a:effectRef>
+              <a:fontRef idx="minor">
+                <a:schemeClr val="lt1"/>
+              </a:fontRef>
+            </p:style>
+            <p:txBody>
+              <a:bodyPr rtlCol="0" anchor="ctr"/>
+              <a:lstStyle/>
+              <a:p>
+                <a:pPr algn="ctr"/>
+                <a:endParaRPr lang="pt-PT" dirty="0"/>
+              </a:p>
+            </p:txBody>
+          </p:sp>
+        </p:grpSp>
+        <p:sp>
+          <p:nvSpPr>
+            <p:cNvPr id="110" name="Retângulo 109">
+              <a:extLst>
+                <a:ext uri="{FF2B5EF4-FFF2-40B4-BE49-F238E27FC236}">
+                  <a16:creationId xmlns:a16="http://schemas.microsoft.com/office/drawing/2014/main" id="{7EC6B061-3B62-4DCA-FC13-4D4539C0367B}"/>
+                </a:ext>
+              </a:extLst>
+            </p:cNvPr>
+            <p:cNvSpPr/>
+            <p:nvPr/>
+          </p:nvSpPr>
+          <p:spPr>
+            <a:xfrm flipH="1">
+              <a:off x="6169854" y="3464850"/>
+              <a:ext cx="288000" cy="143999"/>
+            </a:xfrm>
+            <a:prstGeom prst="rect">
+              <a:avLst/>
+            </a:prstGeom>
+          </p:spPr>
+          <p:style>
+            <a:lnRef idx="2">
+              <a:schemeClr val="accent1">
+                <a:shade val="50000"/>
+              </a:schemeClr>
+            </a:lnRef>
+            <a:fillRef idx="1">
+              <a:schemeClr val="accent1"/>
+            </a:fillRef>
+            <a:effectRef idx="0">
+              <a:schemeClr val="accent1"/>
+            </a:effectRef>
+            <a:fontRef idx="minor">
+              <a:schemeClr val="lt1"/>
+            </a:fontRef>
+          </p:style>
+          <p:txBody>
+            <a:bodyPr rtlCol="0" anchor="ctr"/>
+            <a:lstStyle/>
+            <a:p>
+              <a:pPr algn="ctr"/>
+              <a:endParaRPr lang="pt-PT" dirty="0"/>
+            </a:p>
+          </p:txBody>
+        </p:sp>
+        <p:cxnSp>
+          <p:nvCxnSpPr>
+            <p:cNvPr id="42" name="Conexão reta 41">
+              <a:extLst>
+                <a:ext uri="{FF2B5EF4-FFF2-40B4-BE49-F238E27FC236}">
+                  <a16:creationId xmlns:a16="http://schemas.microsoft.com/office/drawing/2014/main" id="{A24EE8C9-21BA-0019-A1B6-2B9267766738}"/>
+                </a:ext>
+              </a:extLst>
+            </p:cNvPr>
+            <p:cNvCxnSpPr>
+              <a:cxnSpLocks/>
+            </p:cNvCxnSpPr>
+            <p:nvPr/>
+          </p:nvCxnSpPr>
+          <p:spPr>
+            <a:xfrm>
+              <a:off x="6069151" y="3608850"/>
+              <a:ext cx="0" cy="144000"/>
+            </a:xfrm>
+            <a:prstGeom prst="line">
+              <a:avLst/>
+            </a:prstGeom>
+          </p:spPr>
+          <p:style>
+            <a:lnRef idx="1">
+              <a:schemeClr val="dk1"/>
+            </a:lnRef>
+            <a:fillRef idx="0">
+              <a:schemeClr val="dk1"/>
+            </a:fillRef>
+            <a:effectRef idx="0">
+              <a:schemeClr val="dk1"/>
+            </a:effectRef>
+            <a:fontRef idx="minor">
+              <a:schemeClr val="tx1"/>
+            </a:fontRef>
+          </p:style>
+        </p:cxnSp>
+        <p:cxnSp>
+          <p:nvCxnSpPr>
+            <p:cNvPr id="111" name="Conexão reta 110">
+              <a:extLst>
+                <a:ext uri="{FF2B5EF4-FFF2-40B4-BE49-F238E27FC236}">
+                  <a16:creationId xmlns:a16="http://schemas.microsoft.com/office/drawing/2014/main" id="{79F41523-A7AF-C463-48E2-C943A51D011D}"/>
+                </a:ext>
+              </a:extLst>
+            </p:cNvPr>
+            <p:cNvCxnSpPr>
+              <a:cxnSpLocks/>
+            </p:cNvCxnSpPr>
+            <p:nvPr/>
+          </p:nvCxnSpPr>
+          <p:spPr>
+            <a:xfrm flipH="1">
+              <a:off x="6069151" y="3608850"/>
+              <a:ext cx="570740" cy="0"/>
+            </a:xfrm>
+            <a:prstGeom prst="line">
+              <a:avLst/>
+            </a:prstGeom>
+          </p:spPr>
+          <p:style>
+            <a:lnRef idx="1">
+              <a:schemeClr val="dk1"/>
+            </a:lnRef>
+            <a:fillRef idx="0">
+              <a:schemeClr val="dk1"/>
+            </a:fillRef>
+            <a:effectRef idx="0">
+              <a:schemeClr val="dk1"/>
+            </a:effectRef>
+            <a:fontRef idx="minor">
+              <a:schemeClr val="tx1"/>
+            </a:fontRef>
+          </p:style>
+        </p:cxnSp>
+        <p:sp>
+          <p:nvSpPr>
+            <p:cNvPr id="76" name="Oval 75">
+              <a:extLst>
+                <a:ext uri="{FF2B5EF4-FFF2-40B4-BE49-F238E27FC236}">
+                  <a16:creationId xmlns:a16="http://schemas.microsoft.com/office/drawing/2014/main" id="{351D54AD-B39F-4E3B-1D24-255D698B0979}"/>
+                </a:ext>
+              </a:extLst>
+            </p:cNvPr>
+            <p:cNvSpPr/>
+            <p:nvPr/>
+          </p:nvSpPr>
+          <p:spPr>
+            <a:xfrm>
+              <a:off x="6163852" y="3649023"/>
+              <a:ext cx="324000" cy="324000"/>
+            </a:xfrm>
+            <a:prstGeom prst="ellipse">
+              <a:avLst/>
+            </a:prstGeom>
+          </p:spPr>
+          <p:style>
+            <a:lnRef idx="2">
+              <a:schemeClr val="dk1">
+                <a:shade val="50000"/>
+              </a:schemeClr>
+            </a:lnRef>
+            <a:fillRef idx="1">
+              <a:schemeClr val="dk1"/>
+            </a:fillRef>
+            <a:effectRef idx="0">
+              <a:schemeClr val="dk1"/>
+            </a:effectRef>
+            <a:fontRef idx="minor">
+              <a:schemeClr val="lt1"/>
+            </a:fontRef>
+          </p:style>
+          <p:txBody>
+            <a:bodyPr rtlCol="0" anchor="ctr"/>
+            <a:lstStyle/>
+            <a:p>
+              <a:pPr algn="ctr"/>
+              <a:endParaRPr lang="pt-PT" dirty="0"/>
+            </a:p>
+          </p:txBody>
+        </p:sp>
+        <p:sp>
+          <p:nvSpPr>
+            <p:cNvPr id="113" name="Oval 112">
+              <a:extLst>
+                <a:ext uri="{FF2B5EF4-FFF2-40B4-BE49-F238E27FC236}">
+                  <a16:creationId xmlns:a16="http://schemas.microsoft.com/office/drawing/2014/main" id="{D9121EFC-3AD0-260B-1F59-D7D35CE02222}"/>
+                </a:ext>
+              </a:extLst>
+            </p:cNvPr>
+            <p:cNvSpPr/>
+            <p:nvPr/>
+          </p:nvSpPr>
+          <p:spPr>
+            <a:xfrm>
+              <a:off x="2757058" y="3653850"/>
+              <a:ext cx="198534" cy="198000"/>
+            </a:xfrm>
+            <a:prstGeom prst="ellipse">
+              <a:avLst/>
+            </a:prstGeom>
+          </p:spPr>
+          <p:style>
+            <a:lnRef idx="2">
+              <a:schemeClr val="dk1">
+                <a:shade val="50000"/>
+              </a:schemeClr>
+            </a:lnRef>
+            <a:fillRef idx="1">
+              <a:schemeClr val="dk1"/>
+            </a:fillRef>
+            <a:effectRef idx="0">
+              <a:schemeClr val="dk1"/>
+            </a:effectRef>
+            <a:fontRef idx="minor">
+              <a:schemeClr val="lt1"/>
+            </a:fontRef>
+          </p:style>
+          <p:txBody>
+            <a:bodyPr rtlCol="0" anchor="ctr"/>
+            <a:lstStyle/>
+            <a:p>
+              <a:pPr algn="ctr"/>
+              <a:endParaRPr lang="pt-PT" dirty="0"/>
+            </a:p>
+          </p:txBody>
+        </p:sp>
+        <p:sp>
+          <p:nvSpPr>
+            <p:cNvPr id="114" name="CaixaDeTexto 113">
+              <a:extLst>
+                <a:ext uri="{FF2B5EF4-FFF2-40B4-BE49-F238E27FC236}">
+                  <a16:creationId xmlns:a16="http://schemas.microsoft.com/office/drawing/2014/main" id="{586DE9EC-C555-9CE0-247F-A1C93D3A8F33}"/>
+                </a:ext>
+              </a:extLst>
+            </p:cNvPr>
+            <p:cNvSpPr txBox="1"/>
+            <p:nvPr/>
+          </p:nvSpPr>
+          <p:spPr>
+            <a:xfrm rot="16200000">
+              <a:off x="2160493" y="3105180"/>
+              <a:ext cx="953854" cy="276999"/>
+            </a:xfrm>
+            <a:prstGeom prst="rect">
+              <a:avLst/>
+            </a:prstGeom>
+            <a:noFill/>
+          </p:spPr>
+          <p:txBody>
+            <a:bodyPr wrap="square" rtlCol="0">
+              <a:spAutoFit/>
+            </a:bodyPr>
+            <a:lstStyle/>
+            <a:p>
+              <a:r>
+                <a:rPr lang="pt-PT" sz="1200" dirty="0">
+                  <a:latin typeface="Abadi" panose="020B0604020104020204" pitchFamily="34" charset="0"/>
+                </a:rPr>
+                <a:t>Aviónica</a:t>
+              </a:r>
+            </a:p>
+          </p:txBody>
+        </p:sp>
+        <p:sp>
+          <p:nvSpPr>
+            <p:cNvPr id="115" name="CaixaDeTexto 114">
+              <a:extLst>
+                <a:ext uri="{FF2B5EF4-FFF2-40B4-BE49-F238E27FC236}">
+                  <a16:creationId xmlns:a16="http://schemas.microsoft.com/office/drawing/2014/main" id="{48CD8275-6475-9AB6-E516-ECCF72689C3E}"/>
+                </a:ext>
+              </a:extLst>
+            </p:cNvPr>
+            <p:cNvSpPr txBox="1"/>
+            <p:nvPr/>
+          </p:nvSpPr>
+          <p:spPr>
+            <a:xfrm rot="16200000">
+              <a:off x="2370089" y="2993423"/>
+              <a:ext cx="953854" cy="276999"/>
+            </a:xfrm>
+            <a:prstGeom prst="rect">
+              <a:avLst/>
+            </a:prstGeom>
+            <a:noFill/>
+          </p:spPr>
+          <p:txBody>
+            <a:bodyPr wrap="square" rtlCol="0">
+              <a:spAutoFit/>
+            </a:bodyPr>
+            <a:lstStyle/>
+            <a:p>
+              <a:r>
+                <a:rPr lang="pt-PT" sz="1200" dirty="0">
+                  <a:latin typeface="Abadi" panose="020B0604020104020204" pitchFamily="34" charset="0"/>
+                </a:rPr>
+                <a:t>Baterias</a:t>
+              </a:r>
+            </a:p>
+          </p:txBody>
+        </p:sp>
+        <p:sp>
+          <p:nvSpPr>
+            <p:cNvPr id="116" name="CaixaDeTexto 115">
+              <a:extLst>
+                <a:ext uri="{FF2B5EF4-FFF2-40B4-BE49-F238E27FC236}">
+                  <a16:creationId xmlns:a16="http://schemas.microsoft.com/office/drawing/2014/main" id="{F2BAA241-D1F5-024E-E40F-86C23F589B5A}"/>
+                </a:ext>
+              </a:extLst>
+            </p:cNvPr>
+            <p:cNvSpPr txBox="1"/>
+            <p:nvPr/>
+          </p:nvSpPr>
+          <p:spPr>
+            <a:xfrm rot="18034715">
+              <a:off x="6321832" y="3115742"/>
+              <a:ext cx="1449124" cy="276999"/>
+            </a:xfrm>
+            <a:prstGeom prst="rect">
+              <a:avLst/>
+            </a:prstGeom>
+            <a:noFill/>
+          </p:spPr>
+          <p:txBody>
+            <a:bodyPr wrap="square" rtlCol="0">
+              <a:spAutoFit/>
+            </a:bodyPr>
+            <a:lstStyle/>
+            <a:p>
+              <a:r>
+                <a:rPr lang="pt-PT" sz="1200" dirty="0">
+                  <a:latin typeface="Abadi" panose="020B0604020104020204" pitchFamily="34" charset="0"/>
+                </a:rPr>
+                <a:t>Turbogerador </a:t>
+              </a:r>
+            </a:p>
+          </p:txBody>
+        </p:sp>
+        <p:sp>
+          <p:nvSpPr>
+            <p:cNvPr id="117" name="CaixaDeTexto 116">
+              <a:extLst>
+                <a:ext uri="{FF2B5EF4-FFF2-40B4-BE49-F238E27FC236}">
+                  <a16:creationId xmlns:a16="http://schemas.microsoft.com/office/drawing/2014/main" id="{674F96DA-E71B-9B81-66EF-112AC7268BFF}"/>
+                </a:ext>
+              </a:extLst>
+            </p:cNvPr>
+            <p:cNvSpPr txBox="1"/>
+            <p:nvPr/>
+          </p:nvSpPr>
+          <p:spPr>
+            <a:xfrm>
+              <a:off x="3114358" y="3773738"/>
+              <a:ext cx="1071785" cy="246221"/>
+            </a:xfrm>
+            <a:prstGeom prst="rect">
+              <a:avLst/>
+            </a:prstGeom>
+            <a:noFill/>
+            <a:ln>
+              <a:solidFill>
+                <a:schemeClr val="tx1"/>
+              </a:solidFill>
+              <a:prstDash val="dash"/>
+            </a:ln>
+          </p:spPr>
+          <p:txBody>
+            <a:bodyPr wrap="square" rtlCol="0">
+              <a:spAutoFit/>
+            </a:bodyPr>
+            <a:lstStyle/>
+            <a:p>
+              <a:pPr algn="ctr"/>
+              <a:r>
+                <a:rPr lang="pt-PT" sz="1000" dirty="0"/>
+                <a:t>Bagagem</a:t>
+              </a:r>
+            </a:p>
+          </p:txBody>
+        </p:sp>
+        <p:sp>
+          <p:nvSpPr>
+            <p:cNvPr id="118" name="CaixaDeTexto 117">
+              <a:extLst>
+                <a:ext uri="{FF2B5EF4-FFF2-40B4-BE49-F238E27FC236}">
+                  <a16:creationId xmlns:a16="http://schemas.microsoft.com/office/drawing/2014/main" id="{53B50F6E-43F7-01AC-C97F-CC5DD4DFADE0}"/>
+                </a:ext>
+              </a:extLst>
+            </p:cNvPr>
+            <p:cNvSpPr txBox="1"/>
+            <p:nvPr/>
+          </p:nvSpPr>
+          <p:spPr>
+            <a:xfrm>
+              <a:off x="1538880" y="3193765"/>
+              <a:ext cx="571975" cy="246221"/>
+            </a:xfrm>
+            <a:prstGeom prst="rect">
+              <a:avLst/>
+            </a:prstGeom>
+            <a:noFill/>
+          </p:spPr>
+          <p:txBody>
+            <a:bodyPr wrap="square" rtlCol="0">
+              <a:spAutoFit/>
+            </a:bodyPr>
+            <a:lstStyle/>
+            <a:p>
+              <a:r>
+                <a:rPr lang="pt-PT" sz="1000" dirty="0">
+                  <a:latin typeface="Abadi" panose="020B0604020104020204" pitchFamily="34" charset="0"/>
+                </a:rPr>
+                <a:t>2,25m</a:t>
+              </a:r>
+            </a:p>
+          </p:txBody>
+        </p:sp>
+        <p:cxnSp>
+          <p:nvCxnSpPr>
+            <p:cNvPr id="119" name="Conexão reta unidirecional 118">
+              <a:extLst>
+                <a:ext uri="{FF2B5EF4-FFF2-40B4-BE49-F238E27FC236}">
+                  <a16:creationId xmlns:a16="http://schemas.microsoft.com/office/drawing/2014/main" id="{3004427B-5C5D-BF3A-32B6-DFA49CB5D48E}"/>
+                </a:ext>
+              </a:extLst>
+            </p:cNvPr>
+            <p:cNvCxnSpPr>
+              <a:cxnSpLocks/>
+            </p:cNvCxnSpPr>
+            <p:nvPr/>
+          </p:nvCxnSpPr>
+          <p:spPr>
+            <a:xfrm>
+              <a:off x="2101767" y="2733418"/>
+              <a:ext cx="939" cy="1286541"/>
+            </a:xfrm>
+            <a:prstGeom prst="straightConnector1">
+              <a:avLst/>
+            </a:prstGeom>
+            <a:ln>
+              <a:headEnd type="triangle"/>
+              <a:tailEnd type="triangle"/>
+            </a:ln>
+          </p:spPr>
+          <p:style>
+            <a:lnRef idx="1">
+              <a:schemeClr val="dk1"/>
+            </a:lnRef>
+            <a:fillRef idx="0">
+              <a:schemeClr val="dk1"/>
+            </a:fillRef>
+            <a:effectRef idx="0">
+              <a:schemeClr val="dk1"/>
+            </a:effectRef>
+            <a:fontRef idx="minor">
+              <a:schemeClr val="tx1"/>
+            </a:fontRef>
+          </p:style>
+        </p:cxnSp>
+        <p:cxnSp>
+          <p:nvCxnSpPr>
+            <p:cNvPr id="121" name="Conexão reta unidirecional 120">
+              <a:extLst>
+                <a:ext uri="{FF2B5EF4-FFF2-40B4-BE49-F238E27FC236}">
+                  <a16:creationId xmlns:a16="http://schemas.microsoft.com/office/drawing/2014/main" id="{C45AE771-5E2C-BCC8-2D77-FC569A0FB2A5}"/>
+                </a:ext>
+              </a:extLst>
+            </p:cNvPr>
+            <p:cNvCxnSpPr>
+              <a:cxnSpLocks/>
+            </p:cNvCxnSpPr>
+            <p:nvPr/>
+          </p:nvCxnSpPr>
+          <p:spPr>
+            <a:xfrm>
+              <a:off x="4820614" y="3740233"/>
+              <a:ext cx="0" cy="272966"/>
+            </a:xfrm>
+            <a:prstGeom prst="straightConnector1">
+              <a:avLst/>
+            </a:prstGeom>
+            <a:ln>
+              <a:headEnd type="triangle"/>
+              <a:tailEnd type="triangle"/>
+            </a:ln>
+          </p:spPr>
+          <p:style>
+            <a:lnRef idx="1">
+              <a:schemeClr val="dk1"/>
+            </a:lnRef>
+            <a:fillRef idx="0">
+              <a:schemeClr val="dk1"/>
+            </a:fillRef>
+            <a:effectRef idx="0">
+              <a:schemeClr val="dk1"/>
+            </a:effectRef>
+            <a:fontRef idx="minor">
+              <a:schemeClr val="tx1"/>
+            </a:fontRef>
+          </p:style>
+        </p:cxnSp>
+        <p:sp>
+          <p:nvSpPr>
+            <p:cNvPr id="124" name="CaixaDeTexto 123">
+              <a:extLst>
+                <a:ext uri="{FF2B5EF4-FFF2-40B4-BE49-F238E27FC236}">
+                  <a16:creationId xmlns:a16="http://schemas.microsoft.com/office/drawing/2014/main" id="{714BB5EE-F7E3-4E34-233E-4E29B73D5772}"/>
+                </a:ext>
+              </a:extLst>
+            </p:cNvPr>
+            <p:cNvSpPr txBox="1"/>
+            <p:nvPr/>
+          </p:nvSpPr>
+          <p:spPr>
+            <a:xfrm>
+              <a:off x="4838988" y="3765467"/>
+              <a:ext cx="571975" cy="200055"/>
+            </a:xfrm>
+            <a:prstGeom prst="rect">
+              <a:avLst/>
+            </a:prstGeom>
+            <a:noFill/>
+          </p:spPr>
+          <p:txBody>
+            <a:bodyPr wrap="square" rtlCol="0">
+              <a:spAutoFit/>
+            </a:bodyPr>
+            <a:lstStyle/>
+            <a:p>
+              <a:r>
+                <a:rPr lang="pt-PT" sz="700" dirty="0">
+                  <a:latin typeface="Abadi" panose="020B0604020104020204" pitchFamily="34" charset="0"/>
+                </a:rPr>
+                <a:t>0,4m</a:t>
+              </a:r>
+            </a:p>
+          </p:txBody>
+        </p:sp>
+        <p:sp>
+          <p:nvSpPr>
+            <p:cNvPr id="126" name="CaixaDeTexto 125">
+              <a:extLst>
+                <a:ext uri="{FF2B5EF4-FFF2-40B4-BE49-F238E27FC236}">
+                  <a16:creationId xmlns:a16="http://schemas.microsoft.com/office/drawing/2014/main" id="{066B3332-ECEA-4133-2D4B-9ECD22E11DCA}"/>
+                </a:ext>
+              </a:extLst>
+            </p:cNvPr>
+            <p:cNvSpPr txBox="1"/>
+            <p:nvPr/>
+          </p:nvSpPr>
+          <p:spPr>
+            <a:xfrm>
+              <a:off x="4831623" y="2524072"/>
+              <a:ext cx="571975" cy="215444"/>
+            </a:xfrm>
+            <a:prstGeom prst="rect">
+              <a:avLst/>
+            </a:prstGeom>
+            <a:noFill/>
+          </p:spPr>
+          <p:txBody>
+            <a:bodyPr wrap="square" rtlCol="0">
+              <a:spAutoFit/>
+            </a:bodyPr>
+            <a:lstStyle/>
+            <a:p>
+              <a:r>
+                <a:rPr lang="pt-PT" sz="800" dirty="0">
+                  <a:latin typeface="Abadi" panose="020B0604020104020204" pitchFamily="34" charset="0"/>
+                </a:rPr>
+                <a:t>0,25m</a:t>
+              </a:r>
+            </a:p>
+          </p:txBody>
+        </p:sp>
+        <p:cxnSp>
+          <p:nvCxnSpPr>
+            <p:cNvPr id="131" name="Conexão reta unidirecional 130">
+              <a:extLst>
+                <a:ext uri="{FF2B5EF4-FFF2-40B4-BE49-F238E27FC236}">
+                  <a16:creationId xmlns:a16="http://schemas.microsoft.com/office/drawing/2014/main" id="{387512AC-A263-C907-381F-442BEB4CA9B4}"/>
+                </a:ext>
+              </a:extLst>
+            </p:cNvPr>
+            <p:cNvCxnSpPr>
+              <a:cxnSpLocks/>
+              <a:endCxn id="4" idx="0"/>
+            </p:cNvCxnSpPr>
+            <p:nvPr/>
+          </p:nvCxnSpPr>
+          <p:spPr>
+            <a:xfrm>
+              <a:off x="4820614" y="2571750"/>
+              <a:ext cx="0" cy="165100"/>
+            </a:xfrm>
+            <a:prstGeom prst="straightConnector1">
+              <a:avLst/>
+            </a:prstGeom>
+            <a:ln>
+              <a:tailEnd type="triangle"/>
+            </a:ln>
+          </p:spPr>
+          <p:style>
+            <a:lnRef idx="1">
+              <a:schemeClr val="dk1"/>
+            </a:lnRef>
+            <a:fillRef idx="0">
+              <a:schemeClr val="dk1"/>
+            </a:fillRef>
+            <a:effectRef idx="0">
+              <a:schemeClr val="dk1"/>
+            </a:effectRef>
+            <a:fontRef idx="minor">
+              <a:schemeClr val="tx1"/>
+            </a:fontRef>
+          </p:style>
+        </p:cxnSp>
+        <p:cxnSp>
+          <p:nvCxnSpPr>
+            <p:cNvPr id="132" name="Conexão reta unidirecional 131">
+              <a:extLst>
+                <a:ext uri="{FF2B5EF4-FFF2-40B4-BE49-F238E27FC236}">
+                  <a16:creationId xmlns:a16="http://schemas.microsoft.com/office/drawing/2014/main" id="{87173727-1239-B9E6-F2D0-CAEF225F728F}"/>
+                </a:ext>
+              </a:extLst>
+            </p:cNvPr>
+            <p:cNvCxnSpPr>
+              <a:cxnSpLocks/>
+            </p:cNvCxnSpPr>
+            <p:nvPr/>
+          </p:nvCxnSpPr>
+          <p:spPr>
+            <a:xfrm flipV="1">
+              <a:off x="4820614" y="2895600"/>
+              <a:ext cx="0" cy="154781"/>
+            </a:xfrm>
+            <a:prstGeom prst="straightConnector1">
+              <a:avLst/>
+            </a:prstGeom>
+            <a:ln>
+              <a:tailEnd type="triangle"/>
+            </a:ln>
+          </p:spPr>
+          <p:style>
+            <a:lnRef idx="1">
+              <a:schemeClr val="dk1"/>
+            </a:lnRef>
+            <a:fillRef idx="0">
+              <a:schemeClr val="dk1"/>
+            </a:fillRef>
+            <a:effectRef idx="0">
+              <a:schemeClr val="dk1"/>
+            </a:effectRef>
+            <a:fontRef idx="minor">
+              <a:schemeClr val="tx1"/>
+            </a:fontRef>
+          </p:style>
+        </p:cxnSp>
+        <p:cxnSp>
+          <p:nvCxnSpPr>
+            <p:cNvPr id="139" name="Conexão reta 138">
+              <a:extLst>
+                <a:ext uri="{FF2B5EF4-FFF2-40B4-BE49-F238E27FC236}">
+                  <a16:creationId xmlns:a16="http://schemas.microsoft.com/office/drawing/2014/main" id="{AB3FFCCE-0012-BDAA-DE88-1223BE6D51A7}"/>
+                </a:ext>
+              </a:extLst>
+            </p:cNvPr>
+            <p:cNvCxnSpPr>
+              <a:stCxn id="4" idx="0"/>
+            </p:cNvCxnSpPr>
+            <p:nvPr/>
+          </p:nvCxnSpPr>
+          <p:spPr>
+            <a:xfrm>
+              <a:off x="4820614" y="2736850"/>
+              <a:ext cx="0" cy="158750"/>
+            </a:xfrm>
+            <a:prstGeom prst="line">
+              <a:avLst/>
+            </a:prstGeom>
+          </p:spPr>
+          <p:style>
+            <a:lnRef idx="1">
+              <a:schemeClr val="dk1"/>
+            </a:lnRef>
+            <a:fillRef idx="0">
+              <a:schemeClr val="dk1"/>
+            </a:fillRef>
+            <a:effectRef idx="0">
+              <a:schemeClr val="dk1"/>
+            </a:effectRef>
+            <a:fontRef idx="minor">
+              <a:schemeClr val="tx1"/>
+            </a:fontRef>
+          </p:style>
+        </p:cxnSp>
+        <p:sp>
+          <p:nvSpPr>
+            <p:cNvPr id="140" name="Retângulo 139">
+              <a:extLst>
+                <a:ext uri="{FF2B5EF4-FFF2-40B4-BE49-F238E27FC236}">
+                  <a16:creationId xmlns:a16="http://schemas.microsoft.com/office/drawing/2014/main" id="{FFA16144-1DF3-A86C-579C-0A624B35B1D6}"/>
+                </a:ext>
+              </a:extLst>
+            </p:cNvPr>
+            <p:cNvSpPr/>
+            <p:nvPr/>
+          </p:nvSpPr>
+          <p:spPr>
+            <a:xfrm>
+              <a:off x="2387564" y="2098573"/>
+              <a:ext cx="180000" cy="180475"/>
+            </a:xfrm>
+            <a:prstGeom prst="rect">
+              <a:avLst/>
+            </a:prstGeom>
+          </p:spPr>
+          <p:style>
+            <a:lnRef idx="2">
+              <a:schemeClr val="accent1">
+                <a:shade val="50000"/>
+              </a:schemeClr>
+            </a:lnRef>
+            <a:fillRef idx="1">
+              <a:schemeClr val="accent1"/>
+            </a:fillRef>
+            <a:effectRef idx="0">
+              <a:schemeClr val="accent1"/>
+            </a:effectRef>
+            <a:fontRef idx="minor">
+              <a:schemeClr val="lt1"/>
+            </a:fontRef>
+          </p:style>
+          <p:txBody>
+            <a:bodyPr rtlCol="0" anchor="ctr"/>
+            <a:lstStyle/>
+            <a:p>
+              <a:pPr algn="ctr"/>
+              <a:endParaRPr lang="pt-PT" dirty="0"/>
+            </a:p>
+          </p:txBody>
+        </p:sp>
+        <p:sp>
+          <p:nvSpPr>
+            <p:cNvPr id="141" name="CaixaDeTexto 140">
+              <a:extLst>
+                <a:ext uri="{FF2B5EF4-FFF2-40B4-BE49-F238E27FC236}">
+                  <a16:creationId xmlns:a16="http://schemas.microsoft.com/office/drawing/2014/main" id="{09947EB5-9E5D-3439-9BE7-32F75CFCE0DC}"/>
+                </a:ext>
+              </a:extLst>
+            </p:cNvPr>
+            <p:cNvSpPr txBox="1"/>
+            <p:nvPr/>
+          </p:nvSpPr>
+          <p:spPr>
+            <a:xfrm>
+              <a:off x="2535452" y="2065699"/>
+              <a:ext cx="1501091" cy="246221"/>
+            </a:xfrm>
+            <a:prstGeom prst="rect">
+              <a:avLst/>
+            </a:prstGeom>
+            <a:noFill/>
+          </p:spPr>
+          <p:txBody>
+            <a:bodyPr wrap="square" rtlCol="0">
+              <a:spAutoFit/>
+            </a:bodyPr>
+            <a:lstStyle/>
+            <a:p>
+              <a:r>
+                <a:rPr lang="pt-PT" sz="1000" dirty="0"/>
+                <a:t>-</a:t>
+              </a:r>
+              <a:r>
+                <a:rPr lang="pt-PT" sz="800" dirty="0"/>
+                <a:t>Passageiros</a:t>
+              </a:r>
+            </a:p>
+          </p:txBody>
+        </p:sp>
+        <p:sp>
+          <p:nvSpPr>
+            <p:cNvPr id="143" name="CaixaDeTexto 142">
+              <a:extLst>
+                <a:ext uri="{FF2B5EF4-FFF2-40B4-BE49-F238E27FC236}">
+                  <a16:creationId xmlns:a16="http://schemas.microsoft.com/office/drawing/2014/main" id="{0641BCEC-DB96-89FC-E25A-240B8290C65E}"/>
+                </a:ext>
+              </a:extLst>
+            </p:cNvPr>
+            <p:cNvSpPr txBox="1"/>
+            <p:nvPr/>
+          </p:nvSpPr>
+          <p:spPr>
+            <a:xfrm>
+              <a:off x="2519943" y="2355606"/>
+              <a:ext cx="1783469" cy="246221"/>
+            </a:xfrm>
+            <a:prstGeom prst="rect">
+              <a:avLst/>
+            </a:prstGeom>
+            <a:noFill/>
+          </p:spPr>
+          <p:txBody>
+            <a:bodyPr wrap="square" rtlCol="0">
+              <a:spAutoFit/>
+            </a:bodyPr>
+            <a:lstStyle/>
+            <a:p>
+              <a:r>
+                <a:rPr lang="pt-PT" sz="1000" dirty="0"/>
+                <a:t>-</a:t>
+              </a:r>
+              <a:r>
+                <a:rPr lang="pt-PT" sz="800" dirty="0"/>
+                <a:t>Roda: Trem de Aterragem</a:t>
+              </a:r>
+            </a:p>
+          </p:txBody>
+        </p:sp>
+        <p:sp>
+          <p:nvSpPr>
+            <p:cNvPr id="144" name="Oval 143">
+              <a:extLst>
+                <a:ext uri="{FF2B5EF4-FFF2-40B4-BE49-F238E27FC236}">
+                  <a16:creationId xmlns:a16="http://schemas.microsoft.com/office/drawing/2014/main" id="{BA1CF8E5-3632-55A9-EC5E-29F8DD929F67}"/>
+                </a:ext>
+              </a:extLst>
+            </p:cNvPr>
+            <p:cNvSpPr/>
+            <p:nvPr/>
+          </p:nvSpPr>
+          <p:spPr>
+            <a:xfrm>
+              <a:off x="2387564" y="2388385"/>
+              <a:ext cx="180000" cy="180000"/>
+            </a:xfrm>
+            <a:prstGeom prst="ellipse">
+              <a:avLst/>
+            </a:prstGeom>
+          </p:spPr>
+          <p:style>
+            <a:lnRef idx="2">
+              <a:schemeClr val="dk1">
+                <a:shade val="50000"/>
+              </a:schemeClr>
+            </a:lnRef>
+            <a:fillRef idx="1">
+              <a:schemeClr val="dk1"/>
+            </a:fillRef>
+            <a:effectRef idx="0">
+              <a:schemeClr val="dk1"/>
+            </a:effectRef>
+            <a:fontRef idx="minor">
+              <a:schemeClr val="lt1"/>
+            </a:fontRef>
+          </p:style>
+          <p:txBody>
+            <a:bodyPr rtlCol="0" anchor="ctr"/>
+            <a:lstStyle/>
+            <a:p>
+              <a:pPr algn="ctr"/>
+              <a:endParaRPr lang="pt-PT" dirty="0"/>
+            </a:p>
+          </p:txBody>
+        </p:sp>
+        <p:sp>
+          <p:nvSpPr>
+            <p:cNvPr id="145" name="Fluxograma: Ecrã 144">
+              <a:extLst>
+                <a:ext uri="{FF2B5EF4-FFF2-40B4-BE49-F238E27FC236}">
+                  <a16:creationId xmlns:a16="http://schemas.microsoft.com/office/drawing/2014/main" id="{15ADEF5B-0657-2AF9-7D7D-B7B1C91EEE0F}"/>
+                </a:ext>
+              </a:extLst>
+            </p:cNvPr>
+            <p:cNvSpPr/>
+            <p:nvPr/>
+          </p:nvSpPr>
+          <p:spPr>
+            <a:xfrm flipH="1">
+              <a:off x="2290772" y="1848562"/>
+              <a:ext cx="373584" cy="117942"/>
+            </a:xfrm>
+            <a:prstGeom prst="flowChartDisplay">
+              <a:avLst/>
+            </a:prstGeom>
+          </p:spPr>
+          <p:style>
+            <a:lnRef idx="2">
+              <a:schemeClr val="accent2">
+                <a:shade val="50000"/>
+              </a:schemeClr>
+            </a:lnRef>
+            <a:fillRef idx="1">
+              <a:schemeClr val="accent2"/>
+            </a:fillRef>
+            <a:effectRef idx="0">
+              <a:schemeClr val="accent2"/>
+            </a:effectRef>
+            <a:fontRef idx="minor">
+              <a:schemeClr val="lt1"/>
+            </a:fontRef>
+          </p:style>
+          <p:txBody>
+            <a:bodyPr rtlCol="0" anchor="ctr"/>
+            <a:lstStyle/>
+            <a:p>
+              <a:pPr algn="ctr"/>
+              <a:endParaRPr lang="pt-PT" dirty="0"/>
+            </a:p>
+          </p:txBody>
+        </p:sp>
+        <p:sp>
+          <p:nvSpPr>
+            <p:cNvPr id="146" name="CaixaDeTexto 145">
+              <a:extLst>
+                <a:ext uri="{FF2B5EF4-FFF2-40B4-BE49-F238E27FC236}">
+                  <a16:creationId xmlns:a16="http://schemas.microsoft.com/office/drawing/2014/main" id="{02A02F3D-BC9B-9D8B-DE18-5BBB3F6D9054}"/>
+                </a:ext>
+              </a:extLst>
+            </p:cNvPr>
+            <p:cNvSpPr txBox="1"/>
+            <p:nvPr/>
+          </p:nvSpPr>
+          <p:spPr>
+            <a:xfrm>
+              <a:off x="2614601" y="1776075"/>
+              <a:ext cx="2006825" cy="369332"/>
+            </a:xfrm>
+            <a:prstGeom prst="rect">
+              <a:avLst/>
+            </a:prstGeom>
+            <a:noFill/>
+          </p:spPr>
+          <p:txBody>
+            <a:bodyPr wrap="square" rtlCol="0">
+              <a:spAutoFit/>
+            </a:bodyPr>
+            <a:lstStyle/>
+            <a:p>
+              <a:r>
+                <a:rPr lang="pt-PT" sz="1000" dirty="0"/>
+                <a:t>-</a:t>
+              </a:r>
+              <a:r>
+                <a:rPr lang="pt-PT" sz="800" dirty="0"/>
+                <a:t>Asas e estabilizador vertical (os rotores elétricos não se encontram representados)</a:t>
               </a:r>
             </a:p>
           </p:txBody>
@@ -8882,7 +14293,7 @@
 </p:sld>
 </file>
 
-<file path=ppt/slides/slide3.xml><?xml version="1.0" encoding="utf-8"?>
+<file path=ppt/slides/slide5.xml><?xml version="1.0" encoding="utf-8"?>
 <p:sld xmlns:a="http://schemas.openxmlformats.org/drawingml/2006/main" xmlns:r="http://schemas.openxmlformats.org/officeDocument/2006/relationships" xmlns:p="http://schemas.openxmlformats.org/presentationml/2006/main">
   <p:cSld>
     <p:spTree>
@@ -10970,6 +16381,100 @@
           </a:p>
         </p:txBody>
       </p:sp>
+      <p:sp>
+        <p:nvSpPr>
+          <p:cNvPr id="3" name="Rectangle: Rounded Corners 2">
+            <a:extLst>
+              <a:ext uri="{FF2B5EF4-FFF2-40B4-BE49-F238E27FC236}">
+                <a16:creationId xmlns:a16="http://schemas.microsoft.com/office/drawing/2014/main" id="{82613164-6C8C-414E-BBE3-2905814DA228}"/>
+              </a:ext>
+            </a:extLst>
+          </p:cNvPr>
+          <p:cNvSpPr/>
+          <p:nvPr/>
+        </p:nvSpPr>
+        <p:spPr>
+          <a:xfrm>
+            <a:off x="6453512" y="4139606"/>
+            <a:ext cx="507884" cy="135552"/>
+          </a:xfrm>
+          <a:prstGeom prst="roundRect">
+            <a:avLst/>
+          </a:prstGeom>
+          <a:noFill/>
+        </p:spPr>
+        <p:style>
+          <a:lnRef idx="2">
+            <a:schemeClr val="accent1">
+              <a:shade val="50000"/>
+            </a:schemeClr>
+          </a:lnRef>
+          <a:fillRef idx="1">
+            <a:schemeClr val="accent1"/>
+          </a:fillRef>
+          <a:effectRef idx="0">
+            <a:schemeClr val="accent1"/>
+          </a:effectRef>
+          <a:fontRef idx="minor">
+            <a:schemeClr val="lt1"/>
+          </a:fontRef>
+        </p:style>
+        <p:txBody>
+          <a:bodyPr rtlCol="0" anchor="ctr"/>
+          <a:lstStyle/>
+          <a:p>
+            <a:pPr algn="ctr"/>
+            <a:endParaRPr lang="en-US"/>
+          </a:p>
+        </p:txBody>
+      </p:sp>
+      <p:sp>
+        <p:nvSpPr>
+          <p:cNvPr id="41" name="Rectangle: Rounded Corners 40">
+            <a:extLst>
+              <a:ext uri="{FF2B5EF4-FFF2-40B4-BE49-F238E27FC236}">
+                <a16:creationId xmlns:a16="http://schemas.microsoft.com/office/drawing/2014/main" id="{FF77AF8B-C4BC-4F70-AE81-204F52EE2731}"/>
+              </a:ext>
+            </a:extLst>
+          </p:cNvPr>
+          <p:cNvSpPr/>
+          <p:nvPr/>
+        </p:nvSpPr>
+        <p:spPr>
+          <a:xfrm>
+            <a:off x="6453512" y="5400989"/>
+            <a:ext cx="507884" cy="135552"/>
+          </a:xfrm>
+          <a:prstGeom prst="roundRect">
+            <a:avLst/>
+          </a:prstGeom>
+          <a:noFill/>
+        </p:spPr>
+        <p:style>
+          <a:lnRef idx="2">
+            <a:schemeClr val="accent1">
+              <a:shade val="50000"/>
+            </a:schemeClr>
+          </a:lnRef>
+          <a:fillRef idx="1">
+            <a:schemeClr val="accent1"/>
+          </a:fillRef>
+          <a:effectRef idx="0">
+            <a:schemeClr val="accent1"/>
+          </a:effectRef>
+          <a:fontRef idx="minor">
+            <a:schemeClr val="lt1"/>
+          </a:fontRef>
+        </p:style>
+        <p:txBody>
+          <a:bodyPr rtlCol="0" anchor="ctr"/>
+          <a:lstStyle/>
+          <a:p>
+            <a:pPr algn="ctr"/>
+            <a:endParaRPr lang="en-US"/>
+          </a:p>
+        </p:txBody>
+      </p:sp>
     </p:spTree>
     <p:extLst>
       <p:ext uri="{BB962C8B-B14F-4D97-AF65-F5344CB8AC3E}">

--- a/DesignDeAltoNivel.pptx
+++ b/DesignDeAltoNivel.pptx
@@ -14255,7 +14255,7 @@
           <p:spPr>
             <a:xfrm>
               <a:off x="2614601" y="1776075"/>
-              <a:ext cx="2006825" cy="369332"/>
+              <a:ext cx="2339004" cy="369332"/>
             </a:xfrm>
             <a:prstGeom prst="rect">
               <a:avLst/>
@@ -14312,10 +14312,10 @@
       </p:grpSpPr>
       <p:grpSp>
         <p:nvGrpSpPr>
-          <p:cNvPr id="112" name="Agrupar 111">
+          <p:cNvPr id="12" name="Group 11">
             <a:extLst>
               <a:ext uri="{FF2B5EF4-FFF2-40B4-BE49-F238E27FC236}">
-                <a16:creationId xmlns:a16="http://schemas.microsoft.com/office/drawing/2014/main" id="{CB3BEEB5-D039-7BAA-4AE4-476AA991CF53}"/>
+                <a16:creationId xmlns:a16="http://schemas.microsoft.com/office/drawing/2014/main" id="{5FDE1FD9-FAA5-4F9E-BE3A-DDF56B8790E9}"/>
               </a:ext>
             </a:extLst>
           </p:cNvPr>
@@ -14324,18 +14324,18 @@
         </p:nvGrpSpPr>
         <p:grpSpPr>
           <a:xfrm>
-            <a:off x="2237954" y="820421"/>
-            <a:ext cx="6657090" cy="4723095"/>
-            <a:chOff x="2205002" y="803945"/>
-            <a:chExt cx="6657090" cy="4723095"/>
+            <a:off x="1913721" y="787470"/>
+            <a:ext cx="6684761" cy="4930996"/>
+            <a:chOff x="1913721" y="787470"/>
+            <a:chExt cx="6684761" cy="4930996"/>
           </a:xfrm>
         </p:grpSpPr>
         <p:grpSp>
           <p:nvGrpSpPr>
-            <p:cNvPr id="13" name="Agrupar 12">
+            <p:cNvPr id="11" name="Group 10">
               <a:extLst>
                 <a:ext uri="{FF2B5EF4-FFF2-40B4-BE49-F238E27FC236}">
-                  <a16:creationId xmlns:a16="http://schemas.microsoft.com/office/drawing/2014/main" id="{7D681D2C-1226-68D3-E858-81DF708ADBF9}"/>
+                  <a16:creationId xmlns:a16="http://schemas.microsoft.com/office/drawing/2014/main" id="{68FEDF00-BC94-4BCF-9EF3-1EE07170067E}"/>
                 </a:ext>
               </a:extLst>
             </p:cNvPr>
@@ -14343,19 +14343,1952 @@
             <p:nvPr/>
           </p:nvGrpSpPr>
           <p:grpSpPr>
-            <a:xfrm flipH="1">
-              <a:off x="3089239" y="1848232"/>
-              <a:ext cx="5538906" cy="3678808"/>
-              <a:chOff x="3203563" y="990982"/>
-              <a:chExt cx="5538906" cy="3678808"/>
+            <a:xfrm>
+              <a:off x="1941392" y="787470"/>
+              <a:ext cx="6657090" cy="4930996"/>
+              <a:chOff x="2237954" y="820421"/>
+              <a:chExt cx="6657090" cy="4930996"/>
             </a:xfrm>
           </p:grpSpPr>
+          <p:grpSp>
+            <p:nvGrpSpPr>
+              <p:cNvPr id="112" name="Agrupar 111">
+                <a:extLst>
+                  <a:ext uri="{FF2B5EF4-FFF2-40B4-BE49-F238E27FC236}">
+                    <a16:creationId xmlns:a16="http://schemas.microsoft.com/office/drawing/2014/main" id="{CB3BEEB5-D039-7BAA-4AE4-476AA991CF53}"/>
+                  </a:ext>
+                </a:extLst>
+              </p:cNvPr>
+              <p:cNvGrpSpPr/>
+              <p:nvPr/>
+            </p:nvGrpSpPr>
+            <p:grpSpPr>
+              <a:xfrm>
+                <a:off x="2237954" y="820421"/>
+                <a:ext cx="6657090" cy="4723095"/>
+                <a:chOff x="2205002" y="803945"/>
+                <a:chExt cx="6657090" cy="4723095"/>
+              </a:xfrm>
+            </p:grpSpPr>
+            <p:grpSp>
+              <p:nvGrpSpPr>
+                <p:cNvPr id="13" name="Agrupar 12">
+                  <a:extLst>
+                    <a:ext uri="{FF2B5EF4-FFF2-40B4-BE49-F238E27FC236}">
+                      <a16:creationId xmlns:a16="http://schemas.microsoft.com/office/drawing/2014/main" id="{7D681D2C-1226-68D3-E858-81DF708ADBF9}"/>
+                    </a:ext>
+                  </a:extLst>
+                </p:cNvPr>
+                <p:cNvGrpSpPr/>
+                <p:nvPr/>
+              </p:nvGrpSpPr>
+              <p:grpSpPr>
+                <a:xfrm flipH="1">
+                  <a:off x="3089239" y="1848232"/>
+                  <a:ext cx="5538906" cy="3678808"/>
+                  <a:chOff x="3203563" y="990982"/>
+                  <a:chExt cx="5538906" cy="3678808"/>
+                </a:xfrm>
+              </p:grpSpPr>
+              <p:sp>
+                <p:nvSpPr>
+                  <p:cNvPr id="8" name="Retângulo 7">
+                    <a:extLst>
+                      <a:ext uri="{FF2B5EF4-FFF2-40B4-BE49-F238E27FC236}">
+                        <a16:creationId xmlns:a16="http://schemas.microsoft.com/office/drawing/2014/main" id="{9E6BDAEE-2DF3-B4FD-6729-0E9FE57D7A76}"/>
+                      </a:ext>
+                    </a:extLst>
+                  </p:cNvPr>
+                  <p:cNvSpPr/>
+                  <p:nvPr/>
+                </p:nvSpPr>
+                <p:spPr>
+                  <a:xfrm>
+                    <a:off x="3510280" y="990982"/>
+                    <a:ext cx="1226820" cy="3337178"/>
+                  </a:xfrm>
+                  <a:prstGeom prst="rect">
+                    <a:avLst/>
+                  </a:prstGeom>
+                  <a:solidFill>
+                    <a:schemeClr val="bg2">
+                      <a:lumMod val="90000"/>
+                    </a:schemeClr>
+                  </a:solidFill>
+                  <a:ln>
+                    <a:solidFill>
+                      <a:schemeClr val="bg2">
+                        <a:lumMod val="50000"/>
+                      </a:schemeClr>
+                    </a:solidFill>
+                  </a:ln>
+                </p:spPr>
+                <p:style>
+                  <a:lnRef idx="2">
+                    <a:schemeClr val="accent1">
+                      <a:shade val="50000"/>
+                    </a:schemeClr>
+                  </a:lnRef>
+                  <a:fillRef idx="1">
+                    <a:schemeClr val="accent1"/>
+                  </a:fillRef>
+                  <a:effectRef idx="0">
+                    <a:schemeClr val="accent1"/>
+                  </a:effectRef>
+                  <a:fontRef idx="minor">
+                    <a:schemeClr val="lt1"/>
+                  </a:fontRef>
+                </p:style>
+                <p:txBody>
+                  <a:bodyPr rtlCol="0" anchor="ctr"/>
+                  <a:lstStyle/>
+                  <a:p>
+                    <a:pPr algn="ctr"/>
+                    <a:endParaRPr lang="pt-PT" dirty="0"/>
+                  </a:p>
+                </p:txBody>
+              </p:sp>
+              <p:sp>
+                <p:nvSpPr>
+                  <p:cNvPr id="9" name="Retângulo 8">
+                    <a:extLst>
+                      <a:ext uri="{FF2B5EF4-FFF2-40B4-BE49-F238E27FC236}">
+                        <a16:creationId xmlns:a16="http://schemas.microsoft.com/office/drawing/2014/main" id="{064401E6-1760-7B57-FA17-A25A90420738}"/>
+                      </a:ext>
+                    </a:extLst>
+                  </p:cNvPr>
+                  <p:cNvSpPr/>
+                  <p:nvPr/>
+                </p:nvSpPr>
+                <p:spPr>
+                  <a:xfrm>
+                    <a:off x="6173966" y="990982"/>
+                    <a:ext cx="1226820" cy="3337178"/>
+                  </a:xfrm>
+                  <a:prstGeom prst="rect">
+                    <a:avLst/>
+                  </a:prstGeom>
+                  <a:solidFill>
+                    <a:schemeClr val="bg2">
+                      <a:lumMod val="90000"/>
+                    </a:schemeClr>
+                  </a:solidFill>
+                  <a:ln>
+                    <a:solidFill>
+                      <a:schemeClr val="bg2">
+                        <a:lumMod val="50000"/>
+                      </a:schemeClr>
+                    </a:solidFill>
+                  </a:ln>
+                </p:spPr>
+                <p:style>
+                  <a:lnRef idx="2">
+                    <a:schemeClr val="accent1">
+                      <a:shade val="50000"/>
+                    </a:schemeClr>
+                  </a:lnRef>
+                  <a:fillRef idx="1">
+                    <a:schemeClr val="accent1"/>
+                  </a:fillRef>
+                  <a:effectRef idx="0">
+                    <a:schemeClr val="accent1"/>
+                  </a:effectRef>
+                  <a:fontRef idx="minor">
+                    <a:schemeClr val="lt1"/>
+                  </a:fontRef>
+                </p:style>
+                <p:txBody>
+                  <a:bodyPr rtlCol="0" anchor="ctr"/>
+                  <a:lstStyle/>
+                  <a:p>
+                    <a:pPr algn="ctr"/>
+                    <a:endParaRPr lang="pt-PT" dirty="0"/>
+                  </a:p>
+                </p:txBody>
+              </p:sp>
+              <p:sp>
+                <p:nvSpPr>
+                  <p:cNvPr id="6" name="Retângulo 5">
+                    <a:extLst>
+                      <a:ext uri="{FF2B5EF4-FFF2-40B4-BE49-F238E27FC236}">
+                        <a16:creationId xmlns:a16="http://schemas.microsoft.com/office/drawing/2014/main" id="{A8A3E4C9-41B0-CAE7-7F23-19CECA504009}"/>
+                      </a:ext>
+                    </a:extLst>
+                  </p:cNvPr>
+                  <p:cNvSpPr/>
+                  <p:nvPr/>
+                </p:nvSpPr>
+                <p:spPr>
+                  <a:xfrm>
+                    <a:off x="4119217" y="3269974"/>
+                    <a:ext cx="3988905" cy="1393466"/>
+                  </a:xfrm>
+                  <a:prstGeom prst="rect">
+                    <a:avLst/>
+                  </a:prstGeom>
+                  <a:solidFill>
+                    <a:schemeClr val="bg2">
+                      <a:lumMod val="90000"/>
+                    </a:schemeClr>
+                  </a:solidFill>
+                  <a:ln>
+                    <a:solidFill>
+                      <a:schemeClr val="bg2">
+                        <a:lumMod val="50000"/>
+                      </a:schemeClr>
+                    </a:solidFill>
+                  </a:ln>
+                </p:spPr>
+                <p:style>
+                  <a:lnRef idx="2">
+                    <a:schemeClr val="accent1">
+                      <a:shade val="50000"/>
+                    </a:schemeClr>
+                  </a:lnRef>
+                  <a:fillRef idx="1">
+                    <a:schemeClr val="accent1"/>
+                  </a:fillRef>
+                  <a:effectRef idx="0">
+                    <a:schemeClr val="accent1"/>
+                  </a:effectRef>
+                  <a:fontRef idx="minor">
+                    <a:schemeClr val="lt1"/>
+                  </a:fontRef>
+                </p:style>
+                <p:txBody>
+                  <a:bodyPr rtlCol="0" anchor="ctr"/>
+                  <a:lstStyle/>
+                  <a:p>
+                    <a:pPr algn="ctr"/>
+                    <a:endParaRPr lang="pt-PT" dirty="0"/>
+                  </a:p>
+                </p:txBody>
+              </p:sp>
+              <p:sp>
+                <p:nvSpPr>
+                  <p:cNvPr id="7" name="Fluxograma: Atraso 6">
+                    <a:extLst>
+                      <a:ext uri="{FF2B5EF4-FFF2-40B4-BE49-F238E27FC236}">
+                        <a16:creationId xmlns:a16="http://schemas.microsoft.com/office/drawing/2014/main" id="{A6DF496E-F81E-8138-F775-0BB5981FBC7C}"/>
+                      </a:ext>
+                    </a:extLst>
+                  </p:cNvPr>
+                  <p:cNvSpPr/>
+                  <p:nvPr/>
+                </p:nvSpPr>
+                <p:spPr>
+                  <a:xfrm flipH="1">
+                    <a:off x="3203563" y="3269974"/>
+                    <a:ext cx="915654" cy="1393466"/>
+                  </a:xfrm>
+                  <a:custGeom>
+                    <a:avLst/>
+                    <a:gdLst>
+                      <a:gd name="connsiteX0" fmla="*/ 0 w 915642"/>
+                      <a:gd name="connsiteY0" fmla="*/ 0 h 1393466"/>
+                      <a:gd name="connsiteX1" fmla="*/ 457821 w 915642"/>
+                      <a:gd name="connsiteY1" fmla="*/ 0 h 1393466"/>
+                      <a:gd name="connsiteX2" fmla="*/ 915642 w 915642"/>
+                      <a:gd name="connsiteY2" fmla="*/ 696733 h 1393466"/>
+                      <a:gd name="connsiteX3" fmla="*/ 457821 w 915642"/>
+                      <a:gd name="connsiteY3" fmla="*/ 1393466 h 1393466"/>
+                      <a:gd name="connsiteX4" fmla="*/ 0 w 915642"/>
+                      <a:gd name="connsiteY4" fmla="*/ 1393466 h 1393466"/>
+                      <a:gd name="connsiteX5" fmla="*/ 0 w 915642"/>
+                      <a:gd name="connsiteY5" fmla="*/ 0 h 1393466"/>
+                      <a:gd name="connsiteX0" fmla="*/ 0 w 921802"/>
+                      <a:gd name="connsiteY0" fmla="*/ 0 h 1393466"/>
+                      <a:gd name="connsiteX1" fmla="*/ 162546 w 921802"/>
+                      <a:gd name="connsiteY1" fmla="*/ 9525 h 1393466"/>
+                      <a:gd name="connsiteX2" fmla="*/ 915642 w 921802"/>
+                      <a:gd name="connsiteY2" fmla="*/ 696733 h 1393466"/>
+                      <a:gd name="connsiteX3" fmla="*/ 457821 w 921802"/>
+                      <a:gd name="connsiteY3" fmla="*/ 1393466 h 1393466"/>
+                      <a:gd name="connsiteX4" fmla="*/ 0 w 921802"/>
+                      <a:gd name="connsiteY4" fmla="*/ 1393466 h 1393466"/>
+                      <a:gd name="connsiteX5" fmla="*/ 0 w 921802"/>
+                      <a:gd name="connsiteY5" fmla="*/ 0 h 1393466"/>
+                      <a:gd name="connsiteX0" fmla="*/ 0 w 917247"/>
+                      <a:gd name="connsiteY0" fmla="*/ 0 h 1393466"/>
+                      <a:gd name="connsiteX1" fmla="*/ 319709 w 917247"/>
+                      <a:gd name="connsiteY1" fmla="*/ 4762 h 1393466"/>
+                      <a:gd name="connsiteX2" fmla="*/ 915642 w 917247"/>
+                      <a:gd name="connsiteY2" fmla="*/ 696733 h 1393466"/>
+                      <a:gd name="connsiteX3" fmla="*/ 457821 w 917247"/>
+                      <a:gd name="connsiteY3" fmla="*/ 1393466 h 1393466"/>
+                      <a:gd name="connsiteX4" fmla="*/ 0 w 917247"/>
+                      <a:gd name="connsiteY4" fmla="*/ 1393466 h 1393466"/>
+                      <a:gd name="connsiteX5" fmla="*/ 0 w 917247"/>
+                      <a:gd name="connsiteY5" fmla="*/ 0 h 1393466"/>
+                      <a:gd name="connsiteX0" fmla="*/ 0 w 917247"/>
+                      <a:gd name="connsiteY0" fmla="*/ 0 h 1395582"/>
+                      <a:gd name="connsiteX1" fmla="*/ 319709 w 917247"/>
+                      <a:gd name="connsiteY1" fmla="*/ 4762 h 1395582"/>
+                      <a:gd name="connsiteX2" fmla="*/ 915642 w 917247"/>
+                      <a:gd name="connsiteY2" fmla="*/ 696733 h 1395582"/>
+                      <a:gd name="connsiteX3" fmla="*/ 457821 w 917247"/>
+                      <a:gd name="connsiteY3" fmla="*/ 1393466 h 1395582"/>
+                      <a:gd name="connsiteX4" fmla="*/ 0 w 917247"/>
+                      <a:gd name="connsiteY4" fmla="*/ 1393466 h 1395582"/>
+                      <a:gd name="connsiteX5" fmla="*/ 0 w 917247"/>
+                      <a:gd name="connsiteY5" fmla="*/ 0 h 1395582"/>
+                      <a:gd name="connsiteX0" fmla="*/ 0 w 916004"/>
+                      <a:gd name="connsiteY0" fmla="*/ 0 h 1395582"/>
+                      <a:gd name="connsiteX1" fmla="*/ 319709 w 916004"/>
+                      <a:gd name="connsiteY1" fmla="*/ 4762 h 1395582"/>
+                      <a:gd name="connsiteX2" fmla="*/ 915642 w 916004"/>
+                      <a:gd name="connsiteY2" fmla="*/ 696733 h 1395582"/>
+                      <a:gd name="connsiteX3" fmla="*/ 391146 w 916004"/>
+                      <a:gd name="connsiteY3" fmla="*/ 1393466 h 1395582"/>
+                      <a:gd name="connsiteX4" fmla="*/ 0 w 916004"/>
+                      <a:gd name="connsiteY4" fmla="*/ 1393466 h 1395582"/>
+                      <a:gd name="connsiteX5" fmla="*/ 0 w 916004"/>
+                      <a:gd name="connsiteY5" fmla="*/ 0 h 1395582"/>
+                      <a:gd name="connsiteX0" fmla="*/ 0 w 915678"/>
+                      <a:gd name="connsiteY0" fmla="*/ 0 h 1399561"/>
+                      <a:gd name="connsiteX1" fmla="*/ 319709 w 915678"/>
+                      <a:gd name="connsiteY1" fmla="*/ 4762 h 1399561"/>
+                      <a:gd name="connsiteX2" fmla="*/ 915642 w 915678"/>
+                      <a:gd name="connsiteY2" fmla="*/ 696733 h 1399561"/>
+                      <a:gd name="connsiteX3" fmla="*/ 343521 w 915678"/>
+                      <a:gd name="connsiteY3" fmla="*/ 1398228 h 1399561"/>
+                      <a:gd name="connsiteX4" fmla="*/ 0 w 915678"/>
+                      <a:gd name="connsiteY4" fmla="*/ 1393466 h 1399561"/>
+                      <a:gd name="connsiteX5" fmla="*/ 0 w 915678"/>
+                      <a:gd name="connsiteY5" fmla="*/ 0 h 1399561"/>
+                      <a:gd name="connsiteX0" fmla="*/ 0 w 915654"/>
+                      <a:gd name="connsiteY0" fmla="*/ 0 h 1393466"/>
+                      <a:gd name="connsiteX1" fmla="*/ 319709 w 915654"/>
+                      <a:gd name="connsiteY1" fmla="*/ 4762 h 1393466"/>
+                      <a:gd name="connsiteX2" fmla="*/ 915642 w 915654"/>
+                      <a:gd name="connsiteY2" fmla="*/ 696733 h 1393466"/>
+                      <a:gd name="connsiteX3" fmla="*/ 333996 w 915654"/>
+                      <a:gd name="connsiteY3" fmla="*/ 1391878 h 1393466"/>
+                      <a:gd name="connsiteX4" fmla="*/ 0 w 915654"/>
+                      <a:gd name="connsiteY4" fmla="*/ 1393466 h 1393466"/>
+                      <a:gd name="connsiteX5" fmla="*/ 0 w 915654"/>
+                      <a:gd name="connsiteY5" fmla="*/ 0 h 1393466"/>
+                    </a:gdLst>
+                    <a:ahLst/>
+                    <a:cxnLst>
+                      <a:cxn ang="0">
+                        <a:pos x="connsiteX0" y="connsiteY0"/>
+                      </a:cxn>
+                      <a:cxn ang="0">
+                        <a:pos x="connsiteX1" y="connsiteY1"/>
+                      </a:cxn>
+                      <a:cxn ang="0">
+                        <a:pos x="connsiteX2" y="connsiteY2"/>
+                      </a:cxn>
+                      <a:cxn ang="0">
+                        <a:pos x="connsiteX3" y="connsiteY3"/>
+                      </a:cxn>
+                      <a:cxn ang="0">
+                        <a:pos x="connsiteX4" y="connsiteY4"/>
+                      </a:cxn>
+                      <a:cxn ang="0">
+                        <a:pos x="connsiteX5" y="connsiteY5"/>
+                      </a:cxn>
+                    </a:cxnLst>
+                    <a:rect l="l" t="t" r="r" b="b"/>
+                    <a:pathLst>
+                      <a:path w="915654" h="1393466">
+                        <a:moveTo>
+                          <a:pt x="0" y="0"/>
+                        </a:moveTo>
+                        <a:cubicBezTo>
+                          <a:pt x="152607" y="0"/>
+                          <a:pt x="167102" y="4762"/>
+                          <a:pt x="319709" y="4762"/>
+                        </a:cubicBezTo>
+                        <a:cubicBezTo>
+                          <a:pt x="572557" y="4762"/>
+                          <a:pt x="913261" y="465547"/>
+                          <a:pt x="915642" y="696733"/>
+                        </a:cubicBezTo>
+                        <a:cubicBezTo>
+                          <a:pt x="918023" y="927919"/>
+                          <a:pt x="586844" y="1391878"/>
+                          <a:pt x="333996" y="1391878"/>
+                        </a:cubicBezTo>
+                        <a:lnTo>
+                          <a:pt x="0" y="1393466"/>
+                        </a:lnTo>
+                        <a:lnTo>
+                          <a:pt x="0" y="0"/>
+                        </a:lnTo>
+                        <a:close/>
+                      </a:path>
+                    </a:pathLst>
+                  </a:custGeom>
+                  <a:solidFill>
+                    <a:schemeClr val="bg2">
+                      <a:lumMod val="90000"/>
+                    </a:schemeClr>
+                  </a:solidFill>
+                  <a:ln>
+                    <a:solidFill>
+                      <a:schemeClr val="bg2">
+                        <a:lumMod val="50000"/>
+                      </a:schemeClr>
+                    </a:solidFill>
+                  </a:ln>
+                </p:spPr>
+                <p:style>
+                  <a:lnRef idx="2">
+                    <a:schemeClr val="accent1">
+                      <a:shade val="50000"/>
+                    </a:schemeClr>
+                  </a:lnRef>
+                  <a:fillRef idx="1">
+                    <a:schemeClr val="accent1"/>
+                  </a:fillRef>
+                  <a:effectRef idx="0">
+                    <a:schemeClr val="accent1"/>
+                  </a:effectRef>
+                  <a:fontRef idx="minor">
+                    <a:schemeClr val="lt1"/>
+                  </a:fontRef>
+                </p:style>
+                <p:txBody>
+                  <a:bodyPr rtlCol="0" anchor="ctr"/>
+                  <a:lstStyle/>
+                  <a:p>
+                    <a:pPr algn="ctr"/>
+                    <a:endParaRPr lang="pt-PT" dirty="0"/>
+                  </a:p>
+                </p:txBody>
+              </p:sp>
+              <p:sp>
+                <p:nvSpPr>
+                  <p:cNvPr id="10" name="Fluxograma: Atraso 9">
+                    <a:extLst>
+                      <a:ext uri="{FF2B5EF4-FFF2-40B4-BE49-F238E27FC236}">
+                        <a16:creationId xmlns:a16="http://schemas.microsoft.com/office/drawing/2014/main" id="{A0E66709-B77D-F6EA-3038-FEA15EC45FDC}"/>
+                      </a:ext>
+                    </a:extLst>
+                  </p:cNvPr>
+                  <p:cNvSpPr/>
+                  <p:nvPr/>
+                </p:nvSpPr>
+                <p:spPr>
+                  <a:xfrm>
+                    <a:off x="8108124" y="3263624"/>
+                    <a:ext cx="634345" cy="1406166"/>
+                  </a:xfrm>
+                  <a:custGeom>
+                    <a:avLst/>
+                    <a:gdLst>
+                      <a:gd name="connsiteX0" fmla="*/ 0 w 608937"/>
+                      <a:gd name="connsiteY0" fmla="*/ 0 h 1393466"/>
+                      <a:gd name="connsiteX1" fmla="*/ 304469 w 608937"/>
+                      <a:gd name="connsiteY1" fmla="*/ 0 h 1393466"/>
+                      <a:gd name="connsiteX2" fmla="*/ 608938 w 608937"/>
+                      <a:gd name="connsiteY2" fmla="*/ 696733 h 1393466"/>
+                      <a:gd name="connsiteX3" fmla="*/ 304469 w 608937"/>
+                      <a:gd name="connsiteY3" fmla="*/ 1393466 h 1393466"/>
+                      <a:gd name="connsiteX4" fmla="*/ 0 w 608937"/>
+                      <a:gd name="connsiteY4" fmla="*/ 1393466 h 1393466"/>
+                      <a:gd name="connsiteX5" fmla="*/ 0 w 608937"/>
+                      <a:gd name="connsiteY5" fmla="*/ 0 h 1393466"/>
+                      <a:gd name="connsiteX0" fmla="*/ 0 w 634338"/>
+                      <a:gd name="connsiteY0" fmla="*/ 0 h 1393466"/>
+                      <a:gd name="connsiteX1" fmla="*/ 304469 w 634338"/>
+                      <a:gd name="connsiteY1" fmla="*/ 0 h 1393466"/>
+                      <a:gd name="connsiteX2" fmla="*/ 634338 w 634338"/>
+                      <a:gd name="connsiteY2" fmla="*/ 696733 h 1393466"/>
+                      <a:gd name="connsiteX3" fmla="*/ 304469 w 634338"/>
+                      <a:gd name="connsiteY3" fmla="*/ 1393466 h 1393466"/>
+                      <a:gd name="connsiteX4" fmla="*/ 0 w 634338"/>
+                      <a:gd name="connsiteY4" fmla="*/ 1393466 h 1393466"/>
+                      <a:gd name="connsiteX5" fmla="*/ 0 w 634338"/>
+                      <a:gd name="connsiteY5" fmla="*/ 0 h 1393466"/>
+                      <a:gd name="connsiteX0" fmla="*/ 0 w 635654"/>
+                      <a:gd name="connsiteY0" fmla="*/ 0 h 1399816"/>
+                      <a:gd name="connsiteX1" fmla="*/ 304469 w 635654"/>
+                      <a:gd name="connsiteY1" fmla="*/ 0 h 1399816"/>
+                      <a:gd name="connsiteX2" fmla="*/ 634338 w 635654"/>
+                      <a:gd name="connsiteY2" fmla="*/ 696733 h 1399816"/>
+                      <a:gd name="connsiteX3" fmla="*/ 193344 w 635654"/>
+                      <a:gd name="connsiteY3" fmla="*/ 1399816 h 1399816"/>
+                      <a:gd name="connsiteX4" fmla="*/ 0 w 635654"/>
+                      <a:gd name="connsiteY4" fmla="*/ 1393466 h 1399816"/>
+                      <a:gd name="connsiteX5" fmla="*/ 0 w 635654"/>
+                      <a:gd name="connsiteY5" fmla="*/ 0 h 1399816"/>
+                      <a:gd name="connsiteX0" fmla="*/ 0 w 636413"/>
+                      <a:gd name="connsiteY0" fmla="*/ 0 h 1402991"/>
+                      <a:gd name="connsiteX1" fmla="*/ 304469 w 636413"/>
+                      <a:gd name="connsiteY1" fmla="*/ 0 h 1402991"/>
+                      <a:gd name="connsiteX2" fmla="*/ 634338 w 636413"/>
+                      <a:gd name="connsiteY2" fmla="*/ 696733 h 1402991"/>
+                      <a:gd name="connsiteX3" fmla="*/ 161594 w 636413"/>
+                      <a:gd name="connsiteY3" fmla="*/ 1402991 h 1402991"/>
+                      <a:gd name="connsiteX4" fmla="*/ 0 w 636413"/>
+                      <a:gd name="connsiteY4" fmla="*/ 1393466 h 1402991"/>
+                      <a:gd name="connsiteX5" fmla="*/ 0 w 636413"/>
+                      <a:gd name="connsiteY5" fmla="*/ 0 h 1402991"/>
+                      <a:gd name="connsiteX0" fmla="*/ 0 w 637888"/>
+                      <a:gd name="connsiteY0" fmla="*/ 0 h 1393466"/>
+                      <a:gd name="connsiteX1" fmla="*/ 304469 w 637888"/>
+                      <a:gd name="connsiteY1" fmla="*/ 0 h 1393466"/>
+                      <a:gd name="connsiteX2" fmla="*/ 634338 w 637888"/>
+                      <a:gd name="connsiteY2" fmla="*/ 696733 h 1393466"/>
+                      <a:gd name="connsiteX3" fmla="*/ 110794 w 637888"/>
+                      <a:gd name="connsiteY3" fmla="*/ 1390291 h 1393466"/>
+                      <a:gd name="connsiteX4" fmla="*/ 0 w 637888"/>
+                      <a:gd name="connsiteY4" fmla="*/ 1393466 h 1393466"/>
+                      <a:gd name="connsiteX5" fmla="*/ 0 w 637888"/>
+                      <a:gd name="connsiteY5" fmla="*/ 0 h 1393466"/>
+                      <a:gd name="connsiteX0" fmla="*/ 0 w 637888"/>
+                      <a:gd name="connsiteY0" fmla="*/ 0 h 1393466"/>
+                      <a:gd name="connsiteX1" fmla="*/ 304469 w 637888"/>
+                      <a:gd name="connsiteY1" fmla="*/ 0 h 1393466"/>
+                      <a:gd name="connsiteX2" fmla="*/ 634338 w 637888"/>
+                      <a:gd name="connsiteY2" fmla="*/ 696733 h 1393466"/>
+                      <a:gd name="connsiteX3" fmla="*/ 110794 w 637888"/>
+                      <a:gd name="connsiteY3" fmla="*/ 1390291 h 1393466"/>
+                      <a:gd name="connsiteX4" fmla="*/ 0 w 637888"/>
+                      <a:gd name="connsiteY4" fmla="*/ 1393466 h 1393466"/>
+                      <a:gd name="connsiteX5" fmla="*/ 0 w 637888"/>
+                      <a:gd name="connsiteY5" fmla="*/ 0 h 1393466"/>
+                      <a:gd name="connsiteX0" fmla="*/ 0 w 641730"/>
+                      <a:gd name="connsiteY0" fmla="*/ 0 h 1399816"/>
+                      <a:gd name="connsiteX1" fmla="*/ 304469 w 641730"/>
+                      <a:gd name="connsiteY1" fmla="*/ 0 h 1399816"/>
+                      <a:gd name="connsiteX2" fmla="*/ 634338 w 641730"/>
+                      <a:gd name="connsiteY2" fmla="*/ 696733 h 1399816"/>
+                      <a:gd name="connsiteX3" fmla="*/ 6019 w 641730"/>
+                      <a:gd name="connsiteY3" fmla="*/ 1399816 h 1399816"/>
+                      <a:gd name="connsiteX4" fmla="*/ 0 w 641730"/>
+                      <a:gd name="connsiteY4" fmla="*/ 1393466 h 1399816"/>
+                      <a:gd name="connsiteX5" fmla="*/ 0 w 641730"/>
+                      <a:gd name="connsiteY5" fmla="*/ 0 h 1399816"/>
+                      <a:gd name="connsiteX0" fmla="*/ 0 w 641730"/>
+                      <a:gd name="connsiteY0" fmla="*/ 0 h 1399816"/>
+                      <a:gd name="connsiteX1" fmla="*/ 304469 w 641730"/>
+                      <a:gd name="connsiteY1" fmla="*/ 0 h 1399816"/>
+                      <a:gd name="connsiteX2" fmla="*/ 634338 w 641730"/>
+                      <a:gd name="connsiteY2" fmla="*/ 696733 h 1399816"/>
+                      <a:gd name="connsiteX3" fmla="*/ 6019 w 641730"/>
+                      <a:gd name="connsiteY3" fmla="*/ 1399816 h 1399816"/>
+                      <a:gd name="connsiteX4" fmla="*/ 0 w 641730"/>
+                      <a:gd name="connsiteY4" fmla="*/ 1393466 h 1399816"/>
+                      <a:gd name="connsiteX5" fmla="*/ 0 w 641730"/>
+                      <a:gd name="connsiteY5" fmla="*/ 0 h 1399816"/>
+                      <a:gd name="connsiteX0" fmla="*/ 0 w 634338"/>
+                      <a:gd name="connsiteY0" fmla="*/ 0 h 1399816"/>
+                      <a:gd name="connsiteX1" fmla="*/ 9194 w 634338"/>
+                      <a:gd name="connsiteY1" fmla="*/ 12700 h 1399816"/>
+                      <a:gd name="connsiteX2" fmla="*/ 634338 w 634338"/>
+                      <a:gd name="connsiteY2" fmla="*/ 696733 h 1399816"/>
+                      <a:gd name="connsiteX3" fmla="*/ 6019 w 634338"/>
+                      <a:gd name="connsiteY3" fmla="*/ 1399816 h 1399816"/>
+                      <a:gd name="connsiteX4" fmla="*/ 0 w 634338"/>
+                      <a:gd name="connsiteY4" fmla="*/ 1393466 h 1399816"/>
+                      <a:gd name="connsiteX5" fmla="*/ 0 w 634338"/>
+                      <a:gd name="connsiteY5" fmla="*/ 0 h 1399816"/>
+                      <a:gd name="connsiteX0" fmla="*/ 0 w 634338"/>
+                      <a:gd name="connsiteY0" fmla="*/ 0 h 1399816"/>
+                      <a:gd name="connsiteX1" fmla="*/ 9194 w 634338"/>
+                      <a:gd name="connsiteY1" fmla="*/ 12700 h 1399816"/>
+                      <a:gd name="connsiteX2" fmla="*/ 634338 w 634338"/>
+                      <a:gd name="connsiteY2" fmla="*/ 696733 h 1399816"/>
+                      <a:gd name="connsiteX3" fmla="*/ 6019 w 634338"/>
+                      <a:gd name="connsiteY3" fmla="*/ 1399816 h 1399816"/>
+                      <a:gd name="connsiteX4" fmla="*/ 0 w 634338"/>
+                      <a:gd name="connsiteY4" fmla="*/ 1393466 h 1399816"/>
+                      <a:gd name="connsiteX5" fmla="*/ 0 w 634338"/>
+                      <a:gd name="connsiteY5" fmla="*/ 0 h 1399816"/>
+                      <a:gd name="connsiteX0" fmla="*/ 0 w 634338"/>
+                      <a:gd name="connsiteY0" fmla="*/ 0 h 1399816"/>
+                      <a:gd name="connsiteX1" fmla="*/ 9194 w 634338"/>
+                      <a:gd name="connsiteY1" fmla="*/ 12700 h 1399816"/>
+                      <a:gd name="connsiteX2" fmla="*/ 634338 w 634338"/>
+                      <a:gd name="connsiteY2" fmla="*/ 696733 h 1399816"/>
+                      <a:gd name="connsiteX3" fmla="*/ 6019 w 634338"/>
+                      <a:gd name="connsiteY3" fmla="*/ 1399816 h 1399816"/>
+                      <a:gd name="connsiteX4" fmla="*/ 0 w 634338"/>
+                      <a:gd name="connsiteY4" fmla="*/ 1393466 h 1399816"/>
+                      <a:gd name="connsiteX5" fmla="*/ 0 w 634338"/>
+                      <a:gd name="connsiteY5" fmla="*/ 0 h 1399816"/>
+                      <a:gd name="connsiteX0" fmla="*/ 0 w 634345"/>
+                      <a:gd name="connsiteY0" fmla="*/ 6350 h 1406166"/>
+                      <a:gd name="connsiteX1" fmla="*/ 15544 w 634345"/>
+                      <a:gd name="connsiteY1" fmla="*/ 0 h 1406166"/>
+                      <a:gd name="connsiteX2" fmla="*/ 634338 w 634345"/>
+                      <a:gd name="connsiteY2" fmla="*/ 703083 h 1406166"/>
+                      <a:gd name="connsiteX3" fmla="*/ 6019 w 634345"/>
+                      <a:gd name="connsiteY3" fmla="*/ 1406166 h 1406166"/>
+                      <a:gd name="connsiteX4" fmla="*/ 0 w 634345"/>
+                      <a:gd name="connsiteY4" fmla="*/ 1399816 h 1406166"/>
+                      <a:gd name="connsiteX5" fmla="*/ 0 w 634345"/>
+                      <a:gd name="connsiteY5" fmla="*/ 6350 h 1406166"/>
+                      <a:gd name="connsiteX0" fmla="*/ 0 w 634345"/>
+                      <a:gd name="connsiteY0" fmla="*/ 12700 h 1406166"/>
+                      <a:gd name="connsiteX1" fmla="*/ 15544 w 634345"/>
+                      <a:gd name="connsiteY1" fmla="*/ 0 h 1406166"/>
+                      <a:gd name="connsiteX2" fmla="*/ 634338 w 634345"/>
+                      <a:gd name="connsiteY2" fmla="*/ 703083 h 1406166"/>
+                      <a:gd name="connsiteX3" fmla="*/ 6019 w 634345"/>
+                      <a:gd name="connsiteY3" fmla="*/ 1406166 h 1406166"/>
+                      <a:gd name="connsiteX4" fmla="*/ 0 w 634345"/>
+                      <a:gd name="connsiteY4" fmla="*/ 1399816 h 1406166"/>
+                      <a:gd name="connsiteX5" fmla="*/ 0 w 634345"/>
+                      <a:gd name="connsiteY5" fmla="*/ 12700 h 1406166"/>
+                    </a:gdLst>
+                    <a:ahLst/>
+                    <a:cxnLst>
+                      <a:cxn ang="0">
+                        <a:pos x="connsiteX0" y="connsiteY0"/>
+                      </a:cxn>
+                      <a:cxn ang="0">
+                        <a:pos x="connsiteX1" y="connsiteY1"/>
+                      </a:cxn>
+                      <a:cxn ang="0">
+                        <a:pos x="connsiteX2" y="connsiteY2"/>
+                      </a:cxn>
+                      <a:cxn ang="0">
+                        <a:pos x="connsiteX3" y="connsiteY3"/>
+                      </a:cxn>
+                      <a:cxn ang="0">
+                        <a:pos x="connsiteX4" y="connsiteY4"/>
+                      </a:cxn>
+                      <a:cxn ang="0">
+                        <a:pos x="connsiteX5" y="connsiteY5"/>
+                      </a:cxn>
+                    </a:cxnLst>
+                    <a:rect l="l" t="t" r="r" b="b"/>
+                    <a:pathLst>
+                      <a:path w="634345" h="1406166">
+                        <a:moveTo>
+                          <a:pt x="0" y="12700"/>
+                        </a:moveTo>
+                        <a:lnTo>
+                          <a:pt x="15544" y="0"/>
+                        </a:lnTo>
+                        <a:cubicBezTo>
+                          <a:pt x="367848" y="203200"/>
+                          <a:pt x="635926" y="468722"/>
+                          <a:pt x="634338" y="703083"/>
+                        </a:cubicBezTo>
+                        <a:cubicBezTo>
+                          <a:pt x="632751" y="937444"/>
+                          <a:pt x="532948" y="1095016"/>
+                          <a:pt x="6019" y="1406166"/>
+                        </a:cubicBezTo>
+                        <a:lnTo>
+                          <a:pt x="0" y="1399816"/>
+                        </a:lnTo>
+                        <a:lnTo>
+                          <a:pt x="0" y="12700"/>
+                        </a:lnTo>
+                        <a:close/>
+                      </a:path>
+                    </a:pathLst>
+                  </a:custGeom>
+                  <a:solidFill>
+                    <a:schemeClr val="bg2">
+                      <a:lumMod val="90000"/>
+                    </a:schemeClr>
+                  </a:solidFill>
+                  <a:ln>
+                    <a:solidFill>
+                      <a:schemeClr val="bg2">
+                        <a:lumMod val="50000"/>
+                      </a:schemeClr>
+                    </a:solidFill>
+                  </a:ln>
+                </p:spPr>
+                <p:style>
+                  <a:lnRef idx="2">
+                    <a:schemeClr val="accent1">
+                      <a:shade val="50000"/>
+                    </a:schemeClr>
+                  </a:lnRef>
+                  <a:fillRef idx="1">
+                    <a:schemeClr val="accent1"/>
+                  </a:fillRef>
+                  <a:effectRef idx="0">
+                    <a:schemeClr val="accent1"/>
+                  </a:effectRef>
+                  <a:fontRef idx="minor">
+                    <a:schemeClr val="lt1"/>
+                  </a:fontRef>
+                </p:style>
+                <p:txBody>
+                  <a:bodyPr rtlCol="0" anchor="ctr"/>
+                  <a:lstStyle/>
+                  <a:p>
+                    <a:pPr algn="ctr"/>
+                    <a:endParaRPr lang="pt-PT" dirty="0"/>
+                  </a:p>
+                </p:txBody>
+              </p:sp>
+            </p:grpSp>
+            <p:grpSp>
+              <p:nvGrpSpPr>
+                <p:cNvPr id="50" name="Agrupar 49">
+                  <a:extLst>
+                    <a:ext uri="{FF2B5EF4-FFF2-40B4-BE49-F238E27FC236}">
+                      <a16:creationId xmlns:a16="http://schemas.microsoft.com/office/drawing/2014/main" id="{6943E87C-8474-1CD7-B77F-275FCB6DD712}"/>
+                    </a:ext>
+                  </a:extLst>
+                </p:cNvPr>
+                <p:cNvGrpSpPr/>
+                <p:nvPr/>
+              </p:nvGrpSpPr>
+              <p:grpSpPr>
+                <a:xfrm>
+                  <a:off x="3924251" y="4256426"/>
+                  <a:ext cx="2117268" cy="288000"/>
+                  <a:chOff x="3924251" y="4256426"/>
+                  <a:chExt cx="2117268" cy="288000"/>
+                </a:xfrm>
+              </p:grpSpPr>
+              <p:sp>
+                <p:nvSpPr>
+                  <p:cNvPr id="40" name="Retângulo 39">
+                    <a:extLst>
+                      <a:ext uri="{FF2B5EF4-FFF2-40B4-BE49-F238E27FC236}">
+                        <a16:creationId xmlns:a16="http://schemas.microsoft.com/office/drawing/2014/main" id="{E940D367-2F15-6FDB-F707-AE2FE3392466}"/>
+                      </a:ext>
+                    </a:extLst>
+                  </p:cNvPr>
+                  <p:cNvSpPr/>
+                  <p:nvPr/>
+                </p:nvSpPr>
+                <p:spPr>
+                  <a:xfrm>
+                    <a:off x="3924251" y="4256426"/>
+                    <a:ext cx="288000" cy="288000"/>
+                  </a:xfrm>
+                  <a:prstGeom prst="rect">
+                    <a:avLst/>
+                  </a:prstGeom>
+                </p:spPr>
+                <p:style>
+                  <a:lnRef idx="2">
+                    <a:schemeClr val="accent1">
+                      <a:shade val="50000"/>
+                    </a:schemeClr>
+                  </a:lnRef>
+                  <a:fillRef idx="1">
+                    <a:schemeClr val="accent1"/>
+                  </a:fillRef>
+                  <a:effectRef idx="0">
+                    <a:schemeClr val="accent1"/>
+                  </a:effectRef>
+                  <a:fontRef idx="minor">
+                    <a:schemeClr val="lt1"/>
+                  </a:fontRef>
+                </p:style>
+                <p:txBody>
+                  <a:bodyPr rtlCol="0" anchor="ctr"/>
+                  <a:lstStyle/>
+                  <a:p>
+                    <a:pPr algn="ctr"/>
+                    <a:endParaRPr lang="pt-PT" dirty="0"/>
+                  </a:p>
+                </p:txBody>
+              </p:sp>
+              <p:sp>
+                <p:nvSpPr>
+                  <p:cNvPr id="46" name="Retângulo 45">
+                    <a:extLst>
+                      <a:ext uri="{FF2B5EF4-FFF2-40B4-BE49-F238E27FC236}">
+                        <a16:creationId xmlns:a16="http://schemas.microsoft.com/office/drawing/2014/main" id="{B5224A88-713B-CD1F-1529-67D389DFBD58}"/>
+                      </a:ext>
+                    </a:extLst>
+                  </p:cNvPr>
+                  <p:cNvSpPr/>
+                  <p:nvPr/>
+                </p:nvSpPr>
+                <p:spPr>
+                  <a:xfrm>
+                    <a:off x="4382181" y="4256426"/>
+                    <a:ext cx="288000" cy="288000"/>
+                  </a:xfrm>
+                  <a:prstGeom prst="rect">
+                    <a:avLst/>
+                  </a:prstGeom>
+                </p:spPr>
+                <p:style>
+                  <a:lnRef idx="2">
+                    <a:schemeClr val="accent1">
+                      <a:shade val="50000"/>
+                    </a:schemeClr>
+                  </a:lnRef>
+                  <a:fillRef idx="1">
+                    <a:schemeClr val="accent1"/>
+                  </a:fillRef>
+                  <a:effectRef idx="0">
+                    <a:schemeClr val="accent1"/>
+                  </a:effectRef>
+                  <a:fontRef idx="minor">
+                    <a:schemeClr val="lt1"/>
+                  </a:fontRef>
+                </p:style>
+                <p:txBody>
+                  <a:bodyPr rtlCol="0" anchor="ctr"/>
+                  <a:lstStyle/>
+                  <a:p>
+                    <a:pPr algn="ctr"/>
+                    <a:endParaRPr lang="pt-PT" dirty="0"/>
+                  </a:p>
+                </p:txBody>
+              </p:sp>
+              <p:sp>
+                <p:nvSpPr>
+                  <p:cNvPr id="47" name="Retângulo 46">
+                    <a:extLst>
+                      <a:ext uri="{FF2B5EF4-FFF2-40B4-BE49-F238E27FC236}">
+                        <a16:creationId xmlns:a16="http://schemas.microsoft.com/office/drawing/2014/main" id="{7EBC3461-4AE7-0B83-700D-B6F164B815B0}"/>
+                      </a:ext>
+                    </a:extLst>
+                  </p:cNvPr>
+                  <p:cNvSpPr/>
+                  <p:nvPr/>
+                </p:nvSpPr>
+                <p:spPr>
+                  <a:xfrm>
+                    <a:off x="4840111" y="4256426"/>
+                    <a:ext cx="288000" cy="288000"/>
+                  </a:xfrm>
+                  <a:prstGeom prst="rect">
+                    <a:avLst/>
+                  </a:prstGeom>
+                </p:spPr>
+                <p:style>
+                  <a:lnRef idx="2">
+                    <a:schemeClr val="accent1">
+                      <a:shade val="50000"/>
+                    </a:schemeClr>
+                  </a:lnRef>
+                  <a:fillRef idx="1">
+                    <a:schemeClr val="accent1"/>
+                  </a:fillRef>
+                  <a:effectRef idx="0">
+                    <a:schemeClr val="accent1"/>
+                  </a:effectRef>
+                  <a:fontRef idx="minor">
+                    <a:schemeClr val="lt1"/>
+                  </a:fontRef>
+                </p:style>
+                <p:txBody>
+                  <a:bodyPr rtlCol="0" anchor="ctr"/>
+                  <a:lstStyle/>
+                  <a:p>
+                    <a:pPr algn="ctr"/>
+                    <a:endParaRPr lang="pt-PT" dirty="0"/>
+                  </a:p>
+                </p:txBody>
+              </p:sp>
+              <p:sp>
+                <p:nvSpPr>
+                  <p:cNvPr id="48" name="Retângulo 47">
+                    <a:extLst>
+                      <a:ext uri="{FF2B5EF4-FFF2-40B4-BE49-F238E27FC236}">
+                        <a16:creationId xmlns:a16="http://schemas.microsoft.com/office/drawing/2014/main" id="{EBEBE159-84D9-B6A1-6C65-C87BE4A09315}"/>
+                      </a:ext>
+                    </a:extLst>
+                  </p:cNvPr>
+                  <p:cNvSpPr/>
+                  <p:nvPr/>
+                </p:nvSpPr>
+                <p:spPr>
+                  <a:xfrm>
+                    <a:off x="5295692" y="4256426"/>
+                    <a:ext cx="288000" cy="288000"/>
+                  </a:xfrm>
+                  <a:prstGeom prst="rect">
+                    <a:avLst/>
+                  </a:prstGeom>
+                </p:spPr>
+                <p:style>
+                  <a:lnRef idx="2">
+                    <a:schemeClr val="accent1">
+                      <a:shade val="50000"/>
+                    </a:schemeClr>
+                  </a:lnRef>
+                  <a:fillRef idx="1">
+                    <a:schemeClr val="accent1"/>
+                  </a:fillRef>
+                  <a:effectRef idx="0">
+                    <a:schemeClr val="accent1"/>
+                  </a:effectRef>
+                  <a:fontRef idx="minor">
+                    <a:schemeClr val="lt1"/>
+                  </a:fontRef>
+                </p:style>
+                <p:txBody>
+                  <a:bodyPr rtlCol="0" anchor="ctr"/>
+                  <a:lstStyle/>
+                  <a:p>
+                    <a:pPr algn="ctr"/>
+                    <a:endParaRPr lang="pt-PT" dirty="0"/>
+                  </a:p>
+                </p:txBody>
+              </p:sp>
+              <p:sp>
+                <p:nvSpPr>
+                  <p:cNvPr id="49" name="Retângulo 48">
+                    <a:extLst>
+                      <a:ext uri="{FF2B5EF4-FFF2-40B4-BE49-F238E27FC236}">
+                        <a16:creationId xmlns:a16="http://schemas.microsoft.com/office/drawing/2014/main" id="{D19FFEEF-D3C7-F18A-9562-395A4D44FE90}"/>
+                      </a:ext>
+                    </a:extLst>
+                  </p:cNvPr>
+                  <p:cNvSpPr/>
+                  <p:nvPr/>
+                </p:nvSpPr>
+                <p:spPr>
+                  <a:xfrm>
+                    <a:off x="5753519" y="4256426"/>
+                    <a:ext cx="288000" cy="288000"/>
+                  </a:xfrm>
+                  <a:prstGeom prst="rect">
+                    <a:avLst/>
+                  </a:prstGeom>
+                </p:spPr>
+                <p:style>
+                  <a:lnRef idx="2">
+                    <a:schemeClr val="accent1">
+                      <a:shade val="50000"/>
+                    </a:schemeClr>
+                  </a:lnRef>
+                  <a:fillRef idx="1">
+                    <a:schemeClr val="accent1"/>
+                  </a:fillRef>
+                  <a:effectRef idx="0">
+                    <a:schemeClr val="accent1"/>
+                  </a:effectRef>
+                  <a:fontRef idx="minor">
+                    <a:schemeClr val="lt1"/>
+                  </a:fontRef>
+                </p:style>
+                <p:txBody>
+                  <a:bodyPr rtlCol="0" anchor="ctr"/>
+                  <a:lstStyle/>
+                  <a:p>
+                    <a:pPr algn="ctr"/>
+                    <a:endParaRPr lang="pt-PT" dirty="0"/>
+                  </a:p>
+                </p:txBody>
+              </p:sp>
+            </p:grpSp>
+            <p:grpSp>
+              <p:nvGrpSpPr>
+                <p:cNvPr id="51" name="Agrupar 50">
+                  <a:extLst>
+                    <a:ext uri="{FF2B5EF4-FFF2-40B4-BE49-F238E27FC236}">
+                      <a16:creationId xmlns:a16="http://schemas.microsoft.com/office/drawing/2014/main" id="{3CA821DE-A524-5743-15A4-153C6786628A}"/>
+                    </a:ext>
+                  </a:extLst>
+                </p:cNvPr>
+                <p:cNvGrpSpPr/>
+                <p:nvPr/>
+              </p:nvGrpSpPr>
+              <p:grpSpPr>
+                <a:xfrm>
+                  <a:off x="3931484" y="5113273"/>
+                  <a:ext cx="2117268" cy="288000"/>
+                  <a:chOff x="3924251" y="4256426"/>
+                  <a:chExt cx="2117268" cy="288000"/>
+                </a:xfrm>
+              </p:grpSpPr>
+              <p:sp>
+                <p:nvSpPr>
+                  <p:cNvPr id="52" name="Retângulo 51">
+                    <a:extLst>
+                      <a:ext uri="{FF2B5EF4-FFF2-40B4-BE49-F238E27FC236}">
+                        <a16:creationId xmlns:a16="http://schemas.microsoft.com/office/drawing/2014/main" id="{31DE9993-1867-0EAB-4826-1FC9BCA933B0}"/>
+                      </a:ext>
+                    </a:extLst>
+                  </p:cNvPr>
+                  <p:cNvSpPr/>
+                  <p:nvPr/>
+                </p:nvSpPr>
+                <p:spPr>
+                  <a:xfrm>
+                    <a:off x="3924251" y="4256426"/>
+                    <a:ext cx="288000" cy="288000"/>
+                  </a:xfrm>
+                  <a:prstGeom prst="rect">
+                    <a:avLst/>
+                  </a:prstGeom>
+                </p:spPr>
+                <p:style>
+                  <a:lnRef idx="2">
+                    <a:schemeClr val="accent1">
+                      <a:shade val="50000"/>
+                    </a:schemeClr>
+                  </a:lnRef>
+                  <a:fillRef idx="1">
+                    <a:schemeClr val="accent1"/>
+                  </a:fillRef>
+                  <a:effectRef idx="0">
+                    <a:schemeClr val="accent1"/>
+                  </a:effectRef>
+                  <a:fontRef idx="minor">
+                    <a:schemeClr val="lt1"/>
+                  </a:fontRef>
+                </p:style>
+                <p:txBody>
+                  <a:bodyPr rtlCol="0" anchor="ctr"/>
+                  <a:lstStyle/>
+                  <a:p>
+                    <a:pPr algn="ctr"/>
+                    <a:endParaRPr lang="pt-PT" dirty="0"/>
+                  </a:p>
+                </p:txBody>
+              </p:sp>
+              <p:sp>
+                <p:nvSpPr>
+                  <p:cNvPr id="53" name="Retângulo 52">
+                    <a:extLst>
+                      <a:ext uri="{FF2B5EF4-FFF2-40B4-BE49-F238E27FC236}">
+                        <a16:creationId xmlns:a16="http://schemas.microsoft.com/office/drawing/2014/main" id="{841E6150-441D-FB38-A8A5-E97C17886390}"/>
+                      </a:ext>
+                    </a:extLst>
+                  </p:cNvPr>
+                  <p:cNvSpPr/>
+                  <p:nvPr/>
+                </p:nvSpPr>
+                <p:spPr>
+                  <a:xfrm>
+                    <a:off x="4382181" y="4256426"/>
+                    <a:ext cx="288000" cy="288000"/>
+                  </a:xfrm>
+                  <a:prstGeom prst="rect">
+                    <a:avLst/>
+                  </a:prstGeom>
+                </p:spPr>
+                <p:style>
+                  <a:lnRef idx="2">
+                    <a:schemeClr val="accent1">
+                      <a:shade val="50000"/>
+                    </a:schemeClr>
+                  </a:lnRef>
+                  <a:fillRef idx="1">
+                    <a:schemeClr val="accent1"/>
+                  </a:fillRef>
+                  <a:effectRef idx="0">
+                    <a:schemeClr val="accent1"/>
+                  </a:effectRef>
+                  <a:fontRef idx="minor">
+                    <a:schemeClr val="lt1"/>
+                  </a:fontRef>
+                </p:style>
+                <p:txBody>
+                  <a:bodyPr rtlCol="0" anchor="ctr"/>
+                  <a:lstStyle/>
+                  <a:p>
+                    <a:pPr algn="ctr"/>
+                    <a:endParaRPr lang="pt-PT" dirty="0"/>
+                  </a:p>
+                </p:txBody>
+              </p:sp>
+              <p:sp>
+                <p:nvSpPr>
+                  <p:cNvPr id="54" name="Retângulo 53">
+                    <a:extLst>
+                      <a:ext uri="{FF2B5EF4-FFF2-40B4-BE49-F238E27FC236}">
+                        <a16:creationId xmlns:a16="http://schemas.microsoft.com/office/drawing/2014/main" id="{88B94301-C8D6-3A7C-5E3E-1E5DB8DA4CBE}"/>
+                      </a:ext>
+                    </a:extLst>
+                  </p:cNvPr>
+                  <p:cNvSpPr/>
+                  <p:nvPr/>
+                </p:nvSpPr>
+                <p:spPr>
+                  <a:xfrm>
+                    <a:off x="4840111" y="4256426"/>
+                    <a:ext cx="288000" cy="288000"/>
+                  </a:xfrm>
+                  <a:prstGeom prst="rect">
+                    <a:avLst/>
+                  </a:prstGeom>
+                </p:spPr>
+                <p:style>
+                  <a:lnRef idx="2">
+                    <a:schemeClr val="accent1">
+                      <a:shade val="50000"/>
+                    </a:schemeClr>
+                  </a:lnRef>
+                  <a:fillRef idx="1">
+                    <a:schemeClr val="accent1"/>
+                  </a:fillRef>
+                  <a:effectRef idx="0">
+                    <a:schemeClr val="accent1"/>
+                  </a:effectRef>
+                  <a:fontRef idx="minor">
+                    <a:schemeClr val="lt1"/>
+                  </a:fontRef>
+                </p:style>
+                <p:txBody>
+                  <a:bodyPr rtlCol="0" anchor="ctr"/>
+                  <a:lstStyle/>
+                  <a:p>
+                    <a:pPr algn="ctr"/>
+                    <a:endParaRPr lang="pt-PT" dirty="0"/>
+                  </a:p>
+                </p:txBody>
+              </p:sp>
+              <p:sp>
+                <p:nvSpPr>
+                  <p:cNvPr id="55" name="Retângulo 54">
+                    <a:extLst>
+                      <a:ext uri="{FF2B5EF4-FFF2-40B4-BE49-F238E27FC236}">
+                        <a16:creationId xmlns:a16="http://schemas.microsoft.com/office/drawing/2014/main" id="{560F2F22-E6E7-4CAB-EDB8-45F44493033C}"/>
+                      </a:ext>
+                    </a:extLst>
+                  </p:cNvPr>
+                  <p:cNvSpPr/>
+                  <p:nvPr/>
+                </p:nvSpPr>
+                <p:spPr>
+                  <a:xfrm>
+                    <a:off x="5295692" y="4256426"/>
+                    <a:ext cx="288000" cy="288000"/>
+                  </a:xfrm>
+                  <a:prstGeom prst="rect">
+                    <a:avLst/>
+                  </a:prstGeom>
+                </p:spPr>
+                <p:style>
+                  <a:lnRef idx="2">
+                    <a:schemeClr val="accent1">
+                      <a:shade val="50000"/>
+                    </a:schemeClr>
+                  </a:lnRef>
+                  <a:fillRef idx="1">
+                    <a:schemeClr val="accent1"/>
+                  </a:fillRef>
+                  <a:effectRef idx="0">
+                    <a:schemeClr val="accent1"/>
+                  </a:effectRef>
+                  <a:fontRef idx="minor">
+                    <a:schemeClr val="lt1"/>
+                  </a:fontRef>
+                </p:style>
+                <p:txBody>
+                  <a:bodyPr rtlCol="0" anchor="ctr"/>
+                  <a:lstStyle/>
+                  <a:p>
+                    <a:pPr algn="ctr"/>
+                    <a:endParaRPr lang="pt-PT" dirty="0"/>
+                  </a:p>
+                </p:txBody>
+              </p:sp>
+              <p:sp>
+                <p:nvSpPr>
+                  <p:cNvPr id="56" name="Retângulo 55">
+                    <a:extLst>
+                      <a:ext uri="{FF2B5EF4-FFF2-40B4-BE49-F238E27FC236}">
+                        <a16:creationId xmlns:a16="http://schemas.microsoft.com/office/drawing/2014/main" id="{1F31C486-DC80-82B9-22AC-FE96B00C7C53}"/>
+                      </a:ext>
+                    </a:extLst>
+                  </p:cNvPr>
+                  <p:cNvSpPr/>
+                  <p:nvPr/>
+                </p:nvSpPr>
+                <p:spPr>
+                  <a:xfrm>
+                    <a:off x="5753519" y="4256426"/>
+                    <a:ext cx="288000" cy="288000"/>
+                  </a:xfrm>
+                  <a:prstGeom prst="rect">
+                    <a:avLst/>
+                  </a:prstGeom>
+                </p:spPr>
+                <p:style>
+                  <a:lnRef idx="2">
+                    <a:schemeClr val="accent1">
+                      <a:shade val="50000"/>
+                    </a:schemeClr>
+                  </a:lnRef>
+                  <a:fillRef idx="1">
+                    <a:schemeClr val="accent1"/>
+                  </a:fillRef>
+                  <a:effectRef idx="0">
+                    <a:schemeClr val="accent1"/>
+                  </a:effectRef>
+                  <a:fontRef idx="minor">
+                    <a:schemeClr val="lt1"/>
+                  </a:fontRef>
+                </p:style>
+                <p:txBody>
+                  <a:bodyPr rtlCol="0" anchor="ctr"/>
+                  <a:lstStyle/>
+                  <a:p>
+                    <a:pPr algn="ctr"/>
+                    <a:endParaRPr lang="pt-PT" dirty="0"/>
+                  </a:p>
+                </p:txBody>
+              </p:sp>
+            </p:grpSp>
+            <p:sp>
+              <p:nvSpPr>
+                <p:cNvPr id="57" name="Retângulo 56">
+                  <a:extLst>
+                    <a:ext uri="{FF2B5EF4-FFF2-40B4-BE49-F238E27FC236}">
+                      <a16:creationId xmlns:a16="http://schemas.microsoft.com/office/drawing/2014/main" id="{A27D8E75-4212-D5F7-B3F6-16E76DE1FDEB}"/>
+                    </a:ext>
+                  </a:extLst>
+                </p:cNvPr>
+                <p:cNvSpPr/>
+                <p:nvPr/>
+              </p:nvSpPr>
+              <p:spPr>
+                <a:xfrm>
+                  <a:off x="7261774" y="4679956"/>
+                  <a:ext cx="288000" cy="288000"/>
+                </a:xfrm>
+                <a:prstGeom prst="rect">
+                  <a:avLst/>
+                </a:prstGeom>
+              </p:spPr>
+              <p:style>
+                <a:lnRef idx="2">
+                  <a:schemeClr val="accent1">
+                    <a:shade val="50000"/>
+                  </a:schemeClr>
+                </a:lnRef>
+                <a:fillRef idx="1">
+                  <a:schemeClr val="accent1"/>
+                </a:fillRef>
+                <a:effectRef idx="0">
+                  <a:schemeClr val="accent1"/>
+                </a:effectRef>
+                <a:fontRef idx="minor">
+                  <a:schemeClr val="lt1"/>
+                </a:fontRef>
+              </p:style>
+              <p:txBody>
+                <a:bodyPr rtlCol="0" anchor="ctr"/>
+                <a:lstStyle/>
+                <a:p>
+                  <a:pPr algn="ctr"/>
+                  <a:endParaRPr lang="pt-PT" dirty="0"/>
+                </a:p>
+              </p:txBody>
+            </p:sp>
+            <p:sp>
+              <p:nvSpPr>
+                <p:cNvPr id="81" name="Retângulo 80">
+                  <a:extLst>
+                    <a:ext uri="{FF2B5EF4-FFF2-40B4-BE49-F238E27FC236}">
+                      <a16:creationId xmlns:a16="http://schemas.microsoft.com/office/drawing/2014/main" id="{6173FC49-578A-48B0-C570-9CC79BBE4E0C}"/>
+                    </a:ext>
+                  </a:extLst>
+                </p:cNvPr>
+                <p:cNvSpPr/>
+                <p:nvPr/>
+              </p:nvSpPr>
+              <p:spPr>
+                <a:xfrm>
+                  <a:off x="2273718" y="2700824"/>
+                  <a:ext cx="180000" cy="180475"/>
+                </a:xfrm>
+                <a:prstGeom prst="rect">
+                  <a:avLst/>
+                </a:prstGeom>
+              </p:spPr>
+              <p:style>
+                <a:lnRef idx="2">
+                  <a:schemeClr val="accent1">
+                    <a:shade val="50000"/>
+                  </a:schemeClr>
+                </a:lnRef>
+                <a:fillRef idx="1">
+                  <a:schemeClr val="accent1"/>
+                </a:fillRef>
+                <a:effectRef idx="0">
+                  <a:schemeClr val="accent1"/>
+                </a:effectRef>
+                <a:fontRef idx="minor">
+                  <a:schemeClr val="lt1"/>
+                </a:fontRef>
+              </p:style>
+              <p:txBody>
+                <a:bodyPr rtlCol="0" anchor="ctr"/>
+                <a:lstStyle/>
+                <a:p>
+                  <a:pPr algn="ctr"/>
+                  <a:endParaRPr lang="pt-PT" dirty="0"/>
+                </a:p>
+              </p:txBody>
+            </p:sp>
+            <p:sp>
+              <p:nvSpPr>
+                <p:cNvPr id="82" name="CaixaDeTexto 81">
+                  <a:extLst>
+                    <a:ext uri="{FF2B5EF4-FFF2-40B4-BE49-F238E27FC236}">
+                      <a16:creationId xmlns:a16="http://schemas.microsoft.com/office/drawing/2014/main" id="{15AEE124-2274-067B-5DF9-936A5B4C377D}"/>
+                    </a:ext>
+                  </a:extLst>
+                </p:cNvPr>
+                <p:cNvSpPr txBox="1"/>
+                <p:nvPr/>
+              </p:nvSpPr>
+              <p:spPr>
+                <a:xfrm>
+                  <a:off x="2421606" y="2667950"/>
+                  <a:ext cx="1501091" cy="246221"/>
+                </a:xfrm>
+                <a:prstGeom prst="rect">
+                  <a:avLst/>
+                </a:prstGeom>
+                <a:noFill/>
+              </p:spPr>
+              <p:txBody>
+                <a:bodyPr wrap="square" rtlCol="0">
+                  <a:spAutoFit/>
+                </a:bodyPr>
+                <a:lstStyle/>
+                <a:p>
+                  <a:r>
+                    <a:rPr lang="pt-PT" sz="1000" dirty="0"/>
+                    <a:t>-</a:t>
+                  </a:r>
+                  <a:r>
+                    <a:rPr lang="pt-PT" sz="800" dirty="0"/>
+                    <a:t>Passengers</a:t>
+                  </a:r>
+                </a:p>
+              </p:txBody>
+            </p:sp>
+            <p:grpSp>
+              <p:nvGrpSpPr>
+                <p:cNvPr id="92" name="Agrupar 91">
+                  <a:extLst>
+                    <a:ext uri="{FF2B5EF4-FFF2-40B4-BE49-F238E27FC236}">
+                      <a16:creationId xmlns:a16="http://schemas.microsoft.com/office/drawing/2014/main" id="{DBAFB52E-56C3-EFEC-602C-6CEA54655F8A}"/>
+                    </a:ext>
+                  </a:extLst>
+                </p:cNvPr>
+                <p:cNvGrpSpPr/>
+                <p:nvPr/>
+              </p:nvGrpSpPr>
+              <p:grpSpPr>
+                <a:xfrm>
+                  <a:off x="3779698" y="803945"/>
+                  <a:ext cx="1696900" cy="2223748"/>
+                  <a:chOff x="3779698" y="803945"/>
+                  <a:chExt cx="1696900" cy="2223748"/>
+                </a:xfrm>
+              </p:grpSpPr>
+              <p:sp>
+                <p:nvSpPr>
+                  <p:cNvPr id="87" name="Retângulo 86">
+                    <a:extLst>
+                      <a:ext uri="{FF2B5EF4-FFF2-40B4-BE49-F238E27FC236}">
+                        <a16:creationId xmlns:a16="http://schemas.microsoft.com/office/drawing/2014/main" id="{8666E87B-F3E3-CFC5-9938-B4946B652580}"/>
+                      </a:ext>
+                    </a:extLst>
+                  </p:cNvPr>
+                  <p:cNvSpPr/>
+                  <p:nvPr/>
+                </p:nvSpPr>
+                <p:spPr>
+                  <a:xfrm rot="5400000">
+                    <a:off x="4270566" y="1337952"/>
+                    <a:ext cx="245863" cy="1227600"/>
+                  </a:xfrm>
+                  <a:prstGeom prst="rect">
+                    <a:avLst/>
+                  </a:prstGeom>
+                  <a:solidFill>
+                    <a:schemeClr val="bg2">
+                      <a:lumMod val="50000"/>
+                    </a:schemeClr>
+                  </a:solidFill>
+                  <a:ln>
+                    <a:solidFill>
+                      <a:schemeClr val="bg2">
+                        <a:lumMod val="50000"/>
+                      </a:schemeClr>
+                    </a:solidFill>
+                  </a:ln>
+                </p:spPr>
+                <p:style>
+                  <a:lnRef idx="2">
+                    <a:schemeClr val="accent1">
+                      <a:shade val="50000"/>
+                    </a:schemeClr>
+                  </a:lnRef>
+                  <a:fillRef idx="1">
+                    <a:schemeClr val="accent1"/>
+                  </a:fillRef>
+                  <a:effectRef idx="0">
+                    <a:schemeClr val="accent1"/>
+                  </a:effectRef>
+                  <a:fontRef idx="minor">
+                    <a:schemeClr val="lt1"/>
+                  </a:fontRef>
+                </p:style>
+                <p:txBody>
+                  <a:bodyPr rtlCol="0" anchor="ctr"/>
+                  <a:lstStyle/>
+                  <a:p>
+                    <a:pPr algn="ctr"/>
+                    <a:endParaRPr lang="pt-PT" dirty="0"/>
+                  </a:p>
+                </p:txBody>
+              </p:sp>
+              <p:sp>
+                <p:nvSpPr>
+                  <p:cNvPr id="90" name="Retângulo 89">
+                    <a:extLst>
+                      <a:ext uri="{FF2B5EF4-FFF2-40B4-BE49-F238E27FC236}">
+                        <a16:creationId xmlns:a16="http://schemas.microsoft.com/office/drawing/2014/main" id="{BEEA3335-942E-39E0-5AD8-B1CC19B30438}"/>
+                      </a:ext>
+                    </a:extLst>
+                  </p:cNvPr>
+                  <p:cNvSpPr/>
+                  <p:nvPr/>
+                </p:nvSpPr>
+                <p:spPr>
+                  <a:xfrm rot="8598820">
+                    <a:off x="5230735" y="1800093"/>
+                    <a:ext cx="245863" cy="1227600"/>
+                  </a:xfrm>
+                  <a:prstGeom prst="rect">
+                    <a:avLst/>
+                  </a:prstGeom>
+                  <a:solidFill>
+                    <a:schemeClr val="bg2">
+                      <a:lumMod val="50000"/>
+                    </a:schemeClr>
+                  </a:solidFill>
+                  <a:ln>
+                    <a:solidFill>
+                      <a:schemeClr val="bg2">
+                        <a:lumMod val="50000"/>
+                      </a:schemeClr>
+                    </a:solidFill>
+                  </a:ln>
+                </p:spPr>
+                <p:style>
+                  <a:lnRef idx="2">
+                    <a:schemeClr val="accent1">
+                      <a:shade val="50000"/>
+                    </a:schemeClr>
+                  </a:lnRef>
+                  <a:fillRef idx="1">
+                    <a:schemeClr val="accent1"/>
+                  </a:fillRef>
+                  <a:effectRef idx="0">
+                    <a:schemeClr val="accent1"/>
+                  </a:effectRef>
+                  <a:fontRef idx="minor">
+                    <a:schemeClr val="lt1"/>
+                  </a:fontRef>
+                </p:style>
+                <p:txBody>
+                  <a:bodyPr rtlCol="0" anchor="ctr"/>
+                  <a:lstStyle/>
+                  <a:p>
+                    <a:pPr algn="ctr"/>
+                    <a:endParaRPr lang="pt-PT" dirty="0"/>
+                  </a:p>
+                </p:txBody>
+              </p:sp>
+              <p:sp>
+                <p:nvSpPr>
+                  <p:cNvPr id="91" name="Retângulo 90">
+                    <a:extLst>
+                      <a:ext uri="{FF2B5EF4-FFF2-40B4-BE49-F238E27FC236}">
+                        <a16:creationId xmlns:a16="http://schemas.microsoft.com/office/drawing/2014/main" id="{18A04A70-82D5-66BA-58E0-A705F426AA71}"/>
+                      </a:ext>
+                    </a:extLst>
+                  </p:cNvPr>
+                  <p:cNvSpPr/>
+                  <p:nvPr/>
+                </p:nvSpPr>
+                <p:spPr>
+                  <a:xfrm rot="12648134">
+                    <a:off x="5188055" y="803945"/>
+                    <a:ext cx="245863" cy="1227600"/>
+                  </a:xfrm>
+                  <a:prstGeom prst="rect">
+                    <a:avLst/>
+                  </a:prstGeom>
+                  <a:solidFill>
+                    <a:schemeClr val="bg2">
+                      <a:lumMod val="50000"/>
+                    </a:schemeClr>
+                  </a:solidFill>
+                  <a:ln>
+                    <a:solidFill>
+                      <a:schemeClr val="bg2">
+                        <a:lumMod val="50000"/>
+                      </a:schemeClr>
+                    </a:solidFill>
+                  </a:ln>
+                </p:spPr>
+                <p:style>
+                  <a:lnRef idx="2">
+                    <a:schemeClr val="accent1">
+                      <a:shade val="50000"/>
+                    </a:schemeClr>
+                  </a:lnRef>
+                  <a:fillRef idx="1">
+                    <a:schemeClr val="accent1"/>
+                  </a:fillRef>
+                  <a:effectRef idx="0">
+                    <a:schemeClr val="accent1"/>
+                  </a:effectRef>
+                  <a:fontRef idx="minor">
+                    <a:schemeClr val="lt1"/>
+                  </a:fontRef>
+                </p:style>
+                <p:txBody>
+                  <a:bodyPr rtlCol="0" anchor="ctr"/>
+                  <a:lstStyle/>
+                  <a:p>
+                    <a:pPr algn="ctr"/>
+                    <a:endParaRPr lang="pt-PT" dirty="0"/>
+                  </a:p>
+                </p:txBody>
+              </p:sp>
+            </p:grpSp>
+            <p:grpSp>
+              <p:nvGrpSpPr>
+                <p:cNvPr id="93" name="Agrupar 92">
+                  <a:extLst>
+                    <a:ext uri="{FF2B5EF4-FFF2-40B4-BE49-F238E27FC236}">
+                      <a16:creationId xmlns:a16="http://schemas.microsoft.com/office/drawing/2014/main" id="{75B9BAF1-0D45-BA1B-6233-25411B290E73}"/>
+                    </a:ext>
+                  </a:extLst>
+                </p:cNvPr>
+                <p:cNvGrpSpPr/>
+                <p:nvPr/>
+              </p:nvGrpSpPr>
+              <p:grpSpPr>
+                <a:xfrm rot="15411599">
+                  <a:off x="6901768" y="1183760"/>
+                  <a:ext cx="1696900" cy="2223748"/>
+                  <a:chOff x="3779698" y="803945"/>
+                  <a:chExt cx="1696900" cy="2223748"/>
+                </a:xfrm>
+              </p:grpSpPr>
+              <p:sp>
+                <p:nvSpPr>
+                  <p:cNvPr id="94" name="Retângulo 93">
+                    <a:extLst>
+                      <a:ext uri="{FF2B5EF4-FFF2-40B4-BE49-F238E27FC236}">
+                        <a16:creationId xmlns:a16="http://schemas.microsoft.com/office/drawing/2014/main" id="{63403F3E-0834-F52A-F29F-B4FC480C3002}"/>
+                      </a:ext>
+                    </a:extLst>
+                  </p:cNvPr>
+                  <p:cNvSpPr/>
+                  <p:nvPr/>
+                </p:nvSpPr>
+                <p:spPr>
+                  <a:xfrm rot="5400000">
+                    <a:off x="4270566" y="1337952"/>
+                    <a:ext cx="245863" cy="1227600"/>
+                  </a:xfrm>
+                  <a:prstGeom prst="rect">
+                    <a:avLst/>
+                  </a:prstGeom>
+                  <a:solidFill>
+                    <a:schemeClr val="bg2">
+                      <a:lumMod val="50000"/>
+                    </a:schemeClr>
+                  </a:solidFill>
+                  <a:ln>
+                    <a:solidFill>
+                      <a:schemeClr val="bg2">
+                        <a:lumMod val="50000"/>
+                      </a:schemeClr>
+                    </a:solidFill>
+                  </a:ln>
+                </p:spPr>
+                <p:style>
+                  <a:lnRef idx="2">
+                    <a:schemeClr val="accent1">
+                      <a:shade val="50000"/>
+                    </a:schemeClr>
+                  </a:lnRef>
+                  <a:fillRef idx="1">
+                    <a:schemeClr val="accent1"/>
+                  </a:fillRef>
+                  <a:effectRef idx="0">
+                    <a:schemeClr val="accent1"/>
+                  </a:effectRef>
+                  <a:fontRef idx="minor">
+                    <a:schemeClr val="lt1"/>
+                  </a:fontRef>
+                </p:style>
+                <p:txBody>
+                  <a:bodyPr rtlCol="0" anchor="ctr"/>
+                  <a:lstStyle/>
+                  <a:p>
+                    <a:pPr algn="ctr"/>
+                    <a:endParaRPr lang="pt-PT" dirty="0"/>
+                  </a:p>
+                </p:txBody>
+              </p:sp>
+              <p:sp>
+                <p:nvSpPr>
+                  <p:cNvPr id="95" name="Retângulo 94">
+                    <a:extLst>
+                      <a:ext uri="{FF2B5EF4-FFF2-40B4-BE49-F238E27FC236}">
+                        <a16:creationId xmlns:a16="http://schemas.microsoft.com/office/drawing/2014/main" id="{D6D89799-2E3B-81C0-DD3C-4EF02C389BEA}"/>
+                      </a:ext>
+                    </a:extLst>
+                  </p:cNvPr>
+                  <p:cNvSpPr/>
+                  <p:nvPr/>
+                </p:nvSpPr>
+                <p:spPr>
+                  <a:xfrm rot="8598820">
+                    <a:off x="5230735" y="1800093"/>
+                    <a:ext cx="245863" cy="1227600"/>
+                  </a:xfrm>
+                  <a:prstGeom prst="rect">
+                    <a:avLst/>
+                  </a:prstGeom>
+                  <a:solidFill>
+                    <a:schemeClr val="bg2">
+                      <a:lumMod val="50000"/>
+                    </a:schemeClr>
+                  </a:solidFill>
+                  <a:ln>
+                    <a:solidFill>
+                      <a:schemeClr val="bg2">
+                        <a:lumMod val="50000"/>
+                      </a:schemeClr>
+                    </a:solidFill>
+                  </a:ln>
+                </p:spPr>
+                <p:style>
+                  <a:lnRef idx="2">
+                    <a:schemeClr val="accent1">
+                      <a:shade val="50000"/>
+                    </a:schemeClr>
+                  </a:lnRef>
+                  <a:fillRef idx="1">
+                    <a:schemeClr val="accent1"/>
+                  </a:fillRef>
+                  <a:effectRef idx="0">
+                    <a:schemeClr val="accent1"/>
+                  </a:effectRef>
+                  <a:fontRef idx="minor">
+                    <a:schemeClr val="lt1"/>
+                  </a:fontRef>
+                </p:style>
+                <p:txBody>
+                  <a:bodyPr rtlCol="0" anchor="ctr"/>
+                  <a:lstStyle/>
+                  <a:p>
+                    <a:pPr algn="ctr"/>
+                    <a:endParaRPr lang="pt-PT" dirty="0"/>
+                  </a:p>
+                </p:txBody>
+              </p:sp>
+              <p:sp>
+                <p:nvSpPr>
+                  <p:cNvPr id="96" name="Retângulo 95">
+                    <a:extLst>
+                      <a:ext uri="{FF2B5EF4-FFF2-40B4-BE49-F238E27FC236}">
+                        <a16:creationId xmlns:a16="http://schemas.microsoft.com/office/drawing/2014/main" id="{91FE3F5C-0A4A-0605-A20E-E6C6AECA3E21}"/>
+                      </a:ext>
+                    </a:extLst>
+                  </p:cNvPr>
+                  <p:cNvSpPr/>
+                  <p:nvPr/>
+                </p:nvSpPr>
+                <p:spPr>
+                  <a:xfrm rot="12648134">
+                    <a:off x="5188055" y="803945"/>
+                    <a:ext cx="245863" cy="1227600"/>
+                  </a:xfrm>
+                  <a:prstGeom prst="rect">
+                    <a:avLst/>
+                  </a:prstGeom>
+                  <a:solidFill>
+                    <a:schemeClr val="bg2">
+                      <a:lumMod val="50000"/>
+                    </a:schemeClr>
+                  </a:solidFill>
+                  <a:ln>
+                    <a:solidFill>
+                      <a:schemeClr val="bg2">
+                        <a:lumMod val="50000"/>
+                      </a:schemeClr>
+                    </a:solidFill>
+                  </a:ln>
+                </p:spPr>
+                <p:style>
+                  <a:lnRef idx="2">
+                    <a:schemeClr val="accent1">
+                      <a:shade val="50000"/>
+                    </a:schemeClr>
+                  </a:lnRef>
+                  <a:fillRef idx="1">
+                    <a:schemeClr val="accent1"/>
+                  </a:fillRef>
+                  <a:effectRef idx="0">
+                    <a:schemeClr val="accent1"/>
+                  </a:effectRef>
+                  <a:fontRef idx="minor">
+                    <a:schemeClr val="lt1"/>
+                  </a:fontRef>
+                </p:style>
+                <p:txBody>
+                  <a:bodyPr rtlCol="0" anchor="ctr"/>
+                  <a:lstStyle/>
+                  <a:p>
+                    <a:pPr algn="ctr"/>
+                    <a:endParaRPr lang="pt-PT" dirty="0"/>
+                  </a:p>
+                </p:txBody>
+              </p:sp>
+            </p:grpSp>
+            <p:grpSp>
+              <p:nvGrpSpPr>
+                <p:cNvPr id="97" name="Agrupar 96">
+                  <a:extLst>
+                    <a:ext uri="{FF2B5EF4-FFF2-40B4-BE49-F238E27FC236}">
+                      <a16:creationId xmlns:a16="http://schemas.microsoft.com/office/drawing/2014/main" id="{4D7E3363-B30B-A71C-7F57-07773D3BA454}"/>
+                    </a:ext>
+                  </a:extLst>
+                </p:cNvPr>
+                <p:cNvGrpSpPr/>
+                <p:nvPr/>
+              </p:nvGrpSpPr>
+              <p:grpSpPr>
+                <a:xfrm>
+                  <a:off x="2205002" y="3306746"/>
+                  <a:ext cx="180000" cy="256000"/>
+                  <a:chOff x="3779698" y="803945"/>
+                  <a:chExt cx="1696900" cy="2223748"/>
+                </a:xfrm>
+              </p:grpSpPr>
+              <p:sp>
+                <p:nvSpPr>
+                  <p:cNvPr id="98" name="Retângulo 97">
+                    <a:extLst>
+                      <a:ext uri="{FF2B5EF4-FFF2-40B4-BE49-F238E27FC236}">
+                        <a16:creationId xmlns:a16="http://schemas.microsoft.com/office/drawing/2014/main" id="{55989BC5-2555-2873-F610-4CE124315995}"/>
+                      </a:ext>
+                    </a:extLst>
+                  </p:cNvPr>
+                  <p:cNvSpPr/>
+                  <p:nvPr/>
+                </p:nvSpPr>
+                <p:spPr>
+                  <a:xfrm rot="5400000">
+                    <a:off x="4270566" y="1337952"/>
+                    <a:ext cx="245863" cy="1227600"/>
+                  </a:xfrm>
+                  <a:prstGeom prst="rect">
+                    <a:avLst/>
+                  </a:prstGeom>
+                  <a:solidFill>
+                    <a:schemeClr val="bg2">
+                      <a:lumMod val="50000"/>
+                    </a:schemeClr>
+                  </a:solidFill>
+                  <a:ln>
+                    <a:solidFill>
+                      <a:schemeClr val="bg2">
+                        <a:lumMod val="50000"/>
+                      </a:schemeClr>
+                    </a:solidFill>
+                  </a:ln>
+                </p:spPr>
+                <p:style>
+                  <a:lnRef idx="2">
+                    <a:schemeClr val="accent1">
+                      <a:shade val="50000"/>
+                    </a:schemeClr>
+                  </a:lnRef>
+                  <a:fillRef idx="1">
+                    <a:schemeClr val="accent1"/>
+                  </a:fillRef>
+                  <a:effectRef idx="0">
+                    <a:schemeClr val="accent1"/>
+                  </a:effectRef>
+                  <a:fontRef idx="minor">
+                    <a:schemeClr val="lt1"/>
+                  </a:fontRef>
+                </p:style>
+                <p:txBody>
+                  <a:bodyPr rtlCol="0" anchor="ctr"/>
+                  <a:lstStyle/>
+                  <a:p>
+                    <a:pPr algn="ctr"/>
+                    <a:endParaRPr lang="pt-PT" dirty="0"/>
+                  </a:p>
+                </p:txBody>
+              </p:sp>
+              <p:sp>
+                <p:nvSpPr>
+                  <p:cNvPr id="99" name="Retângulo 98">
+                    <a:extLst>
+                      <a:ext uri="{FF2B5EF4-FFF2-40B4-BE49-F238E27FC236}">
+                        <a16:creationId xmlns:a16="http://schemas.microsoft.com/office/drawing/2014/main" id="{71D89E37-DDF4-15E0-D6D2-D2E97B5F1B2A}"/>
+                      </a:ext>
+                    </a:extLst>
+                  </p:cNvPr>
+                  <p:cNvSpPr/>
+                  <p:nvPr/>
+                </p:nvSpPr>
+                <p:spPr>
+                  <a:xfrm rot="8598820">
+                    <a:off x="5230735" y="1800093"/>
+                    <a:ext cx="245863" cy="1227600"/>
+                  </a:xfrm>
+                  <a:prstGeom prst="rect">
+                    <a:avLst/>
+                  </a:prstGeom>
+                  <a:solidFill>
+                    <a:schemeClr val="bg2">
+                      <a:lumMod val="50000"/>
+                    </a:schemeClr>
+                  </a:solidFill>
+                  <a:ln>
+                    <a:solidFill>
+                      <a:schemeClr val="bg2">
+                        <a:lumMod val="50000"/>
+                      </a:schemeClr>
+                    </a:solidFill>
+                  </a:ln>
+                </p:spPr>
+                <p:style>
+                  <a:lnRef idx="2">
+                    <a:schemeClr val="accent1">
+                      <a:shade val="50000"/>
+                    </a:schemeClr>
+                  </a:lnRef>
+                  <a:fillRef idx="1">
+                    <a:schemeClr val="accent1"/>
+                  </a:fillRef>
+                  <a:effectRef idx="0">
+                    <a:schemeClr val="accent1"/>
+                  </a:effectRef>
+                  <a:fontRef idx="minor">
+                    <a:schemeClr val="lt1"/>
+                  </a:fontRef>
+                </p:style>
+                <p:txBody>
+                  <a:bodyPr rtlCol="0" anchor="ctr"/>
+                  <a:lstStyle/>
+                  <a:p>
+                    <a:pPr algn="ctr"/>
+                    <a:endParaRPr lang="pt-PT" dirty="0"/>
+                  </a:p>
+                </p:txBody>
+              </p:sp>
+              <p:sp>
+                <p:nvSpPr>
+                  <p:cNvPr id="100" name="Retângulo 99">
+                    <a:extLst>
+                      <a:ext uri="{FF2B5EF4-FFF2-40B4-BE49-F238E27FC236}">
+                        <a16:creationId xmlns:a16="http://schemas.microsoft.com/office/drawing/2014/main" id="{021985E4-A1D4-971A-B599-8B6D998D8230}"/>
+                      </a:ext>
+                    </a:extLst>
+                  </p:cNvPr>
+                  <p:cNvSpPr/>
+                  <p:nvPr/>
+                </p:nvSpPr>
+                <p:spPr>
+                  <a:xfrm rot="12648134">
+                    <a:off x="5188059" y="803945"/>
+                    <a:ext cx="245862" cy="1227596"/>
+                  </a:xfrm>
+                  <a:prstGeom prst="rect">
+                    <a:avLst/>
+                  </a:prstGeom>
+                  <a:solidFill>
+                    <a:schemeClr val="bg2">
+                      <a:lumMod val="50000"/>
+                    </a:schemeClr>
+                  </a:solidFill>
+                  <a:ln>
+                    <a:solidFill>
+                      <a:schemeClr val="bg2">
+                        <a:lumMod val="50000"/>
+                      </a:schemeClr>
+                    </a:solidFill>
+                  </a:ln>
+                </p:spPr>
+                <p:style>
+                  <a:lnRef idx="2">
+                    <a:schemeClr val="accent1">
+                      <a:shade val="50000"/>
+                    </a:schemeClr>
+                  </a:lnRef>
+                  <a:fillRef idx="1">
+                    <a:schemeClr val="accent1"/>
+                  </a:fillRef>
+                  <a:effectRef idx="0">
+                    <a:schemeClr val="accent1"/>
+                  </a:effectRef>
+                  <a:fontRef idx="minor">
+                    <a:schemeClr val="lt1"/>
+                  </a:fontRef>
+                </p:style>
+                <p:txBody>
+                  <a:bodyPr rtlCol="0" anchor="ctr"/>
+                  <a:lstStyle/>
+                  <a:p>
+                    <a:pPr algn="ctr"/>
+                    <a:endParaRPr lang="pt-PT" dirty="0"/>
+                  </a:p>
+                </p:txBody>
+              </p:sp>
+            </p:grpSp>
+            <p:sp>
+              <p:nvSpPr>
+                <p:cNvPr id="105" name="CaixaDeTexto 104">
+                  <a:extLst>
+                    <a:ext uri="{FF2B5EF4-FFF2-40B4-BE49-F238E27FC236}">
+                      <a16:creationId xmlns:a16="http://schemas.microsoft.com/office/drawing/2014/main" id="{B3AF3909-C915-C07B-1D65-8308A8D5707F}"/>
+                    </a:ext>
+                  </a:extLst>
+                </p:cNvPr>
+                <p:cNvSpPr txBox="1"/>
+                <p:nvPr/>
+              </p:nvSpPr>
+              <p:spPr>
+                <a:xfrm>
+                  <a:off x="2406097" y="3301030"/>
+                  <a:ext cx="1783469" cy="246221"/>
+                </a:xfrm>
+                <a:prstGeom prst="rect">
+                  <a:avLst/>
+                </a:prstGeom>
+                <a:noFill/>
+              </p:spPr>
+              <p:txBody>
+                <a:bodyPr wrap="square" rtlCol="0">
+                  <a:spAutoFit/>
+                </a:bodyPr>
+                <a:lstStyle/>
+                <a:p>
+                  <a:r>
+                    <a:rPr lang="pt-PT" sz="1000" dirty="0"/>
+                    <a:t>-</a:t>
+                  </a:r>
+                  <a:r>
+                    <a:rPr lang="pt-PT" sz="800" dirty="0"/>
+                    <a:t>Electric Rotor</a:t>
+                  </a:r>
+                </a:p>
+              </p:txBody>
+            </p:sp>
+          </p:grpSp>
           <p:sp>
             <p:nvSpPr>
-              <p:cNvPr id="8" name="Retângulo 7">
+              <p:cNvPr id="2" name="Arrow: Right 1">
                 <a:extLst>
                   <a:ext uri="{FF2B5EF4-FFF2-40B4-BE49-F238E27FC236}">
-                    <a16:creationId xmlns:a16="http://schemas.microsoft.com/office/drawing/2014/main" id="{9E6BDAEE-2DF3-B4FD-6729-0E9FE57D7A76}"/>
+                    <a16:creationId xmlns:a16="http://schemas.microsoft.com/office/drawing/2014/main" id="{5C823BAD-FE97-4FD1-8815-5BA34DC4F792}"/>
                   </a:ext>
                 </a:extLst>
               </p:cNvPr>
@@ -14364,665 +16297,10 @@
             </p:nvSpPr>
             <p:spPr>
               <a:xfrm>
-                <a:off x="3510280" y="990982"/>
-                <a:ext cx="1226820" cy="3337178"/>
+                <a:off x="4103532" y="4814222"/>
+                <a:ext cx="2254840" cy="51081"/>
               </a:xfrm>
-              <a:prstGeom prst="rect">
-                <a:avLst/>
-              </a:prstGeom>
-              <a:solidFill>
-                <a:schemeClr val="bg2">
-                  <a:lumMod val="90000"/>
-                </a:schemeClr>
-              </a:solidFill>
-              <a:ln>
-                <a:solidFill>
-                  <a:schemeClr val="bg2">
-                    <a:lumMod val="50000"/>
-                  </a:schemeClr>
-                </a:solidFill>
-              </a:ln>
-            </p:spPr>
-            <p:style>
-              <a:lnRef idx="2">
-                <a:schemeClr val="accent1">
-                  <a:shade val="50000"/>
-                </a:schemeClr>
-              </a:lnRef>
-              <a:fillRef idx="1">
-                <a:schemeClr val="accent1"/>
-              </a:fillRef>
-              <a:effectRef idx="0">
-                <a:schemeClr val="accent1"/>
-              </a:effectRef>
-              <a:fontRef idx="minor">
-                <a:schemeClr val="lt1"/>
-              </a:fontRef>
-            </p:style>
-            <p:txBody>
-              <a:bodyPr rtlCol="0" anchor="ctr"/>
-              <a:lstStyle/>
-              <a:p>
-                <a:pPr algn="ctr"/>
-                <a:endParaRPr lang="pt-PT" dirty="0"/>
-              </a:p>
-            </p:txBody>
-          </p:sp>
-          <p:sp>
-            <p:nvSpPr>
-              <p:cNvPr id="9" name="Retângulo 8">
-                <a:extLst>
-                  <a:ext uri="{FF2B5EF4-FFF2-40B4-BE49-F238E27FC236}">
-                    <a16:creationId xmlns:a16="http://schemas.microsoft.com/office/drawing/2014/main" id="{064401E6-1760-7B57-FA17-A25A90420738}"/>
-                  </a:ext>
-                </a:extLst>
-              </p:cNvPr>
-              <p:cNvSpPr/>
-              <p:nvPr/>
-            </p:nvSpPr>
-            <p:spPr>
-              <a:xfrm>
-                <a:off x="6173966" y="990982"/>
-                <a:ext cx="1226820" cy="3337178"/>
-              </a:xfrm>
-              <a:prstGeom prst="rect">
-                <a:avLst/>
-              </a:prstGeom>
-              <a:solidFill>
-                <a:schemeClr val="bg2">
-                  <a:lumMod val="90000"/>
-                </a:schemeClr>
-              </a:solidFill>
-              <a:ln>
-                <a:solidFill>
-                  <a:schemeClr val="bg2">
-                    <a:lumMod val="50000"/>
-                  </a:schemeClr>
-                </a:solidFill>
-              </a:ln>
-            </p:spPr>
-            <p:style>
-              <a:lnRef idx="2">
-                <a:schemeClr val="accent1">
-                  <a:shade val="50000"/>
-                </a:schemeClr>
-              </a:lnRef>
-              <a:fillRef idx="1">
-                <a:schemeClr val="accent1"/>
-              </a:fillRef>
-              <a:effectRef idx="0">
-                <a:schemeClr val="accent1"/>
-              </a:effectRef>
-              <a:fontRef idx="minor">
-                <a:schemeClr val="lt1"/>
-              </a:fontRef>
-            </p:style>
-            <p:txBody>
-              <a:bodyPr rtlCol="0" anchor="ctr"/>
-              <a:lstStyle/>
-              <a:p>
-                <a:pPr algn="ctr"/>
-                <a:endParaRPr lang="pt-PT" dirty="0"/>
-              </a:p>
-            </p:txBody>
-          </p:sp>
-          <p:sp>
-            <p:nvSpPr>
-              <p:cNvPr id="6" name="Retângulo 5">
-                <a:extLst>
-                  <a:ext uri="{FF2B5EF4-FFF2-40B4-BE49-F238E27FC236}">
-                    <a16:creationId xmlns:a16="http://schemas.microsoft.com/office/drawing/2014/main" id="{A8A3E4C9-41B0-CAE7-7F23-19CECA504009}"/>
-                  </a:ext>
-                </a:extLst>
-              </p:cNvPr>
-              <p:cNvSpPr/>
-              <p:nvPr/>
-            </p:nvSpPr>
-            <p:spPr>
-              <a:xfrm>
-                <a:off x="4119217" y="3269974"/>
-                <a:ext cx="3988905" cy="1393466"/>
-              </a:xfrm>
-              <a:prstGeom prst="rect">
-                <a:avLst/>
-              </a:prstGeom>
-              <a:solidFill>
-                <a:schemeClr val="bg2">
-                  <a:lumMod val="90000"/>
-                </a:schemeClr>
-              </a:solidFill>
-              <a:ln>
-                <a:solidFill>
-                  <a:schemeClr val="bg2">
-                    <a:lumMod val="50000"/>
-                  </a:schemeClr>
-                </a:solidFill>
-              </a:ln>
-            </p:spPr>
-            <p:style>
-              <a:lnRef idx="2">
-                <a:schemeClr val="accent1">
-                  <a:shade val="50000"/>
-                </a:schemeClr>
-              </a:lnRef>
-              <a:fillRef idx="1">
-                <a:schemeClr val="accent1"/>
-              </a:fillRef>
-              <a:effectRef idx="0">
-                <a:schemeClr val="accent1"/>
-              </a:effectRef>
-              <a:fontRef idx="minor">
-                <a:schemeClr val="lt1"/>
-              </a:fontRef>
-            </p:style>
-            <p:txBody>
-              <a:bodyPr rtlCol="0" anchor="ctr"/>
-              <a:lstStyle/>
-              <a:p>
-                <a:pPr algn="ctr"/>
-                <a:endParaRPr lang="pt-PT" dirty="0"/>
-              </a:p>
-            </p:txBody>
-          </p:sp>
-          <p:sp>
-            <p:nvSpPr>
-              <p:cNvPr id="7" name="Fluxograma: Atraso 6">
-                <a:extLst>
-                  <a:ext uri="{FF2B5EF4-FFF2-40B4-BE49-F238E27FC236}">
-                    <a16:creationId xmlns:a16="http://schemas.microsoft.com/office/drawing/2014/main" id="{A6DF496E-F81E-8138-F775-0BB5981FBC7C}"/>
-                  </a:ext>
-                </a:extLst>
-              </p:cNvPr>
-              <p:cNvSpPr/>
-              <p:nvPr/>
-            </p:nvSpPr>
-            <p:spPr>
-              <a:xfrm flipH="1">
-                <a:off x="3203563" y="3269974"/>
-                <a:ext cx="915654" cy="1393466"/>
-              </a:xfrm>
-              <a:custGeom>
-                <a:avLst/>
-                <a:gdLst>
-                  <a:gd name="connsiteX0" fmla="*/ 0 w 915642"/>
-                  <a:gd name="connsiteY0" fmla="*/ 0 h 1393466"/>
-                  <a:gd name="connsiteX1" fmla="*/ 457821 w 915642"/>
-                  <a:gd name="connsiteY1" fmla="*/ 0 h 1393466"/>
-                  <a:gd name="connsiteX2" fmla="*/ 915642 w 915642"/>
-                  <a:gd name="connsiteY2" fmla="*/ 696733 h 1393466"/>
-                  <a:gd name="connsiteX3" fmla="*/ 457821 w 915642"/>
-                  <a:gd name="connsiteY3" fmla="*/ 1393466 h 1393466"/>
-                  <a:gd name="connsiteX4" fmla="*/ 0 w 915642"/>
-                  <a:gd name="connsiteY4" fmla="*/ 1393466 h 1393466"/>
-                  <a:gd name="connsiteX5" fmla="*/ 0 w 915642"/>
-                  <a:gd name="connsiteY5" fmla="*/ 0 h 1393466"/>
-                  <a:gd name="connsiteX0" fmla="*/ 0 w 921802"/>
-                  <a:gd name="connsiteY0" fmla="*/ 0 h 1393466"/>
-                  <a:gd name="connsiteX1" fmla="*/ 162546 w 921802"/>
-                  <a:gd name="connsiteY1" fmla="*/ 9525 h 1393466"/>
-                  <a:gd name="connsiteX2" fmla="*/ 915642 w 921802"/>
-                  <a:gd name="connsiteY2" fmla="*/ 696733 h 1393466"/>
-                  <a:gd name="connsiteX3" fmla="*/ 457821 w 921802"/>
-                  <a:gd name="connsiteY3" fmla="*/ 1393466 h 1393466"/>
-                  <a:gd name="connsiteX4" fmla="*/ 0 w 921802"/>
-                  <a:gd name="connsiteY4" fmla="*/ 1393466 h 1393466"/>
-                  <a:gd name="connsiteX5" fmla="*/ 0 w 921802"/>
-                  <a:gd name="connsiteY5" fmla="*/ 0 h 1393466"/>
-                  <a:gd name="connsiteX0" fmla="*/ 0 w 917247"/>
-                  <a:gd name="connsiteY0" fmla="*/ 0 h 1393466"/>
-                  <a:gd name="connsiteX1" fmla="*/ 319709 w 917247"/>
-                  <a:gd name="connsiteY1" fmla="*/ 4762 h 1393466"/>
-                  <a:gd name="connsiteX2" fmla="*/ 915642 w 917247"/>
-                  <a:gd name="connsiteY2" fmla="*/ 696733 h 1393466"/>
-                  <a:gd name="connsiteX3" fmla="*/ 457821 w 917247"/>
-                  <a:gd name="connsiteY3" fmla="*/ 1393466 h 1393466"/>
-                  <a:gd name="connsiteX4" fmla="*/ 0 w 917247"/>
-                  <a:gd name="connsiteY4" fmla="*/ 1393466 h 1393466"/>
-                  <a:gd name="connsiteX5" fmla="*/ 0 w 917247"/>
-                  <a:gd name="connsiteY5" fmla="*/ 0 h 1393466"/>
-                  <a:gd name="connsiteX0" fmla="*/ 0 w 917247"/>
-                  <a:gd name="connsiteY0" fmla="*/ 0 h 1395582"/>
-                  <a:gd name="connsiteX1" fmla="*/ 319709 w 917247"/>
-                  <a:gd name="connsiteY1" fmla="*/ 4762 h 1395582"/>
-                  <a:gd name="connsiteX2" fmla="*/ 915642 w 917247"/>
-                  <a:gd name="connsiteY2" fmla="*/ 696733 h 1395582"/>
-                  <a:gd name="connsiteX3" fmla="*/ 457821 w 917247"/>
-                  <a:gd name="connsiteY3" fmla="*/ 1393466 h 1395582"/>
-                  <a:gd name="connsiteX4" fmla="*/ 0 w 917247"/>
-                  <a:gd name="connsiteY4" fmla="*/ 1393466 h 1395582"/>
-                  <a:gd name="connsiteX5" fmla="*/ 0 w 917247"/>
-                  <a:gd name="connsiteY5" fmla="*/ 0 h 1395582"/>
-                  <a:gd name="connsiteX0" fmla="*/ 0 w 916004"/>
-                  <a:gd name="connsiteY0" fmla="*/ 0 h 1395582"/>
-                  <a:gd name="connsiteX1" fmla="*/ 319709 w 916004"/>
-                  <a:gd name="connsiteY1" fmla="*/ 4762 h 1395582"/>
-                  <a:gd name="connsiteX2" fmla="*/ 915642 w 916004"/>
-                  <a:gd name="connsiteY2" fmla="*/ 696733 h 1395582"/>
-                  <a:gd name="connsiteX3" fmla="*/ 391146 w 916004"/>
-                  <a:gd name="connsiteY3" fmla="*/ 1393466 h 1395582"/>
-                  <a:gd name="connsiteX4" fmla="*/ 0 w 916004"/>
-                  <a:gd name="connsiteY4" fmla="*/ 1393466 h 1395582"/>
-                  <a:gd name="connsiteX5" fmla="*/ 0 w 916004"/>
-                  <a:gd name="connsiteY5" fmla="*/ 0 h 1395582"/>
-                  <a:gd name="connsiteX0" fmla="*/ 0 w 915678"/>
-                  <a:gd name="connsiteY0" fmla="*/ 0 h 1399561"/>
-                  <a:gd name="connsiteX1" fmla="*/ 319709 w 915678"/>
-                  <a:gd name="connsiteY1" fmla="*/ 4762 h 1399561"/>
-                  <a:gd name="connsiteX2" fmla="*/ 915642 w 915678"/>
-                  <a:gd name="connsiteY2" fmla="*/ 696733 h 1399561"/>
-                  <a:gd name="connsiteX3" fmla="*/ 343521 w 915678"/>
-                  <a:gd name="connsiteY3" fmla="*/ 1398228 h 1399561"/>
-                  <a:gd name="connsiteX4" fmla="*/ 0 w 915678"/>
-                  <a:gd name="connsiteY4" fmla="*/ 1393466 h 1399561"/>
-                  <a:gd name="connsiteX5" fmla="*/ 0 w 915678"/>
-                  <a:gd name="connsiteY5" fmla="*/ 0 h 1399561"/>
-                  <a:gd name="connsiteX0" fmla="*/ 0 w 915654"/>
-                  <a:gd name="connsiteY0" fmla="*/ 0 h 1393466"/>
-                  <a:gd name="connsiteX1" fmla="*/ 319709 w 915654"/>
-                  <a:gd name="connsiteY1" fmla="*/ 4762 h 1393466"/>
-                  <a:gd name="connsiteX2" fmla="*/ 915642 w 915654"/>
-                  <a:gd name="connsiteY2" fmla="*/ 696733 h 1393466"/>
-                  <a:gd name="connsiteX3" fmla="*/ 333996 w 915654"/>
-                  <a:gd name="connsiteY3" fmla="*/ 1391878 h 1393466"/>
-                  <a:gd name="connsiteX4" fmla="*/ 0 w 915654"/>
-                  <a:gd name="connsiteY4" fmla="*/ 1393466 h 1393466"/>
-                  <a:gd name="connsiteX5" fmla="*/ 0 w 915654"/>
-                  <a:gd name="connsiteY5" fmla="*/ 0 h 1393466"/>
-                </a:gdLst>
-                <a:ahLst/>
-                <a:cxnLst>
-                  <a:cxn ang="0">
-                    <a:pos x="connsiteX0" y="connsiteY0"/>
-                  </a:cxn>
-                  <a:cxn ang="0">
-                    <a:pos x="connsiteX1" y="connsiteY1"/>
-                  </a:cxn>
-                  <a:cxn ang="0">
-                    <a:pos x="connsiteX2" y="connsiteY2"/>
-                  </a:cxn>
-                  <a:cxn ang="0">
-                    <a:pos x="connsiteX3" y="connsiteY3"/>
-                  </a:cxn>
-                  <a:cxn ang="0">
-                    <a:pos x="connsiteX4" y="connsiteY4"/>
-                  </a:cxn>
-                  <a:cxn ang="0">
-                    <a:pos x="connsiteX5" y="connsiteY5"/>
-                  </a:cxn>
-                </a:cxnLst>
-                <a:rect l="l" t="t" r="r" b="b"/>
-                <a:pathLst>
-                  <a:path w="915654" h="1393466">
-                    <a:moveTo>
-                      <a:pt x="0" y="0"/>
-                    </a:moveTo>
-                    <a:cubicBezTo>
-                      <a:pt x="152607" y="0"/>
-                      <a:pt x="167102" y="4762"/>
-                      <a:pt x="319709" y="4762"/>
-                    </a:cubicBezTo>
-                    <a:cubicBezTo>
-                      <a:pt x="572557" y="4762"/>
-                      <a:pt x="913261" y="465547"/>
-                      <a:pt x="915642" y="696733"/>
-                    </a:cubicBezTo>
-                    <a:cubicBezTo>
-                      <a:pt x="918023" y="927919"/>
-                      <a:pt x="586844" y="1391878"/>
-                      <a:pt x="333996" y="1391878"/>
-                    </a:cubicBezTo>
-                    <a:lnTo>
-                      <a:pt x="0" y="1393466"/>
-                    </a:lnTo>
-                    <a:lnTo>
-                      <a:pt x="0" y="0"/>
-                    </a:lnTo>
-                    <a:close/>
-                  </a:path>
-                </a:pathLst>
-              </a:custGeom>
-              <a:solidFill>
-                <a:schemeClr val="bg2">
-                  <a:lumMod val="90000"/>
-                </a:schemeClr>
-              </a:solidFill>
-              <a:ln>
-                <a:solidFill>
-                  <a:schemeClr val="bg2">
-                    <a:lumMod val="50000"/>
-                  </a:schemeClr>
-                </a:solidFill>
-              </a:ln>
-            </p:spPr>
-            <p:style>
-              <a:lnRef idx="2">
-                <a:schemeClr val="accent1">
-                  <a:shade val="50000"/>
-                </a:schemeClr>
-              </a:lnRef>
-              <a:fillRef idx="1">
-                <a:schemeClr val="accent1"/>
-              </a:fillRef>
-              <a:effectRef idx="0">
-                <a:schemeClr val="accent1"/>
-              </a:effectRef>
-              <a:fontRef idx="minor">
-                <a:schemeClr val="lt1"/>
-              </a:fontRef>
-            </p:style>
-            <p:txBody>
-              <a:bodyPr rtlCol="0" anchor="ctr"/>
-              <a:lstStyle/>
-              <a:p>
-                <a:pPr algn="ctr"/>
-                <a:endParaRPr lang="pt-PT" dirty="0"/>
-              </a:p>
-            </p:txBody>
-          </p:sp>
-          <p:sp>
-            <p:nvSpPr>
-              <p:cNvPr id="10" name="Fluxograma: Atraso 9">
-                <a:extLst>
-                  <a:ext uri="{FF2B5EF4-FFF2-40B4-BE49-F238E27FC236}">
-                    <a16:creationId xmlns:a16="http://schemas.microsoft.com/office/drawing/2014/main" id="{A0E66709-B77D-F6EA-3038-FEA15EC45FDC}"/>
-                  </a:ext>
-                </a:extLst>
-              </p:cNvPr>
-              <p:cNvSpPr/>
-              <p:nvPr/>
-            </p:nvSpPr>
-            <p:spPr>
-              <a:xfrm>
-                <a:off x="8108124" y="3263624"/>
-                <a:ext cx="634345" cy="1406166"/>
-              </a:xfrm>
-              <a:custGeom>
-                <a:avLst/>
-                <a:gdLst>
-                  <a:gd name="connsiteX0" fmla="*/ 0 w 608937"/>
-                  <a:gd name="connsiteY0" fmla="*/ 0 h 1393466"/>
-                  <a:gd name="connsiteX1" fmla="*/ 304469 w 608937"/>
-                  <a:gd name="connsiteY1" fmla="*/ 0 h 1393466"/>
-                  <a:gd name="connsiteX2" fmla="*/ 608938 w 608937"/>
-                  <a:gd name="connsiteY2" fmla="*/ 696733 h 1393466"/>
-                  <a:gd name="connsiteX3" fmla="*/ 304469 w 608937"/>
-                  <a:gd name="connsiteY3" fmla="*/ 1393466 h 1393466"/>
-                  <a:gd name="connsiteX4" fmla="*/ 0 w 608937"/>
-                  <a:gd name="connsiteY4" fmla="*/ 1393466 h 1393466"/>
-                  <a:gd name="connsiteX5" fmla="*/ 0 w 608937"/>
-                  <a:gd name="connsiteY5" fmla="*/ 0 h 1393466"/>
-                  <a:gd name="connsiteX0" fmla="*/ 0 w 634338"/>
-                  <a:gd name="connsiteY0" fmla="*/ 0 h 1393466"/>
-                  <a:gd name="connsiteX1" fmla="*/ 304469 w 634338"/>
-                  <a:gd name="connsiteY1" fmla="*/ 0 h 1393466"/>
-                  <a:gd name="connsiteX2" fmla="*/ 634338 w 634338"/>
-                  <a:gd name="connsiteY2" fmla="*/ 696733 h 1393466"/>
-                  <a:gd name="connsiteX3" fmla="*/ 304469 w 634338"/>
-                  <a:gd name="connsiteY3" fmla="*/ 1393466 h 1393466"/>
-                  <a:gd name="connsiteX4" fmla="*/ 0 w 634338"/>
-                  <a:gd name="connsiteY4" fmla="*/ 1393466 h 1393466"/>
-                  <a:gd name="connsiteX5" fmla="*/ 0 w 634338"/>
-                  <a:gd name="connsiteY5" fmla="*/ 0 h 1393466"/>
-                  <a:gd name="connsiteX0" fmla="*/ 0 w 635654"/>
-                  <a:gd name="connsiteY0" fmla="*/ 0 h 1399816"/>
-                  <a:gd name="connsiteX1" fmla="*/ 304469 w 635654"/>
-                  <a:gd name="connsiteY1" fmla="*/ 0 h 1399816"/>
-                  <a:gd name="connsiteX2" fmla="*/ 634338 w 635654"/>
-                  <a:gd name="connsiteY2" fmla="*/ 696733 h 1399816"/>
-                  <a:gd name="connsiteX3" fmla="*/ 193344 w 635654"/>
-                  <a:gd name="connsiteY3" fmla="*/ 1399816 h 1399816"/>
-                  <a:gd name="connsiteX4" fmla="*/ 0 w 635654"/>
-                  <a:gd name="connsiteY4" fmla="*/ 1393466 h 1399816"/>
-                  <a:gd name="connsiteX5" fmla="*/ 0 w 635654"/>
-                  <a:gd name="connsiteY5" fmla="*/ 0 h 1399816"/>
-                  <a:gd name="connsiteX0" fmla="*/ 0 w 636413"/>
-                  <a:gd name="connsiteY0" fmla="*/ 0 h 1402991"/>
-                  <a:gd name="connsiteX1" fmla="*/ 304469 w 636413"/>
-                  <a:gd name="connsiteY1" fmla="*/ 0 h 1402991"/>
-                  <a:gd name="connsiteX2" fmla="*/ 634338 w 636413"/>
-                  <a:gd name="connsiteY2" fmla="*/ 696733 h 1402991"/>
-                  <a:gd name="connsiteX3" fmla="*/ 161594 w 636413"/>
-                  <a:gd name="connsiteY3" fmla="*/ 1402991 h 1402991"/>
-                  <a:gd name="connsiteX4" fmla="*/ 0 w 636413"/>
-                  <a:gd name="connsiteY4" fmla="*/ 1393466 h 1402991"/>
-                  <a:gd name="connsiteX5" fmla="*/ 0 w 636413"/>
-                  <a:gd name="connsiteY5" fmla="*/ 0 h 1402991"/>
-                  <a:gd name="connsiteX0" fmla="*/ 0 w 637888"/>
-                  <a:gd name="connsiteY0" fmla="*/ 0 h 1393466"/>
-                  <a:gd name="connsiteX1" fmla="*/ 304469 w 637888"/>
-                  <a:gd name="connsiteY1" fmla="*/ 0 h 1393466"/>
-                  <a:gd name="connsiteX2" fmla="*/ 634338 w 637888"/>
-                  <a:gd name="connsiteY2" fmla="*/ 696733 h 1393466"/>
-                  <a:gd name="connsiteX3" fmla="*/ 110794 w 637888"/>
-                  <a:gd name="connsiteY3" fmla="*/ 1390291 h 1393466"/>
-                  <a:gd name="connsiteX4" fmla="*/ 0 w 637888"/>
-                  <a:gd name="connsiteY4" fmla="*/ 1393466 h 1393466"/>
-                  <a:gd name="connsiteX5" fmla="*/ 0 w 637888"/>
-                  <a:gd name="connsiteY5" fmla="*/ 0 h 1393466"/>
-                  <a:gd name="connsiteX0" fmla="*/ 0 w 637888"/>
-                  <a:gd name="connsiteY0" fmla="*/ 0 h 1393466"/>
-                  <a:gd name="connsiteX1" fmla="*/ 304469 w 637888"/>
-                  <a:gd name="connsiteY1" fmla="*/ 0 h 1393466"/>
-                  <a:gd name="connsiteX2" fmla="*/ 634338 w 637888"/>
-                  <a:gd name="connsiteY2" fmla="*/ 696733 h 1393466"/>
-                  <a:gd name="connsiteX3" fmla="*/ 110794 w 637888"/>
-                  <a:gd name="connsiteY3" fmla="*/ 1390291 h 1393466"/>
-                  <a:gd name="connsiteX4" fmla="*/ 0 w 637888"/>
-                  <a:gd name="connsiteY4" fmla="*/ 1393466 h 1393466"/>
-                  <a:gd name="connsiteX5" fmla="*/ 0 w 637888"/>
-                  <a:gd name="connsiteY5" fmla="*/ 0 h 1393466"/>
-                  <a:gd name="connsiteX0" fmla="*/ 0 w 641730"/>
-                  <a:gd name="connsiteY0" fmla="*/ 0 h 1399816"/>
-                  <a:gd name="connsiteX1" fmla="*/ 304469 w 641730"/>
-                  <a:gd name="connsiteY1" fmla="*/ 0 h 1399816"/>
-                  <a:gd name="connsiteX2" fmla="*/ 634338 w 641730"/>
-                  <a:gd name="connsiteY2" fmla="*/ 696733 h 1399816"/>
-                  <a:gd name="connsiteX3" fmla="*/ 6019 w 641730"/>
-                  <a:gd name="connsiteY3" fmla="*/ 1399816 h 1399816"/>
-                  <a:gd name="connsiteX4" fmla="*/ 0 w 641730"/>
-                  <a:gd name="connsiteY4" fmla="*/ 1393466 h 1399816"/>
-                  <a:gd name="connsiteX5" fmla="*/ 0 w 641730"/>
-                  <a:gd name="connsiteY5" fmla="*/ 0 h 1399816"/>
-                  <a:gd name="connsiteX0" fmla="*/ 0 w 641730"/>
-                  <a:gd name="connsiteY0" fmla="*/ 0 h 1399816"/>
-                  <a:gd name="connsiteX1" fmla="*/ 304469 w 641730"/>
-                  <a:gd name="connsiteY1" fmla="*/ 0 h 1399816"/>
-                  <a:gd name="connsiteX2" fmla="*/ 634338 w 641730"/>
-                  <a:gd name="connsiteY2" fmla="*/ 696733 h 1399816"/>
-                  <a:gd name="connsiteX3" fmla="*/ 6019 w 641730"/>
-                  <a:gd name="connsiteY3" fmla="*/ 1399816 h 1399816"/>
-                  <a:gd name="connsiteX4" fmla="*/ 0 w 641730"/>
-                  <a:gd name="connsiteY4" fmla="*/ 1393466 h 1399816"/>
-                  <a:gd name="connsiteX5" fmla="*/ 0 w 641730"/>
-                  <a:gd name="connsiteY5" fmla="*/ 0 h 1399816"/>
-                  <a:gd name="connsiteX0" fmla="*/ 0 w 634338"/>
-                  <a:gd name="connsiteY0" fmla="*/ 0 h 1399816"/>
-                  <a:gd name="connsiteX1" fmla="*/ 9194 w 634338"/>
-                  <a:gd name="connsiteY1" fmla="*/ 12700 h 1399816"/>
-                  <a:gd name="connsiteX2" fmla="*/ 634338 w 634338"/>
-                  <a:gd name="connsiteY2" fmla="*/ 696733 h 1399816"/>
-                  <a:gd name="connsiteX3" fmla="*/ 6019 w 634338"/>
-                  <a:gd name="connsiteY3" fmla="*/ 1399816 h 1399816"/>
-                  <a:gd name="connsiteX4" fmla="*/ 0 w 634338"/>
-                  <a:gd name="connsiteY4" fmla="*/ 1393466 h 1399816"/>
-                  <a:gd name="connsiteX5" fmla="*/ 0 w 634338"/>
-                  <a:gd name="connsiteY5" fmla="*/ 0 h 1399816"/>
-                  <a:gd name="connsiteX0" fmla="*/ 0 w 634338"/>
-                  <a:gd name="connsiteY0" fmla="*/ 0 h 1399816"/>
-                  <a:gd name="connsiteX1" fmla="*/ 9194 w 634338"/>
-                  <a:gd name="connsiteY1" fmla="*/ 12700 h 1399816"/>
-                  <a:gd name="connsiteX2" fmla="*/ 634338 w 634338"/>
-                  <a:gd name="connsiteY2" fmla="*/ 696733 h 1399816"/>
-                  <a:gd name="connsiteX3" fmla="*/ 6019 w 634338"/>
-                  <a:gd name="connsiteY3" fmla="*/ 1399816 h 1399816"/>
-                  <a:gd name="connsiteX4" fmla="*/ 0 w 634338"/>
-                  <a:gd name="connsiteY4" fmla="*/ 1393466 h 1399816"/>
-                  <a:gd name="connsiteX5" fmla="*/ 0 w 634338"/>
-                  <a:gd name="connsiteY5" fmla="*/ 0 h 1399816"/>
-                  <a:gd name="connsiteX0" fmla="*/ 0 w 634338"/>
-                  <a:gd name="connsiteY0" fmla="*/ 0 h 1399816"/>
-                  <a:gd name="connsiteX1" fmla="*/ 9194 w 634338"/>
-                  <a:gd name="connsiteY1" fmla="*/ 12700 h 1399816"/>
-                  <a:gd name="connsiteX2" fmla="*/ 634338 w 634338"/>
-                  <a:gd name="connsiteY2" fmla="*/ 696733 h 1399816"/>
-                  <a:gd name="connsiteX3" fmla="*/ 6019 w 634338"/>
-                  <a:gd name="connsiteY3" fmla="*/ 1399816 h 1399816"/>
-                  <a:gd name="connsiteX4" fmla="*/ 0 w 634338"/>
-                  <a:gd name="connsiteY4" fmla="*/ 1393466 h 1399816"/>
-                  <a:gd name="connsiteX5" fmla="*/ 0 w 634338"/>
-                  <a:gd name="connsiteY5" fmla="*/ 0 h 1399816"/>
-                  <a:gd name="connsiteX0" fmla="*/ 0 w 634345"/>
-                  <a:gd name="connsiteY0" fmla="*/ 6350 h 1406166"/>
-                  <a:gd name="connsiteX1" fmla="*/ 15544 w 634345"/>
-                  <a:gd name="connsiteY1" fmla="*/ 0 h 1406166"/>
-                  <a:gd name="connsiteX2" fmla="*/ 634338 w 634345"/>
-                  <a:gd name="connsiteY2" fmla="*/ 703083 h 1406166"/>
-                  <a:gd name="connsiteX3" fmla="*/ 6019 w 634345"/>
-                  <a:gd name="connsiteY3" fmla="*/ 1406166 h 1406166"/>
-                  <a:gd name="connsiteX4" fmla="*/ 0 w 634345"/>
-                  <a:gd name="connsiteY4" fmla="*/ 1399816 h 1406166"/>
-                  <a:gd name="connsiteX5" fmla="*/ 0 w 634345"/>
-                  <a:gd name="connsiteY5" fmla="*/ 6350 h 1406166"/>
-                  <a:gd name="connsiteX0" fmla="*/ 0 w 634345"/>
-                  <a:gd name="connsiteY0" fmla="*/ 12700 h 1406166"/>
-                  <a:gd name="connsiteX1" fmla="*/ 15544 w 634345"/>
-                  <a:gd name="connsiteY1" fmla="*/ 0 h 1406166"/>
-                  <a:gd name="connsiteX2" fmla="*/ 634338 w 634345"/>
-                  <a:gd name="connsiteY2" fmla="*/ 703083 h 1406166"/>
-                  <a:gd name="connsiteX3" fmla="*/ 6019 w 634345"/>
-                  <a:gd name="connsiteY3" fmla="*/ 1406166 h 1406166"/>
-                  <a:gd name="connsiteX4" fmla="*/ 0 w 634345"/>
-                  <a:gd name="connsiteY4" fmla="*/ 1399816 h 1406166"/>
-                  <a:gd name="connsiteX5" fmla="*/ 0 w 634345"/>
-                  <a:gd name="connsiteY5" fmla="*/ 12700 h 1406166"/>
-                </a:gdLst>
-                <a:ahLst/>
-                <a:cxnLst>
-                  <a:cxn ang="0">
-                    <a:pos x="connsiteX0" y="connsiteY0"/>
-                  </a:cxn>
-                  <a:cxn ang="0">
-                    <a:pos x="connsiteX1" y="connsiteY1"/>
-                  </a:cxn>
-                  <a:cxn ang="0">
-                    <a:pos x="connsiteX2" y="connsiteY2"/>
-                  </a:cxn>
-                  <a:cxn ang="0">
-                    <a:pos x="connsiteX3" y="connsiteY3"/>
-                  </a:cxn>
-                  <a:cxn ang="0">
-                    <a:pos x="connsiteX4" y="connsiteY4"/>
-                  </a:cxn>
-                  <a:cxn ang="0">
-                    <a:pos x="connsiteX5" y="connsiteY5"/>
-                  </a:cxn>
-                </a:cxnLst>
-                <a:rect l="l" t="t" r="r" b="b"/>
-                <a:pathLst>
-                  <a:path w="634345" h="1406166">
-                    <a:moveTo>
-                      <a:pt x="0" y="12700"/>
-                    </a:moveTo>
-                    <a:lnTo>
-                      <a:pt x="15544" y="0"/>
-                    </a:lnTo>
-                    <a:cubicBezTo>
-                      <a:pt x="367848" y="203200"/>
-                      <a:pt x="635926" y="468722"/>
-                      <a:pt x="634338" y="703083"/>
-                    </a:cubicBezTo>
-                    <a:cubicBezTo>
-                      <a:pt x="632751" y="937444"/>
-                      <a:pt x="532948" y="1095016"/>
-                      <a:pt x="6019" y="1406166"/>
-                    </a:cubicBezTo>
-                    <a:lnTo>
-                      <a:pt x="0" y="1399816"/>
-                    </a:lnTo>
-                    <a:lnTo>
-                      <a:pt x="0" y="12700"/>
-                    </a:lnTo>
-                    <a:close/>
-                  </a:path>
-                </a:pathLst>
-              </a:custGeom>
-              <a:solidFill>
-                <a:schemeClr val="bg2">
-                  <a:lumMod val="90000"/>
-                </a:schemeClr>
-              </a:solidFill>
-              <a:ln>
-                <a:solidFill>
-                  <a:schemeClr val="bg2">
-                    <a:lumMod val="50000"/>
-                  </a:schemeClr>
-                </a:solidFill>
-              </a:ln>
-            </p:spPr>
-            <p:style>
-              <a:lnRef idx="2">
-                <a:schemeClr val="accent1">
-                  <a:shade val="50000"/>
-                </a:schemeClr>
-              </a:lnRef>
-              <a:fillRef idx="1">
-                <a:schemeClr val="accent1"/>
-              </a:fillRef>
-              <a:effectRef idx="0">
-                <a:schemeClr val="accent1"/>
-              </a:effectRef>
-              <a:fontRef idx="minor">
-                <a:schemeClr val="lt1"/>
-              </a:fontRef>
-            </p:style>
-            <p:txBody>
-              <a:bodyPr rtlCol="0" anchor="ctr"/>
-              <a:lstStyle/>
-              <a:p>
-                <a:pPr algn="ctr"/>
-                <a:endParaRPr lang="pt-PT" dirty="0"/>
-              </a:p>
-            </p:txBody>
-          </p:sp>
-        </p:grpSp>
-        <p:grpSp>
-          <p:nvGrpSpPr>
-            <p:cNvPr id="50" name="Agrupar 49">
-              <a:extLst>
-                <a:ext uri="{FF2B5EF4-FFF2-40B4-BE49-F238E27FC236}">
-                  <a16:creationId xmlns:a16="http://schemas.microsoft.com/office/drawing/2014/main" id="{6943E87C-8474-1CD7-B77F-275FCB6DD712}"/>
-                </a:ext>
-              </a:extLst>
-            </p:cNvPr>
-            <p:cNvGrpSpPr/>
-            <p:nvPr/>
-          </p:nvGrpSpPr>
-          <p:grpSpPr>
-            <a:xfrm>
-              <a:off x="3924251" y="4256426"/>
-              <a:ext cx="2117268" cy="288000"/>
-              <a:chOff x="3924251" y="4256426"/>
-              <a:chExt cx="2117268" cy="288000"/>
-            </a:xfrm>
-          </p:grpSpPr>
-          <p:sp>
-            <p:nvSpPr>
-              <p:cNvPr id="40" name="Retângulo 39">
-                <a:extLst>
-                  <a:ext uri="{FF2B5EF4-FFF2-40B4-BE49-F238E27FC236}">
-                    <a16:creationId xmlns:a16="http://schemas.microsoft.com/office/drawing/2014/main" id="{E940D367-2F15-6FDB-F707-AE2FE3392466}"/>
-                  </a:ext>
-                </a:extLst>
-              </p:cNvPr>
-              <p:cNvSpPr/>
-              <p:nvPr/>
-            </p:nvSpPr>
-            <p:spPr>
-              <a:xfrm>
-                <a:off x="3924251" y="4256426"/>
-                <a:ext cx="288000" cy="288000"/>
-              </a:xfrm>
-              <a:prstGeom prst="rect">
+              <a:prstGeom prst="rightArrow">
                 <a:avLst/>
               </a:prstGeom>
             </p:spPr>
@@ -15047,16 +16325,16 @@
               <a:lstStyle/>
               <a:p>
                 <a:pPr algn="ctr"/>
-                <a:endParaRPr lang="pt-PT" dirty="0"/>
+                <a:endParaRPr lang="en-US"/>
               </a:p>
             </p:txBody>
           </p:sp>
           <p:sp>
             <p:nvSpPr>
-              <p:cNvPr id="46" name="Retângulo 45">
+              <p:cNvPr id="4" name="Arrow: Up 3">
                 <a:extLst>
                   <a:ext uri="{FF2B5EF4-FFF2-40B4-BE49-F238E27FC236}">
-                    <a16:creationId xmlns:a16="http://schemas.microsoft.com/office/drawing/2014/main" id="{B5224A88-713B-CD1F-1529-67D389DFBD58}"/>
+                    <a16:creationId xmlns:a16="http://schemas.microsoft.com/office/drawing/2014/main" id="{16C16668-3A65-41EC-A588-85C0B48AEF43}"/>
                   </a:ext>
                 </a:extLst>
               </p:cNvPr>
@@ -15065,10 +16343,10 @@
             </p:nvSpPr>
             <p:spPr>
               <a:xfrm>
-                <a:off x="4382181" y="4256426"/>
-                <a:ext cx="288000" cy="288000"/>
+                <a:off x="6684595" y="3929449"/>
+                <a:ext cx="45719" cy="763223"/>
               </a:xfrm>
-              <a:prstGeom prst="rect">
+              <a:prstGeom prst="upArrow">
                 <a:avLst/>
               </a:prstGeom>
             </p:spPr>
@@ -15093,16 +16371,16 @@
               <a:lstStyle/>
               <a:p>
                 <a:pPr algn="ctr"/>
-                <a:endParaRPr lang="pt-PT" dirty="0"/>
+                <a:endParaRPr lang="en-US"/>
               </a:p>
             </p:txBody>
           </p:sp>
           <p:sp>
             <p:nvSpPr>
-              <p:cNvPr id="47" name="Retângulo 46">
+              <p:cNvPr id="76" name="Arrow: Up 75">
                 <a:extLst>
                   <a:ext uri="{FF2B5EF4-FFF2-40B4-BE49-F238E27FC236}">
-                    <a16:creationId xmlns:a16="http://schemas.microsoft.com/office/drawing/2014/main" id="{7EBC3461-4AE7-0B83-700D-B6F164B815B0}"/>
+                    <a16:creationId xmlns:a16="http://schemas.microsoft.com/office/drawing/2014/main" id="{F7E56AA2-57EE-444F-85E0-50F0927FFF3F}"/>
                   </a:ext>
                 </a:extLst>
               </p:cNvPr>
@@ -15110,11 +16388,11 @@
               <p:nvPr/>
             </p:nvSpPr>
             <p:spPr>
-              <a:xfrm>
-                <a:off x="4840111" y="4256426"/>
-                <a:ext cx="288000" cy="288000"/>
+              <a:xfrm flipV="1">
+                <a:off x="6690568" y="4988194"/>
+                <a:ext cx="45719" cy="763223"/>
               </a:xfrm>
-              <a:prstGeom prst="rect">
+              <a:prstGeom prst="upArrow">
                 <a:avLst/>
               </a:prstGeom>
             </p:spPr>
@@ -15139,16 +16417,16 @@
               <a:lstStyle/>
               <a:p>
                 <a:pPr algn="ctr"/>
-                <a:endParaRPr lang="pt-PT" dirty="0"/>
+                <a:endParaRPr lang="en-US"/>
               </a:p>
             </p:txBody>
           </p:sp>
           <p:sp>
             <p:nvSpPr>
-              <p:cNvPr id="48" name="Retângulo 47">
+              <p:cNvPr id="3" name="Rectangle: Rounded Corners 2">
                 <a:extLst>
                   <a:ext uri="{FF2B5EF4-FFF2-40B4-BE49-F238E27FC236}">
-                    <a16:creationId xmlns:a16="http://schemas.microsoft.com/office/drawing/2014/main" id="{EBEBE159-84D9-B6A1-6C65-C87BE4A09315}"/>
+                    <a16:creationId xmlns:a16="http://schemas.microsoft.com/office/drawing/2014/main" id="{82613164-6C8C-414E-BBE3-2905814DA228}"/>
                   </a:ext>
                 </a:extLst>
               </p:cNvPr>
@@ -15157,12 +16435,13 @@
             </p:nvSpPr>
             <p:spPr>
               <a:xfrm>
-                <a:off x="5295692" y="4256426"/>
-                <a:ext cx="288000" cy="288000"/>
+                <a:off x="6453512" y="4139606"/>
+                <a:ext cx="507884" cy="135552"/>
               </a:xfrm>
-              <a:prstGeom prst="rect">
+              <a:prstGeom prst="roundRect">
                 <a:avLst/>
               </a:prstGeom>
+              <a:noFill/>
             </p:spPr>
             <p:style>
               <a:lnRef idx="2">
@@ -15185,16 +16464,16 @@
               <a:lstStyle/>
               <a:p>
                 <a:pPr algn="ctr"/>
-                <a:endParaRPr lang="pt-PT" dirty="0"/>
+                <a:endParaRPr lang="en-US"/>
               </a:p>
             </p:txBody>
           </p:sp>
           <p:sp>
             <p:nvSpPr>
-              <p:cNvPr id="49" name="Retângulo 48">
+              <p:cNvPr id="41" name="Rectangle: Rounded Corners 40">
                 <a:extLst>
                   <a:ext uri="{FF2B5EF4-FFF2-40B4-BE49-F238E27FC236}">
-                    <a16:creationId xmlns:a16="http://schemas.microsoft.com/office/drawing/2014/main" id="{D19FFEEF-D3C7-F18A-9562-395A4D44FE90}"/>
+                    <a16:creationId xmlns:a16="http://schemas.microsoft.com/office/drawing/2014/main" id="{FF77AF8B-C4BC-4F70-AE81-204F52EE2731}"/>
                   </a:ext>
                 </a:extLst>
               </p:cNvPr>
@@ -15203,12 +16482,13 @@
             </p:nvSpPr>
             <p:spPr>
               <a:xfrm>
-                <a:off x="5753519" y="4256426"/>
-                <a:ext cx="288000" cy="288000"/>
+                <a:off x="6453512" y="5400989"/>
+                <a:ext cx="507884" cy="135552"/>
               </a:xfrm>
-              <a:prstGeom prst="rect">
+              <a:prstGeom prst="roundRect">
                 <a:avLst/>
               </a:prstGeom>
+              <a:noFill/>
             </p:spPr>
             <p:style>
               <a:lnRef idx="2">
@@ -15231,268 +16511,17 @@
               <a:lstStyle/>
               <a:p>
                 <a:pPr algn="ctr"/>
-                <a:endParaRPr lang="pt-PT" dirty="0"/>
-              </a:p>
-            </p:txBody>
-          </p:sp>
-        </p:grpSp>
-        <p:grpSp>
-          <p:nvGrpSpPr>
-            <p:cNvPr id="51" name="Agrupar 50">
-              <a:extLst>
-                <a:ext uri="{FF2B5EF4-FFF2-40B4-BE49-F238E27FC236}">
-                  <a16:creationId xmlns:a16="http://schemas.microsoft.com/office/drawing/2014/main" id="{3CA821DE-A524-5743-15A4-153C6786628A}"/>
-                </a:ext>
-              </a:extLst>
-            </p:cNvPr>
-            <p:cNvGrpSpPr/>
-            <p:nvPr/>
-          </p:nvGrpSpPr>
-          <p:grpSpPr>
-            <a:xfrm>
-              <a:off x="3931484" y="5113273"/>
-              <a:ext cx="2117268" cy="288000"/>
-              <a:chOff x="3924251" y="4256426"/>
-              <a:chExt cx="2117268" cy="288000"/>
-            </a:xfrm>
-          </p:grpSpPr>
-          <p:sp>
-            <p:nvSpPr>
-              <p:cNvPr id="52" name="Retângulo 51">
-                <a:extLst>
-                  <a:ext uri="{FF2B5EF4-FFF2-40B4-BE49-F238E27FC236}">
-                    <a16:creationId xmlns:a16="http://schemas.microsoft.com/office/drawing/2014/main" id="{31DE9993-1867-0EAB-4826-1FC9BCA933B0}"/>
-                  </a:ext>
-                </a:extLst>
-              </p:cNvPr>
-              <p:cNvSpPr/>
-              <p:nvPr/>
-            </p:nvSpPr>
-            <p:spPr>
-              <a:xfrm>
-                <a:off x="3924251" y="4256426"/>
-                <a:ext cx="288000" cy="288000"/>
-              </a:xfrm>
-              <a:prstGeom prst="rect">
-                <a:avLst/>
-              </a:prstGeom>
-            </p:spPr>
-            <p:style>
-              <a:lnRef idx="2">
-                <a:schemeClr val="accent1">
-                  <a:shade val="50000"/>
-                </a:schemeClr>
-              </a:lnRef>
-              <a:fillRef idx="1">
-                <a:schemeClr val="accent1"/>
-              </a:fillRef>
-              <a:effectRef idx="0">
-                <a:schemeClr val="accent1"/>
-              </a:effectRef>
-              <a:fontRef idx="minor">
-                <a:schemeClr val="lt1"/>
-              </a:fontRef>
-            </p:style>
-            <p:txBody>
-              <a:bodyPr rtlCol="0" anchor="ctr"/>
-              <a:lstStyle/>
-              <a:p>
-                <a:pPr algn="ctr"/>
-                <a:endParaRPr lang="pt-PT" dirty="0"/>
-              </a:p>
-            </p:txBody>
-          </p:sp>
-          <p:sp>
-            <p:nvSpPr>
-              <p:cNvPr id="53" name="Retângulo 52">
-                <a:extLst>
-                  <a:ext uri="{FF2B5EF4-FFF2-40B4-BE49-F238E27FC236}">
-                    <a16:creationId xmlns:a16="http://schemas.microsoft.com/office/drawing/2014/main" id="{841E6150-441D-FB38-A8A5-E97C17886390}"/>
-                  </a:ext>
-                </a:extLst>
-              </p:cNvPr>
-              <p:cNvSpPr/>
-              <p:nvPr/>
-            </p:nvSpPr>
-            <p:spPr>
-              <a:xfrm>
-                <a:off x="4382181" y="4256426"/>
-                <a:ext cx="288000" cy="288000"/>
-              </a:xfrm>
-              <a:prstGeom prst="rect">
-                <a:avLst/>
-              </a:prstGeom>
-            </p:spPr>
-            <p:style>
-              <a:lnRef idx="2">
-                <a:schemeClr val="accent1">
-                  <a:shade val="50000"/>
-                </a:schemeClr>
-              </a:lnRef>
-              <a:fillRef idx="1">
-                <a:schemeClr val="accent1"/>
-              </a:fillRef>
-              <a:effectRef idx="0">
-                <a:schemeClr val="accent1"/>
-              </a:effectRef>
-              <a:fontRef idx="minor">
-                <a:schemeClr val="lt1"/>
-              </a:fontRef>
-            </p:style>
-            <p:txBody>
-              <a:bodyPr rtlCol="0" anchor="ctr"/>
-              <a:lstStyle/>
-              <a:p>
-                <a:pPr algn="ctr"/>
-                <a:endParaRPr lang="pt-PT" dirty="0"/>
-              </a:p>
-            </p:txBody>
-          </p:sp>
-          <p:sp>
-            <p:nvSpPr>
-              <p:cNvPr id="54" name="Retângulo 53">
-                <a:extLst>
-                  <a:ext uri="{FF2B5EF4-FFF2-40B4-BE49-F238E27FC236}">
-                    <a16:creationId xmlns:a16="http://schemas.microsoft.com/office/drawing/2014/main" id="{88B94301-C8D6-3A7C-5E3E-1E5DB8DA4CBE}"/>
-                  </a:ext>
-                </a:extLst>
-              </p:cNvPr>
-              <p:cNvSpPr/>
-              <p:nvPr/>
-            </p:nvSpPr>
-            <p:spPr>
-              <a:xfrm>
-                <a:off x="4840111" y="4256426"/>
-                <a:ext cx="288000" cy="288000"/>
-              </a:xfrm>
-              <a:prstGeom prst="rect">
-                <a:avLst/>
-              </a:prstGeom>
-            </p:spPr>
-            <p:style>
-              <a:lnRef idx="2">
-                <a:schemeClr val="accent1">
-                  <a:shade val="50000"/>
-                </a:schemeClr>
-              </a:lnRef>
-              <a:fillRef idx="1">
-                <a:schemeClr val="accent1"/>
-              </a:fillRef>
-              <a:effectRef idx="0">
-                <a:schemeClr val="accent1"/>
-              </a:effectRef>
-              <a:fontRef idx="minor">
-                <a:schemeClr val="lt1"/>
-              </a:fontRef>
-            </p:style>
-            <p:txBody>
-              <a:bodyPr rtlCol="0" anchor="ctr"/>
-              <a:lstStyle/>
-              <a:p>
-                <a:pPr algn="ctr"/>
-                <a:endParaRPr lang="pt-PT" dirty="0"/>
-              </a:p>
-            </p:txBody>
-          </p:sp>
-          <p:sp>
-            <p:nvSpPr>
-              <p:cNvPr id="55" name="Retângulo 54">
-                <a:extLst>
-                  <a:ext uri="{FF2B5EF4-FFF2-40B4-BE49-F238E27FC236}">
-                    <a16:creationId xmlns:a16="http://schemas.microsoft.com/office/drawing/2014/main" id="{560F2F22-E6E7-4CAB-EDB8-45F44493033C}"/>
-                  </a:ext>
-                </a:extLst>
-              </p:cNvPr>
-              <p:cNvSpPr/>
-              <p:nvPr/>
-            </p:nvSpPr>
-            <p:spPr>
-              <a:xfrm>
-                <a:off x="5295692" y="4256426"/>
-                <a:ext cx="288000" cy="288000"/>
-              </a:xfrm>
-              <a:prstGeom prst="rect">
-                <a:avLst/>
-              </a:prstGeom>
-            </p:spPr>
-            <p:style>
-              <a:lnRef idx="2">
-                <a:schemeClr val="accent1">
-                  <a:shade val="50000"/>
-                </a:schemeClr>
-              </a:lnRef>
-              <a:fillRef idx="1">
-                <a:schemeClr val="accent1"/>
-              </a:fillRef>
-              <a:effectRef idx="0">
-                <a:schemeClr val="accent1"/>
-              </a:effectRef>
-              <a:fontRef idx="minor">
-                <a:schemeClr val="lt1"/>
-              </a:fontRef>
-            </p:style>
-            <p:txBody>
-              <a:bodyPr rtlCol="0" anchor="ctr"/>
-              <a:lstStyle/>
-              <a:p>
-                <a:pPr algn="ctr"/>
-                <a:endParaRPr lang="pt-PT" dirty="0"/>
-              </a:p>
-            </p:txBody>
-          </p:sp>
-          <p:sp>
-            <p:nvSpPr>
-              <p:cNvPr id="56" name="Retângulo 55">
-                <a:extLst>
-                  <a:ext uri="{FF2B5EF4-FFF2-40B4-BE49-F238E27FC236}">
-                    <a16:creationId xmlns:a16="http://schemas.microsoft.com/office/drawing/2014/main" id="{1F31C486-DC80-82B9-22AC-FE96B00C7C53}"/>
-                  </a:ext>
-                </a:extLst>
-              </p:cNvPr>
-              <p:cNvSpPr/>
-              <p:nvPr/>
-            </p:nvSpPr>
-            <p:spPr>
-              <a:xfrm>
-                <a:off x="5753519" y="4256426"/>
-                <a:ext cx="288000" cy="288000"/>
-              </a:xfrm>
-              <a:prstGeom prst="rect">
-                <a:avLst/>
-              </a:prstGeom>
-            </p:spPr>
-            <p:style>
-              <a:lnRef idx="2">
-                <a:schemeClr val="accent1">
-                  <a:shade val="50000"/>
-                </a:schemeClr>
-              </a:lnRef>
-              <a:fillRef idx="1">
-                <a:schemeClr val="accent1"/>
-              </a:fillRef>
-              <a:effectRef idx="0">
-                <a:schemeClr val="accent1"/>
-              </a:effectRef>
-              <a:fontRef idx="minor">
-                <a:schemeClr val="lt1"/>
-              </a:fontRef>
-            </p:style>
-            <p:txBody>
-              <a:bodyPr rtlCol="0" anchor="ctr"/>
-              <a:lstStyle/>
-              <a:p>
-                <a:pPr algn="ctr"/>
-                <a:endParaRPr lang="pt-PT" dirty="0"/>
+                <a:endParaRPr lang="en-US"/>
               </a:p>
             </p:txBody>
           </p:sp>
         </p:grpSp>
         <p:sp>
           <p:nvSpPr>
-            <p:cNvPr id="57" name="Retângulo 56">
+            <p:cNvPr id="44" name="Rectangle: Rounded Corners 43">
               <a:extLst>
                 <a:ext uri="{FF2B5EF4-FFF2-40B4-BE49-F238E27FC236}">
-                  <a16:creationId xmlns:a16="http://schemas.microsoft.com/office/drawing/2014/main" id="{A27D8E75-4212-D5F7-B3F6-16E76DE1FDEB}"/>
+                  <a16:creationId xmlns:a16="http://schemas.microsoft.com/office/drawing/2014/main" id="{3595ED5B-6FD7-4D71-97E0-6C882A94A96C}"/>
                 </a:ext>
               </a:extLst>
             </p:cNvPr>
@@ -15501,12 +16530,13 @@
           </p:nvSpPr>
           <p:spPr>
             <a:xfrm>
-              <a:off x="7261774" y="4679956"/>
-              <a:ext cx="288000" cy="288000"/>
+              <a:off x="1913721" y="3028577"/>
+              <a:ext cx="315777" cy="123865"/>
             </a:xfrm>
-            <a:prstGeom prst="rect">
+            <a:prstGeom prst="roundRect">
               <a:avLst/>
             </a:prstGeom>
+            <a:noFill/>
           </p:spPr>
           <p:style>
             <a:lnRef idx="2">
@@ -15529,62 +16559,16 @@
             <a:lstStyle/>
             <a:p>
               <a:pPr algn="ctr"/>
-              <a:endParaRPr lang="pt-PT" dirty="0"/>
+              <a:endParaRPr lang="en-US"/>
             </a:p>
           </p:txBody>
         </p:sp>
         <p:sp>
           <p:nvSpPr>
-            <p:cNvPr id="81" name="Retângulo 80">
+            <p:cNvPr id="45" name="CaixaDeTexto 104">
               <a:extLst>
                 <a:ext uri="{FF2B5EF4-FFF2-40B4-BE49-F238E27FC236}">
-                  <a16:creationId xmlns:a16="http://schemas.microsoft.com/office/drawing/2014/main" id="{6173FC49-578A-48B0-C570-9CC79BBE4E0C}"/>
-                </a:ext>
-              </a:extLst>
-            </p:cNvPr>
-            <p:cNvSpPr/>
-            <p:nvPr/>
-          </p:nvSpPr>
-          <p:spPr>
-            <a:xfrm>
-              <a:off x="2273718" y="2700824"/>
-              <a:ext cx="180000" cy="180475"/>
-            </a:xfrm>
-            <a:prstGeom prst="rect">
-              <a:avLst/>
-            </a:prstGeom>
-          </p:spPr>
-          <p:style>
-            <a:lnRef idx="2">
-              <a:schemeClr val="accent1">
-                <a:shade val="50000"/>
-              </a:schemeClr>
-            </a:lnRef>
-            <a:fillRef idx="1">
-              <a:schemeClr val="accent1"/>
-            </a:fillRef>
-            <a:effectRef idx="0">
-              <a:schemeClr val="accent1"/>
-            </a:effectRef>
-            <a:fontRef idx="minor">
-              <a:schemeClr val="lt1"/>
-            </a:fontRef>
-          </p:style>
-          <p:txBody>
-            <a:bodyPr rtlCol="0" anchor="ctr"/>
-            <a:lstStyle/>
-            <a:p>
-              <a:pPr algn="ctr"/>
-              <a:endParaRPr lang="pt-PT" dirty="0"/>
-            </a:p>
-          </p:txBody>
-        </p:sp>
-        <p:sp>
-          <p:nvSpPr>
-            <p:cNvPr id="82" name="CaixaDeTexto 81">
-              <a:extLst>
-                <a:ext uri="{FF2B5EF4-FFF2-40B4-BE49-F238E27FC236}">
-                  <a16:creationId xmlns:a16="http://schemas.microsoft.com/office/drawing/2014/main" id="{15AEE124-2274-067B-5DF9-936A5B4C377D}"/>
+                  <a16:creationId xmlns:a16="http://schemas.microsoft.com/office/drawing/2014/main" id="{05822943-8596-4A61-BFB4-45A83592D1DC}"/>
                 </a:ext>
               </a:extLst>
             </p:cNvPr>
@@ -15593,631 +16577,7 @@
           </p:nvSpPr>
           <p:spPr>
             <a:xfrm>
-              <a:off x="2421606" y="2667950"/>
-              <a:ext cx="1501091" cy="246221"/>
-            </a:xfrm>
-            <a:prstGeom prst="rect">
-              <a:avLst/>
-            </a:prstGeom>
-            <a:noFill/>
-          </p:spPr>
-          <p:txBody>
-            <a:bodyPr wrap="square" rtlCol="0">
-              <a:spAutoFit/>
-            </a:bodyPr>
-            <a:lstStyle/>
-            <a:p>
-              <a:r>
-                <a:rPr lang="pt-PT" sz="1000" dirty="0"/>
-                <a:t>-</a:t>
-              </a:r>
-              <a:r>
-                <a:rPr lang="pt-PT" sz="800" dirty="0"/>
-                <a:t>Passengers</a:t>
-              </a:r>
-            </a:p>
-          </p:txBody>
-        </p:sp>
-        <p:grpSp>
-          <p:nvGrpSpPr>
-            <p:cNvPr id="92" name="Agrupar 91">
-              <a:extLst>
-                <a:ext uri="{FF2B5EF4-FFF2-40B4-BE49-F238E27FC236}">
-                  <a16:creationId xmlns:a16="http://schemas.microsoft.com/office/drawing/2014/main" id="{DBAFB52E-56C3-EFEC-602C-6CEA54655F8A}"/>
-                </a:ext>
-              </a:extLst>
-            </p:cNvPr>
-            <p:cNvGrpSpPr/>
-            <p:nvPr/>
-          </p:nvGrpSpPr>
-          <p:grpSpPr>
-            <a:xfrm>
-              <a:off x="3779698" y="803945"/>
-              <a:ext cx="1696900" cy="2223748"/>
-              <a:chOff x="3779698" y="803945"/>
-              <a:chExt cx="1696900" cy="2223748"/>
-            </a:xfrm>
-          </p:grpSpPr>
-          <p:sp>
-            <p:nvSpPr>
-              <p:cNvPr id="87" name="Retângulo 86">
-                <a:extLst>
-                  <a:ext uri="{FF2B5EF4-FFF2-40B4-BE49-F238E27FC236}">
-                    <a16:creationId xmlns:a16="http://schemas.microsoft.com/office/drawing/2014/main" id="{8666E87B-F3E3-CFC5-9938-B4946B652580}"/>
-                  </a:ext>
-                </a:extLst>
-              </p:cNvPr>
-              <p:cNvSpPr/>
-              <p:nvPr/>
-            </p:nvSpPr>
-            <p:spPr>
-              <a:xfrm rot="5400000">
-                <a:off x="4270566" y="1337952"/>
-                <a:ext cx="245863" cy="1227600"/>
-              </a:xfrm>
-              <a:prstGeom prst="rect">
-                <a:avLst/>
-              </a:prstGeom>
-              <a:solidFill>
-                <a:schemeClr val="bg2">
-                  <a:lumMod val="50000"/>
-                </a:schemeClr>
-              </a:solidFill>
-              <a:ln>
-                <a:solidFill>
-                  <a:schemeClr val="bg2">
-                    <a:lumMod val="50000"/>
-                  </a:schemeClr>
-                </a:solidFill>
-              </a:ln>
-            </p:spPr>
-            <p:style>
-              <a:lnRef idx="2">
-                <a:schemeClr val="accent1">
-                  <a:shade val="50000"/>
-                </a:schemeClr>
-              </a:lnRef>
-              <a:fillRef idx="1">
-                <a:schemeClr val="accent1"/>
-              </a:fillRef>
-              <a:effectRef idx="0">
-                <a:schemeClr val="accent1"/>
-              </a:effectRef>
-              <a:fontRef idx="minor">
-                <a:schemeClr val="lt1"/>
-              </a:fontRef>
-            </p:style>
-            <p:txBody>
-              <a:bodyPr rtlCol="0" anchor="ctr"/>
-              <a:lstStyle/>
-              <a:p>
-                <a:pPr algn="ctr"/>
-                <a:endParaRPr lang="pt-PT" dirty="0"/>
-              </a:p>
-            </p:txBody>
-          </p:sp>
-          <p:sp>
-            <p:nvSpPr>
-              <p:cNvPr id="90" name="Retângulo 89">
-                <a:extLst>
-                  <a:ext uri="{FF2B5EF4-FFF2-40B4-BE49-F238E27FC236}">
-                    <a16:creationId xmlns:a16="http://schemas.microsoft.com/office/drawing/2014/main" id="{BEEA3335-942E-39E0-5AD8-B1CC19B30438}"/>
-                  </a:ext>
-                </a:extLst>
-              </p:cNvPr>
-              <p:cNvSpPr/>
-              <p:nvPr/>
-            </p:nvSpPr>
-            <p:spPr>
-              <a:xfrm rot="8598820">
-                <a:off x="5230735" y="1800093"/>
-                <a:ext cx="245863" cy="1227600"/>
-              </a:xfrm>
-              <a:prstGeom prst="rect">
-                <a:avLst/>
-              </a:prstGeom>
-              <a:solidFill>
-                <a:schemeClr val="bg2">
-                  <a:lumMod val="50000"/>
-                </a:schemeClr>
-              </a:solidFill>
-              <a:ln>
-                <a:solidFill>
-                  <a:schemeClr val="bg2">
-                    <a:lumMod val="50000"/>
-                  </a:schemeClr>
-                </a:solidFill>
-              </a:ln>
-            </p:spPr>
-            <p:style>
-              <a:lnRef idx="2">
-                <a:schemeClr val="accent1">
-                  <a:shade val="50000"/>
-                </a:schemeClr>
-              </a:lnRef>
-              <a:fillRef idx="1">
-                <a:schemeClr val="accent1"/>
-              </a:fillRef>
-              <a:effectRef idx="0">
-                <a:schemeClr val="accent1"/>
-              </a:effectRef>
-              <a:fontRef idx="minor">
-                <a:schemeClr val="lt1"/>
-              </a:fontRef>
-            </p:style>
-            <p:txBody>
-              <a:bodyPr rtlCol="0" anchor="ctr"/>
-              <a:lstStyle/>
-              <a:p>
-                <a:pPr algn="ctr"/>
-                <a:endParaRPr lang="pt-PT" dirty="0"/>
-              </a:p>
-            </p:txBody>
-          </p:sp>
-          <p:sp>
-            <p:nvSpPr>
-              <p:cNvPr id="91" name="Retângulo 90">
-                <a:extLst>
-                  <a:ext uri="{FF2B5EF4-FFF2-40B4-BE49-F238E27FC236}">
-                    <a16:creationId xmlns:a16="http://schemas.microsoft.com/office/drawing/2014/main" id="{18A04A70-82D5-66BA-58E0-A705F426AA71}"/>
-                  </a:ext>
-                </a:extLst>
-              </p:cNvPr>
-              <p:cNvSpPr/>
-              <p:nvPr/>
-            </p:nvSpPr>
-            <p:spPr>
-              <a:xfrm rot="12648134">
-                <a:off x="5188055" y="803945"/>
-                <a:ext cx="245863" cy="1227600"/>
-              </a:xfrm>
-              <a:prstGeom prst="rect">
-                <a:avLst/>
-              </a:prstGeom>
-              <a:solidFill>
-                <a:schemeClr val="bg2">
-                  <a:lumMod val="50000"/>
-                </a:schemeClr>
-              </a:solidFill>
-              <a:ln>
-                <a:solidFill>
-                  <a:schemeClr val="bg2">
-                    <a:lumMod val="50000"/>
-                  </a:schemeClr>
-                </a:solidFill>
-              </a:ln>
-            </p:spPr>
-            <p:style>
-              <a:lnRef idx="2">
-                <a:schemeClr val="accent1">
-                  <a:shade val="50000"/>
-                </a:schemeClr>
-              </a:lnRef>
-              <a:fillRef idx="1">
-                <a:schemeClr val="accent1"/>
-              </a:fillRef>
-              <a:effectRef idx="0">
-                <a:schemeClr val="accent1"/>
-              </a:effectRef>
-              <a:fontRef idx="minor">
-                <a:schemeClr val="lt1"/>
-              </a:fontRef>
-            </p:style>
-            <p:txBody>
-              <a:bodyPr rtlCol="0" anchor="ctr"/>
-              <a:lstStyle/>
-              <a:p>
-                <a:pPr algn="ctr"/>
-                <a:endParaRPr lang="pt-PT" dirty="0"/>
-              </a:p>
-            </p:txBody>
-          </p:sp>
-        </p:grpSp>
-        <p:grpSp>
-          <p:nvGrpSpPr>
-            <p:cNvPr id="93" name="Agrupar 92">
-              <a:extLst>
-                <a:ext uri="{FF2B5EF4-FFF2-40B4-BE49-F238E27FC236}">
-                  <a16:creationId xmlns:a16="http://schemas.microsoft.com/office/drawing/2014/main" id="{75B9BAF1-0D45-BA1B-6233-25411B290E73}"/>
-                </a:ext>
-              </a:extLst>
-            </p:cNvPr>
-            <p:cNvGrpSpPr/>
-            <p:nvPr/>
-          </p:nvGrpSpPr>
-          <p:grpSpPr>
-            <a:xfrm rot="15411599">
-              <a:off x="6901768" y="1183760"/>
-              <a:ext cx="1696900" cy="2223748"/>
-              <a:chOff x="3779698" y="803945"/>
-              <a:chExt cx="1696900" cy="2223748"/>
-            </a:xfrm>
-          </p:grpSpPr>
-          <p:sp>
-            <p:nvSpPr>
-              <p:cNvPr id="94" name="Retângulo 93">
-                <a:extLst>
-                  <a:ext uri="{FF2B5EF4-FFF2-40B4-BE49-F238E27FC236}">
-                    <a16:creationId xmlns:a16="http://schemas.microsoft.com/office/drawing/2014/main" id="{63403F3E-0834-F52A-F29F-B4FC480C3002}"/>
-                  </a:ext>
-                </a:extLst>
-              </p:cNvPr>
-              <p:cNvSpPr/>
-              <p:nvPr/>
-            </p:nvSpPr>
-            <p:spPr>
-              <a:xfrm rot="5400000">
-                <a:off x="4270566" y="1337952"/>
-                <a:ext cx="245863" cy="1227600"/>
-              </a:xfrm>
-              <a:prstGeom prst="rect">
-                <a:avLst/>
-              </a:prstGeom>
-              <a:solidFill>
-                <a:schemeClr val="bg2">
-                  <a:lumMod val="50000"/>
-                </a:schemeClr>
-              </a:solidFill>
-              <a:ln>
-                <a:solidFill>
-                  <a:schemeClr val="bg2">
-                    <a:lumMod val="50000"/>
-                  </a:schemeClr>
-                </a:solidFill>
-              </a:ln>
-            </p:spPr>
-            <p:style>
-              <a:lnRef idx="2">
-                <a:schemeClr val="accent1">
-                  <a:shade val="50000"/>
-                </a:schemeClr>
-              </a:lnRef>
-              <a:fillRef idx="1">
-                <a:schemeClr val="accent1"/>
-              </a:fillRef>
-              <a:effectRef idx="0">
-                <a:schemeClr val="accent1"/>
-              </a:effectRef>
-              <a:fontRef idx="minor">
-                <a:schemeClr val="lt1"/>
-              </a:fontRef>
-            </p:style>
-            <p:txBody>
-              <a:bodyPr rtlCol="0" anchor="ctr"/>
-              <a:lstStyle/>
-              <a:p>
-                <a:pPr algn="ctr"/>
-                <a:endParaRPr lang="pt-PT" dirty="0"/>
-              </a:p>
-            </p:txBody>
-          </p:sp>
-          <p:sp>
-            <p:nvSpPr>
-              <p:cNvPr id="95" name="Retângulo 94">
-                <a:extLst>
-                  <a:ext uri="{FF2B5EF4-FFF2-40B4-BE49-F238E27FC236}">
-                    <a16:creationId xmlns:a16="http://schemas.microsoft.com/office/drawing/2014/main" id="{D6D89799-2E3B-81C0-DD3C-4EF02C389BEA}"/>
-                  </a:ext>
-                </a:extLst>
-              </p:cNvPr>
-              <p:cNvSpPr/>
-              <p:nvPr/>
-            </p:nvSpPr>
-            <p:spPr>
-              <a:xfrm rot="8598820">
-                <a:off x="5230735" y="1800093"/>
-                <a:ext cx="245863" cy="1227600"/>
-              </a:xfrm>
-              <a:prstGeom prst="rect">
-                <a:avLst/>
-              </a:prstGeom>
-              <a:solidFill>
-                <a:schemeClr val="bg2">
-                  <a:lumMod val="50000"/>
-                </a:schemeClr>
-              </a:solidFill>
-              <a:ln>
-                <a:solidFill>
-                  <a:schemeClr val="bg2">
-                    <a:lumMod val="50000"/>
-                  </a:schemeClr>
-                </a:solidFill>
-              </a:ln>
-            </p:spPr>
-            <p:style>
-              <a:lnRef idx="2">
-                <a:schemeClr val="accent1">
-                  <a:shade val="50000"/>
-                </a:schemeClr>
-              </a:lnRef>
-              <a:fillRef idx="1">
-                <a:schemeClr val="accent1"/>
-              </a:fillRef>
-              <a:effectRef idx="0">
-                <a:schemeClr val="accent1"/>
-              </a:effectRef>
-              <a:fontRef idx="minor">
-                <a:schemeClr val="lt1"/>
-              </a:fontRef>
-            </p:style>
-            <p:txBody>
-              <a:bodyPr rtlCol="0" anchor="ctr"/>
-              <a:lstStyle/>
-              <a:p>
-                <a:pPr algn="ctr"/>
-                <a:endParaRPr lang="pt-PT" dirty="0"/>
-              </a:p>
-            </p:txBody>
-          </p:sp>
-          <p:sp>
-            <p:nvSpPr>
-              <p:cNvPr id="96" name="Retângulo 95">
-                <a:extLst>
-                  <a:ext uri="{FF2B5EF4-FFF2-40B4-BE49-F238E27FC236}">
-                    <a16:creationId xmlns:a16="http://schemas.microsoft.com/office/drawing/2014/main" id="{91FE3F5C-0A4A-0605-A20E-E6C6AECA3E21}"/>
-                  </a:ext>
-                </a:extLst>
-              </p:cNvPr>
-              <p:cNvSpPr/>
-              <p:nvPr/>
-            </p:nvSpPr>
-            <p:spPr>
-              <a:xfrm rot="12648134">
-                <a:off x="5188055" y="803945"/>
-                <a:ext cx="245863" cy="1227600"/>
-              </a:xfrm>
-              <a:prstGeom prst="rect">
-                <a:avLst/>
-              </a:prstGeom>
-              <a:solidFill>
-                <a:schemeClr val="bg2">
-                  <a:lumMod val="50000"/>
-                </a:schemeClr>
-              </a:solidFill>
-              <a:ln>
-                <a:solidFill>
-                  <a:schemeClr val="bg2">
-                    <a:lumMod val="50000"/>
-                  </a:schemeClr>
-                </a:solidFill>
-              </a:ln>
-            </p:spPr>
-            <p:style>
-              <a:lnRef idx="2">
-                <a:schemeClr val="accent1">
-                  <a:shade val="50000"/>
-                </a:schemeClr>
-              </a:lnRef>
-              <a:fillRef idx="1">
-                <a:schemeClr val="accent1"/>
-              </a:fillRef>
-              <a:effectRef idx="0">
-                <a:schemeClr val="accent1"/>
-              </a:effectRef>
-              <a:fontRef idx="minor">
-                <a:schemeClr val="lt1"/>
-              </a:fontRef>
-            </p:style>
-            <p:txBody>
-              <a:bodyPr rtlCol="0" anchor="ctr"/>
-              <a:lstStyle/>
-              <a:p>
-                <a:pPr algn="ctr"/>
-                <a:endParaRPr lang="pt-PT" dirty="0"/>
-              </a:p>
-            </p:txBody>
-          </p:sp>
-        </p:grpSp>
-        <p:grpSp>
-          <p:nvGrpSpPr>
-            <p:cNvPr id="97" name="Agrupar 96">
-              <a:extLst>
-                <a:ext uri="{FF2B5EF4-FFF2-40B4-BE49-F238E27FC236}">
-                  <a16:creationId xmlns:a16="http://schemas.microsoft.com/office/drawing/2014/main" id="{4D7E3363-B30B-A71C-7F57-07773D3BA454}"/>
-                </a:ext>
-              </a:extLst>
-            </p:cNvPr>
-            <p:cNvGrpSpPr/>
-            <p:nvPr/>
-          </p:nvGrpSpPr>
-          <p:grpSpPr>
-            <a:xfrm>
-              <a:off x="2205002" y="3306746"/>
-              <a:ext cx="180000" cy="256000"/>
-              <a:chOff x="3779698" y="803945"/>
-              <a:chExt cx="1696900" cy="2223748"/>
-            </a:xfrm>
-          </p:grpSpPr>
-          <p:sp>
-            <p:nvSpPr>
-              <p:cNvPr id="98" name="Retângulo 97">
-                <a:extLst>
-                  <a:ext uri="{FF2B5EF4-FFF2-40B4-BE49-F238E27FC236}">
-                    <a16:creationId xmlns:a16="http://schemas.microsoft.com/office/drawing/2014/main" id="{55989BC5-2555-2873-F610-4CE124315995}"/>
-                  </a:ext>
-                </a:extLst>
-              </p:cNvPr>
-              <p:cNvSpPr/>
-              <p:nvPr/>
-            </p:nvSpPr>
-            <p:spPr>
-              <a:xfrm rot="5400000">
-                <a:off x="4270566" y="1337952"/>
-                <a:ext cx="245863" cy="1227600"/>
-              </a:xfrm>
-              <a:prstGeom prst="rect">
-                <a:avLst/>
-              </a:prstGeom>
-              <a:solidFill>
-                <a:schemeClr val="bg2">
-                  <a:lumMod val="50000"/>
-                </a:schemeClr>
-              </a:solidFill>
-              <a:ln>
-                <a:solidFill>
-                  <a:schemeClr val="bg2">
-                    <a:lumMod val="50000"/>
-                  </a:schemeClr>
-                </a:solidFill>
-              </a:ln>
-            </p:spPr>
-            <p:style>
-              <a:lnRef idx="2">
-                <a:schemeClr val="accent1">
-                  <a:shade val="50000"/>
-                </a:schemeClr>
-              </a:lnRef>
-              <a:fillRef idx="1">
-                <a:schemeClr val="accent1"/>
-              </a:fillRef>
-              <a:effectRef idx="0">
-                <a:schemeClr val="accent1"/>
-              </a:effectRef>
-              <a:fontRef idx="minor">
-                <a:schemeClr val="lt1"/>
-              </a:fontRef>
-            </p:style>
-            <p:txBody>
-              <a:bodyPr rtlCol="0" anchor="ctr"/>
-              <a:lstStyle/>
-              <a:p>
-                <a:pPr algn="ctr"/>
-                <a:endParaRPr lang="pt-PT" dirty="0"/>
-              </a:p>
-            </p:txBody>
-          </p:sp>
-          <p:sp>
-            <p:nvSpPr>
-              <p:cNvPr id="99" name="Retângulo 98">
-                <a:extLst>
-                  <a:ext uri="{FF2B5EF4-FFF2-40B4-BE49-F238E27FC236}">
-                    <a16:creationId xmlns:a16="http://schemas.microsoft.com/office/drawing/2014/main" id="{71D89E37-DDF4-15E0-D6D2-D2E97B5F1B2A}"/>
-                  </a:ext>
-                </a:extLst>
-              </p:cNvPr>
-              <p:cNvSpPr/>
-              <p:nvPr/>
-            </p:nvSpPr>
-            <p:spPr>
-              <a:xfrm rot="8598820">
-                <a:off x="5230735" y="1800093"/>
-                <a:ext cx="245863" cy="1227600"/>
-              </a:xfrm>
-              <a:prstGeom prst="rect">
-                <a:avLst/>
-              </a:prstGeom>
-              <a:solidFill>
-                <a:schemeClr val="bg2">
-                  <a:lumMod val="50000"/>
-                </a:schemeClr>
-              </a:solidFill>
-              <a:ln>
-                <a:solidFill>
-                  <a:schemeClr val="bg2">
-                    <a:lumMod val="50000"/>
-                  </a:schemeClr>
-                </a:solidFill>
-              </a:ln>
-            </p:spPr>
-            <p:style>
-              <a:lnRef idx="2">
-                <a:schemeClr val="accent1">
-                  <a:shade val="50000"/>
-                </a:schemeClr>
-              </a:lnRef>
-              <a:fillRef idx="1">
-                <a:schemeClr val="accent1"/>
-              </a:fillRef>
-              <a:effectRef idx="0">
-                <a:schemeClr val="accent1"/>
-              </a:effectRef>
-              <a:fontRef idx="minor">
-                <a:schemeClr val="lt1"/>
-              </a:fontRef>
-            </p:style>
-            <p:txBody>
-              <a:bodyPr rtlCol="0" anchor="ctr"/>
-              <a:lstStyle/>
-              <a:p>
-                <a:pPr algn="ctr"/>
-                <a:endParaRPr lang="pt-PT" dirty="0"/>
-              </a:p>
-            </p:txBody>
-          </p:sp>
-          <p:sp>
-            <p:nvSpPr>
-              <p:cNvPr id="100" name="Retângulo 99">
-                <a:extLst>
-                  <a:ext uri="{FF2B5EF4-FFF2-40B4-BE49-F238E27FC236}">
-                    <a16:creationId xmlns:a16="http://schemas.microsoft.com/office/drawing/2014/main" id="{021985E4-A1D4-971A-B599-8B6D998D8230}"/>
-                  </a:ext>
-                </a:extLst>
-              </p:cNvPr>
-              <p:cNvSpPr/>
-              <p:nvPr/>
-            </p:nvSpPr>
-            <p:spPr>
-              <a:xfrm rot="12648134">
-                <a:off x="5188059" y="803945"/>
-                <a:ext cx="245862" cy="1227596"/>
-              </a:xfrm>
-              <a:prstGeom prst="rect">
-                <a:avLst/>
-              </a:prstGeom>
-              <a:solidFill>
-                <a:schemeClr val="bg2">
-                  <a:lumMod val="50000"/>
-                </a:schemeClr>
-              </a:solidFill>
-              <a:ln>
-                <a:solidFill>
-                  <a:schemeClr val="bg2">
-                    <a:lumMod val="50000"/>
-                  </a:schemeClr>
-                </a:solidFill>
-              </a:ln>
-            </p:spPr>
-            <p:style>
-              <a:lnRef idx="2">
-                <a:schemeClr val="accent1">
-                  <a:shade val="50000"/>
-                </a:schemeClr>
-              </a:lnRef>
-              <a:fillRef idx="1">
-                <a:schemeClr val="accent1"/>
-              </a:fillRef>
-              <a:effectRef idx="0">
-                <a:schemeClr val="accent1"/>
-              </a:effectRef>
-              <a:fontRef idx="minor">
-                <a:schemeClr val="lt1"/>
-              </a:fontRef>
-            </p:style>
-            <p:txBody>
-              <a:bodyPr rtlCol="0" anchor="ctr"/>
-              <a:lstStyle/>
-              <a:p>
-                <a:pPr algn="ctr"/>
-                <a:endParaRPr lang="pt-PT" dirty="0"/>
-              </a:p>
-            </p:txBody>
-          </p:sp>
-        </p:grpSp>
-        <p:sp>
-          <p:nvSpPr>
-            <p:cNvPr id="105" name="CaixaDeTexto 104">
-              <a:extLst>
-                <a:ext uri="{FF2B5EF4-FFF2-40B4-BE49-F238E27FC236}">
-                  <a16:creationId xmlns:a16="http://schemas.microsoft.com/office/drawing/2014/main" id="{B3AF3909-C915-C07B-1D65-8308A8D5707F}"/>
-                </a:ext>
-              </a:extLst>
-            </p:cNvPr>
-            <p:cNvSpPr txBox="1"/>
-            <p:nvPr/>
-          </p:nvSpPr>
-          <p:spPr>
-            <a:xfrm>
-              <a:off x="2406097" y="3301030"/>
+              <a:off x="2190108" y="2970074"/>
               <a:ext cx="1783469" cy="246221"/>
             </a:xfrm>
             <a:prstGeom prst="rect">
@@ -16237,244 +16597,12 @@
               </a:r>
               <a:r>
                 <a:rPr lang="pt-PT" sz="800" dirty="0"/>
-                <a:t>Electric Rotor</a:t>
+                <a:t>Emergency Exits</a:t>
               </a:r>
             </a:p>
           </p:txBody>
         </p:sp>
       </p:grpSp>
-      <p:sp>
-        <p:nvSpPr>
-          <p:cNvPr id="2" name="Arrow: Right 1">
-            <a:extLst>
-              <a:ext uri="{FF2B5EF4-FFF2-40B4-BE49-F238E27FC236}">
-                <a16:creationId xmlns:a16="http://schemas.microsoft.com/office/drawing/2014/main" id="{5C823BAD-FE97-4FD1-8815-5BA34DC4F792}"/>
-              </a:ext>
-            </a:extLst>
-          </p:cNvPr>
-          <p:cNvSpPr/>
-          <p:nvPr/>
-        </p:nvSpPr>
-        <p:spPr>
-          <a:xfrm>
-            <a:off x="4103532" y="4814222"/>
-            <a:ext cx="2254840" cy="51081"/>
-          </a:xfrm>
-          <a:prstGeom prst="rightArrow">
-            <a:avLst/>
-          </a:prstGeom>
-        </p:spPr>
-        <p:style>
-          <a:lnRef idx="2">
-            <a:schemeClr val="accent1">
-              <a:shade val="50000"/>
-            </a:schemeClr>
-          </a:lnRef>
-          <a:fillRef idx="1">
-            <a:schemeClr val="accent1"/>
-          </a:fillRef>
-          <a:effectRef idx="0">
-            <a:schemeClr val="accent1"/>
-          </a:effectRef>
-          <a:fontRef idx="minor">
-            <a:schemeClr val="lt1"/>
-          </a:fontRef>
-        </p:style>
-        <p:txBody>
-          <a:bodyPr rtlCol="0" anchor="ctr"/>
-          <a:lstStyle/>
-          <a:p>
-            <a:pPr algn="ctr"/>
-            <a:endParaRPr lang="en-US"/>
-          </a:p>
-        </p:txBody>
-      </p:sp>
-      <p:sp>
-        <p:nvSpPr>
-          <p:cNvPr id="4" name="Arrow: Up 3">
-            <a:extLst>
-              <a:ext uri="{FF2B5EF4-FFF2-40B4-BE49-F238E27FC236}">
-                <a16:creationId xmlns:a16="http://schemas.microsoft.com/office/drawing/2014/main" id="{16C16668-3A65-41EC-A588-85C0B48AEF43}"/>
-              </a:ext>
-            </a:extLst>
-          </p:cNvPr>
-          <p:cNvSpPr/>
-          <p:nvPr/>
-        </p:nvSpPr>
-        <p:spPr>
-          <a:xfrm>
-            <a:off x="6684595" y="3929449"/>
-            <a:ext cx="45719" cy="763223"/>
-          </a:xfrm>
-          <a:prstGeom prst="upArrow">
-            <a:avLst/>
-          </a:prstGeom>
-        </p:spPr>
-        <p:style>
-          <a:lnRef idx="2">
-            <a:schemeClr val="accent1">
-              <a:shade val="50000"/>
-            </a:schemeClr>
-          </a:lnRef>
-          <a:fillRef idx="1">
-            <a:schemeClr val="accent1"/>
-          </a:fillRef>
-          <a:effectRef idx="0">
-            <a:schemeClr val="accent1"/>
-          </a:effectRef>
-          <a:fontRef idx="minor">
-            <a:schemeClr val="lt1"/>
-          </a:fontRef>
-        </p:style>
-        <p:txBody>
-          <a:bodyPr rtlCol="0" anchor="ctr"/>
-          <a:lstStyle/>
-          <a:p>
-            <a:pPr algn="ctr"/>
-            <a:endParaRPr lang="en-US"/>
-          </a:p>
-        </p:txBody>
-      </p:sp>
-      <p:sp>
-        <p:nvSpPr>
-          <p:cNvPr id="76" name="Arrow: Up 75">
-            <a:extLst>
-              <a:ext uri="{FF2B5EF4-FFF2-40B4-BE49-F238E27FC236}">
-                <a16:creationId xmlns:a16="http://schemas.microsoft.com/office/drawing/2014/main" id="{F7E56AA2-57EE-444F-85E0-50F0927FFF3F}"/>
-              </a:ext>
-            </a:extLst>
-          </p:cNvPr>
-          <p:cNvSpPr/>
-          <p:nvPr/>
-        </p:nvSpPr>
-        <p:spPr>
-          <a:xfrm flipV="1">
-            <a:off x="6690568" y="4988194"/>
-            <a:ext cx="45719" cy="763223"/>
-          </a:xfrm>
-          <a:prstGeom prst="upArrow">
-            <a:avLst/>
-          </a:prstGeom>
-        </p:spPr>
-        <p:style>
-          <a:lnRef idx="2">
-            <a:schemeClr val="accent1">
-              <a:shade val="50000"/>
-            </a:schemeClr>
-          </a:lnRef>
-          <a:fillRef idx="1">
-            <a:schemeClr val="accent1"/>
-          </a:fillRef>
-          <a:effectRef idx="0">
-            <a:schemeClr val="accent1"/>
-          </a:effectRef>
-          <a:fontRef idx="minor">
-            <a:schemeClr val="lt1"/>
-          </a:fontRef>
-        </p:style>
-        <p:txBody>
-          <a:bodyPr rtlCol="0" anchor="ctr"/>
-          <a:lstStyle/>
-          <a:p>
-            <a:pPr algn="ctr"/>
-            <a:endParaRPr lang="en-US"/>
-          </a:p>
-        </p:txBody>
-      </p:sp>
-      <p:sp>
-        <p:nvSpPr>
-          <p:cNvPr id="3" name="Rectangle: Rounded Corners 2">
-            <a:extLst>
-              <a:ext uri="{FF2B5EF4-FFF2-40B4-BE49-F238E27FC236}">
-                <a16:creationId xmlns:a16="http://schemas.microsoft.com/office/drawing/2014/main" id="{82613164-6C8C-414E-BBE3-2905814DA228}"/>
-              </a:ext>
-            </a:extLst>
-          </p:cNvPr>
-          <p:cNvSpPr/>
-          <p:nvPr/>
-        </p:nvSpPr>
-        <p:spPr>
-          <a:xfrm>
-            <a:off x="6453512" y="4139606"/>
-            <a:ext cx="507884" cy="135552"/>
-          </a:xfrm>
-          <a:prstGeom prst="roundRect">
-            <a:avLst/>
-          </a:prstGeom>
-          <a:noFill/>
-        </p:spPr>
-        <p:style>
-          <a:lnRef idx="2">
-            <a:schemeClr val="accent1">
-              <a:shade val="50000"/>
-            </a:schemeClr>
-          </a:lnRef>
-          <a:fillRef idx="1">
-            <a:schemeClr val="accent1"/>
-          </a:fillRef>
-          <a:effectRef idx="0">
-            <a:schemeClr val="accent1"/>
-          </a:effectRef>
-          <a:fontRef idx="minor">
-            <a:schemeClr val="lt1"/>
-          </a:fontRef>
-        </p:style>
-        <p:txBody>
-          <a:bodyPr rtlCol="0" anchor="ctr"/>
-          <a:lstStyle/>
-          <a:p>
-            <a:pPr algn="ctr"/>
-            <a:endParaRPr lang="en-US"/>
-          </a:p>
-        </p:txBody>
-      </p:sp>
-      <p:sp>
-        <p:nvSpPr>
-          <p:cNvPr id="41" name="Rectangle: Rounded Corners 40">
-            <a:extLst>
-              <a:ext uri="{FF2B5EF4-FFF2-40B4-BE49-F238E27FC236}">
-                <a16:creationId xmlns:a16="http://schemas.microsoft.com/office/drawing/2014/main" id="{FF77AF8B-C4BC-4F70-AE81-204F52EE2731}"/>
-              </a:ext>
-            </a:extLst>
-          </p:cNvPr>
-          <p:cNvSpPr/>
-          <p:nvPr/>
-        </p:nvSpPr>
-        <p:spPr>
-          <a:xfrm>
-            <a:off x="6453512" y="5400989"/>
-            <a:ext cx="507884" cy="135552"/>
-          </a:xfrm>
-          <a:prstGeom prst="roundRect">
-            <a:avLst/>
-          </a:prstGeom>
-          <a:noFill/>
-        </p:spPr>
-        <p:style>
-          <a:lnRef idx="2">
-            <a:schemeClr val="accent1">
-              <a:shade val="50000"/>
-            </a:schemeClr>
-          </a:lnRef>
-          <a:fillRef idx="1">
-            <a:schemeClr val="accent1"/>
-          </a:fillRef>
-          <a:effectRef idx="0">
-            <a:schemeClr val="accent1"/>
-          </a:effectRef>
-          <a:fontRef idx="minor">
-            <a:schemeClr val="lt1"/>
-          </a:fontRef>
-        </p:style>
-        <p:txBody>
-          <a:bodyPr rtlCol="0" anchor="ctr"/>
-          <a:lstStyle/>
-          <a:p>
-            <a:pPr algn="ctr"/>
-            <a:endParaRPr lang="en-US"/>
-          </a:p>
-        </p:txBody>
-      </p:sp>
     </p:spTree>
     <p:extLst>
       <p:ext uri="{BB962C8B-B14F-4D97-AF65-F5344CB8AC3E}">

--- a/DesignDeAltoNivel.pptx
+++ b/DesignDeAltoNivel.pptx
@@ -10,6 +10,7 @@
     <p:sldId id="261" r:id="rId4"/>
     <p:sldId id="258" r:id="rId5"/>
     <p:sldId id="259" r:id="rId6"/>
+    <p:sldId id="262" r:id="rId7"/>
   </p:sldIdLst>
   <p:sldSz cx="12192000" cy="6858000"/>
   <p:notesSz cx="6858000" cy="9144000"/>
@@ -16597,7 +16598,7 @@
               </a:r>
               <a:r>
                 <a:rPr lang="pt-PT" sz="800" dirty="0"/>
-                <a:t>Emergency Exits</a:t>
+                <a:t>Emergency Exit</a:t>
               </a:r>
             </a:p>
           </p:txBody>
@@ -16607,6 +16608,2329 @@
     <p:extLst>
       <p:ext uri="{BB962C8B-B14F-4D97-AF65-F5344CB8AC3E}">
         <p14:creationId xmlns:p14="http://schemas.microsoft.com/office/powerpoint/2010/main" val="3667165424"/>
+      </p:ext>
+    </p:extLst>
+  </p:cSld>
+  <p:clrMapOvr>
+    <a:masterClrMapping/>
+  </p:clrMapOvr>
+</p:sld>
+</file>
+
+<file path=ppt/slides/slide6.xml><?xml version="1.0" encoding="utf-8"?>
+<p:sld xmlns:a="http://schemas.openxmlformats.org/drawingml/2006/main" xmlns:r="http://schemas.openxmlformats.org/officeDocument/2006/relationships" xmlns:p="http://schemas.openxmlformats.org/presentationml/2006/main">
+  <p:cSld>
+    <p:spTree>
+      <p:nvGrpSpPr>
+        <p:cNvPr id="1" name=""/>
+        <p:cNvGrpSpPr/>
+        <p:nvPr/>
+      </p:nvGrpSpPr>
+      <p:grpSpPr>
+        <a:xfrm>
+          <a:off x="0" y="0"/>
+          <a:ext cx="0" cy="0"/>
+          <a:chOff x="0" y="0"/>
+          <a:chExt cx="0" cy="0"/>
+        </a:xfrm>
+      </p:grpSpPr>
+      <p:grpSp>
+        <p:nvGrpSpPr>
+          <p:cNvPr id="12" name="Group 11">
+            <a:extLst>
+              <a:ext uri="{FF2B5EF4-FFF2-40B4-BE49-F238E27FC236}">
+                <a16:creationId xmlns:a16="http://schemas.microsoft.com/office/drawing/2014/main" id="{5FDE1FD9-FAA5-4F9E-BE3A-DDF56B8790E9}"/>
+              </a:ext>
+            </a:extLst>
+          </p:cNvPr>
+          <p:cNvGrpSpPr/>
+          <p:nvPr/>
+        </p:nvGrpSpPr>
+        <p:grpSpPr>
+          <a:xfrm>
+            <a:off x="1913721" y="787470"/>
+            <a:ext cx="6684761" cy="4930996"/>
+            <a:chOff x="1913721" y="787470"/>
+            <a:chExt cx="6684761" cy="4930996"/>
+          </a:xfrm>
+        </p:grpSpPr>
+        <p:grpSp>
+          <p:nvGrpSpPr>
+            <p:cNvPr id="11" name="Group 10">
+              <a:extLst>
+                <a:ext uri="{FF2B5EF4-FFF2-40B4-BE49-F238E27FC236}">
+                  <a16:creationId xmlns:a16="http://schemas.microsoft.com/office/drawing/2014/main" id="{68FEDF00-BC94-4BCF-9EF3-1EE07170067E}"/>
+                </a:ext>
+              </a:extLst>
+            </p:cNvPr>
+            <p:cNvGrpSpPr/>
+            <p:nvPr/>
+          </p:nvGrpSpPr>
+          <p:grpSpPr>
+            <a:xfrm>
+              <a:off x="1941392" y="787470"/>
+              <a:ext cx="6657090" cy="4930996"/>
+              <a:chOff x="2237954" y="820421"/>
+              <a:chExt cx="6657090" cy="4930996"/>
+            </a:xfrm>
+          </p:grpSpPr>
+          <p:grpSp>
+            <p:nvGrpSpPr>
+              <p:cNvPr id="112" name="Agrupar 111">
+                <a:extLst>
+                  <a:ext uri="{FF2B5EF4-FFF2-40B4-BE49-F238E27FC236}">
+                    <a16:creationId xmlns:a16="http://schemas.microsoft.com/office/drawing/2014/main" id="{CB3BEEB5-D039-7BAA-4AE4-476AA991CF53}"/>
+                  </a:ext>
+                </a:extLst>
+              </p:cNvPr>
+              <p:cNvGrpSpPr/>
+              <p:nvPr/>
+            </p:nvGrpSpPr>
+            <p:grpSpPr>
+              <a:xfrm>
+                <a:off x="2237954" y="820421"/>
+                <a:ext cx="6657090" cy="4723095"/>
+                <a:chOff x="2205002" y="803945"/>
+                <a:chExt cx="6657090" cy="4723095"/>
+              </a:xfrm>
+            </p:grpSpPr>
+            <p:grpSp>
+              <p:nvGrpSpPr>
+                <p:cNvPr id="13" name="Agrupar 12">
+                  <a:extLst>
+                    <a:ext uri="{FF2B5EF4-FFF2-40B4-BE49-F238E27FC236}">
+                      <a16:creationId xmlns:a16="http://schemas.microsoft.com/office/drawing/2014/main" id="{7D681D2C-1226-68D3-E858-81DF708ADBF9}"/>
+                    </a:ext>
+                  </a:extLst>
+                </p:cNvPr>
+                <p:cNvGrpSpPr/>
+                <p:nvPr/>
+              </p:nvGrpSpPr>
+              <p:grpSpPr>
+                <a:xfrm flipH="1">
+                  <a:off x="3089239" y="1848232"/>
+                  <a:ext cx="5538906" cy="3678808"/>
+                  <a:chOff x="3203563" y="990982"/>
+                  <a:chExt cx="5538906" cy="3678808"/>
+                </a:xfrm>
+              </p:grpSpPr>
+              <p:sp>
+                <p:nvSpPr>
+                  <p:cNvPr id="8" name="Retângulo 7">
+                    <a:extLst>
+                      <a:ext uri="{FF2B5EF4-FFF2-40B4-BE49-F238E27FC236}">
+                        <a16:creationId xmlns:a16="http://schemas.microsoft.com/office/drawing/2014/main" id="{9E6BDAEE-2DF3-B4FD-6729-0E9FE57D7A76}"/>
+                      </a:ext>
+                    </a:extLst>
+                  </p:cNvPr>
+                  <p:cNvSpPr/>
+                  <p:nvPr/>
+                </p:nvSpPr>
+                <p:spPr>
+                  <a:xfrm>
+                    <a:off x="3510280" y="990982"/>
+                    <a:ext cx="1226820" cy="3337178"/>
+                  </a:xfrm>
+                  <a:prstGeom prst="rect">
+                    <a:avLst/>
+                  </a:prstGeom>
+                  <a:solidFill>
+                    <a:schemeClr val="bg2">
+                      <a:lumMod val="90000"/>
+                    </a:schemeClr>
+                  </a:solidFill>
+                  <a:ln>
+                    <a:solidFill>
+                      <a:schemeClr val="bg2">
+                        <a:lumMod val="50000"/>
+                      </a:schemeClr>
+                    </a:solidFill>
+                  </a:ln>
+                </p:spPr>
+                <p:style>
+                  <a:lnRef idx="2">
+                    <a:schemeClr val="accent1">
+                      <a:shade val="50000"/>
+                    </a:schemeClr>
+                  </a:lnRef>
+                  <a:fillRef idx="1">
+                    <a:schemeClr val="accent1"/>
+                  </a:fillRef>
+                  <a:effectRef idx="0">
+                    <a:schemeClr val="accent1"/>
+                  </a:effectRef>
+                  <a:fontRef idx="minor">
+                    <a:schemeClr val="lt1"/>
+                  </a:fontRef>
+                </p:style>
+                <p:txBody>
+                  <a:bodyPr rtlCol="0" anchor="ctr"/>
+                  <a:lstStyle/>
+                  <a:p>
+                    <a:pPr algn="ctr"/>
+                    <a:endParaRPr lang="pt-PT" dirty="0"/>
+                  </a:p>
+                </p:txBody>
+              </p:sp>
+              <p:sp>
+                <p:nvSpPr>
+                  <p:cNvPr id="9" name="Retângulo 8">
+                    <a:extLst>
+                      <a:ext uri="{FF2B5EF4-FFF2-40B4-BE49-F238E27FC236}">
+                        <a16:creationId xmlns:a16="http://schemas.microsoft.com/office/drawing/2014/main" id="{064401E6-1760-7B57-FA17-A25A90420738}"/>
+                      </a:ext>
+                    </a:extLst>
+                  </p:cNvPr>
+                  <p:cNvSpPr/>
+                  <p:nvPr/>
+                </p:nvSpPr>
+                <p:spPr>
+                  <a:xfrm>
+                    <a:off x="6173966" y="990982"/>
+                    <a:ext cx="1226820" cy="3337178"/>
+                  </a:xfrm>
+                  <a:prstGeom prst="rect">
+                    <a:avLst/>
+                  </a:prstGeom>
+                  <a:solidFill>
+                    <a:schemeClr val="bg2">
+                      <a:lumMod val="90000"/>
+                    </a:schemeClr>
+                  </a:solidFill>
+                  <a:ln>
+                    <a:solidFill>
+                      <a:schemeClr val="bg2">
+                        <a:lumMod val="50000"/>
+                      </a:schemeClr>
+                    </a:solidFill>
+                  </a:ln>
+                </p:spPr>
+                <p:style>
+                  <a:lnRef idx="2">
+                    <a:schemeClr val="accent1">
+                      <a:shade val="50000"/>
+                    </a:schemeClr>
+                  </a:lnRef>
+                  <a:fillRef idx="1">
+                    <a:schemeClr val="accent1"/>
+                  </a:fillRef>
+                  <a:effectRef idx="0">
+                    <a:schemeClr val="accent1"/>
+                  </a:effectRef>
+                  <a:fontRef idx="minor">
+                    <a:schemeClr val="lt1"/>
+                  </a:fontRef>
+                </p:style>
+                <p:txBody>
+                  <a:bodyPr rtlCol="0" anchor="ctr"/>
+                  <a:lstStyle/>
+                  <a:p>
+                    <a:pPr algn="ctr"/>
+                    <a:endParaRPr lang="pt-PT" dirty="0"/>
+                  </a:p>
+                </p:txBody>
+              </p:sp>
+              <p:sp>
+                <p:nvSpPr>
+                  <p:cNvPr id="6" name="Retângulo 5">
+                    <a:extLst>
+                      <a:ext uri="{FF2B5EF4-FFF2-40B4-BE49-F238E27FC236}">
+                        <a16:creationId xmlns:a16="http://schemas.microsoft.com/office/drawing/2014/main" id="{A8A3E4C9-41B0-CAE7-7F23-19CECA504009}"/>
+                      </a:ext>
+                    </a:extLst>
+                  </p:cNvPr>
+                  <p:cNvSpPr/>
+                  <p:nvPr/>
+                </p:nvSpPr>
+                <p:spPr>
+                  <a:xfrm>
+                    <a:off x="4119217" y="3269974"/>
+                    <a:ext cx="3988905" cy="1393466"/>
+                  </a:xfrm>
+                  <a:prstGeom prst="rect">
+                    <a:avLst/>
+                  </a:prstGeom>
+                  <a:solidFill>
+                    <a:schemeClr val="bg2">
+                      <a:lumMod val="90000"/>
+                    </a:schemeClr>
+                  </a:solidFill>
+                  <a:ln>
+                    <a:solidFill>
+                      <a:schemeClr val="bg2">
+                        <a:lumMod val="50000"/>
+                      </a:schemeClr>
+                    </a:solidFill>
+                  </a:ln>
+                </p:spPr>
+                <p:style>
+                  <a:lnRef idx="2">
+                    <a:schemeClr val="accent1">
+                      <a:shade val="50000"/>
+                    </a:schemeClr>
+                  </a:lnRef>
+                  <a:fillRef idx="1">
+                    <a:schemeClr val="accent1"/>
+                  </a:fillRef>
+                  <a:effectRef idx="0">
+                    <a:schemeClr val="accent1"/>
+                  </a:effectRef>
+                  <a:fontRef idx="minor">
+                    <a:schemeClr val="lt1"/>
+                  </a:fontRef>
+                </p:style>
+                <p:txBody>
+                  <a:bodyPr rtlCol="0" anchor="ctr"/>
+                  <a:lstStyle/>
+                  <a:p>
+                    <a:pPr algn="ctr"/>
+                    <a:endParaRPr lang="pt-PT" dirty="0"/>
+                  </a:p>
+                </p:txBody>
+              </p:sp>
+              <p:sp>
+                <p:nvSpPr>
+                  <p:cNvPr id="7" name="Fluxograma: Atraso 6">
+                    <a:extLst>
+                      <a:ext uri="{FF2B5EF4-FFF2-40B4-BE49-F238E27FC236}">
+                        <a16:creationId xmlns:a16="http://schemas.microsoft.com/office/drawing/2014/main" id="{A6DF496E-F81E-8138-F775-0BB5981FBC7C}"/>
+                      </a:ext>
+                    </a:extLst>
+                  </p:cNvPr>
+                  <p:cNvSpPr/>
+                  <p:nvPr/>
+                </p:nvSpPr>
+                <p:spPr>
+                  <a:xfrm flipH="1">
+                    <a:off x="3203563" y="3269974"/>
+                    <a:ext cx="915654" cy="1393466"/>
+                  </a:xfrm>
+                  <a:custGeom>
+                    <a:avLst/>
+                    <a:gdLst>
+                      <a:gd name="connsiteX0" fmla="*/ 0 w 915642"/>
+                      <a:gd name="connsiteY0" fmla="*/ 0 h 1393466"/>
+                      <a:gd name="connsiteX1" fmla="*/ 457821 w 915642"/>
+                      <a:gd name="connsiteY1" fmla="*/ 0 h 1393466"/>
+                      <a:gd name="connsiteX2" fmla="*/ 915642 w 915642"/>
+                      <a:gd name="connsiteY2" fmla="*/ 696733 h 1393466"/>
+                      <a:gd name="connsiteX3" fmla="*/ 457821 w 915642"/>
+                      <a:gd name="connsiteY3" fmla="*/ 1393466 h 1393466"/>
+                      <a:gd name="connsiteX4" fmla="*/ 0 w 915642"/>
+                      <a:gd name="connsiteY4" fmla="*/ 1393466 h 1393466"/>
+                      <a:gd name="connsiteX5" fmla="*/ 0 w 915642"/>
+                      <a:gd name="connsiteY5" fmla="*/ 0 h 1393466"/>
+                      <a:gd name="connsiteX0" fmla="*/ 0 w 921802"/>
+                      <a:gd name="connsiteY0" fmla="*/ 0 h 1393466"/>
+                      <a:gd name="connsiteX1" fmla="*/ 162546 w 921802"/>
+                      <a:gd name="connsiteY1" fmla="*/ 9525 h 1393466"/>
+                      <a:gd name="connsiteX2" fmla="*/ 915642 w 921802"/>
+                      <a:gd name="connsiteY2" fmla="*/ 696733 h 1393466"/>
+                      <a:gd name="connsiteX3" fmla="*/ 457821 w 921802"/>
+                      <a:gd name="connsiteY3" fmla="*/ 1393466 h 1393466"/>
+                      <a:gd name="connsiteX4" fmla="*/ 0 w 921802"/>
+                      <a:gd name="connsiteY4" fmla="*/ 1393466 h 1393466"/>
+                      <a:gd name="connsiteX5" fmla="*/ 0 w 921802"/>
+                      <a:gd name="connsiteY5" fmla="*/ 0 h 1393466"/>
+                      <a:gd name="connsiteX0" fmla="*/ 0 w 917247"/>
+                      <a:gd name="connsiteY0" fmla="*/ 0 h 1393466"/>
+                      <a:gd name="connsiteX1" fmla="*/ 319709 w 917247"/>
+                      <a:gd name="connsiteY1" fmla="*/ 4762 h 1393466"/>
+                      <a:gd name="connsiteX2" fmla="*/ 915642 w 917247"/>
+                      <a:gd name="connsiteY2" fmla="*/ 696733 h 1393466"/>
+                      <a:gd name="connsiteX3" fmla="*/ 457821 w 917247"/>
+                      <a:gd name="connsiteY3" fmla="*/ 1393466 h 1393466"/>
+                      <a:gd name="connsiteX4" fmla="*/ 0 w 917247"/>
+                      <a:gd name="connsiteY4" fmla="*/ 1393466 h 1393466"/>
+                      <a:gd name="connsiteX5" fmla="*/ 0 w 917247"/>
+                      <a:gd name="connsiteY5" fmla="*/ 0 h 1393466"/>
+                      <a:gd name="connsiteX0" fmla="*/ 0 w 917247"/>
+                      <a:gd name="connsiteY0" fmla="*/ 0 h 1395582"/>
+                      <a:gd name="connsiteX1" fmla="*/ 319709 w 917247"/>
+                      <a:gd name="connsiteY1" fmla="*/ 4762 h 1395582"/>
+                      <a:gd name="connsiteX2" fmla="*/ 915642 w 917247"/>
+                      <a:gd name="connsiteY2" fmla="*/ 696733 h 1395582"/>
+                      <a:gd name="connsiteX3" fmla="*/ 457821 w 917247"/>
+                      <a:gd name="connsiteY3" fmla="*/ 1393466 h 1395582"/>
+                      <a:gd name="connsiteX4" fmla="*/ 0 w 917247"/>
+                      <a:gd name="connsiteY4" fmla="*/ 1393466 h 1395582"/>
+                      <a:gd name="connsiteX5" fmla="*/ 0 w 917247"/>
+                      <a:gd name="connsiteY5" fmla="*/ 0 h 1395582"/>
+                      <a:gd name="connsiteX0" fmla="*/ 0 w 916004"/>
+                      <a:gd name="connsiteY0" fmla="*/ 0 h 1395582"/>
+                      <a:gd name="connsiteX1" fmla="*/ 319709 w 916004"/>
+                      <a:gd name="connsiteY1" fmla="*/ 4762 h 1395582"/>
+                      <a:gd name="connsiteX2" fmla="*/ 915642 w 916004"/>
+                      <a:gd name="connsiteY2" fmla="*/ 696733 h 1395582"/>
+                      <a:gd name="connsiteX3" fmla="*/ 391146 w 916004"/>
+                      <a:gd name="connsiteY3" fmla="*/ 1393466 h 1395582"/>
+                      <a:gd name="connsiteX4" fmla="*/ 0 w 916004"/>
+                      <a:gd name="connsiteY4" fmla="*/ 1393466 h 1395582"/>
+                      <a:gd name="connsiteX5" fmla="*/ 0 w 916004"/>
+                      <a:gd name="connsiteY5" fmla="*/ 0 h 1395582"/>
+                      <a:gd name="connsiteX0" fmla="*/ 0 w 915678"/>
+                      <a:gd name="connsiteY0" fmla="*/ 0 h 1399561"/>
+                      <a:gd name="connsiteX1" fmla="*/ 319709 w 915678"/>
+                      <a:gd name="connsiteY1" fmla="*/ 4762 h 1399561"/>
+                      <a:gd name="connsiteX2" fmla="*/ 915642 w 915678"/>
+                      <a:gd name="connsiteY2" fmla="*/ 696733 h 1399561"/>
+                      <a:gd name="connsiteX3" fmla="*/ 343521 w 915678"/>
+                      <a:gd name="connsiteY3" fmla="*/ 1398228 h 1399561"/>
+                      <a:gd name="connsiteX4" fmla="*/ 0 w 915678"/>
+                      <a:gd name="connsiteY4" fmla="*/ 1393466 h 1399561"/>
+                      <a:gd name="connsiteX5" fmla="*/ 0 w 915678"/>
+                      <a:gd name="connsiteY5" fmla="*/ 0 h 1399561"/>
+                      <a:gd name="connsiteX0" fmla="*/ 0 w 915654"/>
+                      <a:gd name="connsiteY0" fmla="*/ 0 h 1393466"/>
+                      <a:gd name="connsiteX1" fmla="*/ 319709 w 915654"/>
+                      <a:gd name="connsiteY1" fmla="*/ 4762 h 1393466"/>
+                      <a:gd name="connsiteX2" fmla="*/ 915642 w 915654"/>
+                      <a:gd name="connsiteY2" fmla="*/ 696733 h 1393466"/>
+                      <a:gd name="connsiteX3" fmla="*/ 333996 w 915654"/>
+                      <a:gd name="connsiteY3" fmla="*/ 1391878 h 1393466"/>
+                      <a:gd name="connsiteX4" fmla="*/ 0 w 915654"/>
+                      <a:gd name="connsiteY4" fmla="*/ 1393466 h 1393466"/>
+                      <a:gd name="connsiteX5" fmla="*/ 0 w 915654"/>
+                      <a:gd name="connsiteY5" fmla="*/ 0 h 1393466"/>
+                    </a:gdLst>
+                    <a:ahLst/>
+                    <a:cxnLst>
+                      <a:cxn ang="0">
+                        <a:pos x="connsiteX0" y="connsiteY0"/>
+                      </a:cxn>
+                      <a:cxn ang="0">
+                        <a:pos x="connsiteX1" y="connsiteY1"/>
+                      </a:cxn>
+                      <a:cxn ang="0">
+                        <a:pos x="connsiteX2" y="connsiteY2"/>
+                      </a:cxn>
+                      <a:cxn ang="0">
+                        <a:pos x="connsiteX3" y="connsiteY3"/>
+                      </a:cxn>
+                      <a:cxn ang="0">
+                        <a:pos x="connsiteX4" y="connsiteY4"/>
+                      </a:cxn>
+                      <a:cxn ang="0">
+                        <a:pos x="connsiteX5" y="connsiteY5"/>
+                      </a:cxn>
+                    </a:cxnLst>
+                    <a:rect l="l" t="t" r="r" b="b"/>
+                    <a:pathLst>
+                      <a:path w="915654" h="1393466">
+                        <a:moveTo>
+                          <a:pt x="0" y="0"/>
+                        </a:moveTo>
+                        <a:cubicBezTo>
+                          <a:pt x="152607" y="0"/>
+                          <a:pt x="167102" y="4762"/>
+                          <a:pt x="319709" y="4762"/>
+                        </a:cubicBezTo>
+                        <a:cubicBezTo>
+                          <a:pt x="572557" y="4762"/>
+                          <a:pt x="913261" y="465547"/>
+                          <a:pt x="915642" y="696733"/>
+                        </a:cubicBezTo>
+                        <a:cubicBezTo>
+                          <a:pt x="918023" y="927919"/>
+                          <a:pt x="586844" y="1391878"/>
+                          <a:pt x="333996" y="1391878"/>
+                        </a:cubicBezTo>
+                        <a:lnTo>
+                          <a:pt x="0" y="1393466"/>
+                        </a:lnTo>
+                        <a:lnTo>
+                          <a:pt x="0" y="0"/>
+                        </a:lnTo>
+                        <a:close/>
+                      </a:path>
+                    </a:pathLst>
+                  </a:custGeom>
+                  <a:solidFill>
+                    <a:schemeClr val="bg2">
+                      <a:lumMod val="90000"/>
+                    </a:schemeClr>
+                  </a:solidFill>
+                  <a:ln>
+                    <a:solidFill>
+                      <a:schemeClr val="bg2">
+                        <a:lumMod val="50000"/>
+                      </a:schemeClr>
+                    </a:solidFill>
+                  </a:ln>
+                </p:spPr>
+                <p:style>
+                  <a:lnRef idx="2">
+                    <a:schemeClr val="accent1">
+                      <a:shade val="50000"/>
+                    </a:schemeClr>
+                  </a:lnRef>
+                  <a:fillRef idx="1">
+                    <a:schemeClr val="accent1"/>
+                  </a:fillRef>
+                  <a:effectRef idx="0">
+                    <a:schemeClr val="accent1"/>
+                  </a:effectRef>
+                  <a:fontRef idx="minor">
+                    <a:schemeClr val="lt1"/>
+                  </a:fontRef>
+                </p:style>
+                <p:txBody>
+                  <a:bodyPr rtlCol="0" anchor="ctr"/>
+                  <a:lstStyle/>
+                  <a:p>
+                    <a:pPr algn="ctr"/>
+                    <a:endParaRPr lang="pt-PT" dirty="0"/>
+                  </a:p>
+                </p:txBody>
+              </p:sp>
+              <p:sp>
+                <p:nvSpPr>
+                  <p:cNvPr id="10" name="Fluxograma: Atraso 9">
+                    <a:extLst>
+                      <a:ext uri="{FF2B5EF4-FFF2-40B4-BE49-F238E27FC236}">
+                        <a16:creationId xmlns:a16="http://schemas.microsoft.com/office/drawing/2014/main" id="{A0E66709-B77D-F6EA-3038-FEA15EC45FDC}"/>
+                      </a:ext>
+                    </a:extLst>
+                  </p:cNvPr>
+                  <p:cNvSpPr/>
+                  <p:nvPr/>
+                </p:nvSpPr>
+                <p:spPr>
+                  <a:xfrm>
+                    <a:off x="8108124" y="3263624"/>
+                    <a:ext cx="634345" cy="1406166"/>
+                  </a:xfrm>
+                  <a:custGeom>
+                    <a:avLst/>
+                    <a:gdLst>
+                      <a:gd name="connsiteX0" fmla="*/ 0 w 608937"/>
+                      <a:gd name="connsiteY0" fmla="*/ 0 h 1393466"/>
+                      <a:gd name="connsiteX1" fmla="*/ 304469 w 608937"/>
+                      <a:gd name="connsiteY1" fmla="*/ 0 h 1393466"/>
+                      <a:gd name="connsiteX2" fmla="*/ 608938 w 608937"/>
+                      <a:gd name="connsiteY2" fmla="*/ 696733 h 1393466"/>
+                      <a:gd name="connsiteX3" fmla="*/ 304469 w 608937"/>
+                      <a:gd name="connsiteY3" fmla="*/ 1393466 h 1393466"/>
+                      <a:gd name="connsiteX4" fmla="*/ 0 w 608937"/>
+                      <a:gd name="connsiteY4" fmla="*/ 1393466 h 1393466"/>
+                      <a:gd name="connsiteX5" fmla="*/ 0 w 608937"/>
+                      <a:gd name="connsiteY5" fmla="*/ 0 h 1393466"/>
+                      <a:gd name="connsiteX0" fmla="*/ 0 w 634338"/>
+                      <a:gd name="connsiteY0" fmla="*/ 0 h 1393466"/>
+                      <a:gd name="connsiteX1" fmla="*/ 304469 w 634338"/>
+                      <a:gd name="connsiteY1" fmla="*/ 0 h 1393466"/>
+                      <a:gd name="connsiteX2" fmla="*/ 634338 w 634338"/>
+                      <a:gd name="connsiteY2" fmla="*/ 696733 h 1393466"/>
+                      <a:gd name="connsiteX3" fmla="*/ 304469 w 634338"/>
+                      <a:gd name="connsiteY3" fmla="*/ 1393466 h 1393466"/>
+                      <a:gd name="connsiteX4" fmla="*/ 0 w 634338"/>
+                      <a:gd name="connsiteY4" fmla="*/ 1393466 h 1393466"/>
+                      <a:gd name="connsiteX5" fmla="*/ 0 w 634338"/>
+                      <a:gd name="connsiteY5" fmla="*/ 0 h 1393466"/>
+                      <a:gd name="connsiteX0" fmla="*/ 0 w 635654"/>
+                      <a:gd name="connsiteY0" fmla="*/ 0 h 1399816"/>
+                      <a:gd name="connsiteX1" fmla="*/ 304469 w 635654"/>
+                      <a:gd name="connsiteY1" fmla="*/ 0 h 1399816"/>
+                      <a:gd name="connsiteX2" fmla="*/ 634338 w 635654"/>
+                      <a:gd name="connsiteY2" fmla="*/ 696733 h 1399816"/>
+                      <a:gd name="connsiteX3" fmla="*/ 193344 w 635654"/>
+                      <a:gd name="connsiteY3" fmla="*/ 1399816 h 1399816"/>
+                      <a:gd name="connsiteX4" fmla="*/ 0 w 635654"/>
+                      <a:gd name="connsiteY4" fmla="*/ 1393466 h 1399816"/>
+                      <a:gd name="connsiteX5" fmla="*/ 0 w 635654"/>
+                      <a:gd name="connsiteY5" fmla="*/ 0 h 1399816"/>
+                      <a:gd name="connsiteX0" fmla="*/ 0 w 636413"/>
+                      <a:gd name="connsiteY0" fmla="*/ 0 h 1402991"/>
+                      <a:gd name="connsiteX1" fmla="*/ 304469 w 636413"/>
+                      <a:gd name="connsiteY1" fmla="*/ 0 h 1402991"/>
+                      <a:gd name="connsiteX2" fmla="*/ 634338 w 636413"/>
+                      <a:gd name="connsiteY2" fmla="*/ 696733 h 1402991"/>
+                      <a:gd name="connsiteX3" fmla="*/ 161594 w 636413"/>
+                      <a:gd name="connsiteY3" fmla="*/ 1402991 h 1402991"/>
+                      <a:gd name="connsiteX4" fmla="*/ 0 w 636413"/>
+                      <a:gd name="connsiteY4" fmla="*/ 1393466 h 1402991"/>
+                      <a:gd name="connsiteX5" fmla="*/ 0 w 636413"/>
+                      <a:gd name="connsiteY5" fmla="*/ 0 h 1402991"/>
+                      <a:gd name="connsiteX0" fmla="*/ 0 w 637888"/>
+                      <a:gd name="connsiteY0" fmla="*/ 0 h 1393466"/>
+                      <a:gd name="connsiteX1" fmla="*/ 304469 w 637888"/>
+                      <a:gd name="connsiteY1" fmla="*/ 0 h 1393466"/>
+                      <a:gd name="connsiteX2" fmla="*/ 634338 w 637888"/>
+                      <a:gd name="connsiteY2" fmla="*/ 696733 h 1393466"/>
+                      <a:gd name="connsiteX3" fmla="*/ 110794 w 637888"/>
+                      <a:gd name="connsiteY3" fmla="*/ 1390291 h 1393466"/>
+                      <a:gd name="connsiteX4" fmla="*/ 0 w 637888"/>
+                      <a:gd name="connsiteY4" fmla="*/ 1393466 h 1393466"/>
+                      <a:gd name="connsiteX5" fmla="*/ 0 w 637888"/>
+                      <a:gd name="connsiteY5" fmla="*/ 0 h 1393466"/>
+                      <a:gd name="connsiteX0" fmla="*/ 0 w 637888"/>
+                      <a:gd name="connsiteY0" fmla="*/ 0 h 1393466"/>
+                      <a:gd name="connsiteX1" fmla="*/ 304469 w 637888"/>
+                      <a:gd name="connsiteY1" fmla="*/ 0 h 1393466"/>
+                      <a:gd name="connsiteX2" fmla="*/ 634338 w 637888"/>
+                      <a:gd name="connsiteY2" fmla="*/ 696733 h 1393466"/>
+                      <a:gd name="connsiteX3" fmla="*/ 110794 w 637888"/>
+                      <a:gd name="connsiteY3" fmla="*/ 1390291 h 1393466"/>
+                      <a:gd name="connsiteX4" fmla="*/ 0 w 637888"/>
+                      <a:gd name="connsiteY4" fmla="*/ 1393466 h 1393466"/>
+                      <a:gd name="connsiteX5" fmla="*/ 0 w 637888"/>
+                      <a:gd name="connsiteY5" fmla="*/ 0 h 1393466"/>
+                      <a:gd name="connsiteX0" fmla="*/ 0 w 641730"/>
+                      <a:gd name="connsiteY0" fmla="*/ 0 h 1399816"/>
+                      <a:gd name="connsiteX1" fmla="*/ 304469 w 641730"/>
+                      <a:gd name="connsiteY1" fmla="*/ 0 h 1399816"/>
+                      <a:gd name="connsiteX2" fmla="*/ 634338 w 641730"/>
+                      <a:gd name="connsiteY2" fmla="*/ 696733 h 1399816"/>
+                      <a:gd name="connsiteX3" fmla="*/ 6019 w 641730"/>
+                      <a:gd name="connsiteY3" fmla="*/ 1399816 h 1399816"/>
+                      <a:gd name="connsiteX4" fmla="*/ 0 w 641730"/>
+                      <a:gd name="connsiteY4" fmla="*/ 1393466 h 1399816"/>
+                      <a:gd name="connsiteX5" fmla="*/ 0 w 641730"/>
+                      <a:gd name="connsiteY5" fmla="*/ 0 h 1399816"/>
+                      <a:gd name="connsiteX0" fmla="*/ 0 w 641730"/>
+                      <a:gd name="connsiteY0" fmla="*/ 0 h 1399816"/>
+                      <a:gd name="connsiteX1" fmla="*/ 304469 w 641730"/>
+                      <a:gd name="connsiteY1" fmla="*/ 0 h 1399816"/>
+                      <a:gd name="connsiteX2" fmla="*/ 634338 w 641730"/>
+                      <a:gd name="connsiteY2" fmla="*/ 696733 h 1399816"/>
+                      <a:gd name="connsiteX3" fmla="*/ 6019 w 641730"/>
+                      <a:gd name="connsiteY3" fmla="*/ 1399816 h 1399816"/>
+                      <a:gd name="connsiteX4" fmla="*/ 0 w 641730"/>
+                      <a:gd name="connsiteY4" fmla="*/ 1393466 h 1399816"/>
+                      <a:gd name="connsiteX5" fmla="*/ 0 w 641730"/>
+                      <a:gd name="connsiteY5" fmla="*/ 0 h 1399816"/>
+                      <a:gd name="connsiteX0" fmla="*/ 0 w 634338"/>
+                      <a:gd name="connsiteY0" fmla="*/ 0 h 1399816"/>
+                      <a:gd name="connsiteX1" fmla="*/ 9194 w 634338"/>
+                      <a:gd name="connsiteY1" fmla="*/ 12700 h 1399816"/>
+                      <a:gd name="connsiteX2" fmla="*/ 634338 w 634338"/>
+                      <a:gd name="connsiteY2" fmla="*/ 696733 h 1399816"/>
+                      <a:gd name="connsiteX3" fmla="*/ 6019 w 634338"/>
+                      <a:gd name="connsiteY3" fmla="*/ 1399816 h 1399816"/>
+                      <a:gd name="connsiteX4" fmla="*/ 0 w 634338"/>
+                      <a:gd name="connsiteY4" fmla="*/ 1393466 h 1399816"/>
+                      <a:gd name="connsiteX5" fmla="*/ 0 w 634338"/>
+                      <a:gd name="connsiteY5" fmla="*/ 0 h 1399816"/>
+                      <a:gd name="connsiteX0" fmla="*/ 0 w 634338"/>
+                      <a:gd name="connsiteY0" fmla="*/ 0 h 1399816"/>
+                      <a:gd name="connsiteX1" fmla="*/ 9194 w 634338"/>
+                      <a:gd name="connsiteY1" fmla="*/ 12700 h 1399816"/>
+                      <a:gd name="connsiteX2" fmla="*/ 634338 w 634338"/>
+                      <a:gd name="connsiteY2" fmla="*/ 696733 h 1399816"/>
+                      <a:gd name="connsiteX3" fmla="*/ 6019 w 634338"/>
+                      <a:gd name="connsiteY3" fmla="*/ 1399816 h 1399816"/>
+                      <a:gd name="connsiteX4" fmla="*/ 0 w 634338"/>
+                      <a:gd name="connsiteY4" fmla="*/ 1393466 h 1399816"/>
+                      <a:gd name="connsiteX5" fmla="*/ 0 w 634338"/>
+                      <a:gd name="connsiteY5" fmla="*/ 0 h 1399816"/>
+                      <a:gd name="connsiteX0" fmla="*/ 0 w 634338"/>
+                      <a:gd name="connsiteY0" fmla="*/ 0 h 1399816"/>
+                      <a:gd name="connsiteX1" fmla="*/ 9194 w 634338"/>
+                      <a:gd name="connsiteY1" fmla="*/ 12700 h 1399816"/>
+                      <a:gd name="connsiteX2" fmla="*/ 634338 w 634338"/>
+                      <a:gd name="connsiteY2" fmla="*/ 696733 h 1399816"/>
+                      <a:gd name="connsiteX3" fmla="*/ 6019 w 634338"/>
+                      <a:gd name="connsiteY3" fmla="*/ 1399816 h 1399816"/>
+                      <a:gd name="connsiteX4" fmla="*/ 0 w 634338"/>
+                      <a:gd name="connsiteY4" fmla="*/ 1393466 h 1399816"/>
+                      <a:gd name="connsiteX5" fmla="*/ 0 w 634338"/>
+                      <a:gd name="connsiteY5" fmla="*/ 0 h 1399816"/>
+                      <a:gd name="connsiteX0" fmla="*/ 0 w 634345"/>
+                      <a:gd name="connsiteY0" fmla="*/ 6350 h 1406166"/>
+                      <a:gd name="connsiteX1" fmla="*/ 15544 w 634345"/>
+                      <a:gd name="connsiteY1" fmla="*/ 0 h 1406166"/>
+                      <a:gd name="connsiteX2" fmla="*/ 634338 w 634345"/>
+                      <a:gd name="connsiteY2" fmla="*/ 703083 h 1406166"/>
+                      <a:gd name="connsiteX3" fmla="*/ 6019 w 634345"/>
+                      <a:gd name="connsiteY3" fmla="*/ 1406166 h 1406166"/>
+                      <a:gd name="connsiteX4" fmla="*/ 0 w 634345"/>
+                      <a:gd name="connsiteY4" fmla="*/ 1399816 h 1406166"/>
+                      <a:gd name="connsiteX5" fmla="*/ 0 w 634345"/>
+                      <a:gd name="connsiteY5" fmla="*/ 6350 h 1406166"/>
+                      <a:gd name="connsiteX0" fmla="*/ 0 w 634345"/>
+                      <a:gd name="connsiteY0" fmla="*/ 12700 h 1406166"/>
+                      <a:gd name="connsiteX1" fmla="*/ 15544 w 634345"/>
+                      <a:gd name="connsiteY1" fmla="*/ 0 h 1406166"/>
+                      <a:gd name="connsiteX2" fmla="*/ 634338 w 634345"/>
+                      <a:gd name="connsiteY2" fmla="*/ 703083 h 1406166"/>
+                      <a:gd name="connsiteX3" fmla="*/ 6019 w 634345"/>
+                      <a:gd name="connsiteY3" fmla="*/ 1406166 h 1406166"/>
+                      <a:gd name="connsiteX4" fmla="*/ 0 w 634345"/>
+                      <a:gd name="connsiteY4" fmla="*/ 1399816 h 1406166"/>
+                      <a:gd name="connsiteX5" fmla="*/ 0 w 634345"/>
+                      <a:gd name="connsiteY5" fmla="*/ 12700 h 1406166"/>
+                    </a:gdLst>
+                    <a:ahLst/>
+                    <a:cxnLst>
+                      <a:cxn ang="0">
+                        <a:pos x="connsiteX0" y="connsiteY0"/>
+                      </a:cxn>
+                      <a:cxn ang="0">
+                        <a:pos x="connsiteX1" y="connsiteY1"/>
+                      </a:cxn>
+                      <a:cxn ang="0">
+                        <a:pos x="connsiteX2" y="connsiteY2"/>
+                      </a:cxn>
+                      <a:cxn ang="0">
+                        <a:pos x="connsiteX3" y="connsiteY3"/>
+                      </a:cxn>
+                      <a:cxn ang="0">
+                        <a:pos x="connsiteX4" y="connsiteY4"/>
+                      </a:cxn>
+                      <a:cxn ang="0">
+                        <a:pos x="connsiteX5" y="connsiteY5"/>
+                      </a:cxn>
+                    </a:cxnLst>
+                    <a:rect l="l" t="t" r="r" b="b"/>
+                    <a:pathLst>
+                      <a:path w="634345" h="1406166">
+                        <a:moveTo>
+                          <a:pt x="0" y="12700"/>
+                        </a:moveTo>
+                        <a:lnTo>
+                          <a:pt x="15544" y="0"/>
+                        </a:lnTo>
+                        <a:cubicBezTo>
+                          <a:pt x="367848" y="203200"/>
+                          <a:pt x="635926" y="468722"/>
+                          <a:pt x="634338" y="703083"/>
+                        </a:cubicBezTo>
+                        <a:cubicBezTo>
+                          <a:pt x="632751" y="937444"/>
+                          <a:pt x="532948" y="1095016"/>
+                          <a:pt x="6019" y="1406166"/>
+                        </a:cubicBezTo>
+                        <a:lnTo>
+                          <a:pt x="0" y="1399816"/>
+                        </a:lnTo>
+                        <a:lnTo>
+                          <a:pt x="0" y="12700"/>
+                        </a:lnTo>
+                        <a:close/>
+                      </a:path>
+                    </a:pathLst>
+                  </a:custGeom>
+                  <a:solidFill>
+                    <a:schemeClr val="bg2">
+                      <a:lumMod val="90000"/>
+                    </a:schemeClr>
+                  </a:solidFill>
+                  <a:ln>
+                    <a:solidFill>
+                      <a:schemeClr val="bg2">
+                        <a:lumMod val="50000"/>
+                      </a:schemeClr>
+                    </a:solidFill>
+                  </a:ln>
+                </p:spPr>
+                <p:style>
+                  <a:lnRef idx="2">
+                    <a:schemeClr val="accent1">
+                      <a:shade val="50000"/>
+                    </a:schemeClr>
+                  </a:lnRef>
+                  <a:fillRef idx="1">
+                    <a:schemeClr val="accent1"/>
+                  </a:fillRef>
+                  <a:effectRef idx="0">
+                    <a:schemeClr val="accent1"/>
+                  </a:effectRef>
+                  <a:fontRef idx="minor">
+                    <a:schemeClr val="lt1"/>
+                  </a:fontRef>
+                </p:style>
+                <p:txBody>
+                  <a:bodyPr rtlCol="0" anchor="ctr"/>
+                  <a:lstStyle/>
+                  <a:p>
+                    <a:pPr algn="ctr"/>
+                    <a:endParaRPr lang="pt-PT" dirty="0"/>
+                  </a:p>
+                </p:txBody>
+              </p:sp>
+            </p:grpSp>
+            <p:grpSp>
+              <p:nvGrpSpPr>
+                <p:cNvPr id="50" name="Agrupar 49">
+                  <a:extLst>
+                    <a:ext uri="{FF2B5EF4-FFF2-40B4-BE49-F238E27FC236}">
+                      <a16:creationId xmlns:a16="http://schemas.microsoft.com/office/drawing/2014/main" id="{6943E87C-8474-1CD7-B77F-275FCB6DD712}"/>
+                    </a:ext>
+                  </a:extLst>
+                </p:cNvPr>
+                <p:cNvGrpSpPr/>
+                <p:nvPr/>
+              </p:nvGrpSpPr>
+              <p:grpSpPr>
+                <a:xfrm>
+                  <a:off x="3924251" y="4256426"/>
+                  <a:ext cx="2117268" cy="288000"/>
+                  <a:chOff x="3924251" y="4256426"/>
+                  <a:chExt cx="2117268" cy="288000"/>
+                </a:xfrm>
+              </p:grpSpPr>
+              <p:sp>
+                <p:nvSpPr>
+                  <p:cNvPr id="40" name="Retângulo 39">
+                    <a:extLst>
+                      <a:ext uri="{FF2B5EF4-FFF2-40B4-BE49-F238E27FC236}">
+                        <a16:creationId xmlns:a16="http://schemas.microsoft.com/office/drawing/2014/main" id="{E940D367-2F15-6FDB-F707-AE2FE3392466}"/>
+                      </a:ext>
+                    </a:extLst>
+                  </p:cNvPr>
+                  <p:cNvSpPr/>
+                  <p:nvPr/>
+                </p:nvSpPr>
+                <p:spPr>
+                  <a:xfrm>
+                    <a:off x="3924251" y="4256426"/>
+                    <a:ext cx="288000" cy="288000"/>
+                  </a:xfrm>
+                  <a:prstGeom prst="rect">
+                    <a:avLst/>
+                  </a:prstGeom>
+                </p:spPr>
+                <p:style>
+                  <a:lnRef idx="2">
+                    <a:schemeClr val="accent1">
+                      <a:shade val="50000"/>
+                    </a:schemeClr>
+                  </a:lnRef>
+                  <a:fillRef idx="1">
+                    <a:schemeClr val="accent1"/>
+                  </a:fillRef>
+                  <a:effectRef idx="0">
+                    <a:schemeClr val="accent1"/>
+                  </a:effectRef>
+                  <a:fontRef idx="minor">
+                    <a:schemeClr val="lt1"/>
+                  </a:fontRef>
+                </p:style>
+                <p:txBody>
+                  <a:bodyPr rtlCol="0" anchor="ctr"/>
+                  <a:lstStyle/>
+                  <a:p>
+                    <a:pPr algn="ctr"/>
+                    <a:endParaRPr lang="pt-PT" dirty="0"/>
+                  </a:p>
+                </p:txBody>
+              </p:sp>
+              <p:sp>
+                <p:nvSpPr>
+                  <p:cNvPr id="46" name="Retângulo 45">
+                    <a:extLst>
+                      <a:ext uri="{FF2B5EF4-FFF2-40B4-BE49-F238E27FC236}">
+                        <a16:creationId xmlns:a16="http://schemas.microsoft.com/office/drawing/2014/main" id="{B5224A88-713B-CD1F-1529-67D389DFBD58}"/>
+                      </a:ext>
+                    </a:extLst>
+                  </p:cNvPr>
+                  <p:cNvSpPr/>
+                  <p:nvPr/>
+                </p:nvSpPr>
+                <p:spPr>
+                  <a:xfrm>
+                    <a:off x="4382181" y="4256426"/>
+                    <a:ext cx="288000" cy="288000"/>
+                  </a:xfrm>
+                  <a:prstGeom prst="rect">
+                    <a:avLst/>
+                  </a:prstGeom>
+                </p:spPr>
+                <p:style>
+                  <a:lnRef idx="2">
+                    <a:schemeClr val="accent1">
+                      <a:shade val="50000"/>
+                    </a:schemeClr>
+                  </a:lnRef>
+                  <a:fillRef idx="1">
+                    <a:schemeClr val="accent1"/>
+                  </a:fillRef>
+                  <a:effectRef idx="0">
+                    <a:schemeClr val="accent1"/>
+                  </a:effectRef>
+                  <a:fontRef idx="minor">
+                    <a:schemeClr val="lt1"/>
+                  </a:fontRef>
+                </p:style>
+                <p:txBody>
+                  <a:bodyPr rtlCol="0" anchor="ctr"/>
+                  <a:lstStyle/>
+                  <a:p>
+                    <a:pPr algn="ctr"/>
+                    <a:endParaRPr lang="pt-PT" dirty="0"/>
+                  </a:p>
+                </p:txBody>
+              </p:sp>
+              <p:sp>
+                <p:nvSpPr>
+                  <p:cNvPr id="47" name="Retângulo 46">
+                    <a:extLst>
+                      <a:ext uri="{FF2B5EF4-FFF2-40B4-BE49-F238E27FC236}">
+                        <a16:creationId xmlns:a16="http://schemas.microsoft.com/office/drawing/2014/main" id="{7EBC3461-4AE7-0B83-700D-B6F164B815B0}"/>
+                      </a:ext>
+                    </a:extLst>
+                  </p:cNvPr>
+                  <p:cNvSpPr/>
+                  <p:nvPr/>
+                </p:nvSpPr>
+                <p:spPr>
+                  <a:xfrm>
+                    <a:off x="4840111" y="4256426"/>
+                    <a:ext cx="288000" cy="288000"/>
+                  </a:xfrm>
+                  <a:prstGeom prst="rect">
+                    <a:avLst/>
+                  </a:prstGeom>
+                </p:spPr>
+                <p:style>
+                  <a:lnRef idx="2">
+                    <a:schemeClr val="accent1">
+                      <a:shade val="50000"/>
+                    </a:schemeClr>
+                  </a:lnRef>
+                  <a:fillRef idx="1">
+                    <a:schemeClr val="accent1"/>
+                  </a:fillRef>
+                  <a:effectRef idx="0">
+                    <a:schemeClr val="accent1"/>
+                  </a:effectRef>
+                  <a:fontRef idx="minor">
+                    <a:schemeClr val="lt1"/>
+                  </a:fontRef>
+                </p:style>
+                <p:txBody>
+                  <a:bodyPr rtlCol="0" anchor="ctr"/>
+                  <a:lstStyle/>
+                  <a:p>
+                    <a:pPr algn="ctr"/>
+                    <a:endParaRPr lang="pt-PT" dirty="0"/>
+                  </a:p>
+                </p:txBody>
+              </p:sp>
+              <p:sp>
+                <p:nvSpPr>
+                  <p:cNvPr id="48" name="Retângulo 47">
+                    <a:extLst>
+                      <a:ext uri="{FF2B5EF4-FFF2-40B4-BE49-F238E27FC236}">
+                        <a16:creationId xmlns:a16="http://schemas.microsoft.com/office/drawing/2014/main" id="{EBEBE159-84D9-B6A1-6C65-C87BE4A09315}"/>
+                      </a:ext>
+                    </a:extLst>
+                  </p:cNvPr>
+                  <p:cNvSpPr/>
+                  <p:nvPr/>
+                </p:nvSpPr>
+                <p:spPr>
+                  <a:xfrm>
+                    <a:off x="5295692" y="4256426"/>
+                    <a:ext cx="288000" cy="288000"/>
+                  </a:xfrm>
+                  <a:prstGeom prst="rect">
+                    <a:avLst/>
+                  </a:prstGeom>
+                </p:spPr>
+                <p:style>
+                  <a:lnRef idx="2">
+                    <a:schemeClr val="accent1">
+                      <a:shade val="50000"/>
+                    </a:schemeClr>
+                  </a:lnRef>
+                  <a:fillRef idx="1">
+                    <a:schemeClr val="accent1"/>
+                  </a:fillRef>
+                  <a:effectRef idx="0">
+                    <a:schemeClr val="accent1"/>
+                  </a:effectRef>
+                  <a:fontRef idx="minor">
+                    <a:schemeClr val="lt1"/>
+                  </a:fontRef>
+                </p:style>
+                <p:txBody>
+                  <a:bodyPr rtlCol="0" anchor="ctr"/>
+                  <a:lstStyle/>
+                  <a:p>
+                    <a:pPr algn="ctr"/>
+                    <a:endParaRPr lang="pt-PT" dirty="0"/>
+                  </a:p>
+                </p:txBody>
+              </p:sp>
+              <p:sp>
+                <p:nvSpPr>
+                  <p:cNvPr id="49" name="Retângulo 48">
+                    <a:extLst>
+                      <a:ext uri="{FF2B5EF4-FFF2-40B4-BE49-F238E27FC236}">
+                        <a16:creationId xmlns:a16="http://schemas.microsoft.com/office/drawing/2014/main" id="{D19FFEEF-D3C7-F18A-9562-395A4D44FE90}"/>
+                      </a:ext>
+                    </a:extLst>
+                  </p:cNvPr>
+                  <p:cNvSpPr/>
+                  <p:nvPr/>
+                </p:nvSpPr>
+                <p:spPr>
+                  <a:xfrm>
+                    <a:off x="5753519" y="4256426"/>
+                    <a:ext cx="288000" cy="288000"/>
+                  </a:xfrm>
+                  <a:prstGeom prst="rect">
+                    <a:avLst/>
+                  </a:prstGeom>
+                </p:spPr>
+                <p:style>
+                  <a:lnRef idx="2">
+                    <a:schemeClr val="accent1">
+                      <a:shade val="50000"/>
+                    </a:schemeClr>
+                  </a:lnRef>
+                  <a:fillRef idx="1">
+                    <a:schemeClr val="accent1"/>
+                  </a:fillRef>
+                  <a:effectRef idx="0">
+                    <a:schemeClr val="accent1"/>
+                  </a:effectRef>
+                  <a:fontRef idx="minor">
+                    <a:schemeClr val="lt1"/>
+                  </a:fontRef>
+                </p:style>
+                <p:txBody>
+                  <a:bodyPr rtlCol="0" anchor="ctr"/>
+                  <a:lstStyle/>
+                  <a:p>
+                    <a:pPr algn="ctr"/>
+                    <a:endParaRPr lang="pt-PT" dirty="0"/>
+                  </a:p>
+                </p:txBody>
+              </p:sp>
+            </p:grpSp>
+            <p:grpSp>
+              <p:nvGrpSpPr>
+                <p:cNvPr id="51" name="Agrupar 50">
+                  <a:extLst>
+                    <a:ext uri="{FF2B5EF4-FFF2-40B4-BE49-F238E27FC236}">
+                      <a16:creationId xmlns:a16="http://schemas.microsoft.com/office/drawing/2014/main" id="{3CA821DE-A524-5743-15A4-153C6786628A}"/>
+                    </a:ext>
+                  </a:extLst>
+                </p:cNvPr>
+                <p:cNvGrpSpPr/>
+                <p:nvPr/>
+              </p:nvGrpSpPr>
+              <p:grpSpPr>
+                <a:xfrm>
+                  <a:off x="3931484" y="5113273"/>
+                  <a:ext cx="2117268" cy="288000"/>
+                  <a:chOff x="3924251" y="4256426"/>
+                  <a:chExt cx="2117268" cy="288000"/>
+                </a:xfrm>
+              </p:grpSpPr>
+              <p:sp>
+                <p:nvSpPr>
+                  <p:cNvPr id="52" name="Retângulo 51">
+                    <a:extLst>
+                      <a:ext uri="{FF2B5EF4-FFF2-40B4-BE49-F238E27FC236}">
+                        <a16:creationId xmlns:a16="http://schemas.microsoft.com/office/drawing/2014/main" id="{31DE9993-1867-0EAB-4826-1FC9BCA933B0}"/>
+                      </a:ext>
+                    </a:extLst>
+                  </p:cNvPr>
+                  <p:cNvSpPr/>
+                  <p:nvPr/>
+                </p:nvSpPr>
+                <p:spPr>
+                  <a:xfrm>
+                    <a:off x="3924251" y="4256426"/>
+                    <a:ext cx="288000" cy="288000"/>
+                  </a:xfrm>
+                  <a:prstGeom prst="rect">
+                    <a:avLst/>
+                  </a:prstGeom>
+                </p:spPr>
+                <p:style>
+                  <a:lnRef idx="2">
+                    <a:schemeClr val="accent1">
+                      <a:shade val="50000"/>
+                    </a:schemeClr>
+                  </a:lnRef>
+                  <a:fillRef idx="1">
+                    <a:schemeClr val="accent1"/>
+                  </a:fillRef>
+                  <a:effectRef idx="0">
+                    <a:schemeClr val="accent1"/>
+                  </a:effectRef>
+                  <a:fontRef idx="minor">
+                    <a:schemeClr val="lt1"/>
+                  </a:fontRef>
+                </p:style>
+                <p:txBody>
+                  <a:bodyPr rtlCol="0" anchor="ctr"/>
+                  <a:lstStyle/>
+                  <a:p>
+                    <a:pPr algn="ctr"/>
+                    <a:endParaRPr lang="pt-PT" dirty="0"/>
+                  </a:p>
+                </p:txBody>
+              </p:sp>
+              <p:sp>
+                <p:nvSpPr>
+                  <p:cNvPr id="53" name="Retângulo 52">
+                    <a:extLst>
+                      <a:ext uri="{FF2B5EF4-FFF2-40B4-BE49-F238E27FC236}">
+                        <a16:creationId xmlns:a16="http://schemas.microsoft.com/office/drawing/2014/main" id="{841E6150-441D-FB38-A8A5-E97C17886390}"/>
+                      </a:ext>
+                    </a:extLst>
+                  </p:cNvPr>
+                  <p:cNvSpPr/>
+                  <p:nvPr/>
+                </p:nvSpPr>
+                <p:spPr>
+                  <a:xfrm>
+                    <a:off x="4382181" y="4256426"/>
+                    <a:ext cx="288000" cy="288000"/>
+                  </a:xfrm>
+                  <a:prstGeom prst="rect">
+                    <a:avLst/>
+                  </a:prstGeom>
+                </p:spPr>
+                <p:style>
+                  <a:lnRef idx="2">
+                    <a:schemeClr val="accent1">
+                      <a:shade val="50000"/>
+                    </a:schemeClr>
+                  </a:lnRef>
+                  <a:fillRef idx="1">
+                    <a:schemeClr val="accent1"/>
+                  </a:fillRef>
+                  <a:effectRef idx="0">
+                    <a:schemeClr val="accent1"/>
+                  </a:effectRef>
+                  <a:fontRef idx="minor">
+                    <a:schemeClr val="lt1"/>
+                  </a:fontRef>
+                </p:style>
+                <p:txBody>
+                  <a:bodyPr rtlCol="0" anchor="ctr"/>
+                  <a:lstStyle/>
+                  <a:p>
+                    <a:pPr algn="ctr"/>
+                    <a:endParaRPr lang="pt-PT" dirty="0"/>
+                  </a:p>
+                </p:txBody>
+              </p:sp>
+              <p:sp>
+                <p:nvSpPr>
+                  <p:cNvPr id="54" name="Retângulo 53">
+                    <a:extLst>
+                      <a:ext uri="{FF2B5EF4-FFF2-40B4-BE49-F238E27FC236}">
+                        <a16:creationId xmlns:a16="http://schemas.microsoft.com/office/drawing/2014/main" id="{88B94301-C8D6-3A7C-5E3E-1E5DB8DA4CBE}"/>
+                      </a:ext>
+                    </a:extLst>
+                  </p:cNvPr>
+                  <p:cNvSpPr/>
+                  <p:nvPr/>
+                </p:nvSpPr>
+                <p:spPr>
+                  <a:xfrm>
+                    <a:off x="4840111" y="4256426"/>
+                    <a:ext cx="288000" cy="288000"/>
+                  </a:xfrm>
+                  <a:prstGeom prst="rect">
+                    <a:avLst/>
+                  </a:prstGeom>
+                </p:spPr>
+                <p:style>
+                  <a:lnRef idx="2">
+                    <a:schemeClr val="accent1">
+                      <a:shade val="50000"/>
+                    </a:schemeClr>
+                  </a:lnRef>
+                  <a:fillRef idx="1">
+                    <a:schemeClr val="accent1"/>
+                  </a:fillRef>
+                  <a:effectRef idx="0">
+                    <a:schemeClr val="accent1"/>
+                  </a:effectRef>
+                  <a:fontRef idx="minor">
+                    <a:schemeClr val="lt1"/>
+                  </a:fontRef>
+                </p:style>
+                <p:txBody>
+                  <a:bodyPr rtlCol="0" anchor="ctr"/>
+                  <a:lstStyle/>
+                  <a:p>
+                    <a:pPr algn="ctr"/>
+                    <a:endParaRPr lang="pt-PT" dirty="0"/>
+                  </a:p>
+                </p:txBody>
+              </p:sp>
+              <p:sp>
+                <p:nvSpPr>
+                  <p:cNvPr id="55" name="Retângulo 54">
+                    <a:extLst>
+                      <a:ext uri="{FF2B5EF4-FFF2-40B4-BE49-F238E27FC236}">
+                        <a16:creationId xmlns:a16="http://schemas.microsoft.com/office/drawing/2014/main" id="{560F2F22-E6E7-4CAB-EDB8-45F44493033C}"/>
+                      </a:ext>
+                    </a:extLst>
+                  </p:cNvPr>
+                  <p:cNvSpPr/>
+                  <p:nvPr/>
+                </p:nvSpPr>
+                <p:spPr>
+                  <a:xfrm>
+                    <a:off x="5295692" y="4256426"/>
+                    <a:ext cx="288000" cy="288000"/>
+                  </a:xfrm>
+                  <a:prstGeom prst="rect">
+                    <a:avLst/>
+                  </a:prstGeom>
+                </p:spPr>
+                <p:style>
+                  <a:lnRef idx="2">
+                    <a:schemeClr val="accent1">
+                      <a:shade val="50000"/>
+                    </a:schemeClr>
+                  </a:lnRef>
+                  <a:fillRef idx="1">
+                    <a:schemeClr val="accent1"/>
+                  </a:fillRef>
+                  <a:effectRef idx="0">
+                    <a:schemeClr val="accent1"/>
+                  </a:effectRef>
+                  <a:fontRef idx="minor">
+                    <a:schemeClr val="lt1"/>
+                  </a:fontRef>
+                </p:style>
+                <p:txBody>
+                  <a:bodyPr rtlCol="0" anchor="ctr"/>
+                  <a:lstStyle/>
+                  <a:p>
+                    <a:pPr algn="ctr"/>
+                    <a:endParaRPr lang="pt-PT" dirty="0"/>
+                  </a:p>
+                </p:txBody>
+              </p:sp>
+              <p:sp>
+                <p:nvSpPr>
+                  <p:cNvPr id="56" name="Retângulo 55">
+                    <a:extLst>
+                      <a:ext uri="{FF2B5EF4-FFF2-40B4-BE49-F238E27FC236}">
+                        <a16:creationId xmlns:a16="http://schemas.microsoft.com/office/drawing/2014/main" id="{1F31C486-DC80-82B9-22AC-FE96B00C7C53}"/>
+                      </a:ext>
+                    </a:extLst>
+                  </p:cNvPr>
+                  <p:cNvSpPr/>
+                  <p:nvPr/>
+                </p:nvSpPr>
+                <p:spPr>
+                  <a:xfrm>
+                    <a:off x="5753519" y="4256426"/>
+                    <a:ext cx="288000" cy="288000"/>
+                  </a:xfrm>
+                  <a:prstGeom prst="rect">
+                    <a:avLst/>
+                  </a:prstGeom>
+                </p:spPr>
+                <p:style>
+                  <a:lnRef idx="2">
+                    <a:schemeClr val="accent1">
+                      <a:shade val="50000"/>
+                    </a:schemeClr>
+                  </a:lnRef>
+                  <a:fillRef idx="1">
+                    <a:schemeClr val="accent1"/>
+                  </a:fillRef>
+                  <a:effectRef idx="0">
+                    <a:schemeClr val="accent1"/>
+                  </a:effectRef>
+                  <a:fontRef idx="minor">
+                    <a:schemeClr val="lt1"/>
+                  </a:fontRef>
+                </p:style>
+                <p:txBody>
+                  <a:bodyPr rtlCol="0" anchor="ctr"/>
+                  <a:lstStyle/>
+                  <a:p>
+                    <a:pPr algn="ctr"/>
+                    <a:endParaRPr lang="pt-PT" dirty="0"/>
+                  </a:p>
+                </p:txBody>
+              </p:sp>
+            </p:grpSp>
+            <p:sp>
+              <p:nvSpPr>
+                <p:cNvPr id="57" name="Retângulo 56">
+                  <a:extLst>
+                    <a:ext uri="{FF2B5EF4-FFF2-40B4-BE49-F238E27FC236}">
+                      <a16:creationId xmlns:a16="http://schemas.microsoft.com/office/drawing/2014/main" id="{A27D8E75-4212-D5F7-B3F6-16E76DE1FDEB}"/>
+                    </a:ext>
+                  </a:extLst>
+                </p:cNvPr>
+                <p:cNvSpPr/>
+                <p:nvPr/>
+              </p:nvSpPr>
+              <p:spPr>
+                <a:xfrm>
+                  <a:off x="7261774" y="4679956"/>
+                  <a:ext cx="288000" cy="288000"/>
+                </a:xfrm>
+                <a:prstGeom prst="rect">
+                  <a:avLst/>
+                </a:prstGeom>
+              </p:spPr>
+              <p:style>
+                <a:lnRef idx="2">
+                  <a:schemeClr val="accent1">
+                    <a:shade val="50000"/>
+                  </a:schemeClr>
+                </a:lnRef>
+                <a:fillRef idx="1">
+                  <a:schemeClr val="accent1"/>
+                </a:fillRef>
+                <a:effectRef idx="0">
+                  <a:schemeClr val="accent1"/>
+                </a:effectRef>
+                <a:fontRef idx="minor">
+                  <a:schemeClr val="lt1"/>
+                </a:fontRef>
+              </p:style>
+              <p:txBody>
+                <a:bodyPr rtlCol="0" anchor="ctr"/>
+                <a:lstStyle/>
+                <a:p>
+                  <a:pPr algn="ctr"/>
+                  <a:endParaRPr lang="pt-PT" dirty="0"/>
+                </a:p>
+              </p:txBody>
+            </p:sp>
+            <p:sp>
+              <p:nvSpPr>
+                <p:cNvPr id="81" name="Retângulo 80">
+                  <a:extLst>
+                    <a:ext uri="{FF2B5EF4-FFF2-40B4-BE49-F238E27FC236}">
+                      <a16:creationId xmlns:a16="http://schemas.microsoft.com/office/drawing/2014/main" id="{6173FC49-578A-48B0-C570-9CC79BBE4E0C}"/>
+                    </a:ext>
+                  </a:extLst>
+                </p:cNvPr>
+                <p:cNvSpPr/>
+                <p:nvPr/>
+              </p:nvSpPr>
+              <p:spPr>
+                <a:xfrm>
+                  <a:off x="2273718" y="2700824"/>
+                  <a:ext cx="180000" cy="180475"/>
+                </a:xfrm>
+                <a:prstGeom prst="rect">
+                  <a:avLst/>
+                </a:prstGeom>
+              </p:spPr>
+              <p:style>
+                <a:lnRef idx="2">
+                  <a:schemeClr val="accent1">
+                    <a:shade val="50000"/>
+                  </a:schemeClr>
+                </a:lnRef>
+                <a:fillRef idx="1">
+                  <a:schemeClr val="accent1"/>
+                </a:fillRef>
+                <a:effectRef idx="0">
+                  <a:schemeClr val="accent1"/>
+                </a:effectRef>
+                <a:fontRef idx="minor">
+                  <a:schemeClr val="lt1"/>
+                </a:fontRef>
+              </p:style>
+              <p:txBody>
+                <a:bodyPr rtlCol="0" anchor="ctr"/>
+                <a:lstStyle/>
+                <a:p>
+                  <a:pPr algn="ctr"/>
+                  <a:endParaRPr lang="pt-PT" dirty="0"/>
+                </a:p>
+              </p:txBody>
+            </p:sp>
+            <p:sp>
+              <p:nvSpPr>
+                <p:cNvPr id="82" name="CaixaDeTexto 81">
+                  <a:extLst>
+                    <a:ext uri="{FF2B5EF4-FFF2-40B4-BE49-F238E27FC236}">
+                      <a16:creationId xmlns:a16="http://schemas.microsoft.com/office/drawing/2014/main" id="{15AEE124-2274-067B-5DF9-936A5B4C377D}"/>
+                    </a:ext>
+                  </a:extLst>
+                </p:cNvPr>
+                <p:cNvSpPr txBox="1"/>
+                <p:nvPr/>
+              </p:nvSpPr>
+              <p:spPr>
+                <a:xfrm>
+                  <a:off x="2421606" y="2667950"/>
+                  <a:ext cx="1501091" cy="246221"/>
+                </a:xfrm>
+                <a:prstGeom prst="rect">
+                  <a:avLst/>
+                </a:prstGeom>
+                <a:noFill/>
+              </p:spPr>
+              <p:txBody>
+                <a:bodyPr wrap="square" rtlCol="0">
+                  <a:spAutoFit/>
+                </a:bodyPr>
+                <a:lstStyle/>
+                <a:p>
+                  <a:r>
+                    <a:rPr lang="pt-PT" sz="1000" dirty="0"/>
+                    <a:t>-</a:t>
+                  </a:r>
+                  <a:r>
+                    <a:rPr lang="pt-PT" sz="800" dirty="0"/>
+                    <a:t>Passageiros</a:t>
+                  </a:r>
+                </a:p>
+              </p:txBody>
+            </p:sp>
+            <p:grpSp>
+              <p:nvGrpSpPr>
+                <p:cNvPr id="92" name="Agrupar 91">
+                  <a:extLst>
+                    <a:ext uri="{FF2B5EF4-FFF2-40B4-BE49-F238E27FC236}">
+                      <a16:creationId xmlns:a16="http://schemas.microsoft.com/office/drawing/2014/main" id="{DBAFB52E-56C3-EFEC-602C-6CEA54655F8A}"/>
+                    </a:ext>
+                  </a:extLst>
+                </p:cNvPr>
+                <p:cNvGrpSpPr/>
+                <p:nvPr/>
+              </p:nvGrpSpPr>
+              <p:grpSpPr>
+                <a:xfrm>
+                  <a:off x="3779698" y="803945"/>
+                  <a:ext cx="1696900" cy="2223748"/>
+                  <a:chOff x="3779698" y="803945"/>
+                  <a:chExt cx="1696900" cy="2223748"/>
+                </a:xfrm>
+              </p:grpSpPr>
+              <p:sp>
+                <p:nvSpPr>
+                  <p:cNvPr id="87" name="Retângulo 86">
+                    <a:extLst>
+                      <a:ext uri="{FF2B5EF4-FFF2-40B4-BE49-F238E27FC236}">
+                        <a16:creationId xmlns:a16="http://schemas.microsoft.com/office/drawing/2014/main" id="{8666E87B-F3E3-CFC5-9938-B4946B652580}"/>
+                      </a:ext>
+                    </a:extLst>
+                  </p:cNvPr>
+                  <p:cNvSpPr/>
+                  <p:nvPr/>
+                </p:nvSpPr>
+                <p:spPr>
+                  <a:xfrm rot="5400000">
+                    <a:off x="4270566" y="1337952"/>
+                    <a:ext cx="245863" cy="1227600"/>
+                  </a:xfrm>
+                  <a:prstGeom prst="rect">
+                    <a:avLst/>
+                  </a:prstGeom>
+                  <a:solidFill>
+                    <a:schemeClr val="bg2">
+                      <a:lumMod val="50000"/>
+                    </a:schemeClr>
+                  </a:solidFill>
+                  <a:ln>
+                    <a:solidFill>
+                      <a:schemeClr val="bg2">
+                        <a:lumMod val="50000"/>
+                      </a:schemeClr>
+                    </a:solidFill>
+                  </a:ln>
+                </p:spPr>
+                <p:style>
+                  <a:lnRef idx="2">
+                    <a:schemeClr val="accent1">
+                      <a:shade val="50000"/>
+                    </a:schemeClr>
+                  </a:lnRef>
+                  <a:fillRef idx="1">
+                    <a:schemeClr val="accent1"/>
+                  </a:fillRef>
+                  <a:effectRef idx="0">
+                    <a:schemeClr val="accent1"/>
+                  </a:effectRef>
+                  <a:fontRef idx="minor">
+                    <a:schemeClr val="lt1"/>
+                  </a:fontRef>
+                </p:style>
+                <p:txBody>
+                  <a:bodyPr rtlCol="0" anchor="ctr"/>
+                  <a:lstStyle/>
+                  <a:p>
+                    <a:pPr algn="ctr"/>
+                    <a:endParaRPr lang="pt-PT" dirty="0"/>
+                  </a:p>
+                </p:txBody>
+              </p:sp>
+              <p:sp>
+                <p:nvSpPr>
+                  <p:cNvPr id="90" name="Retângulo 89">
+                    <a:extLst>
+                      <a:ext uri="{FF2B5EF4-FFF2-40B4-BE49-F238E27FC236}">
+                        <a16:creationId xmlns:a16="http://schemas.microsoft.com/office/drawing/2014/main" id="{BEEA3335-942E-39E0-5AD8-B1CC19B30438}"/>
+                      </a:ext>
+                    </a:extLst>
+                  </p:cNvPr>
+                  <p:cNvSpPr/>
+                  <p:nvPr/>
+                </p:nvSpPr>
+                <p:spPr>
+                  <a:xfrm rot="8598820">
+                    <a:off x="5230735" y="1800093"/>
+                    <a:ext cx="245863" cy="1227600"/>
+                  </a:xfrm>
+                  <a:prstGeom prst="rect">
+                    <a:avLst/>
+                  </a:prstGeom>
+                  <a:solidFill>
+                    <a:schemeClr val="bg2">
+                      <a:lumMod val="50000"/>
+                    </a:schemeClr>
+                  </a:solidFill>
+                  <a:ln>
+                    <a:solidFill>
+                      <a:schemeClr val="bg2">
+                        <a:lumMod val="50000"/>
+                      </a:schemeClr>
+                    </a:solidFill>
+                  </a:ln>
+                </p:spPr>
+                <p:style>
+                  <a:lnRef idx="2">
+                    <a:schemeClr val="accent1">
+                      <a:shade val="50000"/>
+                    </a:schemeClr>
+                  </a:lnRef>
+                  <a:fillRef idx="1">
+                    <a:schemeClr val="accent1"/>
+                  </a:fillRef>
+                  <a:effectRef idx="0">
+                    <a:schemeClr val="accent1"/>
+                  </a:effectRef>
+                  <a:fontRef idx="minor">
+                    <a:schemeClr val="lt1"/>
+                  </a:fontRef>
+                </p:style>
+                <p:txBody>
+                  <a:bodyPr rtlCol="0" anchor="ctr"/>
+                  <a:lstStyle/>
+                  <a:p>
+                    <a:pPr algn="ctr"/>
+                    <a:endParaRPr lang="pt-PT" dirty="0"/>
+                  </a:p>
+                </p:txBody>
+              </p:sp>
+              <p:sp>
+                <p:nvSpPr>
+                  <p:cNvPr id="91" name="Retângulo 90">
+                    <a:extLst>
+                      <a:ext uri="{FF2B5EF4-FFF2-40B4-BE49-F238E27FC236}">
+                        <a16:creationId xmlns:a16="http://schemas.microsoft.com/office/drawing/2014/main" id="{18A04A70-82D5-66BA-58E0-A705F426AA71}"/>
+                      </a:ext>
+                    </a:extLst>
+                  </p:cNvPr>
+                  <p:cNvSpPr/>
+                  <p:nvPr/>
+                </p:nvSpPr>
+                <p:spPr>
+                  <a:xfrm rot="12648134">
+                    <a:off x="5188055" y="803945"/>
+                    <a:ext cx="245863" cy="1227600"/>
+                  </a:xfrm>
+                  <a:prstGeom prst="rect">
+                    <a:avLst/>
+                  </a:prstGeom>
+                  <a:solidFill>
+                    <a:schemeClr val="bg2">
+                      <a:lumMod val="50000"/>
+                    </a:schemeClr>
+                  </a:solidFill>
+                  <a:ln>
+                    <a:solidFill>
+                      <a:schemeClr val="bg2">
+                        <a:lumMod val="50000"/>
+                      </a:schemeClr>
+                    </a:solidFill>
+                  </a:ln>
+                </p:spPr>
+                <p:style>
+                  <a:lnRef idx="2">
+                    <a:schemeClr val="accent1">
+                      <a:shade val="50000"/>
+                    </a:schemeClr>
+                  </a:lnRef>
+                  <a:fillRef idx="1">
+                    <a:schemeClr val="accent1"/>
+                  </a:fillRef>
+                  <a:effectRef idx="0">
+                    <a:schemeClr val="accent1"/>
+                  </a:effectRef>
+                  <a:fontRef idx="minor">
+                    <a:schemeClr val="lt1"/>
+                  </a:fontRef>
+                </p:style>
+                <p:txBody>
+                  <a:bodyPr rtlCol="0" anchor="ctr"/>
+                  <a:lstStyle/>
+                  <a:p>
+                    <a:pPr algn="ctr"/>
+                    <a:endParaRPr lang="pt-PT" dirty="0"/>
+                  </a:p>
+                </p:txBody>
+              </p:sp>
+            </p:grpSp>
+            <p:grpSp>
+              <p:nvGrpSpPr>
+                <p:cNvPr id="93" name="Agrupar 92">
+                  <a:extLst>
+                    <a:ext uri="{FF2B5EF4-FFF2-40B4-BE49-F238E27FC236}">
+                      <a16:creationId xmlns:a16="http://schemas.microsoft.com/office/drawing/2014/main" id="{75B9BAF1-0D45-BA1B-6233-25411B290E73}"/>
+                    </a:ext>
+                  </a:extLst>
+                </p:cNvPr>
+                <p:cNvGrpSpPr/>
+                <p:nvPr/>
+              </p:nvGrpSpPr>
+              <p:grpSpPr>
+                <a:xfrm rot="15411599">
+                  <a:off x="6901768" y="1183760"/>
+                  <a:ext cx="1696900" cy="2223748"/>
+                  <a:chOff x="3779698" y="803945"/>
+                  <a:chExt cx="1696900" cy="2223748"/>
+                </a:xfrm>
+              </p:grpSpPr>
+              <p:sp>
+                <p:nvSpPr>
+                  <p:cNvPr id="94" name="Retângulo 93">
+                    <a:extLst>
+                      <a:ext uri="{FF2B5EF4-FFF2-40B4-BE49-F238E27FC236}">
+                        <a16:creationId xmlns:a16="http://schemas.microsoft.com/office/drawing/2014/main" id="{63403F3E-0834-F52A-F29F-B4FC480C3002}"/>
+                      </a:ext>
+                    </a:extLst>
+                  </p:cNvPr>
+                  <p:cNvSpPr/>
+                  <p:nvPr/>
+                </p:nvSpPr>
+                <p:spPr>
+                  <a:xfrm rot="5400000">
+                    <a:off x="4270566" y="1337952"/>
+                    <a:ext cx="245863" cy="1227600"/>
+                  </a:xfrm>
+                  <a:prstGeom prst="rect">
+                    <a:avLst/>
+                  </a:prstGeom>
+                  <a:solidFill>
+                    <a:schemeClr val="bg2">
+                      <a:lumMod val="50000"/>
+                    </a:schemeClr>
+                  </a:solidFill>
+                  <a:ln>
+                    <a:solidFill>
+                      <a:schemeClr val="bg2">
+                        <a:lumMod val="50000"/>
+                      </a:schemeClr>
+                    </a:solidFill>
+                  </a:ln>
+                </p:spPr>
+                <p:style>
+                  <a:lnRef idx="2">
+                    <a:schemeClr val="accent1">
+                      <a:shade val="50000"/>
+                    </a:schemeClr>
+                  </a:lnRef>
+                  <a:fillRef idx="1">
+                    <a:schemeClr val="accent1"/>
+                  </a:fillRef>
+                  <a:effectRef idx="0">
+                    <a:schemeClr val="accent1"/>
+                  </a:effectRef>
+                  <a:fontRef idx="minor">
+                    <a:schemeClr val="lt1"/>
+                  </a:fontRef>
+                </p:style>
+                <p:txBody>
+                  <a:bodyPr rtlCol="0" anchor="ctr"/>
+                  <a:lstStyle/>
+                  <a:p>
+                    <a:pPr algn="ctr"/>
+                    <a:endParaRPr lang="pt-PT" dirty="0"/>
+                  </a:p>
+                </p:txBody>
+              </p:sp>
+              <p:sp>
+                <p:nvSpPr>
+                  <p:cNvPr id="95" name="Retângulo 94">
+                    <a:extLst>
+                      <a:ext uri="{FF2B5EF4-FFF2-40B4-BE49-F238E27FC236}">
+                        <a16:creationId xmlns:a16="http://schemas.microsoft.com/office/drawing/2014/main" id="{D6D89799-2E3B-81C0-DD3C-4EF02C389BEA}"/>
+                      </a:ext>
+                    </a:extLst>
+                  </p:cNvPr>
+                  <p:cNvSpPr/>
+                  <p:nvPr/>
+                </p:nvSpPr>
+                <p:spPr>
+                  <a:xfrm rot="8598820">
+                    <a:off x="5230735" y="1800093"/>
+                    <a:ext cx="245863" cy="1227600"/>
+                  </a:xfrm>
+                  <a:prstGeom prst="rect">
+                    <a:avLst/>
+                  </a:prstGeom>
+                  <a:solidFill>
+                    <a:schemeClr val="bg2">
+                      <a:lumMod val="50000"/>
+                    </a:schemeClr>
+                  </a:solidFill>
+                  <a:ln>
+                    <a:solidFill>
+                      <a:schemeClr val="bg2">
+                        <a:lumMod val="50000"/>
+                      </a:schemeClr>
+                    </a:solidFill>
+                  </a:ln>
+                </p:spPr>
+                <p:style>
+                  <a:lnRef idx="2">
+                    <a:schemeClr val="accent1">
+                      <a:shade val="50000"/>
+                    </a:schemeClr>
+                  </a:lnRef>
+                  <a:fillRef idx="1">
+                    <a:schemeClr val="accent1"/>
+                  </a:fillRef>
+                  <a:effectRef idx="0">
+                    <a:schemeClr val="accent1"/>
+                  </a:effectRef>
+                  <a:fontRef idx="minor">
+                    <a:schemeClr val="lt1"/>
+                  </a:fontRef>
+                </p:style>
+                <p:txBody>
+                  <a:bodyPr rtlCol="0" anchor="ctr"/>
+                  <a:lstStyle/>
+                  <a:p>
+                    <a:pPr algn="ctr"/>
+                    <a:endParaRPr lang="pt-PT" dirty="0"/>
+                  </a:p>
+                </p:txBody>
+              </p:sp>
+              <p:sp>
+                <p:nvSpPr>
+                  <p:cNvPr id="96" name="Retângulo 95">
+                    <a:extLst>
+                      <a:ext uri="{FF2B5EF4-FFF2-40B4-BE49-F238E27FC236}">
+                        <a16:creationId xmlns:a16="http://schemas.microsoft.com/office/drawing/2014/main" id="{91FE3F5C-0A4A-0605-A20E-E6C6AECA3E21}"/>
+                      </a:ext>
+                    </a:extLst>
+                  </p:cNvPr>
+                  <p:cNvSpPr/>
+                  <p:nvPr/>
+                </p:nvSpPr>
+                <p:spPr>
+                  <a:xfrm rot="12648134">
+                    <a:off x="5188055" y="803945"/>
+                    <a:ext cx="245863" cy="1227600"/>
+                  </a:xfrm>
+                  <a:prstGeom prst="rect">
+                    <a:avLst/>
+                  </a:prstGeom>
+                  <a:solidFill>
+                    <a:schemeClr val="bg2">
+                      <a:lumMod val="50000"/>
+                    </a:schemeClr>
+                  </a:solidFill>
+                  <a:ln>
+                    <a:solidFill>
+                      <a:schemeClr val="bg2">
+                        <a:lumMod val="50000"/>
+                      </a:schemeClr>
+                    </a:solidFill>
+                  </a:ln>
+                </p:spPr>
+                <p:style>
+                  <a:lnRef idx="2">
+                    <a:schemeClr val="accent1">
+                      <a:shade val="50000"/>
+                    </a:schemeClr>
+                  </a:lnRef>
+                  <a:fillRef idx="1">
+                    <a:schemeClr val="accent1"/>
+                  </a:fillRef>
+                  <a:effectRef idx="0">
+                    <a:schemeClr val="accent1"/>
+                  </a:effectRef>
+                  <a:fontRef idx="minor">
+                    <a:schemeClr val="lt1"/>
+                  </a:fontRef>
+                </p:style>
+                <p:txBody>
+                  <a:bodyPr rtlCol="0" anchor="ctr"/>
+                  <a:lstStyle/>
+                  <a:p>
+                    <a:pPr algn="ctr"/>
+                    <a:endParaRPr lang="pt-PT" dirty="0"/>
+                  </a:p>
+                </p:txBody>
+              </p:sp>
+            </p:grpSp>
+            <p:grpSp>
+              <p:nvGrpSpPr>
+                <p:cNvPr id="97" name="Agrupar 96">
+                  <a:extLst>
+                    <a:ext uri="{FF2B5EF4-FFF2-40B4-BE49-F238E27FC236}">
+                      <a16:creationId xmlns:a16="http://schemas.microsoft.com/office/drawing/2014/main" id="{4D7E3363-B30B-A71C-7F57-07773D3BA454}"/>
+                    </a:ext>
+                  </a:extLst>
+                </p:cNvPr>
+                <p:cNvGrpSpPr/>
+                <p:nvPr/>
+              </p:nvGrpSpPr>
+              <p:grpSpPr>
+                <a:xfrm>
+                  <a:off x="2205002" y="3306746"/>
+                  <a:ext cx="180000" cy="256000"/>
+                  <a:chOff x="3779698" y="803945"/>
+                  <a:chExt cx="1696900" cy="2223748"/>
+                </a:xfrm>
+              </p:grpSpPr>
+              <p:sp>
+                <p:nvSpPr>
+                  <p:cNvPr id="98" name="Retângulo 97">
+                    <a:extLst>
+                      <a:ext uri="{FF2B5EF4-FFF2-40B4-BE49-F238E27FC236}">
+                        <a16:creationId xmlns:a16="http://schemas.microsoft.com/office/drawing/2014/main" id="{55989BC5-2555-2873-F610-4CE124315995}"/>
+                      </a:ext>
+                    </a:extLst>
+                  </p:cNvPr>
+                  <p:cNvSpPr/>
+                  <p:nvPr/>
+                </p:nvSpPr>
+                <p:spPr>
+                  <a:xfrm rot="5400000">
+                    <a:off x="4270566" y="1337952"/>
+                    <a:ext cx="245863" cy="1227600"/>
+                  </a:xfrm>
+                  <a:prstGeom prst="rect">
+                    <a:avLst/>
+                  </a:prstGeom>
+                  <a:solidFill>
+                    <a:schemeClr val="bg2">
+                      <a:lumMod val="50000"/>
+                    </a:schemeClr>
+                  </a:solidFill>
+                  <a:ln>
+                    <a:solidFill>
+                      <a:schemeClr val="bg2">
+                        <a:lumMod val="50000"/>
+                      </a:schemeClr>
+                    </a:solidFill>
+                  </a:ln>
+                </p:spPr>
+                <p:style>
+                  <a:lnRef idx="2">
+                    <a:schemeClr val="accent1">
+                      <a:shade val="50000"/>
+                    </a:schemeClr>
+                  </a:lnRef>
+                  <a:fillRef idx="1">
+                    <a:schemeClr val="accent1"/>
+                  </a:fillRef>
+                  <a:effectRef idx="0">
+                    <a:schemeClr val="accent1"/>
+                  </a:effectRef>
+                  <a:fontRef idx="minor">
+                    <a:schemeClr val="lt1"/>
+                  </a:fontRef>
+                </p:style>
+                <p:txBody>
+                  <a:bodyPr rtlCol="0" anchor="ctr"/>
+                  <a:lstStyle/>
+                  <a:p>
+                    <a:pPr algn="ctr"/>
+                    <a:endParaRPr lang="pt-PT" dirty="0"/>
+                  </a:p>
+                </p:txBody>
+              </p:sp>
+              <p:sp>
+                <p:nvSpPr>
+                  <p:cNvPr id="99" name="Retângulo 98">
+                    <a:extLst>
+                      <a:ext uri="{FF2B5EF4-FFF2-40B4-BE49-F238E27FC236}">
+                        <a16:creationId xmlns:a16="http://schemas.microsoft.com/office/drawing/2014/main" id="{71D89E37-DDF4-15E0-D6D2-D2E97B5F1B2A}"/>
+                      </a:ext>
+                    </a:extLst>
+                  </p:cNvPr>
+                  <p:cNvSpPr/>
+                  <p:nvPr/>
+                </p:nvSpPr>
+                <p:spPr>
+                  <a:xfrm rot="8598820">
+                    <a:off x="5230735" y="1800093"/>
+                    <a:ext cx="245863" cy="1227600"/>
+                  </a:xfrm>
+                  <a:prstGeom prst="rect">
+                    <a:avLst/>
+                  </a:prstGeom>
+                  <a:solidFill>
+                    <a:schemeClr val="bg2">
+                      <a:lumMod val="50000"/>
+                    </a:schemeClr>
+                  </a:solidFill>
+                  <a:ln>
+                    <a:solidFill>
+                      <a:schemeClr val="bg2">
+                        <a:lumMod val="50000"/>
+                      </a:schemeClr>
+                    </a:solidFill>
+                  </a:ln>
+                </p:spPr>
+                <p:style>
+                  <a:lnRef idx="2">
+                    <a:schemeClr val="accent1">
+                      <a:shade val="50000"/>
+                    </a:schemeClr>
+                  </a:lnRef>
+                  <a:fillRef idx="1">
+                    <a:schemeClr val="accent1"/>
+                  </a:fillRef>
+                  <a:effectRef idx="0">
+                    <a:schemeClr val="accent1"/>
+                  </a:effectRef>
+                  <a:fontRef idx="minor">
+                    <a:schemeClr val="lt1"/>
+                  </a:fontRef>
+                </p:style>
+                <p:txBody>
+                  <a:bodyPr rtlCol="0" anchor="ctr"/>
+                  <a:lstStyle/>
+                  <a:p>
+                    <a:pPr algn="ctr"/>
+                    <a:endParaRPr lang="pt-PT" dirty="0"/>
+                  </a:p>
+                </p:txBody>
+              </p:sp>
+              <p:sp>
+                <p:nvSpPr>
+                  <p:cNvPr id="100" name="Retângulo 99">
+                    <a:extLst>
+                      <a:ext uri="{FF2B5EF4-FFF2-40B4-BE49-F238E27FC236}">
+                        <a16:creationId xmlns:a16="http://schemas.microsoft.com/office/drawing/2014/main" id="{021985E4-A1D4-971A-B599-8B6D998D8230}"/>
+                      </a:ext>
+                    </a:extLst>
+                  </p:cNvPr>
+                  <p:cNvSpPr/>
+                  <p:nvPr/>
+                </p:nvSpPr>
+                <p:spPr>
+                  <a:xfrm rot="12648134">
+                    <a:off x="5188059" y="803945"/>
+                    <a:ext cx="245862" cy="1227596"/>
+                  </a:xfrm>
+                  <a:prstGeom prst="rect">
+                    <a:avLst/>
+                  </a:prstGeom>
+                  <a:solidFill>
+                    <a:schemeClr val="bg2">
+                      <a:lumMod val="50000"/>
+                    </a:schemeClr>
+                  </a:solidFill>
+                  <a:ln>
+                    <a:solidFill>
+                      <a:schemeClr val="bg2">
+                        <a:lumMod val="50000"/>
+                      </a:schemeClr>
+                    </a:solidFill>
+                  </a:ln>
+                </p:spPr>
+                <p:style>
+                  <a:lnRef idx="2">
+                    <a:schemeClr val="accent1">
+                      <a:shade val="50000"/>
+                    </a:schemeClr>
+                  </a:lnRef>
+                  <a:fillRef idx="1">
+                    <a:schemeClr val="accent1"/>
+                  </a:fillRef>
+                  <a:effectRef idx="0">
+                    <a:schemeClr val="accent1"/>
+                  </a:effectRef>
+                  <a:fontRef idx="minor">
+                    <a:schemeClr val="lt1"/>
+                  </a:fontRef>
+                </p:style>
+                <p:txBody>
+                  <a:bodyPr rtlCol="0" anchor="ctr"/>
+                  <a:lstStyle/>
+                  <a:p>
+                    <a:pPr algn="ctr"/>
+                    <a:endParaRPr lang="pt-PT" dirty="0"/>
+                  </a:p>
+                </p:txBody>
+              </p:sp>
+            </p:grpSp>
+            <p:sp>
+              <p:nvSpPr>
+                <p:cNvPr id="105" name="CaixaDeTexto 104">
+                  <a:extLst>
+                    <a:ext uri="{FF2B5EF4-FFF2-40B4-BE49-F238E27FC236}">
+                      <a16:creationId xmlns:a16="http://schemas.microsoft.com/office/drawing/2014/main" id="{B3AF3909-C915-C07B-1D65-8308A8D5707F}"/>
+                    </a:ext>
+                  </a:extLst>
+                </p:cNvPr>
+                <p:cNvSpPr txBox="1"/>
+                <p:nvPr/>
+              </p:nvSpPr>
+              <p:spPr>
+                <a:xfrm>
+                  <a:off x="2406097" y="3301030"/>
+                  <a:ext cx="1783469" cy="246221"/>
+                </a:xfrm>
+                <a:prstGeom prst="rect">
+                  <a:avLst/>
+                </a:prstGeom>
+                <a:noFill/>
+              </p:spPr>
+              <p:txBody>
+                <a:bodyPr wrap="square" rtlCol="0">
+                  <a:spAutoFit/>
+                </a:bodyPr>
+                <a:lstStyle/>
+                <a:p>
+                  <a:r>
+                    <a:rPr lang="pt-PT" sz="1000" dirty="0"/>
+                    <a:t>-</a:t>
+                  </a:r>
+                  <a:r>
+                    <a:rPr lang="pt-PT" sz="800" dirty="0"/>
+                    <a:t>Rotor Elétrico</a:t>
+                  </a:r>
+                </a:p>
+              </p:txBody>
+            </p:sp>
+          </p:grpSp>
+          <p:sp>
+            <p:nvSpPr>
+              <p:cNvPr id="2" name="Arrow: Right 1">
+                <a:extLst>
+                  <a:ext uri="{FF2B5EF4-FFF2-40B4-BE49-F238E27FC236}">
+                    <a16:creationId xmlns:a16="http://schemas.microsoft.com/office/drawing/2014/main" id="{5C823BAD-FE97-4FD1-8815-5BA34DC4F792}"/>
+                  </a:ext>
+                </a:extLst>
+              </p:cNvPr>
+              <p:cNvSpPr/>
+              <p:nvPr/>
+            </p:nvSpPr>
+            <p:spPr>
+              <a:xfrm>
+                <a:off x="4103532" y="4814222"/>
+                <a:ext cx="2254840" cy="51081"/>
+              </a:xfrm>
+              <a:prstGeom prst="rightArrow">
+                <a:avLst/>
+              </a:prstGeom>
+            </p:spPr>
+            <p:style>
+              <a:lnRef idx="2">
+                <a:schemeClr val="accent1">
+                  <a:shade val="50000"/>
+                </a:schemeClr>
+              </a:lnRef>
+              <a:fillRef idx="1">
+                <a:schemeClr val="accent1"/>
+              </a:fillRef>
+              <a:effectRef idx="0">
+                <a:schemeClr val="accent1"/>
+              </a:effectRef>
+              <a:fontRef idx="minor">
+                <a:schemeClr val="lt1"/>
+              </a:fontRef>
+            </p:style>
+            <p:txBody>
+              <a:bodyPr rtlCol="0" anchor="ctr"/>
+              <a:lstStyle/>
+              <a:p>
+                <a:pPr algn="ctr"/>
+                <a:endParaRPr lang="en-US"/>
+              </a:p>
+            </p:txBody>
+          </p:sp>
+          <p:sp>
+            <p:nvSpPr>
+              <p:cNvPr id="4" name="Arrow: Up 3">
+                <a:extLst>
+                  <a:ext uri="{FF2B5EF4-FFF2-40B4-BE49-F238E27FC236}">
+                    <a16:creationId xmlns:a16="http://schemas.microsoft.com/office/drawing/2014/main" id="{16C16668-3A65-41EC-A588-85C0B48AEF43}"/>
+                  </a:ext>
+                </a:extLst>
+              </p:cNvPr>
+              <p:cNvSpPr/>
+              <p:nvPr/>
+            </p:nvSpPr>
+            <p:spPr>
+              <a:xfrm>
+                <a:off x="6684595" y="3929449"/>
+                <a:ext cx="45719" cy="763223"/>
+              </a:xfrm>
+              <a:prstGeom prst="upArrow">
+                <a:avLst/>
+              </a:prstGeom>
+            </p:spPr>
+            <p:style>
+              <a:lnRef idx="2">
+                <a:schemeClr val="accent1">
+                  <a:shade val="50000"/>
+                </a:schemeClr>
+              </a:lnRef>
+              <a:fillRef idx="1">
+                <a:schemeClr val="accent1"/>
+              </a:fillRef>
+              <a:effectRef idx="0">
+                <a:schemeClr val="accent1"/>
+              </a:effectRef>
+              <a:fontRef idx="minor">
+                <a:schemeClr val="lt1"/>
+              </a:fontRef>
+            </p:style>
+            <p:txBody>
+              <a:bodyPr rtlCol="0" anchor="ctr"/>
+              <a:lstStyle/>
+              <a:p>
+                <a:pPr algn="ctr"/>
+                <a:endParaRPr lang="en-US"/>
+              </a:p>
+            </p:txBody>
+          </p:sp>
+          <p:sp>
+            <p:nvSpPr>
+              <p:cNvPr id="76" name="Arrow: Up 75">
+                <a:extLst>
+                  <a:ext uri="{FF2B5EF4-FFF2-40B4-BE49-F238E27FC236}">
+                    <a16:creationId xmlns:a16="http://schemas.microsoft.com/office/drawing/2014/main" id="{F7E56AA2-57EE-444F-85E0-50F0927FFF3F}"/>
+                  </a:ext>
+                </a:extLst>
+              </p:cNvPr>
+              <p:cNvSpPr/>
+              <p:nvPr/>
+            </p:nvSpPr>
+            <p:spPr>
+              <a:xfrm flipV="1">
+                <a:off x="6690568" y="4988194"/>
+                <a:ext cx="45719" cy="763223"/>
+              </a:xfrm>
+              <a:prstGeom prst="upArrow">
+                <a:avLst/>
+              </a:prstGeom>
+            </p:spPr>
+            <p:style>
+              <a:lnRef idx="2">
+                <a:schemeClr val="accent1">
+                  <a:shade val="50000"/>
+                </a:schemeClr>
+              </a:lnRef>
+              <a:fillRef idx="1">
+                <a:schemeClr val="accent1"/>
+              </a:fillRef>
+              <a:effectRef idx="0">
+                <a:schemeClr val="accent1"/>
+              </a:effectRef>
+              <a:fontRef idx="minor">
+                <a:schemeClr val="lt1"/>
+              </a:fontRef>
+            </p:style>
+            <p:txBody>
+              <a:bodyPr rtlCol="0" anchor="ctr"/>
+              <a:lstStyle/>
+              <a:p>
+                <a:pPr algn="ctr"/>
+                <a:endParaRPr lang="en-US"/>
+              </a:p>
+            </p:txBody>
+          </p:sp>
+          <p:sp>
+            <p:nvSpPr>
+              <p:cNvPr id="3" name="Rectangle: Rounded Corners 2">
+                <a:extLst>
+                  <a:ext uri="{FF2B5EF4-FFF2-40B4-BE49-F238E27FC236}">
+                    <a16:creationId xmlns:a16="http://schemas.microsoft.com/office/drawing/2014/main" id="{82613164-6C8C-414E-BBE3-2905814DA228}"/>
+                  </a:ext>
+                </a:extLst>
+              </p:cNvPr>
+              <p:cNvSpPr/>
+              <p:nvPr/>
+            </p:nvSpPr>
+            <p:spPr>
+              <a:xfrm>
+                <a:off x="6453512" y="4139606"/>
+                <a:ext cx="507884" cy="135552"/>
+              </a:xfrm>
+              <a:prstGeom prst="roundRect">
+                <a:avLst/>
+              </a:prstGeom>
+              <a:noFill/>
+            </p:spPr>
+            <p:style>
+              <a:lnRef idx="2">
+                <a:schemeClr val="accent1">
+                  <a:shade val="50000"/>
+                </a:schemeClr>
+              </a:lnRef>
+              <a:fillRef idx="1">
+                <a:schemeClr val="accent1"/>
+              </a:fillRef>
+              <a:effectRef idx="0">
+                <a:schemeClr val="accent1"/>
+              </a:effectRef>
+              <a:fontRef idx="minor">
+                <a:schemeClr val="lt1"/>
+              </a:fontRef>
+            </p:style>
+            <p:txBody>
+              <a:bodyPr rtlCol="0" anchor="ctr"/>
+              <a:lstStyle/>
+              <a:p>
+                <a:pPr algn="ctr"/>
+                <a:endParaRPr lang="en-US"/>
+              </a:p>
+            </p:txBody>
+          </p:sp>
+          <p:sp>
+            <p:nvSpPr>
+              <p:cNvPr id="41" name="Rectangle: Rounded Corners 40">
+                <a:extLst>
+                  <a:ext uri="{FF2B5EF4-FFF2-40B4-BE49-F238E27FC236}">
+                    <a16:creationId xmlns:a16="http://schemas.microsoft.com/office/drawing/2014/main" id="{FF77AF8B-C4BC-4F70-AE81-204F52EE2731}"/>
+                  </a:ext>
+                </a:extLst>
+              </p:cNvPr>
+              <p:cNvSpPr/>
+              <p:nvPr/>
+            </p:nvSpPr>
+            <p:spPr>
+              <a:xfrm>
+                <a:off x="6453512" y="5400989"/>
+                <a:ext cx="507884" cy="135552"/>
+              </a:xfrm>
+              <a:prstGeom prst="roundRect">
+                <a:avLst/>
+              </a:prstGeom>
+              <a:noFill/>
+            </p:spPr>
+            <p:style>
+              <a:lnRef idx="2">
+                <a:schemeClr val="accent1">
+                  <a:shade val="50000"/>
+                </a:schemeClr>
+              </a:lnRef>
+              <a:fillRef idx="1">
+                <a:schemeClr val="accent1"/>
+              </a:fillRef>
+              <a:effectRef idx="0">
+                <a:schemeClr val="accent1"/>
+              </a:effectRef>
+              <a:fontRef idx="minor">
+                <a:schemeClr val="lt1"/>
+              </a:fontRef>
+            </p:style>
+            <p:txBody>
+              <a:bodyPr rtlCol="0" anchor="ctr"/>
+              <a:lstStyle/>
+              <a:p>
+                <a:pPr algn="ctr"/>
+                <a:endParaRPr lang="en-US"/>
+              </a:p>
+            </p:txBody>
+          </p:sp>
+        </p:grpSp>
+        <p:sp>
+          <p:nvSpPr>
+            <p:cNvPr id="44" name="Rectangle: Rounded Corners 43">
+              <a:extLst>
+                <a:ext uri="{FF2B5EF4-FFF2-40B4-BE49-F238E27FC236}">
+                  <a16:creationId xmlns:a16="http://schemas.microsoft.com/office/drawing/2014/main" id="{3595ED5B-6FD7-4D71-97E0-6C882A94A96C}"/>
+                </a:ext>
+              </a:extLst>
+            </p:cNvPr>
+            <p:cNvSpPr/>
+            <p:nvPr/>
+          </p:nvSpPr>
+          <p:spPr>
+            <a:xfrm>
+              <a:off x="1913721" y="3028577"/>
+              <a:ext cx="315777" cy="123865"/>
+            </a:xfrm>
+            <a:prstGeom prst="roundRect">
+              <a:avLst/>
+            </a:prstGeom>
+            <a:noFill/>
+          </p:spPr>
+          <p:style>
+            <a:lnRef idx="2">
+              <a:schemeClr val="accent1">
+                <a:shade val="50000"/>
+              </a:schemeClr>
+            </a:lnRef>
+            <a:fillRef idx="1">
+              <a:schemeClr val="accent1"/>
+            </a:fillRef>
+            <a:effectRef idx="0">
+              <a:schemeClr val="accent1"/>
+            </a:effectRef>
+            <a:fontRef idx="minor">
+              <a:schemeClr val="lt1"/>
+            </a:fontRef>
+          </p:style>
+          <p:txBody>
+            <a:bodyPr rtlCol="0" anchor="ctr"/>
+            <a:lstStyle/>
+            <a:p>
+              <a:pPr algn="ctr"/>
+              <a:endParaRPr lang="en-US"/>
+            </a:p>
+          </p:txBody>
+        </p:sp>
+        <p:sp>
+          <p:nvSpPr>
+            <p:cNvPr id="45" name="CaixaDeTexto 104">
+              <a:extLst>
+                <a:ext uri="{FF2B5EF4-FFF2-40B4-BE49-F238E27FC236}">
+                  <a16:creationId xmlns:a16="http://schemas.microsoft.com/office/drawing/2014/main" id="{05822943-8596-4A61-BFB4-45A83592D1DC}"/>
+                </a:ext>
+              </a:extLst>
+            </p:cNvPr>
+            <p:cNvSpPr txBox="1"/>
+            <p:nvPr/>
+          </p:nvSpPr>
+          <p:spPr>
+            <a:xfrm>
+              <a:off x="2190108" y="2970074"/>
+              <a:ext cx="1783469" cy="246221"/>
+            </a:xfrm>
+            <a:prstGeom prst="rect">
+              <a:avLst/>
+            </a:prstGeom>
+            <a:noFill/>
+          </p:spPr>
+          <p:txBody>
+            <a:bodyPr wrap="square" rtlCol="0">
+              <a:spAutoFit/>
+            </a:bodyPr>
+            <a:lstStyle/>
+            <a:p>
+              <a:r>
+                <a:rPr lang="pt-PT" sz="1000" dirty="0"/>
+                <a:t>-</a:t>
+              </a:r>
+              <a:r>
+                <a:rPr lang="pt-PT" sz="800" dirty="0"/>
+                <a:t>Saída de Emergência</a:t>
+              </a:r>
+            </a:p>
+          </p:txBody>
+        </p:sp>
+      </p:grpSp>
+    </p:spTree>
+    <p:extLst>
+      <p:ext uri="{BB962C8B-B14F-4D97-AF65-F5344CB8AC3E}">
+        <p14:creationId xmlns:p14="http://schemas.microsoft.com/office/powerpoint/2010/main" val="1399795729"/>
       </p:ext>
     </p:extLst>
   </p:cSld>

--- a/DesignDeAltoNivel.pptx
+++ b/DesignDeAltoNivel.pptx
@@ -12025,7 +12025,7 @@
               </a:r>
               <a:r>
                 <a:rPr lang="pt-PT" sz="800" dirty="0"/>
-                <a:t>Wings and vertical stabilizer (electric rotors are not displayed)</a:t>
+                <a:t>Wings and Vertical Stabilizer (electric rotors are not displayed)</a:t>
               </a:r>
             </a:p>
           </p:txBody>

--- a/DesignDeAltoNivel.pptx
+++ b/DesignDeAltoNivel.pptx
@@ -264,7 +264,7 @@
           <a:p>
             <a:fld id="{4ED91E11-6E8C-46BE-9183-7EBA352FEBBF}" type="datetimeFigureOut">
               <a:rPr lang="pt-PT" smtClean="0"/>
-              <a:t>28/06/2022</a:t>
+              <a:t>29/06/2022</a:t>
             </a:fld>
             <a:endParaRPr lang="pt-PT" dirty="0"/>
           </a:p>
@@ -318,7 +318,7 @@
           <a:p>
             <a:fld id="{F079EAC3-D70F-48B7-ACC5-C0391A2F8C09}" type="slidenum">
               <a:rPr lang="pt-PT" smtClean="0"/>
-              <a:t>‹#›</a:t>
+              <a:t>‹nº›</a:t>
             </a:fld>
             <a:endParaRPr lang="pt-PT" dirty="0"/>
           </a:p>
@@ -462,7 +462,7 @@
           <a:p>
             <a:fld id="{4ED91E11-6E8C-46BE-9183-7EBA352FEBBF}" type="datetimeFigureOut">
               <a:rPr lang="pt-PT" smtClean="0"/>
-              <a:t>28/06/2022</a:t>
+              <a:t>29/06/2022</a:t>
             </a:fld>
             <a:endParaRPr lang="pt-PT" dirty="0"/>
           </a:p>
@@ -516,7 +516,7 @@
           <a:p>
             <a:fld id="{F079EAC3-D70F-48B7-ACC5-C0391A2F8C09}" type="slidenum">
               <a:rPr lang="pt-PT" smtClean="0"/>
-              <a:t>‹#›</a:t>
+              <a:t>‹nº›</a:t>
             </a:fld>
             <a:endParaRPr lang="pt-PT" dirty="0"/>
           </a:p>
@@ -670,7 +670,7 @@
           <a:p>
             <a:fld id="{4ED91E11-6E8C-46BE-9183-7EBA352FEBBF}" type="datetimeFigureOut">
               <a:rPr lang="pt-PT" smtClean="0"/>
-              <a:t>28/06/2022</a:t>
+              <a:t>29/06/2022</a:t>
             </a:fld>
             <a:endParaRPr lang="pt-PT" dirty="0"/>
           </a:p>
@@ -724,7 +724,7 @@
           <a:p>
             <a:fld id="{F079EAC3-D70F-48B7-ACC5-C0391A2F8C09}" type="slidenum">
               <a:rPr lang="pt-PT" smtClean="0"/>
-              <a:t>‹#›</a:t>
+              <a:t>‹nº›</a:t>
             </a:fld>
             <a:endParaRPr lang="pt-PT" dirty="0"/>
           </a:p>
@@ -868,7 +868,7 @@
           <a:p>
             <a:fld id="{4ED91E11-6E8C-46BE-9183-7EBA352FEBBF}" type="datetimeFigureOut">
               <a:rPr lang="pt-PT" smtClean="0"/>
-              <a:t>28/06/2022</a:t>
+              <a:t>29/06/2022</a:t>
             </a:fld>
             <a:endParaRPr lang="pt-PT" dirty="0"/>
           </a:p>
@@ -922,7 +922,7 @@
           <a:p>
             <a:fld id="{F079EAC3-D70F-48B7-ACC5-C0391A2F8C09}" type="slidenum">
               <a:rPr lang="pt-PT" smtClean="0"/>
-              <a:t>‹#›</a:t>
+              <a:t>‹nº›</a:t>
             </a:fld>
             <a:endParaRPr lang="pt-PT" dirty="0"/>
           </a:p>
@@ -1143,7 +1143,7 @@
           <a:p>
             <a:fld id="{4ED91E11-6E8C-46BE-9183-7EBA352FEBBF}" type="datetimeFigureOut">
               <a:rPr lang="pt-PT" smtClean="0"/>
-              <a:t>28/06/2022</a:t>
+              <a:t>29/06/2022</a:t>
             </a:fld>
             <a:endParaRPr lang="pt-PT" dirty="0"/>
           </a:p>
@@ -1197,7 +1197,7 @@
           <a:p>
             <a:fld id="{F079EAC3-D70F-48B7-ACC5-C0391A2F8C09}" type="slidenum">
               <a:rPr lang="pt-PT" smtClean="0"/>
-              <a:t>‹#›</a:t>
+              <a:t>‹nº›</a:t>
             </a:fld>
             <a:endParaRPr lang="pt-PT" dirty="0"/>
           </a:p>
@@ -1408,7 +1408,7 @@
           <a:p>
             <a:fld id="{4ED91E11-6E8C-46BE-9183-7EBA352FEBBF}" type="datetimeFigureOut">
               <a:rPr lang="pt-PT" smtClean="0"/>
-              <a:t>28/06/2022</a:t>
+              <a:t>29/06/2022</a:t>
             </a:fld>
             <a:endParaRPr lang="pt-PT" dirty="0"/>
           </a:p>
@@ -1462,7 +1462,7 @@
           <a:p>
             <a:fld id="{F079EAC3-D70F-48B7-ACC5-C0391A2F8C09}" type="slidenum">
               <a:rPr lang="pt-PT" smtClean="0"/>
-              <a:t>‹#›</a:t>
+              <a:t>‹nº›</a:t>
             </a:fld>
             <a:endParaRPr lang="pt-PT" dirty="0"/>
           </a:p>
@@ -1820,7 +1820,7 @@
           <a:p>
             <a:fld id="{4ED91E11-6E8C-46BE-9183-7EBA352FEBBF}" type="datetimeFigureOut">
               <a:rPr lang="pt-PT" smtClean="0"/>
-              <a:t>28/06/2022</a:t>
+              <a:t>29/06/2022</a:t>
             </a:fld>
             <a:endParaRPr lang="pt-PT" dirty="0"/>
           </a:p>
@@ -1874,7 +1874,7 @@
           <a:p>
             <a:fld id="{F079EAC3-D70F-48B7-ACC5-C0391A2F8C09}" type="slidenum">
               <a:rPr lang="pt-PT" smtClean="0"/>
-              <a:t>‹#›</a:t>
+              <a:t>‹nº›</a:t>
             </a:fld>
             <a:endParaRPr lang="pt-PT" dirty="0"/>
           </a:p>
@@ -1961,7 +1961,7 @@
           <a:p>
             <a:fld id="{4ED91E11-6E8C-46BE-9183-7EBA352FEBBF}" type="datetimeFigureOut">
               <a:rPr lang="pt-PT" smtClean="0"/>
-              <a:t>28/06/2022</a:t>
+              <a:t>29/06/2022</a:t>
             </a:fld>
             <a:endParaRPr lang="pt-PT" dirty="0"/>
           </a:p>
@@ -2015,7 +2015,7 @@
           <a:p>
             <a:fld id="{F079EAC3-D70F-48B7-ACC5-C0391A2F8C09}" type="slidenum">
               <a:rPr lang="pt-PT" smtClean="0"/>
-              <a:t>‹#›</a:t>
+              <a:t>‹nº›</a:t>
             </a:fld>
             <a:endParaRPr lang="pt-PT" dirty="0"/>
           </a:p>
@@ -2074,7 +2074,7 @@
           <a:p>
             <a:fld id="{4ED91E11-6E8C-46BE-9183-7EBA352FEBBF}" type="datetimeFigureOut">
               <a:rPr lang="pt-PT" smtClean="0"/>
-              <a:t>28/06/2022</a:t>
+              <a:t>29/06/2022</a:t>
             </a:fld>
             <a:endParaRPr lang="pt-PT" dirty="0"/>
           </a:p>
@@ -2128,7 +2128,7 @@
           <a:p>
             <a:fld id="{F079EAC3-D70F-48B7-ACC5-C0391A2F8C09}" type="slidenum">
               <a:rPr lang="pt-PT" smtClean="0"/>
-              <a:t>‹#›</a:t>
+              <a:t>‹nº›</a:t>
             </a:fld>
             <a:endParaRPr lang="pt-PT" dirty="0"/>
           </a:p>
@@ -2385,7 +2385,7 @@
           <a:p>
             <a:fld id="{4ED91E11-6E8C-46BE-9183-7EBA352FEBBF}" type="datetimeFigureOut">
               <a:rPr lang="pt-PT" smtClean="0"/>
-              <a:t>28/06/2022</a:t>
+              <a:t>29/06/2022</a:t>
             </a:fld>
             <a:endParaRPr lang="pt-PT" dirty="0"/>
           </a:p>
@@ -2439,7 +2439,7 @@
           <a:p>
             <a:fld id="{F079EAC3-D70F-48B7-ACC5-C0391A2F8C09}" type="slidenum">
               <a:rPr lang="pt-PT" smtClean="0"/>
-              <a:t>‹#›</a:t>
+              <a:t>‹nº›</a:t>
             </a:fld>
             <a:endParaRPr lang="pt-PT" dirty="0"/>
           </a:p>
@@ -2673,7 +2673,7 @@
           <a:p>
             <a:fld id="{4ED91E11-6E8C-46BE-9183-7EBA352FEBBF}" type="datetimeFigureOut">
               <a:rPr lang="pt-PT" smtClean="0"/>
-              <a:t>28/06/2022</a:t>
+              <a:t>29/06/2022</a:t>
             </a:fld>
             <a:endParaRPr lang="pt-PT" dirty="0"/>
           </a:p>
@@ -2727,7 +2727,7 @@
           <a:p>
             <a:fld id="{F079EAC3-D70F-48B7-ACC5-C0391A2F8C09}" type="slidenum">
               <a:rPr lang="pt-PT" smtClean="0"/>
-              <a:t>‹#›</a:t>
+              <a:t>‹nº›</a:t>
             </a:fld>
             <a:endParaRPr lang="pt-PT" dirty="0"/>
           </a:p>
@@ -2914,7 +2914,7 @@
           <a:p>
             <a:fld id="{4ED91E11-6E8C-46BE-9183-7EBA352FEBBF}" type="datetimeFigureOut">
               <a:rPr lang="pt-PT" smtClean="0"/>
-              <a:t>28/06/2022</a:t>
+              <a:t>29/06/2022</a:t>
             </a:fld>
             <a:endParaRPr lang="pt-PT" dirty="0"/>
           </a:p>
@@ -3004,7 +3004,7 @@
           <a:p>
             <a:fld id="{F079EAC3-D70F-48B7-ACC5-C0391A2F8C09}" type="slidenum">
               <a:rPr lang="pt-PT" smtClean="0"/>
-              <a:t>‹#›</a:t>
+              <a:t>‹nº›</a:t>
             </a:fld>
             <a:endParaRPr lang="pt-PT" dirty="0"/>
           </a:p>
@@ -3346,9 +3346,9 @@
         <p:grpSpPr>
           <a:xfrm>
             <a:off x="2157188" y="820421"/>
-            <a:ext cx="6737856" cy="5358158"/>
+            <a:ext cx="6842484" cy="5358158"/>
             <a:chOff x="2124236" y="803945"/>
-            <a:chExt cx="6737856" cy="5358158"/>
+            <a:chExt cx="6842484" cy="5358158"/>
           </a:xfrm>
         </p:grpSpPr>
         <p:grpSp>
@@ -3405,7 +3405,7 @@
               </p:nvSpPr>
               <p:spPr>
                 <a:xfrm>
-                  <a:off x="3510280" y="990982"/>
+                  <a:off x="3399168" y="990982"/>
                   <a:ext cx="1226820" cy="3337178"/>
                 </a:xfrm>
                 <a:prstGeom prst="rect">
@@ -4432,13 +4432,15 @@
               </p:cNvPr>
               <p:cNvCxnSpPr>
                 <a:cxnSpLocks/>
+                <a:stCxn id="9" idx="1"/>
+                <a:endCxn id="8" idx="3"/>
               </p:cNvCxnSpPr>
               <p:nvPr/>
             </p:nvCxnSpPr>
             <p:spPr>
               <a:xfrm>
-                <a:off x="5649199" y="3407496"/>
-                <a:ext cx="1436866" cy="0"/>
+                <a:off x="5657742" y="3516821"/>
+                <a:ext cx="1547978" cy="0"/>
               </a:xfrm>
               <a:prstGeom prst="straightConnector1">
                 <a:avLst/>
@@ -4478,7 +4480,7 @@
             <p:spPr>
               <a:xfrm>
                 <a:off x="6142382" y="3161275"/>
-                <a:ext cx="495548" cy="246221"/>
+                <a:ext cx="672328" cy="246221"/>
               </a:xfrm>
               <a:prstGeom prst="rect">
                 <a:avLst/>
@@ -4495,7 +4497,7 @@
                   <a:rPr lang="pt-PT" sz="1000" dirty="0">
                     <a:latin typeface="Abadi" panose="020B0604020104020204" pitchFamily="34" charset="0"/>
                   </a:rPr>
-                  <a:t>2,4m</a:t>
+                  <a:t>2,65m</a:t>
                 </a:r>
               </a:p>
             </p:txBody>
@@ -4516,7 +4518,7 @@
             </p:nvCxnSpPr>
             <p:spPr>
               <a:xfrm>
-                <a:off x="7094608" y="3816251"/>
+                <a:off x="7205720" y="3816251"/>
                 <a:ext cx="1226820" cy="0"/>
               </a:xfrm>
               <a:prstGeom prst="straightConnector1">
@@ -4556,7 +4558,7 @@
             </p:nvSpPr>
             <p:spPr>
               <a:xfrm>
-                <a:off x="7512755" y="3621346"/>
+                <a:off x="7623867" y="3621346"/>
                 <a:ext cx="390525" cy="246221"/>
               </a:xfrm>
               <a:prstGeom prst="rect">
@@ -6127,10 +6129,10 @@
           </p:nvGrpSpPr>
           <p:grpSpPr>
             <a:xfrm rot="15411599">
-              <a:off x="6901768" y="1183760"/>
-              <a:ext cx="1696900" cy="2223748"/>
-              <a:chOff x="3779698" y="803945"/>
-              <a:chExt cx="1696900" cy="2223748"/>
+              <a:off x="6987047" y="1108116"/>
+              <a:ext cx="1627395" cy="2331950"/>
+              <a:chOff x="3823943" y="803945"/>
+              <a:chExt cx="1627395" cy="2331950"/>
             </a:xfrm>
           </p:grpSpPr>
           <p:sp>
@@ -6147,7 +6149,7 @@
             </p:nvSpPr>
             <p:spPr>
               <a:xfrm rot="5400000">
-                <a:off x="4270566" y="1337952"/>
+                <a:off x="4314811" y="1388108"/>
                 <a:ext cx="245863" cy="1227600"/>
               </a:xfrm>
               <a:prstGeom prst="rect">
@@ -6205,7 +6207,7 @@
             </p:nvSpPr>
             <p:spPr>
               <a:xfrm rot="8598820">
-                <a:off x="5230735" y="1800093"/>
+                <a:off x="5205475" y="1908295"/>
                 <a:ext cx="245863" cy="1227600"/>
               </a:xfrm>
               <a:prstGeom prst="rect">
@@ -6667,9 +6669,9 @@
         <p:grpSpPr>
           <a:xfrm>
             <a:off x="2157188" y="820421"/>
-            <a:ext cx="6737856" cy="5358158"/>
+            <a:ext cx="6899139" cy="5358158"/>
             <a:chOff x="2124236" y="803945"/>
-            <a:chExt cx="6737856" cy="5358158"/>
+            <a:chExt cx="6899139" cy="5358158"/>
           </a:xfrm>
         </p:grpSpPr>
         <p:grpSp>
@@ -6726,7 +6728,7 @@
               </p:nvSpPr>
               <p:spPr>
                 <a:xfrm>
-                  <a:off x="3510280" y="990982"/>
+                  <a:off x="3348996" y="990982"/>
                   <a:ext cx="1226820" cy="3337178"/>
                 </a:xfrm>
                 <a:prstGeom prst="rect">
@@ -7759,7 +7761,7 @@
             <p:spPr>
               <a:xfrm>
                 <a:off x="5649199" y="3407496"/>
-                <a:ext cx="1436866" cy="0"/>
+                <a:ext cx="1606693" cy="0"/>
               </a:xfrm>
               <a:prstGeom prst="straightConnector1">
                 <a:avLst/>
@@ -7798,8 +7800,8 @@
             </p:nvSpPr>
             <p:spPr>
               <a:xfrm>
-                <a:off x="6142382" y="3161275"/>
-                <a:ext cx="495548" cy="246221"/>
+                <a:off x="6142381" y="3161275"/>
+                <a:ext cx="733637" cy="246221"/>
               </a:xfrm>
               <a:prstGeom prst="rect">
                 <a:avLst/>
@@ -7816,7 +7818,7 @@
                   <a:rPr lang="pt-PT" sz="1000" dirty="0">
                     <a:latin typeface="Abadi" panose="020B0604020104020204" pitchFamily="34" charset="0"/>
                   </a:rPr>
-                  <a:t>2,4m</a:t>
+                  <a:t>2,65m</a:t>
                 </a:r>
               </a:p>
             </p:txBody>
@@ -7837,7 +7839,7 @@
             </p:nvCxnSpPr>
             <p:spPr>
               <a:xfrm>
-                <a:off x="7094608" y="3816251"/>
+                <a:off x="7255892" y="3816251"/>
                 <a:ext cx="1226820" cy="0"/>
               </a:xfrm>
               <a:prstGeom prst="straightConnector1">
@@ -7877,7 +7879,7 @@
             </p:nvSpPr>
             <p:spPr>
               <a:xfrm>
-                <a:off x="7512755" y="3621346"/>
+                <a:off x="7674039" y="3621346"/>
                 <a:ext cx="390525" cy="246221"/>
               </a:xfrm>
               <a:prstGeom prst="rect">
@@ -9449,10 +9451,10 @@
           </p:nvGrpSpPr>
           <p:grpSpPr>
             <a:xfrm rot="15411599">
-              <a:off x="6901768" y="1183760"/>
-              <a:ext cx="1696900" cy="2223748"/>
-              <a:chOff x="3779698" y="803945"/>
-              <a:chExt cx="1696900" cy="2223748"/>
+              <a:off x="7063052" y="1183761"/>
+              <a:ext cx="1696900" cy="2223747"/>
+              <a:chOff x="3743033" y="961007"/>
+              <a:chExt cx="1696900" cy="2223747"/>
             </a:xfrm>
           </p:grpSpPr>
           <p:sp>
@@ -9469,7 +9471,7 @@
             </p:nvSpPr>
             <p:spPr>
               <a:xfrm rot="5400000">
-                <a:off x="4270566" y="1337952"/>
+                <a:off x="4233901" y="1495013"/>
                 <a:ext cx="245863" cy="1227600"/>
               </a:xfrm>
               <a:prstGeom prst="rect">
@@ -9527,7 +9529,7 @@
             </p:nvSpPr>
             <p:spPr>
               <a:xfrm rot="8598820">
-                <a:off x="5230735" y="1800093"/>
+                <a:off x="5194070" y="1957154"/>
                 <a:ext cx="245863" cy="1227600"/>
               </a:xfrm>
               <a:prstGeom prst="rect">
@@ -9585,7 +9587,7 @@
             </p:nvSpPr>
             <p:spPr>
               <a:xfrm rot="12648134">
-                <a:off x="5188055" y="803945"/>
+                <a:off x="5151390" y="961007"/>
                 <a:ext cx="245863" cy="1227600"/>
               </a:xfrm>
               <a:prstGeom prst="rect">
@@ -10829,7 +10831,7 @@
             </p:nvSpPr>
             <p:spPr>
               <a:xfrm>
-                <a:off x="2647188" y="2735176"/>
+                <a:off x="2586771" y="2735176"/>
                 <a:ext cx="1149350" cy="150726"/>
               </a:xfrm>
               <a:prstGeom prst="flowChartDisplay">
@@ -13079,7 +13081,7 @@
             </p:nvSpPr>
             <p:spPr>
               <a:xfrm>
-                <a:off x="2647188" y="2735176"/>
+                <a:off x="2576140" y="2735176"/>
                 <a:ext cx="1149350" cy="150726"/>
               </a:xfrm>
               <a:prstGeom prst="flowChartDisplay">

--- a/DesignDeAltoNivel.pptx
+++ b/DesignDeAltoNivel.pptx
@@ -6,11 +6,13 @@
   </p:sldMasterIdLst>
   <p:sldIdLst>
     <p:sldId id="257" r:id="rId2"/>
-    <p:sldId id="260" r:id="rId3"/>
+    <p:sldId id="263" r:id="rId3"/>
     <p:sldId id="261" r:id="rId4"/>
     <p:sldId id="258" r:id="rId5"/>
     <p:sldId id="259" r:id="rId6"/>
     <p:sldId id="262" r:id="rId7"/>
+    <p:sldId id="264" r:id="rId8"/>
+    <p:sldId id="260" r:id="rId9"/>
   </p:sldIdLst>
   <p:sldSz cx="12192000" cy="6858000"/>
   <p:notesSz cx="6858000" cy="9144000"/>
@@ -3345,10 +3347,10 @@
         </p:nvGrpSpPr>
         <p:grpSpPr>
           <a:xfrm>
-            <a:off x="2157188" y="820421"/>
-            <a:ext cx="6842484" cy="5358158"/>
-            <a:chOff x="2124236" y="803945"/>
-            <a:chExt cx="6842484" cy="5358158"/>
+            <a:off x="2157188" y="806633"/>
+            <a:ext cx="6562343" cy="5371946"/>
+            <a:chOff x="2124236" y="790157"/>
+            <a:chExt cx="6562343" cy="5371946"/>
           </a:xfrm>
         </p:grpSpPr>
         <p:grpSp>
@@ -3385,10 +3387,10 @@
             </p:nvGrpSpPr>
             <p:grpSpPr>
               <a:xfrm flipH="1">
-                <a:off x="3089239" y="1848232"/>
-                <a:ext cx="5538906" cy="3678808"/>
-                <a:chOff x="3203563" y="990982"/>
-                <a:chExt cx="5538906" cy="3678808"/>
+                <a:off x="3089239" y="1822252"/>
+                <a:ext cx="5538906" cy="3704788"/>
+                <a:chOff x="3203563" y="965002"/>
+                <a:chExt cx="5538906" cy="3704788"/>
               </a:xfrm>
             </p:grpSpPr>
             <p:sp>
@@ -3405,7 +3407,7 @@
               </p:nvSpPr>
               <p:spPr>
                 <a:xfrm>
-                  <a:off x="3399168" y="990982"/>
+                  <a:off x="3679310" y="965002"/>
                   <a:ext cx="1226820" cy="3337178"/>
                 </a:xfrm>
                 <a:prstGeom prst="rect">
@@ -3463,7 +3465,7 @@
               </p:nvSpPr>
               <p:spPr>
                 <a:xfrm>
-                  <a:off x="6173966" y="990982"/>
+                  <a:off x="6413604" y="977194"/>
                   <a:ext cx="1226820" cy="3337178"/>
                 </a:xfrm>
                 <a:prstGeom prst="rect">
@@ -4438,9 +4440,9 @@
               <p:nvPr/>
             </p:nvCxnSpPr>
             <p:spPr>
-              <a:xfrm>
-                <a:off x="5657742" y="3516821"/>
-                <a:ext cx="1547978" cy="0"/>
+              <a:xfrm flipV="1">
+                <a:off x="5418104" y="3490841"/>
+                <a:ext cx="1507474" cy="12192"/>
               </a:xfrm>
               <a:prstGeom prst="straightConnector1">
                 <a:avLst/>
@@ -4479,7 +4481,7 @@
             </p:nvSpPr>
             <p:spPr>
               <a:xfrm>
-                <a:off x="6142382" y="3161275"/>
+                <a:off x="5916283" y="3159576"/>
                 <a:ext cx="672328" cy="246221"/>
               </a:xfrm>
               <a:prstGeom prst="rect">
@@ -4518,7 +4520,7 @@
             </p:nvCxnSpPr>
             <p:spPr>
               <a:xfrm>
-                <a:off x="7205720" y="3816251"/>
+                <a:off x="6925578" y="3790271"/>
                 <a:ext cx="1226820" cy="0"/>
               </a:xfrm>
               <a:prstGeom prst="straightConnector1">
@@ -4558,7 +4560,7 @@
             </p:nvSpPr>
             <p:spPr>
               <a:xfrm>
-                <a:off x="7623867" y="3621346"/>
+                <a:off x="7343725" y="3595366"/>
                 <a:ext cx="390525" cy="246221"/>
               </a:xfrm>
               <a:prstGeom prst="rect">
@@ -5271,7 +5273,7 @@
           </p:nvSpPr>
           <p:spPr>
             <a:xfrm rot="16200000">
-              <a:off x="2881744" y="4616199"/>
+              <a:off x="7693390" y="4594853"/>
               <a:ext cx="953854" cy="276999"/>
             </a:xfrm>
             <a:prstGeom prst="rect">
@@ -5563,9 +5565,9 @@
             <p:nvPr/>
           </p:nvCxnSpPr>
           <p:spPr>
-            <a:xfrm>
-              <a:off x="3780758" y="3387978"/>
-              <a:ext cx="634340" cy="0"/>
+            <a:xfrm flipH="1">
+              <a:off x="3702755" y="3621346"/>
+              <a:ext cx="486811" cy="0"/>
             </a:xfrm>
             <a:prstGeom prst="straightConnector1">
               <a:avLst/>
@@ -5604,8 +5606,8 @@
           </p:nvSpPr>
           <p:spPr>
             <a:xfrm>
-              <a:off x="3861861" y="3161275"/>
-              <a:ext cx="486897" cy="246221"/>
+              <a:off x="3755722" y="3401462"/>
+              <a:ext cx="553237" cy="246221"/>
             </a:xfrm>
             <a:prstGeom prst="rect">
               <a:avLst/>
@@ -5622,7 +5624,7 @@
                 <a:rPr lang="pt-PT" sz="1000" dirty="0">
                   <a:latin typeface="Abadi" panose="020B0604020104020204" pitchFamily="34" charset="0"/>
                 </a:rPr>
-                <a:t>1,1m</a:t>
+                <a:t>0,8m</a:t>
               </a:r>
             </a:p>
           </p:txBody>
@@ -5641,7 +5643,7 @@
           </p:nvSpPr>
           <p:spPr>
             <a:xfrm rot="16200000">
-              <a:off x="7414919" y="4671887"/>
+              <a:off x="2728632" y="4644790"/>
               <a:ext cx="1235967" cy="276999"/>
             </a:xfrm>
             <a:prstGeom prst="rect">
@@ -5656,10 +5658,16 @@
             <a:lstStyle/>
             <a:p>
               <a:r>
+                <a:rPr lang="pt-PT" sz="1100" dirty="0">
+                  <a:latin typeface="Abadi" panose="020B0604020104020204" pitchFamily="34" charset="0"/>
+                </a:rPr>
+                <a:t>Turbogenerator</a:t>
+              </a:r>
+              <a:r>
                 <a:rPr lang="pt-PT" sz="1200" dirty="0">
                   <a:latin typeface="Abadi" panose="020B0604020104020204" pitchFamily="34" charset="0"/>
                 </a:rPr>
-                <a:t>Turbogenerator </a:t>
+                <a:t> </a:t>
               </a:r>
             </a:p>
           </p:txBody>
@@ -5678,7 +5686,7 @@
           </p:nvSpPr>
           <p:spPr>
             <a:xfrm rot="16200000">
-              <a:off x="2762304" y="4594853"/>
+              <a:off x="7445750" y="4595641"/>
               <a:ext cx="953854" cy="276999"/>
             </a:xfrm>
             <a:prstGeom prst="rect">
@@ -5934,9 +5942,9 @@
           </p:nvGrpSpPr>
           <p:grpSpPr>
             <a:xfrm>
-              <a:off x="3779698" y="803945"/>
+              <a:off x="3540060" y="790157"/>
               <a:ext cx="1696900" cy="2223748"/>
-              <a:chOff x="3779698" y="803945"/>
+              <a:chOff x="3540060" y="790157"/>
               <a:chExt cx="1696900" cy="2223748"/>
             </a:xfrm>
           </p:grpSpPr>
@@ -5954,7 +5962,7 @@
             </p:nvSpPr>
             <p:spPr>
               <a:xfrm rot="5400000">
-                <a:off x="4270566" y="1337952"/>
+                <a:off x="4030928" y="1324164"/>
                 <a:ext cx="245863" cy="1227600"/>
               </a:xfrm>
               <a:prstGeom prst="rect">
@@ -6012,7 +6020,7 @@
             </p:nvSpPr>
             <p:spPr>
               <a:xfrm rot="8598820">
-                <a:off x="5230735" y="1800093"/>
+                <a:off x="4991097" y="1786305"/>
                 <a:ext cx="245863" cy="1227600"/>
               </a:xfrm>
               <a:prstGeom prst="rect">
@@ -6070,7 +6078,7 @@
             </p:nvSpPr>
             <p:spPr>
               <a:xfrm rot="12648134">
-                <a:off x="5188055" y="803945"/>
+                <a:off x="4948417" y="790157"/>
                 <a:ext cx="245863" cy="1227600"/>
               </a:xfrm>
               <a:prstGeom prst="rect">
@@ -6129,10 +6137,10 @@
           </p:nvGrpSpPr>
           <p:grpSpPr>
             <a:xfrm rot="15411599">
-              <a:off x="6987047" y="1108116"/>
-              <a:ext cx="1627395" cy="2331950"/>
-              <a:chOff x="3823943" y="803945"/>
-              <a:chExt cx="1627395" cy="2331950"/>
+              <a:off x="6706906" y="1082137"/>
+              <a:ext cx="1627396" cy="2331950"/>
+              <a:chOff x="3912927" y="537044"/>
+              <a:chExt cx="1627396" cy="2331950"/>
             </a:xfrm>
           </p:grpSpPr>
           <p:sp>
@@ -6149,7 +6157,7 @@
             </p:nvSpPr>
             <p:spPr>
               <a:xfrm rot="5400000">
-                <a:off x="4314811" y="1388108"/>
+                <a:off x="4403795" y="1121208"/>
                 <a:ext cx="245863" cy="1227600"/>
               </a:xfrm>
               <a:prstGeom prst="rect">
@@ -6207,7 +6215,7 @@
             </p:nvSpPr>
             <p:spPr>
               <a:xfrm rot="8598820">
-                <a:off x="5205475" y="1908295"/>
+                <a:off x="5294460" y="1641394"/>
                 <a:ext cx="245863" cy="1227600"/>
               </a:xfrm>
               <a:prstGeom prst="rect">
@@ -6265,7 +6273,7 @@
             </p:nvSpPr>
             <p:spPr>
               <a:xfrm rot="12648134">
-                <a:off x="5188055" y="803945"/>
+                <a:off x="5277041" y="537044"/>
                 <a:ext cx="245863" cy="1227600"/>
               </a:xfrm>
               <a:prstGeom prst="rect">
@@ -6519,8 +6527,8 @@
           </p:nvSpPr>
           <p:spPr>
             <a:xfrm>
-              <a:off x="2406097" y="3301030"/>
-              <a:ext cx="1783469" cy="246221"/>
+              <a:off x="2406097" y="3286118"/>
+              <a:ext cx="1168269" cy="246221"/>
             </a:xfrm>
             <a:prstGeom prst="rect">
               <a:avLst/>
@@ -6560,7 +6568,7 @@
           </p:nvCxnSpPr>
           <p:spPr>
             <a:xfrm>
-              <a:off x="4418206" y="3801422"/>
+              <a:off x="4178568" y="3787634"/>
               <a:ext cx="1226820" cy="0"/>
             </a:xfrm>
             <a:prstGeom prst="straightConnector1">
@@ -6600,7 +6608,7 @@
           </p:nvSpPr>
           <p:spPr>
             <a:xfrm>
-              <a:off x="4836353" y="3606517"/>
+              <a:off x="4596715" y="3592729"/>
               <a:ext cx="390525" cy="246221"/>
             </a:xfrm>
             <a:prstGeom prst="rect">
@@ -6668,10 +6676,10 @@
         </p:nvGrpSpPr>
         <p:grpSpPr>
           <a:xfrm>
-            <a:off x="2157188" y="820421"/>
-            <a:ext cx="6899139" cy="5358158"/>
-            <a:chOff x="2124236" y="803945"/>
-            <a:chExt cx="6899139" cy="5358158"/>
+            <a:off x="1505244" y="806633"/>
+            <a:ext cx="7214288" cy="5371946"/>
+            <a:chOff x="2124236" y="790157"/>
+            <a:chExt cx="6562343" cy="5371946"/>
           </a:xfrm>
         </p:grpSpPr>
         <p:grpSp>
@@ -6688,10 +6696,10 @@
           </p:nvGrpSpPr>
           <p:grpSpPr>
             <a:xfrm>
-              <a:off x="2124236" y="1290692"/>
-              <a:ext cx="6503909" cy="4871411"/>
-              <a:chOff x="2124236" y="1290692"/>
-              <a:chExt cx="6503909" cy="4871411"/>
+              <a:off x="2124236" y="1822252"/>
+              <a:ext cx="6503909" cy="4339851"/>
+              <a:chOff x="2124236" y="1822252"/>
+              <a:chExt cx="6503909" cy="4339851"/>
             </a:xfrm>
           </p:grpSpPr>
           <p:grpSp>
@@ -6708,10 +6716,10 @@
             </p:nvGrpSpPr>
             <p:grpSpPr>
               <a:xfrm flipH="1">
-                <a:off x="3089239" y="1848232"/>
-                <a:ext cx="5538906" cy="3678808"/>
-                <a:chOff x="3203563" y="990982"/>
-                <a:chExt cx="5538906" cy="3678808"/>
+                <a:off x="3089239" y="1822252"/>
+                <a:ext cx="5538906" cy="3704788"/>
+                <a:chOff x="3203563" y="965002"/>
+                <a:chExt cx="5538906" cy="3704788"/>
               </a:xfrm>
             </p:grpSpPr>
             <p:sp>
@@ -6728,7 +6736,7 @@
               </p:nvSpPr>
               <p:spPr>
                 <a:xfrm>
-                  <a:off x="3348996" y="990982"/>
+                  <a:off x="3679310" y="965002"/>
                   <a:ext cx="1226820" cy="3337178"/>
                 </a:xfrm>
                 <a:prstGeom prst="rect">
@@ -6786,7 +6794,7 @@
               </p:nvSpPr>
               <p:spPr>
                 <a:xfrm>
-                  <a:off x="6173966" y="990982"/>
+                  <a:off x="6413604" y="977194"/>
                   <a:ext cx="1226820" cy="3337178"/>
                 </a:xfrm>
                 <a:prstGeom prst="rect">
@@ -7667,85 +7675,6 @@
           </p:cxnSp>
           <p:cxnSp>
             <p:nvCxnSpPr>
-              <p:cNvPr id="28" name="Conexão reta unidirecional 27">
-                <a:extLst>
-                  <a:ext uri="{FF2B5EF4-FFF2-40B4-BE49-F238E27FC236}">
-                    <a16:creationId xmlns:a16="http://schemas.microsoft.com/office/drawing/2014/main" id="{20B6322D-93E5-44CA-5D09-08F6EFF96019}"/>
-                  </a:ext>
-                </a:extLst>
-              </p:cNvPr>
-              <p:cNvCxnSpPr>
-                <a:cxnSpLocks/>
-              </p:cNvCxnSpPr>
-              <p:nvPr/>
-            </p:nvCxnSpPr>
-            <p:spPr>
-              <a:xfrm>
-                <a:off x="3762193" y="1477839"/>
-                <a:ext cx="1226820" cy="0"/>
-              </a:xfrm>
-              <a:prstGeom prst="straightConnector1">
-                <a:avLst/>
-              </a:prstGeom>
-              <a:ln>
-                <a:headEnd type="triangle"/>
-                <a:tailEnd type="triangle"/>
-              </a:ln>
-            </p:spPr>
-            <p:style>
-              <a:lnRef idx="1">
-                <a:schemeClr val="dk1"/>
-              </a:lnRef>
-              <a:fillRef idx="0">
-                <a:schemeClr val="dk1"/>
-              </a:fillRef>
-              <a:effectRef idx="0">
-                <a:schemeClr val="dk1"/>
-              </a:effectRef>
-              <a:fontRef idx="minor">
-                <a:schemeClr val="tx1"/>
-              </a:fontRef>
-            </p:style>
-          </p:cxnSp>
-          <p:sp>
-            <p:nvSpPr>
-              <p:cNvPr id="29" name="CaixaDeTexto 28">
-                <a:extLst>
-                  <a:ext uri="{FF2B5EF4-FFF2-40B4-BE49-F238E27FC236}">
-                    <a16:creationId xmlns:a16="http://schemas.microsoft.com/office/drawing/2014/main" id="{5B893C3E-898F-5D6B-C3EB-05A0936510AD}"/>
-                  </a:ext>
-                </a:extLst>
-              </p:cNvPr>
-              <p:cNvSpPr txBox="1"/>
-              <p:nvPr/>
-            </p:nvSpPr>
-            <p:spPr>
-              <a:xfrm>
-                <a:off x="4194151" y="1290692"/>
-                <a:ext cx="390525" cy="246221"/>
-              </a:xfrm>
-              <a:prstGeom prst="rect">
-                <a:avLst/>
-              </a:prstGeom>
-              <a:noFill/>
-            </p:spPr>
-            <p:txBody>
-              <a:bodyPr wrap="square" rtlCol="0">
-                <a:spAutoFit/>
-              </a:bodyPr>
-              <a:lstStyle/>
-              <a:p>
-                <a:r>
-                  <a:rPr lang="pt-PT" sz="1000" dirty="0">
-                    <a:latin typeface="Abadi" panose="020B0604020104020204" pitchFamily="34" charset="0"/>
-                  </a:rPr>
-                  <a:t>2m</a:t>
-                </a:r>
-              </a:p>
-            </p:txBody>
-          </p:sp>
-          <p:cxnSp>
-            <p:nvCxnSpPr>
               <p:cNvPr id="31" name="Conexão reta unidirecional 30">
                 <a:extLst>
                   <a:ext uri="{FF2B5EF4-FFF2-40B4-BE49-F238E27FC236}">
@@ -7755,13 +7684,15 @@
               </p:cNvPr>
               <p:cNvCxnSpPr>
                 <a:cxnSpLocks/>
+                <a:stCxn id="9" idx="1"/>
+                <a:endCxn id="8" idx="3"/>
               </p:cNvCxnSpPr>
               <p:nvPr/>
             </p:nvCxnSpPr>
             <p:spPr>
-              <a:xfrm>
-                <a:off x="5649199" y="3407496"/>
-                <a:ext cx="1606693" cy="0"/>
+              <a:xfrm flipV="1">
+                <a:off x="5418104" y="3490841"/>
+                <a:ext cx="1507474" cy="12192"/>
               </a:xfrm>
               <a:prstGeom prst="straightConnector1">
                 <a:avLst/>
@@ -7800,8 +7731,8 @@
             </p:nvSpPr>
             <p:spPr>
               <a:xfrm>
-                <a:off x="6142381" y="3161275"/>
-                <a:ext cx="733637" cy="246221"/>
+                <a:off x="5916283" y="3159576"/>
+                <a:ext cx="672328" cy="246221"/>
               </a:xfrm>
               <a:prstGeom prst="rect">
                 <a:avLst/>
@@ -7839,7 +7770,7 @@
             </p:nvCxnSpPr>
             <p:spPr>
               <a:xfrm>
-                <a:off x="7255892" y="3816251"/>
+                <a:off x="6925578" y="3790271"/>
                 <a:ext cx="1226820" cy="0"/>
               </a:xfrm>
               <a:prstGeom prst="straightConnector1">
@@ -7879,7 +7810,7 @@
             </p:nvSpPr>
             <p:spPr>
               <a:xfrm>
-                <a:off x="7674039" y="3621346"/>
+                <a:off x="7343725" y="3595366"/>
                 <a:ext cx="390525" cy="246221"/>
               </a:xfrm>
               <a:prstGeom prst="rect">
@@ -8592,7 +8523,7 @@
           </p:nvSpPr>
           <p:spPr>
             <a:xfrm rot="16200000">
-              <a:off x="2881744" y="4586854"/>
+              <a:off x="7693390" y="4594853"/>
               <a:ext cx="953854" cy="276999"/>
             </a:xfrm>
             <a:prstGeom prst="rect">
@@ -8884,9 +8815,9 @@
             <p:nvPr/>
           </p:nvCxnSpPr>
           <p:spPr>
-            <a:xfrm>
-              <a:off x="3780758" y="3387978"/>
-              <a:ext cx="634340" cy="0"/>
+            <a:xfrm flipH="1">
+              <a:off x="3702755" y="3621346"/>
+              <a:ext cx="486811" cy="0"/>
             </a:xfrm>
             <a:prstGeom prst="straightConnector1">
               <a:avLst/>
@@ -8925,8 +8856,8 @@
           </p:nvSpPr>
           <p:spPr>
             <a:xfrm>
-              <a:off x="3861861" y="3161275"/>
-              <a:ext cx="486897" cy="246221"/>
+              <a:off x="3755722" y="3401462"/>
+              <a:ext cx="553237" cy="246221"/>
             </a:xfrm>
             <a:prstGeom prst="rect">
               <a:avLst/>
@@ -8943,7 +8874,7 @@
                 <a:rPr lang="pt-PT" sz="1000" dirty="0">
                   <a:latin typeface="Abadi" panose="020B0604020104020204" pitchFamily="34" charset="0"/>
                 </a:rPr>
-                <a:t>1,1m</a:t>
+                <a:t>0,8m</a:t>
               </a:r>
             </a:p>
           </p:txBody>
@@ -8962,7 +8893,7 @@
           </p:nvSpPr>
           <p:spPr>
             <a:xfrm rot="16200000">
-              <a:off x="7414919" y="4671887"/>
+              <a:off x="2727694" y="4594852"/>
               <a:ext cx="1235967" cy="276999"/>
             </a:xfrm>
             <a:prstGeom prst="rect">
@@ -8976,12 +8907,17 @@
             </a:bodyPr>
             <a:lstStyle/>
             <a:p>
-              <a:pPr algn="ctr"/>
+              <a:r>
+                <a:rPr lang="pt-PT" sz="1100" dirty="0">
+                  <a:latin typeface="Abadi" panose="020B0604020104020204" pitchFamily="34" charset="0"/>
+                </a:rPr>
+                <a:t>Turbogerador</a:t>
+              </a:r>
               <a:r>
                 <a:rPr lang="pt-PT" sz="1200" dirty="0">
                   <a:latin typeface="Abadi" panose="020B0604020104020204" pitchFamily="34" charset="0"/>
                 </a:rPr>
-                <a:t>Turbogerador </a:t>
+                <a:t> </a:t>
               </a:r>
             </a:p>
           </p:txBody>
@@ -9000,7 +8936,7 @@
           </p:nvSpPr>
           <p:spPr>
             <a:xfrm rot="16200000">
-              <a:off x="2762304" y="4594853"/>
+              <a:off x="7445750" y="4595641"/>
               <a:ext cx="953854" cy="276999"/>
             </a:xfrm>
             <a:prstGeom prst="rect">
@@ -9018,7 +8954,7 @@
                 <a:rPr lang="pt-PT" sz="1200" dirty="0">
                   <a:latin typeface="Abadi" panose="020B0604020104020204" pitchFamily="34" charset="0"/>
                 </a:rPr>
-                <a:t>Aviónica</a:t>
+                <a:t>Aniónica</a:t>
               </a:r>
             </a:p>
           </p:txBody>
@@ -9256,9 +9192,9 @@
           </p:nvGrpSpPr>
           <p:grpSpPr>
             <a:xfrm>
-              <a:off x="3779698" y="803945"/>
+              <a:off x="3540060" y="790157"/>
               <a:ext cx="1696900" cy="2223748"/>
-              <a:chOff x="3779698" y="803945"/>
+              <a:chOff x="3540060" y="790157"/>
               <a:chExt cx="1696900" cy="2223748"/>
             </a:xfrm>
           </p:grpSpPr>
@@ -9276,7 +9212,7 @@
             </p:nvSpPr>
             <p:spPr>
               <a:xfrm rot="5400000">
-                <a:off x="4270566" y="1337952"/>
+                <a:off x="4030928" y="1324164"/>
                 <a:ext cx="245863" cy="1227600"/>
               </a:xfrm>
               <a:prstGeom prst="rect">
@@ -9334,7 +9270,7 @@
             </p:nvSpPr>
             <p:spPr>
               <a:xfrm rot="8598820">
-                <a:off x="5230735" y="1800093"/>
+                <a:off x="4991097" y="1786305"/>
                 <a:ext cx="245863" cy="1227600"/>
               </a:xfrm>
               <a:prstGeom prst="rect">
@@ -9392,7 +9328,7 @@
             </p:nvSpPr>
             <p:spPr>
               <a:xfrm rot="12648134">
-                <a:off x="5188055" y="803945"/>
+                <a:off x="4948417" y="790157"/>
                 <a:ext cx="245863" cy="1227600"/>
               </a:xfrm>
               <a:prstGeom prst="rect">
@@ -9451,10 +9387,10 @@
           </p:nvGrpSpPr>
           <p:grpSpPr>
             <a:xfrm rot="15411599">
-              <a:off x="7063052" y="1183761"/>
-              <a:ext cx="1696900" cy="2223747"/>
-              <a:chOff x="3743033" y="961007"/>
-              <a:chExt cx="1696900" cy="2223747"/>
+              <a:off x="6706906" y="1082137"/>
+              <a:ext cx="1627396" cy="2331950"/>
+              <a:chOff x="3912927" y="537044"/>
+              <a:chExt cx="1627396" cy="2331950"/>
             </a:xfrm>
           </p:grpSpPr>
           <p:sp>
@@ -9471,7 +9407,7 @@
             </p:nvSpPr>
             <p:spPr>
               <a:xfrm rot="5400000">
-                <a:off x="4233901" y="1495013"/>
+                <a:off x="4403795" y="1121208"/>
                 <a:ext cx="245863" cy="1227600"/>
               </a:xfrm>
               <a:prstGeom prst="rect">
@@ -9529,7 +9465,7 @@
             </p:nvSpPr>
             <p:spPr>
               <a:xfrm rot="8598820">
-                <a:off x="5194070" y="1957154"/>
+                <a:off x="5294460" y="1641394"/>
                 <a:ext cx="245863" cy="1227600"/>
               </a:xfrm>
               <a:prstGeom prst="rect">
@@ -9587,7 +9523,7 @@
             </p:nvSpPr>
             <p:spPr>
               <a:xfrm rot="12648134">
-                <a:off x="5151390" y="961007"/>
+                <a:off x="5277041" y="537044"/>
                 <a:ext cx="245863" cy="1227600"/>
               </a:xfrm>
               <a:prstGeom prst="rect">
@@ -9841,8 +9777,8 @@
           </p:nvSpPr>
           <p:spPr>
             <a:xfrm>
-              <a:off x="2406097" y="3301030"/>
-              <a:ext cx="1783469" cy="246221"/>
+              <a:off x="2435835" y="3299700"/>
+              <a:ext cx="1168269" cy="246221"/>
             </a:xfrm>
             <a:prstGeom prst="rect">
               <a:avLst/>
@@ -9861,7 +9797,7 @@
               </a:r>
               <a:r>
                 <a:rPr lang="pt-PT" sz="800" dirty="0"/>
-                <a:t>Rotor Elétrico</a:t>
+                <a:t>Rotor</a:t>
               </a:r>
             </a:p>
           </p:txBody>
@@ -9882,7 +9818,7 @@
           </p:nvCxnSpPr>
           <p:spPr>
             <a:xfrm>
-              <a:off x="4418206" y="3801422"/>
+              <a:off x="4178568" y="3787634"/>
               <a:ext cx="1226820" cy="0"/>
             </a:xfrm>
             <a:prstGeom prst="straightConnector1">
@@ -9922,7 +9858,7 @@
           </p:nvSpPr>
           <p:spPr>
             <a:xfrm>
-              <a:off x="4836353" y="3606517"/>
+              <a:off x="4596715" y="3592729"/>
               <a:ext cx="390525" cy="246221"/>
             </a:xfrm>
             <a:prstGeom prst="rect">
@@ -9949,7 +9885,7 @@
     </p:spTree>
     <p:extLst>
       <p:ext uri="{BB962C8B-B14F-4D97-AF65-F5344CB8AC3E}">
-        <p14:creationId xmlns:p14="http://schemas.microsoft.com/office/powerpoint/2010/main" val="507983269"/>
+        <p14:creationId xmlns:p14="http://schemas.microsoft.com/office/powerpoint/2010/main" val="2449228719"/>
       </p:ext>
     </p:extLst>
   </p:cSld>
@@ -10291,7 +10227,7 @@
             </p:nvSpPr>
             <p:spPr>
               <a:xfrm>
-                <a:off x="5080794" y="2735176"/>
+                <a:off x="5306169" y="2734431"/>
                 <a:ext cx="1149350" cy="150726"/>
               </a:xfrm>
               <a:prstGeom prst="flowChartDisplay">
@@ -10831,7 +10767,7 @@
             </p:nvSpPr>
             <p:spPr>
               <a:xfrm>
-                <a:off x="2586771" y="2735176"/>
+                <a:off x="2750727" y="2735273"/>
                 <a:ext cx="1149350" cy="150726"/>
               </a:xfrm>
               <a:prstGeom prst="flowChartDisplay">
@@ -11322,7 +11258,7 @@
           </p:nvSpPr>
           <p:spPr>
             <a:xfrm rot="16200000">
-              <a:off x="2160493" y="3105180"/>
+              <a:off x="6301462" y="3148229"/>
               <a:ext cx="953854" cy="276999"/>
             </a:xfrm>
             <a:prstGeom prst="rect">
@@ -11359,7 +11295,7 @@
           </p:nvSpPr>
           <p:spPr>
             <a:xfrm rot="16200000">
-              <a:off x="2370089" y="2993423"/>
+              <a:off x="6464910" y="3071845"/>
               <a:ext cx="953854" cy="276999"/>
             </a:xfrm>
             <a:prstGeom prst="rect">
@@ -11395,8 +11331,8 @@
             <p:nvPr/>
           </p:nvSpPr>
           <p:spPr>
-            <a:xfrm rot="18034715">
-              <a:off x="6321832" y="3115742"/>
+            <a:xfrm rot="17713301">
+              <a:off x="2086041" y="2964391"/>
               <a:ext cx="1449124" cy="276999"/>
             </a:xfrm>
             <a:prstGeom prst="rect">
@@ -11411,10 +11347,16 @@
             <a:lstStyle/>
             <a:p>
               <a:r>
+                <a:rPr lang="pt-PT" sz="1100" dirty="0">
+                  <a:latin typeface="Abadi" panose="020B0604020104020204" pitchFamily="34" charset="0"/>
+                </a:rPr>
+                <a:t>Turbogenerator</a:t>
+              </a:r>
+              <a:r>
                 <a:rPr lang="pt-PT" sz="1200" dirty="0">
                   <a:latin typeface="Abadi" panose="020B0604020104020204" pitchFamily="34" charset="0"/>
                 </a:rPr>
-                <a:t>Turbogenerator </a:t>
+                <a:t> </a:t>
               </a:r>
             </a:p>
           </p:txBody>
@@ -12387,10 +12329,10 @@
           </p:nvGrpSpPr>
           <p:grpSpPr>
             <a:xfrm flipH="1">
-              <a:off x="2440126" y="2733418"/>
-              <a:ext cx="4990112" cy="1279782"/>
-              <a:chOff x="2435451" y="2733418"/>
-              <a:chExt cx="4990112" cy="1279782"/>
+              <a:off x="2440126" y="2733416"/>
+              <a:ext cx="4990112" cy="1279784"/>
+              <a:chOff x="2435451" y="2733416"/>
+              <a:chExt cx="4990112" cy="1279784"/>
             </a:xfrm>
           </p:grpSpPr>
           <p:sp>
@@ -12541,7 +12483,7 @@
             </p:nvSpPr>
             <p:spPr>
               <a:xfrm>
-                <a:off x="5080794" y="2735176"/>
+                <a:off x="5293031" y="2734431"/>
                 <a:ext cx="1149350" cy="150726"/>
               </a:xfrm>
               <a:prstGeom prst="flowChartDisplay">
@@ -13081,7 +13023,7 @@
             </p:nvSpPr>
             <p:spPr>
               <a:xfrm>
-                <a:off x="2576140" y="2735176"/>
+                <a:off x="2691528" y="2733416"/>
                 <a:ext cx="1149350" cy="150726"/>
               </a:xfrm>
               <a:prstGeom prst="flowChartDisplay">
@@ -13572,7 +13514,7 @@
           </p:nvSpPr>
           <p:spPr>
             <a:xfrm rot="16200000">
-              <a:off x="2160493" y="3105180"/>
+              <a:off x="6301464" y="3131427"/>
               <a:ext cx="953854" cy="276999"/>
             </a:xfrm>
             <a:prstGeom prst="rect">
@@ -13609,7 +13551,7 @@
           </p:nvSpPr>
           <p:spPr>
             <a:xfrm rot="16200000">
-              <a:off x="2370089" y="2993423"/>
+              <a:off x="6519254" y="3071845"/>
               <a:ext cx="953854" cy="276999"/>
             </a:xfrm>
             <a:prstGeom prst="rect">
@@ -13646,7 +13588,7 @@
           </p:nvSpPr>
           <p:spPr>
             <a:xfrm rot="18034715">
-              <a:off x="6321832" y="3115742"/>
+              <a:off x="2073597" y="2935300"/>
               <a:ext cx="1449124" cy="276999"/>
             </a:xfrm>
             <a:prstGeom prst="rect">
@@ -14297,7 +14239,7 @@
 </file>
 
 <file path=ppt/slides/slide5.xml><?xml version="1.0" encoding="utf-8"?>
-<p:sld xmlns:a="http://schemas.openxmlformats.org/drawingml/2006/main" xmlns:r="http://schemas.openxmlformats.org/officeDocument/2006/relationships" xmlns:p="http://schemas.openxmlformats.org/presentationml/2006/main">
+<p:sld xmlns:a="http://schemas.openxmlformats.org/drawingml/2006/main" xmlns:r="http://schemas.openxmlformats.org/officeDocument/2006/relationships" xmlns:p="http://schemas.openxmlformats.org/presentationml/2006/main" show="0">
   <p:cSld>
     <p:spTree>
       <p:nvGrpSpPr>
@@ -16650,10 +16592,10 @@
         </p:nvGrpSpPr>
         <p:grpSpPr>
           <a:xfrm>
-            <a:off x="1913721" y="787470"/>
-            <a:ext cx="6684761" cy="4930996"/>
-            <a:chOff x="1913721" y="787470"/>
-            <a:chExt cx="6684761" cy="4930996"/>
+            <a:off x="1913721" y="817900"/>
+            <a:ext cx="6450814" cy="4904326"/>
+            <a:chOff x="1913721" y="817900"/>
+            <a:chExt cx="6450814" cy="4904326"/>
           </a:xfrm>
         </p:grpSpPr>
         <p:grpSp>
@@ -16670,10 +16612,10 @@
           </p:nvGrpSpPr>
           <p:grpSpPr>
             <a:xfrm>
-              <a:off x="1941392" y="787470"/>
-              <a:ext cx="6657090" cy="4930996"/>
-              <a:chOff x="2237954" y="820421"/>
-              <a:chExt cx="6657090" cy="4930996"/>
+              <a:off x="1941392" y="817900"/>
+              <a:ext cx="6423143" cy="4904326"/>
+              <a:chOff x="2237954" y="850851"/>
+              <a:chExt cx="6423143" cy="4904326"/>
             </a:xfrm>
           </p:grpSpPr>
           <p:grpSp>
@@ -16690,10 +16632,10 @@
             </p:nvGrpSpPr>
             <p:grpSpPr>
               <a:xfrm>
-                <a:off x="2237954" y="820421"/>
-                <a:ext cx="6657090" cy="4723095"/>
-                <a:chOff x="2205002" y="803945"/>
-                <a:chExt cx="6657090" cy="4723095"/>
+                <a:off x="2237954" y="850851"/>
+                <a:ext cx="6423143" cy="4692665"/>
+                <a:chOff x="2205002" y="834375"/>
+                <a:chExt cx="6423143" cy="4692665"/>
               </a:xfrm>
             </p:grpSpPr>
             <p:grpSp>
@@ -16710,10 +16652,10 @@
               </p:nvGrpSpPr>
               <p:grpSpPr>
                 <a:xfrm flipH="1">
-                  <a:off x="3089239" y="1848232"/>
-                  <a:ext cx="5538906" cy="3678808"/>
-                  <a:chOff x="3203563" y="990982"/>
-                  <a:chExt cx="5538906" cy="3678808"/>
+                  <a:off x="3089239" y="1878662"/>
+                  <a:ext cx="5538906" cy="3648378"/>
+                  <a:chOff x="3203563" y="1021412"/>
+                  <a:chExt cx="5538906" cy="3648378"/>
                 </a:xfrm>
               </p:grpSpPr>
               <p:sp>
@@ -16730,7 +16672,7 @@
                 </p:nvSpPr>
                 <p:spPr>
                   <a:xfrm>
-                    <a:off x="3510280" y="990982"/>
+                    <a:off x="3821872" y="1021412"/>
                     <a:ext cx="1226820" cy="3337178"/>
                   </a:xfrm>
                   <a:prstGeom prst="rect">
@@ -16788,7 +16730,7 @@
                 </p:nvSpPr>
                 <p:spPr>
                   <a:xfrm>
-                    <a:off x="6173966" y="990982"/>
+                    <a:off x="6485558" y="1021412"/>
                     <a:ext cx="1226820" cy="3337178"/>
                   </a:xfrm>
                   <a:prstGeom prst="rect">
@@ -17998,9 +17940,9 @@
               </p:nvGrpSpPr>
               <p:grpSpPr>
                 <a:xfrm>
-                  <a:off x="3779698" y="803945"/>
+                  <a:off x="3468106" y="834375"/>
                   <a:ext cx="1696900" cy="2223748"/>
-                  <a:chOff x="3779698" y="803945"/>
+                  <a:chOff x="3468106" y="834375"/>
                   <a:chExt cx="1696900" cy="2223748"/>
                 </a:xfrm>
               </p:grpSpPr>
@@ -18018,7 +17960,7 @@
                 </p:nvSpPr>
                 <p:spPr>
                   <a:xfrm rot="5400000">
-                    <a:off x="4270566" y="1337952"/>
+                    <a:off x="3958974" y="1368382"/>
                     <a:ext cx="245863" cy="1227600"/>
                   </a:xfrm>
                   <a:prstGeom prst="rect">
@@ -18076,7 +18018,7 @@
                 </p:nvSpPr>
                 <p:spPr>
                   <a:xfrm rot="8598820">
-                    <a:off x="5230735" y="1800093"/>
+                    <a:off x="4919143" y="1830523"/>
                     <a:ext cx="245863" cy="1227600"/>
                   </a:xfrm>
                   <a:prstGeom prst="rect">
@@ -18134,7 +18076,7 @@
                 </p:nvSpPr>
                 <p:spPr>
                   <a:xfrm rot="12648134">
-                    <a:off x="5188055" y="803945"/>
+                    <a:off x="4876463" y="834375"/>
                     <a:ext cx="245863" cy="1227600"/>
                   </a:xfrm>
                   <a:prstGeom prst="rect">
@@ -18193,10 +18135,10 @@
               </p:nvGrpSpPr>
               <p:grpSpPr>
                 <a:xfrm rot="15411599">
-                  <a:off x="6901768" y="1183760"/>
-                  <a:ext cx="1696900" cy="2223748"/>
-                  <a:chOff x="3779698" y="803945"/>
-                  <a:chExt cx="1696900" cy="2223748"/>
+                  <a:off x="6590175" y="1214191"/>
+                  <a:ext cx="1696900" cy="2223747"/>
+                  <a:chOff x="3820899" y="493594"/>
+                  <a:chExt cx="1696900" cy="2223747"/>
                 </a:xfrm>
               </p:grpSpPr>
               <p:sp>
@@ -18213,7 +18155,7 @@
                 </p:nvSpPr>
                 <p:spPr>
                   <a:xfrm rot="5400000">
-                    <a:off x="4270566" y="1337952"/>
+                    <a:off x="4311767" y="1027600"/>
                     <a:ext cx="245863" cy="1227600"/>
                   </a:xfrm>
                   <a:prstGeom prst="rect">
@@ -18271,7 +18213,7 @@
                 </p:nvSpPr>
                 <p:spPr>
                   <a:xfrm rot="8598820">
-                    <a:off x="5230735" y="1800093"/>
+                    <a:off x="5271936" y="1489741"/>
                     <a:ext cx="245863" cy="1227600"/>
                   </a:xfrm>
                   <a:prstGeom prst="rect">
@@ -18329,7 +18271,7 @@
                 </p:nvSpPr>
                 <p:spPr>
                   <a:xfrm rot="12648134">
-                    <a:off x="5188055" y="803945"/>
+                    <a:off x="5229256" y="493594"/>
                     <a:ext cx="245863" cy="1227600"/>
                   </a:xfrm>
                   <a:prstGeom prst="rect">
@@ -18603,7 +18545,7 @@
                   </a:r>
                   <a:r>
                     <a:rPr lang="pt-PT" sz="800" dirty="0"/>
-                    <a:t>Rotor Elétrico</a:t>
+                    <a:t>Rotor</a:t>
                   </a:r>
                 </a:p>
               </p:txBody>
@@ -18669,7 +18611,7 @@
             </p:nvSpPr>
             <p:spPr>
               <a:xfrm>
-                <a:off x="6684595" y="3929449"/>
+                <a:off x="6466324" y="3933209"/>
                 <a:ext cx="45719" cy="763223"/>
               </a:xfrm>
               <a:prstGeom prst="upArrow">
@@ -18715,7 +18657,7 @@
             </p:nvSpPr>
             <p:spPr>
               <a:xfrm flipV="1">
-                <a:off x="6690568" y="4988194"/>
+                <a:off x="6472297" y="4991954"/>
                 <a:ext cx="45719" cy="763223"/>
               </a:xfrm>
               <a:prstGeom prst="upArrow">
@@ -18761,7 +18703,7 @@
             </p:nvSpPr>
             <p:spPr>
               <a:xfrm>
-                <a:off x="6453512" y="4139606"/>
+                <a:off x="6235241" y="4143366"/>
                 <a:ext cx="507884" cy="135552"/>
               </a:xfrm>
               <a:prstGeom prst="roundRect">
@@ -18808,7 +18750,7 @@
             </p:nvSpPr>
             <p:spPr>
               <a:xfrm>
-                <a:off x="6453512" y="5400989"/>
+                <a:off x="6235241" y="5404749"/>
                 <a:ext cx="507884" cy="135552"/>
               </a:xfrm>
               <a:prstGeom prst="roundRect">
@@ -18933,6 +18875,5651 @@
     <p:extLst>
       <p:ext uri="{BB962C8B-B14F-4D97-AF65-F5344CB8AC3E}">
         <p14:creationId xmlns:p14="http://schemas.microsoft.com/office/powerpoint/2010/main" val="1399795729"/>
+      </p:ext>
+    </p:extLst>
+  </p:cSld>
+  <p:clrMapOvr>
+    <a:masterClrMapping/>
+  </p:clrMapOvr>
+</p:sld>
+</file>
+
+<file path=ppt/slides/slide7.xml><?xml version="1.0" encoding="utf-8"?>
+<p:sld xmlns:a="http://schemas.openxmlformats.org/drawingml/2006/main" xmlns:r="http://schemas.openxmlformats.org/officeDocument/2006/relationships" xmlns:p="http://schemas.openxmlformats.org/presentationml/2006/main">
+  <p:cSld>
+    <p:spTree>
+      <p:nvGrpSpPr>
+        <p:cNvPr id="1" name=""/>
+        <p:cNvGrpSpPr/>
+        <p:nvPr/>
+      </p:nvGrpSpPr>
+      <p:grpSpPr>
+        <a:xfrm>
+          <a:off x="0" y="0"/>
+          <a:ext cx="0" cy="0"/>
+          <a:chOff x="0" y="0"/>
+          <a:chExt cx="0" cy="0"/>
+        </a:xfrm>
+      </p:grpSpPr>
+      <p:grpSp>
+        <p:nvGrpSpPr>
+          <p:cNvPr id="12" name="Group 11">
+            <a:extLst>
+              <a:ext uri="{FF2B5EF4-FFF2-40B4-BE49-F238E27FC236}">
+                <a16:creationId xmlns:a16="http://schemas.microsoft.com/office/drawing/2014/main" id="{5FDE1FD9-FAA5-4F9E-BE3A-DDF56B8790E9}"/>
+              </a:ext>
+            </a:extLst>
+          </p:cNvPr>
+          <p:cNvGrpSpPr/>
+          <p:nvPr/>
+        </p:nvGrpSpPr>
+        <p:grpSpPr>
+          <a:xfrm>
+            <a:off x="1913721" y="817900"/>
+            <a:ext cx="6450814" cy="4904326"/>
+            <a:chOff x="1913721" y="817900"/>
+            <a:chExt cx="6450814" cy="4904326"/>
+          </a:xfrm>
+        </p:grpSpPr>
+        <p:grpSp>
+          <p:nvGrpSpPr>
+            <p:cNvPr id="11" name="Group 10">
+              <a:extLst>
+                <a:ext uri="{FF2B5EF4-FFF2-40B4-BE49-F238E27FC236}">
+                  <a16:creationId xmlns:a16="http://schemas.microsoft.com/office/drawing/2014/main" id="{68FEDF00-BC94-4BCF-9EF3-1EE07170067E}"/>
+                </a:ext>
+              </a:extLst>
+            </p:cNvPr>
+            <p:cNvGrpSpPr/>
+            <p:nvPr/>
+          </p:nvGrpSpPr>
+          <p:grpSpPr>
+            <a:xfrm>
+              <a:off x="1941392" y="817900"/>
+              <a:ext cx="6423143" cy="4904326"/>
+              <a:chOff x="2237954" y="850851"/>
+              <a:chExt cx="6423143" cy="4904326"/>
+            </a:xfrm>
+          </p:grpSpPr>
+          <p:grpSp>
+            <p:nvGrpSpPr>
+              <p:cNvPr id="112" name="Agrupar 111">
+                <a:extLst>
+                  <a:ext uri="{FF2B5EF4-FFF2-40B4-BE49-F238E27FC236}">
+                    <a16:creationId xmlns:a16="http://schemas.microsoft.com/office/drawing/2014/main" id="{CB3BEEB5-D039-7BAA-4AE4-476AA991CF53}"/>
+                  </a:ext>
+                </a:extLst>
+              </p:cNvPr>
+              <p:cNvGrpSpPr/>
+              <p:nvPr/>
+            </p:nvGrpSpPr>
+            <p:grpSpPr>
+              <a:xfrm>
+                <a:off x="2237954" y="850851"/>
+                <a:ext cx="6423143" cy="4692665"/>
+                <a:chOff x="2205002" y="834375"/>
+                <a:chExt cx="6423143" cy="4692665"/>
+              </a:xfrm>
+            </p:grpSpPr>
+            <p:grpSp>
+              <p:nvGrpSpPr>
+                <p:cNvPr id="13" name="Agrupar 12">
+                  <a:extLst>
+                    <a:ext uri="{FF2B5EF4-FFF2-40B4-BE49-F238E27FC236}">
+                      <a16:creationId xmlns:a16="http://schemas.microsoft.com/office/drawing/2014/main" id="{7D681D2C-1226-68D3-E858-81DF708ADBF9}"/>
+                    </a:ext>
+                  </a:extLst>
+                </p:cNvPr>
+                <p:cNvGrpSpPr/>
+                <p:nvPr/>
+              </p:nvGrpSpPr>
+              <p:grpSpPr>
+                <a:xfrm flipH="1">
+                  <a:off x="3089239" y="1878662"/>
+                  <a:ext cx="5538906" cy="3648378"/>
+                  <a:chOff x="3203563" y="1021412"/>
+                  <a:chExt cx="5538906" cy="3648378"/>
+                </a:xfrm>
+              </p:grpSpPr>
+              <p:sp>
+                <p:nvSpPr>
+                  <p:cNvPr id="8" name="Retângulo 7">
+                    <a:extLst>
+                      <a:ext uri="{FF2B5EF4-FFF2-40B4-BE49-F238E27FC236}">
+                        <a16:creationId xmlns:a16="http://schemas.microsoft.com/office/drawing/2014/main" id="{9E6BDAEE-2DF3-B4FD-6729-0E9FE57D7A76}"/>
+                      </a:ext>
+                    </a:extLst>
+                  </p:cNvPr>
+                  <p:cNvSpPr/>
+                  <p:nvPr/>
+                </p:nvSpPr>
+                <p:spPr>
+                  <a:xfrm>
+                    <a:off x="3821872" y="1021412"/>
+                    <a:ext cx="1226820" cy="3337178"/>
+                  </a:xfrm>
+                  <a:prstGeom prst="rect">
+                    <a:avLst/>
+                  </a:prstGeom>
+                  <a:solidFill>
+                    <a:schemeClr val="bg2">
+                      <a:lumMod val="90000"/>
+                    </a:schemeClr>
+                  </a:solidFill>
+                  <a:ln>
+                    <a:solidFill>
+                      <a:schemeClr val="bg2">
+                        <a:lumMod val="50000"/>
+                      </a:schemeClr>
+                    </a:solidFill>
+                  </a:ln>
+                </p:spPr>
+                <p:style>
+                  <a:lnRef idx="2">
+                    <a:schemeClr val="accent1">
+                      <a:shade val="50000"/>
+                    </a:schemeClr>
+                  </a:lnRef>
+                  <a:fillRef idx="1">
+                    <a:schemeClr val="accent1"/>
+                  </a:fillRef>
+                  <a:effectRef idx="0">
+                    <a:schemeClr val="accent1"/>
+                  </a:effectRef>
+                  <a:fontRef idx="minor">
+                    <a:schemeClr val="lt1"/>
+                  </a:fontRef>
+                </p:style>
+                <p:txBody>
+                  <a:bodyPr rtlCol="0" anchor="ctr"/>
+                  <a:lstStyle/>
+                  <a:p>
+                    <a:pPr algn="ctr"/>
+                    <a:endParaRPr lang="pt-PT" dirty="0"/>
+                  </a:p>
+                </p:txBody>
+              </p:sp>
+              <p:sp>
+                <p:nvSpPr>
+                  <p:cNvPr id="9" name="Retângulo 8">
+                    <a:extLst>
+                      <a:ext uri="{FF2B5EF4-FFF2-40B4-BE49-F238E27FC236}">
+                        <a16:creationId xmlns:a16="http://schemas.microsoft.com/office/drawing/2014/main" id="{064401E6-1760-7B57-FA17-A25A90420738}"/>
+                      </a:ext>
+                    </a:extLst>
+                  </p:cNvPr>
+                  <p:cNvSpPr/>
+                  <p:nvPr/>
+                </p:nvSpPr>
+                <p:spPr>
+                  <a:xfrm>
+                    <a:off x="6485558" y="1021412"/>
+                    <a:ext cx="1226820" cy="3337178"/>
+                  </a:xfrm>
+                  <a:prstGeom prst="rect">
+                    <a:avLst/>
+                  </a:prstGeom>
+                  <a:solidFill>
+                    <a:schemeClr val="bg2">
+                      <a:lumMod val="90000"/>
+                    </a:schemeClr>
+                  </a:solidFill>
+                  <a:ln>
+                    <a:solidFill>
+                      <a:schemeClr val="bg2">
+                        <a:lumMod val="50000"/>
+                      </a:schemeClr>
+                    </a:solidFill>
+                  </a:ln>
+                </p:spPr>
+                <p:style>
+                  <a:lnRef idx="2">
+                    <a:schemeClr val="accent1">
+                      <a:shade val="50000"/>
+                    </a:schemeClr>
+                  </a:lnRef>
+                  <a:fillRef idx="1">
+                    <a:schemeClr val="accent1"/>
+                  </a:fillRef>
+                  <a:effectRef idx="0">
+                    <a:schemeClr val="accent1"/>
+                  </a:effectRef>
+                  <a:fontRef idx="minor">
+                    <a:schemeClr val="lt1"/>
+                  </a:fontRef>
+                </p:style>
+                <p:txBody>
+                  <a:bodyPr rtlCol="0" anchor="ctr"/>
+                  <a:lstStyle/>
+                  <a:p>
+                    <a:pPr algn="ctr"/>
+                    <a:endParaRPr lang="pt-PT" dirty="0"/>
+                  </a:p>
+                </p:txBody>
+              </p:sp>
+              <p:sp>
+                <p:nvSpPr>
+                  <p:cNvPr id="6" name="Retângulo 5">
+                    <a:extLst>
+                      <a:ext uri="{FF2B5EF4-FFF2-40B4-BE49-F238E27FC236}">
+                        <a16:creationId xmlns:a16="http://schemas.microsoft.com/office/drawing/2014/main" id="{A8A3E4C9-41B0-CAE7-7F23-19CECA504009}"/>
+                      </a:ext>
+                    </a:extLst>
+                  </p:cNvPr>
+                  <p:cNvSpPr/>
+                  <p:nvPr/>
+                </p:nvSpPr>
+                <p:spPr>
+                  <a:xfrm>
+                    <a:off x="4119217" y="3269974"/>
+                    <a:ext cx="3988905" cy="1393466"/>
+                  </a:xfrm>
+                  <a:prstGeom prst="rect">
+                    <a:avLst/>
+                  </a:prstGeom>
+                  <a:solidFill>
+                    <a:schemeClr val="bg2">
+                      <a:lumMod val="90000"/>
+                    </a:schemeClr>
+                  </a:solidFill>
+                  <a:ln>
+                    <a:solidFill>
+                      <a:schemeClr val="bg2">
+                        <a:lumMod val="50000"/>
+                      </a:schemeClr>
+                    </a:solidFill>
+                  </a:ln>
+                </p:spPr>
+                <p:style>
+                  <a:lnRef idx="2">
+                    <a:schemeClr val="accent1">
+                      <a:shade val="50000"/>
+                    </a:schemeClr>
+                  </a:lnRef>
+                  <a:fillRef idx="1">
+                    <a:schemeClr val="accent1"/>
+                  </a:fillRef>
+                  <a:effectRef idx="0">
+                    <a:schemeClr val="accent1"/>
+                  </a:effectRef>
+                  <a:fontRef idx="minor">
+                    <a:schemeClr val="lt1"/>
+                  </a:fontRef>
+                </p:style>
+                <p:txBody>
+                  <a:bodyPr rtlCol="0" anchor="ctr"/>
+                  <a:lstStyle/>
+                  <a:p>
+                    <a:pPr algn="ctr"/>
+                    <a:endParaRPr lang="pt-PT" dirty="0"/>
+                  </a:p>
+                </p:txBody>
+              </p:sp>
+              <p:sp>
+                <p:nvSpPr>
+                  <p:cNvPr id="7" name="Fluxograma: Atraso 6">
+                    <a:extLst>
+                      <a:ext uri="{FF2B5EF4-FFF2-40B4-BE49-F238E27FC236}">
+                        <a16:creationId xmlns:a16="http://schemas.microsoft.com/office/drawing/2014/main" id="{A6DF496E-F81E-8138-F775-0BB5981FBC7C}"/>
+                      </a:ext>
+                    </a:extLst>
+                  </p:cNvPr>
+                  <p:cNvSpPr/>
+                  <p:nvPr/>
+                </p:nvSpPr>
+                <p:spPr>
+                  <a:xfrm flipH="1">
+                    <a:off x="3203563" y="3269974"/>
+                    <a:ext cx="915654" cy="1393466"/>
+                  </a:xfrm>
+                  <a:custGeom>
+                    <a:avLst/>
+                    <a:gdLst>
+                      <a:gd name="connsiteX0" fmla="*/ 0 w 915642"/>
+                      <a:gd name="connsiteY0" fmla="*/ 0 h 1393466"/>
+                      <a:gd name="connsiteX1" fmla="*/ 457821 w 915642"/>
+                      <a:gd name="connsiteY1" fmla="*/ 0 h 1393466"/>
+                      <a:gd name="connsiteX2" fmla="*/ 915642 w 915642"/>
+                      <a:gd name="connsiteY2" fmla="*/ 696733 h 1393466"/>
+                      <a:gd name="connsiteX3" fmla="*/ 457821 w 915642"/>
+                      <a:gd name="connsiteY3" fmla="*/ 1393466 h 1393466"/>
+                      <a:gd name="connsiteX4" fmla="*/ 0 w 915642"/>
+                      <a:gd name="connsiteY4" fmla="*/ 1393466 h 1393466"/>
+                      <a:gd name="connsiteX5" fmla="*/ 0 w 915642"/>
+                      <a:gd name="connsiteY5" fmla="*/ 0 h 1393466"/>
+                      <a:gd name="connsiteX0" fmla="*/ 0 w 921802"/>
+                      <a:gd name="connsiteY0" fmla="*/ 0 h 1393466"/>
+                      <a:gd name="connsiteX1" fmla="*/ 162546 w 921802"/>
+                      <a:gd name="connsiteY1" fmla="*/ 9525 h 1393466"/>
+                      <a:gd name="connsiteX2" fmla="*/ 915642 w 921802"/>
+                      <a:gd name="connsiteY2" fmla="*/ 696733 h 1393466"/>
+                      <a:gd name="connsiteX3" fmla="*/ 457821 w 921802"/>
+                      <a:gd name="connsiteY3" fmla="*/ 1393466 h 1393466"/>
+                      <a:gd name="connsiteX4" fmla="*/ 0 w 921802"/>
+                      <a:gd name="connsiteY4" fmla="*/ 1393466 h 1393466"/>
+                      <a:gd name="connsiteX5" fmla="*/ 0 w 921802"/>
+                      <a:gd name="connsiteY5" fmla="*/ 0 h 1393466"/>
+                      <a:gd name="connsiteX0" fmla="*/ 0 w 917247"/>
+                      <a:gd name="connsiteY0" fmla="*/ 0 h 1393466"/>
+                      <a:gd name="connsiteX1" fmla="*/ 319709 w 917247"/>
+                      <a:gd name="connsiteY1" fmla="*/ 4762 h 1393466"/>
+                      <a:gd name="connsiteX2" fmla="*/ 915642 w 917247"/>
+                      <a:gd name="connsiteY2" fmla="*/ 696733 h 1393466"/>
+                      <a:gd name="connsiteX3" fmla="*/ 457821 w 917247"/>
+                      <a:gd name="connsiteY3" fmla="*/ 1393466 h 1393466"/>
+                      <a:gd name="connsiteX4" fmla="*/ 0 w 917247"/>
+                      <a:gd name="connsiteY4" fmla="*/ 1393466 h 1393466"/>
+                      <a:gd name="connsiteX5" fmla="*/ 0 w 917247"/>
+                      <a:gd name="connsiteY5" fmla="*/ 0 h 1393466"/>
+                      <a:gd name="connsiteX0" fmla="*/ 0 w 917247"/>
+                      <a:gd name="connsiteY0" fmla="*/ 0 h 1395582"/>
+                      <a:gd name="connsiteX1" fmla="*/ 319709 w 917247"/>
+                      <a:gd name="connsiteY1" fmla="*/ 4762 h 1395582"/>
+                      <a:gd name="connsiteX2" fmla="*/ 915642 w 917247"/>
+                      <a:gd name="connsiteY2" fmla="*/ 696733 h 1395582"/>
+                      <a:gd name="connsiteX3" fmla="*/ 457821 w 917247"/>
+                      <a:gd name="connsiteY3" fmla="*/ 1393466 h 1395582"/>
+                      <a:gd name="connsiteX4" fmla="*/ 0 w 917247"/>
+                      <a:gd name="connsiteY4" fmla="*/ 1393466 h 1395582"/>
+                      <a:gd name="connsiteX5" fmla="*/ 0 w 917247"/>
+                      <a:gd name="connsiteY5" fmla="*/ 0 h 1395582"/>
+                      <a:gd name="connsiteX0" fmla="*/ 0 w 916004"/>
+                      <a:gd name="connsiteY0" fmla="*/ 0 h 1395582"/>
+                      <a:gd name="connsiteX1" fmla="*/ 319709 w 916004"/>
+                      <a:gd name="connsiteY1" fmla="*/ 4762 h 1395582"/>
+                      <a:gd name="connsiteX2" fmla="*/ 915642 w 916004"/>
+                      <a:gd name="connsiteY2" fmla="*/ 696733 h 1395582"/>
+                      <a:gd name="connsiteX3" fmla="*/ 391146 w 916004"/>
+                      <a:gd name="connsiteY3" fmla="*/ 1393466 h 1395582"/>
+                      <a:gd name="connsiteX4" fmla="*/ 0 w 916004"/>
+                      <a:gd name="connsiteY4" fmla="*/ 1393466 h 1395582"/>
+                      <a:gd name="connsiteX5" fmla="*/ 0 w 916004"/>
+                      <a:gd name="connsiteY5" fmla="*/ 0 h 1395582"/>
+                      <a:gd name="connsiteX0" fmla="*/ 0 w 915678"/>
+                      <a:gd name="connsiteY0" fmla="*/ 0 h 1399561"/>
+                      <a:gd name="connsiteX1" fmla="*/ 319709 w 915678"/>
+                      <a:gd name="connsiteY1" fmla="*/ 4762 h 1399561"/>
+                      <a:gd name="connsiteX2" fmla="*/ 915642 w 915678"/>
+                      <a:gd name="connsiteY2" fmla="*/ 696733 h 1399561"/>
+                      <a:gd name="connsiteX3" fmla="*/ 343521 w 915678"/>
+                      <a:gd name="connsiteY3" fmla="*/ 1398228 h 1399561"/>
+                      <a:gd name="connsiteX4" fmla="*/ 0 w 915678"/>
+                      <a:gd name="connsiteY4" fmla="*/ 1393466 h 1399561"/>
+                      <a:gd name="connsiteX5" fmla="*/ 0 w 915678"/>
+                      <a:gd name="connsiteY5" fmla="*/ 0 h 1399561"/>
+                      <a:gd name="connsiteX0" fmla="*/ 0 w 915654"/>
+                      <a:gd name="connsiteY0" fmla="*/ 0 h 1393466"/>
+                      <a:gd name="connsiteX1" fmla="*/ 319709 w 915654"/>
+                      <a:gd name="connsiteY1" fmla="*/ 4762 h 1393466"/>
+                      <a:gd name="connsiteX2" fmla="*/ 915642 w 915654"/>
+                      <a:gd name="connsiteY2" fmla="*/ 696733 h 1393466"/>
+                      <a:gd name="connsiteX3" fmla="*/ 333996 w 915654"/>
+                      <a:gd name="connsiteY3" fmla="*/ 1391878 h 1393466"/>
+                      <a:gd name="connsiteX4" fmla="*/ 0 w 915654"/>
+                      <a:gd name="connsiteY4" fmla="*/ 1393466 h 1393466"/>
+                      <a:gd name="connsiteX5" fmla="*/ 0 w 915654"/>
+                      <a:gd name="connsiteY5" fmla="*/ 0 h 1393466"/>
+                    </a:gdLst>
+                    <a:ahLst/>
+                    <a:cxnLst>
+                      <a:cxn ang="0">
+                        <a:pos x="connsiteX0" y="connsiteY0"/>
+                      </a:cxn>
+                      <a:cxn ang="0">
+                        <a:pos x="connsiteX1" y="connsiteY1"/>
+                      </a:cxn>
+                      <a:cxn ang="0">
+                        <a:pos x="connsiteX2" y="connsiteY2"/>
+                      </a:cxn>
+                      <a:cxn ang="0">
+                        <a:pos x="connsiteX3" y="connsiteY3"/>
+                      </a:cxn>
+                      <a:cxn ang="0">
+                        <a:pos x="connsiteX4" y="connsiteY4"/>
+                      </a:cxn>
+                      <a:cxn ang="0">
+                        <a:pos x="connsiteX5" y="connsiteY5"/>
+                      </a:cxn>
+                    </a:cxnLst>
+                    <a:rect l="l" t="t" r="r" b="b"/>
+                    <a:pathLst>
+                      <a:path w="915654" h="1393466">
+                        <a:moveTo>
+                          <a:pt x="0" y="0"/>
+                        </a:moveTo>
+                        <a:cubicBezTo>
+                          <a:pt x="152607" y="0"/>
+                          <a:pt x="167102" y="4762"/>
+                          <a:pt x="319709" y="4762"/>
+                        </a:cubicBezTo>
+                        <a:cubicBezTo>
+                          <a:pt x="572557" y="4762"/>
+                          <a:pt x="913261" y="465547"/>
+                          <a:pt x="915642" y="696733"/>
+                        </a:cubicBezTo>
+                        <a:cubicBezTo>
+                          <a:pt x="918023" y="927919"/>
+                          <a:pt x="586844" y="1391878"/>
+                          <a:pt x="333996" y="1391878"/>
+                        </a:cubicBezTo>
+                        <a:lnTo>
+                          <a:pt x="0" y="1393466"/>
+                        </a:lnTo>
+                        <a:lnTo>
+                          <a:pt x="0" y="0"/>
+                        </a:lnTo>
+                        <a:close/>
+                      </a:path>
+                    </a:pathLst>
+                  </a:custGeom>
+                  <a:solidFill>
+                    <a:schemeClr val="bg2">
+                      <a:lumMod val="90000"/>
+                    </a:schemeClr>
+                  </a:solidFill>
+                  <a:ln>
+                    <a:solidFill>
+                      <a:schemeClr val="bg2">
+                        <a:lumMod val="50000"/>
+                      </a:schemeClr>
+                    </a:solidFill>
+                  </a:ln>
+                </p:spPr>
+                <p:style>
+                  <a:lnRef idx="2">
+                    <a:schemeClr val="accent1">
+                      <a:shade val="50000"/>
+                    </a:schemeClr>
+                  </a:lnRef>
+                  <a:fillRef idx="1">
+                    <a:schemeClr val="accent1"/>
+                  </a:fillRef>
+                  <a:effectRef idx="0">
+                    <a:schemeClr val="accent1"/>
+                  </a:effectRef>
+                  <a:fontRef idx="minor">
+                    <a:schemeClr val="lt1"/>
+                  </a:fontRef>
+                </p:style>
+                <p:txBody>
+                  <a:bodyPr rtlCol="0" anchor="ctr"/>
+                  <a:lstStyle/>
+                  <a:p>
+                    <a:pPr algn="ctr"/>
+                    <a:endParaRPr lang="pt-PT" dirty="0"/>
+                  </a:p>
+                </p:txBody>
+              </p:sp>
+              <p:sp>
+                <p:nvSpPr>
+                  <p:cNvPr id="10" name="Fluxograma: Atraso 9">
+                    <a:extLst>
+                      <a:ext uri="{FF2B5EF4-FFF2-40B4-BE49-F238E27FC236}">
+                        <a16:creationId xmlns:a16="http://schemas.microsoft.com/office/drawing/2014/main" id="{A0E66709-B77D-F6EA-3038-FEA15EC45FDC}"/>
+                      </a:ext>
+                    </a:extLst>
+                  </p:cNvPr>
+                  <p:cNvSpPr/>
+                  <p:nvPr/>
+                </p:nvSpPr>
+                <p:spPr>
+                  <a:xfrm>
+                    <a:off x="8108124" y="3263624"/>
+                    <a:ext cx="634345" cy="1406166"/>
+                  </a:xfrm>
+                  <a:custGeom>
+                    <a:avLst/>
+                    <a:gdLst>
+                      <a:gd name="connsiteX0" fmla="*/ 0 w 608937"/>
+                      <a:gd name="connsiteY0" fmla="*/ 0 h 1393466"/>
+                      <a:gd name="connsiteX1" fmla="*/ 304469 w 608937"/>
+                      <a:gd name="connsiteY1" fmla="*/ 0 h 1393466"/>
+                      <a:gd name="connsiteX2" fmla="*/ 608938 w 608937"/>
+                      <a:gd name="connsiteY2" fmla="*/ 696733 h 1393466"/>
+                      <a:gd name="connsiteX3" fmla="*/ 304469 w 608937"/>
+                      <a:gd name="connsiteY3" fmla="*/ 1393466 h 1393466"/>
+                      <a:gd name="connsiteX4" fmla="*/ 0 w 608937"/>
+                      <a:gd name="connsiteY4" fmla="*/ 1393466 h 1393466"/>
+                      <a:gd name="connsiteX5" fmla="*/ 0 w 608937"/>
+                      <a:gd name="connsiteY5" fmla="*/ 0 h 1393466"/>
+                      <a:gd name="connsiteX0" fmla="*/ 0 w 634338"/>
+                      <a:gd name="connsiteY0" fmla="*/ 0 h 1393466"/>
+                      <a:gd name="connsiteX1" fmla="*/ 304469 w 634338"/>
+                      <a:gd name="connsiteY1" fmla="*/ 0 h 1393466"/>
+                      <a:gd name="connsiteX2" fmla="*/ 634338 w 634338"/>
+                      <a:gd name="connsiteY2" fmla="*/ 696733 h 1393466"/>
+                      <a:gd name="connsiteX3" fmla="*/ 304469 w 634338"/>
+                      <a:gd name="connsiteY3" fmla="*/ 1393466 h 1393466"/>
+                      <a:gd name="connsiteX4" fmla="*/ 0 w 634338"/>
+                      <a:gd name="connsiteY4" fmla="*/ 1393466 h 1393466"/>
+                      <a:gd name="connsiteX5" fmla="*/ 0 w 634338"/>
+                      <a:gd name="connsiteY5" fmla="*/ 0 h 1393466"/>
+                      <a:gd name="connsiteX0" fmla="*/ 0 w 635654"/>
+                      <a:gd name="connsiteY0" fmla="*/ 0 h 1399816"/>
+                      <a:gd name="connsiteX1" fmla="*/ 304469 w 635654"/>
+                      <a:gd name="connsiteY1" fmla="*/ 0 h 1399816"/>
+                      <a:gd name="connsiteX2" fmla="*/ 634338 w 635654"/>
+                      <a:gd name="connsiteY2" fmla="*/ 696733 h 1399816"/>
+                      <a:gd name="connsiteX3" fmla="*/ 193344 w 635654"/>
+                      <a:gd name="connsiteY3" fmla="*/ 1399816 h 1399816"/>
+                      <a:gd name="connsiteX4" fmla="*/ 0 w 635654"/>
+                      <a:gd name="connsiteY4" fmla="*/ 1393466 h 1399816"/>
+                      <a:gd name="connsiteX5" fmla="*/ 0 w 635654"/>
+                      <a:gd name="connsiteY5" fmla="*/ 0 h 1399816"/>
+                      <a:gd name="connsiteX0" fmla="*/ 0 w 636413"/>
+                      <a:gd name="connsiteY0" fmla="*/ 0 h 1402991"/>
+                      <a:gd name="connsiteX1" fmla="*/ 304469 w 636413"/>
+                      <a:gd name="connsiteY1" fmla="*/ 0 h 1402991"/>
+                      <a:gd name="connsiteX2" fmla="*/ 634338 w 636413"/>
+                      <a:gd name="connsiteY2" fmla="*/ 696733 h 1402991"/>
+                      <a:gd name="connsiteX3" fmla="*/ 161594 w 636413"/>
+                      <a:gd name="connsiteY3" fmla="*/ 1402991 h 1402991"/>
+                      <a:gd name="connsiteX4" fmla="*/ 0 w 636413"/>
+                      <a:gd name="connsiteY4" fmla="*/ 1393466 h 1402991"/>
+                      <a:gd name="connsiteX5" fmla="*/ 0 w 636413"/>
+                      <a:gd name="connsiteY5" fmla="*/ 0 h 1402991"/>
+                      <a:gd name="connsiteX0" fmla="*/ 0 w 637888"/>
+                      <a:gd name="connsiteY0" fmla="*/ 0 h 1393466"/>
+                      <a:gd name="connsiteX1" fmla="*/ 304469 w 637888"/>
+                      <a:gd name="connsiteY1" fmla="*/ 0 h 1393466"/>
+                      <a:gd name="connsiteX2" fmla="*/ 634338 w 637888"/>
+                      <a:gd name="connsiteY2" fmla="*/ 696733 h 1393466"/>
+                      <a:gd name="connsiteX3" fmla="*/ 110794 w 637888"/>
+                      <a:gd name="connsiteY3" fmla="*/ 1390291 h 1393466"/>
+                      <a:gd name="connsiteX4" fmla="*/ 0 w 637888"/>
+                      <a:gd name="connsiteY4" fmla="*/ 1393466 h 1393466"/>
+                      <a:gd name="connsiteX5" fmla="*/ 0 w 637888"/>
+                      <a:gd name="connsiteY5" fmla="*/ 0 h 1393466"/>
+                      <a:gd name="connsiteX0" fmla="*/ 0 w 637888"/>
+                      <a:gd name="connsiteY0" fmla="*/ 0 h 1393466"/>
+                      <a:gd name="connsiteX1" fmla="*/ 304469 w 637888"/>
+                      <a:gd name="connsiteY1" fmla="*/ 0 h 1393466"/>
+                      <a:gd name="connsiteX2" fmla="*/ 634338 w 637888"/>
+                      <a:gd name="connsiteY2" fmla="*/ 696733 h 1393466"/>
+                      <a:gd name="connsiteX3" fmla="*/ 110794 w 637888"/>
+                      <a:gd name="connsiteY3" fmla="*/ 1390291 h 1393466"/>
+                      <a:gd name="connsiteX4" fmla="*/ 0 w 637888"/>
+                      <a:gd name="connsiteY4" fmla="*/ 1393466 h 1393466"/>
+                      <a:gd name="connsiteX5" fmla="*/ 0 w 637888"/>
+                      <a:gd name="connsiteY5" fmla="*/ 0 h 1393466"/>
+                      <a:gd name="connsiteX0" fmla="*/ 0 w 641730"/>
+                      <a:gd name="connsiteY0" fmla="*/ 0 h 1399816"/>
+                      <a:gd name="connsiteX1" fmla="*/ 304469 w 641730"/>
+                      <a:gd name="connsiteY1" fmla="*/ 0 h 1399816"/>
+                      <a:gd name="connsiteX2" fmla="*/ 634338 w 641730"/>
+                      <a:gd name="connsiteY2" fmla="*/ 696733 h 1399816"/>
+                      <a:gd name="connsiteX3" fmla="*/ 6019 w 641730"/>
+                      <a:gd name="connsiteY3" fmla="*/ 1399816 h 1399816"/>
+                      <a:gd name="connsiteX4" fmla="*/ 0 w 641730"/>
+                      <a:gd name="connsiteY4" fmla="*/ 1393466 h 1399816"/>
+                      <a:gd name="connsiteX5" fmla="*/ 0 w 641730"/>
+                      <a:gd name="connsiteY5" fmla="*/ 0 h 1399816"/>
+                      <a:gd name="connsiteX0" fmla="*/ 0 w 641730"/>
+                      <a:gd name="connsiteY0" fmla="*/ 0 h 1399816"/>
+                      <a:gd name="connsiteX1" fmla="*/ 304469 w 641730"/>
+                      <a:gd name="connsiteY1" fmla="*/ 0 h 1399816"/>
+                      <a:gd name="connsiteX2" fmla="*/ 634338 w 641730"/>
+                      <a:gd name="connsiteY2" fmla="*/ 696733 h 1399816"/>
+                      <a:gd name="connsiteX3" fmla="*/ 6019 w 641730"/>
+                      <a:gd name="connsiteY3" fmla="*/ 1399816 h 1399816"/>
+                      <a:gd name="connsiteX4" fmla="*/ 0 w 641730"/>
+                      <a:gd name="connsiteY4" fmla="*/ 1393466 h 1399816"/>
+                      <a:gd name="connsiteX5" fmla="*/ 0 w 641730"/>
+                      <a:gd name="connsiteY5" fmla="*/ 0 h 1399816"/>
+                      <a:gd name="connsiteX0" fmla="*/ 0 w 634338"/>
+                      <a:gd name="connsiteY0" fmla="*/ 0 h 1399816"/>
+                      <a:gd name="connsiteX1" fmla="*/ 9194 w 634338"/>
+                      <a:gd name="connsiteY1" fmla="*/ 12700 h 1399816"/>
+                      <a:gd name="connsiteX2" fmla="*/ 634338 w 634338"/>
+                      <a:gd name="connsiteY2" fmla="*/ 696733 h 1399816"/>
+                      <a:gd name="connsiteX3" fmla="*/ 6019 w 634338"/>
+                      <a:gd name="connsiteY3" fmla="*/ 1399816 h 1399816"/>
+                      <a:gd name="connsiteX4" fmla="*/ 0 w 634338"/>
+                      <a:gd name="connsiteY4" fmla="*/ 1393466 h 1399816"/>
+                      <a:gd name="connsiteX5" fmla="*/ 0 w 634338"/>
+                      <a:gd name="connsiteY5" fmla="*/ 0 h 1399816"/>
+                      <a:gd name="connsiteX0" fmla="*/ 0 w 634338"/>
+                      <a:gd name="connsiteY0" fmla="*/ 0 h 1399816"/>
+                      <a:gd name="connsiteX1" fmla="*/ 9194 w 634338"/>
+                      <a:gd name="connsiteY1" fmla="*/ 12700 h 1399816"/>
+                      <a:gd name="connsiteX2" fmla="*/ 634338 w 634338"/>
+                      <a:gd name="connsiteY2" fmla="*/ 696733 h 1399816"/>
+                      <a:gd name="connsiteX3" fmla="*/ 6019 w 634338"/>
+                      <a:gd name="connsiteY3" fmla="*/ 1399816 h 1399816"/>
+                      <a:gd name="connsiteX4" fmla="*/ 0 w 634338"/>
+                      <a:gd name="connsiteY4" fmla="*/ 1393466 h 1399816"/>
+                      <a:gd name="connsiteX5" fmla="*/ 0 w 634338"/>
+                      <a:gd name="connsiteY5" fmla="*/ 0 h 1399816"/>
+                      <a:gd name="connsiteX0" fmla="*/ 0 w 634338"/>
+                      <a:gd name="connsiteY0" fmla="*/ 0 h 1399816"/>
+                      <a:gd name="connsiteX1" fmla="*/ 9194 w 634338"/>
+                      <a:gd name="connsiteY1" fmla="*/ 12700 h 1399816"/>
+                      <a:gd name="connsiteX2" fmla="*/ 634338 w 634338"/>
+                      <a:gd name="connsiteY2" fmla="*/ 696733 h 1399816"/>
+                      <a:gd name="connsiteX3" fmla="*/ 6019 w 634338"/>
+                      <a:gd name="connsiteY3" fmla="*/ 1399816 h 1399816"/>
+                      <a:gd name="connsiteX4" fmla="*/ 0 w 634338"/>
+                      <a:gd name="connsiteY4" fmla="*/ 1393466 h 1399816"/>
+                      <a:gd name="connsiteX5" fmla="*/ 0 w 634338"/>
+                      <a:gd name="connsiteY5" fmla="*/ 0 h 1399816"/>
+                      <a:gd name="connsiteX0" fmla="*/ 0 w 634345"/>
+                      <a:gd name="connsiteY0" fmla="*/ 6350 h 1406166"/>
+                      <a:gd name="connsiteX1" fmla="*/ 15544 w 634345"/>
+                      <a:gd name="connsiteY1" fmla="*/ 0 h 1406166"/>
+                      <a:gd name="connsiteX2" fmla="*/ 634338 w 634345"/>
+                      <a:gd name="connsiteY2" fmla="*/ 703083 h 1406166"/>
+                      <a:gd name="connsiteX3" fmla="*/ 6019 w 634345"/>
+                      <a:gd name="connsiteY3" fmla="*/ 1406166 h 1406166"/>
+                      <a:gd name="connsiteX4" fmla="*/ 0 w 634345"/>
+                      <a:gd name="connsiteY4" fmla="*/ 1399816 h 1406166"/>
+                      <a:gd name="connsiteX5" fmla="*/ 0 w 634345"/>
+                      <a:gd name="connsiteY5" fmla="*/ 6350 h 1406166"/>
+                      <a:gd name="connsiteX0" fmla="*/ 0 w 634345"/>
+                      <a:gd name="connsiteY0" fmla="*/ 12700 h 1406166"/>
+                      <a:gd name="connsiteX1" fmla="*/ 15544 w 634345"/>
+                      <a:gd name="connsiteY1" fmla="*/ 0 h 1406166"/>
+                      <a:gd name="connsiteX2" fmla="*/ 634338 w 634345"/>
+                      <a:gd name="connsiteY2" fmla="*/ 703083 h 1406166"/>
+                      <a:gd name="connsiteX3" fmla="*/ 6019 w 634345"/>
+                      <a:gd name="connsiteY3" fmla="*/ 1406166 h 1406166"/>
+                      <a:gd name="connsiteX4" fmla="*/ 0 w 634345"/>
+                      <a:gd name="connsiteY4" fmla="*/ 1399816 h 1406166"/>
+                      <a:gd name="connsiteX5" fmla="*/ 0 w 634345"/>
+                      <a:gd name="connsiteY5" fmla="*/ 12700 h 1406166"/>
+                    </a:gdLst>
+                    <a:ahLst/>
+                    <a:cxnLst>
+                      <a:cxn ang="0">
+                        <a:pos x="connsiteX0" y="connsiteY0"/>
+                      </a:cxn>
+                      <a:cxn ang="0">
+                        <a:pos x="connsiteX1" y="connsiteY1"/>
+                      </a:cxn>
+                      <a:cxn ang="0">
+                        <a:pos x="connsiteX2" y="connsiteY2"/>
+                      </a:cxn>
+                      <a:cxn ang="0">
+                        <a:pos x="connsiteX3" y="connsiteY3"/>
+                      </a:cxn>
+                      <a:cxn ang="0">
+                        <a:pos x="connsiteX4" y="connsiteY4"/>
+                      </a:cxn>
+                      <a:cxn ang="0">
+                        <a:pos x="connsiteX5" y="connsiteY5"/>
+                      </a:cxn>
+                    </a:cxnLst>
+                    <a:rect l="l" t="t" r="r" b="b"/>
+                    <a:pathLst>
+                      <a:path w="634345" h="1406166">
+                        <a:moveTo>
+                          <a:pt x="0" y="12700"/>
+                        </a:moveTo>
+                        <a:lnTo>
+                          <a:pt x="15544" y="0"/>
+                        </a:lnTo>
+                        <a:cubicBezTo>
+                          <a:pt x="367848" y="203200"/>
+                          <a:pt x="635926" y="468722"/>
+                          <a:pt x="634338" y="703083"/>
+                        </a:cubicBezTo>
+                        <a:cubicBezTo>
+                          <a:pt x="632751" y="937444"/>
+                          <a:pt x="532948" y="1095016"/>
+                          <a:pt x="6019" y="1406166"/>
+                        </a:cubicBezTo>
+                        <a:lnTo>
+                          <a:pt x="0" y="1399816"/>
+                        </a:lnTo>
+                        <a:lnTo>
+                          <a:pt x="0" y="12700"/>
+                        </a:lnTo>
+                        <a:close/>
+                      </a:path>
+                    </a:pathLst>
+                  </a:custGeom>
+                  <a:solidFill>
+                    <a:schemeClr val="bg2">
+                      <a:lumMod val="90000"/>
+                    </a:schemeClr>
+                  </a:solidFill>
+                  <a:ln>
+                    <a:solidFill>
+                      <a:schemeClr val="bg2">
+                        <a:lumMod val="50000"/>
+                      </a:schemeClr>
+                    </a:solidFill>
+                  </a:ln>
+                </p:spPr>
+                <p:style>
+                  <a:lnRef idx="2">
+                    <a:schemeClr val="accent1">
+                      <a:shade val="50000"/>
+                    </a:schemeClr>
+                  </a:lnRef>
+                  <a:fillRef idx="1">
+                    <a:schemeClr val="accent1"/>
+                  </a:fillRef>
+                  <a:effectRef idx="0">
+                    <a:schemeClr val="accent1"/>
+                  </a:effectRef>
+                  <a:fontRef idx="minor">
+                    <a:schemeClr val="lt1"/>
+                  </a:fontRef>
+                </p:style>
+                <p:txBody>
+                  <a:bodyPr rtlCol="0" anchor="ctr"/>
+                  <a:lstStyle/>
+                  <a:p>
+                    <a:pPr algn="ctr"/>
+                    <a:endParaRPr lang="pt-PT" dirty="0"/>
+                  </a:p>
+                </p:txBody>
+              </p:sp>
+            </p:grpSp>
+            <p:grpSp>
+              <p:nvGrpSpPr>
+                <p:cNvPr id="50" name="Agrupar 49">
+                  <a:extLst>
+                    <a:ext uri="{FF2B5EF4-FFF2-40B4-BE49-F238E27FC236}">
+                      <a16:creationId xmlns:a16="http://schemas.microsoft.com/office/drawing/2014/main" id="{6943E87C-8474-1CD7-B77F-275FCB6DD712}"/>
+                    </a:ext>
+                  </a:extLst>
+                </p:cNvPr>
+                <p:cNvGrpSpPr/>
+                <p:nvPr/>
+              </p:nvGrpSpPr>
+              <p:grpSpPr>
+                <a:xfrm>
+                  <a:off x="3924251" y="4256426"/>
+                  <a:ext cx="2117268" cy="288000"/>
+                  <a:chOff x="3924251" y="4256426"/>
+                  <a:chExt cx="2117268" cy="288000"/>
+                </a:xfrm>
+              </p:grpSpPr>
+              <p:sp>
+                <p:nvSpPr>
+                  <p:cNvPr id="40" name="Retângulo 39">
+                    <a:extLst>
+                      <a:ext uri="{FF2B5EF4-FFF2-40B4-BE49-F238E27FC236}">
+                        <a16:creationId xmlns:a16="http://schemas.microsoft.com/office/drawing/2014/main" id="{E940D367-2F15-6FDB-F707-AE2FE3392466}"/>
+                      </a:ext>
+                    </a:extLst>
+                  </p:cNvPr>
+                  <p:cNvSpPr/>
+                  <p:nvPr/>
+                </p:nvSpPr>
+                <p:spPr>
+                  <a:xfrm>
+                    <a:off x="3924251" y="4256426"/>
+                    <a:ext cx="288000" cy="288000"/>
+                  </a:xfrm>
+                  <a:prstGeom prst="rect">
+                    <a:avLst/>
+                  </a:prstGeom>
+                </p:spPr>
+                <p:style>
+                  <a:lnRef idx="2">
+                    <a:schemeClr val="accent1">
+                      <a:shade val="50000"/>
+                    </a:schemeClr>
+                  </a:lnRef>
+                  <a:fillRef idx="1">
+                    <a:schemeClr val="accent1"/>
+                  </a:fillRef>
+                  <a:effectRef idx="0">
+                    <a:schemeClr val="accent1"/>
+                  </a:effectRef>
+                  <a:fontRef idx="minor">
+                    <a:schemeClr val="lt1"/>
+                  </a:fontRef>
+                </p:style>
+                <p:txBody>
+                  <a:bodyPr rtlCol="0" anchor="ctr"/>
+                  <a:lstStyle/>
+                  <a:p>
+                    <a:pPr algn="ctr"/>
+                    <a:endParaRPr lang="pt-PT" dirty="0"/>
+                  </a:p>
+                </p:txBody>
+              </p:sp>
+              <p:sp>
+                <p:nvSpPr>
+                  <p:cNvPr id="46" name="Retângulo 45">
+                    <a:extLst>
+                      <a:ext uri="{FF2B5EF4-FFF2-40B4-BE49-F238E27FC236}">
+                        <a16:creationId xmlns:a16="http://schemas.microsoft.com/office/drawing/2014/main" id="{B5224A88-713B-CD1F-1529-67D389DFBD58}"/>
+                      </a:ext>
+                    </a:extLst>
+                  </p:cNvPr>
+                  <p:cNvSpPr/>
+                  <p:nvPr/>
+                </p:nvSpPr>
+                <p:spPr>
+                  <a:xfrm>
+                    <a:off x="4382181" y="4256426"/>
+                    <a:ext cx="288000" cy="288000"/>
+                  </a:xfrm>
+                  <a:prstGeom prst="rect">
+                    <a:avLst/>
+                  </a:prstGeom>
+                </p:spPr>
+                <p:style>
+                  <a:lnRef idx="2">
+                    <a:schemeClr val="accent1">
+                      <a:shade val="50000"/>
+                    </a:schemeClr>
+                  </a:lnRef>
+                  <a:fillRef idx="1">
+                    <a:schemeClr val="accent1"/>
+                  </a:fillRef>
+                  <a:effectRef idx="0">
+                    <a:schemeClr val="accent1"/>
+                  </a:effectRef>
+                  <a:fontRef idx="minor">
+                    <a:schemeClr val="lt1"/>
+                  </a:fontRef>
+                </p:style>
+                <p:txBody>
+                  <a:bodyPr rtlCol="0" anchor="ctr"/>
+                  <a:lstStyle/>
+                  <a:p>
+                    <a:pPr algn="ctr"/>
+                    <a:endParaRPr lang="pt-PT" dirty="0"/>
+                  </a:p>
+                </p:txBody>
+              </p:sp>
+              <p:sp>
+                <p:nvSpPr>
+                  <p:cNvPr id="47" name="Retângulo 46">
+                    <a:extLst>
+                      <a:ext uri="{FF2B5EF4-FFF2-40B4-BE49-F238E27FC236}">
+                        <a16:creationId xmlns:a16="http://schemas.microsoft.com/office/drawing/2014/main" id="{7EBC3461-4AE7-0B83-700D-B6F164B815B0}"/>
+                      </a:ext>
+                    </a:extLst>
+                  </p:cNvPr>
+                  <p:cNvSpPr/>
+                  <p:nvPr/>
+                </p:nvSpPr>
+                <p:spPr>
+                  <a:xfrm>
+                    <a:off x="4840111" y="4256426"/>
+                    <a:ext cx="288000" cy="288000"/>
+                  </a:xfrm>
+                  <a:prstGeom prst="rect">
+                    <a:avLst/>
+                  </a:prstGeom>
+                </p:spPr>
+                <p:style>
+                  <a:lnRef idx="2">
+                    <a:schemeClr val="accent1">
+                      <a:shade val="50000"/>
+                    </a:schemeClr>
+                  </a:lnRef>
+                  <a:fillRef idx="1">
+                    <a:schemeClr val="accent1"/>
+                  </a:fillRef>
+                  <a:effectRef idx="0">
+                    <a:schemeClr val="accent1"/>
+                  </a:effectRef>
+                  <a:fontRef idx="minor">
+                    <a:schemeClr val="lt1"/>
+                  </a:fontRef>
+                </p:style>
+                <p:txBody>
+                  <a:bodyPr rtlCol="0" anchor="ctr"/>
+                  <a:lstStyle/>
+                  <a:p>
+                    <a:pPr algn="ctr"/>
+                    <a:endParaRPr lang="pt-PT" dirty="0"/>
+                  </a:p>
+                </p:txBody>
+              </p:sp>
+              <p:sp>
+                <p:nvSpPr>
+                  <p:cNvPr id="48" name="Retângulo 47">
+                    <a:extLst>
+                      <a:ext uri="{FF2B5EF4-FFF2-40B4-BE49-F238E27FC236}">
+                        <a16:creationId xmlns:a16="http://schemas.microsoft.com/office/drawing/2014/main" id="{EBEBE159-84D9-B6A1-6C65-C87BE4A09315}"/>
+                      </a:ext>
+                    </a:extLst>
+                  </p:cNvPr>
+                  <p:cNvSpPr/>
+                  <p:nvPr/>
+                </p:nvSpPr>
+                <p:spPr>
+                  <a:xfrm>
+                    <a:off x="5295692" y="4256426"/>
+                    <a:ext cx="288000" cy="288000"/>
+                  </a:xfrm>
+                  <a:prstGeom prst="rect">
+                    <a:avLst/>
+                  </a:prstGeom>
+                </p:spPr>
+                <p:style>
+                  <a:lnRef idx="2">
+                    <a:schemeClr val="accent1">
+                      <a:shade val="50000"/>
+                    </a:schemeClr>
+                  </a:lnRef>
+                  <a:fillRef idx="1">
+                    <a:schemeClr val="accent1"/>
+                  </a:fillRef>
+                  <a:effectRef idx="0">
+                    <a:schemeClr val="accent1"/>
+                  </a:effectRef>
+                  <a:fontRef idx="minor">
+                    <a:schemeClr val="lt1"/>
+                  </a:fontRef>
+                </p:style>
+                <p:txBody>
+                  <a:bodyPr rtlCol="0" anchor="ctr"/>
+                  <a:lstStyle/>
+                  <a:p>
+                    <a:pPr algn="ctr"/>
+                    <a:endParaRPr lang="pt-PT" dirty="0"/>
+                  </a:p>
+                </p:txBody>
+              </p:sp>
+              <p:sp>
+                <p:nvSpPr>
+                  <p:cNvPr id="49" name="Retângulo 48">
+                    <a:extLst>
+                      <a:ext uri="{FF2B5EF4-FFF2-40B4-BE49-F238E27FC236}">
+                        <a16:creationId xmlns:a16="http://schemas.microsoft.com/office/drawing/2014/main" id="{D19FFEEF-D3C7-F18A-9562-395A4D44FE90}"/>
+                      </a:ext>
+                    </a:extLst>
+                  </p:cNvPr>
+                  <p:cNvSpPr/>
+                  <p:nvPr/>
+                </p:nvSpPr>
+                <p:spPr>
+                  <a:xfrm>
+                    <a:off x="5753519" y="4256426"/>
+                    <a:ext cx="288000" cy="288000"/>
+                  </a:xfrm>
+                  <a:prstGeom prst="rect">
+                    <a:avLst/>
+                  </a:prstGeom>
+                </p:spPr>
+                <p:style>
+                  <a:lnRef idx="2">
+                    <a:schemeClr val="accent1">
+                      <a:shade val="50000"/>
+                    </a:schemeClr>
+                  </a:lnRef>
+                  <a:fillRef idx="1">
+                    <a:schemeClr val="accent1"/>
+                  </a:fillRef>
+                  <a:effectRef idx="0">
+                    <a:schemeClr val="accent1"/>
+                  </a:effectRef>
+                  <a:fontRef idx="minor">
+                    <a:schemeClr val="lt1"/>
+                  </a:fontRef>
+                </p:style>
+                <p:txBody>
+                  <a:bodyPr rtlCol="0" anchor="ctr"/>
+                  <a:lstStyle/>
+                  <a:p>
+                    <a:pPr algn="ctr"/>
+                    <a:endParaRPr lang="pt-PT" dirty="0"/>
+                  </a:p>
+                </p:txBody>
+              </p:sp>
+            </p:grpSp>
+            <p:grpSp>
+              <p:nvGrpSpPr>
+                <p:cNvPr id="51" name="Agrupar 50">
+                  <a:extLst>
+                    <a:ext uri="{FF2B5EF4-FFF2-40B4-BE49-F238E27FC236}">
+                      <a16:creationId xmlns:a16="http://schemas.microsoft.com/office/drawing/2014/main" id="{3CA821DE-A524-5743-15A4-153C6786628A}"/>
+                    </a:ext>
+                  </a:extLst>
+                </p:cNvPr>
+                <p:cNvGrpSpPr/>
+                <p:nvPr/>
+              </p:nvGrpSpPr>
+              <p:grpSpPr>
+                <a:xfrm>
+                  <a:off x="3931484" y="5113273"/>
+                  <a:ext cx="2117268" cy="288000"/>
+                  <a:chOff x="3924251" y="4256426"/>
+                  <a:chExt cx="2117268" cy="288000"/>
+                </a:xfrm>
+              </p:grpSpPr>
+              <p:sp>
+                <p:nvSpPr>
+                  <p:cNvPr id="52" name="Retângulo 51">
+                    <a:extLst>
+                      <a:ext uri="{FF2B5EF4-FFF2-40B4-BE49-F238E27FC236}">
+                        <a16:creationId xmlns:a16="http://schemas.microsoft.com/office/drawing/2014/main" id="{31DE9993-1867-0EAB-4826-1FC9BCA933B0}"/>
+                      </a:ext>
+                    </a:extLst>
+                  </p:cNvPr>
+                  <p:cNvSpPr/>
+                  <p:nvPr/>
+                </p:nvSpPr>
+                <p:spPr>
+                  <a:xfrm>
+                    <a:off x="3924251" y="4256426"/>
+                    <a:ext cx="288000" cy="288000"/>
+                  </a:xfrm>
+                  <a:prstGeom prst="rect">
+                    <a:avLst/>
+                  </a:prstGeom>
+                </p:spPr>
+                <p:style>
+                  <a:lnRef idx="2">
+                    <a:schemeClr val="accent1">
+                      <a:shade val="50000"/>
+                    </a:schemeClr>
+                  </a:lnRef>
+                  <a:fillRef idx="1">
+                    <a:schemeClr val="accent1"/>
+                  </a:fillRef>
+                  <a:effectRef idx="0">
+                    <a:schemeClr val="accent1"/>
+                  </a:effectRef>
+                  <a:fontRef idx="minor">
+                    <a:schemeClr val="lt1"/>
+                  </a:fontRef>
+                </p:style>
+                <p:txBody>
+                  <a:bodyPr rtlCol="0" anchor="ctr"/>
+                  <a:lstStyle/>
+                  <a:p>
+                    <a:pPr algn="ctr"/>
+                    <a:endParaRPr lang="pt-PT" dirty="0"/>
+                  </a:p>
+                </p:txBody>
+              </p:sp>
+              <p:sp>
+                <p:nvSpPr>
+                  <p:cNvPr id="53" name="Retângulo 52">
+                    <a:extLst>
+                      <a:ext uri="{FF2B5EF4-FFF2-40B4-BE49-F238E27FC236}">
+                        <a16:creationId xmlns:a16="http://schemas.microsoft.com/office/drawing/2014/main" id="{841E6150-441D-FB38-A8A5-E97C17886390}"/>
+                      </a:ext>
+                    </a:extLst>
+                  </p:cNvPr>
+                  <p:cNvSpPr/>
+                  <p:nvPr/>
+                </p:nvSpPr>
+                <p:spPr>
+                  <a:xfrm>
+                    <a:off x="4382181" y="4256426"/>
+                    <a:ext cx="288000" cy="288000"/>
+                  </a:xfrm>
+                  <a:prstGeom prst="rect">
+                    <a:avLst/>
+                  </a:prstGeom>
+                </p:spPr>
+                <p:style>
+                  <a:lnRef idx="2">
+                    <a:schemeClr val="accent1">
+                      <a:shade val="50000"/>
+                    </a:schemeClr>
+                  </a:lnRef>
+                  <a:fillRef idx="1">
+                    <a:schemeClr val="accent1"/>
+                  </a:fillRef>
+                  <a:effectRef idx="0">
+                    <a:schemeClr val="accent1"/>
+                  </a:effectRef>
+                  <a:fontRef idx="minor">
+                    <a:schemeClr val="lt1"/>
+                  </a:fontRef>
+                </p:style>
+                <p:txBody>
+                  <a:bodyPr rtlCol="0" anchor="ctr"/>
+                  <a:lstStyle/>
+                  <a:p>
+                    <a:pPr algn="ctr"/>
+                    <a:endParaRPr lang="pt-PT" dirty="0"/>
+                  </a:p>
+                </p:txBody>
+              </p:sp>
+              <p:sp>
+                <p:nvSpPr>
+                  <p:cNvPr id="54" name="Retângulo 53">
+                    <a:extLst>
+                      <a:ext uri="{FF2B5EF4-FFF2-40B4-BE49-F238E27FC236}">
+                        <a16:creationId xmlns:a16="http://schemas.microsoft.com/office/drawing/2014/main" id="{88B94301-C8D6-3A7C-5E3E-1E5DB8DA4CBE}"/>
+                      </a:ext>
+                    </a:extLst>
+                  </p:cNvPr>
+                  <p:cNvSpPr/>
+                  <p:nvPr/>
+                </p:nvSpPr>
+                <p:spPr>
+                  <a:xfrm>
+                    <a:off x="4840111" y="4256426"/>
+                    <a:ext cx="288000" cy="288000"/>
+                  </a:xfrm>
+                  <a:prstGeom prst="rect">
+                    <a:avLst/>
+                  </a:prstGeom>
+                </p:spPr>
+                <p:style>
+                  <a:lnRef idx="2">
+                    <a:schemeClr val="accent1">
+                      <a:shade val="50000"/>
+                    </a:schemeClr>
+                  </a:lnRef>
+                  <a:fillRef idx="1">
+                    <a:schemeClr val="accent1"/>
+                  </a:fillRef>
+                  <a:effectRef idx="0">
+                    <a:schemeClr val="accent1"/>
+                  </a:effectRef>
+                  <a:fontRef idx="minor">
+                    <a:schemeClr val="lt1"/>
+                  </a:fontRef>
+                </p:style>
+                <p:txBody>
+                  <a:bodyPr rtlCol="0" anchor="ctr"/>
+                  <a:lstStyle/>
+                  <a:p>
+                    <a:pPr algn="ctr"/>
+                    <a:endParaRPr lang="pt-PT" dirty="0"/>
+                  </a:p>
+                </p:txBody>
+              </p:sp>
+              <p:sp>
+                <p:nvSpPr>
+                  <p:cNvPr id="55" name="Retângulo 54">
+                    <a:extLst>
+                      <a:ext uri="{FF2B5EF4-FFF2-40B4-BE49-F238E27FC236}">
+                        <a16:creationId xmlns:a16="http://schemas.microsoft.com/office/drawing/2014/main" id="{560F2F22-E6E7-4CAB-EDB8-45F44493033C}"/>
+                      </a:ext>
+                    </a:extLst>
+                  </p:cNvPr>
+                  <p:cNvSpPr/>
+                  <p:nvPr/>
+                </p:nvSpPr>
+                <p:spPr>
+                  <a:xfrm>
+                    <a:off x="5295692" y="4256426"/>
+                    <a:ext cx="288000" cy="288000"/>
+                  </a:xfrm>
+                  <a:prstGeom prst="rect">
+                    <a:avLst/>
+                  </a:prstGeom>
+                </p:spPr>
+                <p:style>
+                  <a:lnRef idx="2">
+                    <a:schemeClr val="accent1">
+                      <a:shade val="50000"/>
+                    </a:schemeClr>
+                  </a:lnRef>
+                  <a:fillRef idx="1">
+                    <a:schemeClr val="accent1"/>
+                  </a:fillRef>
+                  <a:effectRef idx="0">
+                    <a:schemeClr val="accent1"/>
+                  </a:effectRef>
+                  <a:fontRef idx="minor">
+                    <a:schemeClr val="lt1"/>
+                  </a:fontRef>
+                </p:style>
+                <p:txBody>
+                  <a:bodyPr rtlCol="0" anchor="ctr"/>
+                  <a:lstStyle/>
+                  <a:p>
+                    <a:pPr algn="ctr"/>
+                    <a:endParaRPr lang="pt-PT" dirty="0"/>
+                  </a:p>
+                </p:txBody>
+              </p:sp>
+              <p:sp>
+                <p:nvSpPr>
+                  <p:cNvPr id="56" name="Retângulo 55">
+                    <a:extLst>
+                      <a:ext uri="{FF2B5EF4-FFF2-40B4-BE49-F238E27FC236}">
+                        <a16:creationId xmlns:a16="http://schemas.microsoft.com/office/drawing/2014/main" id="{1F31C486-DC80-82B9-22AC-FE96B00C7C53}"/>
+                      </a:ext>
+                    </a:extLst>
+                  </p:cNvPr>
+                  <p:cNvSpPr/>
+                  <p:nvPr/>
+                </p:nvSpPr>
+                <p:spPr>
+                  <a:xfrm>
+                    <a:off x="5753519" y="4256426"/>
+                    <a:ext cx="288000" cy="288000"/>
+                  </a:xfrm>
+                  <a:prstGeom prst="rect">
+                    <a:avLst/>
+                  </a:prstGeom>
+                </p:spPr>
+                <p:style>
+                  <a:lnRef idx="2">
+                    <a:schemeClr val="accent1">
+                      <a:shade val="50000"/>
+                    </a:schemeClr>
+                  </a:lnRef>
+                  <a:fillRef idx="1">
+                    <a:schemeClr val="accent1"/>
+                  </a:fillRef>
+                  <a:effectRef idx="0">
+                    <a:schemeClr val="accent1"/>
+                  </a:effectRef>
+                  <a:fontRef idx="minor">
+                    <a:schemeClr val="lt1"/>
+                  </a:fontRef>
+                </p:style>
+                <p:txBody>
+                  <a:bodyPr rtlCol="0" anchor="ctr"/>
+                  <a:lstStyle/>
+                  <a:p>
+                    <a:pPr algn="ctr"/>
+                    <a:endParaRPr lang="pt-PT" dirty="0"/>
+                  </a:p>
+                </p:txBody>
+              </p:sp>
+            </p:grpSp>
+            <p:sp>
+              <p:nvSpPr>
+                <p:cNvPr id="57" name="Retângulo 56">
+                  <a:extLst>
+                    <a:ext uri="{FF2B5EF4-FFF2-40B4-BE49-F238E27FC236}">
+                      <a16:creationId xmlns:a16="http://schemas.microsoft.com/office/drawing/2014/main" id="{A27D8E75-4212-D5F7-B3F6-16E76DE1FDEB}"/>
+                    </a:ext>
+                  </a:extLst>
+                </p:cNvPr>
+                <p:cNvSpPr/>
+                <p:nvPr/>
+              </p:nvSpPr>
+              <p:spPr>
+                <a:xfrm>
+                  <a:off x="7261774" y="4679956"/>
+                  <a:ext cx="288000" cy="288000"/>
+                </a:xfrm>
+                <a:prstGeom prst="rect">
+                  <a:avLst/>
+                </a:prstGeom>
+              </p:spPr>
+              <p:style>
+                <a:lnRef idx="2">
+                  <a:schemeClr val="accent1">
+                    <a:shade val="50000"/>
+                  </a:schemeClr>
+                </a:lnRef>
+                <a:fillRef idx="1">
+                  <a:schemeClr val="accent1"/>
+                </a:fillRef>
+                <a:effectRef idx="0">
+                  <a:schemeClr val="accent1"/>
+                </a:effectRef>
+                <a:fontRef idx="minor">
+                  <a:schemeClr val="lt1"/>
+                </a:fontRef>
+              </p:style>
+              <p:txBody>
+                <a:bodyPr rtlCol="0" anchor="ctr"/>
+                <a:lstStyle/>
+                <a:p>
+                  <a:pPr algn="ctr"/>
+                  <a:endParaRPr lang="pt-PT" dirty="0"/>
+                </a:p>
+              </p:txBody>
+            </p:sp>
+            <p:sp>
+              <p:nvSpPr>
+                <p:cNvPr id="81" name="Retângulo 80">
+                  <a:extLst>
+                    <a:ext uri="{FF2B5EF4-FFF2-40B4-BE49-F238E27FC236}">
+                      <a16:creationId xmlns:a16="http://schemas.microsoft.com/office/drawing/2014/main" id="{6173FC49-578A-48B0-C570-9CC79BBE4E0C}"/>
+                    </a:ext>
+                  </a:extLst>
+                </p:cNvPr>
+                <p:cNvSpPr/>
+                <p:nvPr/>
+              </p:nvSpPr>
+              <p:spPr>
+                <a:xfrm>
+                  <a:off x="2273718" y="2700824"/>
+                  <a:ext cx="180000" cy="180475"/>
+                </a:xfrm>
+                <a:prstGeom prst="rect">
+                  <a:avLst/>
+                </a:prstGeom>
+              </p:spPr>
+              <p:style>
+                <a:lnRef idx="2">
+                  <a:schemeClr val="accent1">
+                    <a:shade val="50000"/>
+                  </a:schemeClr>
+                </a:lnRef>
+                <a:fillRef idx="1">
+                  <a:schemeClr val="accent1"/>
+                </a:fillRef>
+                <a:effectRef idx="0">
+                  <a:schemeClr val="accent1"/>
+                </a:effectRef>
+                <a:fontRef idx="minor">
+                  <a:schemeClr val="lt1"/>
+                </a:fontRef>
+              </p:style>
+              <p:txBody>
+                <a:bodyPr rtlCol="0" anchor="ctr"/>
+                <a:lstStyle/>
+                <a:p>
+                  <a:pPr algn="ctr"/>
+                  <a:endParaRPr lang="pt-PT" dirty="0"/>
+                </a:p>
+              </p:txBody>
+            </p:sp>
+            <p:sp>
+              <p:nvSpPr>
+                <p:cNvPr id="82" name="CaixaDeTexto 81">
+                  <a:extLst>
+                    <a:ext uri="{FF2B5EF4-FFF2-40B4-BE49-F238E27FC236}">
+                      <a16:creationId xmlns:a16="http://schemas.microsoft.com/office/drawing/2014/main" id="{15AEE124-2274-067B-5DF9-936A5B4C377D}"/>
+                    </a:ext>
+                  </a:extLst>
+                </p:cNvPr>
+                <p:cNvSpPr txBox="1"/>
+                <p:nvPr/>
+              </p:nvSpPr>
+              <p:spPr>
+                <a:xfrm>
+                  <a:off x="2421606" y="2667950"/>
+                  <a:ext cx="1501091" cy="246221"/>
+                </a:xfrm>
+                <a:prstGeom prst="rect">
+                  <a:avLst/>
+                </a:prstGeom>
+                <a:noFill/>
+              </p:spPr>
+              <p:txBody>
+                <a:bodyPr wrap="square" rtlCol="0">
+                  <a:spAutoFit/>
+                </a:bodyPr>
+                <a:lstStyle/>
+                <a:p>
+                  <a:r>
+                    <a:rPr lang="pt-PT" sz="1000" dirty="0"/>
+                    <a:t>-</a:t>
+                  </a:r>
+                  <a:r>
+                    <a:rPr lang="pt-PT" sz="800" dirty="0"/>
+                    <a:t>Passengers</a:t>
+                  </a:r>
+                </a:p>
+              </p:txBody>
+            </p:sp>
+            <p:grpSp>
+              <p:nvGrpSpPr>
+                <p:cNvPr id="92" name="Agrupar 91">
+                  <a:extLst>
+                    <a:ext uri="{FF2B5EF4-FFF2-40B4-BE49-F238E27FC236}">
+                      <a16:creationId xmlns:a16="http://schemas.microsoft.com/office/drawing/2014/main" id="{DBAFB52E-56C3-EFEC-602C-6CEA54655F8A}"/>
+                    </a:ext>
+                  </a:extLst>
+                </p:cNvPr>
+                <p:cNvGrpSpPr/>
+                <p:nvPr/>
+              </p:nvGrpSpPr>
+              <p:grpSpPr>
+                <a:xfrm>
+                  <a:off x="3468106" y="834375"/>
+                  <a:ext cx="1696900" cy="2223748"/>
+                  <a:chOff x="3468106" y="834375"/>
+                  <a:chExt cx="1696900" cy="2223748"/>
+                </a:xfrm>
+              </p:grpSpPr>
+              <p:sp>
+                <p:nvSpPr>
+                  <p:cNvPr id="87" name="Retângulo 86">
+                    <a:extLst>
+                      <a:ext uri="{FF2B5EF4-FFF2-40B4-BE49-F238E27FC236}">
+                        <a16:creationId xmlns:a16="http://schemas.microsoft.com/office/drawing/2014/main" id="{8666E87B-F3E3-CFC5-9938-B4946B652580}"/>
+                      </a:ext>
+                    </a:extLst>
+                  </p:cNvPr>
+                  <p:cNvSpPr/>
+                  <p:nvPr/>
+                </p:nvSpPr>
+                <p:spPr>
+                  <a:xfrm rot="5400000">
+                    <a:off x="3958974" y="1368382"/>
+                    <a:ext cx="245863" cy="1227600"/>
+                  </a:xfrm>
+                  <a:prstGeom prst="rect">
+                    <a:avLst/>
+                  </a:prstGeom>
+                  <a:solidFill>
+                    <a:schemeClr val="bg2">
+                      <a:lumMod val="50000"/>
+                    </a:schemeClr>
+                  </a:solidFill>
+                  <a:ln>
+                    <a:solidFill>
+                      <a:schemeClr val="bg2">
+                        <a:lumMod val="50000"/>
+                      </a:schemeClr>
+                    </a:solidFill>
+                  </a:ln>
+                </p:spPr>
+                <p:style>
+                  <a:lnRef idx="2">
+                    <a:schemeClr val="accent1">
+                      <a:shade val="50000"/>
+                    </a:schemeClr>
+                  </a:lnRef>
+                  <a:fillRef idx="1">
+                    <a:schemeClr val="accent1"/>
+                  </a:fillRef>
+                  <a:effectRef idx="0">
+                    <a:schemeClr val="accent1"/>
+                  </a:effectRef>
+                  <a:fontRef idx="minor">
+                    <a:schemeClr val="lt1"/>
+                  </a:fontRef>
+                </p:style>
+                <p:txBody>
+                  <a:bodyPr rtlCol="0" anchor="ctr"/>
+                  <a:lstStyle/>
+                  <a:p>
+                    <a:pPr algn="ctr"/>
+                    <a:endParaRPr lang="pt-PT" dirty="0"/>
+                  </a:p>
+                </p:txBody>
+              </p:sp>
+              <p:sp>
+                <p:nvSpPr>
+                  <p:cNvPr id="90" name="Retângulo 89">
+                    <a:extLst>
+                      <a:ext uri="{FF2B5EF4-FFF2-40B4-BE49-F238E27FC236}">
+                        <a16:creationId xmlns:a16="http://schemas.microsoft.com/office/drawing/2014/main" id="{BEEA3335-942E-39E0-5AD8-B1CC19B30438}"/>
+                      </a:ext>
+                    </a:extLst>
+                  </p:cNvPr>
+                  <p:cNvSpPr/>
+                  <p:nvPr/>
+                </p:nvSpPr>
+                <p:spPr>
+                  <a:xfrm rot="8598820">
+                    <a:off x="4919143" y="1830523"/>
+                    <a:ext cx="245863" cy="1227600"/>
+                  </a:xfrm>
+                  <a:prstGeom prst="rect">
+                    <a:avLst/>
+                  </a:prstGeom>
+                  <a:solidFill>
+                    <a:schemeClr val="bg2">
+                      <a:lumMod val="50000"/>
+                    </a:schemeClr>
+                  </a:solidFill>
+                  <a:ln>
+                    <a:solidFill>
+                      <a:schemeClr val="bg2">
+                        <a:lumMod val="50000"/>
+                      </a:schemeClr>
+                    </a:solidFill>
+                  </a:ln>
+                </p:spPr>
+                <p:style>
+                  <a:lnRef idx="2">
+                    <a:schemeClr val="accent1">
+                      <a:shade val="50000"/>
+                    </a:schemeClr>
+                  </a:lnRef>
+                  <a:fillRef idx="1">
+                    <a:schemeClr val="accent1"/>
+                  </a:fillRef>
+                  <a:effectRef idx="0">
+                    <a:schemeClr val="accent1"/>
+                  </a:effectRef>
+                  <a:fontRef idx="minor">
+                    <a:schemeClr val="lt1"/>
+                  </a:fontRef>
+                </p:style>
+                <p:txBody>
+                  <a:bodyPr rtlCol="0" anchor="ctr"/>
+                  <a:lstStyle/>
+                  <a:p>
+                    <a:pPr algn="ctr"/>
+                    <a:endParaRPr lang="pt-PT" dirty="0"/>
+                  </a:p>
+                </p:txBody>
+              </p:sp>
+              <p:sp>
+                <p:nvSpPr>
+                  <p:cNvPr id="91" name="Retângulo 90">
+                    <a:extLst>
+                      <a:ext uri="{FF2B5EF4-FFF2-40B4-BE49-F238E27FC236}">
+                        <a16:creationId xmlns:a16="http://schemas.microsoft.com/office/drawing/2014/main" id="{18A04A70-82D5-66BA-58E0-A705F426AA71}"/>
+                      </a:ext>
+                    </a:extLst>
+                  </p:cNvPr>
+                  <p:cNvSpPr/>
+                  <p:nvPr/>
+                </p:nvSpPr>
+                <p:spPr>
+                  <a:xfrm rot="12648134">
+                    <a:off x="4876463" y="834375"/>
+                    <a:ext cx="245863" cy="1227600"/>
+                  </a:xfrm>
+                  <a:prstGeom prst="rect">
+                    <a:avLst/>
+                  </a:prstGeom>
+                  <a:solidFill>
+                    <a:schemeClr val="bg2">
+                      <a:lumMod val="50000"/>
+                    </a:schemeClr>
+                  </a:solidFill>
+                  <a:ln>
+                    <a:solidFill>
+                      <a:schemeClr val="bg2">
+                        <a:lumMod val="50000"/>
+                      </a:schemeClr>
+                    </a:solidFill>
+                  </a:ln>
+                </p:spPr>
+                <p:style>
+                  <a:lnRef idx="2">
+                    <a:schemeClr val="accent1">
+                      <a:shade val="50000"/>
+                    </a:schemeClr>
+                  </a:lnRef>
+                  <a:fillRef idx="1">
+                    <a:schemeClr val="accent1"/>
+                  </a:fillRef>
+                  <a:effectRef idx="0">
+                    <a:schemeClr val="accent1"/>
+                  </a:effectRef>
+                  <a:fontRef idx="minor">
+                    <a:schemeClr val="lt1"/>
+                  </a:fontRef>
+                </p:style>
+                <p:txBody>
+                  <a:bodyPr rtlCol="0" anchor="ctr"/>
+                  <a:lstStyle/>
+                  <a:p>
+                    <a:pPr algn="ctr"/>
+                    <a:endParaRPr lang="pt-PT" dirty="0"/>
+                  </a:p>
+                </p:txBody>
+              </p:sp>
+            </p:grpSp>
+            <p:grpSp>
+              <p:nvGrpSpPr>
+                <p:cNvPr id="93" name="Agrupar 92">
+                  <a:extLst>
+                    <a:ext uri="{FF2B5EF4-FFF2-40B4-BE49-F238E27FC236}">
+                      <a16:creationId xmlns:a16="http://schemas.microsoft.com/office/drawing/2014/main" id="{75B9BAF1-0D45-BA1B-6233-25411B290E73}"/>
+                    </a:ext>
+                  </a:extLst>
+                </p:cNvPr>
+                <p:cNvGrpSpPr/>
+                <p:nvPr/>
+              </p:nvGrpSpPr>
+              <p:grpSpPr>
+                <a:xfrm rot="15411599">
+                  <a:off x="6590175" y="1214191"/>
+                  <a:ext cx="1696900" cy="2223747"/>
+                  <a:chOff x="3820899" y="493594"/>
+                  <a:chExt cx="1696900" cy="2223747"/>
+                </a:xfrm>
+              </p:grpSpPr>
+              <p:sp>
+                <p:nvSpPr>
+                  <p:cNvPr id="94" name="Retângulo 93">
+                    <a:extLst>
+                      <a:ext uri="{FF2B5EF4-FFF2-40B4-BE49-F238E27FC236}">
+                        <a16:creationId xmlns:a16="http://schemas.microsoft.com/office/drawing/2014/main" id="{63403F3E-0834-F52A-F29F-B4FC480C3002}"/>
+                      </a:ext>
+                    </a:extLst>
+                  </p:cNvPr>
+                  <p:cNvSpPr/>
+                  <p:nvPr/>
+                </p:nvSpPr>
+                <p:spPr>
+                  <a:xfrm rot="5400000">
+                    <a:off x="4311767" y="1027600"/>
+                    <a:ext cx="245863" cy="1227600"/>
+                  </a:xfrm>
+                  <a:prstGeom prst="rect">
+                    <a:avLst/>
+                  </a:prstGeom>
+                  <a:solidFill>
+                    <a:schemeClr val="bg2">
+                      <a:lumMod val="50000"/>
+                    </a:schemeClr>
+                  </a:solidFill>
+                  <a:ln>
+                    <a:solidFill>
+                      <a:schemeClr val="bg2">
+                        <a:lumMod val="50000"/>
+                      </a:schemeClr>
+                    </a:solidFill>
+                  </a:ln>
+                </p:spPr>
+                <p:style>
+                  <a:lnRef idx="2">
+                    <a:schemeClr val="accent1">
+                      <a:shade val="50000"/>
+                    </a:schemeClr>
+                  </a:lnRef>
+                  <a:fillRef idx="1">
+                    <a:schemeClr val="accent1"/>
+                  </a:fillRef>
+                  <a:effectRef idx="0">
+                    <a:schemeClr val="accent1"/>
+                  </a:effectRef>
+                  <a:fontRef idx="minor">
+                    <a:schemeClr val="lt1"/>
+                  </a:fontRef>
+                </p:style>
+                <p:txBody>
+                  <a:bodyPr rtlCol="0" anchor="ctr"/>
+                  <a:lstStyle/>
+                  <a:p>
+                    <a:pPr algn="ctr"/>
+                    <a:endParaRPr lang="pt-PT" dirty="0"/>
+                  </a:p>
+                </p:txBody>
+              </p:sp>
+              <p:sp>
+                <p:nvSpPr>
+                  <p:cNvPr id="95" name="Retângulo 94">
+                    <a:extLst>
+                      <a:ext uri="{FF2B5EF4-FFF2-40B4-BE49-F238E27FC236}">
+                        <a16:creationId xmlns:a16="http://schemas.microsoft.com/office/drawing/2014/main" id="{D6D89799-2E3B-81C0-DD3C-4EF02C389BEA}"/>
+                      </a:ext>
+                    </a:extLst>
+                  </p:cNvPr>
+                  <p:cNvSpPr/>
+                  <p:nvPr/>
+                </p:nvSpPr>
+                <p:spPr>
+                  <a:xfrm rot="8598820">
+                    <a:off x="5271936" y="1489741"/>
+                    <a:ext cx="245863" cy="1227600"/>
+                  </a:xfrm>
+                  <a:prstGeom prst="rect">
+                    <a:avLst/>
+                  </a:prstGeom>
+                  <a:solidFill>
+                    <a:schemeClr val="bg2">
+                      <a:lumMod val="50000"/>
+                    </a:schemeClr>
+                  </a:solidFill>
+                  <a:ln>
+                    <a:solidFill>
+                      <a:schemeClr val="bg2">
+                        <a:lumMod val="50000"/>
+                      </a:schemeClr>
+                    </a:solidFill>
+                  </a:ln>
+                </p:spPr>
+                <p:style>
+                  <a:lnRef idx="2">
+                    <a:schemeClr val="accent1">
+                      <a:shade val="50000"/>
+                    </a:schemeClr>
+                  </a:lnRef>
+                  <a:fillRef idx="1">
+                    <a:schemeClr val="accent1"/>
+                  </a:fillRef>
+                  <a:effectRef idx="0">
+                    <a:schemeClr val="accent1"/>
+                  </a:effectRef>
+                  <a:fontRef idx="minor">
+                    <a:schemeClr val="lt1"/>
+                  </a:fontRef>
+                </p:style>
+                <p:txBody>
+                  <a:bodyPr rtlCol="0" anchor="ctr"/>
+                  <a:lstStyle/>
+                  <a:p>
+                    <a:pPr algn="ctr"/>
+                    <a:endParaRPr lang="pt-PT" dirty="0"/>
+                  </a:p>
+                </p:txBody>
+              </p:sp>
+              <p:sp>
+                <p:nvSpPr>
+                  <p:cNvPr id="96" name="Retângulo 95">
+                    <a:extLst>
+                      <a:ext uri="{FF2B5EF4-FFF2-40B4-BE49-F238E27FC236}">
+                        <a16:creationId xmlns:a16="http://schemas.microsoft.com/office/drawing/2014/main" id="{91FE3F5C-0A4A-0605-A20E-E6C6AECA3E21}"/>
+                      </a:ext>
+                    </a:extLst>
+                  </p:cNvPr>
+                  <p:cNvSpPr/>
+                  <p:nvPr/>
+                </p:nvSpPr>
+                <p:spPr>
+                  <a:xfrm rot="12648134">
+                    <a:off x="5229256" y="493594"/>
+                    <a:ext cx="245863" cy="1227600"/>
+                  </a:xfrm>
+                  <a:prstGeom prst="rect">
+                    <a:avLst/>
+                  </a:prstGeom>
+                  <a:solidFill>
+                    <a:schemeClr val="bg2">
+                      <a:lumMod val="50000"/>
+                    </a:schemeClr>
+                  </a:solidFill>
+                  <a:ln>
+                    <a:solidFill>
+                      <a:schemeClr val="bg2">
+                        <a:lumMod val="50000"/>
+                      </a:schemeClr>
+                    </a:solidFill>
+                  </a:ln>
+                </p:spPr>
+                <p:style>
+                  <a:lnRef idx="2">
+                    <a:schemeClr val="accent1">
+                      <a:shade val="50000"/>
+                    </a:schemeClr>
+                  </a:lnRef>
+                  <a:fillRef idx="1">
+                    <a:schemeClr val="accent1"/>
+                  </a:fillRef>
+                  <a:effectRef idx="0">
+                    <a:schemeClr val="accent1"/>
+                  </a:effectRef>
+                  <a:fontRef idx="minor">
+                    <a:schemeClr val="lt1"/>
+                  </a:fontRef>
+                </p:style>
+                <p:txBody>
+                  <a:bodyPr rtlCol="0" anchor="ctr"/>
+                  <a:lstStyle/>
+                  <a:p>
+                    <a:pPr algn="ctr"/>
+                    <a:endParaRPr lang="pt-PT" dirty="0"/>
+                  </a:p>
+                </p:txBody>
+              </p:sp>
+            </p:grpSp>
+            <p:grpSp>
+              <p:nvGrpSpPr>
+                <p:cNvPr id="97" name="Agrupar 96">
+                  <a:extLst>
+                    <a:ext uri="{FF2B5EF4-FFF2-40B4-BE49-F238E27FC236}">
+                      <a16:creationId xmlns:a16="http://schemas.microsoft.com/office/drawing/2014/main" id="{4D7E3363-B30B-A71C-7F57-07773D3BA454}"/>
+                    </a:ext>
+                  </a:extLst>
+                </p:cNvPr>
+                <p:cNvGrpSpPr/>
+                <p:nvPr/>
+              </p:nvGrpSpPr>
+              <p:grpSpPr>
+                <a:xfrm>
+                  <a:off x="2205002" y="3306746"/>
+                  <a:ext cx="180000" cy="256000"/>
+                  <a:chOff x="3779698" y="803945"/>
+                  <a:chExt cx="1696900" cy="2223748"/>
+                </a:xfrm>
+              </p:grpSpPr>
+              <p:sp>
+                <p:nvSpPr>
+                  <p:cNvPr id="98" name="Retângulo 97">
+                    <a:extLst>
+                      <a:ext uri="{FF2B5EF4-FFF2-40B4-BE49-F238E27FC236}">
+                        <a16:creationId xmlns:a16="http://schemas.microsoft.com/office/drawing/2014/main" id="{55989BC5-2555-2873-F610-4CE124315995}"/>
+                      </a:ext>
+                    </a:extLst>
+                  </p:cNvPr>
+                  <p:cNvSpPr/>
+                  <p:nvPr/>
+                </p:nvSpPr>
+                <p:spPr>
+                  <a:xfrm rot="5400000">
+                    <a:off x="4270566" y="1337952"/>
+                    <a:ext cx="245863" cy="1227600"/>
+                  </a:xfrm>
+                  <a:prstGeom prst="rect">
+                    <a:avLst/>
+                  </a:prstGeom>
+                  <a:solidFill>
+                    <a:schemeClr val="bg2">
+                      <a:lumMod val="50000"/>
+                    </a:schemeClr>
+                  </a:solidFill>
+                  <a:ln>
+                    <a:solidFill>
+                      <a:schemeClr val="bg2">
+                        <a:lumMod val="50000"/>
+                      </a:schemeClr>
+                    </a:solidFill>
+                  </a:ln>
+                </p:spPr>
+                <p:style>
+                  <a:lnRef idx="2">
+                    <a:schemeClr val="accent1">
+                      <a:shade val="50000"/>
+                    </a:schemeClr>
+                  </a:lnRef>
+                  <a:fillRef idx="1">
+                    <a:schemeClr val="accent1"/>
+                  </a:fillRef>
+                  <a:effectRef idx="0">
+                    <a:schemeClr val="accent1"/>
+                  </a:effectRef>
+                  <a:fontRef idx="minor">
+                    <a:schemeClr val="lt1"/>
+                  </a:fontRef>
+                </p:style>
+                <p:txBody>
+                  <a:bodyPr rtlCol="0" anchor="ctr"/>
+                  <a:lstStyle/>
+                  <a:p>
+                    <a:pPr algn="ctr"/>
+                    <a:endParaRPr lang="pt-PT" dirty="0"/>
+                  </a:p>
+                </p:txBody>
+              </p:sp>
+              <p:sp>
+                <p:nvSpPr>
+                  <p:cNvPr id="99" name="Retângulo 98">
+                    <a:extLst>
+                      <a:ext uri="{FF2B5EF4-FFF2-40B4-BE49-F238E27FC236}">
+                        <a16:creationId xmlns:a16="http://schemas.microsoft.com/office/drawing/2014/main" id="{71D89E37-DDF4-15E0-D6D2-D2E97B5F1B2A}"/>
+                      </a:ext>
+                    </a:extLst>
+                  </p:cNvPr>
+                  <p:cNvSpPr/>
+                  <p:nvPr/>
+                </p:nvSpPr>
+                <p:spPr>
+                  <a:xfrm rot="8598820">
+                    <a:off x="5230735" y="1800093"/>
+                    <a:ext cx="245863" cy="1227600"/>
+                  </a:xfrm>
+                  <a:prstGeom prst="rect">
+                    <a:avLst/>
+                  </a:prstGeom>
+                  <a:solidFill>
+                    <a:schemeClr val="bg2">
+                      <a:lumMod val="50000"/>
+                    </a:schemeClr>
+                  </a:solidFill>
+                  <a:ln>
+                    <a:solidFill>
+                      <a:schemeClr val="bg2">
+                        <a:lumMod val="50000"/>
+                      </a:schemeClr>
+                    </a:solidFill>
+                  </a:ln>
+                </p:spPr>
+                <p:style>
+                  <a:lnRef idx="2">
+                    <a:schemeClr val="accent1">
+                      <a:shade val="50000"/>
+                    </a:schemeClr>
+                  </a:lnRef>
+                  <a:fillRef idx="1">
+                    <a:schemeClr val="accent1"/>
+                  </a:fillRef>
+                  <a:effectRef idx="0">
+                    <a:schemeClr val="accent1"/>
+                  </a:effectRef>
+                  <a:fontRef idx="minor">
+                    <a:schemeClr val="lt1"/>
+                  </a:fontRef>
+                </p:style>
+                <p:txBody>
+                  <a:bodyPr rtlCol="0" anchor="ctr"/>
+                  <a:lstStyle/>
+                  <a:p>
+                    <a:pPr algn="ctr"/>
+                    <a:endParaRPr lang="pt-PT" dirty="0"/>
+                  </a:p>
+                </p:txBody>
+              </p:sp>
+              <p:sp>
+                <p:nvSpPr>
+                  <p:cNvPr id="100" name="Retângulo 99">
+                    <a:extLst>
+                      <a:ext uri="{FF2B5EF4-FFF2-40B4-BE49-F238E27FC236}">
+                        <a16:creationId xmlns:a16="http://schemas.microsoft.com/office/drawing/2014/main" id="{021985E4-A1D4-971A-B599-8B6D998D8230}"/>
+                      </a:ext>
+                    </a:extLst>
+                  </p:cNvPr>
+                  <p:cNvSpPr/>
+                  <p:nvPr/>
+                </p:nvSpPr>
+                <p:spPr>
+                  <a:xfrm rot="12648134">
+                    <a:off x="5188059" y="803945"/>
+                    <a:ext cx="245862" cy="1227596"/>
+                  </a:xfrm>
+                  <a:prstGeom prst="rect">
+                    <a:avLst/>
+                  </a:prstGeom>
+                  <a:solidFill>
+                    <a:schemeClr val="bg2">
+                      <a:lumMod val="50000"/>
+                    </a:schemeClr>
+                  </a:solidFill>
+                  <a:ln>
+                    <a:solidFill>
+                      <a:schemeClr val="bg2">
+                        <a:lumMod val="50000"/>
+                      </a:schemeClr>
+                    </a:solidFill>
+                  </a:ln>
+                </p:spPr>
+                <p:style>
+                  <a:lnRef idx="2">
+                    <a:schemeClr val="accent1">
+                      <a:shade val="50000"/>
+                    </a:schemeClr>
+                  </a:lnRef>
+                  <a:fillRef idx="1">
+                    <a:schemeClr val="accent1"/>
+                  </a:fillRef>
+                  <a:effectRef idx="0">
+                    <a:schemeClr val="accent1"/>
+                  </a:effectRef>
+                  <a:fontRef idx="minor">
+                    <a:schemeClr val="lt1"/>
+                  </a:fontRef>
+                </p:style>
+                <p:txBody>
+                  <a:bodyPr rtlCol="0" anchor="ctr"/>
+                  <a:lstStyle/>
+                  <a:p>
+                    <a:pPr algn="ctr"/>
+                    <a:endParaRPr lang="pt-PT" dirty="0"/>
+                  </a:p>
+                </p:txBody>
+              </p:sp>
+            </p:grpSp>
+            <p:sp>
+              <p:nvSpPr>
+                <p:cNvPr id="105" name="CaixaDeTexto 104">
+                  <a:extLst>
+                    <a:ext uri="{FF2B5EF4-FFF2-40B4-BE49-F238E27FC236}">
+                      <a16:creationId xmlns:a16="http://schemas.microsoft.com/office/drawing/2014/main" id="{B3AF3909-C915-C07B-1D65-8308A8D5707F}"/>
+                    </a:ext>
+                  </a:extLst>
+                </p:cNvPr>
+                <p:cNvSpPr txBox="1"/>
+                <p:nvPr/>
+              </p:nvSpPr>
+              <p:spPr>
+                <a:xfrm>
+                  <a:off x="2406097" y="3301030"/>
+                  <a:ext cx="1783469" cy="246221"/>
+                </a:xfrm>
+                <a:prstGeom prst="rect">
+                  <a:avLst/>
+                </a:prstGeom>
+                <a:noFill/>
+              </p:spPr>
+              <p:txBody>
+                <a:bodyPr wrap="square" rtlCol="0">
+                  <a:spAutoFit/>
+                </a:bodyPr>
+                <a:lstStyle/>
+                <a:p>
+                  <a:r>
+                    <a:rPr lang="pt-PT" sz="1000" dirty="0"/>
+                    <a:t>-</a:t>
+                  </a:r>
+                  <a:r>
+                    <a:rPr lang="pt-PT" sz="800" dirty="0"/>
+                    <a:t>Rotor</a:t>
+                  </a:r>
+                </a:p>
+              </p:txBody>
+            </p:sp>
+          </p:grpSp>
+          <p:sp>
+            <p:nvSpPr>
+              <p:cNvPr id="2" name="Arrow: Right 1">
+                <a:extLst>
+                  <a:ext uri="{FF2B5EF4-FFF2-40B4-BE49-F238E27FC236}">
+                    <a16:creationId xmlns:a16="http://schemas.microsoft.com/office/drawing/2014/main" id="{5C823BAD-FE97-4FD1-8815-5BA34DC4F792}"/>
+                  </a:ext>
+                </a:extLst>
+              </p:cNvPr>
+              <p:cNvSpPr/>
+              <p:nvPr/>
+            </p:nvSpPr>
+            <p:spPr>
+              <a:xfrm>
+                <a:off x="4103532" y="4814222"/>
+                <a:ext cx="2254840" cy="51081"/>
+              </a:xfrm>
+              <a:prstGeom prst="rightArrow">
+                <a:avLst/>
+              </a:prstGeom>
+            </p:spPr>
+            <p:style>
+              <a:lnRef idx="2">
+                <a:schemeClr val="accent1">
+                  <a:shade val="50000"/>
+                </a:schemeClr>
+              </a:lnRef>
+              <a:fillRef idx="1">
+                <a:schemeClr val="accent1"/>
+              </a:fillRef>
+              <a:effectRef idx="0">
+                <a:schemeClr val="accent1"/>
+              </a:effectRef>
+              <a:fontRef idx="minor">
+                <a:schemeClr val="lt1"/>
+              </a:fontRef>
+            </p:style>
+            <p:txBody>
+              <a:bodyPr rtlCol="0" anchor="ctr"/>
+              <a:lstStyle/>
+              <a:p>
+                <a:pPr algn="ctr"/>
+                <a:endParaRPr lang="en-US"/>
+              </a:p>
+            </p:txBody>
+          </p:sp>
+          <p:sp>
+            <p:nvSpPr>
+              <p:cNvPr id="4" name="Arrow: Up 3">
+                <a:extLst>
+                  <a:ext uri="{FF2B5EF4-FFF2-40B4-BE49-F238E27FC236}">
+                    <a16:creationId xmlns:a16="http://schemas.microsoft.com/office/drawing/2014/main" id="{16C16668-3A65-41EC-A588-85C0B48AEF43}"/>
+                  </a:ext>
+                </a:extLst>
+              </p:cNvPr>
+              <p:cNvSpPr/>
+              <p:nvPr/>
+            </p:nvSpPr>
+            <p:spPr>
+              <a:xfrm>
+                <a:off x="6466324" y="3933209"/>
+                <a:ext cx="45719" cy="763223"/>
+              </a:xfrm>
+              <a:prstGeom prst="upArrow">
+                <a:avLst/>
+              </a:prstGeom>
+            </p:spPr>
+            <p:style>
+              <a:lnRef idx="2">
+                <a:schemeClr val="accent1">
+                  <a:shade val="50000"/>
+                </a:schemeClr>
+              </a:lnRef>
+              <a:fillRef idx="1">
+                <a:schemeClr val="accent1"/>
+              </a:fillRef>
+              <a:effectRef idx="0">
+                <a:schemeClr val="accent1"/>
+              </a:effectRef>
+              <a:fontRef idx="minor">
+                <a:schemeClr val="lt1"/>
+              </a:fontRef>
+            </p:style>
+            <p:txBody>
+              <a:bodyPr rtlCol="0" anchor="ctr"/>
+              <a:lstStyle/>
+              <a:p>
+                <a:pPr algn="ctr"/>
+                <a:endParaRPr lang="en-US"/>
+              </a:p>
+            </p:txBody>
+          </p:sp>
+          <p:sp>
+            <p:nvSpPr>
+              <p:cNvPr id="76" name="Arrow: Up 75">
+                <a:extLst>
+                  <a:ext uri="{FF2B5EF4-FFF2-40B4-BE49-F238E27FC236}">
+                    <a16:creationId xmlns:a16="http://schemas.microsoft.com/office/drawing/2014/main" id="{F7E56AA2-57EE-444F-85E0-50F0927FFF3F}"/>
+                  </a:ext>
+                </a:extLst>
+              </p:cNvPr>
+              <p:cNvSpPr/>
+              <p:nvPr/>
+            </p:nvSpPr>
+            <p:spPr>
+              <a:xfrm flipV="1">
+                <a:off x="6472297" y="4991954"/>
+                <a:ext cx="45719" cy="763223"/>
+              </a:xfrm>
+              <a:prstGeom prst="upArrow">
+                <a:avLst/>
+              </a:prstGeom>
+            </p:spPr>
+            <p:style>
+              <a:lnRef idx="2">
+                <a:schemeClr val="accent1">
+                  <a:shade val="50000"/>
+                </a:schemeClr>
+              </a:lnRef>
+              <a:fillRef idx="1">
+                <a:schemeClr val="accent1"/>
+              </a:fillRef>
+              <a:effectRef idx="0">
+                <a:schemeClr val="accent1"/>
+              </a:effectRef>
+              <a:fontRef idx="minor">
+                <a:schemeClr val="lt1"/>
+              </a:fontRef>
+            </p:style>
+            <p:txBody>
+              <a:bodyPr rtlCol="0" anchor="ctr"/>
+              <a:lstStyle/>
+              <a:p>
+                <a:pPr algn="ctr"/>
+                <a:endParaRPr lang="en-US"/>
+              </a:p>
+            </p:txBody>
+          </p:sp>
+          <p:sp>
+            <p:nvSpPr>
+              <p:cNvPr id="3" name="Rectangle: Rounded Corners 2">
+                <a:extLst>
+                  <a:ext uri="{FF2B5EF4-FFF2-40B4-BE49-F238E27FC236}">
+                    <a16:creationId xmlns:a16="http://schemas.microsoft.com/office/drawing/2014/main" id="{82613164-6C8C-414E-BBE3-2905814DA228}"/>
+                  </a:ext>
+                </a:extLst>
+              </p:cNvPr>
+              <p:cNvSpPr/>
+              <p:nvPr/>
+            </p:nvSpPr>
+            <p:spPr>
+              <a:xfrm>
+                <a:off x="6235241" y="4143366"/>
+                <a:ext cx="507884" cy="135552"/>
+              </a:xfrm>
+              <a:prstGeom prst="roundRect">
+                <a:avLst/>
+              </a:prstGeom>
+              <a:noFill/>
+            </p:spPr>
+            <p:style>
+              <a:lnRef idx="2">
+                <a:schemeClr val="accent1">
+                  <a:shade val="50000"/>
+                </a:schemeClr>
+              </a:lnRef>
+              <a:fillRef idx="1">
+                <a:schemeClr val="accent1"/>
+              </a:fillRef>
+              <a:effectRef idx="0">
+                <a:schemeClr val="accent1"/>
+              </a:effectRef>
+              <a:fontRef idx="minor">
+                <a:schemeClr val="lt1"/>
+              </a:fontRef>
+            </p:style>
+            <p:txBody>
+              <a:bodyPr rtlCol="0" anchor="ctr"/>
+              <a:lstStyle/>
+              <a:p>
+                <a:pPr algn="ctr"/>
+                <a:endParaRPr lang="en-US"/>
+              </a:p>
+            </p:txBody>
+          </p:sp>
+          <p:sp>
+            <p:nvSpPr>
+              <p:cNvPr id="41" name="Rectangle: Rounded Corners 40">
+                <a:extLst>
+                  <a:ext uri="{FF2B5EF4-FFF2-40B4-BE49-F238E27FC236}">
+                    <a16:creationId xmlns:a16="http://schemas.microsoft.com/office/drawing/2014/main" id="{FF77AF8B-C4BC-4F70-AE81-204F52EE2731}"/>
+                  </a:ext>
+                </a:extLst>
+              </p:cNvPr>
+              <p:cNvSpPr/>
+              <p:nvPr/>
+            </p:nvSpPr>
+            <p:spPr>
+              <a:xfrm>
+                <a:off x="6235241" y="5404749"/>
+                <a:ext cx="507884" cy="135552"/>
+              </a:xfrm>
+              <a:prstGeom prst="roundRect">
+                <a:avLst/>
+              </a:prstGeom>
+              <a:noFill/>
+            </p:spPr>
+            <p:style>
+              <a:lnRef idx="2">
+                <a:schemeClr val="accent1">
+                  <a:shade val="50000"/>
+                </a:schemeClr>
+              </a:lnRef>
+              <a:fillRef idx="1">
+                <a:schemeClr val="accent1"/>
+              </a:fillRef>
+              <a:effectRef idx="0">
+                <a:schemeClr val="accent1"/>
+              </a:effectRef>
+              <a:fontRef idx="minor">
+                <a:schemeClr val="lt1"/>
+              </a:fontRef>
+            </p:style>
+            <p:txBody>
+              <a:bodyPr rtlCol="0" anchor="ctr"/>
+              <a:lstStyle/>
+              <a:p>
+                <a:pPr algn="ctr"/>
+                <a:endParaRPr lang="en-US"/>
+              </a:p>
+            </p:txBody>
+          </p:sp>
+        </p:grpSp>
+        <p:sp>
+          <p:nvSpPr>
+            <p:cNvPr id="44" name="Rectangle: Rounded Corners 43">
+              <a:extLst>
+                <a:ext uri="{FF2B5EF4-FFF2-40B4-BE49-F238E27FC236}">
+                  <a16:creationId xmlns:a16="http://schemas.microsoft.com/office/drawing/2014/main" id="{3595ED5B-6FD7-4D71-97E0-6C882A94A96C}"/>
+                </a:ext>
+              </a:extLst>
+            </p:cNvPr>
+            <p:cNvSpPr/>
+            <p:nvPr/>
+          </p:nvSpPr>
+          <p:spPr>
+            <a:xfrm>
+              <a:off x="1913721" y="3028577"/>
+              <a:ext cx="315777" cy="123865"/>
+            </a:xfrm>
+            <a:prstGeom prst="roundRect">
+              <a:avLst/>
+            </a:prstGeom>
+            <a:noFill/>
+          </p:spPr>
+          <p:style>
+            <a:lnRef idx="2">
+              <a:schemeClr val="accent1">
+                <a:shade val="50000"/>
+              </a:schemeClr>
+            </a:lnRef>
+            <a:fillRef idx="1">
+              <a:schemeClr val="accent1"/>
+            </a:fillRef>
+            <a:effectRef idx="0">
+              <a:schemeClr val="accent1"/>
+            </a:effectRef>
+            <a:fontRef idx="minor">
+              <a:schemeClr val="lt1"/>
+            </a:fontRef>
+          </p:style>
+          <p:txBody>
+            <a:bodyPr rtlCol="0" anchor="ctr"/>
+            <a:lstStyle/>
+            <a:p>
+              <a:pPr algn="ctr"/>
+              <a:endParaRPr lang="en-US"/>
+            </a:p>
+          </p:txBody>
+        </p:sp>
+        <p:sp>
+          <p:nvSpPr>
+            <p:cNvPr id="45" name="CaixaDeTexto 104">
+              <a:extLst>
+                <a:ext uri="{FF2B5EF4-FFF2-40B4-BE49-F238E27FC236}">
+                  <a16:creationId xmlns:a16="http://schemas.microsoft.com/office/drawing/2014/main" id="{05822943-8596-4A61-BFB4-45A83592D1DC}"/>
+                </a:ext>
+              </a:extLst>
+            </p:cNvPr>
+            <p:cNvSpPr txBox="1"/>
+            <p:nvPr/>
+          </p:nvSpPr>
+          <p:spPr>
+            <a:xfrm>
+              <a:off x="2190108" y="2970074"/>
+              <a:ext cx="1783469" cy="246221"/>
+            </a:xfrm>
+            <a:prstGeom prst="rect">
+              <a:avLst/>
+            </a:prstGeom>
+            <a:noFill/>
+          </p:spPr>
+          <p:txBody>
+            <a:bodyPr wrap="square" rtlCol="0">
+              <a:spAutoFit/>
+            </a:bodyPr>
+            <a:lstStyle/>
+            <a:p>
+              <a:r>
+                <a:rPr lang="pt-PT" sz="1000" dirty="0"/>
+                <a:t>-</a:t>
+              </a:r>
+              <a:r>
+                <a:rPr lang="pt-PT" sz="800" dirty="0"/>
+                <a:t>Emergency Exit</a:t>
+              </a:r>
+            </a:p>
+          </p:txBody>
+        </p:sp>
+      </p:grpSp>
+    </p:spTree>
+    <p:extLst>
+      <p:ext uri="{BB962C8B-B14F-4D97-AF65-F5344CB8AC3E}">
+        <p14:creationId xmlns:p14="http://schemas.microsoft.com/office/powerpoint/2010/main" val="915724084"/>
+      </p:ext>
+    </p:extLst>
+  </p:cSld>
+  <p:clrMapOvr>
+    <a:masterClrMapping/>
+  </p:clrMapOvr>
+</p:sld>
+</file>
+
+<file path=ppt/slides/slide8.xml><?xml version="1.0" encoding="utf-8"?>
+<p:sld xmlns:a="http://schemas.openxmlformats.org/drawingml/2006/main" xmlns:r="http://schemas.openxmlformats.org/officeDocument/2006/relationships" xmlns:p="http://schemas.openxmlformats.org/presentationml/2006/main" show="0">
+  <p:cSld>
+    <p:spTree>
+      <p:nvGrpSpPr>
+        <p:cNvPr id="1" name=""/>
+        <p:cNvGrpSpPr/>
+        <p:nvPr/>
+      </p:nvGrpSpPr>
+      <p:grpSpPr>
+        <a:xfrm>
+          <a:off x="0" y="0"/>
+          <a:ext cx="0" cy="0"/>
+          <a:chOff x="0" y="0"/>
+          <a:chExt cx="0" cy="0"/>
+        </a:xfrm>
+      </p:grpSpPr>
+      <p:grpSp>
+        <p:nvGrpSpPr>
+          <p:cNvPr id="112" name="Agrupar 111">
+            <a:extLst>
+              <a:ext uri="{FF2B5EF4-FFF2-40B4-BE49-F238E27FC236}">
+                <a16:creationId xmlns:a16="http://schemas.microsoft.com/office/drawing/2014/main" id="{CB3BEEB5-D039-7BAA-4AE4-476AA991CF53}"/>
+              </a:ext>
+            </a:extLst>
+          </p:cNvPr>
+          <p:cNvGrpSpPr/>
+          <p:nvPr/>
+        </p:nvGrpSpPr>
+        <p:grpSpPr>
+          <a:xfrm>
+            <a:off x="2157188" y="820421"/>
+            <a:ext cx="6899139" cy="5358158"/>
+            <a:chOff x="2124236" y="803945"/>
+            <a:chExt cx="6899139" cy="5358158"/>
+          </a:xfrm>
+        </p:grpSpPr>
+        <p:grpSp>
+          <p:nvGrpSpPr>
+            <p:cNvPr id="45" name="Agrupar 44">
+              <a:extLst>
+                <a:ext uri="{FF2B5EF4-FFF2-40B4-BE49-F238E27FC236}">
+                  <a16:creationId xmlns:a16="http://schemas.microsoft.com/office/drawing/2014/main" id="{55802BBD-1F89-388F-C1AC-ADCAA0B69B40}"/>
+                </a:ext>
+              </a:extLst>
+            </p:cNvPr>
+            <p:cNvGrpSpPr/>
+            <p:nvPr/>
+          </p:nvGrpSpPr>
+          <p:grpSpPr>
+            <a:xfrm>
+              <a:off x="2124236" y="1290692"/>
+              <a:ext cx="6503909" cy="4871411"/>
+              <a:chOff x="2124236" y="1290692"/>
+              <a:chExt cx="6503909" cy="4871411"/>
+            </a:xfrm>
+          </p:grpSpPr>
+          <p:grpSp>
+            <p:nvGrpSpPr>
+              <p:cNvPr id="13" name="Agrupar 12">
+                <a:extLst>
+                  <a:ext uri="{FF2B5EF4-FFF2-40B4-BE49-F238E27FC236}">
+                    <a16:creationId xmlns:a16="http://schemas.microsoft.com/office/drawing/2014/main" id="{7D681D2C-1226-68D3-E858-81DF708ADBF9}"/>
+                  </a:ext>
+                </a:extLst>
+              </p:cNvPr>
+              <p:cNvGrpSpPr/>
+              <p:nvPr/>
+            </p:nvGrpSpPr>
+            <p:grpSpPr>
+              <a:xfrm flipH="1">
+                <a:off x="3089239" y="1848232"/>
+                <a:ext cx="5538906" cy="3678808"/>
+                <a:chOff x="3203563" y="990982"/>
+                <a:chExt cx="5538906" cy="3678808"/>
+              </a:xfrm>
+            </p:grpSpPr>
+            <p:sp>
+              <p:nvSpPr>
+                <p:cNvPr id="8" name="Retângulo 7">
+                  <a:extLst>
+                    <a:ext uri="{FF2B5EF4-FFF2-40B4-BE49-F238E27FC236}">
+                      <a16:creationId xmlns:a16="http://schemas.microsoft.com/office/drawing/2014/main" id="{9E6BDAEE-2DF3-B4FD-6729-0E9FE57D7A76}"/>
+                    </a:ext>
+                  </a:extLst>
+                </p:cNvPr>
+                <p:cNvSpPr/>
+                <p:nvPr/>
+              </p:nvSpPr>
+              <p:spPr>
+                <a:xfrm>
+                  <a:off x="3348996" y="990982"/>
+                  <a:ext cx="1226820" cy="3337178"/>
+                </a:xfrm>
+                <a:prstGeom prst="rect">
+                  <a:avLst/>
+                </a:prstGeom>
+                <a:solidFill>
+                  <a:schemeClr val="bg2">
+                    <a:lumMod val="90000"/>
+                  </a:schemeClr>
+                </a:solidFill>
+                <a:ln>
+                  <a:solidFill>
+                    <a:schemeClr val="bg2">
+                      <a:lumMod val="50000"/>
+                    </a:schemeClr>
+                  </a:solidFill>
+                </a:ln>
+              </p:spPr>
+              <p:style>
+                <a:lnRef idx="2">
+                  <a:schemeClr val="accent1">
+                    <a:shade val="50000"/>
+                  </a:schemeClr>
+                </a:lnRef>
+                <a:fillRef idx="1">
+                  <a:schemeClr val="accent1"/>
+                </a:fillRef>
+                <a:effectRef idx="0">
+                  <a:schemeClr val="accent1"/>
+                </a:effectRef>
+                <a:fontRef idx="minor">
+                  <a:schemeClr val="lt1"/>
+                </a:fontRef>
+              </p:style>
+              <p:txBody>
+                <a:bodyPr rtlCol="0" anchor="ctr"/>
+                <a:lstStyle/>
+                <a:p>
+                  <a:pPr algn="ctr"/>
+                  <a:endParaRPr lang="pt-PT" dirty="0"/>
+                </a:p>
+              </p:txBody>
+            </p:sp>
+            <p:sp>
+              <p:nvSpPr>
+                <p:cNvPr id="9" name="Retângulo 8">
+                  <a:extLst>
+                    <a:ext uri="{FF2B5EF4-FFF2-40B4-BE49-F238E27FC236}">
+                      <a16:creationId xmlns:a16="http://schemas.microsoft.com/office/drawing/2014/main" id="{064401E6-1760-7B57-FA17-A25A90420738}"/>
+                    </a:ext>
+                  </a:extLst>
+                </p:cNvPr>
+                <p:cNvSpPr/>
+                <p:nvPr/>
+              </p:nvSpPr>
+              <p:spPr>
+                <a:xfrm>
+                  <a:off x="6173966" y="990982"/>
+                  <a:ext cx="1226820" cy="3337178"/>
+                </a:xfrm>
+                <a:prstGeom prst="rect">
+                  <a:avLst/>
+                </a:prstGeom>
+                <a:solidFill>
+                  <a:schemeClr val="bg2">
+                    <a:lumMod val="90000"/>
+                  </a:schemeClr>
+                </a:solidFill>
+                <a:ln>
+                  <a:solidFill>
+                    <a:schemeClr val="bg2">
+                      <a:lumMod val="50000"/>
+                    </a:schemeClr>
+                  </a:solidFill>
+                </a:ln>
+              </p:spPr>
+              <p:style>
+                <a:lnRef idx="2">
+                  <a:schemeClr val="accent1">
+                    <a:shade val="50000"/>
+                  </a:schemeClr>
+                </a:lnRef>
+                <a:fillRef idx="1">
+                  <a:schemeClr val="accent1"/>
+                </a:fillRef>
+                <a:effectRef idx="0">
+                  <a:schemeClr val="accent1"/>
+                </a:effectRef>
+                <a:fontRef idx="minor">
+                  <a:schemeClr val="lt1"/>
+                </a:fontRef>
+              </p:style>
+              <p:txBody>
+                <a:bodyPr rtlCol="0" anchor="ctr"/>
+                <a:lstStyle/>
+                <a:p>
+                  <a:pPr algn="ctr"/>
+                  <a:endParaRPr lang="pt-PT" dirty="0"/>
+                </a:p>
+              </p:txBody>
+            </p:sp>
+            <p:sp>
+              <p:nvSpPr>
+                <p:cNvPr id="6" name="Retângulo 5">
+                  <a:extLst>
+                    <a:ext uri="{FF2B5EF4-FFF2-40B4-BE49-F238E27FC236}">
+                      <a16:creationId xmlns:a16="http://schemas.microsoft.com/office/drawing/2014/main" id="{A8A3E4C9-41B0-CAE7-7F23-19CECA504009}"/>
+                    </a:ext>
+                  </a:extLst>
+                </p:cNvPr>
+                <p:cNvSpPr/>
+                <p:nvPr/>
+              </p:nvSpPr>
+              <p:spPr>
+                <a:xfrm>
+                  <a:off x="4119217" y="3269974"/>
+                  <a:ext cx="3988905" cy="1393466"/>
+                </a:xfrm>
+                <a:prstGeom prst="rect">
+                  <a:avLst/>
+                </a:prstGeom>
+                <a:solidFill>
+                  <a:schemeClr val="bg2">
+                    <a:lumMod val="90000"/>
+                  </a:schemeClr>
+                </a:solidFill>
+                <a:ln>
+                  <a:solidFill>
+                    <a:schemeClr val="bg2">
+                      <a:lumMod val="50000"/>
+                    </a:schemeClr>
+                  </a:solidFill>
+                </a:ln>
+              </p:spPr>
+              <p:style>
+                <a:lnRef idx="2">
+                  <a:schemeClr val="accent1">
+                    <a:shade val="50000"/>
+                  </a:schemeClr>
+                </a:lnRef>
+                <a:fillRef idx="1">
+                  <a:schemeClr val="accent1"/>
+                </a:fillRef>
+                <a:effectRef idx="0">
+                  <a:schemeClr val="accent1"/>
+                </a:effectRef>
+                <a:fontRef idx="minor">
+                  <a:schemeClr val="lt1"/>
+                </a:fontRef>
+              </p:style>
+              <p:txBody>
+                <a:bodyPr rtlCol="0" anchor="ctr"/>
+                <a:lstStyle/>
+                <a:p>
+                  <a:pPr algn="ctr"/>
+                  <a:endParaRPr lang="pt-PT" dirty="0"/>
+                </a:p>
+              </p:txBody>
+            </p:sp>
+            <p:sp>
+              <p:nvSpPr>
+                <p:cNvPr id="7" name="Fluxograma: Atraso 6">
+                  <a:extLst>
+                    <a:ext uri="{FF2B5EF4-FFF2-40B4-BE49-F238E27FC236}">
+                      <a16:creationId xmlns:a16="http://schemas.microsoft.com/office/drawing/2014/main" id="{A6DF496E-F81E-8138-F775-0BB5981FBC7C}"/>
+                    </a:ext>
+                  </a:extLst>
+                </p:cNvPr>
+                <p:cNvSpPr/>
+                <p:nvPr/>
+              </p:nvSpPr>
+              <p:spPr>
+                <a:xfrm flipH="1">
+                  <a:off x="3203563" y="3269974"/>
+                  <a:ext cx="915654" cy="1393466"/>
+                </a:xfrm>
+                <a:custGeom>
+                  <a:avLst/>
+                  <a:gdLst>
+                    <a:gd name="connsiteX0" fmla="*/ 0 w 915642"/>
+                    <a:gd name="connsiteY0" fmla="*/ 0 h 1393466"/>
+                    <a:gd name="connsiteX1" fmla="*/ 457821 w 915642"/>
+                    <a:gd name="connsiteY1" fmla="*/ 0 h 1393466"/>
+                    <a:gd name="connsiteX2" fmla="*/ 915642 w 915642"/>
+                    <a:gd name="connsiteY2" fmla="*/ 696733 h 1393466"/>
+                    <a:gd name="connsiteX3" fmla="*/ 457821 w 915642"/>
+                    <a:gd name="connsiteY3" fmla="*/ 1393466 h 1393466"/>
+                    <a:gd name="connsiteX4" fmla="*/ 0 w 915642"/>
+                    <a:gd name="connsiteY4" fmla="*/ 1393466 h 1393466"/>
+                    <a:gd name="connsiteX5" fmla="*/ 0 w 915642"/>
+                    <a:gd name="connsiteY5" fmla="*/ 0 h 1393466"/>
+                    <a:gd name="connsiteX0" fmla="*/ 0 w 921802"/>
+                    <a:gd name="connsiteY0" fmla="*/ 0 h 1393466"/>
+                    <a:gd name="connsiteX1" fmla="*/ 162546 w 921802"/>
+                    <a:gd name="connsiteY1" fmla="*/ 9525 h 1393466"/>
+                    <a:gd name="connsiteX2" fmla="*/ 915642 w 921802"/>
+                    <a:gd name="connsiteY2" fmla="*/ 696733 h 1393466"/>
+                    <a:gd name="connsiteX3" fmla="*/ 457821 w 921802"/>
+                    <a:gd name="connsiteY3" fmla="*/ 1393466 h 1393466"/>
+                    <a:gd name="connsiteX4" fmla="*/ 0 w 921802"/>
+                    <a:gd name="connsiteY4" fmla="*/ 1393466 h 1393466"/>
+                    <a:gd name="connsiteX5" fmla="*/ 0 w 921802"/>
+                    <a:gd name="connsiteY5" fmla="*/ 0 h 1393466"/>
+                    <a:gd name="connsiteX0" fmla="*/ 0 w 917247"/>
+                    <a:gd name="connsiteY0" fmla="*/ 0 h 1393466"/>
+                    <a:gd name="connsiteX1" fmla="*/ 319709 w 917247"/>
+                    <a:gd name="connsiteY1" fmla="*/ 4762 h 1393466"/>
+                    <a:gd name="connsiteX2" fmla="*/ 915642 w 917247"/>
+                    <a:gd name="connsiteY2" fmla="*/ 696733 h 1393466"/>
+                    <a:gd name="connsiteX3" fmla="*/ 457821 w 917247"/>
+                    <a:gd name="connsiteY3" fmla="*/ 1393466 h 1393466"/>
+                    <a:gd name="connsiteX4" fmla="*/ 0 w 917247"/>
+                    <a:gd name="connsiteY4" fmla="*/ 1393466 h 1393466"/>
+                    <a:gd name="connsiteX5" fmla="*/ 0 w 917247"/>
+                    <a:gd name="connsiteY5" fmla="*/ 0 h 1393466"/>
+                    <a:gd name="connsiteX0" fmla="*/ 0 w 917247"/>
+                    <a:gd name="connsiteY0" fmla="*/ 0 h 1395582"/>
+                    <a:gd name="connsiteX1" fmla="*/ 319709 w 917247"/>
+                    <a:gd name="connsiteY1" fmla="*/ 4762 h 1395582"/>
+                    <a:gd name="connsiteX2" fmla="*/ 915642 w 917247"/>
+                    <a:gd name="connsiteY2" fmla="*/ 696733 h 1395582"/>
+                    <a:gd name="connsiteX3" fmla="*/ 457821 w 917247"/>
+                    <a:gd name="connsiteY3" fmla="*/ 1393466 h 1395582"/>
+                    <a:gd name="connsiteX4" fmla="*/ 0 w 917247"/>
+                    <a:gd name="connsiteY4" fmla="*/ 1393466 h 1395582"/>
+                    <a:gd name="connsiteX5" fmla="*/ 0 w 917247"/>
+                    <a:gd name="connsiteY5" fmla="*/ 0 h 1395582"/>
+                    <a:gd name="connsiteX0" fmla="*/ 0 w 916004"/>
+                    <a:gd name="connsiteY0" fmla="*/ 0 h 1395582"/>
+                    <a:gd name="connsiteX1" fmla="*/ 319709 w 916004"/>
+                    <a:gd name="connsiteY1" fmla="*/ 4762 h 1395582"/>
+                    <a:gd name="connsiteX2" fmla="*/ 915642 w 916004"/>
+                    <a:gd name="connsiteY2" fmla="*/ 696733 h 1395582"/>
+                    <a:gd name="connsiteX3" fmla="*/ 391146 w 916004"/>
+                    <a:gd name="connsiteY3" fmla="*/ 1393466 h 1395582"/>
+                    <a:gd name="connsiteX4" fmla="*/ 0 w 916004"/>
+                    <a:gd name="connsiteY4" fmla="*/ 1393466 h 1395582"/>
+                    <a:gd name="connsiteX5" fmla="*/ 0 w 916004"/>
+                    <a:gd name="connsiteY5" fmla="*/ 0 h 1395582"/>
+                    <a:gd name="connsiteX0" fmla="*/ 0 w 915678"/>
+                    <a:gd name="connsiteY0" fmla="*/ 0 h 1399561"/>
+                    <a:gd name="connsiteX1" fmla="*/ 319709 w 915678"/>
+                    <a:gd name="connsiteY1" fmla="*/ 4762 h 1399561"/>
+                    <a:gd name="connsiteX2" fmla="*/ 915642 w 915678"/>
+                    <a:gd name="connsiteY2" fmla="*/ 696733 h 1399561"/>
+                    <a:gd name="connsiteX3" fmla="*/ 343521 w 915678"/>
+                    <a:gd name="connsiteY3" fmla="*/ 1398228 h 1399561"/>
+                    <a:gd name="connsiteX4" fmla="*/ 0 w 915678"/>
+                    <a:gd name="connsiteY4" fmla="*/ 1393466 h 1399561"/>
+                    <a:gd name="connsiteX5" fmla="*/ 0 w 915678"/>
+                    <a:gd name="connsiteY5" fmla="*/ 0 h 1399561"/>
+                    <a:gd name="connsiteX0" fmla="*/ 0 w 915654"/>
+                    <a:gd name="connsiteY0" fmla="*/ 0 h 1393466"/>
+                    <a:gd name="connsiteX1" fmla="*/ 319709 w 915654"/>
+                    <a:gd name="connsiteY1" fmla="*/ 4762 h 1393466"/>
+                    <a:gd name="connsiteX2" fmla="*/ 915642 w 915654"/>
+                    <a:gd name="connsiteY2" fmla="*/ 696733 h 1393466"/>
+                    <a:gd name="connsiteX3" fmla="*/ 333996 w 915654"/>
+                    <a:gd name="connsiteY3" fmla="*/ 1391878 h 1393466"/>
+                    <a:gd name="connsiteX4" fmla="*/ 0 w 915654"/>
+                    <a:gd name="connsiteY4" fmla="*/ 1393466 h 1393466"/>
+                    <a:gd name="connsiteX5" fmla="*/ 0 w 915654"/>
+                    <a:gd name="connsiteY5" fmla="*/ 0 h 1393466"/>
+                  </a:gdLst>
+                  <a:ahLst/>
+                  <a:cxnLst>
+                    <a:cxn ang="0">
+                      <a:pos x="connsiteX0" y="connsiteY0"/>
+                    </a:cxn>
+                    <a:cxn ang="0">
+                      <a:pos x="connsiteX1" y="connsiteY1"/>
+                    </a:cxn>
+                    <a:cxn ang="0">
+                      <a:pos x="connsiteX2" y="connsiteY2"/>
+                    </a:cxn>
+                    <a:cxn ang="0">
+                      <a:pos x="connsiteX3" y="connsiteY3"/>
+                    </a:cxn>
+                    <a:cxn ang="0">
+                      <a:pos x="connsiteX4" y="connsiteY4"/>
+                    </a:cxn>
+                    <a:cxn ang="0">
+                      <a:pos x="connsiteX5" y="connsiteY5"/>
+                    </a:cxn>
+                  </a:cxnLst>
+                  <a:rect l="l" t="t" r="r" b="b"/>
+                  <a:pathLst>
+                    <a:path w="915654" h="1393466">
+                      <a:moveTo>
+                        <a:pt x="0" y="0"/>
+                      </a:moveTo>
+                      <a:cubicBezTo>
+                        <a:pt x="152607" y="0"/>
+                        <a:pt x="167102" y="4762"/>
+                        <a:pt x="319709" y="4762"/>
+                      </a:cubicBezTo>
+                      <a:cubicBezTo>
+                        <a:pt x="572557" y="4762"/>
+                        <a:pt x="913261" y="465547"/>
+                        <a:pt x="915642" y="696733"/>
+                      </a:cubicBezTo>
+                      <a:cubicBezTo>
+                        <a:pt x="918023" y="927919"/>
+                        <a:pt x="586844" y="1391878"/>
+                        <a:pt x="333996" y="1391878"/>
+                      </a:cubicBezTo>
+                      <a:lnTo>
+                        <a:pt x="0" y="1393466"/>
+                      </a:lnTo>
+                      <a:lnTo>
+                        <a:pt x="0" y="0"/>
+                      </a:lnTo>
+                      <a:close/>
+                    </a:path>
+                  </a:pathLst>
+                </a:custGeom>
+                <a:solidFill>
+                  <a:schemeClr val="bg2">
+                    <a:lumMod val="90000"/>
+                  </a:schemeClr>
+                </a:solidFill>
+                <a:ln>
+                  <a:solidFill>
+                    <a:schemeClr val="bg2">
+                      <a:lumMod val="50000"/>
+                    </a:schemeClr>
+                  </a:solidFill>
+                </a:ln>
+              </p:spPr>
+              <p:style>
+                <a:lnRef idx="2">
+                  <a:schemeClr val="accent1">
+                    <a:shade val="50000"/>
+                  </a:schemeClr>
+                </a:lnRef>
+                <a:fillRef idx="1">
+                  <a:schemeClr val="accent1"/>
+                </a:fillRef>
+                <a:effectRef idx="0">
+                  <a:schemeClr val="accent1"/>
+                </a:effectRef>
+                <a:fontRef idx="minor">
+                  <a:schemeClr val="lt1"/>
+                </a:fontRef>
+              </p:style>
+              <p:txBody>
+                <a:bodyPr rtlCol="0" anchor="ctr"/>
+                <a:lstStyle/>
+                <a:p>
+                  <a:pPr algn="ctr"/>
+                  <a:endParaRPr lang="pt-PT" dirty="0"/>
+                </a:p>
+              </p:txBody>
+            </p:sp>
+            <p:sp>
+              <p:nvSpPr>
+                <p:cNvPr id="10" name="Fluxograma: Atraso 9">
+                  <a:extLst>
+                    <a:ext uri="{FF2B5EF4-FFF2-40B4-BE49-F238E27FC236}">
+                      <a16:creationId xmlns:a16="http://schemas.microsoft.com/office/drawing/2014/main" id="{A0E66709-B77D-F6EA-3038-FEA15EC45FDC}"/>
+                    </a:ext>
+                  </a:extLst>
+                </p:cNvPr>
+                <p:cNvSpPr/>
+                <p:nvPr/>
+              </p:nvSpPr>
+              <p:spPr>
+                <a:xfrm>
+                  <a:off x="8108124" y="3263624"/>
+                  <a:ext cx="634345" cy="1406166"/>
+                </a:xfrm>
+                <a:custGeom>
+                  <a:avLst/>
+                  <a:gdLst>
+                    <a:gd name="connsiteX0" fmla="*/ 0 w 608937"/>
+                    <a:gd name="connsiteY0" fmla="*/ 0 h 1393466"/>
+                    <a:gd name="connsiteX1" fmla="*/ 304469 w 608937"/>
+                    <a:gd name="connsiteY1" fmla="*/ 0 h 1393466"/>
+                    <a:gd name="connsiteX2" fmla="*/ 608938 w 608937"/>
+                    <a:gd name="connsiteY2" fmla="*/ 696733 h 1393466"/>
+                    <a:gd name="connsiteX3" fmla="*/ 304469 w 608937"/>
+                    <a:gd name="connsiteY3" fmla="*/ 1393466 h 1393466"/>
+                    <a:gd name="connsiteX4" fmla="*/ 0 w 608937"/>
+                    <a:gd name="connsiteY4" fmla="*/ 1393466 h 1393466"/>
+                    <a:gd name="connsiteX5" fmla="*/ 0 w 608937"/>
+                    <a:gd name="connsiteY5" fmla="*/ 0 h 1393466"/>
+                    <a:gd name="connsiteX0" fmla="*/ 0 w 634338"/>
+                    <a:gd name="connsiteY0" fmla="*/ 0 h 1393466"/>
+                    <a:gd name="connsiteX1" fmla="*/ 304469 w 634338"/>
+                    <a:gd name="connsiteY1" fmla="*/ 0 h 1393466"/>
+                    <a:gd name="connsiteX2" fmla="*/ 634338 w 634338"/>
+                    <a:gd name="connsiteY2" fmla="*/ 696733 h 1393466"/>
+                    <a:gd name="connsiteX3" fmla="*/ 304469 w 634338"/>
+                    <a:gd name="connsiteY3" fmla="*/ 1393466 h 1393466"/>
+                    <a:gd name="connsiteX4" fmla="*/ 0 w 634338"/>
+                    <a:gd name="connsiteY4" fmla="*/ 1393466 h 1393466"/>
+                    <a:gd name="connsiteX5" fmla="*/ 0 w 634338"/>
+                    <a:gd name="connsiteY5" fmla="*/ 0 h 1393466"/>
+                    <a:gd name="connsiteX0" fmla="*/ 0 w 635654"/>
+                    <a:gd name="connsiteY0" fmla="*/ 0 h 1399816"/>
+                    <a:gd name="connsiteX1" fmla="*/ 304469 w 635654"/>
+                    <a:gd name="connsiteY1" fmla="*/ 0 h 1399816"/>
+                    <a:gd name="connsiteX2" fmla="*/ 634338 w 635654"/>
+                    <a:gd name="connsiteY2" fmla="*/ 696733 h 1399816"/>
+                    <a:gd name="connsiteX3" fmla="*/ 193344 w 635654"/>
+                    <a:gd name="connsiteY3" fmla="*/ 1399816 h 1399816"/>
+                    <a:gd name="connsiteX4" fmla="*/ 0 w 635654"/>
+                    <a:gd name="connsiteY4" fmla="*/ 1393466 h 1399816"/>
+                    <a:gd name="connsiteX5" fmla="*/ 0 w 635654"/>
+                    <a:gd name="connsiteY5" fmla="*/ 0 h 1399816"/>
+                    <a:gd name="connsiteX0" fmla="*/ 0 w 636413"/>
+                    <a:gd name="connsiteY0" fmla="*/ 0 h 1402991"/>
+                    <a:gd name="connsiteX1" fmla="*/ 304469 w 636413"/>
+                    <a:gd name="connsiteY1" fmla="*/ 0 h 1402991"/>
+                    <a:gd name="connsiteX2" fmla="*/ 634338 w 636413"/>
+                    <a:gd name="connsiteY2" fmla="*/ 696733 h 1402991"/>
+                    <a:gd name="connsiteX3" fmla="*/ 161594 w 636413"/>
+                    <a:gd name="connsiteY3" fmla="*/ 1402991 h 1402991"/>
+                    <a:gd name="connsiteX4" fmla="*/ 0 w 636413"/>
+                    <a:gd name="connsiteY4" fmla="*/ 1393466 h 1402991"/>
+                    <a:gd name="connsiteX5" fmla="*/ 0 w 636413"/>
+                    <a:gd name="connsiteY5" fmla="*/ 0 h 1402991"/>
+                    <a:gd name="connsiteX0" fmla="*/ 0 w 637888"/>
+                    <a:gd name="connsiteY0" fmla="*/ 0 h 1393466"/>
+                    <a:gd name="connsiteX1" fmla="*/ 304469 w 637888"/>
+                    <a:gd name="connsiteY1" fmla="*/ 0 h 1393466"/>
+                    <a:gd name="connsiteX2" fmla="*/ 634338 w 637888"/>
+                    <a:gd name="connsiteY2" fmla="*/ 696733 h 1393466"/>
+                    <a:gd name="connsiteX3" fmla="*/ 110794 w 637888"/>
+                    <a:gd name="connsiteY3" fmla="*/ 1390291 h 1393466"/>
+                    <a:gd name="connsiteX4" fmla="*/ 0 w 637888"/>
+                    <a:gd name="connsiteY4" fmla="*/ 1393466 h 1393466"/>
+                    <a:gd name="connsiteX5" fmla="*/ 0 w 637888"/>
+                    <a:gd name="connsiteY5" fmla="*/ 0 h 1393466"/>
+                    <a:gd name="connsiteX0" fmla="*/ 0 w 637888"/>
+                    <a:gd name="connsiteY0" fmla="*/ 0 h 1393466"/>
+                    <a:gd name="connsiteX1" fmla="*/ 304469 w 637888"/>
+                    <a:gd name="connsiteY1" fmla="*/ 0 h 1393466"/>
+                    <a:gd name="connsiteX2" fmla="*/ 634338 w 637888"/>
+                    <a:gd name="connsiteY2" fmla="*/ 696733 h 1393466"/>
+                    <a:gd name="connsiteX3" fmla="*/ 110794 w 637888"/>
+                    <a:gd name="connsiteY3" fmla="*/ 1390291 h 1393466"/>
+                    <a:gd name="connsiteX4" fmla="*/ 0 w 637888"/>
+                    <a:gd name="connsiteY4" fmla="*/ 1393466 h 1393466"/>
+                    <a:gd name="connsiteX5" fmla="*/ 0 w 637888"/>
+                    <a:gd name="connsiteY5" fmla="*/ 0 h 1393466"/>
+                    <a:gd name="connsiteX0" fmla="*/ 0 w 641730"/>
+                    <a:gd name="connsiteY0" fmla="*/ 0 h 1399816"/>
+                    <a:gd name="connsiteX1" fmla="*/ 304469 w 641730"/>
+                    <a:gd name="connsiteY1" fmla="*/ 0 h 1399816"/>
+                    <a:gd name="connsiteX2" fmla="*/ 634338 w 641730"/>
+                    <a:gd name="connsiteY2" fmla="*/ 696733 h 1399816"/>
+                    <a:gd name="connsiteX3" fmla="*/ 6019 w 641730"/>
+                    <a:gd name="connsiteY3" fmla="*/ 1399816 h 1399816"/>
+                    <a:gd name="connsiteX4" fmla="*/ 0 w 641730"/>
+                    <a:gd name="connsiteY4" fmla="*/ 1393466 h 1399816"/>
+                    <a:gd name="connsiteX5" fmla="*/ 0 w 641730"/>
+                    <a:gd name="connsiteY5" fmla="*/ 0 h 1399816"/>
+                    <a:gd name="connsiteX0" fmla="*/ 0 w 641730"/>
+                    <a:gd name="connsiteY0" fmla="*/ 0 h 1399816"/>
+                    <a:gd name="connsiteX1" fmla="*/ 304469 w 641730"/>
+                    <a:gd name="connsiteY1" fmla="*/ 0 h 1399816"/>
+                    <a:gd name="connsiteX2" fmla="*/ 634338 w 641730"/>
+                    <a:gd name="connsiteY2" fmla="*/ 696733 h 1399816"/>
+                    <a:gd name="connsiteX3" fmla="*/ 6019 w 641730"/>
+                    <a:gd name="connsiteY3" fmla="*/ 1399816 h 1399816"/>
+                    <a:gd name="connsiteX4" fmla="*/ 0 w 641730"/>
+                    <a:gd name="connsiteY4" fmla="*/ 1393466 h 1399816"/>
+                    <a:gd name="connsiteX5" fmla="*/ 0 w 641730"/>
+                    <a:gd name="connsiteY5" fmla="*/ 0 h 1399816"/>
+                    <a:gd name="connsiteX0" fmla="*/ 0 w 634338"/>
+                    <a:gd name="connsiteY0" fmla="*/ 0 h 1399816"/>
+                    <a:gd name="connsiteX1" fmla="*/ 9194 w 634338"/>
+                    <a:gd name="connsiteY1" fmla="*/ 12700 h 1399816"/>
+                    <a:gd name="connsiteX2" fmla="*/ 634338 w 634338"/>
+                    <a:gd name="connsiteY2" fmla="*/ 696733 h 1399816"/>
+                    <a:gd name="connsiteX3" fmla="*/ 6019 w 634338"/>
+                    <a:gd name="connsiteY3" fmla="*/ 1399816 h 1399816"/>
+                    <a:gd name="connsiteX4" fmla="*/ 0 w 634338"/>
+                    <a:gd name="connsiteY4" fmla="*/ 1393466 h 1399816"/>
+                    <a:gd name="connsiteX5" fmla="*/ 0 w 634338"/>
+                    <a:gd name="connsiteY5" fmla="*/ 0 h 1399816"/>
+                    <a:gd name="connsiteX0" fmla="*/ 0 w 634338"/>
+                    <a:gd name="connsiteY0" fmla="*/ 0 h 1399816"/>
+                    <a:gd name="connsiteX1" fmla="*/ 9194 w 634338"/>
+                    <a:gd name="connsiteY1" fmla="*/ 12700 h 1399816"/>
+                    <a:gd name="connsiteX2" fmla="*/ 634338 w 634338"/>
+                    <a:gd name="connsiteY2" fmla="*/ 696733 h 1399816"/>
+                    <a:gd name="connsiteX3" fmla="*/ 6019 w 634338"/>
+                    <a:gd name="connsiteY3" fmla="*/ 1399816 h 1399816"/>
+                    <a:gd name="connsiteX4" fmla="*/ 0 w 634338"/>
+                    <a:gd name="connsiteY4" fmla="*/ 1393466 h 1399816"/>
+                    <a:gd name="connsiteX5" fmla="*/ 0 w 634338"/>
+                    <a:gd name="connsiteY5" fmla="*/ 0 h 1399816"/>
+                    <a:gd name="connsiteX0" fmla="*/ 0 w 634338"/>
+                    <a:gd name="connsiteY0" fmla="*/ 0 h 1399816"/>
+                    <a:gd name="connsiteX1" fmla="*/ 9194 w 634338"/>
+                    <a:gd name="connsiteY1" fmla="*/ 12700 h 1399816"/>
+                    <a:gd name="connsiteX2" fmla="*/ 634338 w 634338"/>
+                    <a:gd name="connsiteY2" fmla="*/ 696733 h 1399816"/>
+                    <a:gd name="connsiteX3" fmla="*/ 6019 w 634338"/>
+                    <a:gd name="connsiteY3" fmla="*/ 1399816 h 1399816"/>
+                    <a:gd name="connsiteX4" fmla="*/ 0 w 634338"/>
+                    <a:gd name="connsiteY4" fmla="*/ 1393466 h 1399816"/>
+                    <a:gd name="connsiteX5" fmla="*/ 0 w 634338"/>
+                    <a:gd name="connsiteY5" fmla="*/ 0 h 1399816"/>
+                    <a:gd name="connsiteX0" fmla="*/ 0 w 634345"/>
+                    <a:gd name="connsiteY0" fmla="*/ 6350 h 1406166"/>
+                    <a:gd name="connsiteX1" fmla="*/ 15544 w 634345"/>
+                    <a:gd name="connsiteY1" fmla="*/ 0 h 1406166"/>
+                    <a:gd name="connsiteX2" fmla="*/ 634338 w 634345"/>
+                    <a:gd name="connsiteY2" fmla="*/ 703083 h 1406166"/>
+                    <a:gd name="connsiteX3" fmla="*/ 6019 w 634345"/>
+                    <a:gd name="connsiteY3" fmla="*/ 1406166 h 1406166"/>
+                    <a:gd name="connsiteX4" fmla="*/ 0 w 634345"/>
+                    <a:gd name="connsiteY4" fmla="*/ 1399816 h 1406166"/>
+                    <a:gd name="connsiteX5" fmla="*/ 0 w 634345"/>
+                    <a:gd name="connsiteY5" fmla="*/ 6350 h 1406166"/>
+                    <a:gd name="connsiteX0" fmla="*/ 0 w 634345"/>
+                    <a:gd name="connsiteY0" fmla="*/ 12700 h 1406166"/>
+                    <a:gd name="connsiteX1" fmla="*/ 15544 w 634345"/>
+                    <a:gd name="connsiteY1" fmla="*/ 0 h 1406166"/>
+                    <a:gd name="connsiteX2" fmla="*/ 634338 w 634345"/>
+                    <a:gd name="connsiteY2" fmla="*/ 703083 h 1406166"/>
+                    <a:gd name="connsiteX3" fmla="*/ 6019 w 634345"/>
+                    <a:gd name="connsiteY3" fmla="*/ 1406166 h 1406166"/>
+                    <a:gd name="connsiteX4" fmla="*/ 0 w 634345"/>
+                    <a:gd name="connsiteY4" fmla="*/ 1399816 h 1406166"/>
+                    <a:gd name="connsiteX5" fmla="*/ 0 w 634345"/>
+                    <a:gd name="connsiteY5" fmla="*/ 12700 h 1406166"/>
+                  </a:gdLst>
+                  <a:ahLst/>
+                  <a:cxnLst>
+                    <a:cxn ang="0">
+                      <a:pos x="connsiteX0" y="connsiteY0"/>
+                    </a:cxn>
+                    <a:cxn ang="0">
+                      <a:pos x="connsiteX1" y="connsiteY1"/>
+                    </a:cxn>
+                    <a:cxn ang="0">
+                      <a:pos x="connsiteX2" y="connsiteY2"/>
+                    </a:cxn>
+                    <a:cxn ang="0">
+                      <a:pos x="connsiteX3" y="connsiteY3"/>
+                    </a:cxn>
+                    <a:cxn ang="0">
+                      <a:pos x="connsiteX4" y="connsiteY4"/>
+                    </a:cxn>
+                    <a:cxn ang="0">
+                      <a:pos x="connsiteX5" y="connsiteY5"/>
+                    </a:cxn>
+                  </a:cxnLst>
+                  <a:rect l="l" t="t" r="r" b="b"/>
+                  <a:pathLst>
+                    <a:path w="634345" h="1406166">
+                      <a:moveTo>
+                        <a:pt x="0" y="12700"/>
+                      </a:moveTo>
+                      <a:lnTo>
+                        <a:pt x="15544" y="0"/>
+                      </a:lnTo>
+                      <a:cubicBezTo>
+                        <a:pt x="367848" y="203200"/>
+                        <a:pt x="635926" y="468722"/>
+                        <a:pt x="634338" y="703083"/>
+                      </a:cubicBezTo>
+                      <a:cubicBezTo>
+                        <a:pt x="632751" y="937444"/>
+                        <a:pt x="532948" y="1095016"/>
+                        <a:pt x="6019" y="1406166"/>
+                      </a:cubicBezTo>
+                      <a:lnTo>
+                        <a:pt x="0" y="1399816"/>
+                      </a:lnTo>
+                      <a:lnTo>
+                        <a:pt x="0" y="12700"/>
+                      </a:lnTo>
+                      <a:close/>
+                    </a:path>
+                  </a:pathLst>
+                </a:custGeom>
+                <a:solidFill>
+                  <a:schemeClr val="bg2">
+                    <a:lumMod val="90000"/>
+                  </a:schemeClr>
+                </a:solidFill>
+                <a:ln>
+                  <a:solidFill>
+                    <a:schemeClr val="bg2">
+                      <a:lumMod val="50000"/>
+                    </a:schemeClr>
+                  </a:solidFill>
+                </a:ln>
+              </p:spPr>
+              <p:style>
+                <a:lnRef idx="2">
+                  <a:schemeClr val="accent1">
+                    <a:shade val="50000"/>
+                  </a:schemeClr>
+                </a:lnRef>
+                <a:fillRef idx="1">
+                  <a:schemeClr val="accent1"/>
+                </a:fillRef>
+                <a:effectRef idx="0">
+                  <a:schemeClr val="accent1"/>
+                </a:effectRef>
+                <a:fontRef idx="minor">
+                  <a:schemeClr val="lt1"/>
+                </a:fontRef>
+              </p:style>
+              <p:txBody>
+                <a:bodyPr rtlCol="0" anchor="ctr"/>
+                <a:lstStyle/>
+                <a:p>
+                  <a:pPr algn="ctr"/>
+                  <a:endParaRPr lang="pt-PT" dirty="0"/>
+                </a:p>
+              </p:txBody>
+            </p:sp>
+          </p:grpSp>
+          <p:cxnSp>
+            <p:nvCxnSpPr>
+              <p:cNvPr id="15" name="Conexão reta unidirecional 14">
+                <a:extLst>
+                  <a:ext uri="{FF2B5EF4-FFF2-40B4-BE49-F238E27FC236}">
+                    <a16:creationId xmlns:a16="http://schemas.microsoft.com/office/drawing/2014/main" id="{F90A9094-5456-DBD3-62EA-2C5F8D8D8A35}"/>
+                  </a:ext>
+                </a:extLst>
+              </p:cNvPr>
+              <p:cNvCxnSpPr>
+                <a:cxnSpLocks/>
+              </p:cNvCxnSpPr>
+              <p:nvPr/>
+            </p:nvCxnSpPr>
+            <p:spPr>
+              <a:xfrm>
+                <a:off x="3089239" y="5903457"/>
+                <a:ext cx="634340" cy="0"/>
+              </a:xfrm>
+              <a:prstGeom prst="straightConnector1">
+                <a:avLst/>
+              </a:prstGeom>
+              <a:ln>
+                <a:headEnd type="triangle"/>
+                <a:tailEnd type="triangle"/>
+              </a:ln>
+            </p:spPr>
+            <p:style>
+              <a:lnRef idx="1">
+                <a:schemeClr val="dk1"/>
+              </a:lnRef>
+              <a:fillRef idx="0">
+                <a:schemeClr val="dk1"/>
+              </a:fillRef>
+              <a:effectRef idx="0">
+                <a:schemeClr val="dk1"/>
+              </a:effectRef>
+              <a:fontRef idx="minor">
+                <a:schemeClr val="tx1"/>
+              </a:fontRef>
+            </p:style>
+          </p:cxnSp>
+          <p:cxnSp>
+            <p:nvCxnSpPr>
+              <p:cNvPr id="17" name="Conexão reta unidirecional 16">
+                <a:extLst>
+                  <a:ext uri="{FF2B5EF4-FFF2-40B4-BE49-F238E27FC236}">
+                    <a16:creationId xmlns:a16="http://schemas.microsoft.com/office/drawing/2014/main" id="{78C63AE2-344E-EEFA-93FD-CFB3A713B590}"/>
+                  </a:ext>
+                </a:extLst>
+              </p:cNvPr>
+              <p:cNvCxnSpPr>
+                <a:cxnSpLocks/>
+              </p:cNvCxnSpPr>
+              <p:nvPr/>
+            </p:nvCxnSpPr>
+            <p:spPr>
+              <a:xfrm>
+                <a:off x="3723579" y="5903457"/>
+                <a:ext cx="3988912" cy="0"/>
+              </a:xfrm>
+              <a:prstGeom prst="straightConnector1">
+                <a:avLst/>
+              </a:prstGeom>
+              <a:ln>
+                <a:headEnd type="triangle"/>
+                <a:tailEnd type="triangle"/>
+              </a:ln>
+            </p:spPr>
+            <p:style>
+              <a:lnRef idx="1">
+                <a:schemeClr val="dk1"/>
+              </a:lnRef>
+              <a:fillRef idx="0">
+                <a:schemeClr val="dk1"/>
+              </a:fillRef>
+              <a:effectRef idx="0">
+                <a:schemeClr val="dk1"/>
+              </a:effectRef>
+              <a:fontRef idx="minor">
+                <a:schemeClr val="tx1"/>
+              </a:fontRef>
+            </p:style>
+          </p:cxnSp>
+          <p:cxnSp>
+            <p:nvCxnSpPr>
+              <p:cNvPr id="19" name="Conexão reta unidirecional 18">
+                <a:extLst>
+                  <a:ext uri="{FF2B5EF4-FFF2-40B4-BE49-F238E27FC236}">
+                    <a16:creationId xmlns:a16="http://schemas.microsoft.com/office/drawing/2014/main" id="{3BE345FA-D6BF-D8CB-C93E-9F22C6E5266D}"/>
+                  </a:ext>
+                </a:extLst>
+              </p:cNvPr>
+              <p:cNvCxnSpPr>
+                <a:cxnSpLocks/>
+              </p:cNvCxnSpPr>
+              <p:nvPr/>
+            </p:nvCxnSpPr>
+            <p:spPr>
+              <a:xfrm>
+                <a:off x="7708018" y="5903457"/>
+                <a:ext cx="920127" cy="0"/>
+              </a:xfrm>
+              <a:prstGeom prst="straightConnector1">
+                <a:avLst/>
+              </a:prstGeom>
+              <a:ln>
+                <a:headEnd type="triangle"/>
+                <a:tailEnd type="triangle"/>
+              </a:ln>
+            </p:spPr>
+            <p:style>
+              <a:lnRef idx="1">
+                <a:schemeClr val="dk1"/>
+              </a:lnRef>
+              <a:fillRef idx="0">
+                <a:schemeClr val="dk1"/>
+              </a:fillRef>
+              <a:effectRef idx="0">
+                <a:schemeClr val="dk1"/>
+              </a:effectRef>
+              <a:fontRef idx="minor">
+                <a:schemeClr val="tx1"/>
+              </a:fontRef>
+            </p:style>
+          </p:cxnSp>
+          <p:sp>
+            <p:nvSpPr>
+              <p:cNvPr id="21" name="CaixaDeTexto 20">
+                <a:extLst>
+                  <a:ext uri="{FF2B5EF4-FFF2-40B4-BE49-F238E27FC236}">
+                    <a16:creationId xmlns:a16="http://schemas.microsoft.com/office/drawing/2014/main" id="{89A6EBA8-79F0-3504-F755-FA72871098E5}"/>
+                  </a:ext>
+                </a:extLst>
+              </p:cNvPr>
+              <p:cNvSpPr txBox="1"/>
+              <p:nvPr/>
+            </p:nvSpPr>
+            <p:spPr>
+              <a:xfrm>
+                <a:off x="3211147" y="5903457"/>
+                <a:ext cx="390525" cy="246221"/>
+              </a:xfrm>
+              <a:prstGeom prst="rect">
+                <a:avLst/>
+              </a:prstGeom>
+              <a:noFill/>
+            </p:spPr>
+            <p:txBody>
+              <a:bodyPr wrap="square" rtlCol="0">
+                <a:spAutoFit/>
+              </a:bodyPr>
+              <a:lstStyle/>
+              <a:p>
+                <a:r>
+                  <a:rPr lang="pt-PT" sz="1000" dirty="0">
+                    <a:latin typeface="Abadi" panose="020B0604020104020204" pitchFamily="34" charset="0"/>
+                  </a:rPr>
+                  <a:t>1m</a:t>
+                </a:r>
+              </a:p>
+            </p:txBody>
+          </p:sp>
+          <p:sp>
+            <p:nvSpPr>
+              <p:cNvPr id="22" name="CaixaDeTexto 21">
+                <a:extLst>
+                  <a:ext uri="{FF2B5EF4-FFF2-40B4-BE49-F238E27FC236}">
+                    <a16:creationId xmlns:a16="http://schemas.microsoft.com/office/drawing/2014/main" id="{7A107752-3E17-449A-B6FC-D9A926B7B91F}"/>
+                  </a:ext>
+                </a:extLst>
+              </p:cNvPr>
+              <p:cNvSpPr txBox="1"/>
+              <p:nvPr/>
+            </p:nvSpPr>
+            <p:spPr>
+              <a:xfrm>
+                <a:off x="5468759" y="5903457"/>
+                <a:ext cx="494078" cy="246221"/>
+              </a:xfrm>
+              <a:prstGeom prst="rect">
+                <a:avLst/>
+              </a:prstGeom>
+              <a:noFill/>
+            </p:spPr>
+            <p:txBody>
+              <a:bodyPr wrap="square" rtlCol="0">
+                <a:spAutoFit/>
+              </a:bodyPr>
+              <a:lstStyle/>
+              <a:p>
+                <a:r>
+                  <a:rPr lang="pt-PT" sz="1000" dirty="0">
+                    <a:latin typeface="Abadi" panose="020B0604020104020204" pitchFamily="34" charset="0"/>
+                  </a:rPr>
+                  <a:t>6,5m</a:t>
+                </a:r>
+              </a:p>
+            </p:txBody>
+          </p:sp>
+          <p:sp>
+            <p:nvSpPr>
+              <p:cNvPr id="23" name="CaixaDeTexto 22">
+                <a:extLst>
+                  <a:ext uri="{FF2B5EF4-FFF2-40B4-BE49-F238E27FC236}">
+                    <a16:creationId xmlns:a16="http://schemas.microsoft.com/office/drawing/2014/main" id="{A283D22E-680B-0FA9-6C47-D1D6A41F743F}"/>
+                  </a:ext>
+                </a:extLst>
+              </p:cNvPr>
+              <p:cNvSpPr txBox="1"/>
+              <p:nvPr/>
+            </p:nvSpPr>
+            <p:spPr>
+              <a:xfrm>
+                <a:off x="7921042" y="5915882"/>
+                <a:ext cx="494078" cy="246221"/>
+              </a:xfrm>
+              <a:prstGeom prst="rect">
+                <a:avLst/>
+              </a:prstGeom>
+              <a:noFill/>
+            </p:spPr>
+            <p:txBody>
+              <a:bodyPr wrap="square" rtlCol="0">
+                <a:spAutoFit/>
+              </a:bodyPr>
+              <a:lstStyle/>
+              <a:p>
+                <a:r>
+                  <a:rPr lang="pt-PT" sz="1000" dirty="0">
+                    <a:latin typeface="Abadi" panose="020B0604020104020204" pitchFamily="34" charset="0"/>
+                  </a:rPr>
+                  <a:t>1,5m</a:t>
+                </a:r>
+              </a:p>
+            </p:txBody>
+          </p:sp>
+          <p:sp>
+            <p:nvSpPr>
+              <p:cNvPr id="24" name="CaixaDeTexto 23">
+                <a:extLst>
+                  <a:ext uri="{FF2B5EF4-FFF2-40B4-BE49-F238E27FC236}">
+                    <a16:creationId xmlns:a16="http://schemas.microsoft.com/office/drawing/2014/main" id="{D16B3F30-6887-0963-1EB6-4EA146B684FD}"/>
+                  </a:ext>
+                </a:extLst>
+              </p:cNvPr>
+              <p:cNvSpPr txBox="1"/>
+              <p:nvPr/>
+            </p:nvSpPr>
+            <p:spPr>
+              <a:xfrm>
+                <a:off x="2124236" y="4700846"/>
+                <a:ext cx="571975" cy="246221"/>
+              </a:xfrm>
+              <a:prstGeom prst="rect">
+                <a:avLst/>
+              </a:prstGeom>
+              <a:noFill/>
+            </p:spPr>
+            <p:txBody>
+              <a:bodyPr wrap="square" rtlCol="0">
+                <a:spAutoFit/>
+              </a:bodyPr>
+              <a:lstStyle/>
+              <a:p>
+                <a:r>
+                  <a:rPr lang="pt-PT" sz="1000" dirty="0">
+                    <a:latin typeface="Abadi" panose="020B0604020104020204" pitchFamily="34" charset="0"/>
+                  </a:rPr>
+                  <a:t>2,25m</a:t>
+                </a:r>
+              </a:p>
+            </p:txBody>
+          </p:sp>
+          <p:cxnSp>
+            <p:nvCxnSpPr>
+              <p:cNvPr id="25" name="Conexão reta unidirecional 24">
+                <a:extLst>
+                  <a:ext uri="{FF2B5EF4-FFF2-40B4-BE49-F238E27FC236}">
+                    <a16:creationId xmlns:a16="http://schemas.microsoft.com/office/drawing/2014/main" id="{0F063953-BAC6-B0A8-18F9-4A12259FD02A}"/>
+                  </a:ext>
+                </a:extLst>
+              </p:cNvPr>
+              <p:cNvCxnSpPr>
+                <a:cxnSpLocks/>
+              </p:cNvCxnSpPr>
+              <p:nvPr/>
+            </p:nvCxnSpPr>
+            <p:spPr>
+              <a:xfrm flipH="1">
+                <a:off x="2688062" y="4127224"/>
+                <a:ext cx="8150" cy="1399816"/>
+              </a:xfrm>
+              <a:prstGeom prst="straightConnector1">
+                <a:avLst/>
+              </a:prstGeom>
+              <a:ln>
+                <a:headEnd type="triangle"/>
+                <a:tailEnd type="triangle"/>
+              </a:ln>
+            </p:spPr>
+            <p:style>
+              <a:lnRef idx="1">
+                <a:schemeClr val="dk1"/>
+              </a:lnRef>
+              <a:fillRef idx="0">
+                <a:schemeClr val="dk1"/>
+              </a:fillRef>
+              <a:effectRef idx="0">
+                <a:schemeClr val="dk1"/>
+              </a:effectRef>
+              <a:fontRef idx="minor">
+                <a:schemeClr val="tx1"/>
+              </a:fontRef>
+            </p:style>
+          </p:cxnSp>
+          <p:cxnSp>
+            <p:nvCxnSpPr>
+              <p:cNvPr id="28" name="Conexão reta unidirecional 27">
+                <a:extLst>
+                  <a:ext uri="{FF2B5EF4-FFF2-40B4-BE49-F238E27FC236}">
+                    <a16:creationId xmlns:a16="http://schemas.microsoft.com/office/drawing/2014/main" id="{20B6322D-93E5-44CA-5D09-08F6EFF96019}"/>
+                  </a:ext>
+                </a:extLst>
+              </p:cNvPr>
+              <p:cNvCxnSpPr>
+                <a:cxnSpLocks/>
+              </p:cNvCxnSpPr>
+              <p:nvPr/>
+            </p:nvCxnSpPr>
+            <p:spPr>
+              <a:xfrm>
+                <a:off x="3762193" y="1477839"/>
+                <a:ext cx="1226820" cy="0"/>
+              </a:xfrm>
+              <a:prstGeom prst="straightConnector1">
+                <a:avLst/>
+              </a:prstGeom>
+              <a:ln>
+                <a:headEnd type="triangle"/>
+                <a:tailEnd type="triangle"/>
+              </a:ln>
+            </p:spPr>
+            <p:style>
+              <a:lnRef idx="1">
+                <a:schemeClr val="dk1"/>
+              </a:lnRef>
+              <a:fillRef idx="0">
+                <a:schemeClr val="dk1"/>
+              </a:fillRef>
+              <a:effectRef idx="0">
+                <a:schemeClr val="dk1"/>
+              </a:effectRef>
+              <a:fontRef idx="minor">
+                <a:schemeClr val="tx1"/>
+              </a:fontRef>
+            </p:style>
+          </p:cxnSp>
+          <p:sp>
+            <p:nvSpPr>
+              <p:cNvPr id="29" name="CaixaDeTexto 28">
+                <a:extLst>
+                  <a:ext uri="{FF2B5EF4-FFF2-40B4-BE49-F238E27FC236}">
+                    <a16:creationId xmlns:a16="http://schemas.microsoft.com/office/drawing/2014/main" id="{5B893C3E-898F-5D6B-C3EB-05A0936510AD}"/>
+                  </a:ext>
+                </a:extLst>
+              </p:cNvPr>
+              <p:cNvSpPr txBox="1"/>
+              <p:nvPr/>
+            </p:nvSpPr>
+            <p:spPr>
+              <a:xfrm>
+                <a:off x="4194151" y="1290692"/>
+                <a:ext cx="390525" cy="246221"/>
+              </a:xfrm>
+              <a:prstGeom prst="rect">
+                <a:avLst/>
+              </a:prstGeom>
+              <a:noFill/>
+            </p:spPr>
+            <p:txBody>
+              <a:bodyPr wrap="square" rtlCol="0">
+                <a:spAutoFit/>
+              </a:bodyPr>
+              <a:lstStyle/>
+              <a:p>
+                <a:r>
+                  <a:rPr lang="pt-PT" sz="1000" dirty="0">
+                    <a:latin typeface="Abadi" panose="020B0604020104020204" pitchFamily="34" charset="0"/>
+                  </a:rPr>
+                  <a:t>2m</a:t>
+                </a:r>
+              </a:p>
+            </p:txBody>
+          </p:sp>
+          <p:cxnSp>
+            <p:nvCxnSpPr>
+              <p:cNvPr id="31" name="Conexão reta unidirecional 30">
+                <a:extLst>
+                  <a:ext uri="{FF2B5EF4-FFF2-40B4-BE49-F238E27FC236}">
+                    <a16:creationId xmlns:a16="http://schemas.microsoft.com/office/drawing/2014/main" id="{7E01C044-6A50-6821-2625-B580110A429E}"/>
+                  </a:ext>
+                </a:extLst>
+              </p:cNvPr>
+              <p:cNvCxnSpPr>
+                <a:cxnSpLocks/>
+              </p:cNvCxnSpPr>
+              <p:nvPr/>
+            </p:nvCxnSpPr>
+            <p:spPr>
+              <a:xfrm>
+                <a:off x="5649199" y="3407496"/>
+                <a:ext cx="1606693" cy="0"/>
+              </a:xfrm>
+              <a:prstGeom prst="straightConnector1">
+                <a:avLst/>
+              </a:prstGeom>
+              <a:ln>
+                <a:headEnd type="triangle"/>
+                <a:tailEnd type="triangle"/>
+              </a:ln>
+            </p:spPr>
+            <p:style>
+              <a:lnRef idx="1">
+                <a:schemeClr val="dk1"/>
+              </a:lnRef>
+              <a:fillRef idx="0">
+                <a:schemeClr val="dk1"/>
+              </a:fillRef>
+              <a:effectRef idx="0">
+                <a:schemeClr val="dk1"/>
+              </a:effectRef>
+              <a:fontRef idx="minor">
+                <a:schemeClr val="tx1"/>
+              </a:fontRef>
+            </p:style>
+          </p:cxnSp>
+          <p:sp>
+            <p:nvSpPr>
+              <p:cNvPr id="32" name="CaixaDeTexto 31">
+                <a:extLst>
+                  <a:ext uri="{FF2B5EF4-FFF2-40B4-BE49-F238E27FC236}">
+                    <a16:creationId xmlns:a16="http://schemas.microsoft.com/office/drawing/2014/main" id="{AF32BD15-E608-B88B-E493-57BAEC41FD88}"/>
+                  </a:ext>
+                </a:extLst>
+              </p:cNvPr>
+              <p:cNvSpPr txBox="1"/>
+              <p:nvPr/>
+            </p:nvSpPr>
+            <p:spPr>
+              <a:xfrm>
+                <a:off x="6142381" y="3161275"/>
+                <a:ext cx="733637" cy="246221"/>
+              </a:xfrm>
+              <a:prstGeom prst="rect">
+                <a:avLst/>
+              </a:prstGeom>
+              <a:noFill/>
+            </p:spPr>
+            <p:txBody>
+              <a:bodyPr wrap="square" rtlCol="0">
+                <a:spAutoFit/>
+              </a:bodyPr>
+              <a:lstStyle/>
+              <a:p>
+                <a:r>
+                  <a:rPr lang="pt-PT" sz="1000" dirty="0">
+                    <a:latin typeface="Abadi" panose="020B0604020104020204" pitchFamily="34" charset="0"/>
+                  </a:rPr>
+                  <a:t>2,65m</a:t>
+                </a:r>
+              </a:p>
+            </p:txBody>
+          </p:sp>
+          <p:cxnSp>
+            <p:nvCxnSpPr>
+              <p:cNvPr id="33" name="Conexão reta unidirecional 32">
+                <a:extLst>
+                  <a:ext uri="{FF2B5EF4-FFF2-40B4-BE49-F238E27FC236}">
+                    <a16:creationId xmlns:a16="http://schemas.microsoft.com/office/drawing/2014/main" id="{05DF97F4-7FDC-A8C8-0B23-5D046F202A91}"/>
+                  </a:ext>
+                </a:extLst>
+              </p:cNvPr>
+              <p:cNvCxnSpPr>
+                <a:cxnSpLocks/>
+              </p:cNvCxnSpPr>
+              <p:nvPr/>
+            </p:nvCxnSpPr>
+            <p:spPr>
+              <a:xfrm>
+                <a:off x="7255892" y="3816251"/>
+                <a:ext cx="1226820" cy="0"/>
+              </a:xfrm>
+              <a:prstGeom prst="straightConnector1">
+                <a:avLst/>
+              </a:prstGeom>
+              <a:ln>
+                <a:headEnd type="triangle"/>
+                <a:tailEnd type="triangle"/>
+              </a:ln>
+            </p:spPr>
+            <p:style>
+              <a:lnRef idx="1">
+                <a:schemeClr val="dk1"/>
+              </a:lnRef>
+              <a:fillRef idx="0">
+                <a:schemeClr val="dk1"/>
+              </a:fillRef>
+              <a:effectRef idx="0">
+                <a:schemeClr val="dk1"/>
+              </a:effectRef>
+              <a:fontRef idx="minor">
+                <a:schemeClr val="tx1"/>
+              </a:fontRef>
+            </p:style>
+          </p:cxnSp>
+          <p:sp>
+            <p:nvSpPr>
+              <p:cNvPr id="34" name="CaixaDeTexto 33">
+                <a:extLst>
+                  <a:ext uri="{FF2B5EF4-FFF2-40B4-BE49-F238E27FC236}">
+                    <a16:creationId xmlns:a16="http://schemas.microsoft.com/office/drawing/2014/main" id="{E24BB762-6DA3-AC75-4E51-F9B51ECCE308}"/>
+                  </a:ext>
+                </a:extLst>
+              </p:cNvPr>
+              <p:cNvSpPr txBox="1"/>
+              <p:nvPr/>
+            </p:nvSpPr>
+            <p:spPr>
+              <a:xfrm>
+                <a:off x="7674039" y="3621346"/>
+                <a:ext cx="390525" cy="246221"/>
+              </a:xfrm>
+              <a:prstGeom prst="rect">
+                <a:avLst/>
+              </a:prstGeom>
+              <a:noFill/>
+            </p:spPr>
+            <p:txBody>
+              <a:bodyPr wrap="square" rtlCol="0">
+                <a:spAutoFit/>
+              </a:bodyPr>
+              <a:lstStyle/>
+              <a:p>
+                <a:r>
+                  <a:rPr lang="pt-PT" sz="1000" dirty="0">
+                    <a:latin typeface="Abadi" panose="020B0604020104020204" pitchFamily="34" charset="0"/>
+                  </a:rPr>
+                  <a:t>2m</a:t>
+                </a:r>
+              </a:p>
+            </p:txBody>
+          </p:sp>
+        </p:grpSp>
+        <p:grpSp>
+          <p:nvGrpSpPr>
+            <p:cNvPr id="50" name="Agrupar 49">
+              <a:extLst>
+                <a:ext uri="{FF2B5EF4-FFF2-40B4-BE49-F238E27FC236}">
+                  <a16:creationId xmlns:a16="http://schemas.microsoft.com/office/drawing/2014/main" id="{6943E87C-8474-1CD7-B77F-275FCB6DD712}"/>
+                </a:ext>
+              </a:extLst>
+            </p:cNvPr>
+            <p:cNvGrpSpPr/>
+            <p:nvPr/>
+          </p:nvGrpSpPr>
+          <p:grpSpPr>
+            <a:xfrm>
+              <a:off x="3924251" y="4256426"/>
+              <a:ext cx="2117268" cy="288000"/>
+              <a:chOff x="3924251" y="4256426"/>
+              <a:chExt cx="2117268" cy="288000"/>
+            </a:xfrm>
+          </p:grpSpPr>
+          <p:sp>
+            <p:nvSpPr>
+              <p:cNvPr id="40" name="Retângulo 39">
+                <a:extLst>
+                  <a:ext uri="{FF2B5EF4-FFF2-40B4-BE49-F238E27FC236}">
+                    <a16:creationId xmlns:a16="http://schemas.microsoft.com/office/drawing/2014/main" id="{E940D367-2F15-6FDB-F707-AE2FE3392466}"/>
+                  </a:ext>
+                </a:extLst>
+              </p:cNvPr>
+              <p:cNvSpPr/>
+              <p:nvPr/>
+            </p:nvSpPr>
+            <p:spPr>
+              <a:xfrm>
+                <a:off x="3924251" y="4256426"/>
+                <a:ext cx="288000" cy="288000"/>
+              </a:xfrm>
+              <a:prstGeom prst="rect">
+                <a:avLst/>
+              </a:prstGeom>
+            </p:spPr>
+            <p:style>
+              <a:lnRef idx="2">
+                <a:schemeClr val="accent1">
+                  <a:shade val="50000"/>
+                </a:schemeClr>
+              </a:lnRef>
+              <a:fillRef idx="1">
+                <a:schemeClr val="accent1"/>
+              </a:fillRef>
+              <a:effectRef idx="0">
+                <a:schemeClr val="accent1"/>
+              </a:effectRef>
+              <a:fontRef idx="minor">
+                <a:schemeClr val="lt1"/>
+              </a:fontRef>
+            </p:style>
+            <p:txBody>
+              <a:bodyPr rtlCol="0" anchor="ctr"/>
+              <a:lstStyle/>
+              <a:p>
+                <a:pPr algn="ctr"/>
+                <a:endParaRPr lang="pt-PT" dirty="0"/>
+              </a:p>
+            </p:txBody>
+          </p:sp>
+          <p:sp>
+            <p:nvSpPr>
+              <p:cNvPr id="46" name="Retângulo 45">
+                <a:extLst>
+                  <a:ext uri="{FF2B5EF4-FFF2-40B4-BE49-F238E27FC236}">
+                    <a16:creationId xmlns:a16="http://schemas.microsoft.com/office/drawing/2014/main" id="{B5224A88-713B-CD1F-1529-67D389DFBD58}"/>
+                  </a:ext>
+                </a:extLst>
+              </p:cNvPr>
+              <p:cNvSpPr/>
+              <p:nvPr/>
+            </p:nvSpPr>
+            <p:spPr>
+              <a:xfrm>
+                <a:off x="4382181" y="4256426"/>
+                <a:ext cx="288000" cy="288000"/>
+              </a:xfrm>
+              <a:prstGeom prst="rect">
+                <a:avLst/>
+              </a:prstGeom>
+            </p:spPr>
+            <p:style>
+              <a:lnRef idx="2">
+                <a:schemeClr val="accent1">
+                  <a:shade val="50000"/>
+                </a:schemeClr>
+              </a:lnRef>
+              <a:fillRef idx="1">
+                <a:schemeClr val="accent1"/>
+              </a:fillRef>
+              <a:effectRef idx="0">
+                <a:schemeClr val="accent1"/>
+              </a:effectRef>
+              <a:fontRef idx="minor">
+                <a:schemeClr val="lt1"/>
+              </a:fontRef>
+            </p:style>
+            <p:txBody>
+              <a:bodyPr rtlCol="0" anchor="ctr"/>
+              <a:lstStyle/>
+              <a:p>
+                <a:pPr algn="ctr"/>
+                <a:endParaRPr lang="pt-PT" dirty="0"/>
+              </a:p>
+            </p:txBody>
+          </p:sp>
+          <p:sp>
+            <p:nvSpPr>
+              <p:cNvPr id="47" name="Retângulo 46">
+                <a:extLst>
+                  <a:ext uri="{FF2B5EF4-FFF2-40B4-BE49-F238E27FC236}">
+                    <a16:creationId xmlns:a16="http://schemas.microsoft.com/office/drawing/2014/main" id="{7EBC3461-4AE7-0B83-700D-B6F164B815B0}"/>
+                  </a:ext>
+                </a:extLst>
+              </p:cNvPr>
+              <p:cNvSpPr/>
+              <p:nvPr/>
+            </p:nvSpPr>
+            <p:spPr>
+              <a:xfrm>
+                <a:off x="4840111" y="4256426"/>
+                <a:ext cx="288000" cy="288000"/>
+              </a:xfrm>
+              <a:prstGeom prst="rect">
+                <a:avLst/>
+              </a:prstGeom>
+            </p:spPr>
+            <p:style>
+              <a:lnRef idx="2">
+                <a:schemeClr val="accent1">
+                  <a:shade val="50000"/>
+                </a:schemeClr>
+              </a:lnRef>
+              <a:fillRef idx="1">
+                <a:schemeClr val="accent1"/>
+              </a:fillRef>
+              <a:effectRef idx="0">
+                <a:schemeClr val="accent1"/>
+              </a:effectRef>
+              <a:fontRef idx="minor">
+                <a:schemeClr val="lt1"/>
+              </a:fontRef>
+            </p:style>
+            <p:txBody>
+              <a:bodyPr rtlCol="0" anchor="ctr"/>
+              <a:lstStyle/>
+              <a:p>
+                <a:pPr algn="ctr"/>
+                <a:endParaRPr lang="pt-PT" dirty="0"/>
+              </a:p>
+            </p:txBody>
+          </p:sp>
+          <p:sp>
+            <p:nvSpPr>
+              <p:cNvPr id="48" name="Retângulo 47">
+                <a:extLst>
+                  <a:ext uri="{FF2B5EF4-FFF2-40B4-BE49-F238E27FC236}">
+                    <a16:creationId xmlns:a16="http://schemas.microsoft.com/office/drawing/2014/main" id="{EBEBE159-84D9-B6A1-6C65-C87BE4A09315}"/>
+                  </a:ext>
+                </a:extLst>
+              </p:cNvPr>
+              <p:cNvSpPr/>
+              <p:nvPr/>
+            </p:nvSpPr>
+            <p:spPr>
+              <a:xfrm>
+                <a:off x="5295692" y="4256426"/>
+                <a:ext cx="288000" cy="288000"/>
+              </a:xfrm>
+              <a:prstGeom prst="rect">
+                <a:avLst/>
+              </a:prstGeom>
+            </p:spPr>
+            <p:style>
+              <a:lnRef idx="2">
+                <a:schemeClr val="accent1">
+                  <a:shade val="50000"/>
+                </a:schemeClr>
+              </a:lnRef>
+              <a:fillRef idx="1">
+                <a:schemeClr val="accent1"/>
+              </a:fillRef>
+              <a:effectRef idx="0">
+                <a:schemeClr val="accent1"/>
+              </a:effectRef>
+              <a:fontRef idx="minor">
+                <a:schemeClr val="lt1"/>
+              </a:fontRef>
+            </p:style>
+            <p:txBody>
+              <a:bodyPr rtlCol="0" anchor="ctr"/>
+              <a:lstStyle/>
+              <a:p>
+                <a:pPr algn="ctr"/>
+                <a:endParaRPr lang="pt-PT" dirty="0"/>
+              </a:p>
+            </p:txBody>
+          </p:sp>
+          <p:sp>
+            <p:nvSpPr>
+              <p:cNvPr id="49" name="Retângulo 48">
+                <a:extLst>
+                  <a:ext uri="{FF2B5EF4-FFF2-40B4-BE49-F238E27FC236}">
+                    <a16:creationId xmlns:a16="http://schemas.microsoft.com/office/drawing/2014/main" id="{D19FFEEF-D3C7-F18A-9562-395A4D44FE90}"/>
+                  </a:ext>
+                </a:extLst>
+              </p:cNvPr>
+              <p:cNvSpPr/>
+              <p:nvPr/>
+            </p:nvSpPr>
+            <p:spPr>
+              <a:xfrm>
+                <a:off x="5753519" y="4256426"/>
+                <a:ext cx="288000" cy="288000"/>
+              </a:xfrm>
+              <a:prstGeom prst="rect">
+                <a:avLst/>
+              </a:prstGeom>
+            </p:spPr>
+            <p:style>
+              <a:lnRef idx="2">
+                <a:schemeClr val="accent1">
+                  <a:shade val="50000"/>
+                </a:schemeClr>
+              </a:lnRef>
+              <a:fillRef idx="1">
+                <a:schemeClr val="accent1"/>
+              </a:fillRef>
+              <a:effectRef idx="0">
+                <a:schemeClr val="accent1"/>
+              </a:effectRef>
+              <a:fontRef idx="minor">
+                <a:schemeClr val="lt1"/>
+              </a:fontRef>
+            </p:style>
+            <p:txBody>
+              <a:bodyPr rtlCol="0" anchor="ctr"/>
+              <a:lstStyle/>
+              <a:p>
+                <a:pPr algn="ctr"/>
+                <a:endParaRPr lang="pt-PT" dirty="0"/>
+              </a:p>
+            </p:txBody>
+          </p:sp>
+        </p:grpSp>
+        <p:grpSp>
+          <p:nvGrpSpPr>
+            <p:cNvPr id="51" name="Agrupar 50">
+              <a:extLst>
+                <a:ext uri="{FF2B5EF4-FFF2-40B4-BE49-F238E27FC236}">
+                  <a16:creationId xmlns:a16="http://schemas.microsoft.com/office/drawing/2014/main" id="{3CA821DE-A524-5743-15A4-153C6786628A}"/>
+                </a:ext>
+              </a:extLst>
+            </p:cNvPr>
+            <p:cNvGrpSpPr/>
+            <p:nvPr/>
+          </p:nvGrpSpPr>
+          <p:grpSpPr>
+            <a:xfrm>
+              <a:off x="3931484" y="5113273"/>
+              <a:ext cx="2117268" cy="288000"/>
+              <a:chOff x="3924251" y="4256426"/>
+              <a:chExt cx="2117268" cy="288000"/>
+            </a:xfrm>
+          </p:grpSpPr>
+          <p:sp>
+            <p:nvSpPr>
+              <p:cNvPr id="52" name="Retângulo 51">
+                <a:extLst>
+                  <a:ext uri="{FF2B5EF4-FFF2-40B4-BE49-F238E27FC236}">
+                    <a16:creationId xmlns:a16="http://schemas.microsoft.com/office/drawing/2014/main" id="{31DE9993-1867-0EAB-4826-1FC9BCA933B0}"/>
+                  </a:ext>
+                </a:extLst>
+              </p:cNvPr>
+              <p:cNvSpPr/>
+              <p:nvPr/>
+            </p:nvSpPr>
+            <p:spPr>
+              <a:xfrm>
+                <a:off x="3924251" y="4256426"/>
+                <a:ext cx="288000" cy="288000"/>
+              </a:xfrm>
+              <a:prstGeom prst="rect">
+                <a:avLst/>
+              </a:prstGeom>
+            </p:spPr>
+            <p:style>
+              <a:lnRef idx="2">
+                <a:schemeClr val="accent1">
+                  <a:shade val="50000"/>
+                </a:schemeClr>
+              </a:lnRef>
+              <a:fillRef idx="1">
+                <a:schemeClr val="accent1"/>
+              </a:fillRef>
+              <a:effectRef idx="0">
+                <a:schemeClr val="accent1"/>
+              </a:effectRef>
+              <a:fontRef idx="minor">
+                <a:schemeClr val="lt1"/>
+              </a:fontRef>
+            </p:style>
+            <p:txBody>
+              <a:bodyPr rtlCol="0" anchor="ctr"/>
+              <a:lstStyle/>
+              <a:p>
+                <a:pPr algn="ctr"/>
+                <a:endParaRPr lang="pt-PT" dirty="0"/>
+              </a:p>
+            </p:txBody>
+          </p:sp>
+          <p:sp>
+            <p:nvSpPr>
+              <p:cNvPr id="53" name="Retângulo 52">
+                <a:extLst>
+                  <a:ext uri="{FF2B5EF4-FFF2-40B4-BE49-F238E27FC236}">
+                    <a16:creationId xmlns:a16="http://schemas.microsoft.com/office/drawing/2014/main" id="{841E6150-441D-FB38-A8A5-E97C17886390}"/>
+                  </a:ext>
+                </a:extLst>
+              </p:cNvPr>
+              <p:cNvSpPr/>
+              <p:nvPr/>
+            </p:nvSpPr>
+            <p:spPr>
+              <a:xfrm>
+                <a:off x="4382181" y="4256426"/>
+                <a:ext cx="288000" cy="288000"/>
+              </a:xfrm>
+              <a:prstGeom prst="rect">
+                <a:avLst/>
+              </a:prstGeom>
+            </p:spPr>
+            <p:style>
+              <a:lnRef idx="2">
+                <a:schemeClr val="accent1">
+                  <a:shade val="50000"/>
+                </a:schemeClr>
+              </a:lnRef>
+              <a:fillRef idx="1">
+                <a:schemeClr val="accent1"/>
+              </a:fillRef>
+              <a:effectRef idx="0">
+                <a:schemeClr val="accent1"/>
+              </a:effectRef>
+              <a:fontRef idx="minor">
+                <a:schemeClr val="lt1"/>
+              </a:fontRef>
+            </p:style>
+            <p:txBody>
+              <a:bodyPr rtlCol="0" anchor="ctr"/>
+              <a:lstStyle/>
+              <a:p>
+                <a:pPr algn="ctr"/>
+                <a:endParaRPr lang="pt-PT" dirty="0"/>
+              </a:p>
+            </p:txBody>
+          </p:sp>
+          <p:sp>
+            <p:nvSpPr>
+              <p:cNvPr id="54" name="Retângulo 53">
+                <a:extLst>
+                  <a:ext uri="{FF2B5EF4-FFF2-40B4-BE49-F238E27FC236}">
+                    <a16:creationId xmlns:a16="http://schemas.microsoft.com/office/drawing/2014/main" id="{88B94301-C8D6-3A7C-5E3E-1E5DB8DA4CBE}"/>
+                  </a:ext>
+                </a:extLst>
+              </p:cNvPr>
+              <p:cNvSpPr/>
+              <p:nvPr/>
+            </p:nvSpPr>
+            <p:spPr>
+              <a:xfrm>
+                <a:off x="4840111" y="4256426"/>
+                <a:ext cx="288000" cy="288000"/>
+              </a:xfrm>
+              <a:prstGeom prst="rect">
+                <a:avLst/>
+              </a:prstGeom>
+            </p:spPr>
+            <p:style>
+              <a:lnRef idx="2">
+                <a:schemeClr val="accent1">
+                  <a:shade val="50000"/>
+                </a:schemeClr>
+              </a:lnRef>
+              <a:fillRef idx="1">
+                <a:schemeClr val="accent1"/>
+              </a:fillRef>
+              <a:effectRef idx="0">
+                <a:schemeClr val="accent1"/>
+              </a:effectRef>
+              <a:fontRef idx="minor">
+                <a:schemeClr val="lt1"/>
+              </a:fontRef>
+            </p:style>
+            <p:txBody>
+              <a:bodyPr rtlCol="0" anchor="ctr"/>
+              <a:lstStyle/>
+              <a:p>
+                <a:pPr algn="ctr"/>
+                <a:endParaRPr lang="pt-PT" dirty="0"/>
+              </a:p>
+            </p:txBody>
+          </p:sp>
+          <p:sp>
+            <p:nvSpPr>
+              <p:cNvPr id="55" name="Retângulo 54">
+                <a:extLst>
+                  <a:ext uri="{FF2B5EF4-FFF2-40B4-BE49-F238E27FC236}">
+                    <a16:creationId xmlns:a16="http://schemas.microsoft.com/office/drawing/2014/main" id="{560F2F22-E6E7-4CAB-EDB8-45F44493033C}"/>
+                  </a:ext>
+                </a:extLst>
+              </p:cNvPr>
+              <p:cNvSpPr/>
+              <p:nvPr/>
+            </p:nvSpPr>
+            <p:spPr>
+              <a:xfrm>
+                <a:off x="5295692" y="4256426"/>
+                <a:ext cx="288000" cy="288000"/>
+              </a:xfrm>
+              <a:prstGeom prst="rect">
+                <a:avLst/>
+              </a:prstGeom>
+            </p:spPr>
+            <p:style>
+              <a:lnRef idx="2">
+                <a:schemeClr val="accent1">
+                  <a:shade val="50000"/>
+                </a:schemeClr>
+              </a:lnRef>
+              <a:fillRef idx="1">
+                <a:schemeClr val="accent1"/>
+              </a:fillRef>
+              <a:effectRef idx="0">
+                <a:schemeClr val="accent1"/>
+              </a:effectRef>
+              <a:fontRef idx="minor">
+                <a:schemeClr val="lt1"/>
+              </a:fontRef>
+            </p:style>
+            <p:txBody>
+              <a:bodyPr rtlCol="0" anchor="ctr"/>
+              <a:lstStyle/>
+              <a:p>
+                <a:pPr algn="ctr"/>
+                <a:endParaRPr lang="pt-PT" dirty="0"/>
+              </a:p>
+            </p:txBody>
+          </p:sp>
+          <p:sp>
+            <p:nvSpPr>
+              <p:cNvPr id="56" name="Retângulo 55">
+                <a:extLst>
+                  <a:ext uri="{FF2B5EF4-FFF2-40B4-BE49-F238E27FC236}">
+                    <a16:creationId xmlns:a16="http://schemas.microsoft.com/office/drawing/2014/main" id="{1F31C486-DC80-82B9-22AC-FE96B00C7C53}"/>
+                  </a:ext>
+                </a:extLst>
+              </p:cNvPr>
+              <p:cNvSpPr/>
+              <p:nvPr/>
+            </p:nvSpPr>
+            <p:spPr>
+              <a:xfrm>
+                <a:off x="5753519" y="4256426"/>
+                <a:ext cx="288000" cy="288000"/>
+              </a:xfrm>
+              <a:prstGeom prst="rect">
+                <a:avLst/>
+              </a:prstGeom>
+            </p:spPr>
+            <p:style>
+              <a:lnRef idx="2">
+                <a:schemeClr val="accent1">
+                  <a:shade val="50000"/>
+                </a:schemeClr>
+              </a:lnRef>
+              <a:fillRef idx="1">
+                <a:schemeClr val="accent1"/>
+              </a:fillRef>
+              <a:effectRef idx="0">
+                <a:schemeClr val="accent1"/>
+              </a:effectRef>
+              <a:fontRef idx="minor">
+                <a:schemeClr val="lt1"/>
+              </a:fontRef>
+            </p:style>
+            <p:txBody>
+              <a:bodyPr rtlCol="0" anchor="ctr"/>
+              <a:lstStyle/>
+              <a:p>
+                <a:pPr algn="ctr"/>
+                <a:endParaRPr lang="pt-PT" dirty="0"/>
+              </a:p>
+            </p:txBody>
+          </p:sp>
+        </p:grpSp>
+        <p:sp>
+          <p:nvSpPr>
+            <p:cNvPr id="57" name="Retângulo 56">
+              <a:extLst>
+                <a:ext uri="{FF2B5EF4-FFF2-40B4-BE49-F238E27FC236}">
+                  <a16:creationId xmlns:a16="http://schemas.microsoft.com/office/drawing/2014/main" id="{A27D8E75-4212-D5F7-B3F6-16E76DE1FDEB}"/>
+                </a:ext>
+              </a:extLst>
+            </p:cNvPr>
+            <p:cNvSpPr/>
+            <p:nvPr/>
+          </p:nvSpPr>
+          <p:spPr>
+            <a:xfrm>
+              <a:off x="7261774" y="4679956"/>
+              <a:ext cx="288000" cy="288000"/>
+            </a:xfrm>
+            <a:prstGeom prst="rect">
+              <a:avLst/>
+            </a:prstGeom>
+          </p:spPr>
+          <p:style>
+            <a:lnRef idx="2">
+              <a:schemeClr val="accent1">
+                <a:shade val="50000"/>
+              </a:schemeClr>
+            </a:lnRef>
+            <a:fillRef idx="1">
+              <a:schemeClr val="accent1"/>
+            </a:fillRef>
+            <a:effectRef idx="0">
+              <a:schemeClr val="accent1"/>
+            </a:effectRef>
+            <a:fontRef idx="minor">
+              <a:schemeClr val="lt1"/>
+            </a:fontRef>
+          </p:style>
+          <p:txBody>
+            <a:bodyPr rtlCol="0" anchor="ctr"/>
+            <a:lstStyle/>
+            <a:p>
+              <a:pPr algn="ctr"/>
+              <a:endParaRPr lang="pt-PT" dirty="0"/>
+            </a:p>
+          </p:txBody>
+        </p:sp>
+        <p:grpSp>
+          <p:nvGrpSpPr>
+            <p:cNvPr id="61" name="Agrupar 60">
+              <a:extLst>
+                <a:ext uri="{FF2B5EF4-FFF2-40B4-BE49-F238E27FC236}">
+                  <a16:creationId xmlns:a16="http://schemas.microsoft.com/office/drawing/2014/main" id="{8D67063C-48C5-FF04-A8C5-C34AC364D713}"/>
+                </a:ext>
+              </a:extLst>
+            </p:cNvPr>
+            <p:cNvGrpSpPr/>
+            <p:nvPr/>
+          </p:nvGrpSpPr>
+          <p:grpSpPr>
+            <a:xfrm>
+              <a:off x="3449626" y="4679956"/>
+              <a:ext cx="236878" cy="301108"/>
+              <a:chOff x="3376808" y="4679956"/>
+              <a:chExt cx="236878" cy="301108"/>
+            </a:xfrm>
+          </p:grpSpPr>
+          <p:sp>
+            <p:nvSpPr>
+              <p:cNvPr id="58" name="Retângulo: Cantos Arredondados 57">
+                <a:extLst>
+                  <a:ext uri="{FF2B5EF4-FFF2-40B4-BE49-F238E27FC236}">
+                    <a16:creationId xmlns:a16="http://schemas.microsoft.com/office/drawing/2014/main" id="{7A34D659-AC35-F4A8-EF6A-7C1FC82B0A01}"/>
+                  </a:ext>
+                </a:extLst>
+              </p:cNvPr>
+              <p:cNvSpPr/>
+              <p:nvPr/>
+            </p:nvSpPr>
+            <p:spPr>
+              <a:xfrm>
+                <a:off x="3376808" y="4679956"/>
+                <a:ext cx="236878" cy="150554"/>
+              </a:xfrm>
+              <a:prstGeom prst="roundRect">
+                <a:avLst/>
+              </a:prstGeom>
+              <a:ln>
+                <a:solidFill>
+                  <a:schemeClr val="bg2">
+                    <a:lumMod val="50000"/>
+                  </a:schemeClr>
+                </a:solidFill>
+              </a:ln>
+            </p:spPr>
+            <p:style>
+              <a:lnRef idx="2">
+                <a:schemeClr val="dk1">
+                  <a:shade val="50000"/>
+                </a:schemeClr>
+              </a:lnRef>
+              <a:fillRef idx="1">
+                <a:schemeClr val="dk1"/>
+              </a:fillRef>
+              <a:effectRef idx="0">
+                <a:schemeClr val="dk1"/>
+              </a:effectRef>
+              <a:fontRef idx="minor">
+                <a:schemeClr val="lt1"/>
+              </a:fontRef>
+            </p:style>
+            <p:txBody>
+              <a:bodyPr rtlCol="0" anchor="ctr"/>
+              <a:lstStyle/>
+              <a:p>
+                <a:pPr algn="ctr"/>
+                <a:endParaRPr lang="pt-PT" dirty="0"/>
+              </a:p>
+            </p:txBody>
+          </p:sp>
+          <p:sp>
+            <p:nvSpPr>
+              <p:cNvPr id="60" name="Retângulo: Cantos Arredondados 59">
+                <a:extLst>
+                  <a:ext uri="{FF2B5EF4-FFF2-40B4-BE49-F238E27FC236}">
+                    <a16:creationId xmlns:a16="http://schemas.microsoft.com/office/drawing/2014/main" id="{6C71B25D-2C6A-7E4D-94C0-BE22893BEBD4}"/>
+                  </a:ext>
+                </a:extLst>
+              </p:cNvPr>
+              <p:cNvSpPr/>
+              <p:nvPr/>
+            </p:nvSpPr>
+            <p:spPr>
+              <a:xfrm>
+                <a:off x="3376808" y="4830510"/>
+                <a:ext cx="236878" cy="150554"/>
+              </a:xfrm>
+              <a:prstGeom prst="roundRect">
+                <a:avLst/>
+              </a:prstGeom>
+              <a:ln>
+                <a:solidFill>
+                  <a:schemeClr val="bg2">
+                    <a:lumMod val="50000"/>
+                  </a:schemeClr>
+                </a:solidFill>
+              </a:ln>
+            </p:spPr>
+            <p:style>
+              <a:lnRef idx="2">
+                <a:schemeClr val="dk1">
+                  <a:shade val="50000"/>
+                </a:schemeClr>
+              </a:lnRef>
+              <a:fillRef idx="1">
+                <a:schemeClr val="dk1"/>
+              </a:fillRef>
+              <a:effectRef idx="0">
+                <a:schemeClr val="dk1"/>
+              </a:effectRef>
+              <a:fontRef idx="minor">
+                <a:schemeClr val="lt1"/>
+              </a:fontRef>
+            </p:style>
+            <p:txBody>
+              <a:bodyPr rtlCol="0" anchor="ctr"/>
+              <a:lstStyle/>
+              <a:p>
+                <a:pPr algn="ctr"/>
+                <a:endParaRPr lang="pt-PT" dirty="0"/>
+              </a:p>
+            </p:txBody>
+          </p:sp>
+        </p:grpSp>
+        <p:sp>
+          <p:nvSpPr>
+            <p:cNvPr id="62" name="CaixaDeTexto 61">
+              <a:extLst>
+                <a:ext uri="{FF2B5EF4-FFF2-40B4-BE49-F238E27FC236}">
+                  <a16:creationId xmlns:a16="http://schemas.microsoft.com/office/drawing/2014/main" id="{199F49F5-B4AD-8C2E-E67C-8ED715583132}"/>
+                </a:ext>
+              </a:extLst>
+            </p:cNvPr>
+            <p:cNvSpPr txBox="1"/>
+            <p:nvPr/>
+          </p:nvSpPr>
+          <p:spPr>
+            <a:xfrm rot="16200000">
+              <a:off x="7718367" y="4582407"/>
+              <a:ext cx="953854" cy="276999"/>
+            </a:xfrm>
+            <a:prstGeom prst="rect">
+              <a:avLst/>
+            </a:prstGeom>
+            <a:noFill/>
+          </p:spPr>
+          <p:txBody>
+            <a:bodyPr wrap="square" rtlCol="0">
+              <a:spAutoFit/>
+            </a:bodyPr>
+            <a:lstStyle/>
+            <a:p>
+              <a:r>
+                <a:rPr lang="pt-PT" sz="1200" dirty="0">
+                  <a:latin typeface="Abadi" panose="020B0604020104020204" pitchFamily="34" charset="0"/>
+                </a:rPr>
+                <a:t>Baterias</a:t>
+              </a:r>
+            </a:p>
+          </p:txBody>
+        </p:sp>
+        <p:grpSp>
+          <p:nvGrpSpPr>
+            <p:cNvPr id="63" name="Agrupar 62">
+              <a:extLst>
+                <a:ext uri="{FF2B5EF4-FFF2-40B4-BE49-F238E27FC236}">
+                  <a16:creationId xmlns:a16="http://schemas.microsoft.com/office/drawing/2014/main" id="{091CE335-E499-CC18-515B-3C2F7EA68F5C}"/>
+                </a:ext>
+              </a:extLst>
+            </p:cNvPr>
+            <p:cNvGrpSpPr/>
+            <p:nvPr/>
+          </p:nvGrpSpPr>
+          <p:grpSpPr>
+            <a:xfrm>
+              <a:off x="7238571" y="4228264"/>
+              <a:ext cx="342500" cy="369276"/>
+              <a:chOff x="3376808" y="4679956"/>
+              <a:chExt cx="236878" cy="301108"/>
+            </a:xfrm>
+          </p:grpSpPr>
+          <p:sp>
+            <p:nvSpPr>
+              <p:cNvPr id="64" name="Retângulo: Cantos Arredondados 63">
+                <a:extLst>
+                  <a:ext uri="{FF2B5EF4-FFF2-40B4-BE49-F238E27FC236}">
+                    <a16:creationId xmlns:a16="http://schemas.microsoft.com/office/drawing/2014/main" id="{34711423-849C-6D63-74A3-04C569B30CC1}"/>
+                  </a:ext>
+                </a:extLst>
+              </p:cNvPr>
+              <p:cNvSpPr/>
+              <p:nvPr/>
+            </p:nvSpPr>
+            <p:spPr>
+              <a:xfrm>
+                <a:off x="3376808" y="4679956"/>
+                <a:ext cx="236878" cy="150554"/>
+              </a:xfrm>
+              <a:prstGeom prst="roundRect">
+                <a:avLst/>
+              </a:prstGeom>
+              <a:ln>
+                <a:solidFill>
+                  <a:schemeClr val="bg2">
+                    <a:lumMod val="50000"/>
+                  </a:schemeClr>
+                </a:solidFill>
+              </a:ln>
+            </p:spPr>
+            <p:style>
+              <a:lnRef idx="2">
+                <a:schemeClr val="dk1">
+                  <a:shade val="50000"/>
+                </a:schemeClr>
+              </a:lnRef>
+              <a:fillRef idx="1">
+                <a:schemeClr val="dk1"/>
+              </a:fillRef>
+              <a:effectRef idx="0">
+                <a:schemeClr val="dk1"/>
+              </a:effectRef>
+              <a:fontRef idx="minor">
+                <a:schemeClr val="lt1"/>
+              </a:fontRef>
+            </p:style>
+            <p:txBody>
+              <a:bodyPr rtlCol="0" anchor="ctr"/>
+              <a:lstStyle/>
+              <a:p>
+                <a:pPr algn="ctr"/>
+                <a:endParaRPr lang="pt-PT" dirty="0"/>
+              </a:p>
+            </p:txBody>
+          </p:sp>
+          <p:sp>
+            <p:nvSpPr>
+              <p:cNvPr id="65" name="Retângulo: Cantos Arredondados 64">
+                <a:extLst>
+                  <a:ext uri="{FF2B5EF4-FFF2-40B4-BE49-F238E27FC236}">
+                    <a16:creationId xmlns:a16="http://schemas.microsoft.com/office/drawing/2014/main" id="{18DE8F5A-070C-FDC2-EF85-422C710908D9}"/>
+                  </a:ext>
+                </a:extLst>
+              </p:cNvPr>
+              <p:cNvSpPr/>
+              <p:nvPr/>
+            </p:nvSpPr>
+            <p:spPr>
+              <a:xfrm>
+                <a:off x="3376808" y="4830510"/>
+                <a:ext cx="236878" cy="150554"/>
+              </a:xfrm>
+              <a:prstGeom prst="roundRect">
+                <a:avLst/>
+              </a:prstGeom>
+              <a:ln>
+                <a:solidFill>
+                  <a:schemeClr val="bg2">
+                    <a:lumMod val="50000"/>
+                  </a:schemeClr>
+                </a:solidFill>
+              </a:ln>
+            </p:spPr>
+            <p:style>
+              <a:lnRef idx="2">
+                <a:schemeClr val="dk1">
+                  <a:shade val="50000"/>
+                </a:schemeClr>
+              </a:lnRef>
+              <a:fillRef idx="1">
+                <a:schemeClr val="dk1"/>
+              </a:fillRef>
+              <a:effectRef idx="0">
+                <a:schemeClr val="dk1"/>
+              </a:effectRef>
+              <a:fontRef idx="minor">
+                <a:schemeClr val="lt1"/>
+              </a:fontRef>
+            </p:style>
+            <p:txBody>
+              <a:bodyPr rtlCol="0" anchor="ctr"/>
+              <a:lstStyle/>
+              <a:p>
+                <a:pPr algn="ctr"/>
+                <a:endParaRPr lang="pt-PT" dirty="0"/>
+              </a:p>
+            </p:txBody>
+          </p:sp>
+        </p:grpSp>
+        <p:grpSp>
+          <p:nvGrpSpPr>
+            <p:cNvPr id="66" name="Agrupar 65">
+              <a:extLst>
+                <a:ext uri="{FF2B5EF4-FFF2-40B4-BE49-F238E27FC236}">
+                  <a16:creationId xmlns:a16="http://schemas.microsoft.com/office/drawing/2014/main" id="{C3CBAF37-AD37-6869-3113-B96E948C069F}"/>
+                </a:ext>
+              </a:extLst>
+            </p:cNvPr>
+            <p:cNvGrpSpPr/>
+            <p:nvPr/>
+          </p:nvGrpSpPr>
+          <p:grpSpPr>
+            <a:xfrm>
+              <a:off x="7238571" y="5059095"/>
+              <a:ext cx="342500" cy="369276"/>
+              <a:chOff x="3376808" y="4679956"/>
+              <a:chExt cx="236878" cy="301108"/>
+            </a:xfrm>
+          </p:grpSpPr>
+          <p:sp>
+            <p:nvSpPr>
+              <p:cNvPr id="67" name="Retângulo: Cantos Arredondados 66">
+                <a:extLst>
+                  <a:ext uri="{FF2B5EF4-FFF2-40B4-BE49-F238E27FC236}">
+                    <a16:creationId xmlns:a16="http://schemas.microsoft.com/office/drawing/2014/main" id="{9C767899-B452-1E55-98F2-CE91CCB6AF93}"/>
+                  </a:ext>
+                </a:extLst>
+              </p:cNvPr>
+              <p:cNvSpPr/>
+              <p:nvPr/>
+            </p:nvSpPr>
+            <p:spPr>
+              <a:xfrm>
+                <a:off x="3376808" y="4679956"/>
+                <a:ext cx="236878" cy="150554"/>
+              </a:xfrm>
+              <a:prstGeom prst="roundRect">
+                <a:avLst/>
+              </a:prstGeom>
+              <a:ln>
+                <a:solidFill>
+                  <a:schemeClr val="bg2">
+                    <a:lumMod val="50000"/>
+                  </a:schemeClr>
+                </a:solidFill>
+              </a:ln>
+            </p:spPr>
+            <p:style>
+              <a:lnRef idx="2">
+                <a:schemeClr val="dk1">
+                  <a:shade val="50000"/>
+                </a:schemeClr>
+              </a:lnRef>
+              <a:fillRef idx="1">
+                <a:schemeClr val="dk1"/>
+              </a:fillRef>
+              <a:effectRef idx="0">
+                <a:schemeClr val="dk1"/>
+              </a:effectRef>
+              <a:fontRef idx="minor">
+                <a:schemeClr val="lt1"/>
+              </a:fontRef>
+            </p:style>
+            <p:txBody>
+              <a:bodyPr rtlCol="0" anchor="ctr"/>
+              <a:lstStyle/>
+              <a:p>
+                <a:pPr algn="ctr"/>
+                <a:endParaRPr lang="pt-PT" dirty="0"/>
+              </a:p>
+            </p:txBody>
+          </p:sp>
+          <p:sp>
+            <p:nvSpPr>
+              <p:cNvPr id="68" name="Retângulo: Cantos Arredondados 67">
+                <a:extLst>
+                  <a:ext uri="{FF2B5EF4-FFF2-40B4-BE49-F238E27FC236}">
+                    <a16:creationId xmlns:a16="http://schemas.microsoft.com/office/drawing/2014/main" id="{7BBC8475-6298-57C6-0D4A-D58F07F3A7EA}"/>
+                  </a:ext>
+                </a:extLst>
+              </p:cNvPr>
+              <p:cNvSpPr/>
+              <p:nvPr/>
+            </p:nvSpPr>
+            <p:spPr>
+              <a:xfrm>
+                <a:off x="3376808" y="4830510"/>
+                <a:ext cx="236878" cy="150554"/>
+              </a:xfrm>
+              <a:prstGeom prst="roundRect">
+                <a:avLst/>
+              </a:prstGeom>
+              <a:ln>
+                <a:solidFill>
+                  <a:schemeClr val="bg2">
+                    <a:lumMod val="50000"/>
+                  </a:schemeClr>
+                </a:solidFill>
+              </a:ln>
+            </p:spPr>
+            <p:style>
+              <a:lnRef idx="2">
+                <a:schemeClr val="dk1">
+                  <a:shade val="50000"/>
+                </a:schemeClr>
+              </a:lnRef>
+              <a:fillRef idx="1">
+                <a:schemeClr val="dk1"/>
+              </a:fillRef>
+              <a:effectRef idx="0">
+                <a:schemeClr val="dk1"/>
+              </a:effectRef>
+              <a:fontRef idx="minor">
+                <a:schemeClr val="lt1"/>
+              </a:fontRef>
+            </p:style>
+            <p:txBody>
+              <a:bodyPr rtlCol="0" anchor="ctr"/>
+              <a:lstStyle/>
+              <a:p>
+                <a:pPr algn="ctr"/>
+                <a:endParaRPr lang="pt-PT" dirty="0"/>
+              </a:p>
+            </p:txBody>
+          </p:sp>
+        </p:grpSp>
+        <p:cxnSp>
+          <p:nvCxnSpPr>
+            <p:cNvPr id="69" name="Conexão reta unidirecional 68">
+              <a:extLst>
+                <a:ext uri="{FF2B5EF4-FFF2-40B4-BE49-F238E27FC236}">
+                  <a16:creationId xmlns:a16="http://schemas.microsoft.com/office/drawing/2014/main" id="{C0CD8DA2-2982-F35C-C8D0-2FC06A7D3959}"/>
+                </a:ext>
+              </a:extLst>
+            </p:cNvPr>
+            <p:cNvCxnSpPr>
+              <a:cxnSpLocks/>
+            </p:cNvCxnSpPr>
+            <p:nvPr/>
+          </p:nvCxnSpPr>
+          <p:spPr>
+            <a:xfrm>
+              <a:off x="3780758" y="3387978"/>
+              <a:ext cx="634340" cy="0"/>
+            </a:xfrm>
+            <a:prstGeom prst="straightConnector1">
+              <a:avLst/>
+            </a:prstGeom>
+            <a:ln>
+              <a:headEnd type="triangle"/>
+              <a:tailEnd type="triangle"/>
+            </a:ln>
+          </p:spPr>
+          <p:style>
+            <a:lnRef idx="1">
+              <a:schemeClr val="dk1"/>
+            </a:lnRef>
+            <a:fillRef idx="0">
+              <a:schemeClr val="dk1"/>
+            </a:fillRef>
+            <a:effectRef idx="0">
+              <a:schemeClr val="dk1"/>
+            </a:effectRef>
+            <a:fontRef idx="minor">
+              <a:schemeClr val="tx1"/>
+            </a:fontRef>
+          </p:style>
+        </p:cxnSp>
+        <p:sp>
+          <p:nvSpPr>
+            <p:cNvPr id="70" name="CaixaDeTexto 69">
+              <a:extLst>
+                <a:ext uri="{FF2B5EF4-FFF2-40B4-BE49-F238E27FC236}">
+                  <a16:creationId xmlns:a16="http://schemas.microsoft.com/office/drawing/2014/main" id="{A012F2EC-65F9-6F00-3849-0AE0DF0D3099}"/>
+                </a:ext>
+              </a:extLst>
+            </p:cNvPr>
+            <p:cNvSpPr txBox="1"/>
+            <p:nvPr/>
+          </p:nvSpPr>
+          <p:spPr>
+            <a:xfrm>
+              <a:off x="3861861" y="3161275"/>
+              <a:ext cx="486897" cy="246221"/>
+            </a:xfrm>
+            <a:prstGeom prst="rect">
+              <a:avLst/>
+            </a:prstGeom>
+            <a:noFill/>
+          </p:spPr>
+          <p:txBody>
+            <a:bodyPr wrap="square" rtlCol="0">
+              <a:spAutoFit/>
+            </a:bodyPr>
+            <a:lstStyle/>
+            <a:p>
+              <a:r>
+                <a:rPr lang="pt-PT" sz="1000" dirty="0">
+                  <a:latin typeface="Abadi" panose="020B0604020104020204" pitchFamily="34" charset="0"/>
+                </a:rPr>
+                <a:t>1,1m</a:t>
+              </a:r>
+            </a:p>
+          </p:txBody>
+        </p:sp>
+        <p:sp>
+          <p:nvSpPr>
+            <p:cNvPr id="77" name="CaixaDeTexto 76">
+              <a:extLst>
+                <a:ext uri="{FF2B5EF4-FFF2-40B4-BE49-F238E27FC236}">
+                  <a16:creationId xmlns:a16="http://schemas.microsoft.com/office/drawing/2014/main" id="{D115892A-B73D-6B29-3A85-DC91C25F1B6D}"/>
+                </a:ext>
+              </a:extLst>
+            </p:cNvPr>
+            <p:cNvSpPr txBox="1"/>
+            <p:nvPr/>
+          </p:nvSpPr>
+          <p:spPr>
+            <a:xfrm rot="16200000">
+              <a:off x="2673137" y="4715442"/>
+              <a:ext cx="1235967" cy="261610"/>
+            </a:xfrm>
+            <a:prstGeom prst="rect">
+              <a:avLst/>
+            </a:prstGeom>
+            <a:noFill/>
+          </p:spPr>
+          <p:txBody>
+            <a:bodyPr wrap="square" rtlCol="0">
+              <a:spAutoFit/>
+            </a:bodyPr>
+            <a:lstStyle/>
+            <a:p>
+              <a:pPr algn="ctr"/>
+              <a:r>
+                <a:rPr lang="pt-PT" sz="1100" dirty="0">
+                  <a:latin typeface="Abadi" panose="020B0604020104020204" pitchFamily="34" charset="0"/>
+                </a:rPr>
+                <a:t>Turbogerador </a:t>
+              </a:r>
+            </a:p>
+          </p:txBody>
+        </p:sp>
+        <p:sp>
+          <p:nvSpPr>
+            <p:cNvPr id="78" name="CaixaDeTexto 77">
+              <a:extLst>
+                <a:ext uri="{FF2B5EF4-FFF2-40B4-BE49-F238E27FC236}">
+                  <a16:creationId xmlns:a16="http://schemas.microsoft.com/office/drawing/2014/main" id="{0A024374-90A6-1128-7105-931D55AF3249}"/>
+                </a:ext>
+              </a:extLst>
+            </p:cNvPr>
+            <p:cNvSpPr txBox="1"/>
+            <p:nvPr/>
+          </p:nvSpPr>
+          <p:spPr>
+            <a:xfrm rot="16200000">
+              <a:off x="7508007" y="4614748"/>
+              <a:ext cx="953854" cy="276999"/>
+            </a:xfrm>
+            <a:prstGeom prst="rect">
+              <a:avLst/>
+            </a:prstGeom>
+            <a:noFill/>
+          </p:spPr>
+          <p:txBody>
+            <a:bodyPr wrap="square" rtlCol="0">
+              <a:spAutoFit/>
+            </a:bodyPr>
+            <a:lstStyle/>
+            <a:p>
+              <a:r>
+                <a:rPr lang="pt-PT" sz="1200" dirty="0">
+                  <a:latin typeface="Abadi" panose="020B0604020104020204" pitchFamily="34" charset="0"/>
+                </a:rPr>
+                <a:t>Aviónica</a:t>
+              </a:r>
+            </a:p>
+          </p:txBody>
+        </p:sp>
+        <p:sp>
+          <p:nvSpPr>
+            <p:cNvPr id="80" name="CaixaDeTexto 79">
+              <a:extLst>
+                <a:ext uri="{FF2B5EF4-FFF2-40B4-BE49-F238E27FC236}">
+                  <a16:creationId xmlns:a16="http://schemas.microsoft.com/office/drawing/2014/main" id="{859A29A1-95F6-DCD5-DA4C-F37A6E94490E}"/>
+                </a:ext>
+              </a:extLst>
+            </p:cNvPr>
+            <p:cNvSpPr txBox="1"/>
+            <p:nvPr/>
+          </p:nvSpPr>
+          <p:spPr>
+            <a:xfrm>
+              <a:off x="3931484" y="4676196"/>
+              <a:ext cx="1155477" cy="276999"/>
+            </a:xfrm>
+            <a:prstGeom prst="rect">
+              <a:avLst/>
+            </a:prstGeom>
+            <a:noFill/>
+            <a:ln>
+              <a:solidFill>
+                <a:schemeClr val="tx1"/>
+              </a:solidFill>
+              <a:prstDash val="dash"/>
+            </a:ln>
+          </p:spPr>
+          <p:txBody>
+            <a:bodyPr wrap="square" rtlCol="0">
+              <a:spAutoFit/>
+            </a:bodyPr>
+            <a:lstStyle/>
+            <a:p>
+              <a:pPr algn="ctr"/>
+              <a:r>
+                <a:rPr lang="pt-PT" sz="1200" dirty="0"/>
+                <a:t>Bagagem</a:t>
+              </a:r>
+            </a:p>
+          </p:txBody>
+        </p:sp>
+        <p:sp>
+          <p:nvSpPr>
+            <p:cNvPr id="81" name="Retângulo 80">
+              <a:extLst>
+                <a:ext uri="{FF2B5EF4-FFF2-40B4-BE49-F238E27FC236}">
+                  <a16:creationId xmlns:a16="http://schemas.microsoft.com/office/drawing/2014/main" id="{6173FC49-578A-48B0-C570-9CC79BBE4E0C}"/>
+                </a:ext>
+              </a:extLst>
+            </p:cNvPr>
+            <p:cNvSpPr/>
+            <p:nvPr/>
+          </p:nvSpPr>
+          <p:spPr>
+            <a:xfrm>
+              <a:off x="2273718" y="2700824"/>
+              <a:ext cx="180000" cy="180475"/>
+            </a:xfrm>
+            <a:prstGeom prst="rect">
+              <a:avLst/>
+            </a:prstGeom>
+          </p:spPr>
+          <p:style>
+            <a:lnRef idx="2">
+              <a:schemeClr val="accent1">
+                <a:shade val="50000"/>
+              </a:schemeClr>
+            </a:lnRef>
+            <a:fillRef idx="1">
+              <a:schemeClr val="accent1"/>
+            </a:fillRef>
+            <a:effectRef idx="0">
+              <a:schemeClr val="accent1"/>
+            </a:effectRef>
+            <a:fontRef idx="minor">
+              <a:schemeClr val="lt1"/>
+            </a:fontRef>
+          </p:style>
+          <p:txBody>
+            <a:bodyPr rtlCol="0" anchor="ctr"/>
+            <a:lstStyle/>
+            <a:p>
+              <a:pPr algn="ctr"/>
+              <a:endParaRPr lang="pt-PT" dirty="0"/>
+            </a:p>
+          </p:txBody>
+        </p:sp>
+        <p:sp>
+          <p:nvSpPr>
+            <p:cNvPr id="82" name="CaixaDeTexto 81">
+              <a:extLst>
+                <a:ext uri="{FF2B5EF4-FFF2-40B4-BE49-F238E27FC236}">
+                  <a16:creationId xmlns:a16="http://schemas.microsoft.com/office/drawing/2014/main" id="{15AEE124-2274-067B-5DF9-936A5B4C377D}"/>
+                </a:ext>
+              </a:extLst>
+            </p:cNvPr>
+            <p:cNvSpPr txBox="1"/>
+            <p:nvPr/>
+          </p:nvSpPr>
+          <p:spPr>
+            <a:xfrm>
+              <a:off x="2421606" y="2667950"/>
+              <a:ext cx="1501091" cy="246221"/>
+            </a:xfrm>
+            <a:prstGeom prst="rect">
+              <a:avLst/>
+            </a:prstGeom>
+            <a:noFill/>
+          </p:spPr>
+          <p:txBody>
+            <a:bodyPr wrap="square" rtlCol="0">
+              <a:spAutoFit/>
+            </a:bodyPr>
+            <a:lstStyle/>
+            <a:p>
+              <a:r>
+                <a:rPr lang="pt-PT" sz="1000" dirty="0"/>
+                <a:t>-</a:t>
+              </a:r>
+              <a:r>
+                <a:rPr lang="pt-PT" sz="800" dirty="0"/>
+                <a:t>Passageiros</a:t>
+              </a:r>
+            </a:p>
+          </p:txBody>
+        </p:sp>
+        <p:sp>
+          <p:nvSpPr>
+            <p:cNvPr id="84" name="Retângulo: Cantos Arredondados 83">
+              <a:extLst>
+                <a:ext uri="{FF2B5EF4-FFF2-40B4-BE49-F238E27FC236}">
+                  <a16:creationId xmlns:a16="http://schemas.microsoft.com/office/drawing/2014/main" id="{31932070-B777-20C3-09DB-6CC393E7580D}"/>
+                </a:ext>
+              </a:extLst>
+            </p:cNvPr>
+            <p:cNvSpPr/>
+            <p:nvPr/>
+          </p:nvSpPr>
+          <p:spPr>
+            <a:xfrm rot="16200000">
+              <a:off x="2251840" y="3020470"/>
+              <a:ext cx="236878" cy="150554"/>
+            </a:xfrm>
+            <a:prstGeom prst="roundRect">
+              <a:avLst/>
+            </a:prstGeom>
+            <a:ln>
+              <a:solidFill>
+                <a:schemeClr val="bg2">
+                  <a:lumMod val="50000"/>
+                </a:schemeClr>
+              </a:solidFill>
+            </a:ln>
+          </p:spPr>
+          <p:style>
+            <a:lnRef idx="2">
+              <a:schemeClr val="dk1">
+                <a:shade val="50000"/>
+              </a:schemeClr>
+            </a:lnRef>
+            <a:fillRef idx="1">
+              <a:schemeClr val="dk1"/>
+            </a:fillRef>
+            <a:effectRef idx="0">
+              <a:schemeClr val="dk1"/>
+            </a:effectRef>
+            <a:fontRef idx="minor">
+              <a:schemeClr val="lt1"/>
+            </a:fontRef>
+          </p:style>
+          <p:txBody>
+            <a:bodyPr rtlCol="0" anchor="ctr"/>
+            <a:lstStyle/>
+            <a:p>
+              <a:pPr algn="ctr"/>
+              <a:endParaRPr lang="pt-PT" dirty="0"/>
+            </a:p>
+          </p:txBody>
+        </p:sp>
+        <p:sp>
+          <p:nvSpPr>
+            <p:cNvPr id="86" name="CaixaDeTexto 85">
+              <a:extLst>
+                <a:ext uri="{FF2B5EF4-FFF2-40B4-BE49-F238E27FC236}">
+                  <a16:creationId xmlns:a16="http://schemas.microsoft.com/office/drawing/2014/main" id="{57D39D6E-4172-D045-765D-1BA27F269DAF}"/>
+                </a:ext>
+              </a:extLst>
+            </p:cNvPr>
+            <p:cNvSpPr txBox="1"/>
+            <p:nvPr/>
+          </p:nvSpPr>
+          <p:spPr>
+            <a:xfrm>
+              <a:off x="2406097" y="2957857"/>
+              <a:ext cx="1783469" cy="246221"/>
+            </a:xfrm>
+            <a:prstGeom prst="rect">
+              <a:avLst/>
+            </a:prstGeom>
+            <a:noFill/>
+          </p:spPr>
+          <p:txBody>
+            <a:bodyPr wrap="square" rtlCol="0">
+              <a:spAutoFit/>
+            </a:bodyPr>
+            <a:lstStyle/>
+            <a:p>
+              <a:r>
+                <a:rPr lang="pt-PT" sz="1000" dirty="0"/>
+                <a:t>-</a:t>
+              </a:r>
+              <a:r>
+                <a:rPr lang="pt-PT" sz="800" dirty="0"/>
+                <a:t>Roda: Trem de Aterragem</a:t>
+              </a:r>
+            </a:p>
+          </p:txBody>
+        </p:sp>
+        <p:grpSp>
+          <p:nvGrpSpPr>
+            <p:cNvPr id="92" name="Agrupar 91">
+              <a:extLst>
+                <a:ext uri="{FF2B5EF4-FFF2-40B4-BE49-F238E27FC236}">
+                  <a16:creationId xmlns:a16="http://schemas.microsoft.com/office/drawing/2014/main" id="{DBAFB52E-56C3-EFEC-602C-6CEA54655F8A}"/>
+                </a:ext>
+              </a:extLst>
+            </p:cNvPr>
+            <p:cNvGrpSpPr/>
+            <p:nvPr/>
+          </p:nvGrpSpPr>
+          <p:grpSpPr>
+            <a:xfrm>
+              <a:off x="3779698" y="803945"/>
+              <a:ext cx="1696900" cy="2223748"/>
+              <a:chOff x="3779698" y="803945"/>
+              <a:chExt cx="1696900" cy="2223748"/>
+            </a:xfrm>
+          </p:grpSpPr>
+          <p:sp>
+            <p:nvSpPr>
+              <p:cNvPr id="87" name="Retângulo 86">
+                <a:extLst>
+                  <a:ext uri="{FF2B5EF4-FFF2-40B4-BE49-F238E27FC236}">
+                    <a16:creationId xmlns:a16="http://schemas.microsoft.com/office/drawing/2014/main" id="{8666E87B-F3E3-CFC5-9938-B4946B652580}"/>
+                  </a:ext>
+                </a:extLst>
+              </p:cNvPr>
+              <p:cNvSpPr/>
+              <p:nvPr/>
+            </p:nvSpPr>
+            <p:spPr>
+              <a:xfrm rot="5400000">
+                <a:off x="4270566" y="1337952"/>
+                <a:ext cx="245863" cy="1227600"/>
+              </a:xfrm>
+              <a:prstGeom prst="rect">
+                <a:avLst/>
+              </a:prstGeom>
+              <a:solidFill>
+                <a:schemeClr val="bg2">
+                  <a:lumMod val="50000"/>
+                </a:schemeClr>
+              </a:solidFill>
+              <a:ln>
+                <a:solidFill>
+                  <a:schemeClr val="bg2">
+                    <a:lumMod val="50000"/>
+                  </a:schemeClr>
+                </a:solidFill>
+              </a:ln>
+            </p:spPr>
+            <p:style>
+              <a:lnRef idx="2">
+                <a:schemeClr val="accent1">
+                  <a:shade val="50000"/>
+                </a:schemeClr>
+              </a:lnRef>
+              <a:fillRef idx="1">
+                <a:schemeClr val="accent1"/>
+              </a:fillRef>
+              <a:effectRef idx="0">
+                <a:schemeClr val="accent1"/>
+              </a:effectRef>
+              <a:fontRef idx="minor">
+                <a:schemeClr val="lt1"/>
+              </a:fontRef>
+            </p:style>
+            <p:txBody>
+              <a:bodyPr rtlCol="0" anchor="ctr"/>
+              <a:lstStyle/>
+              <a:p>
+                <a:pPr algn="ctr"/>
+                <a:endParaRPr lang="pt-PT" dirty="0"/>
+              </a:p>
+            </p:txBody>
+          </p:sp>
+          <p:sp>
+            <p:nvSpPr>
+              <p:cNvPr id="90" name="Retângulo 89">
+                <a:extLst>
+                  <a:ext uri="{FF2B5EF4-FFF2-40B4-BE49-F238E27FC236}">
+                    <a16:creationId xmlns:a16="http://schemas.microsoft.com/office/drawing/2014/main" id="{BEEA3335-942E-39E0-5AD8-B1CC19B30438}"/>
+                  </a:ext>
+                </a:extLst>
+              </p:cNvPr>
+              <p:cNvSpPr/>
+              <p:nvPr/>
+            </p:nvSpPr>
+            <p:spPr>
+              <a:xfrm rot="8598820">
+                <a:off x="5230735" y="1800093"/>
+                <a:ext cx="245863" cy="1227600"/>
+              </a:xfrm>
+              <a:prstGeom prst="rect">
+                <a:avLst/>
+              </a:prstGeom>
+              <a:solidFill>
+                <a:schemeClr val="bg2">
+                  <a:lumMod val="50000"/>
+                </a:schemeClr>
+              </a:solidFill>
+              <a:ln>
+                <a:solidFill>
+                  <a:schemeClr val="bg2">
+                    <a:lumMod val="50000"/>
+                  </a:schemeClr>
+                </a:solidFill>
+              </a:ln>
+            </p:spPr>
+            <p:style>
+              <a:lnRef idx="2">
+                <a:schemeClr val="accent1">
+                  <a:shade val="50000"/>
+                </a:schemeClr>
+              </a:lnRef>
+              <a:fillRef idx="1">
+                <a:schemeClr val="accent1"/>
+              </a:fillRef>
+              <a:effectRef idx="0">
+                <a:schemeClr val="accent1"/>
+              </a:effectRef>
+              <a:fontRef idx="minor">
+                <a:schemeClr val="lt1"/>
+              </a:fontRef>
+            </p:style>
+            <p:txBody>
+              <a:bodyPr rtlCol="0" anchor="ctr"/>
+              <a:lstStyle/>
+              <a:p>
+                <a:pPr algn="ctr"/>
+                <a:endParaRPr lang="pt-PT" dirty="0"/>
+              </a:p>
+            </p:txBody>
+          </p:sp>
+          <p:sp>
+            <p:nvSpPr>
+              <p:cNvPr id="91" name="Retângulo 90">
+                <a:extLst>
+                  <a:ext uri="{FF2B5EF4-FFF2-40B4-BE49-F238E27FC236}">
+                    <a16:creationId xmlns:a16="http://schemas.microsoft.com/office/drawing/2014/main" id="{18A04A70-82D5-66BA-58E0-A705F426AA71}"/>
+                  </a:ext>
+                </a:extLst>
+              </p:cNvPr>
+              <p:cNvSpPr/>
+              <p:nvPr/>
+            </p:nvSpPr>
+            <p:spPr>
+              <a:xfrm rot="12648134">
+                <a:off x="5188055" y="803945"/>
+                <a:ext cx="245863" cy="1227600"/>
+              </a:xfrm>
+              <a:prstGeom prst="rect">
+                <a:avLst/>
+              </a:prstGeom>
+              <a:solidFill>
+                <a:schemeClr val="bg2">
+                  <a:lumMod val="50000"/>
+                </a:schemeClr>
+              </a:solidFill>
+              <a:ln>
+                <a:solidFill>
+                  <a:schemeClr val="bg2">
+                    <a:lumMod val="50000"/>
+                  </a:schemeClr>
+                </a:solidFill>
+              </a:ln>
+            </p:spPr>
+            <p:style>
+              <a:lnRef idx="2">
+                <a:schemeClr val="accent1">
+                  <a:shade val="50000"/>
+                </a:schemeClr>
+              </a:lnRef>
+              <a:fillRef idx="1">
+                <a:schemeClr val="accent1"/>
+              </a:fillRef>
+              <a:effectRef idx="0">
+                <a:schemeClr val="accent1"/>
+              </a:effectRef>
+              <a:fontRef idx="minor">
+                <a:schemeClr val="lt1"/>
+              </a:fontRef>
+            </p:style>
+            <p:txBody>
+              <a:bodyPr rtlCol="0" anchor="ctr"/>
+              <a:lstStyle/>
+              <a:p>
+                <a:pPr algn="ctr"/>
+                <a:endParaRPr lang="pt-PT" dirty="0"/>
+              </a:p>
+            </p:txBody>
+          </p:sp>
+        </p:grpSp>
+        <p:grpSp>
+          <p:nvGrpSpPr>
+            <p:cNvPr id="93" name="Agrupar 92">
+              <a:extLst>
+                <a:ext uri="{FF2B5EF4-FFF2-40B4-BE49-F238E27FC236}">
+                  <a16:creationId xmlns:a16="http://schemas.microsoft.com/office/drawing/2014/main" id="{75B9BAF1-0D45-BA1B-6233-25411B290E73}"/>
+                </a:ext>
+              </a:extLst>
+            </p:cNvPr>
+            <p:cNvGrpSpPr/>
+            <p:nvPr/>
+          </p:nvGrpSpPr>
+          <p:grpSpPr>
+            <a:xfrm rot="15411599">
+              <a:off x="7063052" y="1183761"/>
+              <a:ext cx="1696900" cy="2223747"/>
+              <a:chOff x="3743033" y="961007"/>
+              <a:chExt cx="1696900" cy="2223747"/>
+            </a:xfrm>
+          </p:grpSpPr>
+          <p:sp>
+            <p:nvSpPr>
+              <p:cNvPr id="94" name="Retângulo 93">
+                <a:extLst>
+                  <a:ext uri="{FF2B5EF4-FFF2-40B4-BE49-F238E27FC236}">
+                    <a16:creationId xmlns:a16="http://schemas.microsoft.com/office/drawing/2014/main" id="{63403F3E-0834-F52A-F29F-B4FC480C3002}"/>
+                  </a:ext>
+                </a:extLst>
+              </p:cNvPr>
+              <p:cNvSpPr/>
+              <p:nvPr/>
+            </p:nvSpPr>
+            <p:spPr>
+              <a:xfrm rot="5400000">
+                <a:off x="4233901" y="1495013"/>
+                <a:ext cx="245863" cy="1227600"/>
+              </a:xfrm>
+              <a:prstGeom prst="rect">
+                <a:avLst/>
+              </a:prstGeom>
+              <a:solidFill>
+                <a:schemeClr val="bg2">
+                  <a:lumMod val="50000"/>
+                </a:schemeClr>
+              </a:solidFill>
+              <a:ln>
+                <a:solidFill>
+                  <a:schemeClr val="bg2">
+                    <a:lumMod val="50000"/>
+                  </a:schemeClr>
+                </a:solidFill>
+              </a:ln>
+            </p:spPr>
+            <p:style>
+              <a:lnRef idx="2">
+                <a:schemeClr val="accent1">
+                  <a:shade val="50000"/>
+                </a:schemeClr>
+              </a:lnRef>
+              <a:fillRef idx="1">
+                <a:schemeClr val="accent1"/>
+              </a:fillRef>
+              <a:effectRef idx="0">
+                <a:schemeClr val="accent1"/>
+              </a:effectRef>
+              <a:fontRef idx="minor">
+                <a:schemeClr val="lt1"/>
+              </a:fontRef>
+            </p:style>
+            <p:txBody>
+              <a:bodyPr rtlCol="0" anchor="ctr"/>
+              <a:lstStyle/>
+              <a:p>
+                <a:pPr algn="ctr"/>
+                <a:endParaRPr lang="pt-PT" dirty="0"/>
+              </a:p>
+            </p:txBody>
+          </p:sp>
+          <p:sp>
+            <p:nvSpPr>
+              <p:cNvPr id="95" name="Retângulo 94">
+                <a:extLst>
+                  <a:ext uri="{FF2B5EF4-FFF2-40B4-BE49-F238E27FC236}">
+                    <a16:creationId xmlns:a16="http://schemas.microsoft.com/office/drawing/2014/main" id="{D6D89799-2E3B-81C0-DD3C-4EF02C389BEA}"/>
+                  </a:ext>
+                </a:extLst>
+              </p:cNvPr>
+              <p:cNvSpPr/>
+              <p:nvPr/>
+            </p:nvSpPr>
+            <p:spPr>
+              <a:xfrm rot="8598820">
+                <a:off x="5194070" y="1957154"/>
+                <a:ext cx="245863" cy="1227600"/>
+              </a:xfrm>
+              <a:prstGeom prst="rect">
+                <a:avLst/>
+              </a:prstGeom>
+              <a:solidFill>
+                <a:schemeClr val="bg2">
+                  <a:lumMod val="50000"/>
+                </a:schemeClr>
+              </a:solidFill>
+              <a:ln>
+                <a:solidFill>
+                  <a:schemeClr val="bg2">
+                    <a:lumMod val="50000"/>
+                  </a:schemeClr>
+                </a:solidFill>
+              </a:ln>
+            </p:spPr>
+            <p:style>
+              <a:lnRef idx="2">
+                <a:schemeClr val="accent1">
+                  <a:shade val="50000"/>
+                </a:schemeClr>
+              </a:lnRef>
+              <a:fillRef idx="1">
+                <a:schemeClr val="accent1"/>
+              </a:fillRef>
+              <a:effectRef idx="0">
+                <a:schemeClr val="accent1"/>
+              </a:effectRef>
+              <a:fontRef idx="minor">
+                <a:schemeClr val="lt1"/>
+              </a:fontRef>
+            </p:style>
+            <p:txBody>
+              <a:bodyPr rtlCol="0" anchor="ctr"/>
+              <a:lstStyle/>
+              <a:p>
+                <a:pPr algn="ctr"/>
+                <a:endParaRPr lang="pt-PT" dirty="0"/>
+              </a:p>
+            </p:txBody>
+          </p:sp>
+          <p:sp>
+            <p:nvSpPr>
+              <p:cNvPr id="96" name="Retângulo 95">
+                <a:extLst>
+                  <a:ext uri="{FF2B5EF4-FFF2-40B4-BE49-F238E27FC236}">
+                    <a16:creationId xmlns:a16="http://schemas.microsoft.com/office/drawing/2014/main" id="{91FE3F5C-0A4A-0605-A20E-E6C6AECA3E21}"/>
+                  </a:ext>
+                </a:extLst>
+              </p:cNvPr>
+              <p:cNvSpPr/>
+              <p:nvPr/>
+            </p:nvSpPr>
+            <p:spPr>
+              <a:xfrm rot="12648134">
+                <a:off x="5151390" y="961007"/>
+                <a:ext cx="245863" cy="1227600"/>
+              </a:xfrm>
+              <a:prstGeom prst="rect">
+                <a:avLst/>
+              </a:prstGeom>
+              <a:solidFill>
+                <a:schemeClr val="bg2">
+                  <a:lumMod val="50000"/>
+                </a:schemeClr>
+              </a:solidFill>
+              <a:ln>
+                <a:solidFill>
+                  <a:schemeClr val="bg2">
+                    <a:lumMod val="50000"/>
+                  </a:schemeClr>
+                </a:solidFill>
+              </a:ln>
+            </p:spPr>
+            <p:style>
+              <a:lnRef idx="2">
+                <a:schemeClr val="accent1">
+                  <a:shade val="50000"/>
+                </a:schemeClr>
+              </a:lnRef>
+              <a:fillRef idx="1">
+                <a:schemeClr val="accent1"/>
+              </a:fillRef>
+              <a:effectRef idx="0">
+                <a:schemeClr val="accent1"/>
+              </a:effectRef>
+              <a:fontRef idx="minor">
+                <a:schemeClr val="lt1"/>
+              </a:fontRef>
+            </p:style>
+            <p:txBody>
+              <a:bodyPr rtlCol="0" anchor="ctr"/>
+              <a:lstStyle/>
+              <a:p>
+                <a:pPr algn="ctr"/>
+                <a:endParaRPr lang="pt-PT" dirty="0"/>
+              </a:p>
+            </p:txBody>
+          </p:sp>
+        </p:grpSp>
+        <p:grpSp>
+          <p:nvGrpSpPr>
+            <p:cNvPr id="97" name="Agrupar 96">
+              <a:extLst>
+                <a:ext uri="{FF2B5EF4-FFF2-40B4-BE49-F238E27FC236}">
+                  <a16:creationId xmlns:a16="http://schemas.microsoft.com/office/drawing/2014/main" id="{4D7E3363-B30B-A71C-7F57-07773D3BA454}"/>
+                </a:ext>
+              </a:extLst>
+            </p:cNvPr>
+            <p:cNvGrpSpPr/>
+            <p:nvPr/>
+          </p:nvGrpSpPr>
+          <p:grpSpPr>
+            <a:xfrm>
+              <a:off x="2205002" y="3306746"/>
+              <a:ext cx="180000" cy="256000"/>
+              <a:chOff x="3779698" y="803945"/>
+              <a:chExt cx="1696900" cy="2223748"/>
+            </a:xfrm>
+          </p:grpSpPr>
+          <p:sp>
+            <p:nvSpPr>
+              <p:cNvPr id="98" name="Retângulo 97">
+                <a:extLst>
+                  <a:ext uri="{FF2B5EF4-FFF2-40B4-BE49-F238E27FC236}">
+                    <a16:creationId xmlns:a16="http://schemas.microsoft.com/office/drawing/2014/main" id="{55989BC5-2555-2873-F610-4CE124315995}"/>
+                  </a:ext>
+                </a:extLst>
+              </p:cNvPr>
+              <p:cNvSpPr/>
+              <p:nvPr/>
+            </p:nvSpPr>
+            <p:spPr>
+              <a:xfrm rot="5400000">
+                <a:off x="4270566" y="1337952"/>
+                <a:ext cx="245863" cy="1227600"/>
+              </a:xfrm>
+              <a:prstGeom prst="rect">
+                <a:avLst/>
+              </a:prstGeom>
+              <a:solidFill>
+                <a:schemeClr val="bg2">
+                  <a:lumMod val="50000"/>
+                </a:schemeClr>
+              </a:solidFill>
+              <a:ln>
+                <a:solidFill>
+                  <a:schemeClr val="bg2">
+                    <a:lumMod val="50000"/>
+                  </a:schemeClr>
+                </a:solidFill>
+              </a:ln>
+            </p:spPr>
+            <p:style>
+              <a:lnRef idx="2">
+                <a:schemeClr val="accent1">
+                  <a:shade val="50000"/>
+                </a:schemeClr>
+              </a:lnRef>
+              <a:fillRef idx="1">
+                <a:schemeClr val="accent1"/>
+              </a:fillRef>
+              <a:effectRef idx="0">
+                <a:schemeClr val="accent1"/>
+              </a:effectRef>
+              <a:fontRef idx="minor">
+                <a:schemeClr val="lt1"/>
+              </a:fontRef>
+            </p:style>
+            <p:txBody>
+              <a:bodyPr rtlCol="0" anchor="ctr"/>
+              <a:lstStyle/>
+              <a:p>
+                <a:pPr algn="ctr"/>
+                <a:endParaRPr lang="pt-PT" dirty="0"/>
+              </a:p>
+            </p:txBody>
+          </p:sp>
+          <p:sp>
+            <p:nvSpPr>
+              <p:cNvPr id="99" name="Retângulo 98">
+                <a:extLst>
+                  <a:ext uri="{FF2B5EF4-FFF2-40B4-BE49-F238E27FC236}">
+                    <a16:creationId xmlns:a16="http://schemas.microsoft.com/office/drawing/2014/main" id="{71D89E37-DDF4-15E0-D6D2-D2E97B5F1B2A}"/>
+                  </a:ext>
+                </a:extLst>
+              </p:cNvPr>
+              <p:cNvSpPr/>
+              <p:nvPr/>
+            </p:nvSpPr>
+            <p:spPr>
+              <a:xfrm rot="8598820">
+                <a:off x="5230735" y="1800093"/>
+                <a:ext cx="245863" cy="1227600"/>
+              </a:xfrm>
+              <a:prstGeom prst="rect">
+                <a:avLst/>
+              </a:prstGeom>
+              <a:solidFill>
+                <a:schemeClr val="bg2">
+                  <a:lumMod val="50000"/>
+                </a:schemeClr>
+              </a:solidFill>
+              <a:ln>
+                <a:solidFill>
+                  <a:schemeClr val="bg2">
+                    <a:lumMod val="50000"/>
+                  </a:schemeClr>
+                </a:solidFill>
+              </a:ln>
+            </p:spPr>
+            <p:style>
+              <a:lnRef idx="2">
+                <a:schemeClr val="accent1">
+                  <a:shade val="50000"/>
+                </a:schemeClr>
+              </a:lnRef>
+              <a:fillRef idx="1">
+                <a:schemeClr val="accent1"/>
+              </a:fillRef>
+              <a:effectRef idx="0">
+                <a:schemeClr val="accent1"/>
+              </a:effectRef>
+              <a:fontRef idx="minor">
+                <a:schemeClr val="lt1"/>
+              </a:fontRef>
+            </p:style>
+            <p:txBody>
+              <a:bodyPr rtlCol="0" anchor="ctr"/>
+              <a:lstStyle/>
+              <a:p>
+                <a:pPr algn="ctr"/>
+                <a:endParaRPr lang="pt-PT" dirty="0"/>
+              </a:p>
+            </p:txBody>
+          </p:sp>
+          <p:sp>
+            <p:nvSpPr>
+              <p:cNvPr id="100" name="Retângulo 99">
+                <a:extLst>
+                  <a:ext uri="{FF2B5EF4-FFF2-40B4-BE49-F238E27FC236}">
+                    <a16:creationId xmlns:a16="http://schemas.microsoft.com/office/drawing/2014/main" id="{021985E4-A1D4-971A-B599-8B6D998D8230}"/>
+                  </a:ext>
+                </a:extLst>
+              </p:cNvPr>
+              <p:cNvSpPr/>
+              <p:nvPr/>
+            </p:nvSpPr>
+            <p:spPr>
+              <a:xfrm rot="12648134">
+                <a:off x="5188055" y="803945"/>
+                <a:ext cx="245863" cy="1227600"/>
+              </a:xfrm>
+              <a:prstGeom prst="rect">
+                <a:avLst/>
+              </a:prstGeom>
+              <a:solidFill>
+                <a:schemeClr val="bg2">
+                  <a:lumMod val="50000"/>
+                </a:schemeClr>
+              </a:solidFill>
+              <a:ln>
+                <a:solidFill>
+                  <a:schemeClr val="bg2">
+                    <a:lumMod val="50000"/>
+                  </a:schemeClr>
+                </a:solidFill>
+              </a:ln>
+            </p:spPr>
+            <p:style>
+              <a:lnRef idx="2">
+                <a:schemeClr val="accent1">
+                  <a:shade val="50000"/>
+                </a:schemeClr>
+              </a:lnRef>
+              <a:fillRef idx="1">
+                <a:schemeClr val="accent1"/>
+              </a:fillRef>
+              <a:effectRef idx="0">
+                <a:schemeClr val="accent1"/>
+              </a:effectRef>
+              <a:fontRef idx="minor">
+                <a:schemeClr val="lt1"/>
+              </a:fontRef>
+            </p:style>
+            <p:txBody>
+              <a:bodyPr rtlCol="0" anchor="ctr"/>
+              <a:lstStyle/>
+              <a:p>
+                <a:pPr algn="ctr"/>
+                <a:endParaRPr lang="pt-PT" dirty="0"/>
+              </a:p>
+            </p:txBody>
+          </p:sp>
+        </p:grpSp>
+        <p:sp>
+          <p:nvSpPr>
+            <p:cNvPr id="105" name="CaixaDeTexto 104">
+              <a:extLst>
+                <a:ext uri="{FF2B5EF4-FFF2-40B4-BE49-F238E27FC236}">
+                  <a16:creationId xmlns:a16="http://schemas.microsoft.com/office/drawing/2014/main" id="{B3AF3909-C915-C07B-1D65-8308A8D5707F}"/>
+                </a:ext>
+              </a:extLst>
+            </p:cNvPr>
+            <p:cNvSpPr txBox="1"/>
+            <p:nvPr/>
+          </p:nvSpPr>
+          <p:spPr>
+            <a:xfrm>
+              <a:off x="2406097" y="3301030"/>
+              <a:ext cx="1783469" cy="246221"/>
+            </a:xfrm>
+            <a:prstGeom prst="rect">
+              <a:avLst/>
+            </a:prstGeom>
+            <a:noFill/>
+          </p:spPr>
+          <p:txBody>
+            <a:bodyPr wrap="square" rtlCol="0">
+              <a:spAutoFit/>
+            </a:bodyPr>
+            <a:lstStyle/>
+            <a:p>
+              <a:r>
+                <a:rPr lang="pt-PT" sz="1000" dirty="0"/>
+                <a:t>-</a:t>
+              </a:r>
+              <a:r>
+                <a:rPr lang="pt-PT" sz="800" dirty="0"/>
+                <a:t>Rotor Elétrico</a:t>
+              </a:r>
+            </a:p>
+          </p:txBody>
+        </p:sp>
+        <p:cxnSp>
+          <p:nvCxnSpPr>
+            <p:cNvPr id="107" name="Conexão reta unidirecional 106">
+              <a:extLst>
+                <a:ext uri="{FF2B5EF4-FFF2-40B4-BE49-F238E27FC236}">
+                  <a16:creationId xmlns:a16="http://schemas.microsoft.com/office/drawing/2014/main" id="{0752D018-314E-3152-9DC2-935E210CB0F0}"/>
+                </a:ext>
+              </a:extLst>
+            </p:cNvPr>
+            <p:cNvCxnSpPr>
+              <a:cxnSpLocks/>
+            </p:cNvCxnSpPr>
+            <p:nvPr/>
+          </p:nvCxnSpPr>
+          <p:spPr>
+            <a:xfrm>
+              <a:off x="4418206" y="3801422"/>
+              <a:ext cx="1226820" cy="0"/>
+            </a:xfrm>
+            <a:prstGeom prst="straightConnector1">
+              <a:avLst/>
+            </a:prstGeom>
+            <a:ln>
+              <a:headEnd type="triangle"/>
+              <a:tailEnd type="triangle"/>
+            </a:ln>
+          </p:spPr>
+          <p:style>
+            <a:lnRef idx="1">
+              <a:schemeClr val="dk1"/>
+            </a:lnRef>
+            <a:fillRef idx="0">
+              <a:schemeClr val="dk1"/>
+            </a:fillRef>
+            <a:effectRef idx="0">
+              <a:schemeClr val="dk1"/>
+            </a:effectRef>
+            <a:fontRef idx="minor">
+              <a:schemeClr val="tx1"/>
+            </a:fontRef>
+          </p:style>
+        </p:cxnSp>
+        <p:sp>
+          <p:nvSpPr>
+            <p:cNvPr id="108" name="CaixaDeTexto 107">
+              <a:extLst>
+                <a:ext uri="{FF2B5EF4-FFF2-40B4-BE49-F238E27FC236}">
+                  <a16:creationId xmlns:a16="http://schemas.microsoft.com/office/drawing/2014/main" id="{F02393CF-2709-8D4F-FBFE-D83C59D6B5F0}"/>
+                </a:ext>
+              </a:extLst>
+            </p:cNvPr>
+            <p:cNvSpPr txBox="1"/>
+            <p:nvPr/>
+          </p:nvSpPr>
+          <p:spPr>
+            <a:xfrm>
+              <a:off x="4836353" y="3606517"/>
+              <a:ext cx="390525" cy="246221"/>
+            </a:xfrm>
+            <a:prstGeom prst="rect">
+              <a:avLst/>
+            </a:prstGeom>
+            <a:noFill/>
+          </p:spPr>
+          <p:txBody>
+            <a:bodyPr wrap="square" rtlCol="0">
+              <a:spAutoFit/>
+            </a:bodyPr>
+            <a:lstStyle/>
+            <a:p>
+              <a:r>
+                <a:rPr lang="pt-PT" sz="1000" dirty="0">
+                  <a:latin typeface="Abadi" panose="020B0604020104020204" pitchFamily="34" charset="0"/>
+                </a:rPr>
+                <a:t>2m</a:t>
+              </a:r>
+            </a:p>
+          </p:txBody>
+        </p:sp>
+      </p:grpSp>
+    </p:spTree>
+    <p:extLst>
+      <p:ext uri="{BB962C8B-B14F-4D97-AF65-F5344CB8AC3E}">
+        <p14:creationId xmlns:p14="http://schemas.microsoft.com/office/powerpoint/2010/main" val="507983269"/>
       </p:ext>
     </p:extLst>
   </p:cSld>
